--- a/PerfUniversity.pptx
+++ b/PerfUniversity.pptx
@@ -15,8 +15,8 @@
     <p:sldId id="398" r:id="rId3"/>
     <p:sldId id="409" r:id="rId4"/>
     <p:sldId id="442" r:id="rId5"/>
-    <p:sldId id="394" r:id="rId6"/>
-    <p:sldId id="443" r:id="rId7"/>
+    <p:sldId id="443" r:id="rId6"/>
+    <p:sldId id="394" r:id="rId7"/>
     <p:sldId id="445" r:id="rId8"/>
     <p:sldId id="444" r:id="rId9"/>
     <p:sldId id="399" r:id="rId10"/>
@@ -190,7 +190,7 @@
   </p:defaultTextStyle>
   <p:extLst>
     <p:ext uri="{EFAFB233-063F-42B5-8137-9DF3F51BA10A}">
-      <p15:sldGuideLst xmlns:p15="http://schemas.microsoft.com/office/powerpoint/2012/main" xmlns="">
+      <p15:sldGuideLst xmlns="" xmlns:p15="http://schemas.microsoft.com/office/powerpoint/2012/main">
         <p15:guide id="1" orient="horz" pos="1620">
           <p15:clr>
             <a:srgbClr val="A4A3A4"/>
@@ -204,7 +204,7 @@
       </p15:sldGuideLst>
     </p:ext>
     <p:ext uri="{2D200454-40CA-4A62-9FC3-DE9A4176ACB9}">
-      <p15:notesGuideLst xmlns:p15="http://schemas.microsoft.com/office/powerpoint/2012/main" xmlns=""/>
+      <p15:notesGuideLst xmlns="" xmlns:p15="http://schemas.microsoft.com/office/powerpoint/2012/main"/>
     </p:ext>
   </p:extLst>
 </p:presentation>
@@ -5492,8 +5492,8 @@
     <dgm:cxn modelId="{B0D5CD30-57DF-4D29-9EB6-8EF9AC501875}" type="presOf" srcId="{0875FB8C-61C4-444F-B072-0E7DA3532F32}" destId="{86284C6C-DE51-4318-888A-F3ECCF2598B5}" srcOrd="0" destOrd="0" presId="urn:microsoft.com/office/officeart/2005/8/layout/vList5"/>
     <dgm:cxn modelId="{F2220FE0-8EC0-4B30-A45E-E6B10180C87E}" type="presOf" srcId="{ED138812-7DF3-422E-8427-609ABF527EF8}" destId="{6A51B969-4301-456A-A58E-1ABBAB497FD3}" srcOrd="0" destOrd="0" presId="urn:microsoft.com/office/officeart/2005/8/layout/vList5"/>
     <dgm:cxn modelId="{F2FD0A1C-42F9-45F4-8046-6C8425DB8465}" srcId="{52407230-18E2-4EA0-839B-54E531E64E5C}" destId="{0875FB8C-61C4-444F-B072-0E7DA3532F32}" srcOrd="0" destOrd="0" parTransId="{55A71AF5-6664-4819-89EE-77FD1C8EC31B}" sibTransId="{DB23D6CB-2DF6-492A-87A0-600AB224676E}"/>
+    <dgm:cxn modelId="{C4D7B340-2F57-4099-85B0-897A8F8B8854}" type="presOf" srcId="{7BF58C16-ADE9-4CB4-B51C-18CCC3851E8F}" destId="{86284C6C-DE51-4318-888A-F3ECCF2598B5}" srcOrd="0" destOrd="1" presId="urn:microsoft.com/office/officeart/2005/8/layout/vList5"/>
     <dgm:cxn modelId="{DD40F434-5FD7-4D89-A20B-B2294F12AAF2}" srcId="{B7E31CAB-988B-4C5D-A8EB-201DAFECFC46}" destId="{9882B530-A874-49D1-A95D-986F33EB994C}" srcOrd="0" destOrd="0" parTransId="{E102818C-128E-48AF-938D-E2D00071C15D}" sibTransId="{37115658-A23C-4DDD-AF8F-2F518C140C7E}"/>
-    <dgm:cxn modelId="{C4D7B340-2F57-4099-85B0-897A8F8B8854}" type="presOf" srcId="{7BF58C16-ADE9-4CB4-B51C-18CCC3851E8F}" destId="{86284C6C-DE51-4318-888A-F3ECCF2598B5}" srcOrd="0" destOrd="1" presId="urn:microsoft.com/office/officeart/2005/8/layout/vList5"/>
     <dgm:cxn modelId="{4DD3E1A9-C0A9-41F4-BA12-13CD9C96EE9D}" srcId="{CA67DAD7-15D9-4899-B980-4DD9C4A46799}" destId="{9E7A8AB9-EFED-411D-9F4D-CB3023DB800D}" srcOrd="0" destOrd="0" parTransId="{F9C7FF34-E5D4-4469-8D2D-F364BCDF405E}" sibTransId="{035AB2A2-1DDE-48B0-A0F8-575247E2117D}"/>
     <dgm:cxn modelId="{4E0578E8-58DC-4BD4-8848-789500BF8710}" type="presOf" srcId="{9E7A8AB9-EFED-411D-9F4D-CB3023DB800D}" destId="{ACC1F8B2-765E-4D64-BFE1-49ECB56991B9}" srcOrd="0" destOrd="0" presId="urn:microsoft.com/office/officeart/2005/8/layout/vList5"/>
     <dgm:cxn modelId="{6F4C0F86-2943-41E3-AA97-EED6AA470EE5}" srcId="{CA67DAD7-15D9-4899-B980-4DD9C4A46799}" destId="{63507499-0A29-4EC9-8376-C1D8A354B555}" srcOrd="1" destOrd="0" parTransId="{BE8CD2CB-E3F5-4747-A679-7991AE6C85EB}" sibTransId="{107C41FC-E172-4DC3-85E3-EF7CD59F5FE4}"/>
@@ -18969,7 +18969,7 @@
               </a14:hiddenLine>
             </a:ext>
             <a:ext uri="{FAA26D3D-D897-4be2-8F04-BA451C77F1D7}">
-              <ma14:placeholderFlag xmlns:ma14="http://schemas.microsoft.com/office/mac/drawingml/2011/main" xmlns="" val="1"/>
+              <ma14:placeholderFlag xmlns="" xmlns:ma14="http://schemas.microsoft.com/office/mac/drawingml/2011/main" val="1"/>
             </a:ext>
           </a:extLst>
         </p:spPr>
@@ -19051,7 +19051,7 @@
               </a14:hiddenLine>
             </a:ext>
             <a:ext uri="{FAA26D3D-D897-4be2-8F04-BA451C77F1D7}">
-              <ma14:placeholderFlag xmlns:ma14="http://schemas.microsoft.com/office/mac/drawingml/2011/main" xmlns="" val="1"/>
+              <ma14:placeholderFlag xmlns="" xmlns:ma14="http://schemas.microsoft.com/office/mac/drawingml/2011/main" val="1"/>
             </a:ext>
           </a:extLst>
         </p:spPr>
@@ -25140,7 +25140,7 @@
         </p:blipFill>
         <p:spPr bwMode="auto">
           <a:xfrm>
-            <a:off x="4716016" y="2733769"/>
+            <a:off x="4716016" y="2384970"/>
             <a:ext cx="2609850" cy="642938"/>
           </a:xfrm>
           <a:prstGeom prst="rect">
@@ -25166,7 +25166,7 @@
         </p:blipFill>
         <p:spPr bwMode="auto">
           <a:xfrm>
-            <a:off x="6372200" y="1761660"/>
+            <a:off x="6672114" y="1637929"/>
             <a:ext cx="1812928" cy="355476"/>
           </a:xfrm>
           <a:prstGeom prst="rect">
@@ -25198,7 +25198,7 @@
         </p:blipFill>
         <p:spPr bwMode="auto">
           <a:xfrm>
-            <a:off x="5436096" y="1275606"/>
+            <a:off x="5436096" y="1000914"/>
             <a:ext cx="720080" cy="540061"/>
           </a:xfrm>
           <a:prstGeom prst="rect">
@@ -25209,7 +25209,7 @@
       </p:pic>
       <p:pic>
         <p:nvPicPr>
-          <p:cNvPr id="29" name="Picture 6"/>
+          <p:cNvPr id="33" name="Picture 11"/>
           <p:cNvPicPr>
             <a:picLocks noChangeAspect="1" noChangeArrowheads="1"/>
           </p:cNvPicPr>
@@ -25224,8 +25224,8 @@
         </p:blipFill>
         <p:spPr bwMode="auto">
           <a:xfrm>
-            <a:off x="7236296" y="1005576"/>
-            <a:ext cx="720080" cy="526559"/>
+            <a:off x="7524328" y="620474"/>
+            <a:ext cx="847947" cy="400274"/>
           </a:xfrm>
           <a:prstGeom prst="rect">
             <a:avLst/>
@@ -25241,7 +25241,7 @@
       </p:pic>
       <p:pic>
         <p:nvPicPr>
-          <p:cNvPr id="30" name="Picture 8" descr="Apache JMeter"/>
+          <p:cNvPr id="35" name="Picture 12"/>
           <p:cNvPicPr>
             <a:picLocks noChangeAspect="1" noChangeArrowheads="1"/>
           </p:cNvPicPr>
@@ -25256,169 +25256,7 @@
         </p:blipFill>
         <p:spPr bwMode="auto">
           <a:xfrm>
-            <a:off x="6588225" y="2301721"/>
-            <a:ext cx="1636973" cy="566645"/>
-          </a:xfrm>
-          <a:prstGeom prst="rect">
-            <a:avLst/>
-          </a:prstGeom>
-          <a:noFill/>
-        </p:spPr>
-      </p:pic>
-      <p:pic>
-        <p:nvPicPr>
-          <p:cNvPr id="31" name="Picture 10"/>
-          <p:cNvPicPr>
-            <a:picLocks noChangeAspect="1" noChangeArrowheads="1"/>
-          </p:cNvPicPr>
-          <p:nvPr/>
-        </p:nvPicPr>
-        <p:blipFill>
-          <a:blip r:embed="rId8" cstate="print"/>
-          <a:srcRect/>
-          <a:stretch>
-            <a:fillRect/>
-          </a:stretch>
-        </p:blipFill>
-        <p:spPr bwMode="auto">
-          <a:xfrm>
-            <a:off x="7653082" y="3651870"/>
-            <a:ext cx="1167390" cy="462265"/>
-          </a:xfrm>
-          <a:prstGeom prst="rect">
-            <a:avLst/>
-          </a:prstGeom>
-          <a:noFill/>
-          <a:ln w="9525">
-            <a:noFill/>
-            <a:miter lim="800000"/>
-            <a:headEnd/>
-            <a:tailEnd/>
-          </a:ln>
-        </p:spPr>
-      </p:pic>
-      <p:sp>
-        <p:nvSpPr>
-          <p:cNvPr id="32" name="Rectangle 31"/>
-          <p:cNvSpPr/>
-          <p:nvPr/>
-        </p:nvSpPr>
-        <p:spPr>
-          <a:xfrm>
-            <a:off x="7612486" y="3714162"/>
-            <a:ext cx="1496018" cy="369332"/>
-          </a:xfrm>
-          <a:prstGeom prst="rect">
-            <a:avLst/>
-          </a:prstGeom>
-        </p:spPr>
-        <p:txBody>
-          <a:bodyPr wrap="square">
-            <a:spAutoFit/>
-          </a:bodyPr>
-          <a:lstStyle/>
-          <a:p>
-            <a:r>
-              <a:rPr lang="fr-FR" sz="1800" b="1" dirty="0" smtClean="0">
-                <a:latin typeface="+mn-lt"/>
-              </a:rPr>
-              <a:t>Windows</a:t>
-            </a:r>
-            <a:endParaRPr lang="fr-FR" sz="1800" b="1" dirty="0">
-              <a:latin typeface="+mn-lt"/>
-            </a:endParaRPr>
-          </a:p>
-        </p:txBody>
-      </p:sp>
-      <p:pic>
-        <p:nvPicPr>
-          <p:cNvPr id="33" name="Picture 11"/>
-          <p:cNvPicPr>
-            <a:picLocks noChangeAspect="1" noChangeArrowheads="1"/>
-          </p:cNvPicPr>
-          <p:nvPr/>
-        </p:nvPicPr>
-        <p:blipFill>
-          <a:blip r:embed="rId9" cstate="print"/>
-          <a:srcRect/>
-          <a:stretch>
-            <a:fillRect/>
-          </a:stretch>
-        </p:blipFill>
-        <p:spPr bwMode="auto">
-          <a:xfrm>
-            <a:off x="8116541" y="4179148"/>
-            <a:ext cx="847947" cy="400274"/>
-          </a:xfrm>
-          <a:prstGeom prst="rect">
-            <a:avLst/>
-          </a:prstGeom>
-          <a:noFill/>
-          <a:ln w="9525">
-            <a:noFill/>
-            <a:miter lim="800000"/>
-            <a:headEnd/>
-            <a:tailEnd/>
-          </a:ln>
-        </p:spPr>
-      </p:pic>
-      <p:sp>
-        <p:nvSpPr>
-          <p:cNvPr id="34" name="Rectangle 33"/>
-          <p:cNvSpPr/>
-          <p:nvPr/>
-        </p:nvSpPr>
-        <p:spPr>
-          <a:xfrm>
-            <a:off x="7873320" y="4169736"/>
-            <a:ext cx="1152128" cy="461665"/>
-          </a:xfrm>
-          <a:prstGeom prst="rect">
-            <a:avLst/>
-          </a:prstGeom>
-        </p:spPr>
-        <p:txBody>
-          <a:bodyPr wrap="square">
-            <a:spAutoFit/>
-          </a:bodyPr>
-          <a:lstStyle/>
-          <a:p>
-            <a:r>
-              <a:rPr lang="fr-FR" b="1" dirty="0" err="1" smtClean="0">
-                <a:solidFill>
-                  <a:schemeClr val="bg1"/>
-                </a:solidFill>
-                <a:latin typeface="+mn-lt"/>
-              </a:rPr>
-              <a:t>NMon</a:t>
-            </a:r>
-            <a:endParaRPr lang="fr-FR" b="1" dirty="0">
-              <a:solidFill>
-                <a:schemeClr val="bg1"/>
-              </a:solidFill>
-              <a:latin typeface="+mn-lt"/>
-            </a:endParaRPr>
-          </a:p>
-        </p:txBody>
-      </p:sp>
-      <p:pic>
-        <p:nvPicPr>
-          <p:cNvPr id="35" name="Picture 12"/>
-          <p:cNvPicPr>
-            <a:picLocks noChangeAspect="1" noChangeArrowheads="1"/>
-          </p:cNvPicPr>
-          <p:nvPr/>
-        </p:nvPicPr>
-        <p:blipFill>
-          <a:blip r:embed="rId10" cstate="print"/>
-          <a:srcRect/>
-          <a:stretch>
-            <a:fillRect/>
-          </a:stretch>
-        </p:blipFill>
-        <p:spPr bwMode="auto">
-          <a:xfrm>
-            <a:off x="6012160" y="3651870"/>
+            <a:off x="5006727" y="4459940"/>
             <a:ext cx="1296144" cy="243027"/>
           </a:xfrm>
           <a:prstGeom prst="rect">
@@ -26089,6 +25927,248 @@
           </a:p>
         </p:txBody>
       </p:sp>
+      <p:sp>
+        <p:nvSpPr>
+          <p:cNvPr id="2" name="TextBox 1"/>
+          <p:cNvSpPr txBox="1"/>
+          <p:nvPr/>
+        </p:nvSpPr>
+        <p:spPr>
+          <a:xfrm>
+            <a:off x="7084205" y="1017029"/>
+            <a:ext cx="1728192" cy="253916"/>
+          </a:xfrm>
+          <a:prstGeom prst="rect">
+            <a:avLst/>
+          </a:prstGeom>
+          <a:noFill/>
+        </p:spPr>
+        <p:txBody>
+          <a:bodyPr wrap="square" rtlCol="0">
+            <a:spAutoFit/>
+          </a:bodyPr>
+          <a:lstStyle/>
+          <a:p>
+            <a:pPr algn="ctr"/>
+            <a:r>
+              <a:rPr lang="en-US" sz="1050" dirty="0" err="1">
+                <a:solidFill>
+                  <a:schemeClr val="tx2">
+                    <a:lumMod val="65000"/>
+                    <a:lumOff val="35000"/>
+                  </a:schemeClr>
+                </a:solidFill>
+                <a:latin typeface="Arial"/>
+              </a:rPr>
+              <a:t>v</a:t>
+            </a:r>
+            <a:r>
+              <a:rPr lang="en-US" sz="1050" dirty="0" err="1" smtClean="0">
+                <a:solidFill>
+                  <a:schemeClr val="tx2">
+                    <a:lumMod val="65000"/>
+                    <a:lumOff val="35000"/>
+                  </a:schemeClr>
+                </a:solidFill>
+                <a:latin typeface="Arial"/>
+              </a:rPr>
+              <a:t>mstat</a:t>
+            </a:r>
+            <a:r>
+              <a:rPr lang="en-US" sz="1050" dirty="0" smtClean="0">
+                <a:solidFill>
+                  <a:schemeClr val="tx2">
+                    <a:lumMod val="65000"/>
+                    <a:lumOff val="35000"/>
+                  </a:schemeClr>
+                </a:solidFill>
+                <a:latin typeface="Arial"/>
+              </a:rPr>
+              <a:t>, </a:t>
+            </a:r>
+            <a:r>
+              <a:rPr lang="en-US" sz="1050" dirty="0" err="1" smtClean="0">
+                <a:solidFill>
+                  <a:schemeClr val="tx2">
+                    <a:lumMod val="65000"/>
+                    <a:lumOff val="35000"/>
+                  </a:schemeClr>
+                </a:solidFill>
+                <a:latin typeface="Arial"/>
+              </a:rPr>
+              <a:t>nmon</a:t>
+            </a:r>
+            <a:r>
+              <a:rPr lang="en-US" sz="1050" dirty="0">
+                <a:solidFill>
+                  <a:schemeClr val="tx2">
+                    <a:lumMod val="65000"/>
+                    <a:lumOff val="35000"/>
+                  </a:schemeClr>
+                </a:solidFill>
+                <a:latin typeface="Arial"/>
+              </a:rPr>
+              <a:t>, </a:t>
+            </a:r>
+            <a:r>
+              <a:rPr lang="en-US" sz="1050" dirty="0" err="1" smtClean="0">
+                <a:solidFill>
+                  <a:schemeClr val="tx2">
+                    <a:lumMod val="65000"/>
+                    <a:lumOff val="35000"/>
+                  </a:schemeClr>
+                </a:solidFill>
+                <a:latin typeface="Arial"/>
+              </a:rPr>
+              <a:t>byobu</a:t>
+            </a:r>
+            <a:r>
+              <a:rPr lang="en-US" sz="1050" dirty="0" smtClean="0">
+                <a:solidFill>
+                  <a:schemeClr val="tx2">
+                    <a:lumMod val="65000"/>
+                    <a:lumOff val="35000"/>
+                  </a:schemeClr>
+                </a:solidFill>
+                <a:latin typeface="Arial"/>
+              </a:rPr>
+              <a:t>, …</a:t>
+            </a:r>
+            <a:endParaRPr lang="en-US" sz="1050" dirty="0" smtClean="0">
+              <a:solidFill>
+                <a:schemeClr val="tx2">
+                  <a:lumMod val="65000"/>
+                  <a:lumOff val="35000"/>
+                </a:schemeClr>
+              </a:solidFill>
+              <a:latin typeface="Arial"/>
+            </a:endParaRPr>
+          </a:p>
+        </p:txBody>
+      </p:sp>
+      <p:pic>
+        <p:nvPicPr>
+          <p:cNvPr id="2050" name="Picture 2" descr="http://metrics.codahale.com/_static/xmetrics-hat.png.pagespeed.ic.ndBrkKNw8j.png"/>
+          <p:cNvPicPr>
+            <a:picLocks noChangeAspect="1" noChangeArrowheads="1"/>
+          </p:cNvPicPr>
+          <p:nvPr/>
+        </p:nvPicPr>
+        <p:blipFill>
+          <a:blip r:embed="rId8">
+            <a:extLst>
+              <a:ext uri="{28A0092B-C50C-407E-A947-70E740481C1C}">
+                <a14:useLocalDpi xmlns:a14="http://schemas.microsoft.com/office/drawing/2010/main" val="0"/>
+              </a:ext>
+            </a:extLst>
+          </a:blip>
+          <a:srcRect/>
+          <a:stretch>
+            <a:fillRect/>
+          </a:stretch>
+        </p:blipFill>
+        <p:spPr bwMode="auto">
+          <a:xfrm>
+            <a:off x="7578578" y="3396534"/>
+            <a:ext cx="1184920" cy="1184920"/>
+          </a:xfrm>
+          <a:prstGeom prst="rect">
+            <a:avLst/>
+          </a:prstGeom>
+          <a:noFill/>
+          <a:extLst>
+            <a:ext uri="{909E8E84-426E-40DD-AFC4-6F175D3DCCD1}">
+              <a14:hiddenFill xmlns:a14="http://schemas.microsoft.com/office/drawing/2010/main">
+                <a:solidFill>
+                  <a:srgbClr val="FFFFFF"/>
+                </a:solidFill>
+              </a14:hiddenFill>
+            </a:ext>
+          </a:extLst>
+        </p:spPr>
+      </p:pic>
+      <p:pic>
+        <p:nvPicPr>
+          <p:cNvPr id="2052" name="Picture 4" descr="http://www.jclarity.com/wp-content/uploads/2013/08/Censum_icon.png"/>
+          <p:cNvPicPr>
+            <a:picLocks noChangeAspect="1" noChangeArrowheads="1"/>
+          </p:cNvPicPr>
+          <p:nvPr/>
+        </p:nvPicPr>
+        <p:blipFill>
+          <a:blip r:embed="rId9">
+            <a:extLst>
+              <a:ext uri="{28A0092B-C50C-407E-A947-70E740481C1C}">
+                <a14:useLocalDpi xmlns:a14="http://schemas.microsoft.com/office/drawing/2010/main" val="0"/>
+              </a:ext>
+            </a:extLst>
+          </a:blip>
+          <a:srcRect/>
+          <a:stretch>
+            <a:fillRect/>
+          </a:stretch>
+        </p:blipFill>
+        <p:spPr bwMode="auto">
+          <a:xfrm>
+            <a:off x="7884368" y="2367000"/>
+            <a:ext cx="733536" cy="733537"/>
+          </a:xfrm>
+          <a:prstGeom prst="rect">
+            <a:avLst/>
+          </a:prstGeom>
+          <a:noFill/>
+          <a:extLst>
+            <a:ext uri="{909E8E84-426E-40DD-AFC4-6F175D3DCCD1}">
+              <a14:hiddenFill xmlns:a14="http://schemas.microsoft.com/office/drawing/2010/main">
+                <a:solidFill>
+                  <a:srgbClr val="FFFFFF"/>
+                </a:solidFill>
+              </a14:hiddenFill>
+            </a:ext>
+          </a:extLst>
+        </p:spPr>
+      </p:pic>
+      <p:pic>
+        <p:nvPicPr>
+          <p:cNvPr id="2056" name="Picture 8" descr="Yourkit"/>
+          <p:cNvPicPr>
+            <a:picLocks noChangeAspect="1" noChangeArrowheads="1"/>
+          </p:cNvPicPr>
+          <p:nvPr/>
+        </p:nvPicPr>
+        <p:blipFill>
+          <a:blip r:embed="rId10">
+            <a:extLst>
+              <a:ext uri="{28A0092B-C50C-407E-A947-70E740481C1C}">
+                <a14:useLocalDpi xmlns:a14="http://schemas.microsoft.com/office/drawing/2010/main" val="0"/>
+              </a:ext>
+            </a:extLst>
+          </a:blip>
+          <a:srcRect/>
+          <a:stretch>
+            <a:fillRect/>
+          </a:stretch>
+        </p:blipFill>
+        <p:spPr bwMode="auto">
+          <a:xfrm>
+            <a:off x="5436096" y="3396534"/>
+            <a:ext cx="1733550" cy="542926"/>
+          </a:xfrm>
+          <a:prstGeom prst="rect">
+            <a:avLst/>
+          </a:prstGeom>
+          <a:noFill/>
+          <a:extLst>
+            <a:ext uri="{909E8E84-426E-40DD-AFC4-6F175D3DCCD1}">
+              <a14:hiddenFill xmlns:a14="http://schemas.microsoft.com/office/drawing/2010/main">
+                <a:solidFill>
+                  <a:srgbClr val="FFFFFF"/>
+                </a:solidFill>
+              </a14:hiddenFill>
+            </a:ext>
+          </a:extLst>
+        </p:spPr>
+      </p:pic>
     </p:spTree>
     <p:extLst>
       <p:ext uri="{BB962C8B-B14F-4D97-AF65-F5344CB8AC3E}">
@@ -26099,6 +26179,13 @@
   <p:clrMapOvr>
     <a:masterClrMapping/>
   </p:clrMapOvr>
+  <p:timing>
+    <p:tnLst>
+      <p:par>
+        <p:cTn id="1" dur="indefinite" restart="never" nodeType="tmRoot"/>
+      </p:par>
+    </p:tnLst>
+  </p:timing>
 </p:sld>
 </file>
 
@@ -26935,6 +27022,13 @@
   <p:clrMapOvr>
     <a:masterClrMapping/>
   </p:clrMapOvr>
+  <p:timing>
+    <p:tnLst>
+      <p:par>
+        <p:cTn id="1" dur="indefinite" restart="never" nodeType="tmRoot"/>
+      </p:par>
+    </p:tnLst>
+  </p:timing>
 </p:sld>
 </file>
 
@@ -27638,20 +27732,6 @@
           <a:p>
             <a:r>
               <a:rPr lang="fr-CA" sz="1200" dirty="0" smtClean="0"/>
-              <a:t>- Marc </a:t>
-            </a:r>
-            <a:r>
-              <a:rPr lang="fr-CA" sz="1200" dirty="0"/>
-              <a:t>introduit la méthodologie de tests de charge (enjeux, méthodologie) : 10 min</a:t>
-            </a:r>
-            <a:r>
-              <a:rPr lang="fr-CA" sz="1200" dirty="0" smtClean="0"/>
-              <a:t>.</a:t>
-            </a:r>
-          </a:p>
-          <a:p>
-            <a:r>
-              <a:rPr lang="fr-CA" sz="1200" dirty="0" smtClean="0"/>
               <a:t>- </a:t>
             </a:r>
             <a:r>
@@ -28145,6 +28225,13 @@
   <p:clrMapOvr>
     <a:masterClrMapping/>
   </p:clrMapOvr>
+  <p:timing>
+    <p:tnLst>
+      <p:par>
+        <p:cTn id="1" dur="indefinite" restart="never" nodeType="tmRoot"/>
+      </p:par>
+    </p:tnLst>
+  </p:timing>
 </p:sld>
 </file>
 
@@ -28860,6 +28947,13 @@
   <p:clrMapOvr>
     <a:masterClrMapping/>
   </p:clrMapOvr>
+  <p:timing>
+    <p:tnLst>
+      <p:par>
+        <p:cTn id="1" dur="indefinite" restart="never" nodeType="tmRoot"/>
+      </p:par>
+    </p:tnLst>
+  </p:timing>
 </p:sld>
 </file>
 
@@ -29461,6 +29555,13 @@
   <p:clrMapOvr>
     <a:masterClrMapping/>
   </p:clrMapOvr>
+  <p:timing>
+    <p:tnLst>
+      <p:par>
+        <p:cTn id="1" dur="indefinite" restart="never" nodeType="tmRoot"/>
+      </p:par>
+    </p:tnLst>
+  </p:timing>
 </p:sld>
 </file>
 
@@ -29699,6 +29800,13 @@
   <p:clrMapOvr>
     <a:masterClrMapping/>
   </p:clrMapOvr>
+  <p:timing>
+    <p:tnLst>
+      <p:par>
+        <p:cTn id="1" dur="indefinite" restart="never" nodeType="tmRoot"/>
+      </p:par>
+    </p:tnLst>
+  </p:timing>
 </p:sld>
 </file>
 
@@ -29916,6 +30024,13 @@
   <p:clrMapOvr>
     <a:masterClrMapping/>
   </p:clrMapOvr>
+  <p:timing>
+    <p:tnLst>
+      <p:par>
+        <p:cTn id="1" dur="indefinite" restart="never" nodeType="tmRoot"/>
+      </p:par>
+    </p:tnLst>
+  </p:timing>
 </p:sld>
 </file>
 
@@ -29998,6 +30113,13 @@
   <p:clrMapOvr>
     <a:masterClrMapping/>
   </p:clrMapOvr>
+  <p:timing>
+    <p:tnLst>
+      <p:par>
+        <p:cTn id="1" dur="indefinite" restart="never" nodeType="tmRoot"/>
+      </p:par>
+    </p:tnLst>
+  </p:timing>
 </p:sld>
 </file>
 
@@ -30455,6 +30577,13 @@
   <p:clrMapOvr>
     <a:masterClrMapping/>
   </p:clrMapOvr>
+  <p:timing>
+    <p:tnLst>
+      <p:par>
+        <p:cTn id="1" dur="indefinite" restart="never" nodeType="tmRoot"/>
+      </p:par>
+    </p:tnLst>
+  </p:timing>
 </p:sld>
 </file>
 
@@ -30773,6 +30902,13 @@
   <p:clrMapOvr>
     <a:masterClrMapping/>
   </p:clrMapOvr>
+  <p:timing>
+    <p:tnLst>
+      <p:par>
+        <p:cTn id="1" dur="indefinite" restart="never" nodeType="tmRoot"/>
+      </p:par>
+    </p:tnLst>
+  </p:timing>
 </p:sld>
 </file>
 
@@ -30853,6 +30989,13 @@
   <p:clrMapOvr>
     <a:masterClrMapping/>
   </p:clrMapOvr>
+  <p:timing>
+    <p:tnLst>
+      <p:par>
+        <p:cTn id="1" dur="indefinite" restart="never" nodeType="tmRoot"/>
+      </p:par>
+    </p:tnLst>
+  </p:timing>
 </p:sld>
 </file>
 
@@ -30925,6 +31068,13 @@
   <p:clrMapOvr>
     <a:masterClrMapping/>
   </p:clrMapOvr>
+  <p:timing>
+    <p:tnLst>
+      <p:par>
+        <p:cTn id="1" dur="indefinite" restart="never" nodeType="tmRoot"/>
+      </p:par>
+    </p:tnLst>
+  </p:timing>
 </p:sld>
 </file>
 
@@ -31574,7 +31724,38 @@
           <a:bodyPr/>
           <a:lstStyle/>
           <a:p>
-            <a:endParaRPr lang="fr-FR"/>
+            <a:r>
+              <a:rPr lang="fr-FR" dirty="0"/>
+              <a:t>BBL</a:t>
+            </a:r>
+          </a:p>
+          <a:p>
+            <a:r>
+              <a:rPr lang="fr-FR" dirty="0" err="1"/>
+              <a:t>PerfUG</a:t>
+            </a:r>
+            <a:endParaRPr lang="fr-FR" dirty="0"/>
+          </a:p>
+          <a:p>
+            <a:r>
+              <a:rPr lang="fr-FR" dirty="0" err="1"/>
+              <a:t>Conf</a:t>
+            </a:r>
+            <a:r>
+              <a:rPr lang="fr-FR" dirty="0"/>
+              <a:t> USI</a:t>
+            </a:r>
+          </a:p>
+          <a:p>
+            <a:r>
+              <a:rPr lang="fr-FR" dirty="0"/>
+              <a:t>Perf </a:t>
+            </a:r>
+            <a:r>
+              <a:rPr lang="fr-FR" dirty="0" err="1"/>
+              <a:t>dummies</a:t>
+            </a:r>
+            <a:endParaRPr lang="fr-FR" dirty="0"/>
           </a:p>
         </p:txBody>
       </p:sp>
@@ -31605,6 +31786,197 @@
           </a:p>
         </p:txBody>
       </p:sp>
+      <p:pic>
+        <p:nvPicPr>
+          <p:cNvPr id="4" name="Picture 2" descr="http://perfug.github.io/assets/themes/perfug/skin/logo_perfug.png"/>
+          <p:cNvPicPr>
+            <a:picLocks noChangeAspect="1" noChangeArrowheads="1"/>
+          </p:cNvPicPr>
+          <p:nvPr/>
+        </p:nvPicPr>
+        <p:blipFill>
+          <a:blip r:embed="rId2">
+            <a:extLst>
+              <a:ext uri="{28A0092B-C50C-407E-A947-70E740481C1C}">
+                <a14:useLocalDpi xmlns:a14="http://schemas.microsoft.com/office/drawing/2010/main" val="0"/>
+              </a:ext>
+            </a:extLst>
+          </a:blip>
+          <a:srcRect/>
+          <a:stretch>
+            <a:fillRect/>
+          </a:stretch>
+        </p:blipFill>
+        <p:spPr bwMode="auto">
+          <a:xfrm>
+            <a:off x="5856461" y="2617440"/>
+            <a:ext cx="2601172" cy="1283433"/>
+          </a:xfrm>
+          <a:prstGeom prst="rect">
+            <a:avLst/>
+          </a:prstGeom>
+          <a:noFill/>
+          <a:extLst>
+            <a:ext uri="{909E8E84-426E-40DD-AFC4-6F175D3DCCD1}">
+              <a14:hiddenFill xmlns:a14="http://schemas.microsoft.com/office/drawing/2010/main">
+                <a:solidFill>
+                  <a:srgbClr val="FFFFFF"/>
+                </a:solidFill>
+              </a14:hiddenFill>
+            </a:ext>
+          </a:extLst>
+        </p:spPr>
+      </p:pic>
+      <p:sp>
+        <p:nvSpPr>
+          <p:cNvPr id="5" name="TextBox 4"/>
+          <p:cNvSpPr txBox="1"/>
+          <p:nvPr/>
+        </p:nvSpPr>
+        <p:spPr>
+          <a:xfrm>
+            <a:off x="6004873" y="4038848"/>
+            <a:ext cx="3211796" cy="515901"/>
+          </a:xfrm>
+          <a:prstGeom prst="rect">
+            <a:avLst/>
+          </a:prstGeom>
+          <a:noFill/>
+        </p:spPr>
+        <p:txBody>
+          <a:bodyPr wrap="square" lIns="145152" tIns="72576" rIns="145152" bIns="72576" rtlCol="0">
+            <a:spAutoFit/>
+          </a:bodyPr>
+          <a:lstStyle/>
+          <a:p>
+            <a:r>
+              <a:rPr lang="fr-CA" sz="2400" dirty="0">
+                <a:hlinkClick r:id="rId3"/>
+              </a:rPr>
+              <a:t>http://perfug.github.io/</a:t>
+            </a:r>
+            <a:endParaRPr lang="fr-CA" sz="2400" dirty="0"/>
+          </a:p>
+        </p:txBody>
+      </p:sp>
+      <p:pic>
+        <p:nvPicPr>
+          <p:cNvPr id="6" name="Picture 4" descr="http://www.brownbaglunch.fr/images/BBL/BBL_light.png"/>
+          <p:cNvPicPr>
+            <a:picLocks noChangeAspect="1" noChangeArrowheads="1"/>
+          </p:cNvPicPr>
+          <p:nvPr/>
+        </p:nvPicPr>
+        <p:blipFill>
+          <a:blip r:embed="rId4">
+            <a:extLst>
+              <a:ext uri="{28A0092B-C50C-407E-A947-70E740481C1C}">
+                <a14:useLocalDpi xmlns:a14="http://schemas.microsoft.com/office/drawing/2010/main" val="0"/>
+              </a:ext>
+            </a:extLst>
+          </a:blip>
+          <a:srcRect/>
+          <a:stretch>
+            <a:fillRect/>
+          </a:stretch>
+        </p:blipFill>
+        <p:spPr bwMode="auto">
+          <a:xfrm>
+            <a:off x="288693" y="2715766"/>
+            <a:ext cx="2880320" cy="1152129"/>
+          </a:xfrm>
+          <a:prstGeom prst="rect">
+            <a:avLst/>
+          </a:prstGeom>
+          <a:solidFill>
+            <a:srgbClr val="59B5AA"/>
+          </a:solidFill>
+        </p:spPr>
+      </p:pic>
+      <p:sp>
+        <p:nvSpPr>
+          <p:cNvPr id="7" name="TextBox 6"/>
+          <p:cNvSpPr txBox="1"/>
+          <p:nvPr/>
+        </p:nvSpPr>
+        <p:spPr>
+          <a:xfrm>
+            <a:off x="-35851" y="4038848"/>
+            <a:ext cx="3528392" cy="515901"/>
+          </a:xfrm>
+          <a:prstGeom prst="rect">
+            <a:avLst/>
+          </a:prstGeom>
+          <a:noFill/>
+        </p:spPr>
+        <p:txBody>
+          <a:bodyPr wrap="square" lIns="145152" tIns="72576" rIns="145152" bIns="72576" rtlCol="0">
+            <a:spAutoFit/>
+          </a:bodyPr>
+          <a:lstStyle/>
+          <a:p>
+            <a:pPr algn="ctr"/>
+            <a:r>
+              <a:rPr lang="fr-CA" sz="2400" dirty="0">
+                <a:hlinkClick r:id="rId5"/>
+              </a:rPr>
+              <a:t>http://brownbaglunch.fr</a:t>
+            </a:r>
+            <a:endParaRPr lang="fr-CA" sz="2400" dirty="0"/>
+          </a:p>
+        </p:txBody>
+      </p:sp>
+      <p:sp>
+        <p:nvSpPr>
+          <p:cNvPr id="8" name="TextBox 7"/>
+          <p:cNvSpPr txBox="1"/>
+          <p:nvPr/>
+        </p:nvSpPr>
+        <p:spPr>
+          <a:xfrm>
+            <a:off x="4788024" y="843558"/>
+            <a:ext cx="2736304" cy="338554"/>
+          </a:xfrm>
+          <a:prstGeom prst="rect">
+            <a:avLst/>
+          </a:prstGeom>
+          <a:noFill/>
+        </p:spPr>
+        <p:txBody>
+          <a:bodyPr wrap="square" rtlCol="0">
+            <a:spAutoFit/>
+          </a:bodyPr>
+          <a:lstStyle/>
+          <a:p>
+            <a:pPr marL="171450" indent="-171450">
+              <a:buBlip>
+                <a:blip r:embed="rId6"/>
+              </a:buBlip>
+            </a:pPr>
+            <a:r>
+              <a:rPr lang="en-US" sz="1600" dirty="0" smtClean="0">
+                <a:solidFill>
+                  <a:schemeClr val="tx2">
+                    <a:lumMod val="65000"/>
+                    <a:lumOff val="35000"/>
+                  </a:schemeClr>
+                </a:solidFill>
+                <a:latin typeface="Arial"/>
+              </a:rPr>
+              <a:t>Tools</a:t>
+            </a:r>
+            <a:endParaRPr lang="en-US" sz="1600" dirty="0" smtClean="0">
+              <a:solidFill>
+                <a:schemeClr val="tx2">
+                  <a:lumMod val="65000"/>
+                  <a:lumOff val="35000"/>
+                </a:schemeClr>
+              </a:solidFill>
+              <a:latin typeface="Arial"/>
+            </a:endParaRPr>
+          </a:p>
+        </p:txBody>
+      </p:sp>
     </p:spTree>
     <p:extLst>
       <p:ext uri="{BB962C8B-B14F-4D97-AF65-F5344CB8AC3E}">
@@ -31615,6 +31987,13 @@
   <p:clrMapOvr>
     <a:masterClrMapping/>
   </p:clrMapOvr>
+  <p:timing>
+    <p:tnLst>
+      <p:par>
+        <p:cTn id="1" dur="indefinite" restart="never" nodeType="tmRoot"/>
+      </p:par>
+    </p:tnLst>
+  </p:timing>
 </p:sld>
 </file>
 
@@ -31635,79 +32014,6 @@
           <a:chExt cx="0" cy="0"/>
         </a:xfrm>
       </p:grpSpPr>
-      <p:pic>
-        <p:nvPicPr>
-          <p:cNvPr id="8" name="Picture 2" descr="http://perfug.github.io/assets/themes/perfug/skin/logo_perfug.png"/>
-          <p:cNvPicPr>
-            <a:picLocks noChangeAspect="1" noChangeArrowheads="1"/>
-          </p:cNvPicPr>
-          <p:nvPr/>
-        </p:nvPicPr>
-        <p:blipFill>
-          <a:blip r:embed="rId2">
-            <a:extLst>
-              <a:ext uri="{28A0092B-C50C-407E-A947-70E740481C1C}">
-                <a14:useLocalDpi xmlns:a14="http://schemas.microsoft.com/office/drawing/2010/main" val="0"/>
-              </a:ext>
-            </a:extLst>
-          </a:blip>
-          <a:srcRect/>
-          <a:stretch>
-            <a:fillRect/>
-          </a:stretch>
-        </p:blipFill>
-        <p:spPr bwMode="auto">
-          <a:xfrm>
-            <a:off x="5783792" y="457200"/>
-            <a:ext cx="2601172" cy="1283433"/>
-          </a:xfrm>
-          <a:prstGeom prst="rect">
-            <a:avLst/>
-          </a:prstGeom>
-          <a:noFill/>
-          <a:extLst>
-            <a:ext uri="{909E8E84-426E-40DD-AFC4-6F175D3DCCD1}">
-              <a14:hiddenFill xmlns:a14="http://schemas.microsoft.com/office/drawing/2010/main">
-                <a:solidFill>
-                  <a:srgbClr val="FFFFFF"/>
-                </a:solidFill>
-              </a14:hiddenFill>
-            </a:ext>
-          </a:extLst>
-        </p:spPr>
-      </p:pic>
-      <p:sp>
-        <p:nvSpPr>
-          <p:cNvPr id="9" name="TextBox 8"/>
-          <p:cNvSpPr txBox="1"/>
-          <p:nvPr/>
-        </p:nvSpPr>
-        <p:spPr>
-          <a:xfrm>
-            <a:off x="5932204" y="1878608"/>
-            <a:ext cx="3211796" cy="515901"/>
-          </a:xfrm>
-          <a:prstGeom prst="rect">
-            <a:avLst/>
-          </a:prstGeom>
-          <a:noFill/>
-        </p:spPr>
-        <p:txBody>
-          <a:bodyPr wrap="square" lIns="145152" tIns="72576" rIns="145152" bIns="72576" rtlCol="0">
-            <a:spAutoFit/>
-          </a:bodyPr>
-          <a:lstStyle/>
-          <a:p>
-            <a:r>
-              <a:rPr lang="fr-CA" sz="2400" dirty="0">
-                <a:hlinkClick r:id="rId3"/>
-              </a:rPr>
-              <a:t>http://perfug.github.io/</a:t>
-            </a:r>
-            <a:endParaRPr lang="fr-CA" sz="2400" dirty="0"/>
-          </a:p>
-        </p:txBody>
-      </p:sp>
       <p:sp>
         <p:nvSpPr>
           <p:cNvPr id="10" name="Content Placeholder 2"/>
@@ -31949,8 +32255,13 @@
             <a:pPr lvl="1"/>
             <a:r>
               <a:rPr lang="fr-CA" sz="2400" kern="0" dirty="0" smtClean="0"/>
-              <a:t>+Henri</a:t>
-            </a:r>
+              <a:t>+</a:t>
+            </a:r>
+            <a:r>
+              <a:rPr lang="fr-CA" sz="2400" kern="0" dirty="0" smtClean="0"/>
+              <a:t>Henri Tremblay</a:t>
+            </a:r>
+            <a:endParaRPr lang="fr-CA" sz="2400" kern="0" dirty="0" smtClean="0"/>
           </a:p>
           <a:p>
             <a:pPr lvl="1"/>
@@ -31968,78 +32279,11 @@
             <a:pPr lvl="1"/>
             <a:r>
               <a:rPr lang="fr-CA" sz="2400" kern="0" dirty="0" smtClean="0">
-                <a:hlinkClick r:id="rId4"/>
+                <a:hlinkClick r:id="rId2"/>
               </a:rPr>
               <a:t>htremblay@octo.com</a:t>
             </a:r>
             <a:endParaRPr lang="fr-CA" sz="2400" kern="0" dirty="0" smtClean="0"/>
-          </a:p>
-        </p:txBody>
-      </p:sp>
-      <p:pic>
-        <p:nvPicPr>
-          <p:cNvPr id="11" name="Picture 4" descr="http://www.brownbaglunch.fr/images/BBL/BBL_light.png"/>
-          <p:cNvPicPr>
-            <a:picLocks noChangeAspect="1" noChangeArrowheads="1"/>
-          </p:cNvPicPr>
-          <p:nvPr/>
-        </p:nvPicPr>
-        <p:blipFill>
-          <a:blip r:embed="rId5">
-            <a:extLst>
-              <a:ext uri="{28A0092B-C50C-407E-A947-70E740481C1C}">
-                <a14:useLocalDpi xmlns:a14="http://schemas.microsoft.com/office/drawing/2010/main" val="0"/>
-              </a:ext>
-            </a:extLst>
-          </a:blip>
-          <a:srcRect/>
-          <a:stretch>
-            <a:fillRect/>
-          </a:stretch>
-        </p:blipFill>
-        <p:spPr bwMode="auto">
-          <a:xfrm>
-            <a:off x="216024" y="555526"/>
-            <a:ext cx="2880320" cy="1152129"/>
-          </a:xfrm>
-          <a:prstGeom prst="rect">
-            <a:avLst/>
-          </a:prstGeom>
-          <a:solidFill>
-            <a:srgbClr val="59B5AA"/>
-          </a:solidFill>
-        </p:spPr>
-      </p:pic>
-      <p:sp>
-        <p:nvSpPr>
-          <p:cNvPr id="12" name="TextBox 11"/>
-          <p:cNvSpPr txBox="1"/>
-          <p:nvPr/>
-        </p:nvSpPr>
-        <p:spPr>
-          <a:xfrm>
-            <a:off x="-108520" y="1878608"/>
-            <a:ext cx="3528392" cy="515901"/>
-          </a:xfrm>
-          <a:prstGeom prst="rect">
-            <a:avLst/>
-          </a:prstGeom>
-          <a:noFill/>
-        </p:spPr>
-        <p:txBody>
-          <a:bodyPr wrap="square" lIns="145152" tIns="72576" rIns="145152" bIns="72576" rtlCol="0">
-            <a:spAutoFit/>
-          </a:bodyPr>
-          <a:lstStyle/>
-          <a:p>
-            <a:pPr algn="ctr"/>
-            <a:r>
-              <a:rPr lang="fr-CA" sz="2400" dirty="0">
-                <a:hlinkClick r:id="rId6"/>
-              </a:rPr>
-              <a:t>http://brownbaglunch.fr</a:t>
-            </a:r>
-            <a:endParaRPr lang="fr-CA" sz="2400" dirty="0"/>
           </a:p>
         </p:txBody>
       </p:sp>
@@ -32052,7 +32296,7 @@
           <p:nvPr/>
         </p:nvPicPr>
         <p:blipFill>
-          <a:blip r:embed="rId7">
+          <a:blip r:embed="rId3">
             <a:extLst>
               <a:ext uri="{28A0092B-C50C-407E-A947-70E740481C1C}">
                 <a14:useLocalDpi xmlns:a14="http://schemas.microsoft.com/office/drawing/2010/main" val="0"/>
@@ -32100,6 +32344,261 @@
           <a:lstStyle/>
           <a:p>
             <a:endParaRPr lang="en-US"/>
+          </a:p>
+        </p:txBody>
+      </p:sp>
+      <p:sp>
+        <p:nvSpPr>
+          <p:cNvPr id="14" name="Content Placeholder 2"/>
+          <p:cNvSpPr txBox="1">
+            <a:spLocks/>
+          </p:cNvSpPr>
+          <p:nvPr/>
+        </p:nvSpPr>
+        <p:spPr bwMode="auto">
+          <a:xfrm>
+            <a:off x="5436096" y="3195793"/>
+            <a:ext cx="3535949" cy="1699306"/>
+          </a:xfrm>
+          <a:prstGeom prst="rect">
+            <a:avLst/>
+          </a:prstGeom>
+          <a:noFill/>
+          <a:ln>
+            <a:noFill/>
+          </a:ln>
+          <a:extLst>
+            <a:ext uri="{909E8E84-426E-40DD-AFC4-6F175D3DCCD1}">
+              <a14:hiddenFill xmlns:a14="http://schemas.microsoft.com/office/drawing/2010/main">
+                <a:solidFill>
+                  <a:srgbClr val="FFFFFF"/>
+                </a:solidFill>
+              </a14:hiddenFill>
+            </a:ext>
+            <a:ext uri="{91240B29-F687-4F45-9708-019B960494DF}">
+              <a14:hiddenLine xmlns:a14="http://schemas.microsoft.com/office/drawing/2010/main" w="9525">
+                <a:solidFill>
+                  <a:srgbClr val="000000"/>
+                </a:solidFill>
+                <a:round/>
+                <a:headEnd/>
+                <a:tailEnd/>
+              </a14:hiddenLine>
+            </a:ext>
+          </a:extLst>
+        </p:spPr>
+        <p:txBody>
+          <a:bodyPr vert="horz" wrap="square" lIns="50760" tIns="50760" rIns="50760" bIns="50760" numCol="1" anchor="t" anchorCtr="0" compatLnSpc="1">
+            <a:prstTxWarp prst="textNoShape">
+              <a:avLst/>
+            </a:prstTxWarp>
+          </a:bodyPr>
+          <a:lstStyle>
+            <a:lvl1pPr marL="342900" indent="-342900" algn="l" defTabSz="449263" rtl="0" eaLnBrk="0" fontAlgn="base" hangingPunct="0">
+              <a:spcBef>
+                <a:spcPts val="1000"/>
+              </a:spcBef>
+              <a:spcAft>
+                <a:spcPct val="0"/>
+              </a:spcAft>
+              <a:buClr>
+                <a:srgbClr val="000000"/>
+              </a:buClr>
+              <a:buSzPct val="100000"/>
+              <a:buFont typeface="Times New Roman" pitchFamily="16" charset="0"/>
+              <a:defRPr sz="4200">
+                <a:solidFill>
+                  <a:srgbClr val="000000"/>
+                </a:solidFill>
+                <a:latin typeface="+mn-lt"/>
+                <a:ea typeface="+mn-ea"/>
+                <a:cs typeface="+mn-cs"/>
+              </a:defRPr>
+            </a:lvl1pPr>
+            <a:lvl2pPr marL="742950" indent="-285750" algn="l" defTabSz="449263" rtl="0" eaLnBrk="0" fontAlgn="base" hangingPunct="0">
+              <a:spcBef>
+                <a:spcPts val="1000"/>
+              </a:spcBef>
+              <a:spcAft>
+                <a:spcPct val="0"/>
+              </a:spcAft>
+              <a:buClr>
+                <a:srgbClr val="000000"/>
+              </a:buClr>
+              <a:buSzPct val="100000"/>
+              <a:buFont typeface="Times New Roman" pitchFamily="16" charset="0"/>
+              <a:defRPr sz="3700">
+                <a:solidFill>
+                  <a:srgbClr val="000000"/>
+                </a:solidFill>
+                <a:latin typeface="+mn-lt"/>
+                <a:ea typeface="+mn-ea"/>
+                <a:cs typeface="+mn-cs"/>
+              </a:defRPr>
+            </a:lvl2pPr>
+            <a:lvl3pPr marL="1143000" indent="-228600" algn="l" defTabSz="449263" rtl="0" eaLnBrk="0" fontAlgn="base" hangingPunct="0">
+              <a:spcBef>
+                <a:spcPts val="1000"/>
+              </a:spcBef>
+              <a:spcAft>
+                <a:spcPct val="0"/>
+              </a:spcAft>
+              <a:buClr>
+                <a:srgbClr val="000000"/>
+              </a:buClr>
+              <a:buSzPct val="100000"/>
+              <a:buFont typeface="Times New Roman" pitchFamily="16" charset="0"/>
+              <a:defRPr sz="3700">
+                <a:solidFill>
+                  <a:srgbClr val="000000"/>
+                </a:solidFill>
+                <a:latin typeface="+mn-lt"/>
+                <a:ea typeface="+mn-ea"/>
+                <a:cs typeface="+mn-cs"/>
+              </a:defRPr>
+            </a:lvl3pPr>
+            <a:lvl4pPr marL="1600200" indent="-228600" algn="l" defTabSz="449263" rtl="0" eaLnBrk="0" fontAlgn="base" hangingPunct="0">
+              <a:spcBef>
+                <a:spcPts val="1000"/>
+              </a:spcBef>
+              <a:spcAft>
+                <a:spcPct val="0"/>
+              </a:spcAft>
+              <a:buClr>
+                <a:srgbClr val="000000"/>
+              </a:buClr>
+              <a:buSzPct val="100000"/>
+              <a:buFont typeface="Times New Roman" pitchFamily="16" charset="0"/>
+              <a:defRPr sz="3700">
+                <a:solidFill>
+                  <a:srgbClr val="000000"/>
+                </a:solidFill>
+                <a:latin typeface="+mn-lt"/>
+                <a:ea typeface="+mn-ea"/>
+                <a:cs typeface="+mn-cs"/>
+              </a:defRPr>
+            </a:lvl4pPr>
+            <a:lvl5pPr marL="2057400" indent="-228600" algn="l" defTabSz="449263" rtl="0" eaLnBrk="0" fontAlgn="base" hangingPunct="0">
+              <a:spcBef>
+                <a:spcPts val="1000"/>
+              </a:spcBef>
+              <a:spcAft>
+                <a:spcPct val="0"/>
+              </a:spcAft>
+              <a:buClr>
+                <a:srgbClr val="000000"/>
+              </a:buClr>
+              <a:buSzPct val="100000"/>
+              <a:buFont typeface="Times New Roman" pitchFamily="16" charset="0"/>
+              <a:defRPr sz="3700">
+                <a:solidFill>
+                  <a:srgbClr val="000000"/>
+                </a:solidFill>
+                <a:latin typeface="+mn-lt"/>
+                <a:ea typeface="+mn-ea"/>
+                <a:cs typeface="+mn-cs"/>
+              </a:defRPr>
+            </a:lvl5pPr>
+            <a:lvl6pPr marL="2514600" indent="-228600" algn="l" defTabSz="449263" rtl="0" fontAlgn="base">
+              <a:spcBef>
+                <a:spcPts val="1000"/>
+              </a:spcBef>
+              <a:spcAft>
+                <a:spcPct val="0"/>
+              </a:spcAft>
+              <a:buClr>
+                <a:srgbClr val="000000"/>
+              </a:buClr>
+              <a:buSzPct val="100000"/>
+              <a:buFont typeface="Times New Roman" pitchFamily="16" charset="0"/>
+              <a:defRPr sz="3700">
+                <a:solidFill>
+                  <a:srgbClr val="000000"/>
+                </a:solidFill>
+                <a:latin typeface="+mn-lt"/>
+                <a:ea typeface="+mn-ea"/>
+                <a:cs typeface="+mn-cs"/>
+              </a:defRPr>
+            </a:lvl6pPr>
+            <a:lvl7pPr marL="2971800" indent="-228600" algn="l" defTabSz="449263" rtl="0" fontAlgn="base">
+              <a:spcBef>
+                <a:spcPts val="1000"/>
+              </a:spcBef>
+              <a:spcAft>
+                <a:spcPct val="0"/>
+              </a:spcAft>
+              <a:buClr>
+                <a:srgbClr val="000000"/>
+              </a:buClr>
+              <a:buSzPct val="100000"/>
+              <a:buFont typeface="Times New Roman" pitchFamily="16" charset="0"/>
+              <a:defRPr sz="3700">
+                <a:solidFill>
+                  <a:srgbClr val="000000"/>
+                </a:solidFill>
+                <a:latin typeface="+mn-lt"/>
+                <a:ea typeface="+mn-ea"/>
+                <a:cs typeface="+mn-cs"/>
+              </a:defRPr>
+            </a:lvl7pPr>
+            <a:lvl8pPr marL="3429000" indent="-228600" algn="l" defTabSz="449263" rtl="0" fontAlgn="base">
+              <a:spcBef>
+                <a:spcPts val="1000"/>
+              </a:spcBef>
+              <a:spcAft>
+                <a:spcPct val="0"/>
+              </a:spcAft>
+              <a:buClr>
+                <a:srgbClr val="000000"/>
+              </a:buClr>
+              <a:buSzPct val="100000"/>
+              <a:buFont typeface="Times New Roman" pitchFamily="16" charset="0"/>
+              <a:defRPr sz="3700">
+                <a:solidFill>
+                  <a:srgbClr val="000000"/>
+                </a:solidFill>
+                <a:latin typeface="+mn-lt"/>
+                <a:ea typeface="+mn-ea"/>
+                <a:cs typeface="+mn-cs"/>
+              </a:defRPr>
+            </a:lvl8pPr>
+            <a:lvl9pPr marL="3886200" indent="-228600" algn="l" defTabSz="449263" rtl="0" fontAlgn="base">
+              <a:spcBef>
+                <a:spcPts val="1000"/>
+              </a:spcBef>
+              <a:spcAft>
+                <a:spcPct val="0"/>
+              </a:spcAft>
+              <a:buClr>
+                <a:srgbClr val="000000"/>
+              </a:buClr>
+              <a:buSzPct val="100000"/>
+              <a:buFont typeface="Times New Roman" pitchFamily="16" charset="0"/>
+              <a:defRPr sz="3700">
+                <a:solidFill>
+                  <a:srgbClr val="000000"/>
+                </a:solidFill>
+                <a:latin typeface="+mn-lt"/>
+                <a:ea typeface="+mn-ea"/>
+                <a:cs typeface="+mn-cs"/>
+              </a:defRPr>
+            </a:lvl9pPr>
+          </a:lstStyle>
+          <a:p>
+            <a:pPr lvl="1"/>
+            <a:r>
+              <a:rPr lang="fr-CA" sz="3600" kern="0" dirty="0" smtClean="0">
+                <a:solidFill>
+                  <a:srgbClr val="FF0000"/>
+                </a:solidFill>
+              </a:rPr>
+              <a:t>Mettez vos noms</a:t>
+            </a:r>
+            <a:endParaRPr lang="fr-CA" sz="3600" kern="0" dirty="0" smtClean="0">
+              <a:solidFill>
+                <a:srgbClr val="FF0000"/>
+              </a:solidFill>
+            </a:endParaRPr>
           </a:p>
         </p:txBody>
       </p:sp>
@@ -32168,314 +32667,7 @@
           <a:p>
             <a:r>
               <a:rPr lang="fr-FR" dirty="0" smtClean="0"/>
-              <a:t>Référent technique pôle performance</a:t>
-            </a:r>
-          </a:p>
-          <a:p>
-            <a:endParaRPr lang="fr-FR" dirty="0" smtClean="0"/>
-          </a:p>
-          <a:p>
-            <a:r>
-              <a:rPr lang="fr-FR" dirty="0" smtClean="0"/>
-              <a:t>Responsable R&amp;D</a:t>
-            </a:r>
-          </a:p>
-          <a:p>
-            <a:pPr marL="0" indent="0">
-              <a:buNone/>
-            </a:pPr>
-            <a:endParaRPr lang="fr-FR" dirty="0" smtClean="0"/>
-          </a:p>
-          <a:p>
-            <a:r>
-              <a:rPr lang="fr-FR" dirty="0" err="1" smtClean="0"/>
-              <a:t>EasyMock</a:t>
-            </a:r>
-            <a:r>
-              <a:rPr lang="fr-FR" dirty="0" smtClean="0"/>
-              <a:t> lead </a:t>
-            </a:r>
-            <a:r>
-              <a:rPr lang="fr-FR" dirty="0" err="1" smtClean="0"/>
-              <a:t>developer</a:t>
-            </a:r>
-            <a:endParaRPr lang="fr-FR" dirty="0" smtClean="0"/>
-          </a:p>
-          <a:p>
-            <a:r>
-              <a:rPr lang="fr-FR" dirty="0" err="1" smtClean="0"/>
-              <a:t>Objenesis</a:t>
-            </a:r>
-            <a:r>
-              <a:rPr lang="fr-FR" dirty="0" smtClean="0"/>
-              <a:t> lead </a:t>
-            </a:r>
-            <a:r>
-              <a:rPr lang="fr-FR" dirty="0" err="1" smtClean="0"/>
-              <a:t>developer</a:t>
-            </a:r>
-            <a:endParaRPr lang="fr-FR" dirty="0"/>
-          </a:p>
-        </p:txBody>
-      </p:sp>
-      <p:pic>
-        <p:nvPicPr>
-          <p:cNvPr id="4" name="Picture 2" descr="C:\Users\Henri\Google Drive\TOOLBOX\Slideware tools\Pictos\Normal\Octos\OctoGraduate_Pos.png"/>
-          <p:cNvPicPr>
-            <a:picLocks noChangeAspect="1" noChangeArrowheads="1"/>
-          </p:cNvPicPr>
-          <p:nvPr/>
-        </p:nvPicPr>
-        <p:blipFill>
-          <a:blip r:embed="rId3">
-            <a:extLst>
-              <a:ext uri="{28A0092B-C50C-407E-A947-70E740481C1C}">
-                <a14:useLocalDpi xmlns:a14="http://schemas.microsoft.com/office/drawing/2010/main" val="0"/>
-              </a:ext>
-            </a:extLst>
-          </a:blip>
-          <a:srcRect/>
-          <a:stretch>
-            <a:fillRect/>
-          </a:stretch>
-        </p:blipFill>
-        <p:spPr bwMode="auto">
-          <a:xfrm>
-            <a:off x="251520" y="987574"/>
-            <a:ext cx="2520280" cy="3026647"/>
-          </a:xfrm>
-          <a:prstGeom prst="rect">
-            <a:avLst/>
-          </a:prstGeom>
-          <a:noFill/>
-          <a:extLst>
-            <a:ext uri="{909E8E84-426E-40DD-AFC4-6F175D3DCCD1}">
-              <a14:hiddenFill xmlns:a14="http://schemas.microsoft.com/office/drawing/2010/main">
-                <a:solidFill>
-                  <a:srgbClr val="FFFFFF"/>
-                </a:solidFill>
-              </a14:hiddenFill>
-            </a:ext>
-          </a:extLst>
-        </p:spPr>
-      </p:pic>
-      <p:pic>
-        <p:nvPicPr>
-          <p:cNvPr id="2050" name="Picture 2" descr="http://easymock.org/img/easymock.gif"/>
-          <p:cNvPicPr>
-            <a:picLocks noChangeAspect="1" noChangeArrowheads="1"/>
-          </p:cNvPicPr>
-          <p:nvPr/>
-        </p:nvPicPr>
-        <p:blipFill>
-          <a:blip r:embed="rId4">
-            <a:extLst>
-              <a:ext uri="{28A0092B-C50C-407E-A947-70E740481C1C}">
-                <a14:useLocalDpi xmlns:a14="http://schemas.microsoft.com/office/drawing/2010/main" val="0"/>
-              </a:ext>
-            </a:extLst>
-          </a:blip>
-          <a:srcRect/>
-          <a:stretch>
-            <a:fillRect/>
-          </a:stretch>
-        </p:blipFill>
-        <p:spPr bwMode="auto">
-          <a:xfrm>
-            <a:off x="6179657" y="2316856"/>
-            <a:ext cx="2867025" cy="542926"/>
-          </a:xfrm>
-          <a:prstGeom prst="rect">
-            <a:avLst/>
-          </a:prstGeom>
-          <a:noFill/>
-          <a:extLst>
-            <a:ext uri="{909E8E84-426E-40DD-AFC4-6F175D3DCCD1}">
-              <a14:hiddenFill xmlns:a14="http://schemas.microsoft.com/office/drawing/2010/main">
-                <a:solidFill>
-                  <a:srgbClr val="FFFFFF"/>
-                </a:solidFill>
-              </a14:hiddenFill>
-            </a:ext>
-          </a:extLst>
-        </p:spPr>
-      </p:pic>
-      <p:pic>
-        <p:nvPicPr>
-          <p:cNvPr id="2052" name="Picture 4" descr="http://objenesis.googlecode.com/svn-history/r218/docs/objenesis.png"/>
-          <p:cNvPicPr>
-            <a:picLocks noChangeAspect="1" noChangeArrowheads="1"/>
-          </p:cNvPicPr>
-          <p:nvPr/>
-        </p:nvPicPr>
-        <p:blipFill>
-          <a:blip r:embed="rId5">
-            <a:extLst>
-              <a:ext uri="{28A0092B-C50C-407E-A947-70E740481C1C}">
-                <a14:useLocalDpi xmlns:a14="http://schemas.microsoft.com/office/drawing/2010/main" val="0"/>
-              </a:ext>
-            </a:extLst>
-          </a:blip>
-          <a:srcRect/>
-          <a:stretch>
-            <a:fillRect/>
-          </a:stretch>
-        </p:blipFill>
-        <p:spPr bwMode="auto">
-          <a:xfrm>
-            <a:off x="6300192" y="3390491"/>
-            <a:ext cx="2905125" cy="762000"/>
-          </a:xfrm>
-          <a:prstGeom prst="rect">
-            <a:avLst/>
-          </a:prstGeom>
-          <a:noFill/>
-          <a:extLst>
-            <a:ext uri="{909E8E84-426E-40DD-AFC4-6F175D3DCCD1}">
-              <a14:hiddenFill xmlns:a14="http://schemas.microsoft.com/office/drawing/2010/main">
-                <a:solidFill>
-                  <a:srgbClr val="FFFFFF"/>
-                </a:solidFill>
-              </a14:hiddenFill>
-            </a:ext>
-          </a:extLst>
-        </p:spPr>
-      </p:pic>
-      <p:pic>
-        <p:nvPicPr>
-          <p:cNvPr id="2054" name="Picture 6" descr="http://datajob2013.fr/assets/uploads/Logos/octo.png"/>
-          <p:cNvPicPr>
-            <a:picLocks noChangeAspect="1" noChangeArrowheads="1"/>
-          </p:cNvPicPr>
-          <p:nvPr/>
-        </p:nvPicPr>
-        <p:blipFill>
-          <a:blip r:embed="rId6">
-            <a:extLst>
-              <a:ext uri="{28A0092B-C50C-407E-A947-70E740481C1C}">
-                <a14:useLocalDpi xmlns:a14="http://schemas.microsoft.com/office/drawing/2010/main" val="0"/>
-              </a:ext>
-            </a:extLst>
-          </a:blip>
-          <a:srcRect/>
-          <a:stretch>
-            <a:fillRect/>
-          </a:stretch>
-        </p:blipFill>
-        <p:spPr bwMode="auto">
-          <a:xfrm>
-            <a:off x="6516216" y="627534"/>
-            <a:ext cx="2323753" cy="1210578"/>
-          </a:xfrm>
-          <a:prstGeom prst="rect">
-            <a:avLst/>
-          </a:prstGeom>
-          <a:noFill/>
-          <a:extLst>
-            <a:ext uri="{909E8E84-426E-40DD-AFC4-6F175D3DCCD1}">
-              <a14:hiddenFill xmlns:a14="http://schemas.microsoft.com/office/drawing/2010/main">
-                <a:solidFill>
-                  <a:srgbClr val="FFFFFF"/>
-                </a:solidFill>
-              </a14:hiddenFill>
-            </a:ext>
-          </a:extLst>
-        </p:spPr>
-      </p:pic>
-      <p:sp>
-        <p:nvSpPr>
-          <p:cNvPr id="5" name="Title 4"/>
-          <p:cNvSpPr>
-            <a:spLocks noGrp="1"/>
-          </p:cNvSpPr>
-          <p:nvPr>
-            <p:ph type="title"/>
-          </p:nvPr>
-        </p:nvSpPr>
-        <p:spPr/>
-        <p:txBody>
-          <a:bodyPr/>
-          <a:lstStyle/>
-          <a:p>
-            <a:pPr algn="l"/>
-            <a:r>
-              <a:rPr lang="fr-FR" b="1" smtClean="0"/>
-              <a:t>Henri Tremblay</a:t>
-            </a:r>
-            <a:endParaRPr lang="fr-FR" b="1"/>
-          </a:p>
-        </p:txBody>
-      </p:sp>
-    </p:spTree>
-    <p:extLst>
-      <p:ext uri="{BB962C8B-B14F-4D97-AF65-F5344CB8AC3E}">
-        <p14:creationId xmlns:p14="http://schemas.microsoft.com/office/powerpoint/2010/main" val="2424004288"/>
-      </p:ext>
-    </p:extLst>
-  </p:cSld>
-  <p:clrMapOvr>
-    <a:masterClrMapping/>
-  </p:clrMapOvr>
-  <p:timing>
-    <p:tnLst>
-      <p:par>
-        <p:cTn id="1" dur="indefinite" restart="never" nodeType="tmRoot"/>
-      </p:par>
-    </p:tnLst>
-  </p:timing>
-</p:sld>
-</file>
-
-<file path=ppt/slides/slide6.xml><?xml version="1.0" encoding="utf-8"?>
-<p:sld xmlns:a="http://schemas.openxmlformats.org/drawingml/2006/main" xmlns:r="http://schemas.openxmlformats.org/officeDocument/2006/relationships" xmlns:p="http://schemas.openxmlformats.org/presentationml/2006/main">
-  <p:cSld>
-    <p:spTree>
-      <p:nvGrpSpPr>
-        <p:cNvPr id="1" name=""/>
-        <p:cNvGrpSpPr/>
-        <p:nvPr/>
-      </p:nvGrpSpPr>
-      <p:grpSpPr>
-        <a:xfrm>
-          <a:off x="0" y="0"/>
-          <a:ext cx="0" cy="0"/>
-          <a:chOff x="0" y="0"/>
-          <a:chExt cx="0" cy="0"/>
-        </a:xfrm>
-      </p:grpSpPr>
-      <p:sp>
-        <p:nvSpPr>
-          <p:cNvPr id="2" name="Content Placeholder 1"/>
-          <p:cNvSpPr>
-            <a:spLocks noGrp="1"/>
-          </p:cNvSpPr>
-          <p:nvPr>
-            <p:ph idx="1"/>
-          </p:nvPr>
-        </p:nvSpPr>
-        <p:spPr>
-          <a:xfrm>
-            <a:off x="2843809" y="843558"/>
-            <a:ext cx="4032448" cy="3601641"/>
-          </a:xfrm>
-        </p:spPr>
-        <p:txBody>
-          <a:bodyPr/>
-          <a:lstStyle/>
-          <a:p>
-            <a:r>
-              <a:rPr lang="fr-FR" dirty="0" smtClean="0"/>
-              <a:t>Architecte Senior</a:t>
-            </a:r>
-          </a:p>
-          <a:p>
-            <a:r>
-              <a:rPr lang="fr-FR" dirty="0" smtClean="0"/>
-              <a:t>Responsable</a:t>
-            </a:r>
-            <a:r>
-              <a:rPr lang="fr-FR" dirty="0" smtClean="0"/>
-              <a:t> pôle performance</a:t>
+              <a:t>Responsable pôle performance</a:t>
             </a:r>
           </a:p>
           <a:p>
@@ -32680,6 +32872,323 @@
 </p:sld>
 </file>
 
+<file path=ppt/slides/slide6.xml><?xml version="1.0" encoding="utf-8"?>
+<p:sld xmlns:a="http://schemas.openxmlformats.org/drawingml/2006/main" xmlns:r="http://schemas.openxmlformats.org/officeDocument/2006/relationships" xmlns:p="http://schemas.openxmlformats.org/presentationml/2006/main">
+  <p:cSld>
+    <p:spTree>
+      <p:nvGrpSpPr>
+        <p:cNvPr id="1" name=""/>
+        <p:cNvGrpSpPr/>
+        <p:nvPr/>
+      </p:nvGrpSpPr>
+      <p:grpSpPr>
+        <a:xfrm>
+          <a:off x="0" y="0"/>
+          <a:ext cx="0" cy="0"/>
+          <a:chOff x="0" y="0"/>
+          <a:chExt cx="0" cy="0"/>
+        </a:xfrm>
+      </p:grpSpPr>
+      <p:sp>
+        <p:nvSpPr>
+          <p:cNvPr id="2" name="Content Placeholder 1"/>
+          <p:cNvSpPr>
+            <a:spLocks noGrp="1"/>
+          </p:cNvSpPr>
+          <p:nvPr>
+            <p:ph idx="1"/>
+          </p:nvPr>
+        </p:nvSpPr>
+        <p:spPr>
+          <a:xfrm>
+            <a:off x="2843809" y="843558"/>
+            <a:ext cx="4032448" cy="3601641"/>
+          </a:xfrm>
+        </p:spPr>
+        <p:txBody>
+          <a:bodyPr/>
+          <a:lstStyle/>
+          <a:p>
+            <a:r>
+              <a:rPr lang="fr-FR" dirty="0" smtClean="0"/>
+              <a:t>Architecte Senior</a:t>
+            </a:r>
+          </a:p>
+          <a:p>
+            <a:r>
+              <a:rPr lang="fr-FR" dirty="0" smtClean="0"/>
+              <a:t>Référent technique pôle performance</a:t>
+            </a:r>
+          </a:p>
+          <a:p>
+            <a:endParaRPr lang="fr-FR" dirty="0" smtClean="0"/>
+          </a:p>
+          <a:p>
+            <a:r>
+              <a:rPr lang="fr-FR" dirty="0" smtClean="0"/>
+              <a:t>Responsable R&amp;D</a:t>
+            </a:r>
+          </a:p>
+          <a:p>
+            <a:pPr marL="0" indent="0">
+              <a:buNone/>
+            </a:pPr>
+            <a:endParaRPr lang="fr-FR" dirty="0" smtClean="0"/>
+          </a:p>
+          <a:p>
+            <a:r>
+              <a:rPr lang="fr-FR" dirty="0" err="1" smtClean="0"/>
+              <a:t>EasyMock</a:t>
+            </a:r>
+            <a:r>
+              <a:rPr lang="fr-FR" dirty="0" smtClean="0"/>
+              <a:t> lead </a:t>
+            </a:r>
+            <a:r>
+              <a:rPr lang="fr-FR" dirty="0" err="1" smtClean="0"/>
+              <a:t>developer</a:t>
+            </a:r>
+            <a:endParaRPr lang="fr-FR" dirty="0" smtClean="0"/>
+          </a:p>
+          <a:p>
+            <a:r>
+              <a:rPr lang="fr-FR" dirty="0" err="1" smtClean="0"/>
+              <a:t>Objenesis</a:t>
+            </a:r>
+            <a:r>
+              <a:rPr lang="fr-FR" dirty="0" smtClean="0"/>
+              <a:t> lead </a:t>
+            </a:r>
+            <a:r>
+              <a:rPr lang="fr-FR" dirty="0" err="1" smtClean="0"/>
+              <a:t>developer</a:t>
+            </a:r>
+            <a:endParaRPr lang="fr-FR" dirty="0" smtClean="0"/>
+          </a:p>
+          <a:p>
+            <a:r>
+              <a:rPr lang="fr-FR" dirty="0"/>
+              <a:t>Membre fondateur du </a:t>
+            </a:r>
+            <a:r>
+              <a:rPr lang="fr-FR" dirty="0" err="1"/>
+              <a:t>PerfUG</a:t>
+            </a:r>
+            <a:endParaRPr lang="fr-FR" dirty="0"/>
+          </a:p>
+          <a:p>
+            <a:endParaRPr lang="fr-FR" dirty="0"/>
+          </a:p>
+        </p:txBody>
+      </p:sp>
+      <p:pic>
+        <p:nvPicPr>
+          <p:cNvPr id="4" name="Picture 2" descr="C:\Users\Henri\Google Drive\TOOLBOX\Slideware tools\Pictos\Normal\Octos\OctoGraduate_Pos.png"/>
+          <p:cNvPicPr>
+            <a:picLocks noChangeAspect="1" noChangeArrowheads="1"/>
+          </p:cNvPicPr>
+          <p:nvPr/>
+        </p:nvPicPr>
+        <p:blipFill>
+          <a:blip r:embed="rId3">
+            <a:extLst>
+              <a:ext uri="{28A0092B-C50C-407E-A947-70E740481C1C}">
+                <a14:useLocalDpi xmlns:a14="http://schemas.microsoft.com/office/drawing/2010/main" val="0"/>
+              </a:ext>
+            </a:extLst>
+          </a:blip>
+          <a:srcRect/>
+          <a:stretch>
+            <a:fillRect/>
+          </a:stretch>
+        </p:blipFill>
+        <p:spPr bwMode="auto">
+          <a:xfrm>
+            <a:off x="251520" y="987574"/>
+            <a:ext cx="2520280" cy="3026647"/>
+          </a:xfrm>
+          <a:prstGeom prst="rect">
+            <a:avLst/>
+          </a:prstGeom>
+          <a:noFill/>
+          <a:extLst>
+            <a:ext uri="{909E8E84-426E-40DD-AFC4-6F175D3DCCD1}">
+              <a14:hiddenFill xmlns:a14="http://schemas.microsoft.com/office/drawing/2010/main">
+                <a:solidFill>
+                  <a:srgbClr val="FFFFFF"/>
+                </a:solidFill>
+              </a14:hiddenFill>
+            </a:ext>
+          </a:extLst>
+        </p:spPr>
+      </p:pic>
+      <p:pic>
+        <p:nvPicPr>
+          <p:cNvPr id="2050" name="Picture 2" descr="http://easymock.org/img/easymock.gif"/>
+          <p:cNvPicPr>
+            <a:picLocks noChangeAspect="1" noChangeArrowheads="1"/>
+          </p:cNvPicPr>
+          <p:nvPr/>
+        </p:nvPicPr>
+        <p:blipFill>
+          <a:blip r:embed="rId4">
+            <a:extLst>
+              <a:ext uri="{28A0092B-C50C-407E-A947-70E740481C1C}">
+                <a14:useLocalDpi xmlns:a14="http://schemas.microsoft.com/office/drawing/2010/main" val="0"/>
+              </a:ext>
+            </a:extLst>
+          </a:blip>
+          <a:srcRect/>
+          <a:stretch>
+            <a:fillRect/>
+          </a:stretch>
+        </p:blipFill>
+        <p:spPr bwMode="auto">
+          <a:xfrm>
+            <a:off x="6179656" y="2067694"/>
+            <a:ext cx="2867025" cy="542926"/>
+          </a:xfrm>
+          <a:prstGeom prst="rect">
+            <a:avLst/>
+          </a:prstGeom>
+          <a:noFill/>
+          <a:extLst>
+            <a:ext uri="{909E8E84-426E-40DD-AFC4-6F175D3DCCD1}">
+              <a14:hiddenFill xmlns:a14="http://schemas.microsoft.com/office/drawing/2010/main">
+                <a:solidFill>
+                  <a:srgbClr val="FFFFFF"/>
+                </a:solidFill>
+              </a14:hiddenFill>
+            </a:ext>
+          </a:extLst>
+        </p:spPr>
+      </p:pic>
+      <p:pic>
+        <p:nvPicPr>
+          <p:cNvPr id="2052" name="Picture 4" descr="http://objenesis.googlecode.com/svn-history/r218/docs/objenesis.png"/>
+          <p:cNvPicPr>
+            <a:picLocks noChangeAspect="1" noChangeArrowheads="1"/>
+          </p:cNvPicPr>
+          <p:nvPr/>
+        </p:nvPicPr>
+        <p:blipFill>
+          <a:blip r:embed="rId5">
+            <a:extLst>
+              <a:ext uri="{28A0092B-C50C-407E-A947-70E740481C1C}">
+                <a14:useLocalDpi xmlns:a14="http://schemas.microsoft.com/office/drawing/2010/main" val="0"/>
+              </a:ext>
+            </a:extLst>
+          </a:blip>
+          <a:srcRect/>
+          <a:stretch>
+            <a:fillRect/>
+          </a:stretch>
+        </p:blipFill>
+        <p:spPr bwMode="auto">
+          <a:xfrm>
+            <a:off x="6300192" y="2859782"/>
+            <a:ext cx="2905125" cy="762000"/>
+          </a:xfrm>
+          <a:prstGeom prst="rect">
+            <a:avLst/>
+          </a:prstGeom>
+          <a:noFill/>
+          <a:extLst>
+            <a:ext uri="{909E8E84-426E-40DD-AFC4-6F175D3DCCD1}">
+              <a14:hiddenFill xmlns:a14="http://schemas.microsoft.com/office/drawing/2010/main">
+                <a:solidFill>
+                  <a:srgbClr val="FFFFFF"/>
+                </a:solidFill>
+              </a14:hiddenFill>
+            </a:ext>
+          </a:extLst>
+        </p:spPr>
+      </p:pic>
+      <p:pic>
+        <p:nvPicPr>
+          <p:cNvPr id="2054" name="Picture 6" descr="http://datajob2013.fr/assets/uploads/Logos/octo.png"/>
+          <p:cNvPicPr>
+            <a:picLocks noChangeAspect="1" noChangeArrowheads="1"/>
+          </p:cNvPicPr>
+          <p:nvPr/>
+        </p:nvPicPr>
+        <p:blipFill>
+          <a:blip r:embed="rId6">
+            <a:extLst>
+              <a:ext uri="{28A0092B-C50C-407E-A947-70E740481C1C}">
+                <a14:useLocalDpi xmlns:a14="http://schemas.microsoft.com/office/drawing/2010/main" val="0"/>
+              </a:ext>
+            </a:extLst>
+          </a:blip>
+          <a:srcRect/>
+          <a:stretch>
+            <a:fillRect/>
+          </a:stretch>
+        </p:blipFill>
+        <p:spPr bwMode="auto">
+          <a:xfrm>
+            <a:off x="6516216" y="627534"/>
+            <a:ext cx="2323753" cy="1210578"/>
+          </a:xfrm>
+          <a:prstGeom prst="rect">
+            <a:avLst/>
+          </a:prstGeom>
+          <a:noFill/>
+          <a:extLst>
+            <a:ext uri="{909E8E84-426E-40DD-AFC4-6F175D3DCCD1}">
+              <a14:hiddenFill xmlns:a14="http://schemas.microsoft.com/office/drawing/2010/main">
+                <a:solidFill>
+                  <a:srgbClr val="FFFFFF"/>
+                </a:solidFill>
+              </a14:hiddenFill>
+            </a:ext>
+          </a:extLst>
+        </p:spPr>
+      </p:pic>
+      <p:sp>
+        <p:nvSpPr>
+          <p:cNvPr id="5" name="Title 4"/>
+          <p:cNvSpPr>
+            <a:spLocks noGrp="1"/>
+          </p:cNvSpPr>
+          <p:nvPr>
+            <p:ph type="title"/>
+          </p:nvPr>
+        </p:nvSpPr>
+        <p:spPr/>
+        <p:txBody>
+          <a:bodyPr/>
+          <a:lstStyle/>
+          <a:p>
+            <a:pPr algn="l"/>
+            <a:r>
+              <a:rPr lang="fr-FR" b="1" smtClean="0"/>
+              <a:t>Henri Tremblay</a:t>
+            </a:r>
+            <a:endParaRPr lang="fr-FR" b="1"/>
+          </a:p>
+        </p:txBody>
+      </p:sp>
+    </p:spTree>
+    <p:extLst>
+      <p:ext uri="{BB962C8B-B14F-4D97-AF65-F5344CB8AC3E}">
+        <p14:creationId xmlns:p14="http://schemas.microsoft.com/office/powerpoint/2010/main" val="2424004288"/>
+      </p:ext>
+    </p:extLst>
+  </p:cSld>
+  <p:clrMapOvr>
+    <a:masterClrMapping/>
+  </p:clrMapOvr>
+  <p:timing>
+    <p:tnLst>
+      <p:par>
+        <p:cTn id="1" dur="indefinite" restart="never" nodeType="tmRoot"/>
+      </p:par>
+    </p:tnLst>
+  </p:timing>
+</p:sld>
+</file>
+
 <file path=ppt/slides/slide7.xml><?xml version="1.0" encoding="utf-8"?>
 <p:sld xmlns:a="http://schemas.openxmlformats.org/drawingml/2006/main" xmlns:r="http://schemas.openxmlformats.org/officeDocument/2006/relationships" xmlns:p="http://schemas.openxmlformats.org/presentationml/2006/main">
   <p:cSld>
@@ -32725,53 +33234,25 @@
           <a:p>
             <a:r>
               <a:rPr lang="fr-FR" dirty="0" smtClean="0"/>
-              <a:t>Référent technique pôle performance</a:t>
-            </a:r>
-          </a:p>
-          <a:p>
+              <a:t>Pôle </a:t>
+            </a:r>
+            <a:r>
+              <a:rPr lang="fr-FR" dirty="0" err="1" smtClean="0"/>
+              <a:t>Devops</a:t>
+            </a:r>
             <a:endParaRPr lang="fr-FR" dirty="0" smtClean="0"/>
           </a:p>
           <a:p>
+            <a:endParaRPr lang="fr-FR" dirty="0"/>
+          </a:p>
+          <a:p>
             <a:r>
               <a:rPr lang="fr-FR" dirty="0" smtClean="0"/>
-              <a:t>Responsable R&amp;D</a:t>
-            </a:r>
-          </a:p>
-          <a:p>
-            <a:pPr marL="0" indent="0">
-              <a:buNone/>
-            </a:pPr>
+              <a:t>Expert optimisation système</a:t>
+            </a:r>
+          </a:p>
+          <a:p>
             <a:endParaRPr lang="fr-FR" dirty="0" smtClean="0"/>
-          </a:p>
-          <a:p>
-            <a:r>
-              <a:rPr lang="fr-FR" dirty="0" err="1" smtClean="0"/>
-              <a:t>EasyMock</a:t>
-            </a:r>
-            <a:r>
-              <a:rPr lang="fr-FR" dirty="0" smtClean="0"/>
-              <a:t> lead </a:t>
-            </a:r>
-            <a:r>
-              <a:rPr lang="fr-FR" dirty="0" err="1" smtClean="0"/>
-              <a:t>developer</a:t>
-            </a:r>
-            <a:endParaRPr lang="fr-FR" dirty="0" smtClean="0"/>
-          </a:p>
-          <a:p>
-            <a:r>
-              <a:rPr lang="fr-FR" dirty="0" err="1" smtClean="0"/>
-              <a:t>Objenesis</a:t>
-            </a:r>
-            <a:r>
-              <a:rPr lang="fr-FR" dirty="0" smtClean="0"/>
-              <a:t> lead </a:t>
-            </a:r>
-            <a:r>
-              <a:rPr lang="fr-FR" dirty="0" err="1" smtClean="0"/>
-              <a:t>developer</a:t>
-            </a:r>
-            <a:endParaRPr lang="fr-FR" dirty="0"/>
           </a:p>
         </p:txBody>
       </p:sp>
@@ -32940,38 +33421,37 @@
           <a:p>
             <a:r>
               <a:rPr lang="fr-FR" dirty="0" smtClean="0"/>
-              <a:t>Architecte Senior</a:t>
-            </a:r>
+              <a:t>Architecte</a:t>
+            </a:r>
+            <a:endParaRPr lang="fr-FR" dirty="0" smtClean="0"/>
+          </a:p>
+          <a:p>
+            <a:r>
+              <a:rPr lang="fr-FR" dirty="0"/>
+              <a:t>Pôle </a:t>
+            </a:r>
+            <a:r>
+              <a:rPr lang="fr-FR" dirty="0" err="1"/>
+              <a:t>Devops</a:t>
+            </a:r>
+            <a:endParaRPr lang="fr-FR" dirty="0"/>
+          </a:p>
+          <a:p>
+            <a:endParaRPr lang="fr-FR" dirty="0" smtClean="0"/>
           </a:p>
           <a:p>
             <a:r>
               <a:rPr lang="fr-FR" dirty="0" smtClean="0"/>
-              <a:t>Référent technique pôle performance</a:t>
-            </a:r>
-          </a:p>
-          <a:p>
-            <a:endParaRPr lang="fr-FR" dirty="0" smtClean="0"/>
+              <a:t>DSI</a:t>
+            </a:r>
+          </a:p>
+          <a:p>
+            <a:endParaRPr lang="fr-FR" dirty="0"/>
           </a:p>
           <a:p>
             <a:r>
               <a:rPr lang="fr-FR" dirty="0" smtClean="0"/>
-              <a:t>Responsable R&amp;D</a:t>
-            </a:r>
-          </a:p>
-          <a:p>
-            <a:pPr marL="0" indent="0">
-              <a:buNone/>
-            </a:pPr>
-            <a:endParaRPr lang="fr-FR" dirty="0" smtClean="0"/>
-          </a:p>
-          <a:p>
-            <a:r>
-              <a:rPr lang="fr-FR" dirty="0" err="1" smtClean="0"/>
-              <a:t>EasyMock</a:t>
-            </a:r>
-            <a:r>
-              <a:rPr lang="fr-FR" dirty="0" smtClean="0"/>
-              <a:t> lead </a:t>
+              <a:t>Master-chef senior </a:t>
             </a:r>
             <a:r>
               <a:rPr lang="fr-FR" dirty="0" err="1" smtClean="0"/>
@@ -32981,18 +33461,14 @@
           </a:p>
           <a:p>
             <a:r>
-              <a:rPr lang="fr-FR" dirty="0" err="1" smtClean="0"/>
-              <a:t>Objenesis</a:t>
-            </a:r>
-            <a:r>
               <a:rPr lang="fr-FR" dirty="0" smtClean="0"/>
-              <a:t> lead </a:t>
+              <a:t>Master-cap senior </a:t>
             </a:r>
             <a:r>
               <a:rPr lang="fr-FR" dirty="0" err="1" smtClean="0"/>
               <a:t>developer</a:t>
             </a:r>
-            <a:endParaRPr lang="fr-FR" dirty="0"/>
+            <a:endParaRPr lang="fr-FR" dirty="0" smtClean="0"/>
           </a:p>
         </p:txBody>
       </p:sp>
@@ -33102,6 +33578,47 @@
           </a:p>
         </p:txBody>
       </p:sp>
+      <p:pic>
+        <p:nvPicPr>
+          <p:cNvPr id="1026" name="Picture 2" descr="kitchenware"/>
+          <p:cNvPicPr>
+            <a:picLocks noChangeAspect="1" noChangeArrowheads="1"/>
+          </p:cNvPicPr>
+          <p:nvPr/>
+        </p:nvPicPr>
+        <p:blipFill>
+          <a:blip r:embed="rId5">
+            <a:extLst>
+              <a:ext uri="{28A0092B-C50C-407E-A947-70E740481C1C}">
+                <a14:useLocalDpi xmlns:a14="http://schemas.microsoft.com/office/drawing/2010/main" val="0"/>
+              </a:ext>
+            </a:extLst>
+          </a:blip>
+          <a:srcRect/>
+          <a:stretch>
+            <a:fillRect/>
+          </a:stretch>
+        </p:blipFill>
+        <p:spPr bwMode="auto">
+          <a:xfrm>
+            <a:off x="6876256" y="2355726"/>
+            <a:ext cx="1333500" cy="1333501"/>
+          </a:xfrm>
+          <a:prstGeom prst="rect">
+            <a:avLst/>
+          </a:prstGeom>
+          <a:noFill/>
+          <a:extLst>
+            <a:ext uri="{909E8E84-426E-40DD-AFC4-6F175D3DCCD1}">
+              <a14:hiddenFill xmlns:a14="http://schemas.microsoft.com/office/drawing/2010/main">
+                <a:solidFill>
+                  <a:srgbClr val="FFFFFF"/>
+                </a:solidFill>
+              </a14:hiddenFill>
+            </a:ext>
+          </a:extLst>
+        </p:spPr>
+      </p:pic>
     </p:spTree>
     <p:extLst>
       <p:ext uri="{BB962C8B-B14F-4D97-AF65-F5344CB8AC3E}">
@@ -33154,7 +33671,27 @@
           <a:bodyPr/>
           <a:lstStyle/>
           <a:p>
-            <a:endParaRPr lang="en-US"/>
+            <a:r>
+              <a:rPr lang="en-US" dirty="0" smtClean="0"/>
+              <a:t>Les 3 slides de Renaud (en </a:t>
+            </a:r>
+            <a:r>
+              <a:rPr lang="en-US" dirty="0" err="1" smtClean="0"/>
+              <a:t>cours</a:t>
+            </a:r>
+            <a:r>
+              <a:rPr lang="en-US" dirty="0" smtClean="0"/>
+              <a:t> de </a:t>
+            </a:r>
+            <a:r>
+              <a:rPr lang="en-US" dirty="0" err="1" smtClean="0"/>
+              <a:t>réalisation</a:t>
+            </a:r>
+            <a:r>
+              <a:rPr lang="en-US" dirty="0" smtClean="0"/>
+              <a:t>)</a:t>
+            </a:r>
+            <a:endParaRPr lang="en-US" dirty="0"/>
           </a:p>
         </p:txBody>
       </p:sp>
@@ -33179,40 +33716,8 @@
           <a:lstStyle/>
           <a:p>
             <a:r>
-              <a:rPr lang="en-US" dirty="0" err="1" smtClean="0"/>
-              <a:t>Grands</a:t>
-            </a:r>
-            <a:r>
               <a:rPr lang="en-US" dirty="0" smtClean="0"/>
-              <a:t> </a:t>
-            </a:r>
-            <a:r>
-              <a:rPr lang="en-US" dirty="0" err="1" smtClean="0"/>
-              <a:t>thèmes</a:t>
-            </a:r>
-            <a:r>
-              <a:rPr lang="en-US" dirty="0" smtClean="0"/>
-              <a:t> </a:t>
-            </a:r>
-            <a:r>
-              <a:rPr lang="en-US" dirty="0" err="1" smtClean="0"/>
-              <a:t>abordés</a:t>
-            </a:r>
-            <a:r>
-              <a:rPr lang="en-US" dirty="0" smtClean="0"/>
-              <a:t> </a:t>
-            </a:r>
-            <a:r>
-              <a:rPr lang="en-US" dirty="0" err="1" smtClean="0"/>
-              <a:t>dans</a:t>
-            </a:r>
-            <a:r>
-              <a:rPr lang="en-US" dirty="0" smtClean="0"/>
-              <a:t> la </a:t>
-            </a:r>
-            <a:r>
-              <a:rPr lang="en-US" dirty="0" err="1" smtClean="0"/>
-              <a:t>présentation</a:t>
+              <a:t>Big picture OCTO de la performance</a:t>
             </a:r>
             <a:endParaRPr lang="en-US" dirty="0"/>
           </a:p>

--- a/PerfUniversity.pptx
+++ b/PerfUniversity.pptx
@@ -5,69 +5,65 @@
     <p:sldMasterId id="2147483648" r:id="rId1"/>
   </p:sldMasterIdLst>
   <p:notesMasterIdLst>
-    <p:notesMasterId r:id="rId59"/>
+    <p:notesMasterId r:id="rId55"/>
   </p:notesMasterIdLst>
   <p:handoutMasterIdLst>
-    <p:handoutMasterId r:id="rId60"/>
+    <p:handoutMasterId r:id="rId56"/>
   </p:handoutMasterIdLst>
   <p:sldIdLst>
     <p:sldId id="393" r:id="rId2"/>
-    <p:sldId id="398" r:id="rId3"/>
-    <p:sldId id="409" r:id="rId4"/>
-    <p:sldId id="442" r:id="rId5"/>
-    <p:sldId id="443" r:id="rId6"/>
-    <p:sldId id="394" r:id="rId7"/>
-    <p:sldId id="445" r:id="rId8"/>
-    <p:sldId id="444" r:id="rId9"/>
-    <p:sldId id="399" r:id="rId10"/>
-    <p:sldId id="404" r:id="rId11"/>
-    <p:sldId id="405" r:id="rId12"/>
-    <p:sldId id="406" r:id="rId13"/>
-    <p:sldId id="407" r:id="rId14"/>
-    <p:sldId id="402" r:id="rId15"/>
-    <p:sldId id="437" r:id="rId16"/>
-    <p:sldId id="411" r:id="rId17"/>
-    <p:sldId id="438" r:id="rId18"/>
-    <p:sldId id="439" r:id="rId19"/>
-    <p:sldId id="440" r:id="rId20"/>
-    <p:sldId id="441" r:id="rId21"/>
-    <p:sldId id="412" r:id="rId22"/>
-    <p:sldId id="401" r:id="rId23"/>
-    <p:sldId id="413" r:id="rId24"/>
-    <p:sldId id="414" r:id="rId25"/>
-    <p:sldId id="418" r:id="rId26"/>
-    <p:sldId id="417" r:id="rId27"/>
-    <p:sldId id="415" r:id="rId28"/>
-    <p:sldId id="416" r:id="rId29"/>
-    <p:sldId id="410" r:id="rId30"/>
-    <p:sldId id="419" r:id="rId31"/>
-    <p:sldId id="420" r:id="rId32"/>
-    <p:sldId id="421" r:id="rId33"/>
-    <p:sldId id="422" r:id="rId34"/>
-    <p:sldId id="423" r:id="rId35"/>
-    <p:sldId id="446" r:id="rId36"/>
-    <p:sldId id="447" r:id="rId37"/>
-    <p:sldId id="448" r:id="rId38"/>
-    <p:sldId id="449" r:id="rId39"/>
-    <p:sldId id="450" r:id="rId40"/>
-    <p:sldId id="451" r:id="rId41"/>
-    <p:sldId id="452" r:id="rId42"/>
-    <p:sldId id="424" r:id="rId43"/>
-    <p:sldId id="425" r:id="rId44"/>
-    <p:sldId id="426" r:id="rId45"/>
-    <p:sldId id="432" r:id="rId46"/>
-    <p:sldId id="427" r:id="rId47"/>
-    <p:sldId id="428" r:id="rId48"/>
-    <p:sldId id="433" r:id="rId49"/>
-    <p:sldId id="429" r:id="rId50"/>
-    <p:sldId id="431" r:id="rId51"/>
-    <p:sldId id="430" r:id="rId52"/>
-    <p:sldId id="435" r:id="rId53"/>
-    <p:sldId id="436" r:id="rId54"/>
-    <p:sldId id="403" r:id="rId55"/>
-    <p:sldId id="434" r:id="rId56"/>
-    <p:sldId id="453" r:id="rId57"/>
-    <p:sldId id="395" r:id="rId58"/>
+    <p:sldId id="409" r:id="rId3"/>
+    <p:sldId id="442" r:id="rId4"/>
+    <p:sldId id="443" r:id="rId5"/>
+    <p:sldId id="394" r:id="rId6"/>
+    <p:sldId id="445" r:id="rId7"/>
+    <p:sldId id="444" r:id="rId8"/>
+    <p:sldId id="404" r:id="rId9"/>
+    <p:sldId id="405" r:id="rId10"/>
+    <p:sldId id="406" r:id="rId11"/>
+    <p:sldId id="407" r:id="rId12"/>
+    <p:sldId id="402" r:id="rId13"/>
+    <p:sldId id="437" r:id="rId14"/>
+    <p:sldId id="411" r:id="rId15"/>
+    <p:sldId id="438" r:id="rId16"/>
+    <p:sldId id="439" r:id="rId17"/>
+    <p:sldId id="440" r:id="rId18"/>
+    <p:sldId id="441" r:id="rId19"/>
+    <p:sldId id="401" r:id="rId20"/>
+    <p:sldId id="413" r:id="rId21"/>
+    <p:sldId id="454" r:id="rId22"/>
+    <p:sldId id="455" r:id="rId23"/>
+    <p:sldId id="456" r:id="rId24"/>
+    <p:sldId id="457" r:id="rId25"/>
+    <p:sldId id="414" r:id="rId26"/>
+    <p:sldId id="418" r:id="rId27"/>
+    <p:sldId id="417" r:id="rId28"/>
+    <p:sldId id="458" r:id="rId29"/>
+    <p:sldId id="412" r:id="rId30"/>
+    <p:sldId id="415" r:id="rId31"/>
+    <p:sldId id="416" r:id="rId32"/>
+    <p:sldId id="446" r:id="rId33"/>
+    <p:sldId id="447" r:id="rId34"/>
+    <p:sldId id="448" r:id="rId35"/>
+    <p:sldId id="449" r:id="rId36"/>
+    <p:sldId id="450" r:id="rId37"/>
+    <p:sldId id="451" r:id="rId38"/>
+    <p:sldId id="452" r:id="rId39"/>
+    <p:sldId id="463" r:id="rId40"/>
+    <p:sldId id="427" r:id="rId41"/>
+    <p:sldId id="460" r:id="rId42"/>
+    <p:sldId id="459" r:id="rId43"/>
+    <p:sldId id="426" r:id="rId44"/>
+    <p:sldId id="461" r:id="rId45"/>
+    <p:sldId id="429" r:id="rId46"/>
+    <p:sldId id="431" r:id="rId47"/>
+    <p:sldId id="430" r:id="rId48"/>
+    <p:sldId id="462" r:id="rId49"/>
+    <p:sldId id="464" r:id="rId50"/>
+    <p:sldId id="403" r:id="rId51"/>
+    <p:sldId id="434" r:id="rId52"/>
+    <p:sldId id="453" r:id="rId53"/>
+    <p:sldId id="395" r:id="rId54"/>
   </p:sldIdLst>
   <p:sldSz cx="9144000" cy="5143500" type="screen16x9"/>
   <p:notesSz cx="6858000" cy="9144000"/>
@@ -198,7 +194,7 @@
   </p:defaultTextStyle>
   <p:extLst>
     <p:ext uri="{EFAFB233-063F-42B5-8137-9DF3F51BA10A}">
-      <p15:sldGuideLst xmlns:p15="http://schemas.microsoft.com/office/powerpoint/2012/main" xmlns="">
+      <p15:sldGuideLst xmlns="" xmlns:p15="http://schemas.microsoft.com/office/powerpoint/2012/main">
         <p15:guide id="1" orient="horz" pos="1620">
           <p15:clr>
             <a:srgbClr val="A4A3A4"/>
@@ -212,7 +208,7 @@
       </p15:sldGuideLst>
     </p:ext>
     <p:ext uri="{2D200454-40CA-4A62-9FC3-DE9A4176ACB9}">
-      <p15:notesGuideLst xmlns:p15="http://schemas.microsoft.com/office/powerpoint/2012/main" xmlns=""/>
+      <p15:notesGuideLst xmlns="" xmlns:p15="http://schemas.microsoft.com/office/powerpoint/2012/main"/>
     </p:ext>
   </p:extLst>
 </p:presentation>
@@ -5500,8 +5496,8 @@
     <dgm:cxn modelId="{B0D5CD30-57DF-4D29-9EB6-8EF9AC501875}" type="presOf" srcId="{0875FB8C-61C4-444F-B072-0E7DA3532F32}" destId="{86284C6C-DE51-4318-888A-F3ECCF2598B5}" srcOrd="0" destOrd="0" presId="urn:microsoft.com/office/officeart/2005/8/layout/vList5"/>
     <dgm:cxn modelId="{F2220FE0-8EC0-4B30-A45E-E6B10180C87E}" type="presOf" srcId="{ED138812-7DF3-422E-8427-609ABF527EF8}" destId="{6A51B969-4301-456A-A58E-1ABBAB497FD3}" srcOrd="0" destOrd="0" presId="urn:microsoft.com/office/officeart/2005/8/layout/vList5"/>
     <dgm:cxn modelId="{F2FD0A1C-42F9-45F4-8046-6C8425DB8465}" srcId="{52407230-18E2-4EA0-839B-54E531E64E5C}" destId="{0875FB8C-61C4-444F-B072-0E7DA3532F32}" srcOrd="0" destOrd="0" parTransId="{55A71AF5-6664-4819-89EE-77FD1C8EC31B}" sibTransId="{DB23D6CB-2DF6-492A-87A0-600AB224676E}"/>
+    <dgm:cxn modelId="{C4D7B340-2F57-4099-85B0-897A8F8B8854}" type="presOf" srcId="{7BF58C16-ADE9-4CB4-B51C-18CCC3851E8F}" destId="{86284C6C-DE51-4318-888A-F3ECCF2598B5}" srcOrd="0" destOrd="1" presId="urn:microsoft.com/office/officeart/2005/8/layout/vList5"/>
     <dgm:cxn modelId="{DD40F434-5FD7-4D89-A20B-B2294F12AAF2}" srcId="{B7E31CAB-988B-4C5D-A8EB-201DAFECFC46}" destId="{9882B530-A874-49D1-A95D-986F33EB994C}" srcOrd="0" destOrd="0" parTransId="{E102818C-128E-48AF-938D-E2D00071C15D}" sibTransId="{37115658-A23C-4DDD-AF8F-2F518C140C7E}"/>
-    <dgm:cxn modelId="{C4D7B340-2F57-4099-85B0-897A8F8B8854}" type="presOf" srcId="{7BF58C16-ADE9-4CB4-B51C-18CCC3851E8F}" destId="{86284C6C-DE51-4318-888A-F3ECCF2598B5}" srcOrd="0" destOrd="1" presId="urn:microsoft.com/office/officeart/2005/8/layout/vList5"/>
     <dgm:cxn modelId="{4DD3E1A9-C0A9-41F4-BA12-13CD9C96EE9D}" srcId="{CA67DAD7-15D9-4899-B980-4DD9C4A46799}" destId="{9E7A8AB9-EFED-411D-9F4D-CB3023DB800D}" srcOrd="0" destOrd="0" parTransId="{F9C7FF34-E5D4-4469-8D2D-F364BCDF405E}" sibTransId="{035AB2A2-1DDE-48B0-A0F8-575247E2117D}"/>
     <dgm:cxn modelId="{4E0578E8-58DC-4BD4-8848-789500BF8710}" type="presOf" srcId="{9E7A8AB9-EFED-411D-9F4D-CB3023DB800D}" destId="{ACC1F8B2-765E-4D64-BFE1-49ECB56991B9}" srcOrd="0" destOrd="0" presId="urn:microsoft.com/office/officeart/2005/8/layout/vList5"/>
     <dgm:cxn modelId="{6F4C0F86-2943-41E3-AA97-EED6AA470EE5}" srcId="{CA67DAD7-15D9-4899-B980-4DD9C4A46799}" destId="{63507499-0A29-4EC9-8376-C1D8A354B555}" srcOrd="1" destOrd="0" parTransId="{BE8CD2CB-E3F5-4747-A679-7991AE6C85EB}" sibTransId="{107C41FC-E172-4DC3-85E3-EF7CD59F5FE4}"/>
@@ -14537,7 +14533,7 @@
               <a:pPr>
                 <a:defRPr/>
               </a:pPr>
-              <a:t>07/04/2014</a:t>
+              <a:t>10/04/2014</a:t>
             </a:fld>
             <a:endParaRPr lang="fr-FR"/>
           </a:p>
@@ -14927,7 +14923,7 @@
               <a:pPr>
                 <a:defRPr/>
               </a:pPr>
-              <a:t>5</a:t>
+              <a:t>4</a:t>
             </a:fld>
             <a:endParaRPr lang="fr-FR"/>
           </a:p>
@@ -14987,421 +14983,21 @@
         </p:nvSpPr>
         <p:spPr/>
         <p:txBody>
-          <a:bodyPr>
-            <a:normAutofit fontScale="70000" lnSpcReduction="20000"/>
-          </a:bodyPr>
+          <a:bodyPr/>
           <a:lstStyle/>
           <a:p>
             <a:r>
               <a:rPr lang="fr-FR" dirty="0" smtClean="0"/>
-              <a:t>Slide 17 : Insister, mesurer où est le problème et pas à l'instinct j'essaie d'optimiser.</a:t>
-            </a:r>
-          </a:p>
-          <a:p>
+              <a:t>Une </a:t>
+            </a:r>
+            <a:r>
+              <a:rPr lang="fr-FR" dirty="0" err="1" smtClean="0"/>
+              <a:t>applicatino</a:t>
+            </a:r>
             <a:r>
               <a:rPr lang="fr-FR" dirty="0" smtClean="0"/>
-              <a:t>Plus les marteler.</a:t>
-            </a:r>
-          </a:p>
-          <a:p>
-            <a:endParaRPr lang="fr-FR" dirty="0" smtClean="0"/>
-          </a:p>
-          <a:p>
-            <a:r>
-              <a:rPr lang="fr-FR" dirty="0" smtClean="0"/>
-              <a:t>Mesurer les I/O : Si le CPU système est supérieur à 10% =&gt; Je fais des I/O.</a:t>
-            </a:r>
-          </a:p>
-          <a:p>
-            <a:endParaRPr lang="fr-FR" dirty="0" smtClean="0"/>
-          </a:p>
-          <a:p>
-            <a:r>
-              <a:rPr lang="fr-FR" dirty="0" err="1" smtClean="0"/>
-              <a:t>Gatling</a:t>
-            </a:r>
-            <a:r>
-              <a:rPr lang="fr-FR" baseline="0" dirty="0" smtClean="0"/>
-              <a:t> : parce qu’il est open source et qu’il fait de beaux rapports</a:t>
-            </a:r>
-            <a:endParaRPr lang="fr-FR" dirty="0" smtClean="0"/>
-          </a:p>
-          <a:p>
-            <a:endParaRPr lang="fr-FR" dirty="0" smtClean="0"/>
-          </a:p>
-          <a:p>
-            <a:r>
-              <a:rPr lang="fr-FR" dirty="0" smtClean="0"/>
-              <a:t>====</a:t>
-            </a:r>
-          </a:p>
-          <a:p>
-            <a:endParaRPr lang="fr-FR" dirty="0" smtClean="0"/>
-          </a:p>
-          <a:p>
-            <a:r>
-              <a:rPr lang="fr-FR" dirty="0" smtClean="0"/>
-              <a:t>Pour la génération de données</a:t>
-            </a:r>
-          </a:p>
-          <a:p>
-            <a:pPr lvl="1"/>
-            <a:r>
-              <a:rPr lang="fr-FR" dirty="0" smtClean="0"/>
-              <a:t>Anonymisation et script de migration depuis la production</a:t>
-            </a:r>
-          </a:p>
-          <a:p>
-            <a:pPr lvl="1"/>
-            <a:r>
-              <a:rPr lang="fr-FR" dirty="0" smtClean="0"/>
-              <a:t>Génération de jeux de données (</a:t>
-            </a:r>
-            <a:r>
-              <a:rPr lang="fr-FR" dirty="0" err="1" smtClean="0"/>
-              <a:t>benerator</a:t>
-            </a:r>
-            <a:r>
-              <a:rPr lang="fr-FR" dirty="0" smtClean="0"/>
-              <a:t>, </a:t>
-            </a:r>
-            <a:r>
-              <a:rPr lang="fr-FR" dirty="0" err="1" smtClean="0"/>
-              <a:t>etC.</a:t>
-            </a:r>
-            <a:r>
-              <a:rPr lang="fr-FR" dirty="0" smtClean="0"/>
-              <a:t>)</a:t>
-            </a:r>
-          </a:p>
-          <a:p>
-            <a:endParaRPr lang="fr-FR" dirty="0" smtClean="0"/>
-          </a:p>
-          <a:p>
-            <a:r>
-              <a:rPr lang="fr-FR" dirty="0" smtClean="0"/>
-              <a:t>Pour la mise en charge</a:t>
-            </a:r>
-          </a:p>
-          <a:p>
-            <a:pPr lvl="1"/>
-            <a:r>
-              <a:rPr lang="fr-FR" dirty="0" err="1" smtClean="0"/>
-              <a:t>LoadRunner</a:t>
-            </a:r>
-            <a:r>
-              <a:rPr lang="fr-FR" dirty="0" smtClean="0"/>
-              <a:t>, </a:t>
-            </a:r>
-            <a:r>
-              <a:rPr lang="fr-FR" dirty="0" err="1" smtClean="0"/>
-              <a:t>JMeter</a:t>
-            </a:r>
-            <a:r>
-              <a:rPr lang="fr-FR" dirty="0" smtClean="0"/>
-              <a:t>, </a:t>
-            </a:r>
-            <a:r>
-              <a:rPr lang="fr-FR" dirty="0" err="1" smtClean="0"/>
-              <a:t>Gatling</a:t>
-            </a:r>
-            <a:endParaRPr lang="fr-FR" dirty="0" smtClean="0"/>
-          </a:p>
-          <a:p>
-            <a:pPr lvl="1"/>
-            <a:r>
-              <a:rPr lang="fr-FR" dirty="0" smtClean="0"/>
-              <a:t>Visual Studio</a:t>
-            </a:r>
-          </a:p>
-          <a:p>
-            <a:endParaRPr lang="fr-FR" dirty="0" smtClean="0"/>
-          </a:p>
-          <a:p>
-            <a:r>
-              <a:rPr lang="fr-FR" dirty="0" smtClean="0"/>
-              <a:t>Pour la prise de mesure</a:t>
-            </a:r>
-          </a:p>
-          <a:p>
-            <a:pPr lvl="1"/>
-            <a:r>
-              <a:rPr lang="fr-FR" dirty="0" err="1" smtClean="0"/>
-              <a:t>Perfmon</a:t>
-            </a:r>
-            <a:r>
-              <a:rPr lang="fr-FR" dirty="0" smtClean="0"/>
-              <a:t> (Windows)</a:t>
-            </a:r>
-          </a:p>
-          <a:p>
-            <a:pPr lvl="1"/>
-            <a:r>
-              <a:rPr lang="fr-FR" dirty="0" err="1" smtClean="0"/>
-              <a:t>Nmon</a:t>
-            </a:r>
-            <a:r>
-              <a:rPr lang="fr-FR" dirty="0" smtClean="0"/>
-              <a:t> (Linux)</a:t>
-            </a:r>
-          </a:p>
-          <a:p>
-            <a:pPr lvl="1"/>
-            <a:endParaRPr lang="fr-FR" dirty="0" smtClean="0"/>
-          </a:p>
-          <a:p>
-            <a:pPr marL="342900" marR="0" lvl="0" indent="-342900" algn="l" defTabSz="914400" rtl="0" eaLnBrk="1" fontAlgn="base" latinLnBrk="0" hangingPunct="1">
-              <a:lnSpc>
-                <a:spcPct val="100000"/>
-              </a:lnSpc>
-              <a:spcBef>
-                <a:spcPct val="20000"/>
-              </a:spcBef>
-              <a:spcAft>
-                <a:spcPct val="0"/>
-              </a:spcAft>
-              <a:buClr>
-                <a:srgbClr val="002D60"/>
-              </a:buClr>
-              <a:buSzPct val="100000"/>
-              <a:buFontTx/>
-              <a:buBlip>
-                <a:blip r:embed="rId3"/>
-              </a:buBlip>
-              <a:tabLst/>
-              <a:defRPr/>
-            </a:pPr>
-            <a:r>
-              <a:rPr kumimoji="0" lang="fr-FR" sz="1600" b="0" i="0" u="none" strike="noStrike" kern="0" cap="none" spc="0" normalizeH="0" baseline="0" noProof="0" dirty="0" smtClean="0">
-                <a:ln>
-                  <a:noFill/>
-                </a:ln>
-                <a:solidFill>
-                  <a:srgbClr val="4C4C4C"/>
-                </a:solidFill>
-                <a:effectLst/>
-                <a:uLnTx/>
-                <a:uFillTx/>
-                <a:latin typeface="+mn-lt"/>
-                <a:ea typeface="ＭＳ Ｐゴシック" pitchFamily="-104" charset="-128"/>
-                <a:cs typeface="ＭＳ Ｐゴシック" pitchFamily="-104" charset="-128"/>
-              </a:rPr>
-              <a:t>Noter</a:t>
-            </a:r>
-            <a:r>
-              <a:rPr kumimoji="0" lang="fr-FR" sz="1600" b="0" i="0" u="none" strike="noStrike" kern="0" cap="none" spc="0" normalizeH="0" noProof="0" dirty="0" smtClean="0">
-                <a:ln>
-                  <a:noFill/>
-                </a:ln>
-                <a:solidFill>
-                  <a:srgbClr val="4C4C4C"/>
-                </a:solidFill>
-                <a:effectLst/>
-                <a:uLnTx/>
-                <a:uFillTx/>
-                <a:latin typeface="+mn-lt"/>
-                <a:ea typeface="ＭＳ Ｐゴシック" pitchFamily="-104" charset="-128"/>
-                <a:cs typeface="ＭＳ Ｐゴシック" pitchFamily="-104" charset="-128"/>
-              </a:rPr>
-              <a:t> les enjeux correspondants</a:t>
-            </a:r>
-          </a:p>
-          <a:p>
-            <a:pPr marL="342900" marR="0" lvl="0" indent="-342900" algn="l" defTabSz="914400" rtl="0" eaLnBrk="1" fontAlgn="base" latinLnBrk="0" hangingPunct="1">
-              <a:lnSpc>
-                <a:spcPct val="100000"/>
-              </a:lnSpc>
-              <a:spcBef>
-                <a:spcPct val="20000"/>
-              </a:spcBef>
-              <a:spcAft>
-                <a:spcPct val="0"/>
-              </a:spcAft>
-              <a:buClr>
-                <a:srgbClr val="002D60"/>
-              </a:buClr>
-              <a:buSzPct val="100000"/>
-              <a:buFontTx/>
-              <a:buBlip>
-                <a:blip r:embed="rId3"/>
-              </a:buBlip>
-              <a:tabLst/>
-              <a:defRPr/>
-            </a:pPr>
-            <a:endParaRPr lang="fr-FR" sz="1600" kern="0" baseline="0" dirty="0" smtClean="0">
-              <a:solidFill>
-                <a:srgbClr val="4C4C4C"/>
-              </a:solidFill>
-              <a:ea typeface="ＭＳ Ｐゴシック" pitchFamily="-104" charset="-128"/>
-            </a:endParaRPr>
-          </a:p>
-          <a:p>
-            <a:pPr marL="342900" marR="0" lvl="0" indent="-342900" algn="l" defTabSz="914400" rtl="0" eaLnBrk="1" fontAlgn="base" latinLnBrk="0" hangingPunct="1">
-              <a:lnSpc>
-                <a:spcPct val="100000"/>
-              </a:lnSpc>
-              <a:spcBef>
-                <a:spcPct val="20000"/>
-              </a:spcBef>
-              <a:spcAft>
-                <a:spcPct val="0"/>
-              </a:spcAft>
-              <a:buClr>
-                <a:srgbClr val="002D60"/>
-              </a:buClr>
-              <a:buSzPct val="100000"/>
-              <a:buFontTx/>
-              <a:buBlip>
-                <a:blip r:embed="rId3"/>
-              </a:buBlip>
-              <a:tabLst/>
-              <a:defRPr/>
-            </a:pPr>
-            <a:r>
-              <a:rPr kumimoji="0" lang="fr-FR" sz="1600" b="0" i="0" u="none" strike="noStrike" kern="0" cap="none" spc="0" normalizeH="0" noProof="0" dirty="0" smtClean="0">
-                <a:ln>
-                  <a:noFill/>
-                </a:ln>
-                <a:solidFill>
-                  <a:srgbClr val="4C4C4C"/>
-                </a:solidFill>
-                <a:effectLst/>
-                <a:uLnTx/>
-                <a:uFillTx/>
-                <a:latin typeface="+mn-lt"/>
-                <a:ea typeface="ＭＳ Ｐゴシック" pitchFamily="-104" charset="-128"/>
-              </a:rPr>
-              <a:t>Noter les problématiques liées au grand nombre de machines</a:t>
-            </a:r>
-          </a:p>
-          <a:p>
-            <a:pPr marL="800100" lvl="1" indent="-342900" fontAlgn="base">
-              <a:spcBef>
-                <a:spcPct val="20000"/>
-              </a:spcBef>
-              <a:spcAft>
-                <a:spcPct val="0"/>
-              </a:spcAft>
-              <a:buClr>
-                <a:srgbClr val="002D60"/>
-              </a:buClr>
-              <a:buSzPct val="100000"/>
-              <a:buFontTx/>
-              <a:buBlip>
-                <a:blip r:embed="rId3"/>
-              </a:buBlip>
-            </a:pPr>
-            <a:r>
-              <a:rPr lang="fr-FR" sz="1600" kern="0" dirty="0" smtClean="0">
-                <a:solidFill>
-                  <a:srgbClr val="4C4C4C"/>
-                </a:solidFill>
-                <a:ea typeface="ＭＳ Ｐゴシック" pitchFamily="-104" charset="-128"/>
-              </a:rPr>
-              <a:t>Rechercher les outils de BPA</a:t>
-            </a:r>
-          </a:p>
-          <a:p>
-            <a:pPr marL="800100" lvl="1" indent="-342900" fontAlgn="base">
-              <a:spcBef>
-                <a:spcPct val="20000"/>
-              </a:spcBef>
-              <a:spcAft>
-                <a:spcPct val="0"/>
-              </a:spcAft>
-              <a:buClr>
-                <a:srgbClr val="002D60"/>
-              </a:buClr>
-              <a:buSzPct val="100000"/>
-              <a:buFontTx/>
-              <a:buBlip>
-                <a:blip r:embed="rId3"/>
-              </a:buBlip>
-            </a:pPr>
-            <a:endParaRPr lang="fr-FR" sz="1600" kern="0" dirty="0" smtClean="0">
-              <a:solidFill>
-                <a:srgbClr val="4C4C4C"/>
-              </a:solidFill>
-              <a:ea typeface="ＭＳ Ｐゴシック" pitchFamily="-104" charset="-128"/>
-            </a:endParaRPr>
-          </a:p>
-          <a:p>
-            <a:pPr marL="342900" indent="-342900" fontAlgn="base">
-              <a:spcBef>
-                <a:spcPct val="20000"/>
-              </a:spcBef>
-              <a:spcAft>
-                <a:spcPct val="0"/>
-              </a:spcAft>
-              <a:buClr>
-                <a:srgbClr val="002D60"/>
-              </a:buClr>
-              <a:buSzPct val="100000"/>
-              <a:buFontTx/>
-              <a:buBlip>
-                <a:blip r:embed="rId3"/>
-              </a:buBlip>
-            </a:pPr>
-            <a:r>
-              <a:rPr lang="fr-FR" sz="1600" kern="0" dirty="0" smtClean="0">
-                <a:solidFill>
-                  <a:srgbClr val="4C4C4C"/>
-                </a:solidFill>
-                <a:ea typeface="ＭＳ Ｐゴシック" pitchFamily="-104" charset="-128"/>
-              </a:rPr>
-              <a:t>Idées : susciter les questions et l’envie de faire une autre </a:t>
-            </a:r>
-            <a:r>
-              <a:rPr lang="fr-FR" sz="1600" kern="0" dirty="0" err="1" smtClean="0">
-                <a:solidFill>
-                  <a:srgbClr val="4C4C4C"/>
-                </a:solidFill>
-                <a:ea typeface="ＭＳ Ｐゴシック" pitchFamily="-104" charset="-128"/>
-              </a:rPr>
-              <a:t>prez</a:t>
-            </a:r>
-            <a:endParaRPr lang="fr-FR" sz="1600" kern="0" dirty="0" smtClean="0">
-              <a:solidFill>
-                <a:srgbClr val="4C4C4C"/>
-              </a:solidFill>
-              <a:ea typeface="ＭＳ Ｐゴシック" pitchFamily="-104" charset="-128"/>
-            </a:endParaRPr>
-          </a:p>
-          <a:p>
-            <a:pPr marL="800100" lvl="1" indent="-342900" fontAlgn="base">
-              <a:spcBef>
-                <a:spcPct val="20000"/>
-              </a:spcBef>
-              <a:spcAft>
-                <a:spcPct val="0"/>
-              </a:spcAft>
-              <a:buClr>
-                <a:srgbClr val="002D60"/>
-              </a:buClr>
-              <a:buSzPct val="100000"/>
-              <a:buFontTx/>
-              <a:buBlip>
-                <a:blip r:embed="rId3"/>
-              </a:buBlip>
-            </a:pPr>
-            <a:endParaRPr kumimoji="0" lang="fr-FR" sz="1600" b="0" i="0" u="none" strike="noStrike" kern="0" cap="none" spc="0" normalizeH="0" noProof="0" dirty="0" smtClean="0">
-              <a:ln>
-                <a:noFill/>
-              </a:ln>
-              <a:solidFill>
-                <a:srgbClr val="4C4C4C"/>
-              </a:solidFill>
-              <a:effectLst/>
-              <a:uLnTx/>
-              <a:uFillTx/>
-              <a:latin typeface="+mn-lt"/>
-              <a:ea typeface="ＭＳ Ｐゴシック" pitchFamily="-104" charset="-128"/>
-            </a:endParaRPr>
-          </a:p>
-          <a:p>
-            <a:endParaRPr lang="fr-FR" dirty="0" smtClean="0"/>
-          </a:p>
-          <a:p>
+              <a:t> à l’état de l’art mais beaucoup trop lente !</a:t>
+            </a:r>
             <a:endParaRPr lang="fr-FR" dirty="0"/>
           </a:p>
         </p:txBody>
@@ -15429,7 +15025,7 @@
               <a:pPr>
                 <a:defRPr/>
               </a:pPr>
-              <a:t>15</a:t>
+              <a:t>14</a:t>
             </a:fld>
             <a:endParaRPr lang="fr-FR"/>
           </a:p>
@@ -15438,7 +15034,7 @@
     </p:spTree>
     <p:extLst>
       <p:ext uri="{BB962C8B-B14F-4D97-AF65-F5344CB8AC3E}">
-        <p14:creationId xmlns:p14="http://schemas.microsoft.com/office/powerpoint/2010/main" val="915939337"/>
+        <p14:creationId xmlns:p14="http://schemas.microsoft.com/office/powerpoint/2010/main" val="481082485"/>
       </p:ext>
     </p:extLst>
   </p:cSld>
@@ -15489,20 +15085,18 @@
         </p:nvSpPr>
         <p:spPr/>
         <p:txBody>
-          <a:bodyPr/>
+          <a:bodyPr>
+            <a:normAutofit/>
+          </a:bodyPr>
           <a:lstStyle/>
           <a:p>
             <a:r>
+              <a:rPr lang="fr-FR" dirty="0" err="1" smtClean="0"/>
+              <a:t>Slide</a:t>
+            </a:r>
+            <a:r>
               <a:rPr lang="fr-FR" dirty="0" smtClean="0"/>
-              <a:t>Une </a:t>
-            </a:r>
-            <a:r>
-              <a:rPr lang="fr-FR" dirty="0" err="1" smtClean="0"/>
-              <a:t>applicatino</a:t>
-            </a:r>
-            <a:r>
-              <a:rPr lang="fr-FR" dirty="0" smtClean="0"/>
-              <a:t> à l’état de l’art mais beaucoup trop lente !</a:t>
+              <a:t> 13 : Dire que c'est la nomenclature qu'OCTO utilise.</a:t>
             </a:r>
             <a:endParaRPr lang="fr-FR" dirty="0"/>
           </a:p>
@@ -15523,15 +15117,10 @@
           <a:bodyPr/>
           <a:lstStyle/>
           <a:p>
-            <a:pPr>
-              <a:defRPr/>
-            </a:pPr>
-            <a:fld id="{68CC13ED-B5D7-254A-B8C5-6B7F27BAA1B2}" type="slidenum">
+            <a:fld id="{BFEBECEB-CCF1-413B-AAA5-7969BDFE1205}" type="slidenum">
               <a:rPr lang="fr-FR" smtClean="0"/>
-              <a:pPr>
-                <a:defRPr/>
-              </a:pPr>
-              <a:t>16</a:t>
+              <a:pPr/>
+              <a:t>19</a:t>
             </a:fld>
             <a:endParaRPr lang="fr-FR"/>
           </a:p>
@@ -15540,7 +15129,7 @@
     </p:spTree>
     <p:extLst>
       <p:ext uri="{BB962C8B-B14F-4D97-AF65-F5344CB8AC3E}">
-        <p14:creationId xmlns:p14="http://schemas.microsoft.com/office/powerpoint/2010/main" val="481082485"/>
+        <p14:creationId xmlns:p14="http://schemas.microsoft.com/office/powerpoint/2010/main" val="3670392540"/>
       </p:ext>
     </p:extLst>
   </p:cSld>
@@ -15591,18 +15180,16 @@
         </p:nvSpPr>
         <p:spPr/>
         <p:txBody>
-          <a:bodyPr>
-            <a:normAutofit/>
-          </a:bodyPr>
+          <a:bodyPr/>
           <a:lstStyle/>
           <a:p>
             <a:r>
-              <a:rPr lang="fr-FR" dirty="0" err="1" smtClean="0"/>
-              <a:t>Slide</a:t>
-            </a:r>
-            <a:r>
               <a:rPr lang="fr-FR" dirty="0" smtClean="0"/>
-              <a:t> 13 : Dire que c'est la nomenclature qu'OCTO utilise.</a:t>
+              <a:t>Utiliser un client</a:t>
+            </a:r>
+            <a:r>
+              <a:rPr lang="fr-FR" baseline="0" dirty="0" smtClean="0"/>
+              <a:t> REST comme REST client</a:t>
             </a:r>
             <a:endParaRPr lang="fr-FR" dirty="0"/>
           </a:p>
@@ -15623,10 +15210,15 @@
           <a:bodyPr/>
           <a:lstStyle/>
           <a:p>
-            <a:fld id="{BFEBECEB-CCF1-413B-AAA5-7969BDFE1205}" type="slidenum">
+            <a:pPr>
+              <a:defRPr/>
+            </a:pPr>
+            <a:fld id="{68CC13ED-B5D7-254A-B8C5-6B7F27BAA1B2}" type="slidenum">
               <a:rPr lang="fr-FR" smtClean="0"/>
-              <a:pPr/>
-              <a:t>22</a:t>
+              <a:pPr>
+                <a:defRPr/>
+              </a:pPr>
+              <a:t>20</a:t>
             </a:fld>
             <a:endParaRPr lang="fr-FR"/>
           </a:p>
@@ -15635,7 +15227,7 @@
     </p:spTree>
     <p:extLst>
       <p:ext uri="{BB962C8B-B14F-4D97-AF65-F5344CB8AC3E}">
-        <p14:creationId xmlns:p14="http://schemas.microsoft.com/office/powerpoint/2010/main" val="3670392540"/>
+        <p14:creationId xmlns:p14="http://schemas.microsoft.com/office/powerpoint/2010/main" val="1204883654"/>
       </p:ext>
     </p:extLst>
   </p:cSld>
@@ -15686,16 +15278,18 @@
         </p:nvSpPr>
         <p:spPr/>
         <p:txBody>
-          <a:bodyPr/>
+          <a:bodyPr>
+            <a:normAutofit/>
+          </a:bodyPr>
           <a:lstStyle/>
           <a:p>
             <a:r>
+              <a:rPr lang="fr-FR" dirty="0" err="1" smtClean="0"/>
+              <a:t>Slide</a:t>
+            </a:r>
+            <a:r>
               <a:rPr lang="fr-FR" dirty="0" smtClean="0"/>
-              <a:t>Utiliser un client</a:t>
-            </a:r>
-            <a:r>
-              <a:rPr lang="fr-FR" baseline="0" dirty="0" smtClean="0"/>
-              <a:t> REST comme REST client</a:t>
+              <a:t> 13 : Dire que c'est la nomenclature qu'OCTO utilise.</a:t>
             </a:r>
             <a:endParaRPr lang="fr-FR" dirty="0"/>
           </a:p>
@@ -15716,15 +15310,10 @@
           <a:bodyPr/>
           <a:lstStyle/>
           <a:p>
-            <a:pPr>
-              <a:defRPr/>
-            </a:pPr>
-            <a:fld id="{68CC13ED-B5D7-254A-B8C5-6B7F27BAA1B2}" type="slidenum">
+            <a:fld id="{BFEBECEB-CCF1-413B-AAA5-7969BDFE1205}" type="slidenum">
               <a:rPr lang="fr-FR" smtClean="0"/>
-              <a:pPr>
-                <a:defRPr/>
-              </a:pPr>
-              <a:t>23</a:t>
+              <a:pPr/>
+              <a:t>25</a:t>
             </a:fld>
             <a:endParaRPr lang="fr-FR"/>
           </a:p>
@@ -15733,7 +15322,7 @@
     </p:spTree>
     <p:extLst>
       <p:ext uri="{BB962C8B-B14F-4D97-AF65-F5344CB8AC3E}">
-        <p14:creationId xmlns:p14="http://schemas.microsoft.com/office/powerpoint/2010/main" val="1204883654"/>
+        <p14:creationId xmlns:p14="http://schemas.microsoft.com/office/powerpoint/2010/main" val="3300650879"/>
       </p:ext>
     </p:extLst>
   </p:cSld>
@@ -15784,18 +15373,16 @@
         </p:nvSpPr>
         <p:spPr/>
         <p:txBody>
-          <a:bodyPr>
-            <a:normAutofit/>
-          </a:bodyPr>
+          <a:bodyPr/>
           <a:lstStyle/>
           <a:p>
             <a:r>
+              <a:rPr lang="fr-FR" dirty="0" smtClean="0"/>
+              <a:t>Montrer </a:t>
+            </a:r>
+            <a:r>
               <a:rPr lang="fr-FR" dirty="0" err="1" smtClean="0"/>
-              <a:t>Slide</a:t>
-            </a:r>
-            <a:r>
-              <a:rPr lang="fr-FR" dirty="0" smtClean="0"/>
-              <a:t> 13 : Dire que c'est la nomenclature qu'OCTO utilise.</a:t>
+              <a:t>Benerator</a:t>
             </a:r>
             <a:endParaRPr lang="fr-FR" dirty="0"/>
           </a:p>
@@ -15816,10 +15403,15 @@
           <a:bodyPr/>
           <a:lstStyle/>
           <a:p>
-            <a:fld id="{BFEBECEB-CCF1-413B-AAA5-7969BDFE1205}" type="slidenum">
+            <a:pPr>
+              <a:defRPr/>
+            </a:pPr>
+            <a:fld id="{68CC13ED-B5D7-254A-B8C5-6B7F27BAA1B2}" type="slidenum">
               <a:rPr lang="fr-FR" smtClean="0"/>
-              <a:pPr/>
-              <a:t>24</a:t>
+              <a:pPr>
+                <a:defRPr/>
+              </a:pPr>
+              <a:t>27</a:t>
             </a:fld>
             <a:endParaRPr lang="fr-FR"/>
           </a:p>
@@ -15828,7 +15420,7 @@
     </p:spTree>
     <p:extLst>
       <p:ext uri="{BB962C8B-B14F-4D97-AF65-F5344CB8AC3E}">
-        <p14:creationId xmlns:p14="http://schemas.microsoft.com/office/powerpoint/2010/main" val="3300650879"/>
+        <p14:creationId xmlns:p14="http://schemas.microsoft.com/office/powerpoint/2010/main" val="2634673615"/>
       </p:ext>
     </p:extLst>
   </p:cSld>
@@ -15857,7 +15449,7 @@
       </p:grpSpPr>
       <p:sp>
         <p:nvSpPr>
-          <p:cNvPr id="2" name="Espace réservé de l'image des diapositives 1"/>
+          <p:cNvPr id="2" name="Slide Image Placeholder 1"/>
           <p:cNvSpPr>
             <a:spLocks noGrp="1" noRot="1" noChangeAspect="1"/>
           </p:cNvSpPr>
@@ -15869,7 +15461,7 @@
       </p:sp>
       <p:sp>
         <p:nvSpPr>
-          <p:cNvPr id="3" name="Espace réservé des commentaires 2"/>
+          <p:cNvPr id="3" name="Notes Placeholder 2"/>
           <p:cNvSpPr>
             <a:spLocks noGrp="1"/>
           </p:cNvSpPr>
@@ -15882,21 +15474,44 @@
           <a:bodyPr/>
           <a:lstStyle/>
           <a:p>
-            <a:r>
-              <a:rPr lang="fr-FR" dirty="0" smtClean="0"/>
-              <a:t>Montrer </a:t>
-            </a:r>
-            <a:r>
-              <a:rPr lang="fr-FR" dirty="0" err="1" smtClean="0"/>
-              <a:t>Benerator</a:t>
-            </a:r>
-            <a:endParaRPr lang="fr-FR" dirty="0"/>
+            <a:pPr marL="0" marR="0" indent="0" algn="l" defTabSz="914400" rtl="0" eaLnBrk="0" fontAlgn="base" latinLnBrk="0" hangingPunct="0">
+              <a:lnSpc>
+                <a:spcPct val="100000"/>
+              </a:lnSpc>
+              <a:spcBef>
+                <a:spcPct val="30000"/>
+              </a:spcBef>
+              <a:spcAft>
+                <a:spcPct val="0"/>
+              </a:spcAft>
+              <a:buClrTx/>
+              <a:buSzTx/>
+              <a:buFontTx/>
+              <a:buNone/>
+              <a:tabLst/>
+              <a:defRPr/>
+            </a:pPr>
+            <a:r>
+              <a:rPr lang="en-US" dirty="0" smtClean="0"/>
+              <a:t>Contention </a:t>
+            </a:r>
+            <a:r>
+              <a:rPr lang="en-US" dirty="0" err="1" smtClean="0"/>
+              <a:t>sur</a:t>
+            </a:r>
+            <a:r>
+              <a:rPr lang="en-US" dirty="0" smtClean="0"/>
+              <a:t> le stat filter</a:t>
+            </a:r>
+          </a:p>
+          <a:p>
+            <a:endParaRPr lang="en-US" dirty="0"/>
           </a:p>
         </p:txBody>
       </p:sp>
       <p:sp>
         <p:nvSpPr>
-          <p:cNvPr id="4" name="Espace réservé du numéro de diapositive 3"/>
+          <p:cNvPr id="4" name="Slide Number Placeholder 3"/>
           <p:cNvSpPr>
             <a:spLocks noGrp="1"/>
           </p:cNvSpPr>
@@ -15917,7 +15532,7 @@
               <a:pPr>
                 <a:defRPr/>
               </a:pPr>
-              <a:t>26</a:t>
+              <a:t>31</a:t>
             </a:fld>
             <a:endParaRPr lang="fr-FR"/>
           </a:p>
@@ -15926,7 +15541,7 @@
     </p:spTree>
     <p:extLst>
       <p:ext uri="{BB962C8B-B14F-4D97-AF65-F5344CB8AC3E}">
-        <p14:creationId xmlns:p14="http://schemas.microsoft.com/office/powerpoint/2010/main" val="2634673615"/>
+        <p14:creationId xmlns:p14="http://schemas.microsoft.com/office/powerpoint/2010/main" val="1759517508"/>
       </p:ext>
     </p:extLst>
   </p:cSld>
@@ -16037,7 +15652,7 @@
             <a:fld id="{8A496BEC-0B9D-4342-8B4A-733FD4CFA797}" type="slidenum">
               <a:rPr lang="fr-FR" smtClean="0"/>
               <a:pPr/>
-              <a:t>35</a:t>
+              <a:t>32</a:t>
             </a:fld>
             <a:endParaRPr lang="fr-FR"/>
           </a:p>
@@ -16157,7 +15772,7 @@
             <a:fld id="{8A496BEC-0B9D-4342-8B4A-733FD4CFA797}" type="slidenum">
               <a:rPr lang="fr-FR" smtClean="0"/>
               <a:pPr/>
-              <a:t>36</a:t>
+              <a:t>33</a:t>
             </a:fld>
             <a:endParaRPr lang="fr-FR"/>
           </a:p>
@@ -16285,7 +15900,7 @@
             <a:fld id="{8A496BEC-0B9D-4342-8B4A-733FD4CFA797}" type="slidenum">
               <a:rPr lang="fr-FR" smtClean="0"/>
               <a:pPr/>
-              <a:t>37</a:t>
+              <a:t>34</a:t>
             </a:fld>
             <a:endParaRPr lang="fr-FR"/>
           </a:p>
@@ -16431,7 +16046,7 @@
             <a:fld id="{8A496BEC-0B9D-4342-8B4A-733FD4CFA797}" type="slidenum">
               <a:rPr lang="fr-FR" smtClean="0"/>
               <a:pPr/>
-              <a:t>38</a:t>
+              <a:t>35</a:t>
             </a:fld>
             <a:endParaRPr lang="fr-FR"/>
           </a:p>
@@ -16521,7 +16136,7 @@
               <a:pPr>
                 <a:defRPr/>
               </a:pPr>
-              <a:t>6</a:t>
+              <a:t>5</a:t>
             </a:fld>
             <a:endParaRPr lang="fr-FR"/>
           </a:p>
@@ -16667,7 +16282,7 @@
             <a:fld id="{8A496BEC-0B9D-4342-8B4A-733FD4CFA797}" type="slidenum">
               <a:rPr lang="fr-FR" smtClean="0"/>
               <a:pPr/>
-              <a:t>39</a:t>
+              <a:t>36</a:t>
             </a:fld>
             <a:endParaRPr lang="fr-FR"/>
           </a:p>
@@ -16826,7 +16441,7 @@
             <a:fld id="{8A496BEC-0B9D-4342-8B4A-733FD4CFA797}" type="slidenum">
               <a:rPr lang="fr-FR" smtClean="0"/>
               <a:pPr/>
-              <a:t>40</a:t>
+              <a:t>37</a:t>
             </a:fld>
             <a:endParaRPr lang="fr-FR"/>
           </a:p>
@@ -16960,7 +16575,7 @@
             <a:fld id="{8A496BEC-0B9D-4342-8B4A-733FD4CFA797}" type="slidenum">
               <a:rPr lang="fr-FR" smtClean="0"/>
               <a:pPr/>
-              <a:t>41</a:t>
+              <a:t>38</a:t>
             </a:fld>
             <a:endParaRPr lang="fr-FR"/>
           </a:p>
@@ -16980,6 +16595,96 @@
 </file>
 
 <file path=ppt/notesSlides/notesSlide23.xml><?xml version="1.0" encoding="utf-8"?>
+<p:notes xmlns:a="http://schemas.openxmlformats.org/drawingml/2006/main" xmlns:r="http://schemas.openxmlformats.org/officeDocument/2006/relationships" xmlns:p="http://schemas.openxmlformats.org/presentationml/2006/main">
+  <p:cSld>
+    <p:spTree>
+      <p:nvGrpSpPr>
+        <p:cNvPr id="1" name=""/>
+        <p:cNvGrpSpPr/>
+        <p:nvPr/>
+      </p:nvGrpSpPr>
+      <p:grpSpPr>
+        <a:xfrm>
+          <a:off x="0" y="0"/>
+          <a:ext cx="0" cy="0"/>
+          <a:chOff x="0" y="0"/>
+          <a:chExt cx="0" cy="0"/>
+        </a:xfrm>
+      </p:grpSpPr>
+      <p:sp>
+        <p:nvSpPr>
+          <p:cNvPr id="2" name="Slide Image Placeholder 1"/>
+          <p:cNvSpPr>
+            <a:spLocks noGrp="1" noRot="1" noChangeAspect="1"/>
+          </p:cNvSpPr>
+          <p:nvPr>
+            <p:ph type="sldImg"/>
+          </p:nvPr>
+        </p:nvSpPr>
+        <p:spPr/>
+      </p:sp>
+      <p:sp>
+        <p:nvSpPr>
+          <p:cNvPr id="3" name="Notes Placeholder 2"/>
+          <p:cNvSpPr>
+            <a:spLocks noGrp="1"/>
+          </p:cNvSpPr>
+          <p:nvPr>
+            <p:ph type="body" idx="1"/>
+          </p:nvPr>
+        </p:nvSpPr>
+        <p:spPr/>
+        <p:txBody>
+          <a:bodyPr/>
+          <a:lstStyle/>
+          <a:p>
+            <a:endParaRPr lang="en-US" dirty="0"/>
+          </a:p>
+        </p:txBody>
+      </p:sp>
+      <p:sp>
+        <p:nvSpPr>
+          <p:cNvPr id="4" name="Slide Number Placeholder 3"/>
+          <p:cNvSpPr>
+            <a:spLocks noGrp="1"/>
+          </p:cNvSpPr>
+          <p:nvPr>
+            <p:ph type="sldNum" sz="quarter" idx="10"/>
+          </p:nvPr>
+        </p:nvSpPr>
+        <p:spPr/>
+        <p:txBody>
+          <a:bodyPr/>
+          <a:lstStyle/>
+          <a:p>
+            <a:pPr>
+              <a:defRPr/>
+            </a:pPr>
+            <a:fld id="{68CC13ED-B5D7-254A-B8C5-6B7F27BAA1B2}" type="slidenum">
+              <a:rPr lang="fr-FR" smtClean="0"/>
+              <a:pPr>
+                <a:defRPr/>
+              </a:pPr>
+              <a:t>39</a:t>
+            </a:fld>
+            <a:endParaRPr lang="fr-FR"/>
+          </a:p>
+        </p:txBody>
+      </p:sp>
+    </p:spTree>
+    <p:extLst>
+      <p:ext uri="{BB962C8B-B14F-4D97-AF65-F5344CB8AC3E}">
+        <p14:creationId xmlns:p14="http://schemas.microsoft.com/office/powerpoint/2010/main" val="1279799550"/>
+      </p:ext>
+    </p:extLst>
+  </p:cSld>
+  <p:clrMapOvr>
+    <a:masterClrMapping/>
+  </p:clrMapOvr>
+</p:notes>
+</file>
+
+<file path=ppt/notesSlides/notesSlide24.xml><?xml version="1.0" encoding="utf-8"?>
 <p:notes xmlns:a="http://schemas.openxmlformats.org/drawingml/2006/main" xmlns:r="http://schemas.openxmlformats.org/officeDocument/2006/relationships" xmlns:p="http://schemas.openxmlformats.org/presentationml/2006/main">
   <p:cSld>
     <p:spTree>
@@ -17055,7 +16760,7 @@
             <a:fld id="{BFEBECEB-CCF1-413B-AAA5-7969BDFE1205}" type="slidenum">
               <a:rPr lang="fr-FR" smtClean="0"/>
               <a:pPr/>
-              <a:t>46</a:t>
+              <a:t>40</a:t>
             </a:fld>
             <a:endParaRPr lang="fr-FR"/>
           </a:p>
@@ -17074,7 +16779,187 @@
 </p:notes>
 </file>
 
-<file path=ppt/notesSlides/notesSlide24.xml><?xml version="1.0" encoding="utf-8"?>
+<file path=ppt/notesSlides/notesSlide25.xml><?xml version="1.0" encoding="utf-8"?>
+<p:notes xmlns:a="http://schemas.openxmlformats.org/drawingml/2006/main" xmlns:r="http://schemas.openxmlformats.org/officeDocument/2006/relationships" xmlns:p="http://schemas.openxmlformats.org/presentationml/2006/main">
+  <p:cSld>
+    <p:spTree>
+      <p:nvGrpSpPr>
+        <p:cNvPr id="1" name=""/>
+        <p:cNvGrpSpPr/>
+        <p:nvPr/>
+      </p:nvGrpSpPr>
+      <p:grpSpPr>
+        <a:xfrm>
+          <a:off x="0" y="0"/>
+          <a:ext cx="0" cy="0"/>
+          <a:chOff x="0" y="0"/>
+          <a:chExt cx="0" cy="0"/>
+        </a:xfrm>
+      </p:grpSpPr>
+      <p:sp>
+        <p:nvSpPr>
+          <p:cNvPr id="2" name="Slide Image Placeholder 1"/>
+          <p:cNvSpPr>
+            <a:spLocks noGrp="1" noRot="1" noChangeAspect="1"/>
+          </p:cNvSpPr>
+          <p:nvPr>
+            <p:ph type="sldImg"/>
+          </p:nvPr>
+        </p:nvSpPr>
+        <p:spPr/>
+      </p:sp>
+      <p:sp>
+        <p:nvSpPr>
+          <p:cNvPr id="3" name="Notes Placeholder 2"/>
+          <p:cNvSpPr>
+            <a:spLocks noGrp="1"/>
+          </p:cNvSpPr>
+          <p:nvPr>
+            <p:ph type="body" idx="1"/>
+          </p:nvPr>
+        </p:nvSpPr>
+        <p:spPr/>
+        <p:txBody>
+          <a:bodyPr/>
+          <a:lstStyle/>
+          <a:p>
+            <a:endParaRPr lang="en-US" dirty="0"/>
+          </a:p>
+        </p:txBody>
+      </p:sp>
+      <p:sp>
+        <p:nvSpPr>
+          <p:cNvPr id="4" name="Slide Number Placeholder 3"/>
+          <p:cNvSpPr>
+            <a:spLocks noGrp="1"/>
+          </p:cNvSpPr>
+          <p:nvPr>
+            <p:ph type="sldNum" sz="quarter" idx="10"/>
+          </p:nvPr>
+        </p:nvSpPr>
+        <p:spPr/>
+        <p:txBody>
+          <a:bodyPr/>
+          <a:lstStyle/>
+          <a:p>
+            <a:pPr>
+              <a:defRPr/>
+            </a:pPr>
+            <a:fld id="{68CC13ED-B5D7-254A-B8C5-6B7F27BAA1B2}" type="slidenum">
+              <a:rPr lang="fr-FR" smtClean="0"/>
+              <a:pPr>
+                <a:defRPr/>
+              </a:pPr>
+              <a:t>41</a:t>
+            </a:fld>
+            <a:endParaRPr lang="fr-FR"/>
+          </a:p>
+        </p:txBody>
+      </p:sp>
+    </p:spTree>
+    <p:extLst>
+      <p:ext uri="{BB962C8B-B14F-4D97-AF65-F5344CB8AC3E}">
+        <p14:creationId xmlns:p14="http://schemas.microsoft.com/office/powerpoint/2010/main" val="1279799550"/>
+      </p:ext>
+    </p:extLst>
+  </p:cSld>
+  <p:clrMapOvr>
+    <a:masterClrMapping/>
+  </p:clrMapOvr>
+</p:notes>
+</file>
+
+<file path=ppt/notesSlides/notesSlide26.xml><?xml version="1.0" encoding="utf-8"?>
+<p:notes xmlns:a="http://schemas.openxmlformats.org/drawingml/2006/main" xmlns:r="http://schemas.openxmlformats.org/officeDocument/2006/relationships" xmlns:p="http://schemas.openxmlformats.org/presentationml/2006/main">
+  <p:cSld>
+    <p:spTree>
+      <p:nvGrpSpPr>
+        <p:cNvPr id="1" name=""/>
+        <p:cNvGrpSpPr/>
+        <p:nvPr/>
+      </p:nvGrpSpPr>
+      <p:grpSpPr>
+        <a:xfrm>
+          <a:off x="0" y="0"/>
+          <a:ext cx="0" cy="0"/>
+          <a:chOff x="0" y="0"/>
+          <a:chExt cx="0" cy="0"/>
+        </a:xfrm>
+      </p:grpSpPr>
+      <p:sp>
+        <p:nvSpPr>
+          <p:cNvPr id="2" name="Slide Image Placeholder 1"/>
+          <p:cNvSpPr>
+            <a:spLocks noGrp="1" noRot="1" noChangeAspect="1"/>
+          </p:cNvSpPr>
+          <p:nvPr>
+            <p:ph type="sldImg"/>
+          </p:nvPr>
+        </p:nvSpPr>
+        <p:spPr/>
+      </p:sp>
+      <p:sp>
+        <p:nvSpPr>
+          <p:cNvPr id="3" name="Notes Placeholder 2"/>
+          <p:cNvSpPr>
+            <a:spLocks noGrp="1"/>
+          </p:cNvSpPr>
+          <p:nvPr>
+            <p:ph type="body" idx="1"/>
+          </p:nvPr>
+        </p:nvSpPr>
+        <p:spPr/>
+        <p:txBody>
+          <a:bodyPr/>
+          <a:lstStyle/>
+          <a:p>
+            <a:endParaRPr lang="en-US" dirty="0"/>
+          </a:p>
+        </p:txBody>
+      </p:sp>
+      <p:sp>
+        <p:nvSpPr>
+          <p:cNvPr id="4" name="Slide Number Placeholder 3"/>
+          <p:cNvSpPr>
+            <a:spLocks noGrp="1"/>
+          </p:cNvSpPr>
+          <p:nvPr>
+            <p:ph type="sldNum" sz="quarter" idx="10"/>
+          </p:nvPr>
+        </p:nvSpPr>
+        <p:spPr/>
+        <p:txBody>
+          <a:bodyPr/>
+          <a:lstStyle/>
+          <a:p>
+            <a:pPr>
+              <a:defRPr/>
+            </a:pPr>
+            <a:fld id="{68CC13ED-B5D7-254A-B8C5-6B7F27BAA1B2}" type="slidenum">
+              <a:rPr lang="fr-FR" smtClean="0"/>
+              <a:pPr>
+                <a:defRPr/>
+              </a:pPr>
+              <a:t>42</a:t>
+            </a:fld>
+            <a:endParaRPr lang="fr-FR"/>
+          </a:p>
+        </p:txBody>
+      </p:sp>
+    </p:spTree>
+    <p:extLst>
+      <p:ext uri="{BB962C8B-B14F-4D97-AF65-F5344CB8AC3E}">
+        <p14:creationId xmlns:p14="http://schemas.microsoft.com/office/powerpoint/2010/main" val="1279799550"/>
+      </p:ext>
+    </p:extLst>
+  </p:cSld>
+  <p:clrMapOvr>
+    <a:masterClrMapping/>
+  </p:clrMapOvr>
+</p:notes>
+</file>
+
+<file path=ppt/notesSlides/notesSlide27.xml><?xml version="1.0" encoding="utf-8"?>
 <p:notes xmlns:a="http://schemas.openxmlformats.org/drawingml/2006/main" xmlns:r="http://schemas.openxmlformats.org/officeDocument/2006/relationships" xmlns:p="http://schemas.openxmlformats.org/presentationml/2006/main">
   <p:cSld>
     <p:spTree>
@@ -17142,7 +17027,7 @@
             <a:fld id="{BFEBECEB-CCF1-413B-AAA5-7969BDFE1205}" type="slidenum">
               <a:rPr lang="fr-FR" smtClean="0"/>
               <a:pPr/>
-              <a:t>49</a:t>
+              <a:t>45</a:t>
             </a:fld>
             <a:endParaRPr lang="fr-FR"/>
           </a:p>
@@ -17161,7 +17046,7 @@
 </p:notes>
 </file>
 
-<file path=ppt/notesSlides/notesSlide25.xml><?xml version="1.0" encoding="utf-8"?>
+<file path=ppt/notesSlides/notesSlide28.xml><?xml version="1.0" encoding="utf-8"?>
 <p:notes xmlns:a="http://schemas.openxmlformats.org/drawingml/2006/main" xmlns:r="http://schemas.openxmlformats.org/officeDocument/2006/relationships" xmlns:p="http://schemas.openxmlformats.org/presentationml/2006/main">
   <p:cSld>
     <p:spTree>
@@ -17207,6 +17092,375 @@
           <a:p>
             <a:r>
               <a:rPr lang="fr-CA" dirty="0" smtClean="0"/>
+              <a:t>Le logo du produit en </a:t>
+            </a:r>
+            <a:r>
+              <a:rPr lang="fr-CA" dirty="0" err="1" smtClean="0"/>
+              <a:t>dénormaliser</a:t>
+            </a:r>
+            <a:r>
+              <a:rPr lang="fr-CA" dirty="0" smtClean="0"/>
+              <a:t> dans la table </a:t>
+            </a:r>
+            <a:r>
+              <a:rPr lang="fr-CA" dirty="0" err="1" smtClean="0"/>
+              <a:t>sales_operations</a:t>
+            </a:r>
+            <a:endParaRPr lang="fr-CA" dirty="0" smtClean="0"/>
+          </a:p>
+          <a:p>
+            <a:endParaRPr lang="fr-CA" dirty="0" smtClean="0"/>
+          </a:p>
+          <a:p>
+            <a:r>
+              <a:rPr lang="fr-CA" dirty="0" smtClean="0"/>
+              <a:t>Saturation disque</a:t>
+            </a:r>
+          </a:p>
+          <a:p>
+            <a:r>
+              <a:rPr lang="fr-CA" dirty="0" smtClean="0"/>
+              <a:t>Buffer TCP</a:t>
+            </a:r>
+          </a:p>
+          <a:p>
+            <a:r>
+              <a:rPr lang="fr-CA" dirty="0" err="1" smtClean="0"/>
+              <a:t>Tuning</a:t>
+            </a:r>
+            <a:r>
+              <a:rPr lang="fr-CA" dirty="0" smtClean="0"/>
+              <a:t> paramètres </a:t>
+            </a:r>
+            <a:r>
+              <a:rPr lang="fr-CA" dirty="0" err="1" smtClean="0"/>
+              <a:t>filesystem</a:t>
+            </a:r>
+            <a:endParaRPr lang="fr-CA" dirty="0" smtClean="0"/>
+          </a:p>
+          <a:p>
+            <a:endParaRPr lang="fr-CA" dirty="0" smtClean="0"/>
+          </a:p>
+          <a:p>
+            <a:r>
+              <a:rPr lang="fr-CA" dirty="0" smtClean="0"/>
+              <a:t>NIO</a:t>
+            </a:r>
+          </a:p>
+          <a:p>
+            <a:r>
+              <a:rPr lang="fr-CA" dirty="0" smtClean="0"/>
+              <a:t>Pool de connexions DB</a:t>
+            </a:r>
+          </a:p>
+          <a:p>
+            <a:r>
+              <a:rPr lang="fr-CA" dirty="0" smtClean="0"/>
+              <a:t>Gros log en </a:t>
+            </a:r>
+            <a:r>
+              <a:rPr lang="fr-CA" dirty="0" err="1" smtClean="0"/>
+              <a:t>debug</a:t>
+            </a:r>
+            <a:endParaRPr lang="fr-CA" dirty="0" smtClean="0"/>
+          </a:p>
+          <a:p>
+            <a:endParaRPr lang="fr-CA" dirty="0" smtClean="0"/>
+          </a:p>
+          <a:p>
+            <a:r>
+              <a:rPr lang="fr-CA" dirty="0" smtClean="0"/>
+              <a:t>Calcul de la vitesse disque, optimisation</a:t>
+            </a:r>
+          </a:p>
+          <a:p>
+            <a:endParaRPr lang="en-US" dirty="0" smtClean="0"/>
+          </a:p>
+          <a:p>
+            <a:endParaRPr lang="en-US" dirty="0"/>
+          </a:p>
+        </p:txBody>
+      </p:sp>
+      <p:sp>
+        <p:nvSpPr>
+          <p:cNvPr id="4" name="Slide Number Placeholder 3"/>
+          <p:cNvSpPr>
+            <a:spLocks noGrp="1"/>
+          </p:cNvSpPr>
+          <p:nvPr>
+            <p:ph type="sldNum" sz="quarter" idx="10"/>
+          </p:nvPr>
+        </p:nvSpPr>
+        <p:spPr/>
+        <p:txBody>
+          <a:bodyPr/>
+          <a:lstStyle/>
+          <a:p>
+            <a:pPr>
+              <a:defRPr/>
+            </a:pPr>
+            <a:fld id="{68CC13ED-B5D7-254A-B8C5-6B7F27BAA1B2}" type="slidenum">
+              <a:rPr lang="fr-FR" smtClean="0"/>
+              <a:pPr>
+                <a:defRPr/>
+              </a:pPr>
+              <a:t>48</a:t>
+            </a:fld>
+            <a:endParaRPr lang="fr-FR"/>
+          </a:p>
+        </p:txBody>
+      </p:sp>
+    </p:spTree>
+    <p:extLst>
+      <p:ext uri="{BB962C8B-B14F-4D97-AF65-F5344CB8AC3E}">
+        <p14:creationId xmlns:p14="http://schemas.microsoft.com/office/powerpoint/2010/main" val="3592164018"/>
+      </p:ext>
+    </p:extLst>
+  </p:cSld>
+  <p:clrMapOvr>
+    <a:masterClrMapping/>
+  </p:clrMapOvr>
+</p:notes>
+</file>
+
+<file path=ppt/notesSlides/notesSlide29.xml><?xml version="1.0" encoding="utf-8"?>
+<p:notes xmlns:a="http://schemas.openxmlformats.org/drawingml/2006/main" xmlns:r="http://schemas.openxmlformats.org/officeDocument/2006/relationships" xmlns:p="http://schemas.openxmlformats.org/presentationml/2006/main">
+  <p:cSld>
+    <p:spTree>
+      <p:nvGrpSpPr>
+        <p:cNvPr id="1" name=""/>
+        <p:cNvGrpSpPr/>
+        <p:nvPr/>
+      </p:nvGrpSpPr>
+      <p:grpSpPr>
+        <a:xfrm>
+          <a:off x="0" y="0"/>
+          <a:ext cx="0" cy="0"/>
+          <a:chOff x="0" y="0"/>
+          <a:chExt cx="0" cy="0"/>
+        </a:xfrm>
+      </p:grpSpPr>
+      <p:sp>
+        <p:nvSpPr>
+          <p:cNvPr id="2" name="Slide Image Placeholder 1"/>
+          <p:cNvSpPr>
+            <a:spLocks noGrp="1" noRot="1" noChangeAspect="1"/>
+          </p:cNvSpPr>
+          <p:nvPr>
+            <p:ph type="sldImg"/>
+          </p:nvPr>
+        </p:nvSpPr>
+        <p:spPr/>
+      </p:sp>
+      <p:sp>
+        <p:nvSpPr>
+          <p:cNvPr id="3" name="Notes Placeholder 2"/>
+          <p:cNvSpPr>
+            <a:spLocks noGrp="1"/>
+          </p:cNvSpPr>
+          <p:nvPr>
+            <p:ph type="body" idx="1"/>
+          </p:nvPr>
+        </p:nvSpPr>
+        <p:spPr/>
+        <p:txBody>
+          <a:bodyPr/>
+          <a:lstStyle/>
+          <a:p>
+            <a:r>
+              <a:rPr lang="en-US" dirty="0" err="1" smtClean="0"/>
+              <a:t>Mettre</a:t>
+            </a:r>
+            <a:r>
+              <a:rPr lang="en-US" baseline="0" dirty="0" smtClean="0"/>
+              <a:t> les </a:t>
+            </a:r>
+            <a:r>
+              <a:rPr lang="en-US" baseline="0" dirty="0" err="1" smtClean="0"/>
+              <a:t>améliorations</a:t>
+            </a:r>
+            <a:endParaRPr lang="en-US" dirty="0"/>
+          </a:p>
+        </p:txBody>
+      </p:sp>
+      <p:sp>
+        <p:nvSpPr>
+          <p:cNvPr id="4" name="Slide Number Placeholder 3"/>
+          <p:cNvSpPr>
+            <a:spLocks noGrp="1"/>
+          </p:cNvSpPr>
+          <p:nvPr>
+            <p:ph type="sldNum" sz="quarter" idx="10"/>
+          </p:nvPr>
+        </p:nvSpPr>
+        <p:spPr/>
+        <p:txBody>
+          <a:bodyPr/>
+          <a:lstStyle/>
+          <a:p>
+            <a:pPr>
+              <a:defRPr/>
+            </a:pPr>
+            <a:fld id="{68CC13ED-B5D7-254A-B8C5-6B7F27BAA1B2}" type="slidenum">
+              <a:rPr lang="fr-FR" smtClean="0"/>
+              <a:pPr>
+                <a:defRPr/>
+              </a:pPr>
+              <a:t>50</a:t>
+            </a:fld>
+            <a:endParaRPr lang="fr-FR"/>
+          </a:p>
+        </p:txBody>
+      </p:sp>
+    </p:spTree>
+    <p:extLst>
+      <p:ext uri="{BB962C8B-B14F-4D97-AF65-F5344CB8AC3E}">
+        <p14:creationId xmlns:p14="http://schemas.microsoft.com/office/powerpoint/2010/main" val="3675397761"/>
+      </p:ext>
+    </p:extLst>
+  </p:cSld>
+  <p:clrMapOvr>
+    <a:masterClrMapping/>
+  </p:clrMapOvr>
+</p:notes>
+</file>
+
+<file path=ppt/notesSlides/notesSlide3.xml><?xml version="1.0" encoding="utf-8"?>
+<p:notes xmlns:a="http://schemas.openxmlformats.org/drawingml/2006/main" xmlns:r="http://schemas.openxmlformats.org/officeDocument/2006/relationships" xmlns:p="http://schemas.openxmlformats.org/presentationml/2006/main">
+  <p:cSld>
+    <p:spTree>
+      <p:nvGrpSpPr>
+        <p:cNvPr id="1" name=""/>
+        <p:cNvGrpSpPr/>
+        <p:nvPr/>
+      </p:nvGrpSpPr>
+      <p:grpSpPr>
+        <a:xfrm>
+          <a:off x="0" y="0"/>
+          <a:ext cx="0" cy="0"/>
+          <a:chOff x="0" y="0"/>
+          <a:chExt cx="0" cy="0"/>
+        </a:xfrm>
+      </p:grpSpPr>
+      <p:sp>
+        <p:nvSpPr>
+          <p:cNvPr id="2" name="Slide Image Placeholder 1"/>
+          <p:cNvSpPr>
+            <a:spLocks noGrp="1" noRot="1" noChangeAspect="1"/>
+          </p:cNvSpPr>
+          <p:nvPr>
+            <p:ph type="sldImg"/>
+          </p:nvPr>
+        </p:nvSpPr>
+        <p:spPr/>
+      </p:sp>
+      <p:sp>
+        <p:nvSpPr>
+          <p:cNvPr id="3" name="Notes Placeholder 2"/>
+          <p:cNvSpPr>
+            <a:spLocks noGrp="1"/>
+          </p:cNvSpPr>
+          <p:nvPr>
+            <p:ph type="body" idx="1"/>
+          </p:nvPr>
+        </p:nvSpPr>
+        <p:spPr/>
+        <p:txBody>
+          <a:bodyPr/>
+          <a:lstStyle/>
+          <a:p>
+            <a:endParaRPr lang="fr-FR" dirty="0"/>
+          </a:p>
+        </p:txBody>
+      </p:sp>
+      <p:sp>
+        <p:nvSpPr>
+          <p:cNvPr id="4" name="Slide Number Placeholder 3"/>
+          <p:cNvSpPr>
+            <a:spLocks noGrp="1"/>
+          </p:cNvSpPr>
+          <p:nvPr>
+            <p:ph type="sldNum" sz="quarter" idx="10"/>
+          </p:nvPr>
+        </p:nvSpPr>
+        <p:spPr/>
+        <p:txBody>
+          <a:bodyPr/>
+          <a:lstStyle/>
+          <a:p>
+            <a:pPr>
+              <a:defRPr/>
+            </a:pPr>
+            <a:fld id="{68CC13ED-B5D7-254A-B8C5-6B7F27BAA1B2}" type="slidenum">
+              <a:rPr lang="fr-FR" smtClean="0"/>
+              <a:pPr>
+                <a:defRPr/>
+              </a:pPr>
+              <a:t>6</a:t>
+            </a:fld>
+            <a:endParaRPr lang="fr-FR"/>
+          </a:p>
+        </p:txBody>
+      </p:sp>
+    </p:spTree>
+    <p:extLst>
+      <p:ext uri="{BB962C8B-B14F-4D97-AF65-F5344CB8AC3E}">
+        <p14:creationId xmlns:p14="http://schemas.microsoft.com/office/powerpoint/2010/main" val="1335659448"/>
+      </p:ext>
+    </p:extLst>
+  </p:cSld>
+  <p:clrMapOvr>
+    <a:masterClrMapping/>
+  </p:clrMapOvr>
+</p:notes>
+</file>
+
+<file path=ppt/notesSlides/notesSlide30.xml><?xml version="1.0" encoding="utf-8"?>
+<p:notes xmlns:a="http://schemas.openxmlformats.org/drawingml/2006/main" xmlns:r="http://schemas.openxmlformats.org/officeDocument/2006/relationships" xmlns:p="http://schemas.openxmlformats.org/presentationml/2006/main">
+  <p:cSld>
+    <p:spTree>
+      <p:nvGrpSpPr>
+        <p:cNvPr id="1" name=""/>
+        <p:cNvGrpSpPr/>
+        <p:nvPr/>
+      </p:nvGrpSpPr>
+      <p:grpSpPr>
+        <a:xfrm>
+          <a:off x="0" y="0"/>
+          <a:ext cx="0" cy="0"/>
+          <a:chOff x="0" y="0"/>
+          <a:chExt cx="0" cy="0"/>
+        </a:xfrm>
+      </p:grpSpPr>
+      <p:sp>
+        <p:nvSpPr>
+          <p:cNvPr id="2" name="Slide Image Placeholder 1"/>
+          <p:cNvSpPr>
+            <a:spLocks noGrp="1" noRot="1" noChangeAspect="1"/>
+          </p:cNvSpPr>
+          <p:nvPr>
+            <p:ph type="sldImg"/>
+          </p:nvPr>
+        </p:nvSpPr>
+        <p:spPr/>
+      </p:sp>
+      <p:sp>
+        <p:nvSpPr>
+          <p:cNvPr id="3" name="Notes Placeholder 2"/>
+          <p:cNvSpPr>
+            <a:spLocks noGrp="1"/>
+          </p:cNvSpPr>
+          <p:nvPr>
+            <p:ph type="body" idx="1"/>
+          </p:nvPr>
+        </p:nvSpPr>
+        <p:spPr/>
+        <p:txBody>
+          <a:bodyPr/>
+          <a:lstStyle/>
+          <a:p>
+            <a:r>
+              <a:rPr lang="fr-CA" dirty="0" smtClean="0"/>
               <a:t>Évidemment, on</a:t>
             </a:r>
             <a:r>
@@ -17234,7 +17488,7 @@
             <a:fld id="{8A496BEC-0B9D-4342-8B4A-733FD4CFA797}" type="slidenum">
               <a:rPr lang="fr-FR" smtClean="0"/>
               <a:pPr/>
-              <a:t>56</a:t>
+              <a:t>52</a:t>
             </a:fld>
             <a:endParaRPr lang="fr-FR"/>
           </a:p>
@@ -17253,7 +17507,7 @@
 </p:notes>
 </file>
 
-<file path=ppt/notesSlides/notesSlide3.xml><?xml version="1.0" encoding="utf-8"?>
+<file path=ppt/notesSlides/notesSlide4.xml><?xml version="1.0" encoding="utf-8"?>
 <p:notes xmlns:a="http://schemas.openxmlformats.org/drawingml/2006/main" xmlns:r="http://schemas.openxmlformats.org/officeDocument/2006/relationships" xmlns:p="http://schemas.openxmlformats.org/presentationml/2006/main">
   <p:cSld>
     <p:spTree>
@@ -17343,96 +17597,6 @@
 </p:notes>
 </file>
 
-<file path=ppt/notesSlides/notesSlide4.xml><?xml version="1.0" encoding="utf-8"?>
-<p:notes xmlns:a="http://schemas.openxmlformats.org/drawingml/2006/main" xmlns:r="http://schemas.openxmlformats.org/officeDocument/2006/relationships" xmlns:p="http://schemas.openxmlformats.org/presentationml/2006/main">
-  <p:cSld>
-    <p:spTree>
-      <p:nvGrpSpPr>
-        <p:cNvPr id="1" name=""/>
-        <p:cNvGrpSpPr/>
-        <p:nvPr/>
-      </p:nvGrpSpPr>
-      <p:grpSpPr>
-        <a:xfrm>
-          <a:off x="0" y="0"/>
-          <a:ext cx="0" cy="0"/>
-          <a:chOff x="0" y="0"/>
-          <a:chExt cx="0" cy="0"/>
-        </a:xfrm>
-      </p:grpSpPr>
-      <p:sp>
-        <p:nvSpPr>
-          <p:cNvPr id="2" name="Slide Image Placeholder 1"/>
-          <p:cNvSpPr>
-            <a:spLocks noGrp="1" noRot="1" noChangeAspect="1"/>
-          </p:cNvSpPr>
-          <p:nvPr>
-            <p:ph type="sldImg"/>
-          </p:nvPr>
-        </p:nvSpPr>
-        <p:spPr/>
-      </p:sp>
-      <p:sp>
-        <p:nvSpPr>
-          <p:cNvPr id="3" name="Notes Placeholder 2"/>
-          <p:cNvSpPr>
-            <a:spLocks noGrp="1"/>
-          </p:cNvSpPr>
-          <p:nvPr>
-            <p:ph type="body" idx="1"/>
-          </p:nvPr>
-        </p:nvSpPr>
-        <p:spPr/>
-        <p:txBody>
-          <a:bodyPr/>
-          <a:lstStyle/>
-          <a:p>
-            <a:endParaRPr lang="fr-FR" dirty="0"/>
-          </a:p>
-        </p:txBody>
-      </p:sp>
-      <p:sp>
-        <p:nvSpPr>
-          <p:cNvPr id="4" name="Slide Number Placeholder 3"/>
-          <p:cNvSpPr>
-            <a:spLocks noGrp="1"/>
-          </p:cNvSpPr>
-          <p:nvPr>
-            <p:ph type="sldNum" sz="quarter" idx="10"/>
-          </p:nvPr>
-        </p:nvSpPr>
-        <p:spPr/>
-        <p:txBody>
-          <a:bodyPr/>
-          <a:lstStyle/>
-          <a:p>
-            <a:pPr>
-              <a:defRPr/>
-            </a:pPr>
-            <a:fld id="{68CC13ED-B5D7-254A-B8C5-6B7F27BAA1B2}" type="slidenum">
-              <a:rPr lang="fr-FR" smtClean="0"/>
-              <a:pPr>
-                <a:defRPr/>
-              </a:pPr>
-              <a:t>8</a:t>
-            </a:fld>
-            <a:endParaRPr lang="fr-FR"/>
-          </a:p>
-        </p:txBody>
-      </p:sp>
-    </p:spTree>
-    <p:extLst>
-      <p:ext uri="{BB962C8B-B14F-4D97-AF65-F5344CB8AC3E}">
-        <p14:creationId xmlns:p14="http://schemas.microsoft.com/office/powerpoint/2010/main" val="1335659448"/>
-      </p:ext>
-    </p:extLst>
-  </p:cSld>
-  <p:clrMapOvr>
-    <a:masterClrMapping/>
-  </p:clrMapOvr>
-</p:notes>
-</file>
-
 <file path=ppt/notesSlides/notesSlide5.xml><?xml version="1.0" encoding="utf-8"?>
 <p:notes xmlns:a="http://schemas.openxmlformats.org/drawingml/2006/main" xmlns:r="http://schemas.openxmlformats.org/officeDocument/2006/relationships" xmlns:p="http://schemas.openxmlformats.org/presentationml/2006/main">
   <p:cSld>
@@ -17452,7 +17616,7 @@
       </p:grpSpPr>
       <p:sp>
         <p:nvSpPr>
-          <p:cNvPr id="2" name="Slide Image Placeholder 1"/>
+          <p:cNvPr id="2" name="Espace réservé de l'image des diapositives 1"/>
           <p:cNvSpPr>
             <a:spLocks noGrp="1" noRot="1" noChangeAspect="1"/>
           </p:cNvSpPr>
@@ -17464,7 +17628,7 @@
       </p:sp>
       <p:sp>
         <p:nvSpPr>
-          <p:cNvPr id="3" name="Notes Placeholder 2"/>
+          <p:cNvPr id="3" name="Espace réservé des commentaires 2"/>
           <p:cNvSpPr>
             <a:spLocks noGrp="1"/>
           </p:cNvSpPr>
@@ -17474,16 +17638,74 @@
         </p:nvSpPr>
         <p:spPr/>
         <p:txBody>
-          <a:bodyPr/>
+          <a:bodyPr>
+            <a:normAutofit/>
+          </a:bodyPr>
           <a:lstStyle/>
           <a:p>
+            <a:pPr lvl="1"/>
+            <a:r>
+              <a:rPr lang="fr-FR" dirty="0" smtClean="0"/>
+              <a:t>Tout utilisateur de système informatique s’attend à recevoir un système</a:t>
+            </a:r>
+          </a:p>
+          <a:p>
+            <a:pPr lvl="2"/>
+            <a:r>
+              <a:rPr lang="fr-FR" dirty="0" smtClean="0"/>
+              <a:t>Qui répond de façon stable quelque soit sa charge</a:t>
+            </a:r>
+          </a:p>
+          <a:p>
+            <a:pPr lvl="2"/>
+            <a:r>
+              <a:rPr lang="fr-FR" dirty="0" smtClean="0"/>
+              <a:t>Qui répondre en un temps cohérent par rapport à l’action qu’il réalise</a:t>
+            </a:r>
+          </a:p>
+          <a:p>
+            <a:pPr lvl="1"/>
+            <a:r>
+              <a:rPr lang="fr-FR" dirty="0" smtClean="0"/>
+              <a:t>Bref un système performant</a:t>
+            </a:r>
+          </a:p>
+          <a:p>
+            <a:pPr lvl="1"/>
+            <a:endParaRPr lang="fr-FR" dirty="0" smtClean="0"/>
+          </a:p>
+          <a:p>
+            <a:pPr marL="457200" marR="0" lvl="1" indent="0" algn="l" defTabSz="914400" rtl="0" eaLnBrk="1" fontAlgn="auto" latinLnBrk="0" hangingPunct="1">
+              <a:lnSpc>
+                <a:spcPct val="100000"/>
+              </a:lnSpc>
+              <a:spcBef>
+                <a:spcPts val="0"/>
+              </a:spcBef>
+              <a:spcAft>
+                <a:spcPts val="0"/>
+              </a:spcAft>
+              <a:buClrTx/>
+              <a:buSzTx/>
+              <a:buFontTx/>
+              <a:buNone/>
+              <a:tabLst/>
+              <a:defRPr/>
+            </a:pPr>
+            <a:r>
+              <a:rPr lang="fr-FR" sz="1200" dirty="0" smtClean="0"/>
+              <a:t>Les performances d’un système sont une spécification fonctionnelle implicite du système</a:t>
+            </a:r>
+          </a:p>
+          <a:p>
+            <a:pPr lvl="1"/>
             <a:endParaRPr lang="fr-FR" dirty="0"/>
           </a:p>
         </p:txBody>
       </p:sp>
       <p:sp>
         <p:nvSpPr>
-          <p:cNvPr id="4" name="Slide Number Placeholder 3"/>
+          <p:cNvPr id="4" name="Espace réservé du numéro de diapositive 3"/>
           <p:cNvSpPr>
             <a:spLocks noGrp="1"/>
           </p:cNvSpPr>
@@ -17496,15 +17718,10 @@
           <a:bodyPr/>
           <a:lstStyle/>
           <a:p>
-            <a:pPr>
-              <a:defRPr/>
-            </a:pPr>
-            <a:fld id="{68CC13ED-B5D7-254A-B8C5-6B7F27BAA1B2}" type="slidenum">
+            <a:fld id="{BFEBECEB-CCF1-413B-AAA5-7969BDFE1205}" type="slidenum">
               <a:rPr lang="fr-FR" smtClean="0"/>
-              <a:pPr>
-                <a:defRPr/>
-              </a:pPr>
-              <a:t>9</a:t>
+              <a:pPr/>
+              <a:t>8</a:t>
             </a:fld>
             <a:endParaRPr lang="fr-FR"/>
           </a:p>
@@ -17513,7 +17730,7 @@
     </p:spTree>
     <p:extLst>
       <p:ext uri="{BB962C8B-B14F-4D97-AF65-F5344CB8AC3E}">
-        <p14:creationId xmlns:p14="http://schemas.microsoft.com/office/powerpoint/2010/main" val="475062214"/>
+        <p14:creationId xmlns:p14="http://schemas.microsoft.com/office/powerpoint/2010/main" val="2857461259"/>
       </p:ext>
     </p:extLst>
   </p:cSld>
@@ -17572,59 +17789,17 @@
             <a:pPr lvl="1"/>
             <a:r>
               <a:rPr lang="fr-FR" dirty="0" smtClean="0"/>
-              <a:t>Tout utilisateur de système informatique s’attend à recevoir un système</a:t>
-            </a:r>
-          </a:p>
-          <a:p>
-            <a:pPr lvl="2"/>
-            <a:r>
-              <a:rPr lang="fr-FR" dirty="0" smtClean="0"/>
-              <a:t>Qui répond de façon stable quelque soit sa charge</a:t>
-            </a:r>
-          </a:p>
-          <a:p>
-            <a:pPr lvl="2"/>
-            <a:r>
-              <a:rPr lang="fr-FR" dirty="0" smtClean="0"/>
-              <a:t>Qui répondre en un temps cohérent par rapport à l’action qu’il réalise</a:t>
+              <a:t>Tout développeur ayant mis en production sait apprécier l’effort que cela requiert</a:t>
             </a:r>
           </a:p>
           <a:p>
             <a:pPr lvl="1"/>
             <a:r>
               <a:rPr lang="fr-FR" dirty="0" smtClean="0"/>
-              <a:t>Bref un système performant</a:t>
+              <a:t>Les plus expérimentés savent que le problème est rarement là où on le pensait même avec un flair aiguisé</a:t>
             </a:r>
           </a:p>
           <a:p>
-            <a:pPr lvl="1"/>
-            <a:endParaRPr lang="fr-FR" dirty="0" smtClean="0"/>
-          </a:p>
-          <a:p>
-            <a:pPr marL="457200" marR="0" lvl="1" indent="0" algn="l" defTabSz="914400" rtl="0" eaLnBrk="1" fontAlgn="auto" latinLnBrk="0" hangingPunct="1">
-              <a:lnSpc>
-                <a:spcPct val="100000"/>
-              </a:lnSpc>
-              <a:spcBef>
-                <a:spcPts val="0"/>
-              </a:spcBef>
-              <a:spcAft>
-                <a:spcPts val="0"/>
-              </a:spcAft>
-              <a:buClrTx/>
-              <a:buSzTx/>
-              <a:buFontTx/>
-              <a:buNone/>
-              <a:tabLst/>
-              <a:defRPr/>
-            </a:pPr>
-            <a:r>
-              <a:rPr lang="fr-FR" sz="1200" dirty="0" smtClean="0"/>
-              <a:t>Les performances d’un système sont une spécification fonctionnelle implicite du système</a:t>
-            </a:r>
-          </a:p>
-          <a:p>
-            <a:pPr lvl="1"/>
             <a:endParaRPr lang="fr-FR" dirty="0"/>
           </a:p>
         </p:txBody>
@@ -17647,7 +17822,7 @@
             <a:fld id="{BFEBECEB-CCF1-413B-AAA5-7969BDFE1205}" type="slidenum">
               <a:rPr lang="fr-FR" smtClean="0"/>
               <a:pPr/>
-              <a:t>10</a:t>
+              <a:t>9</a:t>
             </a:fld>
             <a:endParaRPr lang="fr-FR"/>
           </a:p>
@@ -17656,7 +17831,7 @@
     </p:spTree>
     <p:extLst>
       <p:ext uri="{BB962C8B-B14F-4D97-AF65-F5344CB8AC3E}">
-        <p14:creationId xmlns:p14="http://schemas.microsoft.com/office/powerpoint/2010/main" val="2857461259"/>
+        <p14:creationId xmlns:p14="http://schemas.microsoft.com/office/powerpoint/2010/main" val="1678841666"/>
       </p:ext>
     </p:extLst>
   </p:cSld>
@@ -17712,17 +17887,13 @@
           </a:bodyPr>
           <a:lstStyle/>
           <a:p>
-            <a:pPr lvl="1"/>
+            <a:r>
+              <a:rPr lang="fr-FR" dirty="0" err="1" smtClean="0"/>
+              <a:t>Slide</a:t>
+            </a:r>
             <a:r>
               <a:rPr lang="fr-FR" dirty="0" smtClean="0"/>
-              <a:t>Tout développeur ayant mis en production sait apprécier l’effort que cela requiert</a:t>
-            </a:r>
-          </a:p>
-          <a:p>
-            <a:pPr lvl="1"/>
-            <a:r>
-              <a:rPr lang="fr-FR" dirty="0" smtClean="0"/>
-              <a:t>Les plus expérimentés savent que le problème est rarement là où on le pensait même avec un flair aiguisé</a:t>
+              <a:t> 14 : C'est juste un rappel, passer assez vite</a:t>
             </a:r>
           </a:p>
           <a:p>
@@ -17757,7 +17928,7 @@
     </p:spTree>
     <p:extLst>
       <p:ext uri="{BB962C8B-B14F-4D97-AF65-F5344CB8AC3E}">
-        <p14:creationId xmlns:p14="http://schemas.microsoft.com/office/powerpoint/2010/main" val="1678841666"/>
+        <p14:creationId xmlns:p14="http://schemas.microsoft.com/office/powerpoint/2010/main" val="1405831740"/>
       </p:ext>
     </p:extLst>
   </p:cSld>
@@ -17819,10 +17990,14 @@
             </a:r>
             <a:r>
               <a:rPr lang="fr-FR" dirty="0" smtClean="0"/>
-              <a:t> 14 : C'est juste un rappel, passer assez vite</a:t>
+              <a:t> 17 : Insister, mesurer où est le problème et pas à l'instinct j'essaie d'optimiser.</a:t>
             </a:r>
           </a:p>
           <a:p>
+            <a:r>
+              <a:rPr lang="fr-FR" dirty="0" smtClean="0"/>
+              <a:t>Plus les marteler.</a:t>
+            </a:r>
             <a:endParaRPr lang="fr-FR" dirty="0"/>
           </a:p>
         </p:txBody>
@@ -17845,7 +18020,7 @@
             <a:fld id="{BFEBECEB-CCF1-413B-AAA5-7969BDFE1205}" type="slidenum">
               <a:rPr lang="fr-FR" smtClean="0"/>
               <a:pPr/>
-              <a:t>13</a:t>
+              <a:t>12</a:t>
             </a:fld>
             <a:endParaRPr lang="fr-FR"/>
           </a:p>
@@ -17854,7 +18029,7 @@
     </p:spTree>
     <p:extLst>
       <p:ext uri="{BB962C8B-B14F-4D97-AF65-F5344CB8AC3E}">
-        <p14:creationId xmlns:p14="http://schemas.microsoft.com/office/powerpoint/2010/main" val="1405831740"/>
+        <p14:creationId xmlns:p14="http://schemas.microsoft.com/office/powerpoint/2010/main" val="620633064"/>
       </p:ext>
     </p:extLst>
   </p:cSld>
@@ -17906,17 +18081,13 @@
         <p:spPr/>
         <p:txBody>
           <a:bodyPr>
-            <a:normAutofit/>
+            <a:normAutofit fontScale="70000" lnSpcReduction="20000"/>
           </a:bodyPr>
           <a:lstStyle/>
           <a:p>
             <a:r>
-              <a:rPr lang="fr-FR" dirty="0" err="1" smtClean="0"/>
-              <a:t>Slide</a:t>
-            </a:r>
-            <a:r>
               <a:rPr lang="fr-FR" dirty="0" smtClean="0"/>
-              <a:t> 17 : Insister, mesurer où est le problème et pas à l'instinct j'essaie d'optimiser.</a:t>
+              <a:t>Slide 17 : Insister, mesurer où est le problème et pas à l'instinct j'essaie d'optimiser.</a:t>
             </a:r>
           </a:p>
           <a:p>
@@ -17924,6 +18095,406 @@
               <a:rPr lang="fr-FR" dirty="0" smtClean="0"/>
               <a:t>Plus les marteler.</a:t>
             </a:r>
+          </a:p>
+          <a:p>
+            <a:endParaRPr lang="fr-FR" dirty="0" smtClean="0"/>
+          </a:p>
+          <a:p>
+            <a:r>
+              <a:rPr lang="fr-FR" dirty="0" smtClean="0"/>
+              <a:t>Mesurer les I/O : Si le CPU système est supérieur à 10% =&gt; Je fais des I/O.</a:t>
+            </a:r>
+          </a:p>
+          <a:p>
+            <a:endParaRPr lang="fr-FR" dirty="0" smtClean="0"/>
+          </a:p>
+          <a:p>
+            <a:r>
+              <a:rPr lang="fr-FR" dirty="0" err="1" smtClean="0"/>
+              <a:t>Gatling</a:t>
+            </a:r>
+            <a:r>
+              <a:rPr lang="fr-FR" baseline="0" dirty="0" smtClean="0"/>
+              <a:t> : parce qu’il est open source et qu’il fait de beaux rapports</a:t>
+            </a:r>
+            <a:endParaRPr lang="fr-FR" dirty="0" smtClean="0"/>
+          </a:p>
+          <a:p>
+            <a:endParaRPr lang="fr-FR" dirty="0" smtClean="0"/>
+          </a:p>
+          <a:p>
+            <a:r>
+              <a:rPr lang="fr-FR" dirty="0" smtClean="0"/>
+              <a:t>====</a:t>
+            </a:r>
+          </a:p>
+          <a:p>
+            <a:endParaRPr lang="fr-FR" dirty="0" smtClean="0"/>
+          </a:p>
+          <a:p>
+            <a:r>
+              <a:rPr lang="fr-FR" dirty="0" smtClean="0"/>
+              <a:t>Pour la génération de données</a:t>
+            </a:r>
+          </a:p>
+          <a:p>
+            <a:pPr lvl="1"/>
+            <a:r>
+              <a:rPr lang="fr-FR" dirty="0" smtClean="0"/>
+              <a:t>Anonymisation et script de migration depuis la production</a:t>
+            </a:r>
+          </a:p>
+          <a:p>
+            <a:pPr lvl="1"/>
+            <a:r>
+              <a:rPr lang="fr-FR" dirty="0" smtClean="0"/>
+              <a:t>Génération de jeux de données (</a:t>
+            </a:r>
+            <a:r>
+              <a:rPr lang="fr-FR" dirty="0" err="1" smtClean="0"/>
+              <a:t>benerator</a:t>
+            </a:r>
+            <a:r>
+              <a:rPr lang="fr-FR" dirty="0" smtClean="0"/>
+              <a:t>, </a:t>
+            </a:r>
+            <a:r>
+              <a:rPr lang="fr-FR" dirty="0" err="1" smtClean="0"/>
+              <a:t>etC.</a:t>
+            </a:r>
+            <a:r>
+              <a:rPr lang="fr-FR" dirty="0" smtClean="0"/>
+              <a:t>)</a:t>
+            </a:r>
+          </a:p>
+          <a:p>
+            <a:endParaRPr lang="fr-FR" dirty="0" smtClean="0"/>
+          </a:p>
+          <a:p>
+            <a:r>
+              <a:rPr lang="fr-FR" dirty="0" smtClean="0"/>
+              <a:t>Pour la mise en charge</a:t>
+            </a:r>
+          </a:p>
+          <a:p>
+            <a:pPr lvl="1"/>
+            <a:r>
+              <a:rPr lang="fr-FR" dirty="0" err="1" smtClean="0"/>
+              <a:t>LoadRunner</a:t>
+            </a:r>
+            <a:r>
+              <a:rPr lang="fr-FR" dirty="0" smtClean="0"/>
+              <a:t>, </a:t>
+            </a:r>
+            <a:r>
+              <a:rPr lang="fr-FR" dirty="0" err="1" smtClean="0"/>
+              <a:t>JMeter</a:t>
+            </a:r>
+            <a:r>
+              <a:rPr lang="fr-FR" dirty="0" smtClean="0"/>
+              <a:t>, </a:t>
+            </a:r>
+            <a:r>
+              <a:rPr lang="fr-FR" dirty="0" err="1" smtClean="0"/>
+              <a:t>Gatling</a:t>
+            </a:r>
+            <a:endParaRPr lang="fr-FR" dirty="0" smtClean="0"/>
+          </a:p>
+          <a:p>
+            <a:pPr lvl="1"/>
+            <a:r>
+              <a:rPr lang="fr-FR" dirty="0" smtClean="0"/>
+              <a:t>Visual Studio</a:t>
+            </a:r>
+          </a:p>
+          <a:p>
+            <a:endParaRPr lang="fr-FR" dirty="0" smtClean="0"/>
+          </a:p>
+          <a:p>
+            <a:r>
+              <a:rPr lang="fr-FR" dirty="0" smtClean="0"/>
+              <a:t>Pour la prise de mesure</a:t>
+            </a:r>
+          </a:p>
+          <a:p>
+            <a:pPr lvl="1"/>
+            <a:r>
+              <a:rPr lang="fr-FR" dirty="0" err="1" smtClean="0"/>
+              <a:t>Perfmon</a:t>
+            </a:r>
+            <a:r>
+              <a:rPr lang="fr-FR" dirty="0" smtClean="0"/>
+              <a:t> (Windows)</a:t>
+            </a:r>
+          </a:p>
+          <a:p>
+            <a:pPr lvl="1"/>
+            <a:r>
+              <a:rPr lang="fr-FR" dirty="0" err="1" smtClean="0"/>
+              <a:t>Nmon</a:t>
+            </a:r>
+            <a:r>
+              <a:rPr lang="fr-FR" dirty="0" smtClean="0"/>
+              <a:t> (Linux)</a:t>
+            </a:r>
+          </a:p>
+          <a:p>
+            <a:pPr lvl="1"/>
+            <a:endParaRPr lang="fr-FR" dirty="0" smtClean="0"/>
+          </a:p>
+          <a:p>
+            <a:pPr marL="342900" marR="0" lvl="0" indent="-342900" algn="l" defTabSz="914400" rtl="0" eaLnBrk="1" fontAlgn="base" latinLnBrk="0" hangingPunct="1">
+              <a:lnSpc>
+                <a:spcPct val="100000"/>
+              </a:lnSpc>
+              <a:spcBef>
+                <a:spcPct val="20000"/>
+              </a:spcBef>
+              <a:spcAft>
+                <a:spcPct val="0"/>
+              </a:spcAft>
+              <a:buClr>
+                <a:srgbClr val="002D60"/>
+              </a:buClr>
+              <a:buSzPct val="100000"/>
+              <a:buFontTx/>
+              <a:buBlip>
+                <a:blip r:embed="rId3"/>
+              </a:buBlip>
+              <a:tabLst/>
+              <a:defRPr/>
+            </a:pPr>
+            <a:r>
+              <a:rPr kumimoji="0" lang="fr-FR" sz="1600" b="0" i="0" u="none" strike="noStrike" kern="0" cap="none" spc="0" normalizeH="0" baseline="0" noProof="0" dirty="0" smtClean="0">
+                <a:ln>
+                  <a:noFill/>
+                </a:ln>
+                <a:solidFill>
+                  <a:srgbClr val="4C4C4C"/>
+                </a:solidFill>
+                <a:effectLst/>
+                <a:uLnTx/>
+                <a:uFillTx/>
+                <a:latin typeface="+mn-lt"/>
+                <a:ea typeface="ＭＳ Ｐゴシック" pitchFamily="-104" charset="-128"/>
+                <a:cs typeface="ＭＳ Ｐゴシック" pitchFamily="-104" charset="-128"/>
+              </a:rPr>
+              <a:t>Noter</a:t>
+            </a:r>
+            <a:r>
+              <a:rPr kumimoji="0" lang="fr-FR" sz="1600" b="0" i="0" u="none" strike="noStrike" kern="0" cap="none" spc="0" normalizeH="0" noProof="0" dirty="0" smtClean="0">
+                <a:ln>
+                  <a:noFill/>
+                </a:ln>
+                <a:solidFill>
+                  <a:srgbClr val="4C4C4C"/>
+                </a:solidFill>
+                <a:effectLst/>
+                <a:uLnTx/>
+                <a:uFillTx/>
+                <a:latin typeface="+mn-lt"/>
+                <a:ea typeface="ＭＳ Ｐゴシック" pitchFamily="-104" charset="-128"/>
+                <a:cs typeface="ＭＳ Ｐゴシック" pitchFamily="-104" charset="-128"/>
+              </a:rPr>
+              <a:t> les enjeux correspondants</a:t>
+            </a:r>
+          </a:p>
+          <a:p>
+            <a:pPr marL="342900" marR="0" lvl="0" indent="-342900" algn="l" defTabSz="914400" rtl="0" eaLnBrk="1" fontAlgn="base" latinLnBrk="0" hangingPunct="1">
+              <a:lnSpc>
+                <a:spcPct val="100000"/>
+              </a:lnSpc>
+              <a:spcBef>
+                <a:spcPct val="20000"/>
+              </a:spcBef>
+              <a:spcAft>
+                <a:spcPct val="0"/>
+              </a:spcAft>
+              <a:buClr>
+                <a:srgbClr val="002D60"/>
+              </a:buClr>
+              <a:buSzPct val="100000"/>
+              <a:buFontTx/>
+              <a:buBlip>
+                <a:blip r:embed="rId3"/>
+              </a:buBlip>
+              <a:tabLst/>
+              <a:defRPr/>
+            </a:pPr>
+            <a:endParaRPr lang="fr-FR" sz="1600" kern="0" baseline="0" dirty="0" smtClean="0">
+              <a:solidFill>
+                <a:srgbClr val="4C4C4C"/>
+              </a:solidFill>
+              <a:ea typeface="ＭＳ Ｐゴシック" pitchFamily="-104" charset="-128"/>
+            </a:endParaRPr>
+          </a:p>
+          <a:p>
+            <a:pPr marL="342900" marR="0" lvl="0" indent="-342900" algn="l" defTabSz="914400" rtl="0" eaLnBrk="1" fontAlgn="base" latinLnBrk="0" hangingPunct="1">
+              <a:lnSpc>
+                <a:spcPct val="100000"/>
+              </a:lnSpc>
+              <a:spcBef>
+                <a:spcPct val="20000"/>
+              </a:spcBef>
+              <a:spcAft>
+                <a:spcPct val="0"/>
+              </a:spcAft>
+              <a:buClr>
+                <a:srgbClr val="002D60"/>
+              </a:buClr>
+              <a:buSzPct val="100000"/>
+              <a:buFontTx/>
+              <a:buBlip>
+                <a:blip r:embed="rId3"/>
+              </a:buBlip>
+              <a:tabLst/>
+              <a:defRPr/>
+            </a:pPr>
+            <a:r>
+              <a:rPr kumimoji="0" lang="fr-FR" sz="1600" b="0" i="0" u="none" strike="noStrike" kern="0" cap="none" spc="0" normalizeH="0" noProof="0" dirty="0" smtClean="0">
+                <a:ln>
+                  <a:noFill/>
+                </a:ln>
+                <a:solidFill>
+                  <a:srgbClr val="4C4C4C"/>
+                </a:solidFill>
+                <a:effectLst/>
+                <a:uLnTx/>
+                <a:uFillTx/>
+                <a:latin typeface="+mn-lt"/>
+                <a:ea typeface="ＭＳ Ｐゴシック" pitchFamily="-104" charset="-128"/>
+              </a:rPr>
+              <a:t>Noter les problématiques liées au grand nombre de machines</a:t>
+            </a:r>
+          </a:p>
+          <a:p>
+            <a:pPr marL="800100" lvl="1" indent="-342900" fontAlgn="base">
+              <a:spcBef>
+                <a:spcPct val="20000"/>
+              </a:spcBef>
+              <a:spcAft>
+                <a:spcPct val="0"/>
+              </a:spcAft>
+              <a:buClr>
+                <a:srgbClr val="002D60"/>
+              </a:buClr>
+              <a:buSzPct val="100000"/>
+              <a:buFontTx/>
+              <a:buBlip>
+                <a:blip r:embed="rId3"/>
+              </a:buBlip>
+            </a:pPr>
+            <a:r>
+              <a:rPr lang="fr-FR" sz="1600" kern="0" dirty="0" smtClean="0">
+                <a:solidFill>
+                  <a:srgbClr val="4C4C4C"/>
+                </a:solidFill>
+                <a:ea typeface="ＭＳ Ｐゴシック" pitchFamily="-104" charset="-128"/>
+              </a:rPr>
+              <a:t>Rechercher les outils de BPA</a:t>
+            </a:r>
+          </a:p>
+          <a:p>
+            <a:pPr marL="800100" lvl="1" indent="-342900" fontAlgn="base">
+              <a:spcBef>
+                <a:spcPct val="20000"/>
+              </a:spcBef>
+              <a:spcAft>
+                <a:spcPct val="0"/>
+              </a:spcAft>
+              <a:buClr>
+                <a:srgbClr val="002D60"/>
+              </a:buClr>
+              <a:buSzPct val="100000"/>
+              <a:buFontTx/>
+              <a:buBlip>
+                <a:blip r:embed="rId3"/>
+              </a:buBlip>
+            </a:pPr>
+            <a:endParaRPr lang="fr-FR" sz="1600" kern="0" dirty="0" smtClean="0">
+              <a:solidFill>
+                <a:srgbClr val="4C4C4C"/>
+              </a:solidFill>
+              <a:ea typeface="ＭＳ Ｐゴシック" pitchFamily="-104" charset="-128"/>
+            </a:endParaRPr>
+          </a:p>
+          <a:p>
+            <a:pPr marL="342900" indent="-342900" fontAlgn="base">
+              <a:spcBef>
+                <a:spcPct val="20000"/>
+              </a:spcBef>
+              <a:spcAft>
+                <a:spcPct val="0"/>
+              </a:spcAft>
+              <a:buClr>
+                <a:srgbClr val="002D60"/>
+              </a:buClr>
+              <a:buSzPct val="100000"/>
+              <a:buFontTx/>
+              <a:buBlip>
+                <a:blip r:embed="rId3"/>
+              </a:buBlip>
+            </a:pPr>
+            <a:r>
+              <a:rPr lang="fr-FR" sz="1600" kern="0" dirty="0" smtClean="0">
+                <a:solidFill>
+                  <a:srgbClr val="4C4C4C"/>
+                </a:solidFill>
+                <a:ea typeface="ＭＳ Ｐゴシック" pitchFamily="-104" charset="-128"/>
+              </a:rPr>
+              <a:t>Idées : susciter les questions et l’envie de faire une autre </a:t>
+            </a:r>
+            <a:r>
+              <a:rPr lang="fr-FR" sz="1600" kern="0" dirty="0" err="1" smtClean="0">
+                <a:solidFill>
+                  <a:srgbClr val="4C4C4C"/>
+                </a:solidFill>
+                <a:ea typeface="ＭＳ Ｐゴシック" pitchFamily="-104" charset="-128"/>
+              </a:rPr>
+              <a:t>prez</a:t>
+            </a:r>
+            <a:endParaRPr lang="fr-FR" sz="1600" kern="0" dirty="0" smtClean="0">
+              <a:solidFill>
+                <a:srgbClr val="4C4C4C"/>
+              </a:solidFill>
+              <a:ea typeface="ＭＳ Ｐゴシック" pitchFamily="-104" charset="-128"/>
+            </a:endParaRPr>
+          </a:p>
+          <a:p>
+            <a:pPr marL="800100" lvl="1" indent="-342900" fontAlgn="base">
+              <a:spcBef>
+                <a:spcPct val="20000"/>
+              </a:spcBef>
+              <a:spcAft>
+                <a:spcPct val="0"/>
+              </a:spcAft>
+              <a:buClr>
+                <a:srgbClr val="002D60"/>
+              </a:buClr>
+              <a:buSzPct val="100000"/>
+              <a:buFontTx/>
+              <a:buBlip>
+                <a:blip r:embed="rId3"/>
+              </a:buBlip>
+            </a:pPr>
+            <a:endParaRPr kumimoji="0" lang="fr-FR" sz="1600" b="0" i="0" u="none" strike="noStrike" kern="0" cap="none" spc="0" normalizeH="0" noProof="0" dirty="0" smtClean="0">
+              <a:ln>
+                <a:noFill/>
+              </a:ln>
+              <a:solidFill>
+                <a:srgbClr val="4C4C4C"/>
+              </a:solidFill>
+              <a:effectLst/>
+              <a:uLnTx/>
+              <a:uFillTx/>
+              <a:latin typeface="+mn-lt"/>
+              <a:ea typeface="ＭＳ Ｐゴシック" pitchFamily="-104" charset="-128"/>
+            </a:endParaRPr>
+          </a:p>
+          <a:p>
+            <a:endParaRPr lang="fr-FR" dirty="0" smtClean="0"/>
+          </a:p>
+          <a:p>
             <a:endParaRPr lang="fr-FR" dirty="0"/>
           </a:p>
         </p:txBody>
@@ -17943,10 +18514,15 @@
           <a:bodyPr/>
           <a:lstStyle/>
           <a:p>
-            <a:fld id="{BFEBECEB-CCF1-413B-AAA5-7969BDFE1205}" type="slidenum">
+            <a:pPr>
+              <a:defRPr/>
+            </a:pPr>
+            <a:fld id="{68CC13ED-B5D7-254A-B8C5-6B7F27BAA1B2}" type="slidenum">
               <a:rPr lang="fr-FR" smtClean="0"/>
-              <a:pPr/>
-              <a:t>14</a:t>
+              <a:pPr>
+                <a:defRPr/>
+              </a:pPr>
+              <a:t>13</a:t>
             </a:fld>
             <a:endParaRPr lang="fr-FR"/>
           </a:p>
@@ -17955,7 +18531,7 @@
     </p:spTree>
     <p:extLst>
       <p:ext uri="{BB962C8B-B14F-4D97-AF65-F5344CB8AC3E}">
-        <p14:creationId xmlns:p14="http://schemas.microsoft.com/office/powerpoint/2010/main" val="620633064"/>
+        <p14:creationId xmlns:p14="http://schemas.microsoft.com/office/powerpoint/2010/main" val="915939337"/>
       </p:ext>
     </p:extLst>
   </p:cSld>
@@ -19034,6 +19610,13 @@
   <p:clrMapOvr>
     <a:masterClrMapping/>
   </p:clrMapOvr>
+  <p:timing>
+    <p:tnLst>
+      <p:par>
+        <p:cTn id="1" dur="indefinite" restart="never" nodeType="tmRoot"/>
+      </p:par>
+    </p:tnLst>
+  </p:timing>
 </p:sldLayout>
 </file>
 
@@ -19219,10 +19802,474 @@
   <p:clrMapOvr>
     <a:masterClrMapping/>
   </p:clrMapOvr>
+  <p:timing>
+    <p:tnLst>
+      <p:par>
+        <p:cTn id="1" dur="indefinite" restart="never" nodeType="tmRoot"/>
+      </p:par>
+    </p:tnLst>
+  </p:timing>
 </p:sldLayout>
 </file>
 
 <file path=ppt/slideLayouts/slideLayout3.xml><?xml version="1.0" encoding="utf-8"?>
+<p:sldLayout xmlns:a="http://schemas.openxmlformats.org/drawingml/2006/main" xmlns:r="http://schemas.openxmlformats.org/officeDocument/2006/relationships" xmlns:p="http://schemas.openxmlformats.org/presentationml/2006/main" preserve="1" userDrawn="1">
+  <p:cSld name="n_Demo">
+    <p:spTree>
+      <p:nvGrpSpPr>
+        <p:cNvPr id="1" name=""/>
+        <p:cNvGrpSpPr/>
+        <p:nvPr/>
+      </p:nvGrpSpPr>
+      <p:grpSpPr>
+        <a:xfrm>
+          <a:off x="0" y="0"/>
+          <a:ext cx="0" cy="0"/>
+          <a:chOff x="0" y="0"/>
+          <a:chExt cx="0" cy="0"/>
+        </a:xfrm>
+      </p:grpSpPr>
+      <p:pic>
+        <p:nvPicPr>
+          <p:cNvPr id="5" name="Image 9"/>
+          <p:cNvPicPr>
+            <a:picLocks noChangeAspect="1"/>
+          </p:cNvPicPr>
+          <p:nvPr userDrawn="1"/>
+        </p:nvPicPr>
+        <p:blipFill rotWithShape="1">
+          <a:blip r:embed="rId2" cstate="screen">
+            <a:extLst>
+              <a:ext uri="{28A0092B-C50C-407E-A947-70E740481C1C}">
+                <a14:useLocalDpi xmlns:a14="http://schemas.microsoft.com/office/drawing/2010/main"/>
+              </a:ext>
+            </a:extLst>
+          </a:blip>
+          <a:srcRect/>
+          <a:stretch/>
+        </p:blipFill>
+        <p:spPr bwMode="auto">
+          <a:xfrm>
+            <a:off x="0" y="-25099"/>
+            <a:ext cx="9144211" cy="4613073"/>
+          </a:xfrm>
+          <a:prstGeom prst="rect">
+            <a:avLst/>
+          </a:prstGeom>
+          <a:noFill/>
+          <a:ln>
+            <a:noFill/>
+          </a:ln>
+          <a:extLst>
+            <a:ext uri="{909E8E84-426E-40DD-AFC4-6F175D3DCCD1}">
+              <a14:hiddenFill xmlns:a14="http://schemas.microsoft.com/office/drawing/2010/main">
+                <a:solidFill>
+                  <a:srgbClr val="FFFFFF"/>
+                </a:solidFill>
+              </a14:hiddenFill>
+            </a:ext>
+            <a:ext uri="{91240B29-F687-4F45-9708-019B960494DF}">
+              <a14:hiddenLine xmlns:a14="http://schemas.microsoft.com/office/drawing/2010/main" w="9525">
+                <a:solidFill>
+                  <a:srgbClr val="000000"/>
+                </a:solidFill>
+                <a:miter lim="800000"/>
+                <a:headEnd/>
+                <a:tailEnd/>
+              </a14:hiddenLine>
+            </a:ext>
+          </a:extLst>
+        </p:spPr>
+      </p:pic>
+      <p:sp>
+        <p:nvSpPr>
+          <p:cNvPr id="4" name="Rectangle 9"/>
+          <p:cNvSpPr>
+            <a:spLocks noGrp="1" noChangeArrowheads="1"/>
+          </p:cNvSpPr>
+          <p:nvPr>
+            <p:ph type="title"/>
+          </p:nvPr>
+        </p:nvSpPr>
+        <p:spPr bwMode="auto">
+          <a:xfrm>
+            <a:off x="323528" y="33468"/>
+            <a:ext cx="8566790" cy="412613"/>
+          </a:xfrm>
+          <a:prstGeom prst="rect">
+            <a:avLst/>
+          </a:prstGeom>
+          <a:noFill/>
+          <a:ln w="9525">
+            <a:noFill/>
+            <a:miter lim="800000"/>
+            <a:headEnd/>
+            <a:tailEnd/>
+          </a:ln>
+        </p:spPr>
+        <p:txBody>
+          <a:bodyPr/>
+          <a:lstStyle>
+            <a:lvl1pPr algn="r">
+              <a:defRPr sz="2400">
+                <a:solidFill>
+                  <a:schemeClr val="accent6"/>
+                </a:solidFill>
+              </a:defRPr>
+            </a:lvl1pPr>
+          </a:lstStyle>
+          <a:p>
+            <a:pPr lvl="0"/>
+            <a:r>
+              <a:rPr lang="fr-FR" noProof="0" dirty="0" smtClean="0"/>
+              <a:t>Click to </a:t>
+            </a:r>
+            <a:r>
+              <a:rPr lang="fr-FR" noProof="0" dirty="0" err="1" smtClean="0"/>
+              <a:t>edit</a:t>
+            </a:r>
+            <a:r>
+              <a:rPr lang="fr-FR" noProof="0" dirty="0" smtClean="0"/>
+              <a:t> Master </a:t>
+            </a:r>
+            <a:r>
+              <a:rPr lang="fr-FR" noProof="0" dirty="0" err="1" smtClean="0"/>
+              <a:t>title</a:t>
+            </a:r>
+            <a:r>
+              <a:rPr lang="fr-FR" noProof="0" dirty="0" smtClean="0"/>
+              <a:t> style</a:t>
+            </a:r>
+            <a:endParaRPr lang="fr-FR" noProof="0" dirty="0" smtClean="0"/>
+          </a:p>
+        </p:txBody>
+      </p:sp>
+      <p:sp>
+        <p:nvSpPr>
+          <p:cNvPr id="6" name="Text Box 17"/>
+          <p:cNvSpPr txBox="1">
+            <a:spLocks noChangeArrowheads="1"/>
+          </p:cNvSpPr>
+          <p:nvPr userDrawn="1"/>
+        </p:nvSpPr>
+        <p:spPr bwMode="auto">
+          <a:xfrm>
+            <a:off x="539552" y="1635646"/>
+            <a:ext cx="8064896" cy="2218172"/>
+          </a:xfrm>
+          <a:prstGeom prst="rect">
+            <a:avLst/>
+          </a:prstGeom>
+          <a:noFill/>
+          <a:ln>
+            <a:noFill/>
+          </a:ln>
+          <a:extLst>
+            <a:ext uri="{909E8E84-426E-40DD-AFC4-6F175D3DCCD1}">
+              <a14:hiddenFill xmlns:a14="http://schemas.microsoft.com/office/drawing/2010/main">
+                <a:solidFill>
+                  <a:srgbClr val="FFFFFF"/>
+                </a:solidFill>
+              </a14:hiddenFill>
+            </a:ext>
+            <a:ext uri="{91240B29-F687-4F45-9708-019B960494DF}">
+              <a14:hiddenLine xmlns:a14="http://schemas.microsoft.com/office/drawing/2010/main" w="9525">
+                <a:solidFill>
+                  <a:srgbClr val="000000"/>
+                </a:solidFill>
+                <a:round/>
+                <a:headEnd/>
+                <a:tailEnd/>
+              </a14:hiddenLine>
+            </a:ext>
+          </a:extLst>
+        </p:spPr>
+        <p:txBody>
+          <a:bodyPr wrap="square" lIns="90000" tIns="46800" rIns="90000" bIns="46800">
+            <a:spAutoFit/>
+          </a:bodyPr>
+          <a:lstStyle>
+            <a:lvl1pPr defTabSz="449263" eaLnBrk="0" hangingPunct="0">
+              <a:tabLst>
+                <a:tab pos="0" algn="l"/>
+                <a:tab pos="914400" algn="l"/>
+                <a:tab pos="1828800" algn="l"/>
+                <a:tab pos="2743200" algn="l"/>
+                <a:tab pos="3657600" algn="l"/>
+                <a:tab pos="4572000" algn="l"/>
+                <a:tab pos="5486400" algn="l"/>
+                <a:tab pos="6400800" algn="l"/>
+                <a:tab pos="7315200" algn="l"/>
+                <a:tab pos="8229600" algn="l"/>
+                <a:tab pos="9144000" algn="l"/>
+                <a:tab pos="10058400" algn="l"/>
+              </a:tabLst>
+              <a:defRPr sz="2400">
+                <a:solidFill>
+                  <a:schemeClr val="tx1"/>
+                </a:solidFill>
+                <a:latin typeface="Times" charset="0"/>
+                <a:ea typeface="ＭＳ Ｐゴシック" charset="0"/>
+                <a:cs typeface="ＭＳ Ｐゴシック" charset="0"/>
+              </a:defRPr>
+            </a:lvl1pPr>
+            <a:lvl2pPr marL="742950" indent="-285750" defTabSz="449263" eaLnBrk="0" hangingPunct="0">
+              <a:tabLst>
+                <a:tab pos="0" algn="l"/>
+                <a:tab pos="914400" algn="l"/>
+                <a:tab pos="1828800" algn="l"/>
+                <a:tab pos="2743200" algn="l"/>
+                <a:tab pos="3657600" algn="l"/>
+                <a:tab pos="4572000" algn="l"/>
+                <a:tab pos="5486400" algn="l"/>
+                <a:tab pos="6400800" algn="l"/>
+                <a:tab pos="7315200" algn="l"/>
+                <a:tab pos="8229600" algn="l"/>
+                <a:tab pos="9144000" algn="l"/>
+                <a:tab pos="10058400" algn="l"/>
+              </a:tabLst>
+              <a:defRPr sz="2400">
+                <a:solidFill>
+                  <a:schemeClr val="tx1"/>
+                </a:solidFill>
+                <a:latin typeface="Times" charset="0"/>
+                <a:ea typeface="ＭＳ Ｐゴシック" charset="0"/>
+              </a:defRPr>
+            </a:lvl2pPr>
+            <a:lvl3pPr marL="1143000" indent="-228600" defTabSz="449263" eaLnBrk="0" hangingPunct="0">
+              <a:tabLst>
+                <a:tab pos="0" algn="l"/>
+                <a:tab pos="914400" algn="l"/>
+                <a:tab pos="1828800" algn="l"/>
+                <a:tab pos="2743200" algn="l"/>
+                <a:tab pos="3657600" algn="l"/>
+                <a:tab pos="4572000" algn="l"/>
+                <a:tab pos="5486400" algn="l"/>
+                <a:tab pos="6400800" algn="l"/>
+                <a:tab pos="7315200" algn="l"/>
+                <a:tab pos="8229600" algn="l"/>
+                <a:tab pos="9144000" algn="l"/>
+                <a:tab pos="10058400" algn="l"/>
+              </a:tabLst>
+              <a:defRPr sz="2400">
+                <a:solidFill>
+                  <a:schemeClr val="tx1"/>
+                </a:solidFill>
+                <a:latin typeface="Times" charset="0"/>
+                <a:ea typeface="ＭＳ Ｐゴシック" charset="0"/>
+              </a:defRPr>
+            </a:lvl3pPr>
+            <a:lvl4pPr marL="1600200" indent="-228600" defTabSz="449263" eaLnBrk="0" hangingPunct="0">
+              <a:tabLst>
+                <a:tab pos="0" algn="l"/>
+                <a:tab pos="914400" algn="l"/>
+                <a:tab pos="1828800" algn="l"/>
+                <a:tab pos="2743200" algn="l"/>
+                <a:tab pos="3657600" algn="l"/>
+                <a:tab pos="4572000" algn="l"/>
+                <a:tab pos="5486400" algn="l"/>
+                <a:tab pos="6400800" algn="l"/>
+                <a:tab pos="7315200" algn="l"/>
+                <a:tab pos="8229600" algn="l"/>
+                <a:tab pos="9144000" algn="l"/>
+                <a:tab pos="10058400" algn="l"/>
+              </a:tabLst>
+              <a:defRPr sz="2400">
+                <a:solidFill>
+                  <a:schemeClr val="tx1"/>
+                </a:solidFill>
+                <a:latin typeface="Times" charset="0"/>
+                <a:ea typeface="ＭＳ Ｐゴシック" charset="0"/>
+              </a:defRPr>
+            </a:lvl4pPr>
+            <a:lvl5pPr marL="2057400" indent="-228600" defTabSz="449263" eaLnBrk="0" hangingPunct="0">
+              <a:tabLst>
+                <a:tab pos="0" algn="l"/>
+                <a:tab pos="914400" algn="l"/>
+                <a:tab pos="1828800" algn="l"/>
+                <a:tab pos="2743200" algn="l"/>
+                <a:tab pos="3657600" algn="l"/>
+                <a:tab pos="4572000" algn="l"/>
+                <a:tab pos="5486400" algn="l"/>
+                <a:tab pos="6400800" algn="l"/>
+                <a:tab pos="7315200" algn="l"/>
+                <a:tab pos="8229600" algn="l"/>
+                <a:tab pos="9144000" algn="l"/>
+                <a:tab pos="10058400" algn="l"/>
+              </a:tabLst>
+              <a:defRPr sz="2400">
+                <a:solidFill>
+                  <a:schemeClr val="tx1"/>
+                </a:solidFill>
+                <a:latin typeface="Times" charset="0"/>
+                <a:ea typeface="ＭＳ Ｐゴシック" charset="0"/>
+              </a:defRPr>
+            </a:lvl5pPr>
+            <a:lvl6pPr marL="2514600" indent="-228600" defTabSz="449263" eaLnBrk="0" fontAlgn="base" hangingPunct="0">
+              <a:spcBef>
+                <a:spcPct val="0"/>
+              </a:spcBef>
+              <a:spcAft>
+                <a:spcPct val="0"/>
+              </a:spcAft>
+              <a:tabLst>
+                <a:tab pos="0" algn="l"/>
+                <a:tab pos="914400" algn="l"/>
+                <a:tab pos="1828800" algn="l"/>
+                <a:tab pos="2743200" algn="l"/>
+                <a:tab pos="3657600" algn="l"/>
+                <a:tab pos="4572000" algn="l"/>
+                <a:tab pos="5486400" algn="l"/>
+                <a:tab pos="6400800" algn="l"/>
+                <a:tab pos="7315200" algn="l"/>
+                <a:tab pos="8229600" algn="l"/>
+                <a:tab pos="9144000" algn="l"/>
+                <a:tab pos="10058400" algn="l"/>
+              </a:tabLst>
+              <a:defRPr sz="2400">
+                <a:solidFill>
+                  <a:schemeClr val="tx1"/>
+                </a:solidFill>
+                <a:latin typeface="Times" charset="0"/>
+                <a:ea typeface="ＭＳ Ｐゴシック" charset="0"/>
+              </a:defRPr>
+            </a:lvl6pPr>
+            <a:lvl7pPr marL="2971800" indent="-228600" defTabSz="449263" eaLnBrk="0" fontAlgn="base" hangingPunct="0">
+              <a:spcBef>
+                <a:spcPct val="0"/>
+              </a:spcBef>
+              <a:spcAft>
+                <a:spcPct val="0"/>
+              </a:spcAft>
+              <a:tabLst>
+                <a:tab pos="0" algn="l"/>
+                <a:tab pos="914400" algn="l"/>
+                <a:tab pos="1828800" algn="l"/>
+                <a:tab pos="2743200" algn="l"/>
+                <a:tab pos="3657600" algn="l"/>
+                <a:tab pos="4572000" algn="l"/>
+                <a:tab pos="5486400" algn="l"/>
+                <a:tab pos="6400800" algn="l"/>
+                <a:tab pos="7315200" algn="l"/>
+                <a:tab pos="8229600" algn="l"/>
+                <a:tab pos="9144000" algn="l"/>
+                <a:tab pos="10058400" algn="l"/>
+              </a:tabLst>
+              <a:defRPr sz="2400">
+                <a:solidFill>
+                  <a:schemeClr val="tx1"/>
+                </a:solidFill>
+                <a:latin typeface="Times" charset="0"/>
+                <a:ea typeface="ＭＳ Ｐゴシック" charset="0"/>
+              </a:defRPr>
+            </a:lvl7pPr>
+            <a:lvl8pPr marL="3429000" indent="-228600" defTabSz="449263" eaLnBrk="0" fontAlgn="base" hangingPunct="0">
+              <a:spcBef>
+                <a:spcPct val="0"/>
+              </a:spcBef>
+              <a:spcAft>
+                <a:spcPct val="0"/>
+              </a:spcAft>
+              <a:tabLst>
+                <a:tab pos="0" algn="l"/>
+                <a:tab pos="914400" algn="l"/>
+                <a:tab pos="1828800" algn="l"/>
+                <a:tab pos="2743200" algn="l"/>
+                <a:tab pos="3657600" algn="l"/>
+                <a:tab pos="4572000" algn="l"/>
+                <a:tab pos="5486400" algn="l"/>
+                <a:tab pos="6400800" algn="l"/>
+                <a:tab pos="7315200" algn="l"/>
+                <a:tab pos="8229600" algn="l"/>
+                <a:tab pos="9144000" algn="l"/>
+                <a:tab pos="10058400" algn="l"/>
+              </a:tabLst>
+              <a:defRPr sz="2400">
+                <a:solidFill>
+                  <a:schemeClr val="tx1"/>
+                </a:solidFill>
+                <a:latin typeface="Times" charset="0"/>
+                <a:ea typeface="ＭＳ Ｐゴシック" charset="0"/>
+              </a:defRPr>
+            </a:lvl8pPr>
+            <a:lvl9pPr marL="3886200" indent="-228600" defTabSz="449263" eaLnBrk="0" fontAlgn="base" hangingPunct="0">
+              <a:spcBef>
+                <a:spcPct val="0"/>
+              </a:spcBef>
+              <a:spcAft>
+                <a:spcPct val="0"/>
+              </a:spcAft>
+              <a:tabLst>
+                <a:tab pos="0" algn="l"/>
+                <a:tab pos="914400" algn="l"/>
+                <a:tab pos="1828800" algn="l"/>
+                <a:tab pos="2743200" algn="l"/>
+                <a:tab pos="3657600" algn="l"/>
+                <a:tab pos="4572000" algn="l"/>
+                <a:tab pos="5486400" algn="l"/>
+                <a:tab pos="6400800" algn="l"/>
+                <a:tab pos="7315200" algn="l"/>
+                <a:tab pos="8229600" algn="l"/>
+                <a:tab pos="9144000" algn="l"/>
+                <a:tab pos="10058400" algn="l"/>
+              </a:tabLst>
+              <a:defRPr sz="2400">
+                <a:solidFill>
+                  <a:schemeClr val="tx1"/>
+                </a:solidFill>
+                <a:latin typeface="Times" charset="0"/>
+                <a:ea typeface="ＭＳ Ｐゴシック" charset="0"/>
+              </a:defRPr>
+            </a:lvl9pPr>
+          </a:lstStyle>
+          <a:p>
+            <a:pPr algn="ctr">
+              <a:buSzPct val="100000"/>
+              <a:defRPr/>
+            </a:pPr>
+            <a:r>
+              <a:rPr lang="fr-FR" sz="13800" b="1" noProof="0" smtClean="0">
+                <a:solidFill>
+                  <a:schemeClr val="accent6"/>
+                </a:solidFill>
+                <a:latin typeface="Arial" charset="0"/>
+                <a:ea typeface="SimSun" charset="0"/>
+                <a:cs typeface="SimSun" charset="0"/>
+              </a:rPr>
+              <a:t>DÉMO</a:t>
+            </a:r>
+            <a:endParaRPr lang="fr-FR" sz="13800" b="1" noProof="0" smtClean="0">
+              <a:solidFill>
+                <a:schemeClr val="accent6"/>
+              </a:solidFill>
+              <a:latin typeface="Arial" charset="0"/>
+              <a:ea typeface="SimSun" charset="0"/>
+              <a:cs typeface="SimSun" charset="0"/>
+            </a:endParaRPr>
+          </a:p>
+        </p:txBody>
+      </p:sp>
+    </p:spTree>
+    <p:extLst>
+      <p:ext uri="{BB962C8B-B14F-4D97-AF65-F5344CB8AC3E}">
+        <p14:creationId xmlns:p14="http://schemas.microsoft.com/office/powerpoint/2010/main" val="1527937677"/>
+      </p:ext>
+    </p:extLst>
+  </p:cSld>
+  <p:clrMapOvr>
+    <a:masterClrMapping/>
+  </p:clrMapOvr>
+  <p:timing>
+    <p:tnLst>
+      <p:par>
+        <p:cTn id="1" dur="indefinite" restart="never" nodeType="tmRoot"/>
+      </p:par>
+    </p:tnLst>
+  </p:timing>
+</p:sldLayout>
+</file>
+
+<file path=ppt/slideLayouts/slideLayout4.xml><?xml version="1.0" encoding="utf-8"?>
 <p:sldLayout xmlns:a="http://schemas.openxmlformats.org/drawingml/2006/main" xmlns:r="http://schemas.openxmlformats.org/officeDocument/2006/relationships" xmlns:p="http://schemas.openxmlformats.org/presentationml/2006/main" preserve="1" userDrawn="1">
   <p:cSld name="n_Diapositive vide">
     <p:spTree>
@@ -19252,711 +20299,7 @@
 </p:sldLayout>
 </file>
 
-<file path=ppt/slideLayouts/slideLayout4.xml><?xml version="1.0" encoding="utf-8"?>
-<p:sldLayout xmlns:a="http://schemas.openxmlformats.org/drawingml/2006/main" xmlns:r="http://schemas.openxmlformats.org/officeDocument/2006/relationships" xmlns:p="http://schemas.openxmlformats.org/presentationml/2006/main">
-  <p:cSld name="Titre et contenu">
-    <p:spTree>
-      <p:nvGrpSpPr>
-        <p:cNvPr id="1" name=""/>
-        <p:cNvGrpSpPr/>
-        <p:nvPr/>
-      </p:nvGrpSpPr>
-      <p:grpSpPr>
-        <a:xfrm>
-          <a:off x="0" y="0"/>
-          <a:ext cx="0" cy="0"/>
-          <a:chOff x="0" y="0"/>
-          <a:chExt cx="0" cy="0"/>
-        </a:xfrm>
-      </p:grpSpPr>
-      <p:pic>
-        <p:nvPicPr>
-          <p:cNvPr id="1027" name="Picture 3" descr="C:\Users\mbo\Google Drive\Performance User Group\Crea\Entete.png"/>
-          <p:cNvPicPr>
-            <a:picLocks noChangeAspect="1" noChangeArrowheads="1"/>
-          </p:cNvPicPr>
-          <p:nvPr userDrawn="1"/>
-        </p:nvPicPr>
-        <p:blipFill>
-          <a:blip r:embed="rId2" cstate="print"/>
-          <a:srcRect/>
-          <a:stretch>
-            <a:fillRect/>
-          </a:stretch>
-        </p:blipFill>
-        <p:spPr bwMode="auto">
-          <a:xfrm>
-            <a:off x="0" y="0"/>
-            <a:ext cx="9163050" cy="835819"/>
-          </a:xfrm>
-          <a:prstGeom prst="rect">
-            <a:avLst/>
-          </a:prstGeom>
-          <a:noFill/>
-        </p:spPr>
-      </p:pic>
-      <p:sp>
-        <p:nvSpPr>
-          <p:cNvPr id="3" name="Espace réservé du contenu 2"/>
-          <p:cNvSpPr>
-            <a:spLocks noGrp="1"/>
-          </p:cNvSpPr>
-          <p:nvPr>
-            <p:ph idx="1"/>
-          </p:nvPr>
-        </p:nvSpPr>
-        <p:spPr/>
-        <p:txBody>
-          <a:bodyPr/>
-          <a:lstStyle/>
-          <a:p>
-            <a:pPr lvl="0"/>
-            <a:r>
-              <a:rPr lang="fr-FR" smtClean="0"/>
-              <a:t>Cliquez pour modifier les styles du texte du masque</a:t>
-            </a:r>
-          </a:p>
-          <a:p>
-            <a:pPr lvl="1"/>
-            <a:r>
-              <a:rPr lang="fr-FR" smtClean="0"/>
-              <a:t>Deuxième niveau</a:t>
-            </a:r>
-          </a:p>
-          <a:p>
-            <a:pPr lvl="2"/>
-            <a:r>
-              <a:rPr lang="fr-FR" smtClean="0"/>
-              <a:t>Troisième niveau</a:t>
-            </a:r>
-          </a:p>
-          <a:p>
-            <a:pPr lvl="3"/>
-            <a:r>
-              <a:rPr lang="fr-FR" smtClean="0"/>
-              <a:t>Quatrième niveau</a:t>
-            </a:r>
-          </a:p>
-          <a:p>
-            <a:pPr lvl="4"/>
-            <a:r>
-              <a:rPr lang="fr-FR" smtClean="0"/>
-              <a:t>Cinquième niveau</a:t>
-            </a:r>
-            <a:endParaRPr lang="fr-FR" dirty="0"/>
-          </a:p>
-        </p:txBody>
-      </p:sp>
-      <p:sp>
-        <p:nvSpPr>
-          <p:cNvPr id="5" name="Espace réservé du pied de page 4"/>
-          <p:cNvSpPr>
-            <a:spLocks noGrp="1"/>
-          </p:cNvSpPr>
-          <p:nvPr>
-            <p:ph type="ftr" sz="quarter" idx="11"/>
-          </p:nvPr>
-        </p:nvSpPr>
-        <p:spPr>
-          <a:xfrm>
-            <a:off x="3124200" y="4767263"/>
-            <a:ext cx="2895600" cy="273844"/>
-          </a:xfrm>
-          <a:prstGeom prst="rect">
-            <a:avLst/>
-          </a:prstGeom>
-        </p:spPr>
-        <p:txBody>
-          <a:bodyPr/>
-          <a:lstStyle>
-            <a:lvl1pPr>
-              <a:defRPr>
-                <a:solidFill>
-                  <a:schemeClr val="bg2">
-                    <a:lumMod val="95000"/>
-                  </a:schemeClr>
-                </a:solidFill>
-              </a:defRPr>
-            </a:lvl1pPr>
-          </a:lstStyle>
-          <a:p>
-            <a:endParaRPr lang="fr-FR" dirty="0"/>
-          </a:p>
-        </p:txBody>
-      </p:sp>
-      <p:sp>
-        <p:nvSpPr>
-          <p:cNvPr id="6" name="Espace réservé du numéro de diapositive 5"/>
-          <p:cNvSpPr>
-            <a:spLocks noGrp="1"/>
-          </p:cNvSpPr>
-          <p:nvPr>
-            <p:ph type="sldNum" sz="quarter" idx="12"/>
-          </p:nvPr>
-        </p:nvSpPr>
-        <p:spPr>
-          <a:xfrm>
-            <a:off x="6553200" y="4767263"/>
-            <a:ext cx="2133600" cy="273844"/>
-          </a:xfrm>
-          <a:prstGeom prst="rect">
-            <a:avLst/>
-          </a:prstGeom>
-        </p:spPr>
-        <p:txBody>
-          <a:bodyPr/>
-          <a:lstStyle>
-            <a:lvl1pPr>
-              <a:defRPr>
-                <a:solidFill>
-                  <a:schemeClr val="bg2">
-                    <a:lumMod val="95000"/>
-                  </a:schemeClr>
-                </a:solidFill>
-              </a:defRPr>
-            </a:lvl1pPr>
-          </a:lstStyle>
-          <a:p>
-            <a:fld id="{769010CA-4658-4B99-B28D-BFB1080CF00A}" type="slidenum">
-              <a:rPr lang="fr-FR" smtClean="0"/>
-              <a:pPr/>
-              <a:t>‹#›</a:t>
-            </a:fld>
-            <a:endParaRPr lang="fr-FR"/>
-          </a:p>
-        </p:txBody>
-      </p:sp>
-      <p:sp>
-        <p:nvSpPr>
-          <p:cNvPr id="9" name="Titre 1"/>
-          <p:cNvSpPr>
-            <a:spLocks noGrp="1"/>
-          </p:cNvSpPr>
-          <p:nvPr>
-            <p:ph type="title" hasCustomPrompt="1"/>
-          </p:nvPr>
-        </p:nvSpPr>
-        <p:spPr>
-          <a:xfrm>
-            <a:off x="1403648" y="259984"/>
-            <a:ext cx="7283152" cy="313544"/>
-          </a:xfrm>
-        </p:spPr>
-        <p:txBody>
-          <a:bodyPr/>
-          <a:lstStyle/>
-          <a:p>
-            <a:r>
-              <a:rPr lang="fr-FR" dirty="0" smtClean="0"/>
-              <a:t>CLIQUEZ POUR MODIFIER LE STYLE DU TITRE</a:t>
-            </a:r>
-            <a:endParaRPr lang="fr-FR" dirty="0"/>
-          </a:p>
-        </p:txBody>
-      </p:sp>
-    </p:spTree>
-    <p:extLst>
-      <p:ext uri="{BB962C8B-B14F-4D97-AF65-F5344CB8AC3E}">
-        <p14:creationId xmlns:p14="http://schemas.microsoft.com/office/powerpoint/2010/main" val="1475126922"/>
-      </p:ext>
-    </p:extLst>
-  </p:cSld>
-  <p:clrMapOvr>
-    <a:masterClrMapping/>
-  </p:clrMapOvr>
-</p:sldLayout>
-</file>
-
 <file path=ppt/slideLayouts/slideLayout5.xml><?xml version="1.0" encoding="utf-8"?>
-<p:sldLayout xmlns:a="http://schemas.openxmlformats.org/drawingml/2006/main" xmlns:r="http://schemas.openxmlformats.org/officeDocument/2006/relationships" xmlns:p="http://schemas.openxmlformats.org/presentationml/2006/main" userDrawn="1">
-  <p:cSld name="SLIDE SIMPLE">
-    <p:spTree>
-      <p:nvGrpSpPr>
-        <p:cNvPr id="1" name=""/>
-        <p:cNvGrpSpPr/>
-        <p:nvPr/>
-      </p:nvGrpSpPr>
-      <p:grpSpPr>
-        <a:xfrm>
-          <a:off x="0" y="0"/>
-          <a:ext cx="0" cy="0"/>
-          <a:chOff x="0" y="0"/>
-          <a:chExt cx="0" cy="0"/>
-        </a:xfrm>
-      </p:grpSpPr>
-      <p:pic>
-        <p:nvPicPr>
-          <p:cNvPr id="6146" name="Picture 2" descr="C:\Users\mbo\Google Drive\Performance User Group\Crea\Entete.png"/>
-          <p:cNvPicPr>
-            <a:picLocks noChangeAspect="1" noChangeArrowheads="1"/>
-          </p:cNvPicPr>
-          <p:nvPr userDrawn="1"/>
-        </p:nvPicPr>
-        <p:blipFill>
-          <a:blip r:embed="rId2" cstate="print"/>
-          <a:srcRect/>
-          <a:stretch>
-            <a:fillRect/>
-          </a:stretch>
-        </p:blipFill>
-        <p:spPr bwMode="auto">
-          <a:xfrm>
-            <a:off x="-19050" y="0"/>
-            <a:ext cx="9163051" cy="835820"/>
-          </a:xfrm>
-          <a:prstGeom prst="rect">
-            <a:avLst/>
-          </a:prstGeom>
-          <a:noFill/>
-        </p:spPr>
-      </p:pic>
-      <p:sp>
-        <p:nvSpPr>
-          <p:cNvPr id="3" name="Espace réservé du contenu 2"/>
-          <p:cNvSpPr>
-            <a:spLocks noGrp="1"/>
-          </p:cNvSpPr>
-          <p:nvPr>
-            <p:ph idx="1"/>
-          </p:nvPr>
-        </p:nvSpPr>
-        <p:spPr>
-          <a:xfrm>
-            <a:off x="304800" y="857250"/>
-            <a:ext cx="8458200" cy="3943350"/>
-          </a:xfrm>
-        </p:spPr>
-        <p:txBody>
-          <a:bodyPr/>
-          <a:lstStyle>
-            <a:lvl1pPr marL="342900" marR="0" indent="-342900" algn="l" defTabSz="914400" rtl="0" eaLnBrk="1" fontAlgn="base" latinLnBrk="0" hangingPunct="1">
-              <a:lnSpc>
-                <a:spcPct val="100000"/>
-              </a:lnSpc>
-              <a:spcBef>
-                <a:spcPct val="20000"/>
-              </a:spcBef>
-              <a:spcAft>
-                <a:spcPct val="0"/>
-              </a:spcAft>
-              <a:buClr>
-                <a:srgbClr val="14448A"/>
-              </a:buClr>
-              <a:buSzPct val="120000"/>
-              <a:buFont typeface="Wingdings" pitchFamily="-106" charset="2"/>
-              <a:buChar char="§"/>
-              <a:tabLst/>
-              <a:defRPr>
-                <a:solidFill>
-                  <a:schemeClr val="tx1"/>
-                </a:solidFill>
-                <a:latin typeface="Calibri"/>
-                <a:cs typeface="Calibri"/>
-              </a:defRPr>
-            </a:lvl1pPr>
-            <a:lvl2pPr marL="742950" marR="0" indent="-285750" algn="l" defTabSz="914400" rtl="0" eaLnBrk="1" fontAlgn="base" latinLnBrk="0" hangingPunct="1">
-              <a:lnSpc>
-                <a:spcPct val="100000"/>
-              </a:lnSpc>
-              <a:spcBef>
-                <a:spcPct val="20000"/>
-              </a:spcBef>
-              <a:spcAft>
-                <a:spcPct val="0"/>
-              </a:spcAft>
-              <a:buClr>
-                <a:srgbClr val="B9DAE8"/>
-              </a:buClr>
-              <a:buSzTx/>
-              <a:buFont typeface="Wingdings" pitchFamily="-106" charset="2"/>
-              <a:buChar char="§"/>
-              <a:tabLst/>
-              <a:defRPr>
-                <a:solidFill>
-                  <a:schemeClr val="tx1"/>
-                </a:solidFill>
-                <a:latin typeface="Calibri"/>
-                <a:cs typeface="Calibri"/>
-              </a:defRPr>
-            </a:lvl2pPr>
-            <a:lvl3pPr marL="1143000" marR="0" indent="-228600" algn="l" defTabSz="914400" rtl="0" eaLnBrk="1" fontAlgn="base" latinLnBrk="0" hangingPunct="1">
-              <a:lnSpc>
-                <a:spcPct val="100000"/>
-              </a:lnSpc>
-              <a:spcBef>
-                <a:spcPct val="20000"/>
-              </a:spcBef>
-              <a:spcAft>
-                <a:spcPct val="0"/>
-              </a:spcAft>
-              <a:buClr>
-                <a:srgbClr val="B9DAE8"/>
-              </a:buClr>
-              <a:buSzTx/>
-              <a:buFontTx/>
-              <a:buChar char="•"/>
-              <a:tabLst/>
-              <a:defRPr>
-                <a:solidFill>
-                  <a:schemeClr val="tx1"/>
-                </a:solidFill>
-                <a:latin typeface="Calibri"/>
-                <a:cs typeface="Calibri"/>
-              </a:defRPr>
-            </a:lvl3pPr>
-            <a:lvl4pPr marL="1562100" marR="0" indent="-228600" algn="l" defTabSz="914400" rtl="0" eaLnBrk="1" fontAlgn="base" latinLnBrk="0" hangingPunct="1">
-              <a:lnSpc>
-                <a:spcPct val="100000"/>
-              </a:lnSpc>
-              <a:spcBef>
-                <a:spcPct val="20000"/>
-              </a:spcBef>
-              <a:spcAft>
-                <a:spcPct val="0"/>
-              </a:spcAft>
-              <a:buClrTx/>
-              <a:buSzTx/>
-              <a:buFontTx/>
-              <a:buChar char="–"/>
-              <a:tabLst/>
-              <a:defRPr>
-                <a:solidFill>
-                  <a:schemeClr val="tx1"/>
-                </a:solidFill>
-                <a:latin typeface="Calibri"/>
-                <a:cs typeface="Calibri"/>
-              </a:defRPr>
-            </a:lvl4pPr>
-            <a:lvl5pPr marL="1981200" marR="0" indent="-228600" algn="l" defTabSz="914400" rtl="0" eaLnBrk="1" fontAlgn="base" latinLnBrk="0" hangingPunct="1">
-              <a:lnSpc>
-                <a:spcPct val="100000"/>
-              </a:lnSpc>
-              <a:spcBef>
-                <a:spcPct val="20000"/>
-              </a:spcBef>
-              <a:spcAft>
-                <a:spcPct val="0"/>
-              </a:spcAft>
-              <a:buClrTx/>
-              <a:buSzTx/>
-              <a:buFontTx/>
-              <a:buNone/>
-              <a:tabLst/>
-              <a:defRPr>
-                <a:solidFill>
-                  <a:schemeClr val="tx1"/>
-                </a:solidFill>
-                <a:latin typeface="Calibri"/>
-                <a:cs typeface="Calibri"/>
-              </a:defRPr>
-            </a:lvl5pPr>
-          </a:lstStyle>
-          <a:p>
-            <a:pPr marL="342900" marR="0" lvl="0" indent="-342900" algn="l" defTabSz="914400" rtl="0" eaLnBrk="1" fontAlgn="base" latinLnBrk="0" hangingPunct="1">
-              <a:lnSpc>
-                <a:spcPct val="100000"/>
-              </a:lnSpc>
-              <a:spcBef>
-                <a:spcPct val="20000"/>
-              </a:spcBef>
-              <a:spcAft>
-                <a:spcPct val="0"/>
-              </a:spcAft>
-              <a:buClr>
-                <a:srgbClr val="14448A"/>
-              </a:buClr>
-              <a:buSzPct val="120000"/>
-              <a:buFont typeface="Wingdings" pitchFamily="-106" charset="2"/>
-              <a:buChar char="§"/>
-              <a:tabLst/>
-              <a:defRPr/>
-            </a:pPr>
-            <a:r>
-              <a:rPr kumimoji="0" lang="fr-FR" sz="2400" b="0" i="0" u="none" strike="noStrike" kern="0" cap="none" spc="0" normalizeH="0" baseline="0" noProof="0" dirty="0" smtClean="0">
-                <a:ln>
-                  <a:noFill/>
-                </a:ln>
-                <a:solidFill>
-                  <a:srgbClr val="14448A"/>
-                </a:solidFill>
-                <a:effectLst/>
-                <a:uLnTx/>
-                <a:uFillTx/>
-                <a:latin typeface="+mn-lt"/>
-                <a:ea typeface="+mn-ea"/>
-                <a:cs typeface="+mn-cs"/>
-              </a:rPr>
-              <a:t>Cliquez pour modifier les styles du texte du masque</a:t>
-            </a:r>
-          </a:p>
-          <a:p>
-            <a:pPr marL="342900" marR="0" lvl="1" indent="-342900" algn="l" defTabSz="914400" rtl="0" eaLnBrk="1" fontAlgn="base" latinLnBrk="0" hangingPunct="1">
-              <a:lnSpc>
-                <a:spcPct val="100000"/>
-              </a:lnSpc>
-              <a:spcBef>
-                <a:spcPct val="20000"/>
-              </a:spcBef>
-              <a:spcAft>
-                <a:spcPct val="0"/>
-              </a:spcAft>
-              <a:buClr>
-                <a:srgbClr val="14448A"/>
-              </a:buClr>
-              <a:buSzPct val="120000"/>
-              <a:buFont typeface="Wingdings" pitchFamily="-106" charset="2"/>
-              <a:buChar char="§"/>
-              <a:tabLst/>
-              <a:defRPr/>
-            </a:pPr>
-            <a:r>
-              <a:rPr kumimoji="0" lang="fr-FR" sz="2400" b="0" i="0" u="none" strike="noStrike" kern="0" cap="none" spc="0" normalizeH="0" baseline="0" noProof="0" dirty="0" smtClean="0">
-                <a:ln>
-                  <a:noFill/>
-                </a:ln>
-                <a:solidFill>
-                  <a:srgbClr val="14448A"/>
-                </a:solidFill>
-                <a:effectLst/>
-                <a:uLnTx/>
-                <a:uFillTx/>
-                <a:latin typeface="+mn-lt"/>
-                <a:ea typeface="+mn-ea"/>
-                <a:cs typeface="+mn-cs"/>
-              </a:rPr>
-              <a:t>Deuxième niveau</a:t>
-            </a:r>
-          </a:p>
-          <a:p>
-            <a:pPr marL="342900" marR="0" lvl="2" indent="-342900" algn="l" defTabSz="914400" rtl="0" eaLnBrk="1" fontAlgn="base" latinLnBrk="0" hangingPunct="1">
-              <a:lnSpc>
-                <a:spcPct val="100000"/>
-              </a:lnSpc>
-              <a:spcBef>
-                <a:spcPct val="20000"/>
-              </a:spcBef>
-              <a:spcAft>
-                <a:spcPct val="0"/>
-              </a:spcAft>
-              <a:buClr>
-                <a:srgbClr val="14448A"/>
-              </a:buClr>
-              <a:buSzPct val="120000"/>
-              <a:buFont typeface="Wingdings" pitchFamily="-106" charset="2"/>
-              <a:buChar char="§"/>
-              <a:tabLst/>
-              <a:defRPr/>
-            </a:pPr>
-            <a:r>
-              <a:rPr kumimoji="0" lang="fr-FR" sz="2400" b="0" i="0" u="none" strike="noStrike" kern="0" cap="none" spc="0" normalizeH="0" baseline="0" noProof="0" dirty="0" smtClean="0">
-                <a:ln>
-                  <a:noFill/>
-                </a:ln>
-                <a:solidFill>
-                  <a:srgbClr val="14448A"/>
-                </a:solidFill>
-                <a:effectLst/>
-                <a:uLnTx/>
-                <a:uFillTx/>
-                <a:latin typeface="+mn-lt"/>
-                <a:ea typeface="+mn-ea"/>
-                <a:cs typeface="+mn-cs"/>
-              </a:rPr>
-              <a:t>Troisième niveau</a:t>
-            </a:r>
-          </a:p>
-          <a:p>
-            <a:pPr marL="342900" marR="0" lvl="3" indent="-342900" algn="l" defTabSz="914400" rtl="0" eaLnBrk="1" fontAlgn="base" latinLnBrk="0" hangingPunct="1">
-              <a:lnSpc>
-                <a:spcPct val="100000"/>
-              </a:lnSpc>
-              <a:spcBef>
-                <a:spcPct val="20000"/>
-              </a:spcBef>
-              <a:spcAft>
-                <a:spcPct val="0"/>
-              </a:spcAft>
-              <a:buClr>
-                <a:srgbClr val="14448A"/>
-              </a:buClr>
-              <a:buSzPct val="120000"/>
-              <a:buFont typeface="Wingdings" pitchFamily="-106" charset="2"/>
-              <a:buChar char="§"/>
-              <a:tabLst/>
-              <a:defRPr/>
-            </a:pPr>
-            <a:r>
-              <a:rPr kumimoji="0" lang="fr-FR" sz="2400" b="0" i="0" u="none" strike="noStrike" kern="0" cap="none" spc="0" normalizeH="0" baseline="0" noProof="0" dirty="0" smtClean="0">
-                <a:ln>
-                  <a:noFill/>
-                </a:ln>
-                <a:solidFill>
-                  <a:srgbClr val="14448A"/>
-                </a:solidFill>
-                <a:effectLst/>
-                <a:uLnTx/>
-                <a:uFillTx/>
-                <a:latin typeface="+mn-lt"/>
-                <a:ea typeface="+mn-ea"/>
-                <a:cs typeface="+mn-cs"/>
-              </a:rPr>
-              <a:t>Quatrième niveau</a:t>
-            </a:r>
-          </a:p>
-          <a:p>
-            <a:pPr marL="342900" marR="0" lvl="4" indent="-342900" algn="l" defTabSz="914400" rtl="0" eaLnBrk="1" fontAlgn="base" latinLnBrk="0" hangingPunct="1">
-              <a:lnSpc>
-                <a:spcPct val="100000"/>
-              </a:lnSpc>
-              <a:spcBef>
-                <a:spcPct val="20000"/>
-              </a:spcBef>
-              <a:spcAft>
-                <a:spcPct val="0"/>
-              </a:spcAft>
-              <a:buClr>
-                <a:srgbClr val="14448A"/>
-              </a:buClr>
-              <a:buSzPct val="120000"/>
-              <a:buFont typeface="Wingdings" pitchFamily="-106" charset="2"/>
-              <a:buChar char="§"/>
-              <a:tabLst/>
-              <a:defRPr/>
-            </a:pPr>
-            <a:r>
-              <a:rPr kumimoji="0" lang="fr-FR" sz="2400" b="0" i="0" u="none" strike="noStrike" kern="0" cap="none" spc="0" normalizeH="0" baseline="0" noProof="0" dirty="0" smtClean="0">
-                <a:ln>
-                  <a:noFill/>
-                </a:ln>
-                <a:solidFill>
-                  <a:srgbClr val="14448A"/>
-                </a:solidFill>
-                <a:effectLst/>
-                <a:uLnTx/>
-                <a:uFillTx/>
-                <a:latin typeface="+mn-lt"/>
-                <a:ea typeface="+mn-ea"/>
-                <a:cs typeface="+mn-cs"/>
-              </a:rPr>
-              <a:t>Cinquième niveau</a:t>
-            </a:r>
-            <a:endParaRPr kumimoji="0" lang="fr-FR" sz="1800" b="0" i="0" u="none" strike="noStrike" kern="0" cap="none" spc="0" normalizeH="0" baseline="0" noProof="0" dirty="0">
-              <a:ln>
-                <a:noFill/>
-              </a:ln>
-              <a:solidFill>
-                <a:srgbClr val="000000"/>
-              </a:solidFill>
-              <a:effectLst/>
-              <a:uLnTx/>
-              <a:uFillTx/>
-              <a:latin typeface="+mn-lt"/>
-              <a:ea typeface="ＭＳ Ｐゴシック" pitchFamily="-106" charset="-128"/>
-            </a:endParaRPr>
-          </a:p>
-        </p:txBody>
-      </p:sp>
-      <p:sp>
-        <p:nvSpPr>
-          <p:cNvPr id="8" name="Titre 1"/>
-          <p:cNvSpPr>
-            <a:spLocks noGrp="1"/>
-          </p:cNvSpPr>
-          <p:nvPr>
-            <p:ph type="title" hasCustomPrompt="1"/>
-          </p:nvPr>
-        </p:nvSpPr>
-        <p:spPr>
-          <a:xfrm>
-            <a:off x="1403648" y="259984"/>
-            <a:ext cx="7283152" cy="313544"/>
-          </a:xfrm>
-        </p:spPr>
-        <p:txBody>
-          <a:bodyPr/>
-          <a:lstStyle/>
-          <a:p>
-            <a:r>
-              <a:rPr lang="fr-FR" dirty="0" smtClean="0"/>
-              <a:t>CLIQUEZ POUR MODIFIER LE STYLE DU TITRE</a:t>
-            </a:r>
-            <a:endParaRPr lang="fr-FR" dirty="0"/>
-          </a:p>
-        </p:txBody>
-      </p:sp>
-      <p:sp>
-        <p:nvSpPr>
-          <p:cNvPr id="10" name="Espace réservé du pied de page 4"/>
-          <p:cNvSpPr>
-            <a:spLocks noGrp="1"/>
-          </p:cNvSpPr>
-          <p:nvPr>
-            <p:ph type="ftr" sz="quarter" idx="11"/>
-          </p:nvPr>
-        </p:nvSpPr>
-        <p:spPr>
-          <a:xfrm>
-            <a:off x="3124200" y="4767263"/>
-            <a:ext cx="2895600" cy="273844"/>
-          </a:xfrm>
-          <a:prstGeom prst="rect">
-            <a:avLst/>
-          </a:prstGeom>
-        </p:spPr>
-        <p:txBody>
-          <a:bodyPr/>
-          <a:lstStyle/>
-          <a:p>
-            <a:endParaRPr lang="fr-FR"/>
-          </a:p>
-        </p:txBody>
-      </p:sp>
-      <p:sp>
-        <p:nvSpPr>
-          <p:cNvPr id="11" name="Espace réservé du numéro de diapositive 5"/>
-          <p:cNvSpPr>
-            <a:spLocks noGrp="1"/>
-          </p:cNvSpPr>
-          <p:nvPr>
-            <p:ph type="sldNum" sz="quarter" idx="12"/>
-          </p:nvPr>
-        </p:nvSpPr>
-        <p:spPr>
-          <a:xfrm>
-            <a:off x="6553200" y="4767263"/>
-            <a:ext cx="2133600" cy="273844"/>
-          </a:xfrm>
-          <a:prstGeom prst="rect">
-            <a:avLst/>
-          </a:prstGeom>
-        </p:spPr>
-        <p:txBody>
-          <a:bodyPr/>
-          <a:lstStyle/>
-          <a:p>
-            <a:fld id="{769010CA-4658-4B99-B28D-BFB1080CF00A}" type="slidenum">
-              <a:rPr lang="fr-FR" smtClean="0"/>
-              <a:pPr/>
-              <a:t>‹#›</a:t>
-            </a:fld>
-            <a:endParaRPr lang="fr-FR"/>
-          </a:p>
-        </p:txBody>
-      </p:sp>
-    </p:spTree>
-    <p:extLst>
-      <p:ext uri="{BB962C8B-B14F-4D97-AF65-F5344CB8AC3E}">
-        <p14:creationId xmlns:p14="http://schemas.microsoft.com/office/powerpoint/2010/main" val="953801419"/>
-      </p:ext>
-    </p:extLst>
-  </p:cSld>
-  <p:clrMapOvr>
-    <a:masterClrMapping/>
-  </p:clrMapOvr>
-</p:sldLayout>
-</file>
-
-<file path=ppt/slideLayouts/slideLayout6.xml><?xml version="1.0" encoding="utf-8"?>
 <p:sldLayout xmlns:a="http://schemas.openxmlformats.org/drawingml/2006/main" xmlns:r="http://schemas.openxmlformats.org/officeDocument/2006/relationships" xmlns:p="http://schemas.openxmlformats.org/presentationml/2006/main" type="blank">
   <p:cSld name="Vide">
     <p:spTree>
@@ -20027,10 +20370,17 @@
   <p:clrMapOvr>
     <a:masterClrMapping/>
   </p:clrMapOvr>
+  <p:timing>
+    <p:tnLst>
+      <p:par>
+        <p:cTn id="1" dur="indefinite" restart="never" nodeType="tmRoot"/>
+      </p:par>
+    </p:tnLst>
+  </p:timing>
 </p:sldLayout>
 </file>
 
-<file path=ppt/slideLayouts/slideLayout7.xml><?xml version="1.0" encoding="utf-8"?>
+<file path=ppt/slideLayouts/slideLayout6.xml><?xml version="1.0" encoding="utf-8"?>
 <p:sldLayout xmlns:a="http://schemas.openxmlformats.org/drawingml/2006/main" xmlns:r="http://schemas.openxmlformats.org/officeDocument/2006/relationships" xmlns:p="http://schemas.openxmlformats.org/presentationml/2006/main">
   <p:cSld name="1_Disposition personnalisée">
     <p:spTree>
@@ -20153,7 +20503,7 @@
               </a14:hiddenLine>
             </a:ext>
             <a:ext uri="{FAA26D3D-D897-4be2-8F04-BA451C77F1D7}">
-              <ma14:placeholderFlag xmlns:ma14="http://schemas.microsoft.com/office/mac/drawingml/2011/main" xmlns="" val="1"/>
+              <ma14:placeholderFlag xmlns="" xmlns:ma14="http://schemas.microsoft.com/office/mac/drawingml/2011/main" val="1"/>
             </a:ext>
           </a:extLst>
         </p:spPr>
@@ -20235,7 +20585,7 @@
               </a14:hiddenLine>
             </a:ext>
             <a:ext uri="{FAA26D3D-D897-4be2-8F04-BA451C77F1D7}">
-              <ma14:placeholderFlag xmlns:ma14="http://schemas.microsoft.com/office/mac/drawingml/2011/main" xmlns="" val="1"/>
+              <ma14:placeholderFlag xmlns="" xmlns:ma14="http://schemas.microsoft.com/office/mac/drawingml/2011/main" val="1"/>
             </a:ext>
           </a:extLst>
         </p:spPr>
@@ -20393,11 +20743,10 @@
   <p:sldLayoutIdLst>
     <p:sldLayoutId id="2147483733" r:id="rId1"/>
     <p:sldLayoutId id="2147483721" r:id="rId2"/>
-    <p:sldLayoutId id="2147483731" r:id="rId3"/>
-    <p:sldLayoutId id="2147483734" r:id="rId4"/>
-    <p:sldLayoutId id="2147483735" r:id="rId5"/>
-    <p:sldLayoutId id="2147483736" r:id="rId6"/>
-    <p:sldLayoutId id="2147483737" r:id="rId7"/>
+    <p:sldLayoutId id="2147483738" r:id="rId3"/>
+    <p:sldLayoutId id="2147483731" r:id="rId4"/>
+    <p:sldLayoutId id="2147483736" r:id="rId5"/>
+    <p:sldLayoutId id="2147483737" r:id="rId6"/>
   </p:sldLayoutIdLst>
   <p:timing>
     <p:tnLst>
@@ -20559,7 +20908,7 @@
         </a:buClr>
         <a:buSzPct val="100000"/>
         <a:buBlip>
-          <a:blip r:embed="rId9"/>
+          <a:blip r:embed="rId8"/>
         </a:buBlip>
         <a:defRPr sz="2000">
           <a:solidFill>
@@ -20579,7 +20928,7 @@
         </a:spcAft>
         <a:buSzPct val="100000"/>
         <a:buBlip>
-          <a:blip r:embed="rId10"/>
+          <a:blip r:embed="rId9"/>
         </a:buBlip>
         <a:defRPr>
           <a:solidFill>
@@ -20598,7 +20947,7 @@
         </a:spcAft>
         <a:buSzPct val="100000"/>
         <a:buBlip>
-          <a:blip r:embed="rId11"/>
+          <a:blip r:embed="rId10"/>
         </a:buBlip>
         <a:defRPr sz="1600">
           <a:solidFill>
@@ -20617,7 +20966,7 @@
         </a:spcAft>
         <a:buSzPct val="100000"/>
         <a:buBlip>
-          <a:blip r:embed="rId12"/>
+          <a:blip r:embed="rId11"/>
         </a:buBlip>
         <a:defRPr sz="1400">
           <a:solidFill>
@@ -20895,368 +21244,6 @@
         </p:nvSpPr>
         <p:spPr>
           <a:xfrm>
-            <a:off x="468315" y="914400"/>
-            <a:ext cx="3923158" cy="2305421"/>
-          </a:xfrm>
-        </p:spPr>
-        <p:txBody>
-          <a:bodyPr/>
-          <a:lstStyle/>
-          <a:p>
-            <a:pPr marL="0" indent="0">
-              <a:buNone/>
-            </a:pPr>
-            <a:r>
-              <a:rPr lang="fr-FR" sz="2800" dirty="0" smtClean="0"/>
-              <a:t>Les </a:t>
-            </a:r>
-            <a:r>
-              <a:rPr lang="fr-FR" sz="2800" dirty="0" smtClean="0">
-                <a:solidFill>
-                  <a:schemeClr val="accent1"/>
-                </a:solidFill>
-              </a:rPr>
-              <a:t>performances</a:t>
-            </a:r>
-            <a:r>
-              <a:rPr lang="fr-FR" sz="2800" dirty="0" smtClean="0"/>
-              <a:t> d’un système sont une spécification fonctionnelle implicite du système </a:t>
-            </a:r>
-            <a:endParaRPr lang="fr-FR" sz="2800" dirty="0"/>
-          </a:p>
-        </p:txBody>
-      </p:sp>
-      <p:sp>
-        <p:nvSpPr>
-          <p:cNvPr id="3" name="Titre 2"/>
-          <p:cNvSpPr>
-            <a:spLocks noGrp="1"/>
-          </p:cNvSpPr>
-          <p:nvPr>
-            <p:ph type="title"/>
-          </p:nvPr>
-        </p:nvSpPr>
-        <p:spPr/>
-        <p:txBody>
-          <a:bodyPr/>
-          <a:lstStyle/>
-          <a:p>
-            <a:r>
-              <a:rPr lang="fr-FR" sz="1800" dirty="0" smtClean="0"/>
-              <a:t>NOTRE VISION ?</a:t>
-            </a:r>
-            <a:endParaRPr lang="fr-FR" sz="1800" dirty="0"/>
-          </a:p>
-        </p:txBody>
-      </p:sp>
-      <p:pic>
-        <p:nvPicPr>
-          <p:cNvPr id="1026" name="Picture 2" descr="http://www.arthursclipart.org/people/people/waiting.gif"/>
-          <p:cNvPicPr>
-            <a:picLocks noChangeAspect="1" noChangeArrowheads="1"/>
-          </p:cNvPicPr>
-          <p:nvPr/>
-        </p:nvPicPr>
-        <p:blipFill>
-          <a:blip r:embed="rId3" cstate="print">
-            <a:clrChange>
-              <a:clrFrom>
-                <a:srgbClr val="FFFFFF"/>
-              </a:clrFrom>
-              <a:clrTo>
-                <a:srgbClr val="FFFFFF">
-                  <a:alpha val="0"/>
-                </a:srgbClr>
-              </a:clrTo>
-            </a:clrChange>
-          </a:blip>
-          <a:srcRect/>
-          <a:stretch>
-            <a:fillRect/>
-          </a:stretch>
-        </p:blipFill>
-        <p:spPr bwMode="auto">
-          <a:xfrm>
-            <a:off x="4391472" y="843558"/>
-            <a:ext cx="4752528" cy="3330482"/>
-          </a:xfrm>
-          <a:prstGeom prst="rect">
-            <a:avLst/>
-          </a:prstGeom>
-          <a:noFill/>
-        </p:spPr>
-      </p:pic>
-      <p:sp>
-        <p:nvSpPr>
-          <p:cNvPr id="12" name="ZoneTexte 11"/>
-          <p:cNvSpPr txBox="1"/>
-          <p:nvPr/>
-        </p:nvSpPr>
-        <p:spPr>
-          <a:xfrm>
-            <a:off x="5364088" y="4146199"/>
-            <a:ext cx="2317814" cy="276999"/>
-          </a:xfrm>
-          <a:prstGeom prst="rect">
-            <a:avLst/>
-          </a:prstGeom>
-          <a:noFill/>
-        </p:spPr>
-        <p:txBody>
-          <a:bodyPr wrap="none" rtlCol="0">
-            <a:spAutoFit/>
-          </a:bodyPr>
-          <a:lstStyle/>
-          <a:p>
-            <a:r>
-              <a:rPr lang="fr-FR" sz="1200" dirty="0" smtClean="0">
-                <a:solidFill>
-                  <a:schemeClr val="tx2">
-                    <a:lumMod val="65000"/>
-                    <a:lumOff val="35000"/>
-                  </a:schemeClr>
-                </a:solidFill>
-                <a:latin typeface="Arial"/>
-              </a:rPr>
-              <a:t>Source : www.arthursclipart.org</a:t>
-            </a:r>
-          </a:p>
-        </p:txBody>
-      </p:sp>
-    </p:spTree>
-    <p:extLst>
-      <p:ext uri="{BB962C8B-B14F-4D97-AF65-F5344CB8AC3E}">
-        <p14:creationId xmlns:p14="http://schemas.microsoft.com/office/powerpoint/2010/main" val="1223445855"/>
-      </p:ext>
-    </p:extLst>
-  </p:cSld>
-  <p:clrMapOvr>
-    <a:masterClrMapping/>
-  </p:clrMapOvr>
-  <p:transition advTm="18240"/>
-  <p:timing>
-    <p:tnLst>
-      <p:par>
-        <p:cTn id="1" dur="indefinite" restart="never" nodeType="tmRoot"/>
-      </p:par>
-    </p:tnLst>
-  </p:timing>
-</p:sld>
-</file>
-
-<file path=ppt/slides/slide11.xml><?xml version="1.0" encoding="utf-8"?>
-<p:sld xmlns:a="http://schemas.openxmlformats.org/drawingml/2006/main" xmlns:r="http://schemas.openxmlformats.org/officeDocument/2006/relationships" xmlns:p="http://schemas.openxmlformats.org/presentationml/2006/main">
-  <p:cSld>
-    <p:spTree>
-      <p:nvGrpSpPr>
-        <p:cNvPr id="1" name=""/>
-        <p:cNvGrpSpPr/>
-        <p:nvPr/>
-      </p:nvGrpSpPr>
-      <p:grpSpPr>
-        <a:xfrm>
-          <a:off x="0" y="0"/>
-          <a:ext cx="0" cy="0"/>
-          <a:chOff x="0" y="0"/>
-          <a:chExt cx="0" cy="0"/>
-        </a:xfrm>
-      </p:grpSpPr>
-      <p:sp>
-        <p:nvSpPr>
-          <p:cNvPr id="2" name="Espace réservé du contenu 1"/>
-          <p:cNvSpPr>
-            <a:spLocks noGrp="1"/>
-          </p:cNvSpPr>
-          <p:nvPr>
-            <p:ph idx="1"/>
-          </p:nvPr>
-        </p:nvSpPr>
-        <p:spPr>
-          <a:xfrm>
-            <a:off x="468315" y="914400"/>
-            <a:ext cx="4535734" cy="3601641"/>
-          </a:xfrm>
-        </p:spPr>
-        <p:txBody>
-          <a:bodyPr/>
-          <a:lstStyle/>
-          <a:p>
-            <a:pPr marL="0" indent="0">
-              <a:buNone/>
-            </a:pPr>
-            <a:r>
-              <a:rPr lang="fr-FR" sz="2800" dirty="0" smtClean="0"/>
-              <a:t>La </a:t>
-            </a:r>
-            <a:r>
-              <a:rPr lang="fr-FR" sz="2800" dirty="0" smtClean="0">
-                <a:solidFill>
-                  <a:schemeClr val="accent1"/>
-                </a:solidFill>
-              </a:rPr>
-              <a:t>mesure</a:t>
-            </a:r>
-            <a:r>
-              <a:rPr lang="fr-FR" sz="2800" dirty="0" smtClean="0"/>
-              <a:t> de performance doit être au cœur du processus de développement informatique</a:t>
-            </a:r>
-            <a:endParaRPr lang="fr-FR" sz="2800" dirty="0"/>
-          </a:p>
-        </p:txBody>
-      </p:sp>
-      <p:sp>
-        <p:nvSpPr>
-          <p:cNvPr id="3" name="Titre 2"/>
-          <p:cNvSpPr>
-            <a:spLocks noGrp="1"/>
-          </p:cNvSpPr>
-          <p:nvPr>
-            <p:ph type="title"/>
-          </p:nvPr>
-        </p:nvSpPr>
-        <p:spPr/>
-        <p:txBody>
-          <a:bodyPr/>
-          <a:lstStyle/>
-          <a:p>
-            <a:r>
-              <a:rPr lang="fr-FR" dirty="0" smtClean="0"/>
-              <a:t>NOTRE VISION ?</a:t>
-            </a:r>
-            <a:endParaRPr lang="fr-FR" dirty="0"/>
-          </a:p>
-        </p:txBody>
-      </p:sp>
-      <p:pic>
-        <p:nvPicPr>
-          <p:cNvPr id="51203" name="Picture 3"/>
-          <p:cNvPicPr>
-            <a:picLocks noChangeAspect="1" noChangeArrowheads="1"/>
-          </p:cNvPicPr>
-          <p:nvPr/>
-        </p:nvPicPr>
-        <p:blipFill>
-          <a:blip r:embed="rId3" cstate="print">
-            <a:clrChange>
-              <a:clrFrom>
-                <a:srgbClr val="FFFFFF"/>
-              </a:clrFrom>
-              <a:clrTo>
-                <a:srgbClr val="FFFFFF">
-                  <a:alpha val="0"/>
-                </a:srgbClr>
-              </a:clrTo>
-            </a:clrChange>
-          </a:blip>
-          <a:srcRect/>
-          <a:stretch>
-            <a:fillRect/>
-          </a:stretch>
-        </p:blipFill>
-        <p:spPr bwMode="auto">
-          <a:xfrm>
-            <a:off x="4842722" y="905839"/>
-            <a:ext cx="4301278" cy="3402378"/>
-          </a:xfrm>
-          <a:prstGeom prst="rect">
-            <a:avLst/>
-          </a:prstGeom>
-          <a:noFill/>
-          <a:ln w="9525">
-            <a:noFill/>
-            <a:miter lim="800000"/>
-            <a:headEnd/>
-            <a:tailEnd/>
-          </a:ln>
-        </p:spPr>
-      </p:pic>
-      <p:sp>
-        <p:nvSpPr>
-          <p:cNvPr id="10" name="ZoneTexte 9"/>
-          <p:cNvSpPr txBox="1"/>
-          <p:nvPr/>
-        </p:nvSpPr>
-        <p:spPr>
-          <a:xfrm>
-            <a:off x="7055769" y="4254211"/>
-            <a:ext cx="2119939" cy="276999"/>
-          </a:xfrm>
-          <a:prstGeom prst="rect">
-            <a:avLst/>
-          </a:prstGeom>
-          <a:noFill/>
-        </p:spPr>
-        <p:txBody>
-          <a:bodyPr wrap="none" rtlCol="0">
-            <a:spAutoFit/>
-          </a:bodyPr>
-          <a:lstStyle/>
-          <a:p>
-            <a:r>
-              <a:rPr lang="fr-FR" sz="1200" dirty="0" smtClean="0">
-                <a:solidFill>
-                  <a:schemeClr val="tx2">
-                    <a:lumMod val="65000"/>
-                    <a:lumOff val="35000"/>
-                  </a:schemeClr>
-                </a:solidFill>
-                <a:latin typeface="Arial"/>
-              </a:rPr>
-              <a:t>Source : Les géants du Web</a:t>
-            </a:r>
-          </a:p>
-        </p:txBody>
-      </p:sp>
-    </p:spTree>
-    <p:extLst>
-      <p:ext uri="{BB962C8B-B14F-4D97-AF65-F5344CB8AC3E}">
-        <p14:creationId xmlns:p14="http://schemas.microsoft.com/office/powerpoint/2010/main" val="1588220782"/>
-      </p:ext>
-    </p:extLst>
-  </p:cSld>
-  <p:clrMapOvr>
-    <a:masterClrMapping/>
-  </p:clrMapOvr>
-  <p:transition advTm="17790"/>
-  <p:timing>
-    <p:tnLst>
-      <p:par>
-        <p:cTn id="1" dur="indefinite" restart="never" nodeType="tmRoot"/>
-      </p:par>
-    </p:tnLst>
-  </p:timing>
-</p:sld>
-</file>
-
-<file path=ppt/slides/slide12.xml><?xml version="1.0" encoding="utf-8"?>
-<p:sld xmlns:a="http://schemas.openxmlformats.org/drawingml/2006/main" xmlns:r="http://schemas.openxmlformats.org/officeDocument/2006/relationships" xmlns:p="http://schemas.openxmlformats.org/presentationml/2006/main">
-  <p:cSld>
-    <p:spTree>
-      <p:nvGrpSpPr>
-        <p:cNvPr id="1" name=""/>
-        <p:cNvGrpSpPr/>
-        <p:nvPr/>
-      </p:nvGrpSpPr>
-      <p:grpSpPr>
-        <a:xfrm>
-          <a:off x="0" y="0"/>
-          <a:ext cx="0" cy="0"/>
-          <a:chOff x="0" y="0"/>
-          <a:chExt cx="0" cy="0"/>
-        </a:xfrm>
-      </p:grpSpPr>
-      <p:sp>
-        <p:nvSpPr>
-          <p:cNvPr id="2" name="Espace réservé du contenu 1"/>
-          <p:cNvSpPr>
-            <a:spLocks noGrp="1"/>
-          </p:cNvSpPr>
-          <p:nvPr>
-            <p:ph idx="1"/>
-          </p:nvPr>
-        </p:nvSpPr>
-        <p:spPr>
-          <a:xfrm>
             <a:off x="468315" y="1922512"/>
             <a:ext cx="5008084" cy="1009278"/>
           </a:xfrm>
@@ -21412,7 +21399,7 @@
 </p:sld>
 </file>
 
-<file path=ppt/slides/slide13.xml><?xml version="1.0" encoding="utf-8"?>
+<file path=ppt/slides/slide11.xml><?xml version="1.0" encoding="utf-8"?>
 <p:sld xmlns:a="http://schemas.openxmlformats.org/drawingml/2006/main" xmlns:r="http://schemas.openxmlformats.org/officeDocument/2006/relationships" xmlns:p="http://schemas.openxmlformats.org/presentationml/2006/main">
   <p:cSld>
     <p:spTree>
@@ -22462,7 +22449,7 @@
 </p:sld>
 </file>
 
-<file path=ppt/slides/slide14.xml><?xml version="1.0" encoding="utf-8"?>
+<file path=ppt/slides/slide12.xml><?xml version="1.0" encoding="utf-8"?>
 <p:sld xmlns:a="http://schemas.openxmlformats.org/drawingml/2006/main" xmlns:r="http://schemas.openxmlformats.org/officeDocument/2006/relationships" xmlns:p="http://schemas.openxmlformats.org/presentationml/2006/main">
   <p:cSld>
     <p:spTree>
@@ -26038,7 +26025,7 @@
 </p:sld>
 </file>
 
-<file path=ppt/slides/slide15.xml><?xml version="1.0" encoding="utf-8"?>
+<file path=ppt/slides/slide13.xml><?xml version="1.0" encoding="utf-8"?>
 <p:sld xmlns:a="http://schemas.openxmlformats.org/drawingml/2006/main" xmlns:r="http://schemas.openxmlformats.org/officeDocument/2006/relationships" xmlns:p="http://schemas.openxmlformats.org/presentationml/2006/main">
   <p:cSld>
     <p:spTree>
@@ -27366,7 +27353,7 @@
 </p:sld>
 </file>
 
-<file path=ppt/slides/slide16.xml><?xml version="1.0" encoding="utf-8"?>
+<file path=ppt/slides/slide14.xml><?xml version="1.0" encoding="utf-8"?>
 <p:sld xmlns:a="http://schemas.openxmlformats.org/drawingml/2006/main" xmlns:r="http://schemas.openxmlformats.org/officeDocument/2006/relationships" xmlns:p="http://schemas.openxmlformats.org/presentationml/2006/main">
   <p:cSld>
     <p:spTree>
@@ -27817,7 +27804,7 @@
 </p:sld>
 </file>
 
-<file path=ppt/slides/slide17.xml><?xml version="1.0" encoding="utf-8"?>
+<file path=ppt/slides/slide15.xml><?xml version="1.0" encoding="utf-8"?>
 <p:sld xmlns:a="http://schemas.openxmlformats.org/drawingml/2006/main" xmlns:r="http://schemas.openxmlformats.org/officeDocument/2006/relationships" xmlns:p="http://schemas.openxmlformats.org/presentationml/2006/main">
   <p:cSld>
     <p:spTree>
@@ -28209,7 +28196,7 @@
 </p:sld>
 </file>
 
-<file path=ppt/slides/slide18.xml><?xml version="1.0" encoding="utf-8"?>
+<file path=ppt/slides/slide16.xml><?xml version="1.0" encoding="utf-8"?>
 <p:sld xmlns:a="http://schemas.openxmlformats.org/drawingml/2006/main" xmlns:r="http://schemas.openxmlformats.org/officeDocument/2006/relationships" xmlns:p="http://schemas.openxmlformats.org/presentationml/2006/main">
   <p:cSld>
     <p:spTree>
@@ -28486,7 +28473,7 @@
 </p:sld>
 </file>
 
-<file path=ppt/slides/slide19.xml><?xml version="1.0" encoding="utf-8"?>
+<file path=ppt/slides/slide17.xml><?xml version="1.0" encoding="utf-8"?>
 <p:sld xmlns:a="http://schemas.openxmlformats.org/drawingml/2006/main" xmlns:r="http://schemas.openxmlformats.org/officeDocument/2006/relationships" xmlns:p="http://schemas.openxmlformats.org/presentationml/2006/main">
   <p:cSld>
     <p:spTree>
@@ -28870,247 +28857,7 @@
 </p:sld>
 </file>
 
-<file path=ppt/slides/slide2.xml><?xml version="1.0" encoding="utf-8"?>
-<p:sld xmlns:a="http://schemas.openxmlformats.org/drawingml/2006/main" xmlns:r="http://schemas.openxmlformats.org/officeDocument/2006/relationships" xmlns:p="http://schemas.openxmlformats.org/presentationml/2006/main">
-  <p:cSld>
-    <p:spTree>
-      <p:nvGrpSpPr>
-        <p:cNvPr id="1" name=""/>
-        <p:cNvGrpSpPr/>
-        <p:nvPr/>
-      </p:nvGrpSpPr>
-      <p:grpSpPr>
-        <a:xfrm>
-          <a:off x="0" y="0"/>
-          <a:ext cx="0" cy="0"/>
-          <a:chOff x="0" y="0"/>
-          <a:chExt cx="0" cy="0"/>
-        </a:xfrm>
-      </p:grpSpPr>
-      <p:sp>
-        <p:nvSpPr>
-          <p:cNvPr id="2" name="Content Placeholder 1"/>
-          <p:cNvSpPr>
-            <a:spLocks noGrp="1"/>
-          </p:cNvSpPr>
-          <p:nvPr>
-            <p:ph idx="1"/>
-          </p:nvPr>
-        </p:nvSpPr>
-        <p:spPr>
-          <a:xfrm>
-            <a:off x="468314" y="195486"/>
-            <a:ext cx="8207375" cy="4752528"/>
-          </a:xfrm>
-        </p:spPr>
-        <p:txBody>
-          <a:bodyPr/>
-          <a:lstStyle/>
-          <a:p>
-            <a:r>
-              <a:rPr lang="fr-CA" sz="1200" dirty="0" smtClean="0"/>
-              <a:t>- </a:t>
-            </a:r>
-            <a:r>
-              <a:rPr lang="fr-CA" sz="1200" dirty="0"/>
-              <a:t>Marc introduit la méthodologie de tests de charge (enjeux, méthodologie) : 10 min.</a:t>
-            </a:r>
-          </a:p>
-          <a:p>
-            <a:r>
-              <a:rPr lang="fr-CA" sz="1200" dirty="0"/>
-              <a:t>- Henri met en place un </a:t>
-            </a:r>
-            <a:r>
-              <a:rPr lang="fr-CA" sz="1200" dirty="0" err="1"/>
-              <a:t>gatling</a:t>
-            </a:r>
-            <a:r>
-              <a:rPr lang="fr-CA" sz="1200" dirty="0"/>
-              <a:t> : 5 min.</a:t>
-            </a:r>
-          </a:p>
-          <a:p>
-            <a:r>
-              <a:rPr lang="fr-CA" sz="1200" dirty="0"/>
-              <a:t>- Marc parle des différents types de tests avec des retours d'expérience : 15 min.</a:t>
-            </a:r>
-          </a:p>
-          <a:p>
-            <a:r>
-              <a:rPr lang="fr-CA" sz="1200" dirty="0"/>
-              <a:t>- Henri les met en pratique (QQQ tous ?) : 10 min.</a:t>
-            </a:r>
-          </a:p>
-          <a:p>
-            <a:r>
-              <a:rPr lang="fr-CA" sz="1200" dirty="0"/>
-              <a:t>- On itère comme ça et sur le test d'endurance 5 min..</a:t>
-            </a:r>
-          </a:p>
-          <a:p>
-            <a:r>
-              <a:rPr lang="fr-CA" sz="1200" dirty="0"/>
-              <a:t>- Henri corrige le problème par </a:t>
-            </a:r>
-            <a:r>
-              <a:rPr lang="fr-CA" sz="1200" dirty="0" err="1"/>
-              <a:t>profiling</a:t>
-            </a:r>
-            <a:r>
-              <a:rPr lang="fr-CA" sz="1200" dirty="0"/>
-              <a:t> 10 min.</a:t>
-            </a:r>
-          </a:p>
-          <a:p>
-            <a:r>
-              <a:rPr lang="fr-CA" sz="1200" dirty="0"/>
-              <a:t>- La base rame, on optimise la base : 10 min.</a:t>
-            </a:r>
-          </a:p>
-          <a:p>
-            <a:r>
-              <a:rPr lang="fr-CA" sz="1200" dirty="0"/>
-              <a:t>- La base rame, Ludovic vient regarder ce qui se passe au niveau des disques : 15 min.</a:t>
-            </a:r>
-          </a:p>
-          <a:p>
-            <a:r>
-              <a:rPr lang="fr-CA" sz="1200" dirty="0"/>
-              <a:t>- Henri se rend compte que ça serait quand même pratique d'avoir des métriques maison</a:t>
-            </a:r>
-          </a:p>
-          <a:p>
-            <a:r>
-              <a:rPr lang="fr-CA" sz="1200" dirty="0"/>
-              <a:t>- Mikaël ajoute des métriques avec </a:t>
-            </a:r>
-            <a:r>
-              <a:rPr lang="fr-CA" sz="1200" dirty="0" err="1"/>
-              <a:t>Metrics</a:t>
-            </a:r>
-            <a:r>
-              <a:rPr lang="fr-CA" sz="1200" dirty="0"/>
-              <a:t>, </a:t>
-            </a:r>
-            <a:r>
-              <a:rPr lang="fr-CA" sz="1200" dirty="0" err="1"/>
-              <a:t>JmxTrans</a:t>
-            </a:r>
-            <a:r>
-              <a:rPr lang="fr-CA" sz="1200" dirty="0"/>
-              <a:t> et Graphite : 15 min.</a:t>
-            </a:r>
-          </a:p>
-          <a:p>
-            <a:r>
-              <a:rPr lang="fr-CA" sz="1200" dirty="0"/>
-              <a:t>- Henri est content et continu son </a:t>
-            </a:r>
-            <a:r>
-              <a:rPr lang="fr-CA" sz="1200" dirty="0" err="1"/>
-              <a:t>tuning</a:t>
-            </a:r>
-            <a:endParaRPr lang="fr-CA" sz="1200" dirty="0"/>
-          </a:p>
-          <a:p>
-            <a:r>
-              <a:rPr lang="fr-CA" sz="1200" dirty="0"/>
-              <a:t>- Mikaël automatise les tests (je pense qu'on va avoir le temps) : 10 min.</a:t>
-            </a:r>
-          </a:p>
-          <a:p>
-            <a:r>
-              <a:rPr lang="fr-CA" sz="1200" dirty="0"/>
-              <a:t>- Marc code un bogue de performance : 2 min.</a:t>
-            </a:r>
-          </a:p>
-          <a:p>
-            <a:r>
-              <a:rPr lang="fr-CA" sz="1200" dirty="0"/>
-              <a:t>- On le voit sur l'automatisation</a:t>
-            </a:r>
-          </a:p>
-          <a:p>
-            <a:r>
-              <a:rPr lang="fr-CA" sz="1200" dirty="0"/>
-              <a:t>- Marc corrige : 2 min.</a:t>
-            </a:r>
-          </a:p>
-          <a:p>
-            <a:r>
-              <a:rPr lang="fr-CA" sz="1200" dirty="0"/>
-              <a:t>- On se regarde les 3 en se disant qu'on est au top des performances</a:t>
-            </a:r>
-          </a:p>
-          <a:p>
-            <a:r>
-              <a:rPr lang="fr-CA" sz="1200" dirty="0"/>
-              <a:t>- Ludovic fait "hop </a:t>
-            </a:r>
-            <a:r>
-              <a:rPr lang="fr-CA" sz="1200" dirty="0" err="1"/>
-              <a:t>hop</a:t>
-            </a:r>
-            <a:r>
-              <a:rPr lang="fr-CA" sz="1200" dirty="0"/>
-              <a:t> </a:t>
-            </a:r>
-            <a:r>
-              <a:rPr lang="fr-CA" sz="1200" dirty="0" err="1"/>
-              <a:t>hop</a:t>
-            </a:r>
-            <a:r>
-              <a:rPr lang="fr-CA" sz="1200" dirty="0"/>
-              <a:t>, attendez les gars"</a:t>
-            </a:r>
-          </a:p>
-          <a:p>
-            <a:r>
-              <a:rPr lang="fr-CA" sz="1200" dirty="0"/>
-              <a:t>- Ludovic présente les outils de mesures infra et les optimisations (je ne sais pas encore quoi toutefois...) : 20 min.</a:t>
-            </a:r>
-          </a:p>
-          <a:p>
-            <a:r>
-              <a:rPr lang="fr-CA" sz="1200" dirty="0"/>
-              <a:t>- Conclusion de Marc, Henri, Mikaël et Ludovic sur les différents thèmes : 5 min.</a:t>
-            </a:r>
-          </a:p>
-          <a:p>
-            <a:r>
-              <a:rPr lang="fr-CA" sz="1200" dirty="0"/>
-              <a:t>- Transitions = 15*30 s</a:t>
-            </a:r>
-            <a:r>
-              <a:rPr lang="fr-CA" sz="1200" dirty="0" smtClean="0"/>
-              <a:t>.</a:t>
-            </a:r>
-            <a:endParaRPr lang="fr-CA" sz="1200" dirty="0"/>
-          </a:p>
-        </p:txBody>
-      </p:sp>
-    </p:spTree>
-    <p:extLst>
-      <p:ext uri="{BB962C8B-B14F-4D97-AF65-F5344CB8AC3E}">
-        <p14:creationId xmlns:p14="http://schemas.microsoft.com/office/powerpoint/2010/main" val="1374788145"/>
-      </p:ext>
-    </p:extLst>
-  </p:cSld>
-  <p:clrMapOvr>
-    <a:masterClrMapping/>
-  </p:clrMapOvr>
-  <p:timing>
-    <p:tnLst>
-      <p:par>
-        <p:cTn id="1" dur="indefinite" restart="never" nodeType="tmRoot"/>
-      </p:par>
-    </p:tnLst>
-  </p:timing>
-</p:sld>
-</file>
-
-<file path=ppt/slides/slide20.xml><?xml version="1.0" encoding="utf-8"?>
+<file path=ppt/slides/slide18.xml><?xml version="1.0" encoding="utf-8"?>
 <p:sld xmlns:a="http://schemas.openxmlformats.org/drawingml/2006/main" xmlns:r="http://schemas.openxmlformats.org/officeDocument/2006/relationships" xmlns:p="http://schemas.openxmlformats.org/presentationml/2006/main">
   <p:cSld>
     <p:spTree>
@@ -29412,90 +29159,7 @@
 </p:sld>
 </file>
 
-<file path=ppt/slides/slide21.xml><?xml version="1.0" encoding="utf-8"?>
-<p:sld xmlns:a="http://schemas.openxmlformats.org/drawingml/2006/main" xmlns:r="http://schemas.openxmlformats.org/officeDocument/2006/relationships" xmlns:p="http://schemas.openxmlformats.org/presentationml/2006/main">
-  <p:cSld>
-    <p:spTree>
-      <p:nvGrpSpPr>
-        <p:cNvPr id="1" name=""/>
-        <p:cNvGrpSpPr/>
-        <p:nvPr/>
-      </p:nvGrpSpPr>
-      <p:grpSpPr>
-        <a:xfrm>
-          <a:off x="0" y="0"/>
-          <a:ext cx="0" cy="0"/>
-          <a:chOff x="0" y="0"/>
-          <a:chExt cx="0" cy="0"/>
-        </a:xfrm>
-      </p:grpSpPr>
-      <p:sp>
-        <p:nvSpPr>
-          <p:cNvPr id="2" name="Content Placeholder 1"/>
-          <p:cNvSpPr>
-            <a:spLocks noGrp="1"/>
-          </p:cNvSpPr>
-          <p:nvPr>
-            <p:ph idx="1"/>
-          </p:nvPr>
-        </p:nvSpPr>
-        <p:spPr/>
-        <p:txBody>
-          <a:bodyPr/>
-          <a:lstStyle/>
-          <a:p>
-            <a:r>
-              <a:rPr lang="en-US" dirty="0" smtClean="0"/>
-              <a:t>DEMO</a:t>
-            </a:r>
-            <a:endParaRPr lang="en-US" dirty="0"/>
-          </a:p>
-        </p:txBody>
-      </p:sp>
-      <p:sp>
-        <p:nvSpPr>
-          <p:cNvPr id="3" name="Title 2"/>
-          <p:cNvSpPr>
-            <a:spLocks noGrp="1"/>
-          </p:cNvSpPr>
-          <p:nvPr>
-            <p:ph type="title"/>
-          </p:nvPr>
-        </p:nvSpPr>
-        <p:spPr/>
-        <p:txBody>
-          <a:bodyPr/>
-          <a:lstStyle/>
-          <a:p>
-            <a:r>
-              <a:rPr lang="en-US" dirty="0" smtClean="0"/>
-              <a:t>Recording Gatling</a:t>
-            </a:r>
-            <a:endParaRPr lang="en-US" dirty="0"/>
-          </a:p>
-        </p:txBody>
-      </p:sp>
-    </p:spTree>
-    <p:extLst>
-      <p:ext uri="{BB962C8B-B14F-4D97-AF65-F5344CB8AC3E}">
-        <p14:creationId xmlns:p14="http://schemas.microsoft.com/office/powerpoint/2010/main" val="1551364566"/>
-      </p:ext>
-    </p:extLst>
-  </p:cSld>
-  <p:clrMapOvr>
-    <a:masterClrMapping/>
-  </p:clrMapOvr>
-  <p:timing>
-    <p:tnLst>
-      <p:par>
-        <p:cTn id="1" dur="indefinite" restart="never" nodeType="tmRoot"/>
-      </p:par>
-    </p:tnLst>
-  </p:timing>
-</p:sld>
-</file>
-
-<file path=ppt/slides/slide22.xml><?xml version="1.0" encoding="utf-8"?>
+<file path=ppt/slides/slide19.xml><?xml version="1.0" encoding="utf-8"?>
 <p:sld xmlns:a="http://schemas.openxmlformats.org/drawingml/2006/main" xmlns:r="http://schemas.openxmlformats.org/officeDocument/2006/relationships" xmlns:p="http://schemas.openxmlformats.org/presentationml/2006/main">
   <p:cSld>
     <p:spTree>
@@ -29646,7 +29310,7 @@
 </p:sld>
 </file>
 
-<file path=ppt/slides/slide23.xml><?xml version="1.0" encoding="utf-8"?>
+<file path=ppt/slides/slide2.xml><?xml version="1.0" encoding="utf-8"?>
 <p:sld xmlns:a="http://schemas.openxmlformats.org/drawingml/2006/main" xmlns:r="http://schemas.openxmlformats.org/officeDocument/2006/relationships" xmlns:p="http://schemas.openxmlformats.org/presentationml/2006/main">
   <p:cSld>
     <p:spTree>
@@ -29665,7 +29329,7 @@
       </p:grpSpPr>
       <p:sp>
         <p:nvSpPr>
-          <p:cNvPr id="2" name="Content Placeholder 1"/>
+          <p:cNvPr id="4" name="Content Placeholder 3"/>
           <p:cNvSpPr>
             <a:spLocks noGrp="1"/>
           </p:cNvSpPr>
@@ -29678,14 +29342,70 @@
           <a:bodyPr/>
           <a:lstStyle/>
           <a:p>
+            <a:endParaRPr lang="en-US"/>
+          </a:p>
+        </p:txBody>
+      </p:sp>
+      <p:sp>
+        <p:nvSpPr>
+          <p:cNvPr id="3" name="Title 2"/>
+          <p:cNvSpPr>
+            <a:spLocks noGrp="1"/>
+          </p:cNvSpPr>
+          <p:nvPr>
+            <p:ph type="title"/>
+          </p:nvPr>
+        </p:nvSpPr>
+        <p:spPr/>
+        <p:txBody>
+          <a:bodyPr/>
+          <a:lstStyle/>
+          <a:p>
             <a:r>
               <a:rPr lang="en-US" dirty="0" smtClean="0"/>
-              <a:t>Demo</a:t>
+              <a:t>Plan de la séance</a:t>
             </a:r>
             <a:endParaRPr lang="en-US" dirty="0"/>
           </a:p>
         </p:txBody>
       </p:sp>
+    </p:spTree>
+    <p:extLst>
+      <p:ext uri="{BB962C8B-B14F-4D97-AF65-F5344CB8AC3E}">
+        <p14:creationId xmlns:p14="http://schemas.microsoft.com/office/powerpoint/2010/main" val="3729235698"/>
+      </p:ext>
+    </p:extLst>
+  </p:cSld>
+  <p:clrMapOvr>
+    <a:masterClrMapping/>
+  </p:clrMapOvr>
+  <p:timing>
+    <p:tnLst>
+      <p:par>
+        <p:cTn id="1" dur="indefinite" restart="never" nodeType="tmRoot"/>
+      </p:par>
+    </p:tnLst>
+  </p:timing>
+</p:sld>
+</file>
+
+<file path=ppt/slides/slide20.xml><?xml version="1.0" encoding="utf-8"?>
+<p:sld xmlns:a="http://schemas.openxmlformats.org/drawingml/2006/main" xmlns:r="http://schemas.openxmlformats.org/officeDocument/2006/relationships" xmlns:p="http://schemas.openxmlformats.org/presentationml/2006/main">
+  <p:cSld>
+    <p:spTree>
+      <p:nvGrpSpPr>
+        <p:cNvPr id="1" name=""/>
+        <p:cNvGrpSpPr/>
+        <p:nvPr/>
+      </p:nvGrpSpPr>
+      <p:grpSpPr>
+        <a:xfrm>
+          <a:off x="0" y="0"/>
+          <a:ext cx="0" cy="0"/>
+          <a:chOff x="0" y="0"/>
+          <a:chExt cx="0" cy="0"/>
+        </a:xfrm>
+      </p:grpSpPr>
       <p:sp>
         <p:nvSpPr>
           <p:cNvPr id="3" name="Title 2"/>
@@ -29737,7 +29457,255 @@
 </p:sld>
 </file>
 
+<file path=ppt/slides/slide21.xml><?xml version="1.0" encoding="utf-8"?>
+<p:sld xmlns:a="http://schemas.openxmlformats.org/drawingml/2006/main" xmlns:r="http://schemas.openxmlformats.org/officeDocument/2006/relationships" xmlns:p="http://schemas.openxmlformats.org/presentationml/2006/main">
+  <p:cSld>
+    <p:spTree>
+      <p:nvGrpSpPr>
+        <p:cNvPr id="1" name=""/>
+        <p:cNvGrpSpPr/>
+        <p:nvPr/>
+      </p:nvGrpSpPr>
+      <p:grpSpPr>
+        <a:xfrm>
+          <a:off x="0" y="0"/>
+          <a:ext cx="0" cy="0"/>
+          <a:chOff x="0" y="0"/>
+          <a:chExt cx="0" cy="0"/>
+        </a:xfrm>
+      </p:grpSpPr>
+      <p:sp>
+        <p:nvSpPr>
+          <p:cNvPr id="3" name="Title 2"/>
+          <p:cNvSpPr>
+            <a:spLocks noGrp="1"/>
+          </p:cNvSpPr>
+          <p:nvPr>
+            <p:ph type="title"/>
+          </p:nvPr>
+        </p:nvSpPr>
+        <p:spPr/>
+        <p:txBody>
+          <a:bodyPr/>
+          <a:lstStyle/>
+          <a:p>
+            <a:r>
+              <a:rPr lang="fr-CA" dirty="0" smtClean="0"/>
+              <a:t>Thread dump</a:t>
+            </a:r>
+            <a:endParaRPr lang="fr-FR" dirty="0"/>
+          </a:p>
+        </p:txBody>
+      </p:sp>
+    </p:spTree>
+    <p:extLst>
+      <p:ext uri="{BB962C8B-B14F-4D97-AF65-F5344CB8AC3E}">
+        <p14:creationId xmlns:p14="http://schemas.microsoft.com/office/powerpoint/2010/main" val="2504007632"/>
+      </p:ext>
+    </p:extLst>
+  </p:cSld>
+  <p:clrMapOvr>
+    <a:masterClrMapping/>
+  </p:clrMapOvr>
+  <p:timing>
+    <p:tnLst>
+      <p:par>
+        <p:cTn id="1" dur="indefinite" restart="never" nodeType="tmRoot"/>
+      </p:par>
+    </p:tnLst>
+  </p:timing>
+</p:sld>
+</file>
+
+<file path=ppt/slides/slide22.xml><?xml version="1.0" encoding="utf-8"?>
+<p:sld xmlns:a="http://schemas.openxmlformats.org/drawingml/2006/main" xmlns:r="http://schemas.openxmlformats.org/officeDocument/2006/relationships" xmlns:p="http://schemas.openxmlformats.org/presentationml/2006/main">
+  <p:cSld>
+    <p:spTree>
+      <p:nvGrpSpPr>
+        <p:cNvPr id="1" name=""/>
+        <p:cNvGrpSpPr/>
+        <p:nvPr/>
+      </p:nvGrpSpPr>
+      <p:grpSpPr>
+        <a:xfrm>
+          <a:off x="0" y="0"/>
+          <a:ext cx="0" cy="0"/>
+          <a:chOff x="0" y="0"/>
+          <a:chExt cx="0" cy="0"/>
+        </a:xfrm>
+      </p:grpSpPr>
+      <p:sp>
+        <p:nvSpPr>
+          <p:cNvPr id="3" name="Title 2"/>
+          <p:cNvSpPr>
+            <a:spLocks noGrp="1"/>
+          </p:cNvSpPr>
+          <p:nvPr>
+            <p:ph type="title"/>
+          </p:nvPr>
+        </p:nvSpPr>
+        <p:spPr/>
+        <p:txBody>
+          <a:bodyPr/>
+          <a:lstStyle/>
+          <a:p>
+            <a:r>
+              <a:rPr lang="fr-CA" dirty="0" smtClean="0"/>
+              <a:t>Long </a:t>
+            </a:r>
+            <a:r>
+              <a:rPr lang="fr-CA" dirty="0" err="1" smtClean="0"/>
+              <a:t>queries</a:t>
+            </a:r>
+            <a:endParaRPr lang="fr-FR" dirty="0"/>
+          </a:p>
+        </p:txBody>
+      </p:sp>
+    </p:spTree>
+    <p:extLst>
+      <p:ext uri="{BB962C8B-B14F-4D97-AF65-F5344CB8AC3E}">
+        <p14:creationId xmlns:p14="http://schemas.microsoft.com/office/powerpoint/2010/main" val="454353451"/>
+      </p:ext>
+    </p:extLst>
+  </p:cSld>
+  <p:clrMapOvr>
+    <a:masterClrMapping/>
+  </p:clrMapOvr>
+  <p:timing>
+    <p:tnLst>
+      <p:par>
+        <p:cTn id="1" dur="indefinite" restart="never" nodeType="tmRoot"/>
+      </p:par>
+    </p:tnLst>
+  </p:timing>
+</p:sld>
+</file>
+
+<file path=ppt/slides/slide23.xml><?xml version="1.0" encoding="utf-8"?>
+<p:sld xmlns:a="http://schemas.openxmlformats.org/drawingml/2006/main" xmlns:r="http://schemas.openxmlformats.org/officeDocument/2006/relationships" xmlns:p="http://schemas.openxmlformats.org/presentationml/2006/main">
+  <p:cSld>
+    <p:spTree>
+      <p:nvGrpSpPr>
+        <p:cNvPr id="1" name=""/>
+        <p:cNvGrpSpPr/>
+        <p:nvPr/>
+      </p:nvGrpSpPr>
+      <p:grpSpPr>
+        <a:xfrm>
+          <a:off x="0" y="0"/>
+          <a:ext cx="0" cy="0"/>
+          <a:chOff x="0" y="0"/>
+          <a:chExt cx="0" cy="0"/>
+        </a:xfrm>
+      </p:grpSpPr>
+      <p:sp>
+        <p:nvSpPr>
+          <p:cNvPr id="3" name="Title 2"/>
+          <p:cNvSpPr>
+            <a:spLocks noGrp="1"/>
+          </p:cNvSpPr>
+          <p:nvPr>
+            <p:ph type="title"/>
+          </p:nvPr>
+        </p:nvSpPr>
+        <p:spPr/>
+        <p:txBody>
+          <a:bodyPr/>
+          <a:lstStyle/>
+          <a:p>
+            <a:r>
+              <a:rPr lang="fr-CA" dirty="0" err="1" smtClean="0"/>
+              <a:t>Explain</a:t>
+            </a:r>
+            <a:r>
+              <a:rPr lang="fr-CA" dirty="0" smtClean="0"/>
+              <a:t> plan</a:t>
+            </a:r>
+            <a:endParaRPr lang="fr-FR" dirty="0"/>
+          </a:p>
+        </p:txBody>
+      </p:sp>
+    </p:spTree>
+    <p:extLst>
+      <p:ext uri="{BB962C8B-B14F-4D97-AF65-F5344CB8AC3E}">
+        <p14:creationId xmlns:p14="http://schemas.microsoft.com/office/powerpoint/2010/main" val="2820250327"/>
+      </p:ext>
+    </p:extLst>
+  </p:cSld>
+  <p:clrMapOvr>
+    <a:masterClrMapping/>
+  </p:clrMapOvr>
+  <p:timing>
+    <p:tnLst>
+      <p:par>
+        <p:cTn id="1" dur="indefinite" restart="never" nodeType="tmRoot"/>
+      </p:par>
+    </p:tnLst>
+  </p:timing>
+</p:sld>
+</file>
+
 <file path=ppt/slides/slide24.xml><?xml version="1.0" encoding="utf-8"?>
+<p:sld xmlns:a="http://schemas.openxmlformats.org/drawingml/2006/main" xmlns:r="http://schemas.openxmlformats.org/officeDocument/2006/relationships" xmlns:p="http://schemas.openxmlformats.org/presentationml/2006/main">
+  <p:cSld>
+    <p:spTree>
+      <p:nvGrpSpPr>
+        <p:cNvPr id="1" name=""/>
+        <p:cNvGrpSpPr/>
+        <p:nvPr/>
+      </p:nvGrpSpPr>
+      <p:grpSpPr>
+        <a:xfrm>
+          <a:off x="0" y="0"/>
+          <a:ext cx="0" cy="0"/>
+          <a:chOff x="0" y="0"/>
+          <a:chExt cx="0" cy="0"/>
+        </a:xfrm>
+      </p:grpSpPr>
+      <p:sp>
+        <p:nvSpPr>
+          <p:cNvPr id="3" name="Title 2"/>
+          <p:cNvSpPr>
+            <a:spLocks noGrp="1"/>
+          </p:cNvSpPr>
+          <p:nvPr>
+            <p:ph type="title"/>
+          </p:nvPr>
+        </p:nvSpPr>
+        <p:spPr/>
+        <p:txBody>
+          <a:bodyPr/>
+          <a:lstStyle/>
+          <a:p>
+            <a:r>
+              <a:rPr lang="fr-CA" dirty="0" smtClean="0"/>
+              <a:t>Ajout index</a:t>
+            </a:r>
+            <a:endParaRPr lang="fr-FR" dirty="0"/>
+          </a:p>
+        </p:txBody>
+      </p:sp>
+    </p:spTree>
+    <p:extLst>
+      <p:ext uri="{BB962C8B-B14F-4D97-AF65-F5344CB8AC3E}">
+        <p14:creationId xmlns:p14="http://schemas.microsoft.com/office/powerpoint/2010/main" val="1311044005"/>
+      </p:ext>
+    </p:extLst>
+  </p:cSld>
+  <p:clrMapOvr>
+    <a:masterClrMapping/>
+  </p:clrMapOvr>
+  <p:timing>
+    <p:tnLst>
+      <p:par>
+        <p:cTn id="1" dur="indefinite" restart="never" nodeType="tmRoot"/>
+      </p:par>
+    </p:tnLst>
+  </p:timing>
+</p:sld>
+</file>
+
+<file path=ppt/slides/slide25.xml><?xml version="1.0" encoding="utf-8"?>
 <p:sld xmlns:a="http://schemas.openxmlformats.org/drawingml/2006/main" xmlns:r="http://schemas.openxmlformats.org/officeDocument/2006/relationships" xmlns:p="http://schemas.openxmlformats.org/presentationml/2006/main">
   <p:cSld>
     <p:spTree>
@@ -29888,7 +29856,7 @@
 </p:sld>
 </file>
 
-<file path=ppt/slides/slide25.xml><?xml version="1.0" encoding="utf-8"?>
+<file path=ppt/slides/slide26.xml><?xml version="1.0" encoding="utf-8"?>
 <p:sld xmlns:a="http://schemas.openxmlformats.org/drawingml/2006/main" xmlns:r="http://schemas.openxmlformats.org/officeDocument/2006/relationships" xmlns:p="http://schemas.openxmlformats.org/presentationml/2006/main">
   <p:cSld>
     <p:spTree>
@@ -30043,97 +30011,6 @@
 </p:sld>
 </file>
 
-<file path=ppt/slides/slide26.xml><?xml version="1.0" encoding="utf-8"?>
-<p:sld xmlns:a="http://schemas.openxmlformats.org/drawingml/2006/main" xmlns:r="http://schemas.openxmlformats.org/officeDocument/2006/relationships" xmlns:p="http://schemas.openxmlformats.org/presentationml/2006/main">
-  <p:cSld>
-    <p:spTree>
-      <p:nvGrpSpPr>
-        <p:cNvPr id="1" name=""/>
-        <p:cNvGrpSpPr/>
-        <p:nvPr/>
-      </p:nvGrpSpPr>
-      <p:grpSpPr>
-        <a:xfrm>
-          <a:off x="0" y="0"/>
-          <a:ext cx="0" cy="0"/>
-          <a:chOff x="0" y="0"/>
-          <a:chExt cx="0" cy="0"/>
-        </a:xfrm>
-      </p:grpSpPr>
-      <p:sp>
-        <p:nvSpPr>
-          <p:cNvPr id="2" name="Content Placeholder 1"/>
-          <p:cNvSpPr>
-            <a:spLocks noGrp="1"/>
-          </p:cNvSpPr>
-          <p:nvPr>
-            <p:ph idx="1"/>
-          </p:nvPr>
-        </p:nvSpPr>
-        <p:spPr/>
-        <p:txBody>
-          <a:bodyPr/>
-          <a:lstStyle/>
-          <a:p>
-            <a:r>
-              <a:rPr lang="en-US" dirty="0" smtClean="0"/>
-              <a:t>DEMO</a:t>
-            </a:r>
-            <a:endParaRPr lang="en-US" dirty="0"/>
-          </a:p>
-        </p:txBody>
-      </p:sp>
-      <p:sp>
-        <p:nvSpPr>
-          <p:cNvPr id="3" name="Title 2"/>
-          <p:cNvSpPr>
-            <a:spLocks noGrp="1"/>
-          </p:cNvSpPr>
-          <p:nvPr>
-            <p:ph type="title"/>
-          </p:nvPr>
-        </p:nvSpPr>
-        <p:spPr/>
-        <p:txBody>
-          <a:bodyPr/>
-          <a:lstStyle/>
-          <a:p>
-            <a:r>
-              <a:rPr lang="en-US" dirty="0" err="1" smtClean="0"/>
-              <a:t>Remplissage</a:t>
-            </a:r>
-            <a:r>
-              <a:rPr lang="en-US" dirty="0" smtClean="0"/>
-              <a:t> des </a:t>
-            </a:r>
-            <a:r>
-              <a:rPr lang="en-US" dirty="0" err="1" smtClean="0"/>
-              <a:t>données</a:t>
-            </a:r>
-            <a:endParaRPr lang="en-US" dirty="0"/>
-          </a:p>
-        </p:txBody>
-      </p:sp>
-    </p:spTree>
-    <p:extLst>
-      <p:ext uri="{BB962C8B-B14F-4D97-AF65-F5344CB8AC3E}">
-        <p14:creationId xmlns:p14="http://schemas.microsoft.com/office/powerpoint/2010/main" val="1787184642"/>
-      </p:ext>
-    </p:extLst>
-  </p:cSld>
-  <p:clrMapOvr>
-    <a:masterClrMapping/>
-  </p:clrMapOvr>
-  <p:timing>
-    <p:tnLst>
-      <p:par>
-        <p:cTn id="1" dur="indefinite" restart="never" nodeType="tmRoot"/>
-      </p:par>
-    </p:tnLst>
-  </p:timing>
-</p:sld>
-</file>
-
 <file path=ppt/slides/slide27.xml><?xml version="1.0" encoding="utf-8"?>
 <p:sld xmlns:a="http://schemas.openxmlformats.org/drawingml/2006/main" xmlns:r="http://schemas.openxmlformats.org/officeDocument/2006/relationships" xmlns:p="http://schemas.openxmlformats.org/presentationml/2006/main">
   <p:cSld>
@@ -30153,36 +30030,6 @@
       </p:grpSpPr>
       <p:sp>
         <p:nvSpPr>
-          <p:cNvPr id="2" name="Content Placeholder 1"/>
-          <p:cNvSpPr>
-            <a:spLocks noGrp="1"/>
-          </p:cNvSpPr>
-          <p:nvPr>
-            <p:ph idx="1"/>
-          </p:nvPr>
-        </p:nvSpPr>
-        <p:spPr/>
-        <p:txBody>
-          <a:bodyPr/>
-          <a:lstStyle/>
-          <a:p>
-            <a:r>
-              <a:rPr lang="en-US" dirty="0" smtClean="0"/>
-              <a:t>Cocktail </a:t>
-            </a:r>
-            <a:r>
-              <a:rPr lang="en-US" dirty="0" err="1" smtClean="0"/>
-              <a:t>d’utilisateurs</a:t>
-            </a:r>
-            <a:endParaRPr lang="en-US" dirty="0" smtClean="0"/>
-          </a:p>
-          <a:p>
-            <a:endParaRPr lang="en-US" dirty="0"/>
-          </a:p>
-        </p:txBody>
-      </p:sp>
-      <p:sp>
-        <p:nvSpPr>
           <p:cNvPr id="3" name="Title 2"/>
           <p:cNvSpPr>
             <a:spLocks noGrp="1"/>
@@ -30198,11 +30045,15 @@
           <a:p>
             <a:r>
               <a:rPr lang="en-US" dirty="0" err="1" smtClean="0"/>
-              <a:t>Exécution</a:t>
+              <a:t>Remplissage</a:t>
             </a:r>
             <a:r>
               <a:rPr lang="en-US" dirty="0" smtClean="0"/>
-              <a:t> test de charge</a:t>
+              <a:t> des </a:t>
+            </a:r>
+            <a:r>
+              <a:rPr lang="en-US" dirty="0" err="1" smtClean="0"/>
+              <a:t>données</a:t>
             </a:r>
             <a:endParaRPr lang="en-US" dirty="0"/>
           </a:p>
@@ -30211,7 +30062,7 @@
     </p:spTree>
     <p:extLst>
       <p:ext uri="{BB962C8B-B14F-4D97-AF65-F5344CB8AC3E}">
-        <p14:creationId xmlns:p14="http://schemas.microsoft.com/office/powerpoint/2010/main" val="3620626798"/>
+        <p14:creationId xmlns:p14="http://schemas.microsoft.com/office/powerpoint/2010/main" val="1787184642"/>
       </p:ext>
     </p:extLst>
   </p:cSld>
@@ -30247,49 +30098,6 @@
       </p:grpSpPr>
       <p:sp>
         <p:nvSpPr>
-          <p:cNvPr id="2" name="Content Placeholder 1"/>
-          <p:cNvSpPr>
-            <a:spLocks noGrp="1"/>
-          </p:cNvSpPr>
-          <p:nvPr>
-            <p:ph idx="1"/>
-          </p:nvPr>
-        </p:nvSpPr>
-        <p:spPr/>
-        <p:txBody>
-          <a:bodyPr/>
-          <a:lstStyle/>
-          <a:p>
-            <a:r>
-              <a:rPr lang="en-US" dirty="0" err="1" smtClean="0"/>
-              <a:t>Problème</a:t>
-            </a:r>
-            <a:r>
-              <a:rPr lang="en-US" dirty="0" smtClean="0"/>
-              <a:t> </a:t>
-            </a:r>
-            <a:r>
-              <a:rPr lang="en-US" dirty="0" err="1" smtClean="0"/>
-              <a:t>d’index</a:t>
-            </a:r>
-            <a:r>
-              <a:rPr lang="en-US" dirty="0" smtClean="0"/>
-              <a:t> </a:t>
-            </a:r>
-            <a:r>
-              <a:rPr lang="en-US" dirty="0" err="1" smtClean="0"/>
-              <a:t>sur</a:t>
-            </a:r>
-            <a:r>
-              <a:rPr lang="en-US" dirty="0" smtClean="0"/>
-              <a:t> le turnover</a:t>
-            </a:r>
-            <a:endParaRPr lang="en-US" dirty="0"/>
-          </a:p>
-        </p:txBody>
-      </p:sp>
-      <p:sp>
-        <p:nvSpPr>
           <p:cNvPr id="3" name="Title 2"/>
           <p:cNvSpPr>
             <a:spLocks noGrp="1"/>
@@ -30305,15 +30113,11 @@
           <a:p>
             <a:r>
               <a:rPr lang="en-US" dirty="0" smtClean="0"/>
-              <a:t>Premier </a:t>
+              <a:t>Architecture </a:t>
             </a:r>
             <a:r>
               <a:rPr lang="en-US" dirty="0" err="1" smtClean="0"/>
-              <a:t>problème</a:t>
-            </a:r>
-            <a:r>
-              <a:rPr lang="en-US" dirty="0" smtClean="0"/>
-              <a:t> de performance</a:t>
+              <a:t>Gagrant</a:t>
             </a:r>
             <a:endParaRPr lang="en-US" dirty="0"/>
           </a:p>
@@ -30322,7 +30126,7 @@
     </p:spTree>
     <p:extLst>
       <p:ext uri="{BB962C8B-B14F-4D97-AF65-F5344CB8AC3E}">
-        <p14:creationId xmlns:p14="http://schemas.microsoft.com/office/powerpoint/2010/main" val="1529846762"/>
+        <p14:creationId xmlns:p14="http://schemas.microsoft.com/office/powerpoint/2010/main" val="3667960663"/>
       </p:ext>
     </p:extLst>
   </p:cSld>
@@ -30358,7 +30162,7 @@
       </p:grpSpPr>
       <p:sp>
         <p:nvSpPr>
-          <p:cNvPr id="2" name="Title 1"/>
+          <p:cNvPr id="3" name="Title 2"/>
           <p:cNvSpPr>
             <a:spLocks noGrp="1"/>
           </p:cNvSpPr>
@@ -30372,95 +30176,9 @@
           <a:lstStyle/>
           <a:p>
             <a:r>
-              <a:rPr lang="en-US" dirty="0" err="1" smtClean="0"/>
-              <a:t>Diagramme</a:t>
-            </a:r>
-            <a:r>
               <a:rPr lang="en-US" dirty="0" smtClean="0"/>
-              <a:t> </a:t>
-            </a:r>
-            <a:r>
-              <a:rPr lang="en-US" dirty="0" err="1" smtClean="0"/>
-              <a:t>d’architecture</a:t>
-            </a:r>
-            <a:endParaRPr lang="en-US" dirty="0"/>
-          </a:p>
-        </p:txBody>
-      </p:sp>
-      <p:sp>
-        <p:nvSpPr>
-          <p:cNvPr id="3" name="Content Placeholder 2"/>
-          <p:cNvSpPr>
-            <a:spLocks noGrp="1"/>
-          </p:cNvSpPr>
-          <p:nvPr>
-            <p:ph idx="1"/>
-          </p:nvPr>
-        </p:nvSpPr>
-        <p:spPr/>
-        <p:txBody>
-          <a:bodyPr/>
-          <a:lstStyle/>
-          <a:p>
-            <a:r>
-              <a:rPr lang="en-US" dirty="0" err="1" smtClean="0"/>
-              <a:t>Cas</a:t>
-            </a:r>
-            <a:r>
-              <a:rPr lang="en-US" dirty="0" smtClean="0"/>
-              <a:t> </a:t>
-            </a:r>
-            <a:r>
-              <a:rPr lang="en-US" dirty="0" err="1" smtClean="0"/>
-              <a:t>idylique</a:t>
-            </a:r>
-            <a:endParaRPr lang="en-US" dirty="0" smtClean="0"/>
-          </a:p>
-          <a:p>
-            <a:r>
-              <a:rPr lang="en-US" dirty="0" err="1" smtClean="0"/>
-              <a:t>Essayez</a:t>
-            </a:r>
-            <a:r>
-              <a:rPr lang="en-US" dirty="0" smtClean="0"/>
-              <a:t> d’être </a:t>
-            </a:r>
-            <a:r>
-              <a:rPr lang="en-US" dirty="0" err="1" smtClean="0"/>
-              <a:t>dans</a:t>
-            </a:r>
-            <a:r>
-              <a:rPr lang="en-US" dirty="0" smtClean="0"/>
-              <a:t> le </a:t>
-            </a:r>
-            <a:r>
-              <a:rPr lang="en-US" dirty="0" err="1" smtClean="0"/>
-              <a:t>même</a:t>
-            </a:r>
-            <a:r>
-              <a:rPr lang="en-US" dirty="0" smtClean="0"/>
-              <a:t> </a:t>
-            </a:r>
-            <a:r>
-              <a:rPr lang="en-US" dirty="0" err="1" smtClean="0"/>
-              <a:t>cas</a:t>
-            </a:r>
-            <a:endParaRPr lang="en-US" dirty="0" smtClean="0"/>
-          </a:p>
-          <a:p>
-            <a:endParaRPr lang="en-US" dirty="0"/>
-          </a:p>
-          <a:p>
-            <a:r>
-              <a:rPr lang="en-US" dirty="0" err="1" smtClean="0"/>
-              <a:t>Picto</a:t>
-            </a:r>
-            <a:r>
-              <a:rPr lang="en-US" dirty="0" smtClean="0"/>
-              <a:t> “message des pros”</a:t>
-            </a:r>
-          </a:p>
-          <a:p>
+              <a:t>Recording Gatling</a:t>
+            </a:r>
             <a:endParaRPr lang="en-US" dirty="0"/>
           </a:p>
         </p:txBody>
@@ -30468,7 +30186,7 @@
     </p:spTree>
     <p:extLst>
       <p:ext uri="{BB962C8B-B14F-4D97-AF65-F5344CB8AC3E}">
-        <p14:creationId xmlns:p14="http://schemas.microsoft.com/office/powerpoint/2010/main" val="823366488"/>
+        <p14:creationId xmlns:p14="http://schemas.microsoft.com/office/powerpoint/2010/main" val="1551364566"/>
       </p:ext>
     </p:extLst>
   </p:cSld>
@@ -30504,46 +30222,7 @@
       </p:grpSpPr>
       <p:sp>
         <p:nvSpPr>
-          <p:cNvPr id="2" name="Content Placeholder 1"/>
-          <p:cNvSpPr>
-            <a:spLocks noGrp="1"/>
-          </p:cNvSpPr>
-          <p:nvPr>
-            <p:ph idx="1"/>
-          </p:nvPr>
-        </p:nvSpPr>
-        <p:spPr/>
-        <p:txBody>
-          <a:bodyPr/>
-          <a:lstStyle/>
-          <a:p>
-            <a:r>
-              <a:rPr lang="en-US" dirty="0" err="1" smtClean="0"/>
-              <a:t>Mettre</a:t>
-            </a:r>
-            <a:r>
-              <a:rPr lang="en-US" dirty="0" smtClean="0"/>
-              <a:t> un GUI </a:t>
-            </a:r>
-            <a:r>
-              <a:rPr lang="en-US" dirty="0" err="1" smtClean="0"/>
-              <a:t>sur</a:t>
-            </a:r>
-            <a:r>
-              <a:rPr lang="en-US" dirty="0" smtClean="0"/>
-              <a:t> </a:t>
-            </a:r>
-            <a:r>
-              <a:rPr lang="en-US" dirty="0" err="1" smtClean="0"/>
-              <a:t>l’application</a:t>
-            </a:r>
-            <a:endParaRPr lang="en-US" dirty="0"/>
-          </a:p>
-        </p:txBody>
-      </p:sp>
-      <p:sp>
-        <p:nvSpPr>
-          <p:cNvPr id="3" name="Title 2"/>
+          <p:cNvPr id="3" name="Titre 2"/>
           <p:cNvSpPr>
             <a:spLocks noGrp="1"/>
           </p:cNvSpPr>
@@ -30551,23 +30230,31 @@
             <p:ph type="title"/>
           </p:nvPr>
         </p:nvSpPr>
-        <p:spPr/>
+        <p:spPr>
+          <a:xfrm>
+            <a:off x="899592" y="2067694"/>
+            <a:ext cx="7344816" cy="400050"/>
+          </a:xfrm>
+        </p:spPr>
         <p:txBody>
           <a:bodyPr/>
           <a:lstStyle/>
           <a:p>
-            <a:r>
-              <a:rPr lang="en-US" dirty="0" smtClean="0"/>
-              <a:t>À faire</a:t>
-            </a:r>
-            <a:endParaRPr lang="en-US" dirty="0"/>
+            <a:pPr>
+              <a:defRPr/>
+            </a:pPr>
+            <a:r>
+              <a:rPr lang="fr-FR" sz="8000" dirty="0" smtClean="0"/>
+              <a:t>Présentation de l’équipe</a:t>
+            </a:r>
+            <a:endParaRPr lang="fr-FR" sz="8000" dirty="0"/>
           </a:p>
         </p:txBody>
       </p:sp>
     </p:spTree>
     <p:extLst>
       <p:ext uri="{BB962C8B-B14F-4D97-AF65-F5344CB8AC3E}">
-        <p14:creationId xmlns:p14="http://schemas.microsoft.com/office/powerpoint/2010/main" val="3729235698"/>
+        <p14:creationId xmlns:p14="http://schemas.microsoft.com/office/powerpoint/2010/main" val="1615308073"/>
       </p:ext>
     </p:extLst>
   </p:cSld>
@@ -30603,25 +30290,6 @@
       </p:grpSpPr>
       <p:sp>
         <p:nvSpPr>
-          <p:cNvPr id="2" name="Content Placeholder 1"/>
-          <p:cNvSpPr>
-            <a:spLocks noGrp="1"/>
-          </p:cNvSpPr>
-          <p:nvPr>
-            <p:ph idx="1"/>
-          </p:nvPr>
-        </p:nvSpPr>
-        <p:spPr/>
-        <p:txBody>
-          <a:bodyPr/>
-          <a:lstStyle/>
-          <a:p>
-            <a:endParaRPr lang="fr-FR"/>
-          </a:p>
-        </p:txBody>
-      </p:sp>
-      <p:sp>
-        <p:nvSpPr>
           <p:cNvPr id="3" name="Title 2"/>
           <p:cNvSpPr>
             <a:spLocks noGrp="1"/>
@@ -30636,17 +30304,21 @@
           <a:lstStyle/>
           <a:p>
             <a:r>
-              <a:rPr lang="fr-CA" dirty="0" smtClean="0"/>
-              <a:t>Thread dump</a:t>
-            </a:r>
-            <a:endParaRPr lang="fr-FR" dirty="0"/>
+              <a:rPr lang="en-US" dirty="0" err="1" smtClean="0"/>
+              <a:t>Exécution</a:t>
+            </a:r>
+            <a:r>
+              <a:rPr lang="en-US" dirty="0" smtClean="0"/>
+              <a:t> test de charge</a:t>
+            </a:r>
+            <a:endParaRPr lang="en-US" dirty="0"/>
           </a:p>
         </p:txBody>
       </p:sp>
     </p:spTree>
     <p:extLst>
       <p:ext uri="{BB962C8B-B14F-4D97-AF65-F5344CB8AC3E}">
-        <p14:creationId xmlns:p14="http://schemas.microsoft.com/office/powerpoint/2010/main" val="2190627264"/>
+        <p14:creationId xmlns:p14="http://schemas.microsoft.com/office/powerpoint/2010/main" val="3620626798"/>
       </p:ext>
     </p:extLst>
   </p:cSld>
@@ -30682,25 +30354,6 @@
       </p:grpSpPr>
       <p:sp>
         <p:nvSpPr>
-          <p:cNvPr id="2" name="Content Placeholder 1"/>
-          <p:cNvSpPr>
-            <a:spLocks noGrp="1"/>
-          </p:cNvSpPr>
-          <p:nvPr>
-            <p:ph idx="1"/>
-          </p:nvPr>
-        </p:nvSpPr>
-        <p:spPr/>
-        <p:txBody>
-          <a:bodyPr/>
-          <a:lstStyle/>
-          <a:p>
-            <a:endParaRPr lang="fr-FR"/>
-          </a:p>
-        </p:txBody>
-      </p:sp>
-      <p:sp>
-        <p:nvSpPr>
           <p:cNvPr id="3" name="Title 2"/>
           <p:cNvSpPr>
             <a:spLocks noGrp="1"/>
@@ -30715,17 +30368,17 @@
           <a:lstStyle/>
           <a:p>
             <a:r>
-              <a:rPr lang="fr-CA" dirty="0" err="1" smtClean="0"/>
-              <a:t>Nmon</a:t>
-            </a:r>
-            <a:endParaRPr lang="fr-FR" dirty="0"/>
+              <a:rPr lang="fr-FR" smtClean="0"/>
+              <a:t>Premier problème de performance</a:t>
+            </a:r>
+            <a:endParaRPr lang="fr-FR"/>
           </a:p>
         </p:txBody>
       </p:sp>
     </p:spTree>
     <p:extLst>
       <p:ext uri="{BB962C8B-B14F-4D97-AF65-F5344CB8AC3E}">
-        <p14:creationId xmlns:p14="http://schemas.microsoft.com/office/powerpoint/2010/main" val="4037312524"/>
+        <p14:creationId xmlns:p14="http://schemas.microsoft.com/office/powerpoint/2010/main" val="1529846762"/>
       </p:ext>
     </p:extLst>
   </p:cSld>
@@ -30743,251 +30396,6 @@
 </file>
 
 <file path=ppt/slides/slide32.xml><?xml version="1.0" encoding="utf-8"?>
-<p:sld xmlns:a="http://schemas.openxmlformats.org/drawingml/2006/main" xmlns:r="http://schemas.openxmlformats.org/officeDocument/2006/relationships" xmlns:p="http://schemas.openxmlformats.org/presentationml/2006/main">
-  <p:cSld>
-    <p:spTree>
-      <p:nvGrpSpPr>
-        <p:cNvPr id="1" name=""/>
-        <p:cNvGrpSpPr/>
-        <p:nvPr/>
-      </p:nvGrpSpPr>
-      <p:grpSpPr>
-        <a:xfrm>
-          <a:off x="0" y="0"/>
-          <a:ext cx="0" cy="0"/>
-          <a:chOff x="0" y="0"/>
-          <a:chExt cx="0" cy="0"/>
-        </a:xfrm>
-      </p:grpSpPr>
-      <p:sp>
-        <p:nvSpPr>
-          <p:cNvPr id="2" name="Content Placeholder 1"/>
-          <p:cNvSpPr>
-            <a:spLocks noGrp="1"/>
-          </p:cNvSpPr>
-          <p:nvPr>
-            <p:ph idx="1"/>
-          </p:nvPr>
-        </p:nvSpPr>
-        <p:spPr/>
-        <p:txBody>
-          <a:bodyPr/>
-          <a:lstStyle/>
-          <a:p>
-            <a:endParaRPr lang="fr-FR"/>
-          </a:p>
-        </p:txBody>
-      </p:sp>
-      <p:sp>
-        <p:nvSpPr>
-          <p:cNvPr id="3" name="Title 2"/>
-          <p:cNvSpPr>
-            <a:spLocks noGrp="1"/>
-          </p:cNvSpPr>
-          <p:nvPr>
-            <p:ph type="title"/>
-          </p:nvPr>
-        </p:nvSpPr>
-        <p:spPr/>
-        <p:txBody>
-          <a:bodyPr/>
-          <a:lstStyle/>
-          <a:p>
-            <a:r>
-              <a:rPr lang="fr-CA" dirty="0" smtClean="0"/>
-              <a:t>Long </a:t>
-            </a:r>
-            <a:r>
-              <a:rPr lang="fr-CA" dirty="0" err="1" smtClean="0"/>
-              <a:t>queries</a:t>
-            </a:r>
-            <a:endParaRPr lang="fr-FR" dirty="0"/>
-          </a:p>
-        </p:txBody>
-      </p:sp>
-    </p:spTree>
-    <p:extLst>
-      <p:ext uri="{BB962C8B-B14F-4D97-AF65-F5344CB8AC3E}">
-        <p14:creationId xmlns:p14="http://schemas.microsoft.com/office/powerpoint/2010/main" val="3183969921"/>
-      </p:ext>
-    </p:extLst>
-  </p:cSld>
-  <p:clrMapOvr>
-    <a:masterClrMapping/>
-  </p:clrMapOvr>
-  <p:timing>
-    <p:tnLst>
-      <p:par>
-        <p:cTn id="1" dur="indefinite" restart="never" nodeType="tmRoot"/>
-      </p:par>
-    </p:tnLst>
-  </p:timing>
-</p:sld>
-</file>
-
-<file path=ppt/slides/slide33.xml><?xml version="1.0" encoding="utf-8"?>
-<p:sld xmlns:a="http://schemas.openxmlformats.org/drawingml/2006/main" xmlns:r="http://schemas.openxmlformats.org/officeDocument/2006/relationships" xmlns:p="http://schemas.openxmlformats.org/presentationml/2006/main">
-  <p:cSld>
-    <p:spTree>
-      <p:nvGrpSpPr>
-        <p:cNvPr id="1" name=""/>
-        <p:cNvGrpSpPr/>
-        <p:nvPr/>
-      </p:nvGrpSpPr>
-      <p:grpSpPr>
-        <a:xfrm>
-          <a:off x="0" y="0"/>
-          <a:ext cx="0" cy="0"/>
-          <a:chOff x="0" y="0"/>
-          <a:chExt cx="0" cy="0"/>
-        </a:xfrm>
-      </p:grpSpPr>
-      <p:sp>
-        <p:nvSpPr>
-          <p:cNvPr id="2" name="Content Placeholder 1"/>
-          <p:cNvSpPr>
-            <a:spLocks noGrp="1"/>
-          </p:cNvSpPr>
-          <p:nvPr>
-            <p:ph idx="1"/>
-          </p:nvPr>
-        </p:nvSpPr>
-        <p:spPr/>
-        <p:txBody>
-          <a:bodyPr/>
-          <a:lstStyle/>
-          <a:p>
-            <a:endParaRPr lang="fr-FR"/>
-          </a:p>
-        </p:txBody>
-      </p:sp>
-      <p:sp>
-        <p:nvSpPr>
-          <p:cNvPr id="3" name="Title 2"/>
-          <p:cNvSpPr>
-            <a:spLocks noGrp="1"/>
-          </p:cNvSpPr>
-          <p:nvPr>
-            <p:ph type="title"/>
-          </p:nvPr>
-        </p:nvSpPr>
-        <p:spPr/>
-        <p:txBody>
-          <a:bodyPr/>
-          <a:lstStyle/>
-          <a:p>
-            <a:r>
-              <a:rPr lang="fr-CA" dirty="0" err="1" smtClean="0"/>
-              <a:t>Explain</a:t>
-            </a:r>
-            <a:r>
-              <a:rPr lang="fr-CA" dirty="0" smtClean="0"/>
-              <a:t> plan</a:t>
-            </a:r>
-            <a:endParaRPr lang="fr-FR" dirty="0"/>
-          </a:p>
-        </p:txBody>
-      </p:sp>
-    </p:spTree>
-    <p:extLst>
-      <p:ext uri="{BB962C8B-B14F-4D97-AF65-F5344CB8AC3E}">
-        <p14:creationId xmlns:p14="http://schemas.microsoft.com/office/powerpoint/2010/main" val="2895280972"/>
-      </p:ext>
-    </p:extLst>
-  </p:cSld>
-  <p:clrMapOvr>
-    <a:masterClrMapping/>
-  </p:clrMapOvr>
-  <p:timing>
-    <p:tnLst>
-      <p:par>
-        <p:cTn id="1" dur="indefinite" restart="never" nodeType="tmRoot"/>
-      </p:par>
-    </p:tnLst>
-  </p:timing>
-</p:sld>
-</file>
-
-<file path=ppt/slides/slide34.xml><?xml version="1.0" encoding="utf-8"?>
-<p:sld xmlns:a="http://schemas.openxmlformats.org/drawingml/2006/main" xmlns:r="http://schemas.openxmlformats.org/officeDocument/2006/relationships" xmlns:p="http://schemas.openxmlformats.org/presentationml/2006/main">
-  <p:cSld>
-    <p:spTree>
-      <p:nvGrpSpPr>
-        <p:cNvPr id="1" name=""/>
-        <p:cNvGrpSpPr/>
-        <p:nvPr/>
-      </p:nvGrpSpPr>
-      <p:grpSpPr>
-        <a:xfrm>
-          <a:off x="0" y="0"/>
-          <a:ext cx="0" cy="0"/>
-          <a:chOff x="0" y="0"/>
-          <a:chExt cx="0" cy="0"/>
-        </a:xfrm>
-      </p:grpSpPr>
-      <p:sp>
-        <p:nvSpPr>
-          <p:cNvPr id="2" name="Content Placeholder 1"/>
-          <p:cNvSpPr>
-            <a:spLocks noGrp="1"/>
-          </p:cNvSpPr>
-          <p:nvPr>
-            <p:ph idx="1"/>
-          </p:nvPr>
-        </p:nvSpPr>
-        <p:spPr/>
-        <p:txBody>
-          <a:bodyPr/>
-          <a:lstStyle/>
-          <a:p>
-            <a:endParaRPr lang="fr-FR"/>
-          </a:p>
-        </p:txBody>
-      </p:sp>
-      <p:sp>
-        <p:nvSpPr>
-          <p:cNvPr id="3" name="Title 2"/>
-          <p:cNvSpPr>
-            <a:spLocks noGrp="1"/>
-          </p:cNvSpPr>
-          <p:nvPr>
-            <p:ph type="title"/>
-          </p:nvPr>
-        </p:nvSpPr>
-        <p:spPr/>
-        <p:txBody>
-          <a:bodyPr/>
-          <a:lstStyle/>
-          <a:p>
-            <a:r>
-              <a:rPr lang="fr-CA" dirty="0" smtClean="0"/>
-              <a:t>Ajout index</a:t>
-            </a:r>
-            <a:endParaRPr lang="fr-FR" dirty="0"/>
-          </a:p>
-        </p:txBody>
-      </p:sp>
-    </p:spTree>
-    <p:extLst>
-      <p:ext uri="{BB962C8B-B14F-4D97-AF65-F5344CB8AC3E}">
-        <p14:creationId xmlns:p14="http://schemas.microsoft.com/office/powerpoint/2010/main" val="983999325"/>
-      </p:ext>
-    </p:extLst>
-  </p:cSld>
-  <p:clrMapOvr>
-    <a:masterClrMapping/>
-  </p:clrMapOvr>
-  <p:timing>
-    <p:tnLst>
-      <p:par>
-        <p:cTn id="1" dur="indefinite" restart="never" nodeType="tmRoot"/>
-      </p:par>
-    </p:tnLst>
-  </p:timing>
-</p:sld>
-</file>
-
-<file path=ppt/slides/slide35.xml><?xml version="1.0" encoding="utf-8"?>
 <p:sld xmlns:a="http://schemas.openxmlformats.org/drawingml/2006/main" xmlns:r="http://schemas.openxmlformats.org/officeDocument/2006/relationships" xmlns:p="http://schemas.openxmlformats.org/presentationml/2006/main">
   <p:cSld>
     <p:spTree>
@@ -31082,7 +30490,7 @@
 </p:sld>
 </file>
 
-<file path=ppt/slides/slide36.xml><?xml version="1.0" encoding="utf-8"?>
+<file path=ppt/slides/slide33.xml><?xml version="1.0" encoding="utf-8"?>
 <p:sld xmlns:a="http://schemas.openxmlformats.org/drawingml/2006/main" xmlns:r="http://schemas.openxmlformats.org/officeDocument/2006/relationships" xmlns:p="http://schemas.openxmlformats.org/presentationml/2006/main">
   <p:cSld>
     <p:spTree>
@@ -31735,7 +31143,7 @@
 </p:sld>
 </file>
 
-<file path=ppt/slides/slide37.xml><?xml version="1.0" encoding="utf-8"?>
+<file path=ppt/slides/slide34.xml><?xml version="1.0" encoding="utf-8"?>
 <p:sld xmlns:a="http://schemas.openxmlformats.org/drawingml/2006/main" xmlns:r="http://schemas.openxmlformats.org/officeDocument/2006/relationships" xmlns:p="http://schemas.openxmlformats.org/presentationml/2006/main">
   <p:cSld>
     <p:spTree>
@@ -32549,7 +31957,7 @@
 </p:sld>
 </file>
 
-<file path=ppt/slides/slide38.xml><?xml version="1.0" encoding="utf-8"?>
+<file path=ppt/slides/slide35.xml><?xml version="1.0" encoding="utf-8"?>
 <p:sld xmlns:a="http://schemas.openxmlformats.org/drawingml/2006/main" xmlns:r="http://schemas.openxmlformats.org/officeDocument/2006/relationships" xmlns:p="http://schemas.openxmlformats.org/presentationml/2006/main">
   <p:cSld>
     <p:spTree>
@@ -33887,7 +33295,7 @@
 </p:sld>
 </file>
 
-<file path=ppt/slides/slide39.xml><?xml version="1.0" encoding="utf-8"?>
+<file path=ppt/slides/slide36.xml><?xml version="1.0" encoding="utf-8"?>
 <p:sld xmlns:a="http://schemas.openxmlformats.org/drawingml/2006/main" xmlns:r="http://schemas.openxmlformats.org/officeDocument/2006/relationships" xmlns:p="http://schemas.openxmlformats.org/presentationml/2006/main">
   <p:cSld>
     <p:spTree>
@@ -35748,75 +35156,7 @@
 </p:sld>
 </file>
 
-<file path=ppt/slides/slide4.xml><?xml version="1.0" encoding="utf-8"?>
-<p:sld xmlns:a="http://schemas.openxmlformats.org/drawingml/2006/main" xmlns:r="http://schemas.openxmlformats.org/officeDocument/2006/relationships" xmlns:p="http://schemas.openxmlformats.org/presentationml/2006/main">
-  <p:cSld>
-    <p:spTree>
-      <p:nvGrpSpPr>
-        <p:cNvPr id="1" name=""/>
-        <p:cNvGrpSpPr/>
-        <p:nvPr/>
-      </p:nvGrpSpPr>
-      <p:grpSpPr>
-        <a:xfrm>
-          <a:off x="0" y="0"/>
-          <a:ext cx="0" cy="0"/>
-          <a:chOff x="0" y="0"/>
-          <a:chExt cx="0" cy="0"/>
-        </a:xfrm>
-      </p:grpSpPr>
-      <p:sp>
-        <p:nvSpPr>
-          <p:cNvPr id="3" name="Titre 2"/>
-          <p:cNvSpPr>
-            <a:spLocks noGrp="1"/>
-          </p:cNvSpPr>
-          <p:nvPr>
-            <p:ph type="title"/>
-          </p:nvPr>
-        </p:nvSpPr>
-        <p:spPr>
-          <a:xfrm>
-            <a:off x="899592" y="2067694"/>
-            <a:ext cx="7344816" cy="400050"/>
-          </a:xfrm>
-        </p:spPr>
-        <p:txBody>
-          <a:bodyPr/>
-          <a:lstStyle/>
-          <a:p>
-            <a:pPr>
-              <a:defRPr/>
-            </a:pPr>
-            <a:r>
-              <a:rPr lang="fr-FR" sz="8000" dirty="0" smtClean="0"/>
-              <a:t>Présentation de l’équipe</a:t>
-            </a:r>
-            <a:endParaRPr lang="fr-FR" sz="8000" dirty="0"/>
-          </a:p>
-        </p:txBody>
-      </p:sp>
-    </p:spTree>
-    <p:extLst>
-      <p:ext uri="{BB962C8B-B14F-4D97-AF65-F5344CB8AC3E}">
-        <p14:creationId xmlns:p14="http://schemas.microsoft.com/office/powerpoint/2010/main" val="1615308073"/>
-      </p:ext>
-    </p:extLst>
-  </p:cSld>
-  <p:clrMapOvr>
-    <a:masterClrMapping/>
-  </p:clrMapOvr>
-  <p:timing>
-    <p:tnLst>
-      <p:par>
-        <p:cTn id="1" dur="indefinite" restart="never" nodeType="tmRoot"/>
-      </p:par>
-    </p:tnLst>
-  </p:timing>
-</p:sld>
-</file>
-
-<file path=ppt/slides/slide40.xml><?xml version="1.0" encoding="utf-8"?>
+<file path=ppt/slides/slide37.xml><?xml version="1.0" encoding="utf-8"?>
 <p:sld xmlns:a="http://schemas.openxmlformats.org/drawingml/2006/main" xmlns:r="http://schemas.openxmlformats.org/officeDocument/2006/relationships" xmlns:p="http://schemas.openxmlformats.org/presentationml/2006/main">
   <p:cSld>
     <p:spTree>
@@ -38131,7 +37471,7 @@
 </p:sld>
 </file>
 
-<file path=ppt/slides/slide41.xml><?xml version="1.0" encoding="utf-8"?>
+<file path=ppt/slides/slide38.xml><?xml version="1.0" encoding="utf-8"?>
 <p:sld xmlns:a="http://schemas.openxmlformats.org/drawingml/2006/main" xmlns:r="http://schemas.openxmlformats.org/officeDocument/2006/relationships" xmlns:p="http://schemas.openxmlformats.org/presentationml/2006/main">
   <p:cSld>
     <p:spTree>
@@ -40140,7 +39480,71 @@
 </p:sld>
 </file>
 
-<file path=ppt/slides/slide42.xml><?xml version="1.0" encoding="utf-8"?>
+<file path=ppt/slides/slide39.xml><?xml version="1.0" encoding="utf-8"?>
+<p:sld xmlns:a="http://schemas.openxmlformats.org/drawingml/2006/main" xmlns:r="http://schemas.openxmlformats.org/officeDocument/2006/relationships" xmlns:p="http://schemas.openxmlformats.org/presentationml/2006/main">
+  <p:cSld>
+    <p:spTree>
+      <p:nvGrpSpPr>
+        <p:cNvPr id="1" name=""/>
+        <p:cNvGrpSpPr/>
+        <p:nvPr/>
+      </p:nvGrpSpPr>
+      <p:grpSpPr>
+        <a:xfrm>
+          <a:off x="0" y="0"/>
+          <a:ext cx="0" cy="0"/>
+          <a:chOff x="0" y="0"/>
+          <a:chExt cx="0" cy="0"/>
+        </a:xfrm>
+      </p:grpSpPr>
+      <p:sp>
+        <p:nvSpPr>
+          <p:cNvPr id="3" name="Title 2"/>
+          <p:cNvSpPr>
+            <a:spLocks noGrp="1"/>
+          </p:cNvSpPr>
+          <p:nvPr>
+            <p:ph type="title"/>
+          </p:nvPr>
+        </p:nvSpPr>
+        <p:spPr/>
+        <p:txBody>
+          <a:bodyPr/>
+          <a:lstStyle/>
+          <a:p>
+            <a:r>
+              <a:rPr lang="en-US" dirty="0" err="1" smtClean="0"/>
+              <a:t>Automatisation</a:t>
+            </a:r>
+            <a:r>
+              <a:rPr lang="en-US" dirty="0" smtClean="0"/>
+              <a:t> des tests</a:t>
+            </a:r>
+            <a:endParaRPr lang="en-US" dirty="0"/>
+          </a:p>
+        </p:txBody>
+      </p:sp>
+    </p:spTree>
+    <p:extLst>
+      <p:ext uri="{BB962C8B-B14F-4D97-AF65-F5344CB8AC3E}">
+        <p14:creationId xmlns:p14="http://schemas.microsoft.com/office/powerpoint/2010/main" val="1108911325"/>
+      </p:ext>
+    </p:extLst>
+  </p:cSld>
+  <p:clrMapOvr>
+    <a:masterClrMapping/>
+  </p:clrMapOvr>
+  <p:timing>
+    <p:tnLst>
+      <p:par>
+        <p:cTn id="1" dur="indefinite" restart="never" nodeType="tmRoot"/>
+      </p:par>
+    </p:tnLst>
+  </p:timing>
+</p:sld>
+</file>
+
+<file path=ppt/slides/slide4.xml><?xml version="1.0" encoding="utf-8"?>
 <p:sld xmlns:a="http://schemas.openxmlformats.org/drawingml/2006/main" xmlns:r="http://schemas.openxmlformats.org/officeDocument/2006/relationships" xmlns:p="http://schemas.openxmlformats.org/presentationml/2006/main">
   <p:cSld>
     <p:spTree>
@@ -40167,22 +39571,143 @@
             <p:ph idx="1"/>
           </p:nvPr>
         </p:nvSpPr>
-        <p:spPr/>
+        <p:spPr>
+          <a:xfrm>
+            <a:off x="2843809" y="843558"/>
+            <a:ext cx="4032448" cy="3601641"/>
+          </a:xfrm>
+        </p:spPr>
         <p:txBody>
           <a:bodyPr/>
           <a:lstStyle/>
           <a:p>
             <a:r>
-              <a:rPr lang="fr-CA" dirty="0" smtClean="0"/>
-              <a:t>Mais on se fait chier à attendre les résultats</a:t>
-            </a:r>
+              <a:rPr lang="fr-FR" dirty="0" smtClean="0"/>
+              <a:t>Architecte Senior</a:t>
+            </a:r>
+          </a:p>
+          <a:p>
+            <a:r>
+              <a:rPr lang="fr-FR" dirty="0" smtClean="0"/>
+              <a:t>Responsable pôle performance</a:t>
+            </a:r>
+          </a:p>
+          <a:p>
+            <a:endParaRPr lang="fr-FR" dirty="0" smtClean="0"/>
+          </a:p>
+          <a:p>
+            <a:r>
+              <a:rPr lang="fr-FR" dirty="0" smtClean="0"/>
+              <a:t>Responsable R&amp;D</a:t>
+            </a:r>
+          </a:p>
+          <a:p>
             <a:endParaRPr lang="fr-FR" dirty="0"/>
+          </a:p>
+          <a:p>
+            <a:r>
+              <a:rPr lang="fr-FR" dirty="0" smtClean="0"/>
+              <a:t>Membre fondateur du </a:t>
+            </a:r>
+            <a:r>
+              <a:rPr lang="fr-FR" dirty="0" err="1" smtClean="0"/>
+              <a:t>PerfUG</a:t>
+            </a:r>
+            <a:endParaRPr lang="fr-FR" dirty="0" smtClean="0"/>
+          </a:p>
+          <a:p>
+            <a:pPr marL="0" indent="0">
+              <a:buNone/>
+            </a:pPr>
+            <a:endParaRPr lang="fr-FR" dirty="0" smtClean="0"/>
           </a:p>
         </p:txBody>
       </p:sp>
+      <p:pic>
+        <p:nvPicPr>
+          <p:cNvPr id="4" name="Picture 2" descr="C:\Users\Henri\Google Drive\TOOLBOX\Slideware tools\Pictos\Normal\Octos\OctoGraduate_Pos.png"/>
+          <p:cNvPicPr>
+            <a:picLocks noChangeAspect="1" noChangeArrowheads="1"/>
+          </p:cNvPicPr>
+          <p:nvPr/>
+        </p:nvPicPr>
+        <p:blipFill>
+          <a:blip r:embed="rId3">
+            <a:extLst>
+              <a:ext uri="{28A0092B-C50C-407E-A947-70E740481C1C}">
+                <a14:useLocalDpi xmlns:a14="http://schemas.microsoft.com/office/drawing/2010/main" val="0"/>
+              </a:ext>
+            </a:extLst>
+          </a:blip>
+          <a:srcRect/>
+          <a:stretch>
+            <a:fillRect/>
+          </a:stretch>
+        </p:blipFill>
+        <p:spPr bwMode="auto">
+          <a:xfrm>
+            <a:off x="251520" y="987574"/>
+            <a:ext cx="2520280" cy="3026647"/>
+          </a:xfrm>
+          <a:prstGeom prst="rect">
+            <a:avLst/>
+          </a:prstGeom>
+          <a:noFill/>
+          <a:extLst>
+            <a:ext uri="{909E8E84-426E-40DD-AFC4-6F175D3DCCD1}">
+              <a14:hiddenFill xmlns:a14="http://schemas.microsoft.com/office/drawing/2010/main">
+                <a:solidFill>
+                  <a:srgbClr val="FFFFFF"/>
+                </a:solidFill>
+              </a14:hiddenFill>
+            </a:ext>
+          </a:extLst>
+        </p:spPr>
+      </p:pic>
+      <p:pic>
+        <p:nvPicPr>
+          <p:cNvPr id="2054" name="Picture 6" descr="http://datajob2013.fr/assets/uploads/Logos/octo.png"/>
+          <p:cNvPicPr>
+            <a:picLocks noChangeAspect="1" noChangeArrowheads="1"/>
+          </p:cNvPicPr>
+          <p:nvPr/>
+        </p:nvPicPr>
+        <p:blipFill>
+          <a:blip r:embed="rId4">
+            <a:extLst>
+              <a:ext uri="{28A0092B-C50C-407E-A947-70E740481C1C}">
+                <a14:useLocalDpi xmlns:a14="http://schemas.microsoft.com/office/drawing/2010/main" val="0"/>
+              </a:ext>
+            </a:extLst>
+          </a:blip>
+          <a:srcRect/>
+          <a:stretch>
+            <a:fillRect/>
+          </a:stretch>
+        </p:blipFill>
+        <p:spPr bwMode="auto">
+          <a:xfrm>
+            <a:off x="6516216" y="627534"/>
+            <a:ext cx="2323753" cy="1210578"/>
+          </a:xfrm>
+          <a:prstGeom prst="rect">
+            <a:avLst/>
+          </a:prstGeom>
+          <a:noFill/>
+          <a:extLst>
+            <a:ext uri="{909E8E84-426E-40DD-AFC4-6F175D3DCCD1}">
+              <a14:hiddenFill xmlns:a14="http://schemas.microsoft.com/office/drawing/2010/main">
+                <a:solidFill>
+                  <a:srgbClr val="FFFFFF"/>
+                </a:solidFill>
+              </a14:hiddenFill>
+            </a:ext>
+          </a:extLst>
+        </p:spPr>
+      </p:pic>
       <p:sp>
         <p:nvSpPr>
-          <p:cNvPr id="3" name="Title 2"/>
+          <p:cNvPr id="5" name="Title 4"/>
           <p:cNvSpPr>
             <a:spLocks noGrp="1"/>
           </p:cNvSpPr>
@@ -40195,22 +39720,64 @@
           <a:bodyPr/>
           <a:lstStyle/>
           <a:p>
-            <a:r>
-              <a:rPr lang="fr-CA" dirty="0" err="1" smtClean="0"/>
-              <a:t>Re-test</a:t>
-            </a:r>
-            <a:r>
-              <a:rPr lang="fr-CA" dirty="0" smtClean="0"/>
-              <a:t> de charge plus stable</a:t>
-            </a:r>
-            <a:endParaRPr lang="fr-FR" dirty="0"/>
+            <a:pPr algn="l"/>
+            <a:r>
+              <a:rPr lang="fr-FR" b="1" dirty="0" smtClean="0"/>
+              <a:t>Marc </a:t>
+            </a:r>
+            <a:r>
+              <a:rPr lang="fr-FR" b="1" dirty="0" err="1" smtClean="0"/>
+              <a:t>Bojoly</a:t>
+            </a:r>
+            <a:endParaRPr lang="fr-FR" b="1" dirty="0"/>
           </a:p>
         </p:txBody>
       </p:sp>
+      <p:pic>
+        <p:nvPicPr>
+          <p:cNvPr id="8" name="Picture 2" descr="http://perfug.github.io/assets/themes/perfug/skin/logo_perfug.png"/>
+          <p:cNvPicPr>
+            <a:picLocks noChangeAspect="1" noChangeArrowheads="1"/>
+          </p:cNvPicPr>
+          <p:nvPr/>
+        </p:nvPicPr>
+        <p:blipFill>
+          <a:blip r:embed="rId5">
+            <a:extLst>
+              <a:ext uri="{28A0092B-C50C-407E-A947-70E740481C1C}">
+                <a14:useLocalDpi xmlns:a14="http://schemas.microsoft.com/office/drawing/2010/main" val="0"/>
+              </a:ext>
+            </a:extLst>
+          </a:blip>
+          <a:srcRect/>
+          <a:stretch>
+            <a:fillRect/>
+          </a:stretch>
+        </p:blipFill>
+        <p:spPr bwMode="auto">
+          <a:xfrm>
+            <a:off x="6084168" y="1995686"/>
+            <a:ext cx="2601172" cy="1283433"/>
+          </a:xfrm>
+          <a:prstGeom prst="rect">
+            <a:avLst/>
+          </a:prstGeom>
+          <a:noFill/>
+          <a:extLst>
+            <a:ext uri="{909E8E84-426E-40DD-AFC4-6F175D3DCCD1}">
+              <a14:hiddenFill xmlns:a14="http://schemas.microsoft.com/office/drawing/2010/main">
+                <a:solidFill>
+                  <a:srgbClr val="FFFFFF"/>
+                </a:solidFill>
+              </a14:hiddenFill>
+            </a:ext>
+          </a:extLst>
+        </p:spPr>
+      </p:pic>
     </p:spTree>
     <p:extLst>
       <p:ext uri="{BB962C8B-B14F-4D97-AF65-F5344CB8AC3E}">
-        <p14:creationId xmlns:p14="http://schemas.microsoft.com/office/powerpoint/2010/main" val="2978291379"/>
+        <p14:creationId xmlns:p14="http://schemas.microsoft.com/office/powerpoint/2010/main" val="3096689219"/>
       </p:ext>
     </p:extLst>
   </p:cSld>
@@ -40227,312 +39794,7 @@
 </p:sld>
 </file>
 
-<file path=ppt/slides/slide43.xml><?xml version="1.0" encoding="utf-8"?>
-<p:sld xmlns:a="http://schemas.openxmlformats.org/drawingml/2006/main" xmlns:r="http://schemas.openxmlformats.org/officeDocument/2006/relationships" xmlns:p="http://schemas.openxmlformats.org/presentationml/2006/main">
-  <p:cSld>
-    <p:spTree>
-      <p:nvGrpSpPr>
-        <p:cNvPr id="1" name=""/>
-        <p:cNvGrpSpPr/>
-        <p:nvPr/>
-      </p:nvGrpSpPr>
-      <p:grpSpPr>
-        <a:xfrm>
-          <a:off x="0" y="0"/>
-          <a:ext cx="0" cy="0"/>
-          <a:chOff x="0" y="0"/>
-          <a:chExt cx="0" cy="0"/>
-        </a:xfrm>
-      </p:grpSpPr>
-      <p:sp>
-        <p:nvSpPr>
-          <p:cNvPr id="2" name="Content Placeholder 1"/>
-          <p:cNvSpPr>
-            <a:spLocks noGrp="1"/>
-          </p:cNvSpPr>
-          <p:nvPr>
-            <p:ph idx="1"/>
-          </p:nvPr>
-        </p:nvSpPr>
-        <p:spPr/>
-        <p:txBody>
-          <a:bodyPr/>
-          <a:lstStyle/>
-          <a:p>
-            <a:r>
-              <a:rPr lang="fr-CA" dirty="0" smtClean="0"/>
-              <a:t>2 solutions:</a:t>
-            </a:r>
-          </a:p>
-          <a:p>
-            <a:pPr lvl="1"/>
-            <a:r>
-              <a:rPr lang="fr-CA" dirty="0" err="1" smtClean="0"/>
-              <a:t>Jmeter</a:t>
-            </a:r>
-            <a:r>
-              <a:rPr lang="fr-CA" dirty="0" smtClean="0"/>
-              <a:t> ou </a:t>
-            </a:r>
-            <a:r>
-              <a:rPr lang="fr-CA" dirty="0" err="1" smtClean="0"/>
-              <a:t>GraphiteWrite</a:t>
-            </a:r>
-            <a:r>
-              <a:rPr lang="fr-CA" dirty="0" smtClean="0"/>
-              <a:t> de </a:t>
-            </a:r>
-            <a:r>
-              <a:rPr lang="fr-CA" dirty="0" err="1" smtClean="0"/>
-              <a:t>Gatling</a:t>
-            </a:r>
-            <a:r>
-              <a:rPr lang="fr-CA" dirty="0" smtClean="0"/>
-              <a:t> mais c’est dédié au benchmark</a:t>
-            </a:r>
-          </a:p>
-          <a:p>
-            <a:pPr lvl="1"/>
-            <a:r>
-              <a:rPr lang="fr-CA" dirty="0" smtClean="0"/>
-              <a:t>Un APM</a:t>
-            </a:r>
-          </a:p>
-          <a:p>
-            <a:pPr lvl="1"/>
-            <a:endParaRPr lang="fr-CA" dirty="0"/>
-          </a:p>
-          <a:p>
-            <a:r>
-              <a:rPr lang="fr-CA" dirty="0" smtClean="0"/>
-              <a:t>Deux possibilités d’APM</a:t>
-            </a:r>
-          </a:p>
-          <a:p>
-            <a:pPr lvl="1"/>
-            <a:r>
-              <a:rPr lang="fr-CA" dirty="0" smtClean="0"/>
-              <a:t>Du marché</a:t>
-            </a:r>
-          </a:p>
-          <a:p>
-            <a:pPr lvl="1"/>
-            <a:endParaRPr lang="fr-CA" dirty="0"/>
-          </a:p>
-        </p:txBody>
-      </p:sp>
-      <p:sp>
-        <p:nvSpPr>
-          <p:cNvPr id="3" name="Title 2"/>
-          <p:cNvSpPr>
-            <a:spLocks noGrp="1"/>
-          </p:cNvSpPr>
-          <p:nvPr>
-            <p:ph type="title"/>
-          </p:nvPr>
-        </p:nvSpPr>
-        <p:spPr/>
-        <p:txBody>
-          <a:bodyPr/>
-          <a:lstStyle/>
-          <a:p>
-            <a:r>
-              <a:rPr lang="fr-CA" dirty="0" smtClean="0"/>
-              <a:t>Pas de résultat en temps réel</a:t>
-            </a:r>
-            <a:endParaRPr lang="fr-FR" dirty="0"/>
-          </a:p>
-        </p:txBody>
-      </p:sp>
-    </p:spTree>
-    <p:extLst>
-      <p:ext uri="{BB962C8B-B14F-4D97-AF65-F5344CB8AC3E}">
-        <p14:creationId xmlns:p14="http://schemas.microsoft.com/office/powerpoint/2010/main" val="1269625068"/>
-      </p:ext>
-    </p:extLst>
-  </p:cSld>
-  <p:clrMapOvr>
-    <a:masterClrMapping/>
-  </p:clrMapOvr>
-  <p:timing>
-    <p:tnLst>
-      <p:par>
-        <p:cTn id="1" dur="indefinite" restart="never" nodeType="tmRoot"/>
-      </p:par>
-    </p:tnLst>
-  </p:timing>
-</p:sld>
-</file>
-
-<file path=ppt/slides/slide44.xml><?xml version="1.0" encoding="utf-8"?>
-<p:sld xmlns:a="http://schemas.openxmlformats.org/drawingml/2006/main" xmlns:r="http://schemas.openxmlformats.org/officeDocument/2006/relationships" xmlns:p="http://schemas.openxmlformats.org/presentationml/2006/main">
-  <p:cSld>
-    <p:spTree>
-      <p:nvGrpSpPr>
-        <p:cNvPr id="1" name=""/>
-        <p:cNvGrpSpPr/>
-        <p:nvPr/>
-      </p:nvGrpSpPr>
-      <p:grpSpPr>
-        <a:xfrm>
-          <a:off x="0" y="0"/>
-          <a:ext cx="0" cy="0"/>
-          <a:chOff x="0" y="0"/>
-          <a:chExt cx="0" cy="0"/>
-        </a:xfrm>
-      </p:grpSpPr>
-      <p:sp>
-        <p:nvSpPr>
-          <p:cNvPr id="2" name="Content Placeholder 1"/>
-          <p:cNvSpPr>
-            <a:spLocks noGrp="1"/>
-          </p:cNvSpPr>
-          <p:nvPr>
-            <p:ph idx="1"/>
-          </p:nvPr>
-        </p:nvSpPr>
-        <p:spPr/>
-        <p:txBody>
-          <a:bodyPr/>
-          <a:lstStyle/>
-          <a:p>
-            <a:r>
-              <a:rPr lang="fr-CA" dirty="0" err="1" smtClean="0"/>
-              <a:t>JMXTrans</a:t>
-            </a:r>
-            <a:r>
-              <a:rPr lang="fr-CA" dirty="0" smtClean="0"/>
-              <a:t> / Graphite / tralala</a:t>
-            </a:r>
-          </a:p>
-          <a:p>
-            <a:endParaRPr lang="fr-FR" dirty="0"/>
-          </a:p>
-        </p:txBody>
-      </p:sp>
-      <p:sp>
-        <p:nvSpPr>
-          <p:cNvPr id="3" name="Title 2"/>
-          <p:cNvSpPr>
-            <a:spLocks noGrp="1"/>
-          </p:cNvSpPr>
-          <p:nvPr>
-            <p:ph type="title"/>
-          </p:nvPr>
-        </p:nvSpPr>
-        <p:spPr/>
-        <p:txBody>
-          <a:bodyPr/>
-          <a:lstStyle/>
-          <a:p>
-            <a:r>
-              <a:rPr lang="fr-CA" dirty="0" smtClean="0"/>
-              <a:t>On met en place JMX</a:t>
-            </a:r>
-            <a:endParaRPr lang="fr-FR" dirty="0"/>
-          </a:p>
-        </p:txBody>
-      </p:sp>
-    </p:spTree>
-    <p:extLst>
-      <p:ext uri="{BB962C8B-B14F-4D97-AF65-F5344CB8AC3E}">
-        <p14:creationId xmlns:p14="http://schemas.microsoft.com/office/powerpoint/2010/main" val="1926639714"/>
-      </p:ext>
-    </p:extLst>
-  </p:cSld>
-  <p:clrMapOvr>
-    <a:masterClrMapping/>
-  </p:clrMapOvr>
-  <p:timing>
-    <p:tnLst>
-      <p:par>
-        <p:cTn id="1" dur="indefinite" restart="never" nodeType="tmRoot"/>
-      </p:par>
-    </p:tnLst>
-  </p:timing>
-</p:sld>
-</file>
-
-<file path=ppt/slides/slide45.xml><?xml version="1.0" encoding="utf-8"?>
-<p:sld xmlns:a="http://schemas.openxmlformats.org/drawingml/2006/main" xmlns:r="http://schemas.openxmlformats.org/officeDocument/2006/relationships" xmlns:p="http://schemas.openxmlformats.org/presentationml/2006/main">
-  <p:cSld>
-    <p:spTree>
-      <p:nvGrpSpPr>
-        <p:cNvPr id="1" name=""/>
-        <p:cNvGrpSpPr/>
-        <p:nvPr/>
-      </p:nvGrpSpPr>
-      <p:grpSpPr>
-        <a:xfrm>
-          <a:off x="0" y="0"/>
-          <a:ext cx="0" cy="0"/>
-          <a:chOff x="0" y="0"/>
-          <a:chExt cx="0" cy="0"/>
-        </a:xfrm>
-      </p:grpSpPr>
-      <p:sp>
-        <p:nvSpPr>
-          <p:cNvPr id="2" name="Content Placeholder 1"/>
-          <p:cNvSpPr>
-            <a:spLocks noGrp="1"/>
-          </p:cNvSpPr>
-          <p:nvPr>
-            <p:ph idx="1"/>
-          </p:nvPr>
-        </p:nvSpPr>
-        <p:spPr/>
-        <p:txBody>
-          <a:bodyPr/>
-          <a:lstStyle/>
-          <a:p>
-            <a:endParaRPr lang="fr-FR"/>
-          </a:p>
-        </p:txBody>
-      </p:sp>
-      <p:sp>
-        <p:nvSpPr>
-          <p:cNvPr id="3" name="Title 2"/>
-          <p:cNvSpPr>
-            <a:spLocks noGrp="1"/>
-          </p:cNvSpPr>
-          <p:nvPr>
-            <p:ph type="title"/>
-          </p:nvPr>
-        </p:nvSpPr>
-        <p:spPr/>
-        <p:txBody>
-          <a:bodyPr/>
-          <a:lstStyle/>
-          <a:p>
-            <a:r>
-              <a:rPr lang="fr-CA" dirty="0" smtClean="0"/>
-              <a:t>Démo JMX</a:t>
-            </a:r>
-            <a:endParaRPr lang="fr-FR" dirty="0"/>
-          </a:p>
-        </p:txBody>
-      </p:sp>
-    </p:spTree>
-    <p:extLst>
-      <p:ext uri="{BB962C8B-B14F-4D97-AF65-F5344CB8AC3E}">
-        <p14:creationId xmlns:p14="http://schemas.microsoft.com/office/powerpoint/2010/main" val="3744334511"/>
-      </p:ext>
-    </p:extLst>
-  </p:cSld>
-  <p:clrMapOvr>
-    <a:masterClrMapping/>
-  </p:clrMapOvr>
-  <p:timing>
-    <p:tnLst>
-      <p:par>
-        <p:cTn id="1" dur="indefinite" restart="never" nodeType="tmRoot"/>
-      </p:par>
-    </p:tnLst>
-  </p:timing>
-</p:sld>
-</file>
-
-<file path=ppt/slides/slide46.xml><?xml version="1.0" encoding="utf-8"?>
+<file path=ppt/slides/slide40.xml><?xml version="1.0" encoding="utf-8"?>
 <p:sld xmlns:a="http://schemas.openxmlformats.org/drawingml/2006/main" xmlns:r="http://schemas.openxmlformats.org/officeDocument/2006/relationships" xmlns:p="http://schemas.openxmlformats.org/presentationml/2006/main">
   <p:cSld>
     <p:spTree>
@@ -40683,7 +39945,7 @@
 </p:sld>
 </file>
 
-<file path=ppt/slides/slide47.xml><?xml version="1.0" encoding="utf-8"?>
+<file path=ppt/slides/slide41.xml><?xml version="1.0" encoding="utf-8"?>
 <p:sld xmlns:a="http://schemas.openxmlformats.org/drawingml/2006/main" xmlns:r="http://schemas.openxmlformats.org/officeDocument/2006/relationships" xmlns:p="http://schemas.openxmlformats.org/presentationml/2006/main">
   <p:cSld>
     <p:spTree>
@@ -40702,7 +39964,7 @@
       </p:grpSpPr>
       <p:sp>
         <p:nvSpPr>
-          <p:cNvPr id="2" name="Title 1"/>
+          <p:cNvPr id="3" name="Title 2"/>
           <p:cNvSpPr>
             <a:spLocks noGrp="1"/>
           </p:cNvSpPr>
@@ -40716,123 +39978,17 @@
           <a:lstStyle/>
           <a:p>
             <a:r>
-              <a:rPr lang="fr-CA" dirty="0" smtClean="0"/>
-              <a:t>Un autre problème type système</a:t>
-            </a:r>
-            <a:endParaRPr lang="fr-FR" dirty="0"/>
-          </a:p>
-        </p:txBody>
-      </p:sp>
-      <p:sp>
-        <p:nvSpPr>
-          <p:cNvPr id="3" name="Content Placeholder 2"/>
-          <p:cNvSpPr>
-            <a:spLocks noGrp="1"/>
-          </p:cNvSpPr>
-          <p:nvPr>
-            <p:ph idx="1"/>
-          </p:nvPr>
-        </p:nvSpPr>
-        <p:spPr/>
-        <p:txBody>
-          <a:bodyPr/>
-          <a:lstStyle/>
-          <a:p>
-            <a:r>
-              <a:rPr lang="fr-CA" dirty="0" smtClean="0"/>
-              <a:t>Le logo du produit en </a:t>
-            </a:r>
-            <a:r>
-              <a:rPr lang="fr-CA" dirty="0" err="1" smtClean="0"/>
-              <a:t>dénormaliser</a:t>
-            </a:r>
-            <a:r>
-              <a:rPr lang="fr-CA" dirty="0" smtClean="0"/>
-              <a:t> dans la table </a:t>
-            </a:r>
-            <a:r>
-              <a:rPr lang="fr-CA" dirty="0" err="1" smtClean="0"/>
-              <a:t>sales_operations</a:t>
-            </a:r>
-            <a:endParaRPr lang="fr-CA" dirty="0" smtClean="0"/>
-          </a:p>
-          <a:p>
-            <a:endParaRPr lang="fr-CA" dirty="0"/>
-          </a:p>
-          <a:p>
-            <a:r>
-              <a:rPr lang="fr-CA" dirty="0" smtClean="0"/>
-              <a:t>Saturation disque</a:t>
-            </a:r>
-          </a:p>
-          <a:p>
-            <a:r>
-              <a:rPr lang="fr-CA" dirty="0" smtClean="0"/>
-              <a:t>Buffer TCP</a:t>
-            </a:r>
-          </a:p>
-          <a:p>
-            <a:r>
-              <a:rPr lang="fr-CA" dirty="0" err="1" smtClean="0"/>
-              <a:t>Tuning</a:t>
-            </a:r>
-            <a:r>
-              <a:rPr lang="fr-CA" dirty="0" smtClean="0"/>
-              <a:t> paramètres </a:t>
-            </a:r>
-            <a:r>
-              <a:rPr lang="fr-CA" dirty="0" err="1" smtClean="0"/>
-              <a:t>filesystem</a:t>
-            </a:r>
-            <a:endParaRPr lang="fr-CA" dirty="0" smtClean="0"/>
-          </a:p>
-          <a:p>
-            <a:endParaRPr lang="fr-CA" dirty="0"/>
-          </a:p>
-          <a:p>
-            <a:r>
-              <a:rPr lang="fr-CA" dirty="0" smtClean="0"/>
-              <a:t>NIO</a:t>
-            </a:r>
-          </a:p>
-          <a:p>
-            <a:r>
-              <a:rPr lang="fr-CA" dirty="0" smtClean="0"/>
-              <a:t>Pool de connexions DB</a:t>
-            </a:r>
-          </a:p>
-          <a:p>
-            <a:r>
-              <a:rPr lang="fr-CA" dirty="0" smtClean="0"/>
-              <a:t>Gros log en </a:t>
-            </a:r>
-            <a:r>
-              <a:rPr lang="fr-CA" dirty="0" err="1" smtClean="0"/>
-              <a:t>debug</a:t>
-            </a:r>
-            <a:endParaRPr lang="fr-CA" dirty="0" smtClean="0"/>
-          </a:p>
-          <a:p>
-            <a:endParaRPr lang="fr-CA" dirty="0"/>
-          </a:p>
-          <a:p>
-            <a:r>
-              <a:rPr lang="fr-CA" dirty="0" smtClean="0"/>
-              <a:t>Calcul de la vitesse disque, optimisation</a:t>
-            </a:r>
-          </a:p>
-          <a:p>
-            <a:endParaRPr lang="fr-CA" dirty="0"/>
-          </a:p>
-          <a:p>
-            <a:endParaRPr lang="fr-FR" dirty="0"/>
+              <a:rPr lang="en-US" dirty="0" smtClean="0"/>
+              <a:t>Test de rupture</a:t>
+            </a:r>
+            <a:endParaRPr lang="en-US" dirty="0"/>
           </a:p>
         </p:txBody>
       </p:sp>
     </p:spTree>
     <p:extLst>
       <p:ext uri="{BB962C8B-B14F-4D97-AF65-F5344CB8AC3E}">
-        <p14:creationId xmlns:p14="http://schemas.microsoft.com/office/powerpoint/2010/main" val="1786939187"/>
+        <p14:creationId xmlns:p14="http://schemas.microsoft.com/office/powerpoint/2010/main" val="645071017"/>
       </p:ext>
     </p:extLst>
   </p:cSld>
@@ -40849,7 +40005,7 @@
 </p:sld>
 </file>
 
-<file path=ppt/slides/slide48.xml><?xml version="1.0" encoding="utf-8"?>
+<file path=ppt/slides/slide42.xml><?xml version="1.0" encoding="utf-8"?>
 <p:sld xmlns:a="http://schemas.openxmlformats.org/drawingml/2006/main" xmlns:r="http://schemas.openxmlformats.org/officeDocument/2006/relationships" xmlns:p="http://schemas.openxmlformats.org/presentationml/2006/main">
   <p:cSld>
     <p:spTree>
@@ -40868,37 +40024,6 @@
       </p:grpSpPr>
       <p:sp>
         <p:nvSpPr>
-          <p:cNvPr id="2" name="Content Placeholder 1"/>
-          <p:cNvSpPr>
-            <a:spLocks noGrp="1"/>
-          </p:cNvSpPr>
-          <p:nvPr>
-            <p:ph idx="1"/>
-          </p:nvPr>
-        </p:nvSpPr>
-        <p:spPr/>
-        <p:txBody>
-          <a:bodyPr/>
-          <a:lstStyle/>
-          <a:p>
-            <a:r>
-              <a:rPr lang="fr-CA" dirty="0" smtClean="0"/>
-              <a:t>Avec des </a:t>
-            </a:r>
-            <a:r>
-              <a:rPr lang="fr-CA" dirty="0" err="1" smtClean="0"/>
-              <a:t>optims</a:t>
-            </a:r>
-            <a:r>
-              <a:rPr lang="fr-CA" dirty="0" smtClean="0"/>
-              <a:t> de notre application</a:t>
-            </a:r>
-            <a:endParaRPr lang="fr-FR" dirty="0"/>
-          </a:p>
-        </p:txBody>
-      </p:sp>
-      <p:sp>
-        <p:nvSpPr>
           <p:cNvPr id="3" name="Title 2"/>
           <p:cNvSpPr>
             <a:spLocks noGrp="1"/>
@@ -40913,17 +40038,17 @@
           <a:lstStyle/>
           <a:p>
             <a:r>
-              <a:rPr lang="fr-CA" dirty="0" smtClean="0"/>
-              <a:t>Slide Ludo</a:t>
-            </a:r>
-            <a:endParaRPr lang="fr-FR" dirty="0"/>
+              <a:rPr lang="en-US" dirty="0" smtClean="0"/>
+              <a:t>Metrics</a:t>
+            </a:r>
+            <a:endParaRPr lang="en-US" dirty="0"/>
           </a:p>
         </p:txBody>
       </p:sp>
     </p:spTree>
     <p:extLst>
       <p:ext uri="{BB962C8B-B14F-4D97-AF65-F5344CB8AC3E}">
-        <p14:creationId xmlns:p14="http://schemas.microsoft.com/office/powerpoint/2010/main" val="2917762691"/>
+        <p14:creationId xmlns:p14="http://schemas.microsoft.com/office/powerpoint/2010/main" val="3891298058"/>
       </p:ext>
     </p:extLst>
   </p:cSld>
@@ -40940,7 +40065,127 @@
 </p:sld>
 </file>
 
-<file path=ppt/slides/slide49.xml><?xml version="1.0" encoding="utf-8"?>
+<file path=ppt/slides/slide43.xml><?xml version="1.0" encoding="utf-8"?>
+<p:sld xmlns:a="http://schemas.openxmlformats.org/drawingml/2006/main" xmlns:r="http://schemas.openxmlformats.org/officeDocument/2006/relationships" xmlns:p="http://schemas.openxmlformats.org/presentationml/2006/main">
+  <p:cSld>
+    <p:spTree>
+      <p:nvGrpSpPr>
+        <p:cNvPr id="1" name=""/>
+        <p:cNvGrpSpPr/>
+        <p:nvPr/>
+      </p:nvGrpSpPr>
+      <p:grpSpPr>
+        <a:xfrm>
+          <a:off x="0" y="0"/>
+          <a:ext cx="0" cy="0"/>
+          <a:chOff x="0" y="0"/>
+          <a:chExt cx="0" cy="0"/>
+        </a:xfrm>
+      </p:grpSpPr>
+      <p:sp>
+        <p:nvSpPr>
+          <p:cNvPr id="3" name="Title 2"/>
+          <p:cNvSpPr>
+            <a:spLocks noGrp="1"/>
+          </p:cNvSpPr>
+          <p:nvPr>
+            <p:ph type="title"/>
+          </p:nvPr>
+        </p:nvSpPr>
+        <p:spPr/>
+        <p:txBody>
+          <a:bodyPr/>
+          <a:lstStyle/>
+          <a:p>
+            <a:r>
+              <a:rPr lang="fr-CA" dirty="0" smtClean="0"/>
+              <a:t>Graphite</a:t>
+            </a:r>
+            <a:endParaRPr lang="fr-FR" dirty="0"/>
+          </a:p>
+        </p:txBody>
+      </p:sp>
+    </p:spTree>
+    <p:extLst>
+      <p:ext uri="{BB962C8B-B14F-4D97-AF65-F5344CB8AC3E}">
+        <p14:creationId xmlns:p14="http://schemas.microsoft.com/office/powerpoint/2010/main" val="1926639714"/>
+      </p:ext>
+    </p:extLst>
+  </p:cSld>
+  <p:clrMapOvr>
+    <a:masterClrMapping/>
+  </p:clrMapOvr>
+  <p:timing>
+    <p:tnLst>
+      <p:par>
+        <p:cTn id="1" dur="indefinite" restart="never" nodeType="tmRoot"/>
+      </p:par>
+    </p:tnLst>
+  </p:timing>
+</p:sld>
+</file>
+
+<file path=ppt/slides/slide44.xml><?xml version="1.0" encoding="utf-8"?>
+<p:sld xmlns:a="http://schemas.openxmlformats.org/drawingml/2006/main" xmlns:r="http://schemas.openxmlformats.org/officeDocument/2006/relationships" xmlns:p="http://schemas.openxmlformats.org/presentationml/2006/main">
+  <p:cSld>
+    <p:spTree>
+      <p:nvGrpSpPr>
+        <p:cNvPr id="1" name=""/>
+        <p:cNvGrpSpPr/>
+        <p:nvPr/>
+      </p:nvGrpSpPr>
+      <p:grpSpPr>
+        <a:xfrm>
+          <a:off x="0" y="0"/>
+          <a:ext cx="0" cy="0"/>
+          <a:chOff x="0" y="0"/>
+          <a:chExt cx="0" cy="0"/>
+        </a:xfrm>
+      </p:grpSpPr>
+      <p:sp>
+        <p:nvSpPr>
+          <p:cNvPr id="3" name="Title 2"/>
+          <p:cNvSpPr>
+            <a:spLocks noGrp="1"/>
+          </p:cNvSpPr>
+          <p:nvPr>
+            <p:ph type="title"/>
+          </p:nvPr>
+        </p:nvSpPr>
+        <p:spPr/>
+        <p:txBody>
+          <a:bodyPr/>
+          <a:lstStyle/>
+          <a:p>
+            <a:r>
+              <a:rPr lang="fr-CA" dirty="0" err="1" smtClean="0"/>
+              <a:t>Tuning</a:t>
+            </a:r>
+            <a:endParaRPr lang="fr-FR" dirty="0"/>
+          </a:p>
+        </p:txBody>
+      </p:sp>
+    </p:spTree>
+    <p:extLst>
+      <p:ext uri="{BB962C8B-B14F-4D97-AF65-F5344CB8AC3E}">
+        <p14:creationId xmlns:p14="http://schemas.microsoft.com/office/powerpoint/2010/main" val="2458579990"/>
+      </p:ext>
+    </p:extLst>
+  </p:cSld>
+  <p:clrMapOvr>
+    <a:masterClrMapping/>
+  </p:clrMapOvr>
+  <p:timing>
+    <p:tnLst>
+      <p:par>
+        <p:cTn id="1" dur="indefinite" restart="never" nodeType="tmRoot"/>
+      </p:par>
+    </p:tnLst>
+  </p:timing>
+</p:sld>
+</file>
+
+<file path=ppt/slides/slide45.xml><?xml version="1.0" encoding="utf-8"?>
 <p:sld xmlns:a="http://schemas.openxmlformats.org/drawingml/2006/main" xmlns:r="http://schemas.openxmlformats.org/officeDocument/2006/relationships" xmlns:p="http://schemas.openxmlformats.org/presentationml/2006/main">
   <p:cSld>
     <p:spTree>
@@ -41091,6 +40336,285 @@
 </p:sld>
 </file>
 
+<file path=ppt/slides/slide46.xml><?xml version="1.0" encoding="utf-8"?>
+<p:sld xmlns:a="http://schemas.openxmlformats.org/drawingml/2006/main" xmlns:r="http://schemas.openxmlformats.org/officeDocument/2006/relationships" xmlns:p="http://schemas.openxmlformats.org/presentationml/2006/main">
+  <p:cSld>
+    <p:spTree>
+      <p:nvGrpSpPr>
+        <p:cNvPr id="1" name=""/>
+        <p:cNvGrpSpPr/>
+        <p:nvPr/>
+      </p:nvGrpSpPr>
+      <p:grpSpPr>
+        <a:xfrm>
+          <a:off x="0" y="0"/>
+          <a:ext cx="0" cy="0"/>
+          <a:chOff x="0" y="0"/>
+          <a:chExt cx="0" cy="0"/>
+        </a:xfrm>
+      </p:grpSpPr>
+      <p:sp>
+        <p:nvSpPr>
+          <p:cNvPr id="3" name="Title 2"/>
+          <p:cNvSpPr>
+            <a:spLocks noGrp="1"/>
+          </p:cNvSpPr>
+          <p:nvPr>
+            <p:ph type="title"/>
+          </p:nvPr>
+        </p:nvSpPr>
+        <p:spPr/>
+        <p:txBody>
+          <a:bodyPr/>
+          <a:lstStyle/>
+          <a:p>
+            <a:r>
+              <a:rPr lang="fr-CA" dirty="0"/>
+              <a:t>T</a:t>
+            </a:r>
+            <a:r>
+              <a:rPr lang="fr-CA" dirty="0" smtClean="0"/>
+              <a:t>est </a:t>
+            </a:r>
+            <a:r>
+              <a:rPr lang="fr-CA" dirty="0" smtClean="0"/>
+              <a:t>d’endurance</a:t>
+            </a:r>
+            <a:endParaRPr lang="fr-FR" dirty="0"/>
+          </a:p>
+        </p:txBody>
+      </p:sp>
+    </p:spTree>
+    <p:extLst>
+      <p:ext uri="{BB962C8B-B14F-4D97-AF65-F5344CB8AC3E}">
+        <p14:creationId xmlns:p14="http://schemas.microsoft.com/office/powerpoint/2010/main" val="1964325391"/>
+      </p:ext>
+    </p:extLst>
+  </p:cSld>
+  <p:clrMapOvr>
+    <a:masterClrMapping/>
+  </p:clrMapOvr>
+  <p:timing>
+    <p:tnLst>
+      <p:par>
+        <p:cTn id="1" dur="indefinite" restart="never" nodeType="tmRoot"/>
+      </p:par>
+    </p:tnLst>
+  </p:timing>
+</p:sld>
+</file>
+
+<file path=ppt/slides/slide47.xml><?xml version="1.0" encoding="utf-8"?>
+<p:sld xmlns:a="http://schemas.openxmlformats.org/drawingml/2006/main" xmlns:r="http://schemas.openxmlformats.org/officeDocument/2006/relationships" xmlns:p="http://schemas.openxmlformats.org/presentationml/2006/main">
+  <p:cSld>
+    <p:spTree>
+      <p:nvGrpSpPr>
+        <p:cNvPr id="1" name=""/>
+        <p:cNvGrpSpPr/>
+        <p:nvPr/>
+      </p:nvGrpSpPr>
+      <p:grpSpPr>
+        <a:xfrm>
+          <a:off x="0" y="0"/>
+          <a:ext cx="0" cy="0"/>
+          <a:chOff x="0" y="0"/>
+          <a:chExt cx="0" cy="0"/>
+        </a:xfrm>
+      </p:grpSpPr>
+      <p:sp>
+        <p:nvSpPr>
+          <p:cNvPr id="4" name="Title 3"/>
+          <p:cNvSpPr>
+            <a:spLocks noGrp="1"/>
+          </p:cNvSpPr>
+          <p:nvPr>
+            <p:ph type="title"/>
+          </p:nvPr>
+        </p:nvSpPr>
+        <p:spPr/>
+        <p:txBody>
+          <a:bodyPr/>
+          <a:lstStyle/>
+          <a:p>
+            <a:r>
+              <a:rPr lang="fr-CA" dirty="0" smtClean="0"/>
+              <a:t>Memory </a:t>
+            </a:r>
+            <a:r>
+              <a:rPr lang="fr-CA" dirty="0" err="1" smtClean="0"/>
+              <a:t>leak</a:t>
+            </a:r>
+            <a:endParaRPr lang="fr-FR" dirty="0"/>
+          </a:p>
+        </p:txBody>
+      </p:sp>
+    </p:spTree>
+    <p:extLst>
+      <p:ext uri="{BB962C8B-B14F-4D97-AF65-F5344CB8AC3E}">
+        <p14:creationId xmlns:p14="http://schemas.microsoft.com/office/powerpoint/2010/main" val="2009136816"/>
+      </p:ext>
+    </p:extLst>
+  </p:cSld>
+  <p:clrMapOvr>
+    <a:masterClrMapping/>
+  </p:clrMapOvr>
+  <p:timing>
+    <p:tnLst>
+      <p:par>
+        <p:cTn id="1" dur="indefinite" restart="never" nodeType="tmRoot"/>
+      </p:par>
+    </p:tnLst>
+  </p:timing>
+</p:sld>
+</file>
+
+<file path=ppt/slides/slide48.xml><?xml version="1.0" encoding="utf-8"?>
+<p:sld xmlns:a="http://schemas.openxmlformats.org/drawingml/2006/main" xmlns:r="http://schemas.openxmlformats.org/officeDocument/2006/relationships" xmlns:p="http://schemas.openxmlformats.org/presentationml/2006/main">
+  <p:cSld>
+    <p:spTree>
+      <p:nvGrpSpPr>
+        <p:cNvPr id="1" name=""/>
+        <p:cNvGrpSpPr/>
+        <p:nvPr/>
+      </p:nvGrpSpPr>
+      <p:grpSpPr>
+        <a:xfrm>
+          <a:off x="0" y="0"/>
+          <a:ext cx="0" cy="0"/>
+          <a:chOff x="0" y="0"/>
+          <a:chExt cx="0" cy="0"/>
+        </a:xfrm>
+      </p:grpSpPr>
+      <p:sp>
+        <p:nvSpPr>
+          <p:cNvPr id="3" name="Title 2"/>
+          <p:cNvSpPr>
+            <a:spLocks noGrp="1"/>
+          </p:cNvSpPr>
+          <p:nvPr>
+            <p:ph type="title"/>
+          </p:nvPr>
+        </p:nvSpPr>
+        <p:spPr/>
+        <p:txBody>
+          <a:bodyPr/>
+          <a:lstStyle/>
+          <a:p>
+            <a:r>
+              <a:rPr lang="fr-CA" dirty="0" err="1" smtClean="0"/>
+              <a:t>Tuning</a:t>
+            </a:r>
+            <a:r>
+              <a:rPr lang="fr-CA" dirty="0" smtClean="0"/>
+              <a:t> système</a:t>
+            </a:r>
+            <a:endParaRPr lang="fr-FR" dirty="0"/>
+          </a:p>
+        </p:txBody>
+      </p:sp>
+    </p:spTree>
+    <p:extLst>
+      <p:ext uri="{BB962C8B-B14F-4D97-AF65-F5344CB8AC3E}">
+        <p14:creationId xmlns:p14="http://schemas.microsoft.com/office/powerpoint/2010/main" val="1707559223"/>
+      </p:ext>
+    </p:extLst>
+  </p:cSld>
+  <p:clrMapOvr>
+    <a:masterClrMapping/>
+  </p:clrMapOvr>
+  <p:timing>
+    <p:tnLst>
+      <p:par>
+        <p:cTn id="1" dur="indefinite" restart="never" nodeType="tmRoot"/>
+      </p:par>
+    </p:tnLst>
+  </p:timing>
+</p:sld>
+</file>
+
+<file path=ppt/slides/slide49.xml><?xml version="1.0" encoding="utf-8"?>
+<p:sld xmlns:a="http://schemas.openxmlformats.org/drawingml/2006/main" xmlns:r="http://schemas.openxmlformats.org/officeDocument/2006/relationships" xmlns:p="http://schemas.openxmlformats.org/presentationml/2006/main">
+  <p:cSld>
+    <p:spTree>
+      <p:nvGrpSpPr>
+        <p:cNvPr id="1" name=""/>
+        <p:cNvGrpSpPr/>
+        <p:nvPr/>
+      </p:nvGrpSpPr>
+      <p:grpSpPr>
+        <a:xfrm>
+          <a:off x="0" y="0"/>
+          <a:ext cx="0" cy="0"/>
+          <a:chOff x="0" y="0"/>
+          <a:chExt cx="0" cy="0"/>
+        </a:xfrm>
+      </p:grpSpPr>
+      <p:sp>
+        <p:nvSpPr>
+          <p:cNvPr id="2" name="Content Placeholder 1"/>
+          <p:cNvSpPr>
+            <a:spLocks noGrp="1"/>
+          </p:cNvSpPr>
+          <p:nvPr>
+            <p:ph idx="1"/>
+          </p:nvPr>
+        </p:nvSpPr>
+        <p:spPr/>
+        <p:txBody>
+          <a:bodyPr/>
+          <a:lstStyle/>
+          <a:p>
+            <a:endParaRPr lang="en-US"/>
+          </a:p>
+        </p:txBody>
+      </p:sp>
+      <p:sp>
+        <p:nvSpPr>
+          <p:cNvPr id="3" name="Title 2"/>
+          <p:cNvSpPr>
+            <a:spLocks noGrp="1"/>
+          </p:cNvSpPr>
+          <p:nvPr>
+            <p:ph type="title"/>
+          </p:nvPr>
+        </p:nvSpPr>
+        <p:spPr/>
+        <p:txBody>
+          <a:bodyPr/>
+          <a:lstStyle/>
+          <a:p>
+            <a:r>
+              <a:rPr lang="en-US" dirty="0" smtClean="0"/>
+              <a:t>Résumé de la </a:t>
+            </a:r>
+            <a:r>
+              <a:rPr lang="en-US" dirty="0" err="1" smtClean="0"/>
+              <a:t>journée</a:t>
+            </a:r>
+            <a:endParaRPr lang="en-US" dirty="0"/>
+          </a:p>
+        </p:txBody>
+      </p:sp>
+    </p:spTree>
+    <p:extLst>
+      <p:ext uri="{BB962C8B-B14F-4D97-AF65-F5344CB8AC3E}">
+        <p14:creationId xmlns:p14="http://schemas.microsoft.com/office/powerpoint/2010/main" val="1733038680"/>
+      </p:ext>
+    </p:extLst>
+  </p:cSld>
+  <p:clrMapOvr>
+    <a:masterClrMapping/>
+  </p:clrMapOvr>
+  <p:timing>
+    <p:tnLst>
+      <p:par>
+        <p:cTn id="1" dur="indefinite" restart="never" nodeType="tmRoot"/>
+      </p:par>
+    </p:tnLst>
+  </p:timing>
+</p:sld>
+</file>
+
 <file path=ppt/slides/slide5.xml><?xml version="1.0" encoding="utf-8"?>
 <p:sld xmlns:a="http://schemas.openxmlformats.org/drawingml/2006/main" xmlns:r="http://schemas.openxmlformats.org/officeDocument/2006/relationships" xmlns:p="http://schemas.openxmlformats.org/presentationml/2006/main">
   <p:cSld>
@@ -41136,7 +40660,7 @@
           <a:p>
             <a:r>
               <a:rPr lang="fr-FR" dirty="0" smtClean="0"/>
-              <a:t>Responsable pôle performance</a:t>
+              <a:t>Référent technique pôle performance</a:t>
             </a:r>
           </a:p>
           <a:p>
@@ -41147,26 +40671,56 @@
               <a:rPr lang="fr-FR" dirty="0" smtClean="0"/>
               <a:t>Responsable R&amp;D</a:t>
             </a:r>
-          </a:p>
-          <a:p>
-            <a:endParaRPr lang="fr-FR" dirty="0"/>
-          </a:p>
-          <a:p>
-            <a:r>
-              <a:rPr lang="fr-FR" dirty="0" smtClean="0"/>
-              <a:t>Membre fondateur du </a:t>
-            </a:r>
-            <a:r>
-              <a:rPr lang="fr-FR" dirty="0" err="1" smtClean="0"/>
-              <a:t>PerfUG</a:t>
-            </a:r>
-            <a:endParaRPr lang="fr-FR" dirty="0" smtClean="0"/>
           </a:p>
           <a:p>
             <a:pPr marL="0" indent="0">
               <a:buNone/>
             </a:pPr>
             <a:endParaRPr lang="fr-FR" dirty="0" smtClean="0"/>
+          </a:p>
+          <a:p>
+            <a:r>
+              <a:rPr lang="fr-FR" dirty="0" err="1" smtClean="0"/>
+              <a:t>EasyMock</a:t>
+            </a:r>
+            <a:r>
+              <a:rPr lang="fr-FR" dirty="0" smtClean="0"/>
+              <a:t> lead </a:t>
+            </a:r>
+            <a:r>
+              <a:rPr lang="fr-FR" dirty="0" err="1" smtClean="0"/>
+              <a:t>developer</a:t>
+            </a:r>
+            <a:endParaRPr lang="fr-FR" dirty="0" smtClean="0"/>
+          </a:p>
+          <a:p>
+            <a:r>
+              <a:rPr lang="fr-FR" dirty="0" err="1" smtClean="0"/>
+              <a:t>Objenesis</a:t>
+            </a:r>
+            <a:r>
+              <a:rPr lang="fr-FR" dirty="0" smtClean="0"/>
+              <a:t> lead </a:t>
+            </a:r>
+            <a:r>
+              <a:rPr lang="fr-FR" dirty="0" err="1" smtClean="0"/>
+              <a:t>developer</a:t>
+            </a:r>
+            <a:endParaRPr lang="fr-FR" dirty="0" smtClean="0"/>
+          </a:p>
+          <a:p>
+            <a:r>
+              <a:rPr lang="fr-FR" dirty="0"/>
+              <a:t>Membre fondateur du </a:t>
+            </a:r>
+            <a:r>
+              <a:rPr lang="fr-FR" dirty="0" err="1"/>
+              <a:t>PerfUG</a:t>
+            </a:r>
+            <a:endParaRPr lang="fr-FR" dirty="0"/>
+          </a:p>
+          <a:p>
+            <a:endParaRPr lang="fr-FR" dirty="0"/>
           </a:p>
         </p:txBody>
       </p:sp>
@@ -41213,6 +40767,88 @@
       </p:pic>
       <p:pic>
         <p:nvPicPr>
+          <p:cNvPr id="2050" name="Picture 2" descr="http://easymock.org/img/easymock.gif"/>
+          <p:cNvPicPr>
+            <a:picLocks noChangeAspect="1" noChangeArrowheads="1"/>
+          </p:cNvPicPr>
+          <p:nvPr/>
+        </p:nvPicPr>
+        <p:blipFill>
+          <a:blip r:embed="rId4">
+            <a:extLst>
+              <a:ext uri="{28A0092B-C50C-407E-A947-70E740481C1C}">
+                <a14:useLocalDpi xmlns:a14="http://schemas.microsoft.com/office/drawing/2010/main" val="0"/>
+              </a:ext>
+            </a:extLst>
+          </a:blip>
+          <a:srcRect/>
+          <a:stretch>
+            <a:fillRect/>
+          </a:stretch>
+        </p:blipFill>
+        <p:spPr bwMode="auto">
+          <a:xfrm>
+            <a:off x="6179656" y="2067694"/>
+            <a:ext cx="2867025" cy="542926"/>
+          </a:xfrm>
+          <a:prstGeom prst="rect">
+            <a:avLst/>
+          </a:prstGeom>
+          <a:noFill/>
+          <a:extLst>
+            <a:ext uri="{909E8E84-426E-40DD-AFC4-6F175D3DCCD1}">
+              <a14:hiddenFill xmlns:a14="http://schemas.microsoft.com/office/drawing/2010/main">
+                <a:solidFill>
+                  <a:srgbClr val="FFFFFF"/>
+                </a:solidFill>
+              </a14:hiddenFill>
+            </a:ext>
+          </a:extLst>
+        </p:spPr>
+      </p:pic>
+      <p:pic>
+        <p:nvPicPr>
+          <p:cNvPr id="2052" name="Picture 4" descr="http://objenesis.googlecode.com/svn-history/r218/docs/objenesis.png"/>
+          <p:cNvPicPr>
+            <a:picLocks noChangeAspect="1" noChangeArrowheads="1"/>
+          </p:cNvPicPr>
+          <p:nvPr/>
+        </p:nvPicPr>
+        <p:blipFill>
+          <a:blip r:embed="rId5">
+            <a:extLst>
+              <a:ext uri="{28A0092B-C50C-407E-A947-70E740481C1C}">
+                <a14:useLocalDpi xmlns:a14="http://schemas.microsoft.com/office/drawing/2010/main" val="0"/>
+              </a:ext>
+            </a:extLst>
+          </a:blip>
+          <a:srcRect/>
+          <a:stretch>
+            <a:fillRect/>
+          </a:stretch>
+        </p:blipFill>
+        <p:spPr bwMode="auto">
+          <a:xfrm>
+            <a:off x="6300192" y="2859782"/>
+            <a:ext cx="2905125" cy="762000"/>
+          </a:xfrm>
+          <a:prstGeom prst="rect">
+            <a:avLst/>
+          </a:prstGeom>
+          <a:noFill/>
+          <a:extLst>
+            <a:ext uri="{909E8E84-426E-40DD-AFC4-6F175D3DCCD1}">
+              <a14:hiddenFill xmlns:a14="http://schemas.microsoft.com/office/drawing/2010/main">
+                <a:solidFill>
+                  <a:srgbClr val="FFFFFF"/>
+                </a:solidFill>
+              </a14:hiddenFill>
+            </a:ext>
+          </a:extLst>
+        </p:spPr>
+      </p:pic>
+      <p:pic>
+        <p:nvPicPr>
           <p:cNvPr id="2054" name="Picture 6" descr="http://datajob2013.fr/assets/uploads/Logos/octo.png"/>
           <p:cNvPicPr>
             <a:picLocks noChangeAspect="1" noChangeArrowheads="1"/>
@@ -41220,7 +40856,7 @@
           <p:nvPr/>
         </p:nvPicPr>
         <p:blipFill>
-          <a:blip r:embed="rId4">
+          <a:blip r:embed="rId6">
             <a:extLst>
               <a:ext uri="{28A0092B-C50C-407E-A947-70E740481C1C}">
                 <a14:useLocalDpi xmlns:a14="http://schemas.microsoft.com/office/drawing/2010/main" val="0"/>
@@ -41269,62 +40905,17 @@
           <a:p>
             <a:pPr algn="l"/>
             <a:r>
-              <a:rPr lang="fr-FR" b="1" dirty="0" smtClean="0"/>
-              <a:t>Marc </a:t>
-            </a:r>
-            <a:r>
-              <a:rPr lang="fr-FR" b="1" dirty="0" err="1" smtClean="0"/>
-              <a:t>Bojoly</a:t>
-            </a:r>
-            <a:endParaRPr lang="fr-FR" b="1" dirty="0"/>
+              <a:rPr lang="fr-FR" b="1" smtClean="0"/>
+              <a:t>Henri Tremblay</a:t>
+            </a:r>
+            <a:endParaRPr lang="fr-FR" b="1"/>
           </a:p>
         </p:txBody>
       </p:sp>
-      <p:pic>
-        <p:nvPicPr>
-          <p:cNvPr id="8" name="Picture 2" descr="http://perfug.github.io/assets/themes/perfug/skin/logo_perfug.png"/>
-          <p:cNvPicPr>
-            <a:picLocks noChangeAspect="1" noChangeArrowheads="1"/>
-          </p:cNvPicPr>
-          <p:nvPr/>
-        </p:nvPicPr>
-        <p:blipFill>
-          <a:blip r:embed="rId5">
-            <a:extLst>
-              <a:ext uri="{28A0092B-C50C-407E-A947-70E740481C1C}">
-                <a14:useLocalDpi xmlns:a14="http://schemas.microsoft.com/office/drawing/2010/main" val="0"/>
-              </a:ext>
-            </a:extLst>
-          </a:blip>
-          <a:srcRect/>
-          <a:stretch>
-            <a:fillRect/>
-          </a:stretch>
-        </p:blipFill>
-        <p:spPr bwMode="auto">
-          <a:xfrm>
-            <a:off x="6084168" y="1995686"/>
-            <a:ext cx="2601172" cy="1283433"/>
-          </a:xfrm>
-          <a:prstGeom prst="rect">
-            <a:avLst/>
-          </a:prstGeom>
-          <a:noFill/>
-          <a:extLst>
-            <a:ext uri="{909E8E84-426E-40DD-AFC4-6F175D3DCCD1}">
-              <a14:hiddenFill xmlns:a14="http://schemas.microsoft.com/office/drawing/2010/main">
-                <a:solidFill>
-                  <a:srgbClr val="FFFFFF"/>
-                </a:solidFill>
-              </a14:hiddenFill>
-            </a:ext>
-          </a:extLst>
-        </p:spPr>
-      </p:pic>
     </p:spTree>
     <p:extLst>
       <p:ext uri="{BB962C8B-B14F-4D97-AF65-F5344CB8AC3E}">
-        <p14:creationId xmlns:p14="http://schemas.microsoft.com/office/powerpoint/2010/main" val="3096689219"/>
+        <p14:creationId xmlns:p14="http://schemas.microsoft.com/office/powerpoint/2010/main" val="2424004288"/>
       </p:ext>
     </p:extLst>
   </p:cSld>
@@ -41342,334 +40933,6 @@
 </file>
 
 <file path=ppt/slides/slide50.xml><?xml version="1.0" encoding="utf-8"?>
-<p:sld xmlns:a="http://schemas.openxmlformats.org/drawingml/2006/main" xmlns:r="http://schemas.openxmlformats.org/officeDocument/2006/relationships" xmlns:p="http://schemas.openxmlformats.org/presentationml/2006/main">
-  <p:cSld>
-    <p:spTree>
-      <p:nvGrpSpPr>
-        <p:cNvPr id="1" name=""/>
-        <p:cNvGrpSpPr/>
-        <p:nvPr/>
-      </p:nvGrpSpPr>
-      <p:grpSpPr>
-        <a:xfrm>
-          <a:off x="0" y="0"/>
-          <a:ext cx="0" cy="0"/>
-          <a:chOff x="0" y="0"/>
-          <a:chExt cx="0" cy="0"/>
-        </a:xfrm>
-      </p:grpSpPr>
-      <p:sp>
-        <p:nvSpPr>
-          <p:cNvPr id="2" name="Content Placeholder 1"/>
-          <p:cNvSpPr>
-            <a:spLocks noGrp="1"/>
-          </p:cNvSpPr>
-          <p:nvPr>
-            <p:ph idx="1"/>
-          </p:nvPr>
-        </p:nvSpPr>
-        <p:spPr/>
-        <p:txBody>
-          <a:bodyPr/>
-          <a:lstStyle/>
-          <a:p>
-            <a:endParaRPr lang="fr-FR"/>
-          </a:p>
-        </p:txBody>
-      </p:sp>
-      <p:sp>
-        <p:nvSpPr>
-          <p:cNvPr id="3" name="Title 2"/>
-          <p:cNvSpPr>
-            <a:spLocks noGrp="1"/>
-          </p:cNvSpPr>
-          <p:nvPr>
-            <p:ph type="title"/>
-          </p:nvPr>
-        </p:nvSpPr>
-        <p:spPr/>
-        <p:txBody>
-          <a:bodyPr/>
-          <a:lstStyle/>
-          <a:p>
-            <a:r>
-              <a:rPr lang="fr-CA" dirty="0" err="1" smtClean="0"/>
-              <a:t>Run</a:t>
-            </a:r>
-            <a:r>
-              <a:rPr lang="fr-CA" dirty="0" smtClean="0"/>
-              <a:t> test d’endurance</a:t>
-            </a:r>
-            <a:endParaRPr lang="fr-FR" dirty="0"/>
-          </a:p>
-        </p:txBody>
-      </p:sp>
-    </p:spTree>
-    <p:extLst>
-      <p:ext uri="{BB962C8B-B14F-4D97-AF65-F5344CB8AC3E}">
-        <p14:creationId xmlns:p14="http://schemas.microsoft.com/office/powerpoint/2010/main" val="1964325391"/>
-      </p:ext>
-    </p:extLst>
-  </p:cSld>
-  <p:clrMapOvr>
-    <a:masterClrMapping/>
-  </p:clrMapOvr>
-  <p:timing>
-    <p:tnLst>
-      <p:par>
-        <p:cTn id="1" dur="indefinite" restart="never" nodeType="tmRoot"/>
-      </p:par>
-    </p:tnLst>
-  </p:timing>
-</p:sld>
-</file>
-
-<file path=ppt/slides/slide51.xml><?xml version="1.0" encoding="utf-8"?>
-<p:sld xmlns:a="http://schemas.openxmlformats.org/drawingml/2006/main" xmlns:r="http://schemas.openxmlformats.org/officeDocument/2006/relationships" xmlns:p="http://schemas.openxmlformats.org/presentationml/2006/main">
-  <p:cSld>
-    <p:spTree>
-      <p:nvGrpSpPr>
-        <p:cNvPr id="1" name=""/>
-        <p:cNvGrpSpPr/>
-        <p:nvPr/>
-      </p:nvGrpSpPr>
-      <p:grpSpPr>
-        <a:xfrm>
-          <a:off x="0" y="0"/>
-          <a:ext cx="0" cy="0"/>
-          <a:chOff x="0" y="0"/>
-          <a:chExt cx="0" cy="0"/>
-        </a:xfrm>
-      </p:grpSpPr>
-      <p:sp>
-        <p:nvSpPr>
-          <p:cNvPr id="5" name="Content Placeholder 4"/>
-          <p:cNvSpPr>
-            <a:spLocks noGrp="1"/>
-          </p:cNvSpPr>
-          <p:nvPr>
-            <p:ph idx="1"/>
-          </p:nvPr>
-        </p:nvSpPr>
-        <p:spPr/>
-        <p:txBody>
-          <a:bodyPr/>
-          <a:lstStyle/>
-          <a:p>
-            <a:r>
-              <a:rPr lang="fr-CA" dirty="0" smtClean="0"/>
-              <a:t>Sessions avec plein de transactions dedans</a:t>
-            </a:r>
-            <a:endParaRPr lang="fr-FR" dirty="0"/>
-          </a:p>
-        </p:txBody>
-      </p:sp>
-      <p:sp>
-        <p:nvSpPr>
-          <p:cNvPr id="4" name="Title 3"/>
-          <p:cNvSpPr>
-            <a:spLocks noGrp="1"/>
-          </p:cNvSpPr>
-          <p:nvPr>
-            <p:ph type="title"/>
-          </p:nvPr>
-        </p:nvSpPr>
-        <p:spPr/>
-        <p:txBody>
-          <a:bodyPr/>
-          <a:lstStyle/>
-          <a:p>
-            <a:r>
-              <a:rPr lang="fr-CA" dirty="0" smtClean="0"/>
-              <a:t>Memory </a:t>
-            </a:r>
-            <a:r>
-              <a:rPr lang="fr-CA" dirty="0" err="1" smtClean="0"/>
-              <a:t>leak</a:t>
-            </a:r>
-            <a:endParaRPr lang="fr-FR" dirty="0"/>
-          </a:p>
-        </p:txBody>
-      </p:sp>
-    </p:spTree>
-    <p:extLst>
-      <p:ext uri="{BB962C8B-B14F-4D97-AF65-F5344CB8AC3E}">
-        <p14:creationId xmlns:p14="http://schemas.microsoft.com/office/powerpoint/2010/main" val="2009136816"/>
-      </p:ext>
-    </p:extLst>
-  </p:cSld>
-  <p:clrMapOvr>
-    <a:masterClrMapping/>
-  </p:clrMapOvr>
-  <p:timing>
-    <p:tnLst>
-      <p:par>
-        <p:cTn id="1" dur="indefinite" restart="never" nodeType="tmRoot"/>
-      </p:par>
-    </p:tnLst>
-  </p:timing>
-</p:sld>
-</file>
-
-<file path=ppt/slides/slide52.xml><?xml version="1.0" encoding="utf-8"?>
-<p:sld xmlns:a="http://schemas.openxmlformats.org/drawingml/2006/main" xmlns:r="http://schemas.openxmlformats.org/officeDocument/2006/relationships" xmlns:p="http://schemas.openxmlformats.org/presentationml/2006/main">
-  <p:cSld>
-    <p:spTree>
-      <p:nvGrpSpPr>
-        <p:cNvPr id="1" name=""/>
-        <p:cNvGrpSpPr/>
-        <p:nvPr/>
-      </p:nvGrpSpPr>
-      <p:grpSpPr>
-        <a:xfrm>
-          <a:off x="0" y="0"/>
-          <a:ext cx="0" cy="0"/>
-          <a:chOff x="0" y="0"/>
-          <a:chExt cx="0" cy="0"/>
-        </a:xfrm>
-      </p:grpSpPr>
-      <p:sp>
-        <p:nvSpPr>
-          <p:cNvPr id="2" name="Content Placeholder 1"/>
-          <p:cNvSpPr>
-            <a:spLocks noGrp="1"/>
-          </p:cNvSpPr>
-          <p:nvPr>
-            <p:ph idx="1"/>
-          </p:nvPr>
-        </p:nvSpPr>
-        <p:spPr/>
-        <p:txBody>
-          <a:bodyPr/>
-          <a:lstStyle/>
-          <a:p>
-            <a:endParaRPr lang="fr-FR"/>
-          </a:p>
-        </p:txBody>
-      </p:sp>
-      <p:sp>
-        <p:nvSpPr>
-          <p:cNvPr id="3" name="Title 2"/>
-          <p:cNvSpPr>
-            <a:spLocks noGrp="1"/>
-          </p:cNvSpPr>
-          <p:nvPr>
-            <p:ph type="title"/>
-          </p:nvPr>
-        </p:nvSpPr>
-        <p:spPr/>
-        <p:txBody>
-          <a:bodyPr/>
-          <a:lstStyle/>
-          <a:p>
-            <a:r>
-              <a:rPr lang="fr-CA" dirty="0" smtClean="0"/>
-              <a:t>Automatisation des tests</a:t>
-            </a:r>
-            <a:endParaRPr lang="fr-FR" dirty="0"/>
-          </a:p>
-        </p:txBody>
-      </p:sp>
-    </p:spTree>
-    <p:extLst>
-      <p:ext uri="{BB962C8B-B14F-4D97-AF65-F5344CB8AC3E}">
-        <p14:creationId xmlns:p14="http://schemas.microsoft.com/office/powerpoint/2010/main" val="1946290376"/>
-      </p:ext>
-    </p:extLst>
-  </p:cSld>
-  <p:clrMapOvr>
-    <a:masterClrMapping/>
-  </p:clrMapOvr>
-  <p:timing>
-    <p:tnLst>
-      <p:par>
-        <p:cTn id="1" dur="indefinite" restart="never" nodeType="tmRoot"/>
-      </p:par>
-    </p:tnLst>
-  </p:timing>
-</p:sld>
-</file>
-
-<file path=ppt/slides/slide53.xml><?xml version="1.0" encoding="utf-8"?>
-<p:sld xmlns:a="http://schemas.openxmlformats.org/drawingml/2006/main" xmlns:r="http://schemas.openxmlformats.org/officeDocument/2006/relationships" xmlns:p="http://schemas.openxmlformats.org/presentationml/2006/main">
-  <p:cSld>
-    <p:spTree>
-      <p:nvGrpSpPr>
-        <p:cNvPr id="1" name=""/>
-        <p:cNvGrpSpPr/>
-        <p:nvPr/>
-      </p:nvGrpSpPr>
-      <p:grpSpPr>
-        <a:xfrm>
-          <a:off x="0" y="0"/>
-          <a:ext cx="0" cy="0"/>
-          <a:chOff x="0" y="0"/>
-          <a:chExt cx="0" cy="0"/>
-        </a:xfrm>
-      </p:grpSpPr>
-      <p:sp>
-        <p:nvSpPr>
-          <p:cNvPr id="2" name="Content Placeholder 1"/>
-          <p:cNvSpPr>
-            <a:spLocks noGrp="1"/>
-          </p:cNvSpPr>
-          <p:nvPr>
-            <p:ph idx="1"/>
-          </p:nvPr>
-        </p:nvSpPr>
-        <p:spPr/>
-        <p:txBody>
-          <a:bodyPr/>
-          <a:lstStyle/>
-          <a:p>
-            <a:endParaRPr lang="fr-FR"/>
-          </a:p>
-        </p:txBody>
-      </p:sp>
-      <p:sp>
-        <p:nvSpPr>
-          <p:cNvPr id="3" name="Title 2"/>
-          <p:cNvSpPr>
-            <a:spLocks noGrp="1"/>
-          </p:cNvSpPr>
-          <p:nvPr>
-            <p:ph type="title"/>
-          </p:nvPr>
-        </p:nvSpPr>
-        <p:spPr/>
-        <p:txBody>
-          <a:bodyPr/>
-          <a:lstStyle/>
-          <a:p>
-            <a:r>
-              <a:rPr lang="fr-CA" dirty="0" smtClean="0"/>
-              <a:t>Bogue de perf détecté en automatique</a:t>
-            </a:r>
-            <a:endParaRPr lang="fr-FR" dirty="0"/>
-          </a:p>
-        </p:txBody>
-      </p:sp>
-    </p:spTree>
-    <p:extLst>
-      <p:ext uri="{BB962C8B-B14F-4D97-AF65-F5344CB8AC3E}">
-        <p14:creationId xmlns:p14="http://schemas.microsoft.com/office/powerpoint/2010/main" val="1500559512"/>
-      </p:ext>
-    </p:extLst>
-  </p:cSld>
-  <p:clrMapOvr>
-    <a:masterClrMapping/>
-  </p:clrMapOvr>
-  <p:timing>
-    <p:tnLst>
-      <p:par>
-        <p:cTn id="1" dur="indefinite" restart="never" nodeType="tmRoot"/>
-      </p:par>
-    </p:tnLst>
-  </p:timing>
-</p:sld>
-</file>
-
-<file path=ppt/slides/slide54.xml><?xml version="1.0" encoding="utf-8"?>
 <p:sld xmlns:a="http://schemas.openxmlformats.org/drawingml/2006/main" xmlns:r="http://schemas.openxmlformats.org/officeDocument/2006/relationships" xmlns:p="http://schemas.openxmlformats.org/presentationml/2006/main">
   <p:cSld>
     <p:spTree>
@@ -42103,7 +41366,7 @@
           <a:p>
             <a:r>
               <a:rPr lang="fr-CA" dirty="0" smtClean="0"/>
-              <a:t>Sommaire</a:t>
+              <a:t>Résumé des tests de charge</a:t>
             </a:r>
             <a:endParaRPr lang="fr-CA" dirty="0"/>
           </a:p>
@@ -42133,7 +41396,7 @@
           <a:p>
             <a:pPr marL="171450" indent="-171450">
               <a:buBlip>
-                <a:blip r:embed="rId2"/>
+                <a:blip r:embed="rId3"/>
               </a:buBlip>
             </a:pPr>
             <a:r>
@@ -42204,7 +41467,7 @@
 </p:sld>
 </file>
 
-<file path=ppt/slides/slide55.xml><?xml version="1.0" encoding="utf-8"?>
+<file path=ppt/slides/slide51.xml><?xml version="1.0" encoding="utf-8"?>
 <p:sld xmlns:a="http://schemas.openxmlformats.org/drawingml/2006/main" xmlns:r="http://schemas.openxmlformats.org/officeDocument/2006/relationships" xmlns:p="http://schemas.openxmlformats.org/presentationml/2006/main">
   <p:cSld>
     <p:spTree>
@@ -42287,12 +41550,8 @@
           <a:lstStyle/>
           <a:p>
             <a:r>
-              <a:rPr lang="fr-CA" dirty="0" err="1" smtClean="0"/>
-              <a:t>Wrap</a:t>
-            </a:r>
-            <a:r>
               <a:rPr lang="fr-CA" dirty="0" smtClean="0"/>
-              <a:t> up</a:t>
+              <a:t>Liens utiles</a:t>
             </a:r>
             <a:endParaRPr lang="fr-FR" dirty="0"/>
           </a:p>
@@ -42500,7 +41759,7 @@
 </p:sld>
 </file>
 
-<file path=ppt/slides/slide56.xml><?xml version="1.0" encoding="utf-8"?>
+<file path=ppt/slides/slide52.xml><?xml version="1.0" encoding="utf-8"?>
 <p:sld xmlns:a="http://schemas.openxmlformats.org/drawingml/2006/main" xmlns:r="http://schemas.openxmlformats.org/officeDocument/2006/relationships" xmlns:p="http://schemas.openxmlformats.org/presentationml/2006/main">
   <p:cSld>
     <p:spTree>
@@ -42667,7 +41926,7 @@
 </p:sld>
 </file>
 
-<file path=ppt/slides/slide57.xml><?xml version="1.0" encoding="utf-8"?>
+<file path=ppt/slides/slide53.xml><?xml version="1.0" encoding="utf-8"?>
 <p:sld xmlns:a="http://schemas.openxmlformats.org/drawingml/2006/main" xmlns:r="http://schemas.openxmlformats.org/officeDocument/2006/relationships" xmlns:p="http://schemas.openxmlformats.org/presentationml/2006/main">
   <p:cSld>
     <p:spTree>
@@ -43327,323 +42586,6 @@
           <a:p>
             <a:r>
               <a:rPr lang="fr-FR" dirty="0" smtClean="0"/>
-              <a:t>Référent technique pôle performance</a:t>
-            </a:r>
-          </a:p>
-          <a:p>
-            <a:endParaRPr lang="fr-FR" dirty="0" smtClean="0"/>
-          </a:p>
-          <a:p>
-            <a:r>
-              <a:rPr lang="fr-FR" dirty="0" smtClean="0"/>
-              <a:t>Responsable R&amp;D</a:t>
-            </a:r>
-          </a:p>
-          <a:p>
-            <a:pPr marL="0" indent="0">
-              <a:buNone/>
-            </a:pPr>
-            <a:endParaRPr lang="fr-FR" dirty="0" smtClean="0"/>
-          </a:p>
-          <a:p>
-            <a:r>
-              <a:rPr lang="fr-FR" dirty="0" err="1" smtClean="0"/>
-              <a:t>EasyMock</a:t>
-            </a:r>
-            <a:r>
-              <a:rPr lang="fr-FR" dirty="0" smtClean="0"/>
-              <a:t> lead </a:t>
-            </a:r>
-            <a:r>
-              <a:rPr lang="fr-FR" dirty="0" err="1" smtClean="0"/>
-              <a:t>developer</a:t>
-            </a:r>
-            <a:endParaRPr lang="fr-FR" dirty="0" smtClean="0"/>
-          </a:p>
-          <a:p>
-            <a:r>
-              <a:rPr lang="fr-FR" dirty="0" err="1" smtClean="0"/>
-              <a:t>Objenesis</a:t>
-            </a:r>
-            <a:r>
-              <a:rPr lang="fr-FR" dirty="0" smtClean="0"/>
-              <a:t> lead </a:t>
-            </a:r>
-            <a:r>
-              <a:rPr lang="fr-FR" dirty="0" err="1" smtClean="0"/>
-              <a:t>developer</a:t>
-            </a:r>
-            <a:endParaRPr lang="fr-FR" dirty="0" smtClean="0"/>
-          </a:p>
-          <a:p>
-            <a:r>
-              <a:rPr lang="fr-FR" dirty="0"/>
-              <a:t>Membre fondateur du </a:t>
-            </a:r>
-            <a:r>
-              <a:rPr lang="fr-FR" dirty="0" err="1"/>
-              <a:t>PerfUG</a:t>
-            </a:r>
-            <a:endParaRPr lang="fr-FR" dirty="0"/>
-          </a:p>
-          <a:p>
-            <a:endParaRPr lang="fr-FR" dirty="0"/>
-          </a:p>
-        </p:txBody>
-      </p:sp>
-      <p:pic>
-        <p:nvPicPr>
-          <p:cNvPr id="4" name="Picture 2" descr="C:\Users\Henri\Google Drive\TOOLBOX\Slideware tools\Pictos\Normal\Octos\OctoGraduate_Pos.png"/>
-          <p:cNvPicPr>
-            <a:picLocks noChangeAspect="1" noChangeArrowheads="1"/>
-          </p:cNvPicPr>
-          <p:nvPr/>
-        </p:nvPicPr>
-        <p:blipFill>
-          <a:blip r:embed="rId3">
-            <a:extLst>
-              <a:ext uri="{28A0092B-C50C-407E-A947-70E740481C1C}">
-                <a14:useLocalDpi xmlns:a14="http://schemas.microsoft.com/office/drawing/2010/main" val="0"/>
-              </a:ext>
-            </a:extLst>
-          </a:blip>
-          <a:srcRect/>
-          <a:stretch>
-            <a:fillRect/>
-          </a:stretch>
-        </p:blipFill>
-        <p:spPr bwMode="auto">
-          <a:xfrm>
-            <a:off x="251520" y="987574"/>
-            <a:ext cx="2520280" cy="3026647"/>
-          </a:xfrm>
-          <a:prstGeom prst="rect">
-            <a:avLst/>
-          </a:prstGeom>
-          <a:noFill/>
-          <a:extLst>
-            <a:ext uri="{909E8E84-426E-40DD-AFC4-6F175D3DCCD1}">
-              <a14:hiddenFill xmlns:a14="http://schemas.microsoft.com/office/drawing/2010/main">
-                <a:solidFill>
-                  <a:srgbClr val="FFFFFF"/>
-                </a:solidFill>
-              </a14:hiddenFill>
-            </a:ext>
-          </a:extLst>
-        </p:spPr>
-      </p:pic>
-      <p:pic>
-        <p:nvPicPr>
-          <p:cNvPr id="2050" name="Picture 2" descr="http://easymock.org/img/easymock.gif"/>
-          <p:cNvPicPr>
-            <a:picLocks noChangeAspect="1" noChangeArrowheads="1"/>
-          </p:cNvPicPr>
-          <p:nvPr/>
-        </p:nvPicPr>
-        <p:blipFill>
-          <a:blip r:embed="rId4">
-            <a:extLst>
-              <a:ext uri="{28A0092B-C50C-407E-A947-70E740481C1C}">
-                <a14:useLocalDpi xmlns:a14="http://schemas.microsoft.com/office/drawing/2010/main" val="0"/>
-              </a:ext>
-            </a:extLst>
-          </a:blip>
-          <a:srcRect/>
-          <a:stretch>
-            <a:fillRect/>
-          </a:stretch>
-        </p:blipFill>
-        <p:spPr bwMode="auto">
-          <a:xfrm>
-            <a:off x="6179656" y="2067694"/>
-            <a:ext cx="2867025" cy="542926"/>
-          </a:xfrm>
-          <a:prstGeom prst="rect">
-            <a:avLst/>
-          </a:prstGeom>
-          <a:noFill/>
-          <a:extLst>
-            <a:ext uri="{909E8E84-426E-40DD-AFC4-6F175D3DCCD1}">
-              <a14:hiddenFill xmlns:a14="http://schemas.microsoft.com/office/drawing/2010/main">
-                <a:solidFill>
-                  <a:srgbClr val="FFFFFF"/>
-                </a:solidFill>
-              </a14:hiddenFill>
-            </a:ext>
-          </a:extLst>
-        </p:spPr>
-      </p:pic>
-      <p:pic>
-        <p:nvPicPr>
-          <p:cNvPr id="2052" name="Picture 4" descr="http://objenesis.googlecode.com/svn-history/r218/docs/objenesis.png"/>
-          <p:cNvPicPr>
-            <a:picLocks noChangeAspect="1" noChangeArrowheads="1"/>
-          </p:cNvPicPr>
-          <p:nvPr/>
-        </p:nvPicPr>
-        <p:blipFill>
-          <a:blip r:embed="rId5">
-            <a:extLst>
-              <a:ext uri="{28A0092B-C50C-407E-A947-70E740481C1C}">
-                <a14:useLocalDpi xmlns:a14="http://schemas.microsoft.com/office/drawing/2010/main" val="0"/>
-              </a:ext>
-            </a:extLst>
-          </a:blip>
-          <a:srcRect/>
-          <a:stretch>
-            <a:fillRect/>
-          </a:stretch>
-        </p:blipFill>
-        <p:spPr bwMode="auto">
-          <a:xfrm>
-            <a:off x="6300192" y="2859782"/>
-            <a:ext cx="2905125" cy="762000"/>
-          </a:xfrm>
-          <a:prstGeom prst="rect">
-            <a:avLst/>
-          </a:prstGeom>
-          <a:noFill/>
-          <a:extLst>
-            <a:ext uri="{909E8E84-426E-40DD-AFC4-6F175D3DCCD1}">
-              <a14:hiddenFill xmlns:a14="http://schemas.microsoft.com/office/drawing/2010/main">
-                <a:solidFill>
-                  <a:srgbClr val="FFFFFF"/>
-                </a:solidFill>
-              </a14:hiddenFill>
-            </a:ext>
-          </a:extLst>
-        </p:spPr>
-      </p:pic>
-      <p:pic>
-        <p:nvPicPr>
-          <p:cNvPr id="2054" name="Picture 6" descr="http://datajob2013.fr/assets/uploads/Logos/octo.png"/>
-          <p:cNvPicPr>
-            <a:picLocks noChangeAspect="1" noChangeArrowheads="1"/>
-          </p:cNvPicPr>
-          <p:nvPr/>
-        </p:nvPicPr>
-        <p:blipFill>
-          <a:blip r:embed="rId6">
-            <a:extLst>
-              <a:ext uri="{28A0092B-C50C-407E-A947-70E740481C1C}">
-                <a14:useLocalDpi xmlns:a14="http://schemas.microsoft.com/office/drawing/2010/main" val="0"/>
-              </a:ext>
-            </a:extLst>
-          </a:blip>
-          <a:srcRect/>
-          <a:stretch>
-            <a:fillRect/>
-          </a:stretch>
-        </p:blipFill>
-        <p:spPr bwMode="auto">
-          <a:xfrm>
-            <a:off x="6516216" y="627534"/>
-            <a:ext cx="2323753" cy="1210578"/>
-          </a:xfrm>
-          <a:prstGeom prst="rect">
-            <a:avLst/>
-          </a:prstGeom>
-          <a:noFill/>
-          <a:extLst>
-            <a:ext uri="{909E8E84-426E-40DD-AFC4-6F175D3DCCD1}">
-              <a14:hiddenFill xmlns:a14="http://schemas.microsoft.com/office/drawing/2010/main">
-                <a:solidFill>
-                  <a:srgbClr val="FFFFFF"/>
-                </a:solidFill>
-              </a14:hiddenFill>
-            </a:ext>
-          </a:extLst>
-        </p:spPr>
-      </p:pic>
-      <p:sp>
-        <p:nvSpPr>
-          <p:cNvPr id="5" name="Title 4"/>
-          <p:cNvSpPr>
-            <a:spLocks noGrp="1"/>
-          </p:cNvSpPr>
-          <p:nvPr>
-            <p:ph type="title"/>
-          </p:nvPr>
-        </p:nvSpPr>
-        <p:spPr/>
-        <p:txBody>
-          <a:bodyPr/>
-          <a:lstStyle/>
-          <a:p>
-            <a:pPr algn="l"/>
-            <a:r>
-              <a:rPr lang="fr-FR" b="1" smtClean="0"/>
-              <a:t>Henri Tremblay</a:t>
-            </a:r>
-            <a:endParaRPr lang="fr-FR" b="1"/>
-          </a:p>
-        </p:txBody>
-      </p:sp>
-    </p:spTree>
-    <p:extLst>
-      <p:ext uri="{BB962C8B-B14F-4D97-AF65-F5344CB8AC3E}">
-        <p14:creationId xmlns:p14="http://schemas.microsoft.com/office/powerpoint/2010/main" val="2424004288"/>
-      </p:ext>
-    </p:extLst>
-  </p:cSld>
-  <p:clrMapOvr>
-    <a:masterClrMapping/>
-  </p:clrMapOvr>
-  <p:timing>
-    <p:tnLst>
-      <p:par>
-        <p:cTn id="1" dur="indefinite" restart="never" nodeType="tmRoot"/>
-      </p:par>
-    </p:tnLst>
-  </p:timing>
-</p:sld>
-</file>
-
-<file path=ppt/slides/slide7.xml><?xml version="1.0" encoding="utf-8"?>
-<p:sld xmlns:a="http://schemas.openxmlformats.org/drawingml/2006/main" xmlns:r="http://schemas.openxmlformats.org/officeDocument/2006/relationships" xmlns:p="http://schemas.openxmlformats.org/presentationml/2006/main">
-  <p:cSld>
-    <p:spTree>
-      <p:nvGrpSpPr>
-        <p:cNvPr id="1" name=""/>
-        <p:cNvGrpSpPr/>
-        <p:nvPr/>
-      </p:nvGrpSpPr>
-      <p:grpSpPr>
-        <a:xfrm>
-          <a:off x="0" y="0"/>
-          <a:ext cx="0" cy="0"/>
-          <a:chOff x="0" y="0"/>
-          <a:chExt cx="0" cy="0"/>
-        </a:xfrm>
-      </p:grpSpPr>
-      <p:sp>
-        <p:nvSpPr>
-          <p:cNvPr id="2" name="Content Placeholder 1"/>
-          <p:cNvSpPr>
-            <a:spLocks noGrp="1"/>
-          </p:cNvSpPr>
-          <p:nvPr>
-            <p:ph idx="1"/>
-          </p:nvPr>
-        </p:nvSpPr>
-        <p:spPr>
-          <a:xfrm>
-            <a:off x="2843809" y="843558"/>
-            <a:ext cx="4032448" cy="3601641"/>
-          </a:xfrm>
-        </p:spPr>
-        <p:txBody>
-          <a:bodyPr/>
-          <a:lstStyle/>
-          <a:p>
-            <a:r>
-              <a:rPr lang="fr-FR" dirty="0" smtClean="0"/>
-              <a:t>Architecte Senior</a:t>
-            </a:r>
-          </a:p>
-          <a:p>
-            <a:r>
-              <a:rPr lang="fr-FR" dirty="0" smtClean="0"/>
               <a:t>Pôle </a:t>
             </a:r>
             <a:r>
@@ -43792,7 +42734,7 @@
 </p:sld>
 </file>
 
-<file path=ppt/slides/slide8.xml><?xml version="1.0" encoding="utf-8"?>
+<file path=ppt/slides/slide7.xml><?xml version="1.0" encoding="utf-8"?>
 <p:sld xmlns:a="http://schemas.openxmlformats.org/drawingml/2006/main" xmlns:r="http://schemas.openxmlformats.org/officeDocument/2006/relationships" xmlns:p="http://schemas.openxmlformats.org/presentationml/2006/main">
   <p:cSld>
     <p:spTree>
@@ -44048,6 +42990,184 @@
 </p:sld>
 </file>
 
+<file path=ppt/slides/slide8.xml><?xml version="1.0" encoding="utf-8"?>
+<p:sld xmlns:a="http://schemas.openxmlformats.org/drawingml/2006/main" xmlns:r="http://schemas.openxmlformats.org/officeDocument/2006/relationships" xmlns:p="http://schemas.openxmlformats.org/presentationml/2006/main">
+  <p:cSld>
+    <p:spTree>
+      <p:nvGrpSpPr>
+        <p:cNvPr id="1" name=""/>
+        <p:cNvGrpSpPr/>
+        <p:nvPr/>
+      </p:nvGrpSpPr>
+      <p:grpSpPr>
+        <a:xfrm>
+          <a:off x="0" y="0"/>
+          <a:ext cx="0" cy="0"/>
+          <a:chOff x="0" y="0"/>
+          <a:chExt cx="0" cy="0"/>
+        </a:xfrm>
+      </p:grpSpPr>
+      <p:sp>
+        <p:nvSpPr>
+          <p:cNvPr id="2" name="Espace réservé du contenu 1"/>
+          <p:cNvSpPr>
+            <a:spLocks noGrp="1"/>
+          </p:cNvSpPr>
+          <p:nvPr>
+            <p:ph idx="1"/>
+          </p:nvPr>
+        </p:nvSpPr>
+        <p:spPr>
+          <a:xfrm>
+            <a:off x="468315" y="914400"/>
+            <a:ext cx="3923158" cy="2305421"/>
+          </a:xfrm>
+        </p:spPr>
+        <p:txBody>
+          <a:bodyPr/>
+          <a:lstStyle/>
+          <a:p>
+            <a:pPr marL="0" indent="0">
+              <a:buNone/>
+            </a:pPr>
+            <a:r>
+              <a:rPr lang="fr-FR" sz="2800" dirty="0" smtClean="0"/>
+              <a:t>Les </a:t>
+            </a:r>
+            <a:r>
+              <a:rPr lang="fr-FR" sz="2800" dirty="0" smtClean="0">
+                <a:solidFill>
+                  <a:schemeClr val="accent1"/>
+                </a:solidFill>
+              </a:rPr>
+              <a:t>performances</a:t>
+            </a:r>
+            <a:r>
+              <a:rPr lang="fr-FR" sz="2800" dirty="0" smtClean="0"/>
+              <a:t> d’un système sont une spécification fonctionnelle implicite du système </a:t>
+            </a:r>
+            <a:endParaRPr lang="fr-FR" sz="2800" dirty="0"/>
+          </a:p>
+        </p:txBody>
+      </p:sp>
+      <p:sp>
+        <p:nvSpPr>
+          <p:cNvPr id="3" name="Titre 2"/>
+          <p:cNvSpPr>
+            <a:spLocks noGrp="1"/>
+          </p:cNvSpPr>
+          <p:nvPr>
+            <p:ph type="title"/>
+          </p:nvPr>
+        </p:nvSpPr>
+        <p:spPr/>
+        <p:txBody>
+          <a:bodyPr/>
+          <a:lstStyle/>
+          <a:p>
+            <a:r>
+              <a:rPr lang="fr-FR" sz="1800" dirty="0" smtClean="0"/>
+              <a:t>NOTRE VISION ?</a:t>
+            </a:r>
+            <a:endParaRPr lang="fr-FR" sz="1800" dirty="0"/>
+          </a:p>
+        </p:txBody>
+      </p:sp>
+      <p:pic>
+        <p:nvPicPr>
+          <p:cNvPr id="1026" name="Picture 2" descr="http://www.arthursclipart.org/people/people/waiting.gif"/>
+          <p:cNvPicPr>
+            <a:picLocks noChangeAspect="1" noChangeArrowheads="1"/>
+          </p:cNvPicPr>
+          <p:nvPr/>
+        </p:nvPicPr>
+        <p:blipFill>
+          <a:blip r:embed="rId3" cstate="print">
+            <a:clrChange>
+              <a:clrFrom>
+                <a:srgbClr val="FFFFFF"/>
+              </a:clrFrom>
+              <a:clrTo>
+                <a:srgbClr val="FFFFFF">
+                  <a:alpha val="0"/>
+                </a:srgbClr>
+              </a:clrTo>
+            </a:clrChange>
+          </a:blip>
+          <a:srcRect/>
+          <a:stretch>
+            <a:fillRect/>
+          </a:stretch>
+        </p:blipFill>
+        <p:spPr bwMode="auto">
+          <a:xfrm>
+            <a:off x="4391472" y="843558"/>
+            <a:ext cx="4752528" cy="3330482"/>
+          </a:xfrm>
+          <a:prstGeom prst="rect">
+            <a:avLst/>
+          </a:prstGeom>
+          <a:noFill/>
+        </p:spPr>
+      </p:pic>
+      <p:sp>
+        <p:nvSpPr>
+          <p:cNvPr id="12" name="ZoneTexte 11"/>
+          <p:cNvSpPr txBox="1"/>
+          <p:nvPr/>
+        </p:nvSpPr>
+        <p:spPr>
+          <a:xfrm>
+            <a:off x="5364088" y="4146199"/>
+            <a:ext cx="2317814" cy="276999"/>
+          </a:xfrm>
+          <a:prstGeom prst="rect">
+            <a:avLst/>
+          </a:prstGeom>
+          <a:noFill/>
+        </p:spPr>
+        <p:txBody>
+          <a:bodyPr wrap="none" rtlCol="0">
+            <a:spAutoFit/>
+          </a:bodyPr>
+          <a:lstStyle/>
+          <a:p>
+            <a:r>
+              <a:rPr lang="fr-FR" sz="1200" dirty="0" smtClean="0">
+                <a:solidFill>
+                  <a:schemeClr val="tx2">
+                    <a:lumMod val="65000"/>
+                    <a:lumOff val="35000"/>
+                  </a:schemeClr>
+                </a:solidFill>
+                <a:latin typeface="Arial"/>
+              </a:rPr>
+              <a:t>Source : www.arthursclipart.org</a:t>
+            </a:r>
+          </a:p>
+        </p:txBody>
+      </p:sp>
+    </p:spTree>
+    <p:extLst>
+      <p:ext uri="{BB962C8B-B14F-4D97-AF65-F5344CB8AC3E}">
+        <p14:creationId xmlns:p14="http://schemas.microsoft.com/office/powerpoint/2010/main" val="1223445855"/>
+      </p:ext>
+    </p:extLst>
+  </p:cSld>
+  <p:clrMapOvr>
+    <a:masterClrMapping/>
+  </p:clrMapOvr>
+  <p:transition advTm="18240"/>
+  <p:timing>
+    <p:tnLst>
+      <p:par>
+        <p:cTn id="1" dur="indefinite" restart="never" nodeType="tmRoot"/>
+      </p:par>
+    </p:tnLst>
+  </p:timing>
+</p:sld>
+</file>
+
 <file path=ppt/slides/slide9.xml><?xml version="1.0" encoding="utf-8"?>
 <p:sld xmlns:a="http://schemas.openxmlformats.org/drawingml/2006/main" xmlns:r="http://schemas.openxmlformats.org/officeDocument/2006/relationships" xmlns:p="http://schemas.openxmlformats.org/presentationml/2006/main">
   <p:cSld>
@@ -44067,7 +43187,7 @@
       </p:grpSpPr>
       <p:sp>
         <p:nvSpPr>
-          <p:cNvPr id="2" name="Content Placeholder 1"/>
+          <p:cNvPr id="2" name="Espace réservé du contenu 1"/>
           <p:cNvSpPr>
             <a:spLocks noGrp="1"/>
           </p:cNvSpPr>
@@ -44075,38 +43195,42 @@
             <p:ph idx="1"/>
           </p:nvPr>
         </p:nvSpPr>
-        <p:spPr/>
+        <p:spPr>
+          <a:xfrm>
+            <a:off x="468315" y="914400"/>
+            <a:ext cx="4535734" cy="3601641"/>
+          </a:xfrm>
+        </p:spPr>
         <p:txBody>
           <a:bodyPr/>
           <a:lstStyle/>
           <a:p>
-            <a:r>
-              <a:rPr lang="en-US" dirty="0" smtClean="0"/>
-              <a:t>Les 3 slides de Renaud (en </a:t>
-            </a:r>
-            <a:r>
-              <a:rPr lang="en-US" dirty="0" err="1" smtClean="0"/>
-              <a:t>cours</a:t>
-            </a:r>
-            <a:r>
-              <a:rPr lang="en-US" dirty="0" smtClean="0"/>
-              <a:t> de </a:t>
-            </a:r>
-            <a:r>
-              <a:rPr lang="en-US" dirty="0" err="1" smtClean="0"/>
-              <a:t>réalisation</a:t>
-            </a:r>
-            <a:r>
-              <a:rPr lang="en-US" dirty="0" smtClean="0"/>
-              <a:t>)</a:t>
-            </a:r>
-            <a:endParaRPr lang="en-US" dirty="0"/>
+            <a:pPr marL="0" indent="0">
+              <a:buNone/>
+            </a:pPr>
+            <a:r>
+              <a:rPr lang="fr-FR" sz="2800" dirty="0" smtClean="0"/>
+              <a:t>La </a:t>
+            </a:r>
+            <a:r>
+              <a:rPr lang="fr-FR" sz="2800" dirty="0" smtClean="0">
+                <a:solidFill>
+                  <a:schemeClr val="accent1"/>
+                </a:solidFill>
+              </a:rPr>
+              <a:t>mesure</a:t>
+            </a:r>
+            <a:r>
+              <a:rPr lang="fr-FR" sz="2800" dirty="0" smtClean="0"/>
+              <a:t> de performance doit être au cœur du processus de développement informatique</a:t>
+            </a:r>
+            <a:endParaRPr lang="fr-FR" sz="2800" dirty="0"/>
           </a:p>
         </p:txBody>
       </p:sp>
       <p:sp>
         <p:nvSpPr>
-          <p:cNvPr id="3" name="Title 2"/>
+          <p:cNvPr id="3" name="Titre 2"/>
           <p:cNvSpPr>
             <a:spLocks noGrp="1"/>
           </p:cNvSpPr>
@@ -44114,34 +43238,110 @@
             <p:ph type="title"/>
           </p:nvPr>
         </p:nvSpPr>
-        <p:spPr>
-          <a:xfrm>
-            <a:off x="323528" y="267494"/>
-            <a:ext cx="8566790" cy="412613"/>
-          </a:xfrm>
-        </p:spPr>
+        <p:spPr/>
         <p:txBody>
           <a:bodyPr/>
           <a:lstStyle/>
           <a:p>
             <a:r>
-              <a:rPr lang="en-US" dirty="0" smtClean="0"/>
-              <a:t>Big picture OCTO de la performance</a:t>
-            </a:r>
-            <a:endParaRPr lang="en-US" dirty="0"/>
+              <a:rPr lang="fr-FR" dirty="0" smtClean="0"/>
+              <a:t>NOTRE VISION ?</a:t>
+            </a:r>
+            <a:endParaRPr lang="fr-FR" dirty="0"/>
+          </a:p>
+        </p:txBody>
+      </p:sp>
+      <p:pic>
+        <p:nvPicPr>
+          <p:cNvPr id="51203" name="Picture 3"/>
+          <p:cNvPicPr>
+            <a:picLocks noChangeAspect="1" noChangeArrowheads="1"/>
+          </p:cNvPicPr>
+          <p:nvPr/>
+        </p:nvPicPr>
+        <p:blipFill>
+          <a:blip r:embed="rId3" cstate="print">
+            <a:clrChange>
+              <a:clrFrom>
+                <a:srgbClr val="FFFFFF"/>
+              </a:clrFrom>
+              <a:clrTo>
+                <a:srgbClr val="FFFFFF">
+                  <a:alpha val="0"/>
+                </a:srgbClr>
+              </a:clrTo>
+            </a:clrChange>
+          </a:blip>
+          <a:srcRect/>
+          <a:stretch>
+            <a:fillRect/>
+          </a:stretch>
+        </p:blipFill>
+        <p:spPr bwMode="auto">
+          <a:xfrm>
+            <a:off x="4842722" y="905839"/>
+            <a:ext cx="4301278" cy="3402378"/>
+          </a:xfrm>
+          <a:prstGeom prst="rect">
+            <a:avLst/>
+          </a:prstGeom>
+          <a:noFill/>
+          <a:ln w="9525">
+            <a:noFill/>
+            <a:miter lim="800000"/>
+            <a:headEnd/>
+            <a:tailEnd/>
+          </a:ln>
+        </p:spPr>
+      </p:pic>
+      <p:sp>
+        <p:nvSpPr>
+          <p:cNvPr id="10" name="ZoneTexte 9"/>
+          <p:cNvSpPr txBox="1"/>
+          <p:nvPr/>
+        </p:nvSpPr>
+        <p:spPr>
+          <a:xfrm>
+            <a:off x="7055769" y="4254211"/>
+            <a:ext cx="2119939" cy="276999"/>
+          </a:xfrm>
+          <a:prstGeom prst="rect">
+            <a:avLst/>
+          </a:prstGeom>
+          <a:noFill/>
+        </p:spPr>
+        <p:txBody>
+          <a:bodyPr wrap="none" rtlCol="0">
+            <a:spAutoFit/>
+          </a:bodyPr>
+          <a:lstStyle/>
+          <a:p>
+            <a:r>
+              <a:rPr lang="fr-FR" sz="1200" dirty="0" smtClean="0">
+                <a:solidFill>
+                  <a:schemeClr val="tx2">
+                    <a:lumMod val="65000"/>
+                    <a:lumOff val="35000"/>
+                  </a:schemeClr>
+                </a:solidFill>
+                <a:latin typeface="Arial"/>
+              </a:rPr>
+              <a:t>Source : Les géants du Web</a:t>
+            </a:r>
           </a:p>
         </p:txBody>
       </p:sp>
     </p:spTree>
     <p:extLst>
       <p:ext uri="{BB962C8B-B14F-4D97-AF65-F5344CB8AC3E}">
-        <p14:creationId xmlns:p14="http://schemas.microsoft.com/office/powerpoint/2010/main" val="1497876041"/>
+        <p14:creationId xmlns:p14="http://schemas.microsoft.com/office/powerpoint/2010/main" val="1588220782"/>
       </p:ext>
     </p:extLst>
   </p:cSld>
   <p:clrMapOvr>
     <a:masterClrMapping/>
   </p:clrMapOvr>
+  <p:transition advTm="17790"/>
   <p:timing>
     <p:tnLst>
       <p:par>

--- a/PerfUniversity.pptx
+++ b/PerfUniversity.pptx
@@ -194,7 +194,7 @@
   </p:defaultTextStyle>
   <p:extLst>
     <p:ext uri="{EFAFB233-063F-42B5-8137-9DF3F51BA10A}">
-      <p15:sldGuideLst xmlns="" xmlns:p15="http://schemas.microsoft.com/office/powerpoint/2012/main">
+      <p15:sldGuideLst xmlns:p15="http://schemas.microsoft.com/office/powerpoint/2012/main" xmlns="">
         <p15:guide id="1" orient="horz" pos="1620">
           <p15:clr>
             <a:srgbClr val="A4A3A4"/>
@@ -208,7 +208,7 @@
       </p15:sldGuideLst>
     </p:ext>
     <p:ext uri="{2D200454-40CA-4A62-9FC3-DE9A4176ACB9}">
-      <p15:notesGuideLst xmlns="" xmlns:p15="http://schemas.microsoft.com/office/powerpoint/2012/main"/>
+      <p15:notesGuideLst xmlns:p15="http://schemas.microsoft.com/office/powerpoint/2012/main" xmlns=""/>
     </p:ext>
   </p:extLst>
 </p:presentation>
@@ -5496,8 +5496,8 @@
     <dgm:cxn modelId="{B0D5CD30-57DF-4D29-9EB6-8EF9AC501875}" type="presOf" srcId="{0875FB8C-61C4-444F-B072-0E7DA3532F32}" destId="{86284C6C-DE51-4318-888A-F3ECCF2598B5}" srcOrd="0" destOrd="0" presId="urn:microsoft.com/office/officeart/2005/8/layout/vList5"/>
     <dgm:cxn modelId="{F2220FE0-8EC0-4B30-A45E-E6B10180C87E}" type="presOf" srcId="{ED138812-7DF3-422E-8427-609ABF527EF8}" destId="{6A51B969-4301-456A-A58E-1ABBAB497FD3}" srcOrd="0" destOrd="0" presId="urn:microsoft.com/office/officeart/2005/8/layout/vList5"/>
     <dgm:cxn modelId="{F2FD0A1C-42F9-45F4-8046-6C8425DB8465}" srcId="{52407230-18E2-4EA0-839B-54E531E64E5C}" destId="{0875FB8C-61C4-444F-B072-0E7DA3532F32}" srcOrd="0" destOrd="0" parTransId="{55A71AF5-6664-4819-89EE-77FD1C8EC31B}" sibTransId="{DB23D6CB-2DF6-492A-87A0-600AB224676E}"/>
+    <dgm:cxn modelId="{DD40F434-5FD7-4D89-A20B-B2294F12AAF2}" srcId="{B7E31CAB-988B-4C5D-A8EB-201DAFECFC46}" destId="{9882B530-A874-49D1-A95D-986F33EB994C}" srcOrd="0" destOrd="0" parTransId="{E102818C-128E-48AF-938D-E2D00071C15D}" sibTransId="{37115658-A23C-4DDD-AF8F-2F518C140C7E}"/>
     <dgm:cxn modelId="{C4D7B340-2F57-4099-85B0-897A8F8B8854}" type="presOf" srcId="{7BF58C16-ADE9-4CB4-B51C-18CCC3851E8F}" destId="{86284C6C-DE51-4318-888A-F3ECCF2598B5}" srcOrd="0" destOrd="1" presId="urn:microsoft.com/office/officeart/2005/8/layout/vList5"/>
-    <dgm:cxn modelId="{DD40F434-5FD7-4D89-A20B-B2294F12AAF2}" srcId="{B7E31CAB-988B-4C5D-A8EB-201DAFECFC46}" destId="{9882B530-A874-49D1-A95D-986F33EB994C}" srcOrd="0" destOrd="0" parTransId="{E102818C-128E-48AF-938D-E2D00071C15D}" sibTransId="{37115658-A23C-4DDD-AF8F-2F518C140C7E}"/>
     <dgm:cxn modelId="{4DD3E1A9-C0A9-41F4-BA12-13CD9C96EE9D}" srcId="{CA67DAD7-15D9-4899-B980-4DD9C4A46799}" destId="{9E7A8AB9-EFED-411D-9F4D-CB3023DB800D}" srcOrd="0" destOrd="0" parTransId="{F9C7FF34-E5D4-4469-8D2D-F364BCDF405E}" sibTransId="{035AB2A2-1DDE-48B0-A0F8-575247E2117D}"/>
     <dgm:cxn modelId="{4E0578E8-58DC-4BD4-8848-789500BF8710}" type="presOf" srcId="{9E7A8AB9-EFED-411D-9F4D-CB3023DB800D}" destId="{ACC1F8B2-765E-4D64-BFE1-49ECB56991B9}" srcOrd="0" destOrd="0" presId="urn:microsoft.com/office/officeart/2005/8/layout/vList5"/>
     <dgm:cxn modelId="{6F4C0F86-2943-41E3-AA97-EED6AA470EE5}" srcId="{CA67DAD7-15D9-4899-B980-4DD9C4A46799}" destId="{63507499-0A29-4EC9-8376-C1D8A354B555}" srcOrd="1" destOrd="0" parTransId="{BE8CD2CB-E3F5-4747-A679-7991AE6C85EB}" sibTransId="{107C41FC-E172-4DC3-85E3-EF7CD59F5FE4}"/>
@@ -8414,710 +8414,6 @@
       <dsp:cNvGrpSpPr/>
     </dsp:nvGrpSpPr>
     <dsp:grpSpPr/>
-    <dsp:sp modelId="{86284C6C-DE51-4318-888A-F3ECCF2598B5}">
-      <dsp:nvSpPr>
-        <dsp:cNvPr id="0" name=""/>
-        <dsp:cNvSpPr/>
-      </dsp:nvSpPr>
-      <dsp:spPr>
-        <a:xfrm rot="5400000">
-          <a:off x="3772988" y="-1756682"/>
-          <a:ext cx="685574" cy="4373896"/>
-        </a:xfrm>
-        <a:prstGeom prst="round2SameRect">
-          <a:avLst/>
-        </a:prstGeom>
-        <a:solidFill>
-          <a:schemeClr val="accent5">
-            <a:tint val="40000"/>
-            <a:alpha val="90000"/>
-            <a:hueOff val="0"/>
-            <a:satOff val="0"/>
-            <a:lumOff val="0"/>
-            <a:alphaOff val="0"/>
-          </a:schemeClr>
-        </a:solidFill>
-        <a:ln w="25400" cap="flat" cmpd="sng" algn="ctr">
-          <a:solidFill>
-            <a:schemeClr val="accent5">
-              <a:tint val="40000"/>
-              <a:alpha val="90000"/>
-              <a:hueOff val="0"/>
-              <a:satOff val="0"/>
-              <a:lumOff val="0"/>
-              <a:alphaOff val="0"/>
-            </a:schemeClr>
-          </a:solidFill>
-          <a:prstDash val="solid"/>
-        </a:ln>
-        <a:effectLst/>
-      </dsp:spPr>
-      <dsp:style>
-        <a:lnRef idx="2">
-          <a:scrgbClr r="0" g="0" b="0"/>
-        </a:lnRef>
-        <a:fillRef idx="1">
-          <a:scrgbClr r="0" g="0" b="0"/>
-        </a:fillRef>
-        <a:effectRef idx="0">
-          <a:scrgbClr r="0" g="0" b="0"/>
-        </a:effectRef>
-        <a:fontRef idx="minor"/>
-      </dsp:style>
-      <dsp:txBody>
-        <a:bodyPr spcFirstLastPara="0" vert="horz" wrap="square" lIns="38100" tIns="19050" rIns="38100" bIns="19050" numCol="1" spcCol="1270" anchor="ctr" anchorCtr="0">
-          <a:noAutofit/>
-        </a:bodyPr>
-        <a:lstStyle/>
-        <a:p>
-          <a:pPr marL="57150" lvl="1" indent="-57150" algn="l" defTabSz="444500">
-            <a:lnSpc>
-              <a:spcPct val="90000"/>
-            </a:lnSpc>
-            <a:spcBef>
-              <a:spcPct val="0"/>
-            </a:spcBef>
-            <a:spcAft>
-              <a:spcPct val="15000"/>
-            </a:spcAft>
-            <a:buChar char="••"/>
-          </a:pPr>
-          <a:r>
-            <a:rPr lang="fr-FR" sz="1000" kern="1200" smtClean="0"/>
-            <a:t>Objectif : mesurer la performance unitaire</a:t>
-          </a:r>
-          <a:endParaRPr lang="fr-FR" sz="1000" kern="1200" dirty="0"/>
-        </a:p>
-        <a:p>
-          <a:pPr marL="57150" lvl="1" indent="-57150" algn="l" defTabSz="444500">
-            <a:lnSpc>
-              <a:spcPct val="90000"/>
-            </a:lnSpc>
-            <a:spcBef>
-              <a:spcPct val="0"/>
-            </a:spcBef>
-            <a:spcAft>
-              <a:spcPct val="15000"/>
-            </a:spcAft>
-            <a:buChar char="••"/>
-          </a:pPr>
-          <a:r>
-            <a:rPr lang="fr-FR" sz="1000" kern="1200" smtClean="0"/>
-            <a:t>Ex : le use case de souscription est testé pour 1 utilisateur et, pour chaque étape du use case, on mesure le temps passé dans les différents composants de l’application</a:t>
-          </a:r>
-          <a:endParaRPr lang="fr-FR" sz="1000" kern="1200" dirty="0"/>
-        </a:p>
-      </dsp:txBody>
-      <dsp:txXfrm rot="-5400000">
-        <a:off x="1928828" y="120945"/>
-        <a:ext cx="4340429" cy="618640"/>
-      </dsp:txXfrm>
-    </dsp:sp>
-    <dsp:sp modelId="{C0BF4151-A84C-4411-826C-2F7A37D76BA7}">
-      <dsp:nvSpPr>
-        <dsp:cNvPr id="0" name=""/>
-        <dsp:cNvSpPr/>
-      </dsp:nvSpPr>
-      <dsp:spPr>
-        <a:xfrm>
-          <a:off x="531489" y="0"/>
-          <a:ext cx="1397337" cy="856968"/>
-        </a:xfrm>
-        <a:prstGeom prst="roundRect">
-          <a:avLst/>
-        </a:prstGeom>
-        <a:solidFill>
-          <a:schemeClr val="accent5">
-            <a:hueOff val="0"/>
-            <a:satOff val="0"/>
-            <a:lumOff val="0"/>
-            <a:alphaOff val="0"/>
-          </a:schemeClr>
-        </a:solidFill>
-        <a:ln w="25400" cap="flat" cmpd="sng" algn="ctr">
-          <a:solidFill>
-            <a:schemeClr val="lt1">
-              <a:hueOff val="0"/>
-              <a:satOff val="0"/>
-              <a:lumOff val="0"/>
-              <a:alphaOff val="0"/>
-            </a:schemeClr>
-          </a:solidFill>
-          <a:prstDash val="solid"/>
-        </a:ln>
-        <a:effectLst/>
-      </dsp:spPr>
-      <dsp:style>
-        <a:lnRef idx="2">
-          <a:scrgbClr r="0" g="0" b="0"/>
-        </a:lnRef>
-        <a:fillRef idx="1">
-          <a:scrgbClr r="0" g="0" b="0"/>
-        </a:fillRef>
-        <a:effectRef idx="0">
-          <a:scrgbClr r="0" g="0" b="0"/>
-        </a:effectRef>
-        <a:fontRef idx="minor">
-          <a:schemeClr val="lt1"/>
-        </a:fontRef>
-      </dsp:style>
-      <dsp:txBody>
-        <a:bodyPr spcFirstLastPara="0" vert="horz" wrap="square" lIns="57150" tIns="28575" rIns="57150" bIns="28575" numCol="1" spcCol="1270" anchor="ctr" anchorCtr="0">
-          <a:noAutofit/>
-        </a:bodyPr>
-        <a:lstStyle/>
-        <a:p>
-          <a:pPr lvl="0" algn="ctr" defTabSz="666750">
-            <a:lnSpc>
-              <a:spcPct val="90000"/>
-            </a:lnSpc>
-            <a:spcBef>
-              <a:spcPct val="0"/>
-            </a:spcBef>
-            <a:spcAft>
-              <a:spcPct val="35000"/>
-            </a:spcAft>
-          </a:pPr>
-          <a:r>
-            <a:rPr lang="fr-FR" sz="1500" kern="1200" dirty="0" smtClean="0"/>
-            <a:t>Test de performance unitaire</a:t>
-          </a:r>
-          <a:endParaRPr lang="fr-FR" sz="1500" kern="1200" dirty="0"/>
-        </a:p>
-      </dsp:txBody>
-      <dsp:txXfrm>
-        <a:off x="573323" y="41834"/>
-        <a:ext cx="1313669" cy="773300"/>
-      </dsp:txXfrm>
-    </dsp:sp>
-    <dsp:sp modelId="{1144315C-DBBF-4391-8183-7E179B83211D}">
-      <dsp:nvSpPr>
-        <dsp:cNvPr id="0" name=""/>
-        <dsp:cNvSpPr/>
-      </dsp:nvSpPr>
-      <dsp:spPr>
-        <a:xfrm rot="5400000">
-          <a:off x="3772988" y="-856865"/>
-          <a:ext cx="685574" cy="4373896"/>
-        </a:xfrm>
-        <a:prstGeom prst="round2SameRect">
-          <a:avLst/>
-        </a:prstGeom>
-        <a:solidFill>
-          <a:schemeClr val="accent5">
-            <a:tint val="40000"/>
-            <a:alpha val="90000"/>
-            <a:hueOff val="1036889"/>
-            <a:satOff val="-8911"/>
-            <a:lumOff val="-2362"/>
-            <a:alphaOff val="0"/>
-          </a:schemeClr>
-        </a:solidFill>
-        <a:ln w="25400" cap="flat" cmpd="sng" algn="ctr">
-          <a:solidFill>
-            <a:schemeClr val="accent5">
-              <a:tint val="40000"/>
-              <a:alpha val="90000"/>
-              <a:hueOff val="1036889"/>
-              <a:satOff val="-8911"/>
-              <a:lumOff val="-2362"/>
-              <a:alphaOff val="0"/>
-            </a:schemeClr>
-          </a:solidFill>
-          <a:prstDash val="solid"/>
-        </a:ln>
-        <a:effectLst/>
-      </dsp:spPr>
-      <dsp:style>
-        <a:lnRef idx="2">
-          <a:scrgbClr r="0" g="0" b="0"/>
-        </a:lnRef>
-        <a:fillRef idx="1">
-          <a:scrgbClr r="0" g="0" b="0"/>
-        </a:fillRef>
-        <a:effectRef idx="0">
-          <a:scrgbClr r="0" g="0" b="0"/>
-        </a:effectRef>
-        <a:fontRef idx="minor"/>
-      </dsp:style>
-      <dsp:txBody>
-        <a:bodyPr spcFirstLastPara="0" vert="horz" wrap="square" lIns="38100" tIns="19050" rIns="38100" bIns="19050" numCol="1" spcCol="1270" anchor="ctr" anchorCtr="0">
-          <a:noAutofit/>
-        </a:bodyPr>
-        <a:lstStyle/>
-        <a:p>
-          <a:pPr marL="57150" lvl="1" indent="-57150" algn="l" defTabSz="444500">
-            <a:lnSpc>
-              <a:spcPct val="90000"/>
-            </a:lnSpc>
-            <a:spcBef>
-              <a:spcPct val="0"/>
-            </a:spcBef>
-            <a:spcAft>
-              <a:spcPct val="15000"/>
-            </a:spcAft>
-            <a:buChar char="••"/>
-          </a:pPr>
-          <a:r>
-            <a:rPr lang="fr-FR" sz="1000" kern="1200" dirty="0" smtClean="0"/>
-            <a:t>Objectif : mesurer la tenue en charge de l’application sur la population cible</a:t>
-          </a:r>
-          <a:endParaRPr lang="fr-FR" sz="1000" kern="1200" dirty="0"/>
-        </a:p>
-        <a:p>
-          <a:pPr marL="57150" lvl="1" indent="-57150" algn="l" defTabSz="444500">
-            <a:lnSpc>
-              <a:spcPct val="90000"/>
-            </a:lnSpc>
-            <a:spcBef>
-              <a:spcPct val="0"/>
-            </a:spcBef>
-            <a:spcAft>
-              <a:spcPct val="15000"/>
-            </a:spcAft>
-            <a:buChar char="••"/>
-          </a:pPr>
-          <a:r>
-            <a:rPr lang="fr-FR" sz="1000" kern="1200" smtClean="0"/>
-            <a:t>Ex : on simule l’utilisation de l’application par 200 utilisateurs en parallèle pendant 2h</a:t>
-          </a:r>
-          <a:endParaRPr lang="fr-FR" sz="1000" kern="1200" dirty="0"/>
-        </a:p>
-      </dsp:txBody>
-      <dsp:txXfrm rot="-5400000">
-        <a:off x="1928828" y="1020762"/>
-        <a:ext cx="4340429" cy="618640"/>
-      </dsp:txXfrm>
-    </dsp:sp>
-    <dsp:sp modelId="{89103CD8-B713-4F77-AFE4-D0508B4B03CD}">
-      <dsp:nvSpPr>
-        <dsp:cNvPr id="0" name=""/>
-        <dsp:cNvSpPr/>
-      </dsp:nvSpPr>
-      <dsp:spPr>
-        <a:xfrm>
-          <a:off x="531489" y="901598"/>
-          <a:ext cx="1397337" cy="856968"/>
-        </a:xfrm>
-        <a:prstGeom prst="roundRect">
-          <a:avLst/>
-        </a:prstGeom>
-        <a:solidFill>
-          <a:schemeClr val="accent5">
-            <a:hueOff val="755290"/>
-            <a:satOff val="19792"/>
-            <a:lumOff val="-15033"/>
-            <a:alphaOff val="0"/>
-          </a:schemeClr>
-        </a:solidFill>
-        <a:ln w="25400" cap="flat" cmpd="sng" algn="ctr">
-          <a:solidFill>
-            <a:schemeClr val="lt1">
-              <a:hueOff val="0"/>
-              <a:satOff val="0"/>
-              <a:lumOff val="0"/>
-              <a:alphaOff val="0"/>
-            </a:schemeClr>
-          </a:solidFill>
-          <a:prstDash val="solid"/>
-        </a:ln>
-        <a:effectLst/>
-      </dsp:spPr>
-      <dsp:style>
-        <a:lnRef idx="2">
-          <a:scrgbClr r="0" g="0" b="0"/>
-        </a:lnRef>
-        <a:fillRef idx="1">
-          <a:scrgbClr r="0" g="0" b="0"/>
-        </a:fillRef>
-        <a:effectRef idx="0">
-          <a:scrgbClr r="0" g="0" b="0"/>
-        </a:effectRef>
-        <a:fontRef idx="minor">
-          <a:schemeClr val="lt1"/>
-        </a:fontRef>
-      </dsp:style>
-      <dsp:txBody>
-        <a:bodyPr spcFirstLastPara="0" vert="horz" wrap="square" lIns="57150" tIns="28575" rIns="57150" bIns="28575" numCol="1" spcCol="1270" anchor="ctr" anchorCtr="0">
-          <a:noAutofit/>
-        </a:bodyPr>
-        <a:lstStyle/>
-        <a:p>
-          <a:pPr lvl="0" algn="ctr" defTabSz="666750">
-            <a:lnSpc>
-              <a:spcPct val="90000"/>
-            </a:lnSpc>
-            <a:spcBef>
-              <a:spcPct val="0"/>
-            </a:spcBef>
-            <a:spcAft>
-              <a:spcPct val="35000"/>
-            </a:spcAft>
-          </a:pPr>
-          <a:r>
-            <a:rPr lang="fr-FR" sz="1500" kern="1200" dirty="0" smtClean="0"/>
-            <a:t>Test de charge</a:t>
-          </a:r>
-          <a:endParaRPr lang="fr-FR" sz="1500" kern="1200" dirty="0"/>
-        </a:p>
-      </dsp:txBody>
-      <dsp:txXfrm>
-        <a:off x="573323" y="943432"/>
-        <a:ext cx="1313669" cy="773300"/>
-      </dsp:txXfrm>
-    </dsp:sp>
-    <dsp:sp modelId="{4181433E-1E98-4F9A-AB9C-42705C14DC65}">
-      <dsp:nvSpPr>
-        <dsp:cNvPr id="0" name=""/>
-        <dsp:cNvSpPr/>
-      </dsp:nvSpPr>
-      <dsp:spPr>
-        <a:xfrm rot="5400000">
-          <a:off x="3772988" y="42951"/>
-          <a:ext cx="685574" cy="4373896"/>
-        </a:xfrm>
-        <a:prstGeom prst="round2SameRect">
-          <a:avLst/>
-        </a:prstGeom>
-        <a:solidFill>
-          <a:schemeClr val="accent5">
-            <a:tint val="40000"/>
-            <a:alpha val="90000"/>
-            <a:hueOff val="2073779"/>
-            <a:satOff val="-17822"/>
-            <a:lumOff val="-4724"/>
-            <a:alphaOff val="0"/>
-          </a:schemeClr>
-        </a:solidFill>
-        <a:ln w="25400" cap="flat" cmpd="sng" algn="ctr">
-          <a:solidFill>
-            <a:schemeClr val="accent5">
-              <a:tint val="40000"/>
-              <a:alpha val="90000"/>
-              <a:hueOff val="2073779"/>
-              <a:satOff val="-17822"/>
-              <a:lumOff val="-4724"/>
-              <a:alphaOff val="0"/>
-            </a:schemeClr>
-          </a:solidFill>
-          <a:prstDash val="solid"/>
-        </a:ln>
-        <a:effectLst/>
-      </dsp:spPr>
-      <dsp:style>
-        <a:lnRef idx="2">
-          <a:scrgbClr r="0" g="0" b="0"/>
-        </a:lnRef>
-        <a:fillRef idx="1">
-          <a:scrgbClr r="0" g="0" b="0"/>
-        </a:fillRef>
-        <a:effectRef idx="0">
-          <a:scrgbClr r="0" g="0" b="0"/>
-        </a:effectRef>
-        <a:fontRef idx="minor"/>
-      </dsp:style>
-      <dsp:txBody>
-        <a:bodyPr spcFirstLastPara="0" vert="horz" wrap="square" lIns="38100" tIns="19050" rIns="38100" bIns="19050" numCol="1" spcCol="1270" anchor="ctr" anchorCtr="0">
-          <a:noAutofit/>
-        </a:bodyPr>
-        <a:lstStyle/>
-        <a:p>
-          <a:pPr marL="57150" lvl="1" indent="-57150" algn="l" defTabSz="444500">
-            <a:lnSpc>
-              <a:spcPct val="90000"/>
-            </a:lnSpc>
-            <a:spcBef>
-              <a:spcPct val="0"/>
-            </a:spcBef>
-            <a:spcAft>
-              <a:spcPct val="15000"/>
-            </a:spcAft>
-            <a:buChar char="••"/>
-          </a:pPr>
-          <a:r>
-            <a:rPr lang="fr-FR" sz="1000" kern="1200" smtClean="0"/>
-            <a:t>Objectif : déterminer les limites de l’application</a:t>
-          </a:r>
-          <a:endParaRPr lang="fr-FR" sz="1000" kern="1200" dirty="0"/>
-        </a:p>
-        <a:p>
-          <a:pPr marL="57150" lvl="1" indent="-57150" algn="l" defTabSz="444500">
-            <a:lnSpc>
-              <a:spcPct val="90000"/>
-            </a:lnSpc>
-            <a:spcBef>
-              <a:spcPct val="0"/>
-            </a:spcBef>
-            <a:spcAft>
-              <a:spcPct val="15000"/>
-            </a:spcAft>
-            <a:buChar char="••"/>
-          </a:pPr>
-          <a:r>
-            <a:rPr lang="fr-FR" sz="1000" kern="1200" smtClean="0"/>
-            <a:t>Ex : on augmente le nombre d’utilisateurs en parallèle sur l’application jusqu’à ce que le taux d’erreurs / les temps de réponse ne soient plus acceptables</a:t>
-          </a:r>
-          <a:endParaRPr lang="fr-FR" sz="1000" kern="1200" dirty="0"/>
-        </a:p>
-      </dsp:txBody>
-      <dsp:txXfrm rot="-5400000">
-        <a:off x="1928828" y="1920579"/>
-        <a:ext cx="4340429" cy="618640"/>
-      </dsp:txXfrm>
-    </dsp:sp>
-    <dsp:sp modelId="{6A51B969-4301-456A-A58E-1ABBAB497FD3}">
-      <dsp:nvSpPr>
-        <dsp:cNvPr id="0" name=""/>
-        <dsp:cNvSpPr/>
-      </dsp:nvSpPr>
-      <dsp:spPr>
-        <a:xfrm>
-          <a:off x="531489" y="1801415"/>
-          <a:ext cx="1397337" cy="856968"/>
-        </a:xfrm>
-        <a:prstGeom prst="roundRect">
-          <a:avLst/>
-        </a:prstGeom>
-        <a:solidFill>
-          <a:schemeClr val="accent5">
-            <a:hueOff val="1510579"/>
-            <a:satOff val="39583"/>
-            <a:lumOff val="-30065"/>
-            <a:alphaOff val="0"/>
-          </a:schemeClr>
-        </a:solidFill>
-        <a:ln w="25400" cap="flat" cmpd="sng" algn="ctr">
-          <a:solidFill>
-            <a:schemeClr val="lt1">
-              <a:hueOff val="0"/>
-              <a:satOff val="0"/>
-              <a:lumOff val="0"/>
-              <a:alphaOff val="0"/>
-            </a:schemeClr>
-          </a:solidFill>
-          <a:prstDash val="solid"/>
-        </a:ln>
-        <a:effectLst/>
-      </dsp:spPr>
-      <dsp:style>
-        <a:lnRef idx="2">
-          <a:scrgbClr r="0" g="0" b="0"/>
-        </a:lnRef>
-        <a:fillRef idx="1">
-          <a:scrgbClr r="0" g="0" b="0"/>
-        </a:fillRef>
-        <a:effectRef idx="0">
-          <a:scrgbClr r="0" g="0" b="0"/>
-        </a:effectRef>
-        <a:fontRef idx="minor">
-          <a:schemeClr val="lt1"/>
-        </a:fontRef>
-      </dsp:style>
-      <dsp:txBody>
-        <a:bodyPr spcFirstLastPara="0" vert="horz" wrap="square" lIns="57150" tIns="28575" rIns="57150" bIns="28575" numCol="1" spcCol="1270" anchor="ctr" anchorCtr="0">
-          <a:noAutofit/>
-        </a:bodyPr>
-        <a:lstStyle/>
-        <a:p>
-          <a:pPr lvl="0" algn="ctr" defTabSz="666750">
-            <a:lnSpc>
-              <a:spcPct val="90000"/>
-            </a:lnSpc>
-            <a:spcBef>
-              <a:spcPct val="0"/>
-            </a:spcBef>
-            <a:spcAft>
-              <a:spcPct val="35000"/>
-            </a:spcAft>
-          </a:pPr>
-          <a:r>
-            <a:rPr lang="fr-FR" sz="1500" kern="1200" dirty="0" smtClean="0"/>
-            <a:t>Test de rupture</a:t>
-          </a:r>
-          <a:endParaRPr lang="fr-FR" sz="1500" kern="1200" dirty="0"/>
-        </a:p>
-      </dsp:txBody>
-      <dsp:txXfrm>
-        <a:off x="573323" y="1843249"/>
-        <a:ext cx="1313669" cy="773300"/>
-      </dsp:txXfrm>
-    </dsp:sp>
-    <dsp:sp modelId="{ACC1F8B2-765E-4D64-BFE1-49ECB56991B9}">
-      <dsp:nvSpPr>
-        <dsp:cNvPr id="0" name=""/>
-        <dsp:cNvSpPr/>
-      </dsp:nvSpPr>
-      <dsp:spPr>
-        <a:xfrm rot="5400000">
-          <a:off x="3772988" y="942768"/>
-          <a:ext cx="685574" cy="4373896"/>
-        </a:xfrm>
-        <a:prstGeom prst="round2SameRect">
-          <a:avLst/>
-        </a:prstGeom>
-        <a:solidFill>
-          <a:schemeClr val="accent5">
-            <a:tint val="40000"/>
-            <a:alpha val="90000"/>
-            <a:hueOff val="3110668"/>
-            <a:satOff val="-26733"/>
-            <a:lumOff val="-7086"/>
-            <a:alphaOff val="0"/>
-          </a:schemeClr>
-        </a:solidFill>
-        <a:ln w="25400" cap="flat" cmpd="sng" algn="ctr">
-          <a:solidFill>
-            <a:schemeClr val="accent5">
-              <a:tint val="40000"/>
-              <a:alpha val="90000"/>
-              <a:hueOff val="3110668"/>
-              <a:satOff val="-26733"/>
-              <a:lumOff val="-7086"/>
-              <a:alphaOff val="0"/>
-            </a:schemeClr>
-          </a:solidFill>
-          <a:prstDash val="solid"/>
-        </a:ln>
-        <a:effectLst/>
-      </dsp:spPr>
-      <dsp:style>
-        <a:lnRef idx="2">
-          <a:scrgbClr r="0" g="0" b="0"/>
-        </a:lnRef>
-        <a:fillRef idx="1">
-          <a:scrgbClr r="0" g="0" b="0"/>
-        </a:fillRef>
-        <a:effectRef idx="0">
-          <a:scrgbClr r="0" g="0" b="0"/>
-        </a:effectRef>
-        <a:fontRef idx="minor"/>
-      </dsp:style>
-      <dsp:txBody>
-        <a:bodyPr spcFirstLastPara="0" vert="horz" wrap="square" lIns="38100" tIns="19050" rIns="38100" bIns="19050" numCol="1" spcCol="1270" anchor="ctr" anchorCtr="0">
-          <a:noAutofit/>
-        </a:bodyPr>
-        <a:lstStyle/>
-        <a:p>
-          <a:pPr marL="57150" lvl="1" indent="-57150" algn="l" defTabSz="444500">
-            <a:lnSpc>
-              <a:spcPct val="90000"/>
-            </a:lnSpc>
-            <a:spcBef>
-              <a:spcPct val="0"/>
-            </a:spcBef>
-            <a:spcAft>
-              <a:spcPct val="15000"/>
-            </a:spcAft>
-            <a:buChar char="••"/>
-          </a:pPr>
-          <a:r>
-            <a:rPr lang="fr-FR" sz="1000" kern="1200" smtClean="0"/>
-            <a:t>Objectif : déterminer la capacité de l’application à fonctionner sur une période étendue</a:t>
-          </a:r>
-          <a:endParaRPr lang="fr-FR" sz="1000" kern="1200" dirty="0"/>
-        </a:p>
-        <a:p>
-          <a:pPr marL="57150" lvl="1" indent="-57150" algn="l" defTabSz="444500">
-            <a:lnSpc>
-              <a:spcPct val="90000"/>
-            </a:lnSpc>
-            <a:spcBef>
-              <a:spcPct val="0"/>
-            </a:spcBef>
-            <a:spcAft>
-              <a:spcPct val="15000"/>
-            </a:spcAft>
-            <a:buChar char="••"/>
-          </a:pPr>
-          <a:r>
-            <a:rPr lang="fr-FR" sz="1000" kern="1200" smtClean="0"/>
-            <a:t>Ex : on simule l’utilisation de l’application pendant 48h, avec une charge constante et égale à la charge moyenne</a:t>
-          </a:r>
-          <a:endParaRPr lang="fr-FR" sz="1000" kern="1200" dirty="0"/>
-        </a:p>
-      </dsp:txBody>
-      <dsp:txXfrm rot="-5400000">
-        <a:off x="1928828" y="2820396"/>
-        <a:ext cx="4340429" cy="618640"/>
-      </dsp:txXfrm>
-    </dsp:sp>
-    <dsp:sp modelId="{BE1CE10A-3646-484C-A673-38EC70046C80}">
-      <dsp:nvSpPr>
-        <dsp:cNvPr id="0" name=""/>
-        <dsp:cNvSpPr/>
-      </dsp:nvSpPr>
-      <dsp:spPr>
-        <a:xfrm>
-          <a:off x="531489" y="2701232"/>
-          <a:ext cx="1397337" cy="856968"/>
-        </a:xfrm>
-        <a:prstGeom prst="roundRect">
-          <a:avLst/>
-        </a:prstGeom>
-        <a:solidFill>
-          <a:schemeClr val="accent5">
-            <a:hueOff val="2265869"/>
-            <a:satOff val="59375"/>
-            <a:lumOff val="-45098"/>
-            <a:alphaOff val="0"/>
-          </a:schemeClr>
-        </a:solidFill>
-        <a:ln w="25400" cap="flat" cmpd="sng" algn="ctr">
-          <a:solidFill>
-            <a:schemeClr val="lt1">
-              <a:hueOff val="0"/>
-              <a:satOff val="0"/>
-              <a:lumOff val="0"/>
-              <a:alphaOff val="0"/>
-            </a:schemeClr>
-          </a:solidFill>
-          <a:prstDash val="solid"/>
-        </a:ln>
-        <a:effectLst/>
-      </dsp:spPr>
-      <dsp:style>
-        <a:lnRef idx="2">
-          <a:scrgbClr r="0" g="0" b="0"/>
-        </a:lnRef>
-        <a:fillRef idx="1">
-          <a:scrgbClr r="0" g="0" b="0"/>
-        </a:fillRef>
-        <a:effectRef idx="0">
-          <a:scrgbClr r="0" g="0" b="0"/>
-        </a:effectRef>
-        <a:fontRef idx="minor">
-          <a:schemeClr val="lt1"/>
-        </a:fontRef>
-      </dsp:style>
-      <dsp:txBody>
-        <a:bodyPr spcFirstLastPara="0" vert="horz" wrap="square" lIns="57150" tIns="28575" rIns="57150" bIns="28575" numCol="1" spcCol="1270" anchor="ctr" anchorCtr="0">
-          <a:noAutofit/>
-        </a:bodyPr>
-        <a:lstStyle/>
-        <a:p>
-          <a:pPr lvl="0" algn="ctr" defTabSz="666750">
-            <a:lnSpc>
-              <a:spcPct val="90000"/>
-            </a:lnSpc>
-            <a:spcBef>
-              <a:spcPct val="0"/>
-            </a:spcBef>
-            <a:spcAft>
-              <a:spcPct val="35000"/>
-            </a:spcAft>
-          </a:pPr>
-          <a:r>
-            <a:rPr lang="fr-FR" sz="1500" kern="1200" dirty="0" smtClean="0"/>
-            <a:t>Test de vieillissement</a:t>
-          </a:r>
-          <a:endParaRPr lang="fr-FR" sz="1500" kern="1200" dirty="0"/>
-        </a:p>
-      </dsp:txBody>
-      <dsp:txXfrm>
-        <a:off x="573323" y="2743066"/>
-        <a:ext cx="1313669" cy="773300"/>
-      </dsp:txXfrm>
-    </dsp:sp>
   </dsp:spTree>
 </dsp:drawing>
 </file>
@@ -19775,7 +19071,7 @@
           <a:bodyPr/>
           <a:lstStyle>
             <a:lvl1pPr algn="r">
-              <a:defRPr sz="1800">
+              <a:defRPr sz="2400">
                 <a:solidFill>
                   <a:schemeClr val="accent6"/>
                 </a:solidFill>
@@ -19940,7 +19236,6 @@
               <a:rPr lang="fr-FR" noProof="0" dirty="0" smtClean="0"/>
               <a:t> style</a:t>
             </a:r>
-            <a:endParaRPr lang="fr-FR" noProof="0" dirty="0" smtClean="0"/>
           </a:p>
         </p:txBody>
       </p:sp>
@@ -20238,14 +19533,6 @@
               </a:rPr>
               <a:t>DÉMO</a:t>
             </a:r>
-            <a:endParaRPr lang="fr-FR" sz="13800" b="1" noProof="0" smtClean="0">
-              <a:solidFill>
-                <a:schemeClr val="accent6"/>
-              </a:solidFill>
-              <a:latin typeface="Arial" charset="0"/>
-              <a:ea typeface="SimSun" charset="0"/>
-              <a:cs typeface="SimSun" charset="0"/>
-            </a:endParaRPr>
           </a:p>
         </p:txBody>
       </p:sp>
@@ -20271,7 +19558,89 @@
 
 <file path=ppt/slideLayouts/slideLayout4.xml><?xml version="1.0" encoding="utf-8"?>
 <p:sldLayout xmlns:a="http://schemas.openxmlformats.org/drawingml/2006/main" xmlns:r="http://schemas.openxmlformats.org/officeDocument/2006/relationships" xmlns:p="http://schemas.openxmlformats.org/presentationml/2006/main" preserve="1" userDrawn="1">
-  <p:cSld name="n_Diapositive vide">
+  <p:cSld name="n_vide">
+    <p:spTree>
+      <p:nvGrpSpPr>
+        <p:cNvPr id="1" name=""/>
+        <p:cNvGrpSpPr/>
+        <p:nvPr/>
+      </p:nvGrpSpPr>
+      <p:grpSpPr>
+        <a:xfrm>
+          <a:off x="0" y="0"/>
+          <a:ext cx="0" cy="0"/>
+          <a:chOff x="0" y="0"/>
+          <a:chExt cx="0" cy="0"/>
+        </a:xfrm>
+      </p:grpSpPr>
+      <p:pic>
+        <p:nvPicPr>
+          <p:cNvPr id="2" name="Image 9"/>
+          <p:cNvPicPr>
+            <a:picLocks noChangeAspect="1"/>
+          </p:cNvPicPr>
+          <p:nvPr userDrawn="1"/>
+        </p:nvPicPr>
+        <p:blipFill rotWithShape="1">
+          <a:blip r:embed="rId2" cstate="screen">
+            <a:extLst>
+              <a:ext uri="{28A0092B-C50C-407E-A947-70E740481C1C}">
+                <a14:useLocalDpi xmlns:a14="http://schemas.microsoft.com/office/drawing/2010/main"/>
+              </a:ext>
+            </a:extLst>
+          </a:blip>
+          <a:srcRect/>
+          <a:stretch/>
+        </p:blipFill>
+        <p:spPr bwMode="auto">
+          <a:xfrm>
+            <a:off x="0" y="-25099"/>
+            <a:ext cx="9144211" cy="4613073"/>
+          </a:xfrm>
+          <a:prstGeom prst="rect">
+            <a:avLst/>
+          </a:prstGeom>
+          <a:noFill/>
+          <a:ln>
+            <a:noFill/>
+          </a:ln>
+          <a:extLst>
+            <a:ext uri="{909E8E84-426E-40DD-AFC4-6F175D3DCCD1}">
+              <a14:hiddenFill xmlns:a14="http://schemas.microsoft.com/office/drawing/2010/main">
+                <a:solidFill>
+                  <a:srgbClr val="FFFFFF"/>
+                </a:solidFill>
+              </a14:hiddenFill>
+            </a:ext>
+            <a:ext uri="{91240B29-F687-4F45-9708-019B960494DF}">
+              <a14:hiddenLine xmlns:a14="http://schemas.microsoft.com/office/drawing/2010/main" w="9525">
+                <a:solidFill>
+                  <a:srgbClr val="000000"/>
+                </a:solidFill>
+                <a:miter lim="800000"/>
+                <a:headEnd/>
+                <a:tailEnd/>
+              </a14:hiddenLine>
+            </a:ext>
+          </a:extLst>
+        </p:spPr>
+      </p:pic>
+    </p:spTree>
+    <p:extLst>
+      <p:ext uri="{BB962C8B-B14F-4D97-AF65-F5344CB8AC3E}">
+        <p14:creationId xmlns:p14="http://schemas.microsoft.com/office/powerpoint/2010/main" val="192233622"/>
+      </p:ext>
+    </p:extLst>
+  </p:cSld>
+  <p:clrMapOvr>
+    <a:masterClrMapping/>
+  </p:clrMapOvr>
+</p:sldLayout>
+</file>
+
+<file path=ppt/slideLayouts/slideLayout5.xml><?xml version="1.0" encoding="utf-8"?>
+<p:sldLayout xmlns:a="http://schemas.openxmlformats.org/drawingml/2006/main" xmlns:r="http://schemas.openxmlformats.org/officeDocument/2006/relationships" xmlns:p="http://schemas.openxmlformats.org/presentationml/2006/main" preserve="1" userDrawn="1">
+  <p:cSld name="n_blanc">
     <p:spTree>
       <p:nvGrpSpPr>
         <p:cNvPr id="1" name=""/>
@@ -20289,7 +19658,7 @@
     </p:spTree>
     <p:extLst>
       <p:ext uri="{BB962C8B-B14F-4D97-AF65-F5344CB8AC3E}">
-        <p14:creationId xmlns:p14="http://schemas.microsoft.com/office/powerpoint/2010/main" val="192233622"/>
+        <p14:creationId xmlns:p14="http://schemas.microsoft.com/office/powerpoint/2010/main" val="2510200245"/>
       </p:ext>
     </p:extLst>
   </p:cSld>
@@ -20299,9 +19668,9 @@
 </p:sldLayout>
 </file>
 
-<file path=ppt/slideLayouts/slideLayout5.xml><?xml version="1.0" encoding="utf-8"?>
-<p:sldLayout xmlns:a="http://schemas.openxmlformats.org/drawingml/2006/main" xmlns:r="http://schemas.openxmlformats.org/officeDocument/2006/relationships" xmlns:p="http://schemas.openxmlformats.org/presentationml/2006/main" type="blank">
-  <p:cSld name="Vide">
+<file path=ppt/slideLayouts/slideLayout6.xml><?xml version="1.0" encoding="utf-8"?>
+<p:sldLayout xmlns:a="http://schemas.openxmlformats.org/drawingml/2006/main" xmlns:r="http://schemas.openxmlformats.org/officeDocument/2006/relationships" xmlns:p="http://schemas.openxmlformats.org/presentationml/2006/main">
+  <p:cSld name="n_titre_seul">
     <p:spTree>
       <p:nvGrpSpPr>
         <p:cNvPr id="1" name=""/>
@@ -20316,87 +19685,58 @@
           <a:chExt cx="0" cy="0"/>
         </a:xfrm>
       </p:grpSpPr>
-      <p:sp>
-        <p:nvSpPr>
-          <p:cNvPr id="2" name="Espace réservé du numéro de diapositive 5"/>
-          <p:cNvSpPr>
-            <a:spLocks noGrp="1"/>
-          </p:cNvSpPr>
-          <p:nvPr>
-            <p:ph type="sldNum" sz="quarter" idx="10"/>
-          </p:nvPr>
-        </p:nvSpPr>
-        <p:spPr>
+      <p:pic>
+        <p:nvPicPr>
+          <p:cNvPr id="3" name="Image 9"/>
+          <p:cNvPicPr>
+            <a:picLocks noChangeAspect="1"/>
+          </p:cNvPicPr>
+          <p:nvPr userDrawn="1"/>
+        </p:nvPicPr>
+        <p:blipFill rotWithShape="1">
+          <a:blip r:embed="rId2" cstate="screen">
+            <a:extLst>
+              <a:ext uri="{28A0092B-C50C-407E-A947-70E740481C1C}">
+                <a14:useLocalDpi xmlns:a14="http://schemas.microsoft.com/office/drawing/2010/main"/>
+              </a:ext>
+            </a:extLst>
+          </a:blip>
+          <a:srcRect/>
+          <a:stretch/>
+        </p:blipFill>
+        <p:spPr bwMode="auto">
           <a:xfrm>
-            <a:off x="7596188" y="4886325"/>
-            <a:ext cx="1054100" cy="273844"/>
+            <a:off x="0" y="-25099"/>
+            <a:ext cx="9144211" cy="4613073"/>
           </a:xfrm>
           <a:prstGeom prst="rect">
             <a:avLst/>
           </a:prstGeom>
-        </p:spPr>
-        <p:txBody>
-          <a:bodyPr vert="horz" wrap="square" lIns="91440" tIns="45720" rIns="91440" bIns="45720" numCol="1" anchor="t" anchorCtr="0" compatLnSpc="1">
-            <a:prstTxWarp prst="textNoShape">
-              <a:avLst/>
-            </a:prstTxWarp>
-          </a:bodyPr>
-          <a:lstStyle>
-            <a:lvl1pPr algn="r">
-              <a:defRPr sz="1200">
+          <a:noFill/>
+          <a:ln>
+            <a:noFill/>
+          </a:ln>
+          <a:extLst>
+            <a:ext uri="{909E8E84-426E-40DD-AFC4-6F175D3DCCD1}">
+              <a14:hiddenFill xmlns:a14="http://schemas.microsoft.com/office/drawing/2010/main">
                 <a:solidFill>
                   <a:srgbClr val="FFFFFF"/>
                 </a:solidFill>
-              </a:defRPr>
-            </a:lvl1pPr>
-          </a:lstStyle>
-          <a:p>
-            <a:fld id="{5DB03B49-8AE2-402C-97D2-A033A192DBF5}" type="slidenum">
-              <a:rPr lang="fr-CA"/>
-              <a:pPr/>
-              <a:t>‹#›</a:t>
-            </a:fld>
-            <a:endParaRPr lang="fr-CA"/>
-          </a:p>
-        </p:txBody>
-      </p:sp>
-    </p:spTree>
-    <p:extLst>
-      <p:ext uri="{BB962C8B-B14F-4D97-AF65-F5344CB8AC3E}">
-        <p14:creationId xmlns:p14="http://schemas.microsoft.com/office/powerpoint/2010/main" val="2371367082"/>
-      </p:ext>
-    </p:extLst>
-  </p:cSld>
-  <p:clrMapOvr>
-    <a:masterClrMapping/>
-  </p:clrMapOvr>
-  <p:timing>
-    <p:tnLst>
-      <p:par>
-        <p:cTn id="1" dur="indefinite" restart="never" nodeType="tmRoot"/>
-      </p:par>
-    </p:tnLst>
-  </p:timing>
-</p:sldLayout>
-</file>
-
-<file path=ppt/slideLayouts/slideLayout6.xml><?xml version="1.0" encoding="utf-8"?>
-<p:sldLayout xmlns:a="http://schemas.openxmlformats.org/drawingml/2006/main" xmlns:r="http://schemas.openxmlformats.org/officeDocument/2006/relationships" xmlns:p="http://schemas.openxmlformats.org/presentationml/2006/main">
-  <p:cSld name="1_Disposition personnalisée">
-    <p:spTree>
-      <p:nvGrpSpPr>
-        <p:cNvPr id="1" name=""/>
-        <p:cNvGrpSpPr/>
-        <p:nvPr/>
-      </p:nvGrpSpPr>
-      <p:grpSpPr>
-        <a:xfrm>
-          <a:off x="0" y="0"/>
-          <a:ext cx="0" cy="0"/>
-          <a:chOff x="0" y="0"/>
-          <a:chExt cx="0" cy="0"/>
-        </a:xfrm>
-      </p:grpSpPr>
+              </a14:hiddenFill>
+            </a:ext>
+            <a:ext uri="{91240B29-F687-4F45-9708-019B960494DF}">
+              <a14:hiddenLine xmlns:a14="http://schemas.microsoft.com/office/drawing/2010/main" w="9525">
+                <a:solidFill>
+                  <a:srgbClr val="000000"/>
+                </a:solidFill>
+                <a:miter lim="800000"/>
+                <a:headEnd/>
+                <a:tailEnd/>
+              </a14:hiddenLine>
+            </a:ext>
+          </a:extLst>
+        </p:spPr>
+      </p:pic>
       <p:sp>
         <p:nvSpPr>
           <p:cNvPr id="2" name="Titre 1"/>
@@ -20407,12 +19747,17 @@
             <p:ph type="title"/>
           </p:nvPr>
         </p:nvSpPr>
-        <p:spPr/>
+        <p:spPr>
+          <a:xfrm>
+            <a:off x="323528" y="33338"/>
+            <a:ext cx="8566473" cy="413147"/>
+          </a:xfrm>
+        </p:spPr>
         <p:txBody>
           <a:bodyPr anchor="t"/>
           <a:lstStyle>
             <a:lvl1pPr>
-              <a:defRPr sz="3200"/>
+              <a:defRPr sz="2400"/>
             </a:lvl1pPr>
           </a:lstStyle>
           <a:p>
@@ -20503,7 +19848,7 @@
               </a14:hiddenLine>
             </a:ext>
             <a:ext uri="{FAA26D3D-D897-4be2-8F04-BA451C77F1D7}">
-              <ma14:placeholderFlag xmlns="" xmlns:ma14="http://schemas.microsoft.com/office/mac/drawingml/2011/main" val="1"/>
+              <ma14:placeholderFlag xmlns:ma14="http://schemas.microsoft.com/office/mac/drawingml/2011/main" xmlns="" val="1"/>
             </a:ext>
           </a:extLst>
         </p:spPr>
@@ -20585,7 +19930,7 @@
               </a14:hiddenLine>
             </a:ext>
             <a:ext uri="{FAA26D3D-D897-4be2-8F04-BA451C77F1D7}">
-              <ma14:placeholderFlag xmlns="" xmlns:ma14="http://schemas.microsoft.com/office/mac/drawingml/2011/main" val="1"/>
+              <ma14:placeholderFlag xmlns:ma14="http://schemas.microsoft.com/office/mac/drawingml/2011/main" xmlns="" val="1"/>
             </a:ext>
           </a:extLst>
         </p:spPr>
@@ -20745,7 +20090,7 @@
     <p:sldLayoutId id="2147483721" r:id="rId2"/>
     <p:sldLayoutId id="2147483738" r:id="rId3"/>
     <p:sldLayoutId id="2147483731" r:id="rId4"/>
-    <p:sldLayoutId id="2147483736" r:id="rId5"/>
+    <p:sldLayoutId id="2147483739" r:id="rId5"/>
     <p:sldLayoutId id="2147483737" r:id="rId6"/>
   </p:sldLayoutIdLst>
   <p:timing>
@@ -21239,13 +20584,13 @@
             <a:spLocks noGrp="1"/>
           </p:cNvSpPr>
           <p:nvPr>
-            <p:ph idx="1"/>
+            <p:ph idx="4294967295"/>
           </p:nvPr>
         </p:nvSpPr>
         <p:spPr>
           <a:xfrm>
-            <a:off x="468315" y="1922512"/>
-            <a:ext cx="5008084" cy="1009278"/>
+            <a:off x="427533" y="1922463"/>
+            <a:ext cx="5008563" cy="1009650"/>
           </a:xfrm>
         </p:spPr>
         <p:txBody>
@@ -21282,19 +20627,24 @@
             <a:spLocks noGrp="1"/>
           </p:cNvSpPr>
           <p:nvPr>
-            <p:ph type="title"/>
+            <p:ph type="title" idx="4294967295"/>
           </p:nvPr>
         </p:nvSpPr>
-        <p:spPr/>
+        <p:spPr>
+          <a:xfrm>
+            <a:off x="577850" y="33338"/>
+            <a:ext cx="8566150" cy="412750"/>
+          </a:xfrm>
+        </p:spPr>
         <p:txBody>
           <a:bodyPr/>
           <a:lstStyle/>
           <a:p>
             <a:r>
-              <a:rPr lang="fr-FR" dirty="0" smtClean="0"/>
+              <a:rPr lang="fr-FR" sz="2400" dirty="0" smtClean="0"/>
               <a:t>Notre vision ?</a:t>
             </a:r>
-            <a:endParaRPr lang="fr-FR" dirty="0"/>
+            <a:endParaRPr lang="fr-FR" sz="2400" dirty="0"/>
           </a:p>
         </p:txBody>
       </p:sp>
@@ -40374,11 +39724,7 @@
             </a:r>
             <a:r>
               <a:rPr lang="fr-CA" dirty="0" smtClean="0"/>
-              <a:t>est </a:t>
-            </a:r>
-            <a:r>
-              <a:rPr lang="fr-CA" dirty="0" smtClean="0"/>
-              <a:t>d’endurance</a:t>
+              <a:t>est d’endurance</a:t>
             </a:r>
             <a:endParaRPr lang="fr-FR" dirty="0"/>
           </a:p>
@@ -43014,13 +42360,13 @@
             <a:spLocks noGrp="1"/>
           </p:cNvSpPr>
           <p:nvPr>
-            <p:ph idx="1"/>
+            <p:ph idx="4294967295"/>
           </p:nvPr>
         </p:nvSpPr>
         <p:spPr>
           <a:xfrm>
-            <a:off x="468315" y="914400"/>
-            <a:ext cx="3923158" cy="2305421"/>
+            <a:off x="467544" y="914400"/>
+            <a:ext cx="3922713" cy="2305050"/>
           </a:xfrm>
         </p:spPr>
         <p:txBody>
@@ -43057,19 +42403,24 @@
             <a:spLocks noGrp="1"/>
           </p:cNvSpPr>
           <p:nvPr>
-            <p:ph type="title"/>
+            <p:ph type="title" idx="4294967295"/>
           </p:nvPr>
         </p:nvSpPr>
-        <p:spPr/>
+        <p:spPr>
+          <a:xfrm>
+            <a:off x="577850" y="33338"/>
+            <a:ext cx="8566150" cy="412750"/>
+          </a:xfrm>
+        </p:spPr>
         <p:txBody>
           <a:bodyPr/>
           <a:lstStyle/>
           <a:p>
             <a:r>
-              <a:rPr lang="fr-FR" sz="1800" dirty="0" smtClean="0"/>
-              <a:t>NOTRE VISION ?</a:t>
-            </a:r>
-            <a:endParaRPr lang="fr-FR" sz="1800" dirty="0"/>
+              <a:rPr lang="fr-FR" sz="2400" dirty="0"/>
+              <a:t>Notre vision ?</a:t>
+            </a:r>
+            <a:endParaRPr lang="fr-FR" sz="2400" dirty="0"/>
           </a:p>
         </p:txBody>
       </p:sp>
@@ -43192,13 +42543,13 @@
             <a:spLocks noGrp="1"/>
           </p:cNvSpPr>
           <p:nvPr>
-            <p:ph idx="1"/>
+            <p:ph idx="4294967295"/>
           </p:nvPr>
         </p:nvSpPr>
         <p:spPr>
           <a:xfrm>
-            <a:off x="468315" y="914400"/>
-            <a:ext cx="4535734" cy="3601641"/>
+            <a:off x="539552" y="929172"/>
+            <a:ext cx="4535488" cy="3602038"/>
           </a:xfrm>
         </p:spPr>
         <p:txBody>
@@ -43235,19 +42586,24 @@
             <a:spLocks noGrp="1"/>
           </p:cNvSpPr>
           <p:nvPr>
-            <p:ph type="title"/>
+            <p:ph type="title" idx="4294967295"/>
           </p:nvPr>
         </p:nvSpPr>
-        <p:spPr/>
+        <p:spPr>
+          <a:xfrm>
+            <a:off x="577850" y="33338"/>
+            <a:ext cx="8566150" cy="412750"/>
+          </a:xfrm>
+        </p:spPr>
         <p:txBody>
           <a:bodyPr/>
           <a:lstStyle/>
           <a:p>
             <a:r>
-              <a:rPr lang="fr-FR" dirty="0" smtClean="0"/>
-              <a:t>NOTRE VISION ?</a:t>
-            </a:r>
-            <a:endParaRPr lang="fr-FR" dirty="0"/>
+              <a:rPr lang="fr-FR" sz="2400" dirty="0"/>
+              <a:t>Notre vision ?</a:t>
+            </a:r>
+            <a:endParaRPr lang="fr-FR" sz="2400" dirty="0"/>
           </a:p>
         </p:txBody>
       </p:sp>

--- a/PerfUniversity.pptx
+++ b/PerfUniversity.pptx
@@ -5,65 +5,72 @@
     <p:sldMasterId id="2147483648" r:id="rId1"/>
   </p:sldMasterIdLst>
   <p:notesMasterIdLst>
-    <p:notesMasterId r:id="rId55"/>
+    <p:notesMasterId r:id="rId62"/>
   </p:notesMasterIdLst>
   <p:handoutMasterIdLst>
-    <p:handoutMasterId r:id="rId56"/>
+    <p:handoutMasterId r:id="rId63"/>
   </p:handoutMasterIdLst>
   <p:sldIdLst>
     <p:sldId id="393" r:id="rId2"/>
-    <p:sldId id="409" r:id="rId3"/>
-    <p:sldId id="442" r:id="rId4"/>
-    <p:sldId id="443" r:id="rId5"/>
-    <p:sldId id="394" r:id="rId6"/>
-    <p:sldId id="445" r:id="rId7"/>
-    <p:sldId id="444" r:id="rId8"/>
-    <p:sldId id="404" r:id="rId9"/>
-    <p:sldId id="405" r:id="rId10"/>
-    <p:sldId id="406" r:id="rId11"/>
-    <p:sldId id="407" r:id="rId12"/>
-    <p:sldId id="402" r:id="rId13"/>
-    <p:sldId id="437" r:id="rId14"/>
-    <p:sldId id="411" r:id="rId15"/>
-    <p:sldId id="438" r:id="rId16"/>
-    <p:sldId id="439" r:id="rId17"/>
-    <p:sldId id="440" r:id="rId18"/>
-    <p:sldId id="441" r:id="rId19"/>
-    <p:sldId id="401" r:id="rId20"/>
-    <p:sldId id="413" r:id="rId21"/>
-    <p:sldId id="454" r:id="rId22"/>
-    <p:sldId id="455" r:id="rId23"/>
-    <p:sldId id="456" r:id="rId24"/>
-    <p:sldId id="457" r:id="rId25"/>
-    <p:sldId id="414" r:id="rId26"/>
-    <p:sldId id="418" r:id="rId27"/>
-    <p:sldId id="417" r:id="rId28"/>
-    <p:sldId id="458" r:id="rId29"/>
-    <p:sldId id="412" r:id="rId30"/>
-    <p:sldId id="415" r:id="rId31"/>
-    <p:sldId id="416" r:id="rId32"/>
-    <p:sldId id="446" r:id="rId33"/>
-    <p:sldId id="447" r:id="rId34"/>
-    <p:sldId id="448" r:id="rId35"/>
-    <p:sldId id="449" r:id="rId36"/>
-    <p:sldId id="450" r:id="rId37"/>
-    <p:sldId id="451" r:id="rId38"/>
-    <p:sldId id="452" r:id="rId39"/>
-    <p:sldId id="463" r:id="rId40"/>
-    <p:sldId id="427" r:id="rId41"/>
-    <p:sldId id="460" r:id="rId42"/>
-    <p:sldId id="459" r:id="rId43"/>
-    <p:sldId id="426" r:id="rId44"/>
-    <p:sldId id="461" r:id="rId45"/>
-    <p:sldId id="429" r:id="rId46"/>
-    <p:sldId id="431" r:id="rId47"/>
-    <p:sldId id="430" r:id="rId48"/>
-    <p:sldId id="462" r:id="rId49"/>
-    <p:sldId id="464" r:id="rId50"/>
-    <p:sldId id="403" r:id="rId51"/>
-    <p:sldId id="434" r:id="rId52"/>
-    <p:sldId id="453" r:id="rId53"/>
-    <p:sldId id="395" r:id="rId54"/>
+    <p:sldId id="466" r:id="rId3"/>
+    <p:sldId id="465" r:id="rId4"/>
+    <p:sldId id="467" r:id="rId5"/>
+    <p:sldId id="468" r:id="rId6"/>
+    <p:sldId id="469" r:id="rId7"/>
+    <p:sldId id="470" r:id="rId8"/>
+    <p:sldId id="471" r:id="rId9"/>
+    <p:sldId id="472" r:id="rId10"/>
+    <p:sldId id="442" r:id="rId11"/>
+    <p:sldId id="443" r:id="rId12"/>
+    <p:sldId id="394" r:id="rId13"/>
+    <p:sldId id="445" r:id="rId14"/>
+    <p:sldId id="444" r:id="rId15"/>
+    <p:sldId id="404" r:id="rId16"/>
+    <p:sldId id="405" r:id="rId17"/>
+    <p:sldId id="406" r:id="rId18"/>
+    <p:sldId id="407" r:id="rId19"/>
+    <p:sldId id="402" r:id="rId20"/>
+    <p:sldId id="437" r:id="rId21"/>
+    <p:sldId id="411" r:id="rId22"/>
+    <p:sldId id="438" r:id="rId23"/>
+    <p:sldId id="439" r:id="rId24"/>
+    <p:sldId id="440" r:id="rId25"/>
+    <p:sldId id="441" r:id="rId26"/>
+    <p:sldId id="401" r:id="rId27"/>
+    <p:sldId id="413" r:id="rId28"/>
+    <p:sldId id="454" r:id="rId29"/>
+    <p:sldId id="455" r:id="rId30"/>
+    <p:sldId id="456" r:id="rId31"/>
+    <p:sldId id="457" r:id="rId32"/>
+    <p:sldId id="414" r:id="rId33"/>
+    <p:sldId id="418" r:id="rId34"/>
+    <p:sldId id="417" r:id="rId35"/>
+    <p:sldId id="458" r:id="rId36"/>
+    <p:sldId id="412" r:id="rId37"/>
+    <p:sldId id="415" r:id="rId38"/>
+    <p:sldId id="416" r:id="rId39"/>
+    <p:sldId id="446" r:id="rId40"/>
+    <p:sldId id="447" r:id="rId41"/>
+    <p:sldId id="448" r:id="rId42"/>
+    <p:sldId id="449" r:id="rId43"/>
+    <p:sldId id="450" r:id="rId44"/>
+    <p:sldId id="451" r:id="rId45"/>
+    <p:sldId id="452" r:id="rId46"/>
+    <p:sldId id="463" r:id="rId47"/>
+    <p:sldId id="427" r:id="rId48"/>
+    <p:sldId id="460" r:id="rId49"/>
+    <p:sldId id="459" r:id="rId50"/>
+    <p:sldId id="426" r:id="rId51"/>
+    <p:sldId id="461" r:id="rId52"/>
+    <p:sldId id="429" r:id="rId53"/>
+    <p:sldId id="431" r:id="rId54"/>
+    <p:sldId id="430" r:id="rId55"/>
+    <p:sldId id="462" r:id="rId56"/>
+    <p:sldId id="464" r:id="rId57"/>
+    <p:sldId id="403" r:id="rId58"/>
+    <p:sldId id="434" r:id="rId59"/>
+    <p:sldId id="453" r:id="rId60"/>
+    <p:sldId id="395" r:id="rId61"/>
   </p:sldIdLst>
   <p:sldSz cx="9144000" cy="5143500" type="screen16x9"/>
   <p:notesSz cx="6858000" cy="9144000"/>
@@ -194,7 +201,7 @@
   </p:defaultTextStyle>
   <p:extLst>
     <p:ext uri="{EFAFB233-063F-42B5-8137-9DF3F51BA10A}">
-      <p15:sldGuideLst xmlns:p15="http://schemas.microsoft.com/office/powerpoint/2012/main" xmlns="">
+      <p15:sldGuideLst xmlns="" xmlns:p15="http://schemas.microsoft.com/office/powerpoint/2012/main">
         <p15:guide id="1" orient="horz" pos="1620">
           <p15:clr>
             <a:srgbClr val="A4A3A4"/>
@@ -208,7 +215,7 @@
       </p15:sldGuideLst>
     </p:ext>
     <p:ext uri="{2D200454-40CA-4A62-9FC3-DE9A4176ACB9}">
-      <p15:notesGuideLst xmlns:p15="http://schemas.microsoft.com/office/powerpoint/2012/main" xmlns=""/>
+      <p15:notesGuideLst xmlns="" xmlns:p15="http://schemas.microsoft.com/office/powerpoint/2012/main"/>
     </p:ext>
   </p:extLst>
 </p:presentation>
@@ -5496,8 +5503,8 @@
     <dgm:cxn modelId="{B0D5CD30-57DF-4D29-9EB6-8EF9AC501875}" type="presOf" srcId="{0875FB8C-61C4-444F-B072-0E7DA3532F32}" destId="{86284C6C-DE51-4318-888A-F3ECCF2598B5}" srcOrd="0" destOrd="0" presId="urn:microsoft.com/office/officeart/2005/8/layout/vList5"/>
     <dgm:cxn modelId="{F2220FE0-8EC0-4B30-A45E-E6B10180C87E}" type="presOf" srcId="{ED138812-7DF3-422E-8427-609ABF527EF8}" destId="{6A51B969-4301-456A-A58E-1ABBAB497FD3}" srcOrd="0" destOrd="0" presId="urn:microsoft.com/office/officeart/2005/8/layout/vList5"/>
     <dgm:cxn modelId="{F2FD0A1C-42F9-45F4-8046-6C8425DB8465}" srcId="{52407230-18E2-4EA0-839B-54E531E64E5C}" destId="{0875FB8C-61C4-444F-B072-0E7DA3532F32}" srcOrd="0" destOrd="0" parTransId="{55A71AF5-6664-4819-89EE-77FD1C8EC31B}" sibTransId="{DB23D6CB-2DF6-492A-87A0-600AB224676E}"/>
+    <dgm:cxn modelId="{C4D7B340-2F57-4099-85B0-897A8F8B8854}" type="presOf" srcId="{7BF58C16-ADE9-4CB4-B51C-18CCC3851E8F}" destId="{86284C6C-DE51-4318-888A-F3ECCF2598B5}" srcOrd="0" destOrd="1" presId="urn:microsoft.com/office/officeart/2005/8/layout/vList5"/>
     <dgm:cxn modelId="{DD40F434-5FD7-4D89-A20B-B2294F12AAF2}" srcId="{B7E31CAB-988B-4C5D-A8EB-201DAFECFC46}" destId="{9882B530-A874-49D1-A95D-986F33EB994C}" srcOrd="0" destOrd="0" parTransId="{E102818C-128E-48AF-938D-E2D00071C15D}" sibTransId="{37115658-A23C-4DDD-AF8F-2F518C140C7E}"/>
-    <dgm:cxn modelId="{C4D7B340-2F57-4099-85B0-897A8F8B8854}" type="presOf" srcId="{7BF58C16-ADE9-4CB4-B51C-18CCC3851E8F}" destId="{86284C6C-DE51-4318-888A-F3ECCF2598B5}" srcOrd="0" destOrd="1" presId="urn:microsoft.com/office/officeart/2005/8/layout/vList5"/>
     <dgm:cxn modelId="{4DD3E1A9-C0A9-41F4-BA12-13CD9C96EE9D}" srcId="{CA67DAD7-15D9-4899-B980-4DD9C4A46799}" destId="{9E7A8AB9-EFED-411D-9F4D-CB3023DB800D}" srcOrd="0" destOrd="0" parTransId="{F9C7FF34-E5D4-4469-8D2D-F364BCDF405E}" sibTransId="{035AB2A2-1DDE-48B0-A0F8-575247E2117D}"/>
     <dgm:cxn modelId="{4E0578E8-58DC-4BD4-8848-789500BF8710}" type="presOf" srcId="{9E7A8AB9-EFED-411D-9F4D-CB3023DB800D}" destId="{ACC1F8B2-765E-4D64-BFE1-49ECB56991B9}" srcOrd="0" destOrd="0" presId="urn:microsoft.com/office/officeart/2005/8/layout/vList5"/>
     <dgm:cxn modelId="{6F4C0F86-2943-41E3-AA97-EED6AA470EE5}" srcId="{CA67DAD7-15D9-4899-B980-4DD9C4A46799}" destId="{63507499-0A29-4EC9-8376-C1D8A354B555}" srcOrd="1" destOrd="0" parTransId="{BE8CD2CB-E3F5-4747-A679-7991AE6C85EB}" sibTransId="{107C41FC-E172-4DC3-85E3-EF7CD59F5FE4}"/>
@@ -8414,6 +8421,710 @@
       <dsp:cNvGrpSpPr/>
     </dsp:nvGrpSpPr>
     <dsp:grpSpPr/>
+    <dsp:sp modelId="{86284C6C-DE51-4318-888A-F3ECCF2598B5}">
+      <dsp:nvSpPr>
+        <dsp:cNvPr id="0" name=""/>
+        <dsp:cNvSpPr/>
+      </dsp:nvSpPr>
+      <dsp:spPr>
+        <a:xfrm rot="5400000">
+          <a:off x="3772988" y="-1756682"/>
+          <a:ext cx="685574" cy="4373896"/>
+        </a:xfrm>
+        <a:prstGeom prst="round2SameRect">
+          <a:avLst/>
+        </a:prstGeom>
+        <a:solidFill>
+          <a:schemeClr val="accent5">
+            <a:tint val="40000"/>
+            <a:alpha val="90000"/>
+            <a:hueOff val="0"/>
+            <a:satOff val="0"/>
+            <a:lumOff val="0"/>
+            <a:alphaOff val="0"/>
+          </a:schemeClr>
+        </a:solidFill>
+        <a:ln w="25400" cap="flat" cmpd="sng" algn="ctr">
+          <a:solidFill>
+            <a:schemeClr val="accent5">
+              <a:tint val="40000"/>
+              <a:alpha val="90000"/>
+              <a:hueOff val="0"/>
+              <a:satOff val="0"/>
+              <a:lumOff val="0"/>
+              <a:alphaOff val="0"/>
+            </a:schemeClr>
+          </a:solidFill>
+          <a:prstDash val="solid"/>
+        </a:ln>
+        <a:effectLst/>
+      </dsp:spPr>
+      <dsp:style>
+        <a:lnRef idx="2">
+          <a:scrgbClr r="0" g="0" b="0"/>
+        </a:lnRef>
+        <a:fillRef idx="1">
+          <a:scrgbClr r="0" g="0" b="0"/>
+        </a:fillRef>
+        <a:effectRef idx="0">
+          <a:scrgbClr r="0" g="0" b="0"/>
+        </a:effectRef>
+        <a:fontRef idx="minor"/>
+      </dsp:style>
+      <dsp:txBody>
+        <a:bodyPr spcFirstLastPara="0" vert="horz" wrap="square" lIns="38100" tIns="19050" rIns="38100" bIns="19050" numCol="1" spcCol="1270" anchor="ctr" anchorCtr="0">
+          <a:noAutofit/>
+        </a:bodyPr>
+        <a:lstStyle/>
+        <a:p>
+          <a:pPr marL="57150" lvl="1" indent="-57150" algn="l" defTabSz="444500">
+            <a:lnSpc>
+              <a:spcPct val="90000"/>
+            </a:lnSpc>
+            <a:spcBef>
+              <a:spcPct val="0"/>
+            </a:spcBef>
+            <a:spcAft>
+              <a:spcPct val="15000"/>
+            </a:spcAft>
+            <a:buChar char="••"/>
+          </a:pPr>
+          <a:r>
+            <a:rPr lang="fr-FR" sz="1000" kern="1200" smtClean="0"/>
+            <a:t>Objectif : mesurer la performance unitaire</a:t>
+          </a:r>
+          <a:endParaRPr lang="fr-FR" sz="1000" kern="1200" dirty="0"/>
+        </a:p>
+        <a:p>
+          <a:pPr marL="57150" lvl="1" indent="-57150" algn="l" defTabSz="444500">
+            <a:lnSpc>
+              <a:spcPct val="90000"/>
+            </a:lnSpc>
+            <a:spcBef>
+              <a:spcPct val="0"/>
+            </a:spcBef>
+            <a:spcAft>
+              <a:spcPct val="15000"/>
+            </a:spcAft>
+            <a:buChar char="••"/>
+          </a:pPr>
+          <a:r>
+            <a:rPr lang="fr-FR" sz="1000" kern="1200" smtClean="0"/>
+            <a:t>Ex : le use case de souscription est testé pour 1 utilisateur et, pour chaque étape du use case, on mesure le temps passé dans les différents composants de l’application</a:t>
+          </a:r>
+          <a:endParaRPr lang="fr-FR" sz="1000" kern="1200" dirty="0"/>
+        </a:p>
+      </dsp:txBody>
+      <dsp:txXfrm rot="-5400000">
+        <a:off x="1928828" y="120945"/>
+        <a:ext cx="4340429" cy="618640"/>
+      </dsp:txXfrm>
+    </dsp:sp>
+    <dsp:sp modelId="{C0BF4151-A84C-4411-826C-2F7A37D76BA7}">
+      <dsp:nvSpPr>
+        <dsp:cNvPr id="0" name=""/>
+        <dsp:cNvSpPr/>
+      </dsp:nvSpPr>
+      <dsp:spPr>
+        <a:xfrm>
+          <a:off x="531489" y="0"/>
+          <a:ext cx="1397337" cy="856968"/>
+        </a:xfrm>
+        <a:prstGeom prst="roundRect">
+          <a:avLst/>
+        </a:prstGeom>
+        <a:solidFill>
+          <a:schemeClr val="accent5">
+            <a:hueOff val="0"/>
+            <a:satOff val="0"/>
+            <a:lumOff val="0"/>
+            <a:alphaOff val="0"/>
+          </a:schemeClr>
+        </a:solidFill>
+        <a:ln w="25400" cap="flat" cmpd="sng" algn="ctr">
+          <a:solidFill>
+            <a:schemeClr val="lt1">
+              <a:hueOff val="0"/>
+              <a:satOff val="0"/>
+              <a:lumOff val="0"/>
+              <a:alphaOff val="0"/>
+            </a:schemeClr>
+          </a:solidFill>
+          <a:prstDash val="solid"/>
+        </a:ln>
+        <a:effectLst/>
+      </dsp:spPr>
+      <dsp:style>
+        <a:lnRef idx="2">
+          <a:scrgbClr r="0" g="0" b="0"/>
+        </a:lnRef>
+        <a:fillRef idx="1">
+          <a:scrgbClr r="0" g="0" b="0"/>
+        </a:fillRef>
+        <a:effectRef idx="0">
+          <a:scrgbClr r="0" g="0" b="0"/>
+        </a:effectRef>
+        <a:fontRef idx="minor">
+          <a:schemeClr val="lt1"/>
+        </a:fontRef>
+      </dsp:style>
+      <dsp:txBody>
+        <a:bodyPr spcFirstLastPara="0" vert="horz" wrap="square" lIns="57150" tIns="28575" rIns="57150" bIns="28575" numCol="1" spcCol="1270" anchor="ctr" anchorCtr="0">
+          <a:noAutofit/>
+        </a:bodyPr>
+        <a:lstStyle/>
+        <a:p>
+          <a:pPr lvl="0" algn="ctr" defTabSz="666750">
+            <a:lnSpc>
+              <a:spcPct val="90000"/>
+            </a:lnSpc>
+            <a:spcBef>
+              <a:spcPct val="0"/>
+            </a:spcBef>
+            <a:spcAft>
+              <a:spcPct val="35000"/>
+            </a:spcAft>
+          </a:pPr>
+          <a:r>
+            <a:rPr lang="fr-FR" sz="1500" kern="1200" dirty="0" smtClean="0"/>
+            <a:t>Test de performance unitaire</a:t>
+          </a:r>
+          <a:endParaRPr lang="fr-FR" sz="1500" kern="1200" dirty="0"/>
+        </a:p>
+      </dsp:txBody>
+      <dsp:txXfrm>
+        <a:off x="573323" y="41834"/>
+        <a:ext cx="1313669" cy="773300"/>
+      </dsp:txXfrm>
+    </dsp:sp>
+    <dsp:sp modelId="{1144315C-DBBF-4391-8183-7E179B83211D}">
+      <dsp:nvSpPr>
+        <dsp:cNvPr id="0" name=""/>
+        <dsp:cNvSpPr/>
+      </dsp:nvSpPr>
+      <dsp:spPr>
+        <a:xfrm rot="5400000">
+          <a:off x="3772988" y="-856865"/>
+          <a:ext cx="685574" cy="4373896"/>
+        </a:xfrm>
+        <a:prstGeom prst="round2SameRect">
+          <a:avLst/>
+        </a:prstGeom>
+        <a:solidFill>
+          <a:schemeClr val="accent5">
+            <a:tint val="40000"/>
+            <a:alpha val="90000"/>
+            <a:hueOff val="1036889"/>
+            <a:satOff val="-8911"/>
+            <a:lumOff val="-2362"/>
+            <a:alphaOff val="0"/>
+          </a:schemeClr>
+        </a:solidFill>
+        <a:ln w="25400" cap="flat" cmpd="sng" algn="ctr">
+          <a:solidFill>
+            <a:schemeClr val="accent5">
+              <a:tint val="40000"/>
+              <a:alpha val="90000"/>
+              <a:hueOff val="1036889"/>
+              <a:satOff val="-8911"/>
+              <a:lumOff val="-2362"/>
+              <a:alphaOff val="0"/>
+            </a:schemeClr>
+          </a:solidFill>
+          <a:prstDash val="solid"/>
+        </a:ln>
+        <a:effectLst/>
+      </dsp:spPr>
+      <dsp:style>
+        <a:lnRef idx="2">
+          <a:scrgbClr r="0" g="0" b="0"/>
+        </a:lnRef>
+        <a:fillRef idx="1">
+          <a:scrgbClr r="0" g="0" b="0"/>
+        </a:fillRef>
+        <a:effectRef idx="0">
+          <a:scrgbClr r="0" g="0" b="0"/>
+        </a:effectRef>
+        <a:fontRef idx="minor"/>
+      </dsp:style>
+      <dsp:txBody>
+        <a:bodyPr spcFirstLastPara="0" vert="horz" wrap="square" lIns="38100" tIns="19050" rIns="38100" bIns="19050" numCol="1" spcCol="1270" anchor="ctr" anchorCtr="0">
+          <a:noAutofit/>
+        </a:bodyPr>
+        <a:lstStyle/>
+        <a:p>
+          <a:pPr marL="57150" lvl="1" indent="-57150" algn="l" defTabSz="444500">
+            <a:lnSpc>
+              <a:spcPct val="90000"/>
+            </a:lnSpc>
+            <a:spcBef>
+              <a:spcPct val="0"/>
+            </a:spcBef>
+            <a:spcAft>
+              <a:spcPct val="15000"/>
+            </a:spcAft>
+            <a:buChar char="••"/>
+          </a:pPr>
+          <a:r>
+            <a:rPr lang="fr-FR" sz="1000" kern="1200" dirty="0" smtClean="0"/>
+            <a:t>Objectif : mesurer la tenue en charge de l’application sur la population cible</a:t>
+          </a:r>
+          <a:endParaRPr lang="fr-FR" sz="1000" kern="1200" dirty="0"/>
+        </a:p>
+        <a:p>
+          <a:pPr marL="57150" lvl="1" indent="-57150" algn="l" defTabSz="444500">
+            <a:lnSpc>
+              <a:spcPct val="90000"/>
+            </a:lnSpc>
+            <a:spcBef>
+              <a:spcPct val="0"/>
+            </a:spcBef>
+            <a:spcAft>
+              <a:spcPct val="15000"/>
+            </a:spcAft>
+            <a:buChar char="••"/>
+          </a:pPr>
+          <a:r>
+            <a:rPr lang="fr-FR" sz="1000" kern="1200" smtClean="0"/>
+            <a:t>Ex : on simule l’utilisation de l’application par 200 utilisateurs en parallèle pendant 2h</a:t>
+          </a:r>
+          <a:endParaRPr lang="fr-FR" sz="1000" kern="1200" dirty="0"/>
+        </a:p>
+      </dsp:txBody>
+      <dsp:txXfrm rot="-5400000">
+        <a:off x="1928828" y="1020762"/>
+        <a:ext cx="4340429" cy="618640"/>
+      </dsp:txXfrm>
+    </dsp:sp>
+    <dsp:sp modelId="{89103CD8-B713-4F77-AFE4-D0508B4B03CD}">
+      <dsp:nvSpPr>
+        <dsp:cNvPr id="0" name=""/>
+        <dsp:cNvSpPr/>
+      </dsp:nvSpPr>
+      <dsp:spPr>
+        <a:xfrm>
+          <a:off x="531489" y="901598"/>
+          <a:ext cx="1397337" cy="856968"/>
+        </a:xfrm>
+        <a:prstGeom prst="roundRect">
+          <a:avLst/>
+        </a:prstGeom>
+        <a:solidFill>
+          <a:schemeClr val="accent5">
+            <a:hueOff val="755290"/>
+            <a:satOff val="19792"/>
+            <a:lumOff val="-15033"/>
+            <a:alphaOff val="0"/>
+          </a:schemeClr>
+        </a:solidFill>
+        <a:ln w="25400" cap="flat" cmpd="sng" algn="ctr">
+          <a:solidFill>
+            <a:schemeClr val="lt1">
+              <a:hueOff val="0"/>
+              <a:satOff val="0"/>
+              <a:lumOff val="0"/>
+              <a:alphaOff val="0"/>
+            </a:schemeClr>
+          </a:solidFill>
+          <a:prstDash val="solid"/>
+        </a:ln>
+        <a:effectLst/>
+      </dsp:spPr>
+      <dsp:style>
+        <a:lnRef idx="2">
+          <a:scrgbClr r="0" g="0" b="0"/>
+        </a:lnRef>
+        <a:fillRef idx="1">
+          <a:scrgbClr r="0" g="0" b="0"/>
+        </a:fillRef>
+        <a:effectRef idx="0">
+          <a:scrgbClr r="0" g="0" b="0"/>
+        </a:effectRef>
+        <a:fontRef idx="minor">
+          <a:schemeClr val="lt1"/>
+        </a:fontRef>
+      </dsp:style>
+      <dsp:txBody>
+        <a:bodyPr spcFirstLastPara="0" vert="horz" wrap="square" lIns="57150" tIns="28575" rIns="57150" bIns="28575" numCol="1" spcCol="1270" anchor="ctr" anchorCtr="0">
+          <a:noAutofit/>
+        </a:bodyPr>
+        <a:lstStyle/>
+        <a:p>
+          <a:pPr lvl="0" algn="ctr" defTabSz="666750">
+            <a:lnSpc>
+              <a:spcPct val="90000"/>
+            </a:lnSpc>
+            <a:spcBef>
+              <a:spcPct val="0"/>
+            </a:spcBef>
+            <a:spcAft>
+              <a:spcPct val="35000"/>
+            </a:spcAft>
+          </a:pPr>
+          <a:r>
+            <a:rPr lang="fr-FR" sz="1500" kern="1200" dirty="0" smtClean="0"/>
+            <a:t>Test de charge</a:t>
+          </a:r>
+          <a:endParaRPr lang="fr-FR" sz="1500" kern="1200" dirty="0"/>
+        </a:p>
+      </dsp:txBody>
+      <dsp:txXfrm>
+        <a:off x="573323" y="943432"/>
+        <a:ext cx="1313669" cy="773300"/>
+      </dsp:txXfrm>
+    </dsp:sp>
+    <dsp:sp modelId="{4181433E-1E98-4F9A-AB9C-42705C14DC65}">
+      <dsp:nvSpPr>
+        <dsp:cNvPr id="0" name=""/>
+        <dsp:cNvSpPr/>
+      </dsp:nvSpPr>
+      <dsp:spPr>
+        <a:xfrm rot="5400000">
+          <a:off x="3772988" y="42951"/>
+          <a:ext cx="685574" cy="4373896"/>
+        </a:xfrm>
+        <a:prstGeom prst="round2SameRect">
+          <a:avLst/>
+        </a:prstGeom>
+        <a:solidFill>
+          <a:schemeClr val="accent5">
+            <a:tint val="40000"/>
+            <a:alpha val="90000"/>
+            <a:hueOff val="2073779"/>
+            <a:satOff val="-17822"/>
+            <a:lumOff val="-4724"/>
+            <a:alphaOff val="0"/>
+          </a:schemeClr>
+        </a:solidFill>
+        <a:ln w="25400" cap="flat" cmpd="sng" algn="ctr">
+          <a:solidFill>
+            <a:schemeClr val="accent5">
+              <a:tint val="40000"/>
+              <a:alpha val="90000"/>
+              <a:hueOff val="2073779"/>
+              <a:satOff val="-17822"/>
+              <a:lumOff val="-4724"/>
+              <a:alphaOff val="0"/>
+            </a:schemeClr>
+          </a:solidFill>
+          <a:prstDash val="solid"/>
+        </a:ln>
+        <a:effectLst/>
+      </dsp:spPr>
+      <dsp:style>
+        <a:lnRef idx="2">
+          <a:scrgbClr r="0" g="0" b="0"/>
+        </a:lnRef>
+        <a:fillRef idx="1">
+          <a:scrgbClr r="0" g="0" b="0"/>
+        </a:fillRef>
+        <a:effectRef idx="0">
+          <a:scrgbClr r="0" g="0" b="0"/>
+        </a:effectRef>
+        <a:fontRef idx="minor"/>
+      </dsp:style>
+      <dsp:txBody>
+        <a:bodyPr spcFirstLastPara="0" vert="horz" wrap="square" lIns="38100" tIns="19050" rIns="38100" bIns="19050" numCol="1" spcCol="1270" anchor="ctr" anchorCtr="0">
+          <a:noAutofit/>
+        </a:bodyPr>
+        <a:lstStyle/>
+        <a:p>
+          <a:pPr marL="57150" lvl="1" indent="-57150" algn="l" defTabSz="444500">
+            <a:lnSpc>
+              <a:spcPct val="90000"/>
+            </a:lnSpc>
+            <a:spcBef>
+              <a:spcPct val="0"/>
+            </a:spcBef>
+            <a:spcAft>
+              <a:spcPct val="15000"/>
+            </a:spcAft>
+            <a:buChar char="••"/>
+          </a:pPr>
+          <a:r>
+            <a:rPr lang="fr-FR" sz="1000" kern="1200" smtClean="0"/>
+            <a:t>Objectif : déterminer les limites de l’application</a:t>
+          </a:r>
+          <a:endParaRPr lang="fr-FR" sz="1000" kern="1200" dirty="0"/>
+        </a:p>
+        <a:p>
+          <a:pPr marL="57150" lvl="1" indent="-57150" algn="l" defTabSz="444500">
+            <a:lnSpc>
+              <a:spcPct val="90000"/>
+            </a:lnSpc>
+            <a:spcBef>
+              <a:spcPct val="0"/>
+            </a:spcBef>
+            <a:spcAft>
+              <a:spcPct val="15000"/>
+            </a:spcAft>
+            <a:buChar char="••"/>
+          </a:pPr>
+          <a:r>
+            <a:rPr lang="fr-FR" sz="1000" kern="1200" smtClean="0"/>
+            <a:t>Ex : on augmente le nombre d’utilisateurs en parallèle sur l’application jusqu’à ce que le taux d’erreurs / les temps de réponse ne soient plus acceptables</a:t>
+          </a:r>
+          <a:endParaRPr lang="fr-FR" sz="1000" kern="1200" dirty="0"/>
+        </a:p>
+      </dsp:txBody>
+      <dsp:txXfrm rot="-5400000">
+        <a:off x="1928828" y="1920579"/>
+        <a:ext cx="4340429" cy="618640"/>
+      </dsp:txXfrm>
+    </dsp:sp>
+    <dsp:sp modelId="{6A51B969-4301-456A-A58E-1ABBAB497FD3}">
+      <dsp:nvSpPr>
+        <dsp:cNvPr id="0" name=""/>
+        <dsp:cNvSpPr/>
+      </dsp:nvSpPr>
+      <dsp:spPr>
+        <a:xfrm>
+          <a:off x="531489" y="1801415"/>
+          <a:ext cx="1397337" cy="856968"/>
+        </a:xfrm>
+        <a:prstGeom prst="roundRect">
+          <a:avLst/>
+        </a:prstGeom>
+        <a:solidFill>
+          <a:schemeClr val="accent5">
+            <a:hueOff val="1510579"/>
+            <a:satOff val="39583"/>
+            <a:lumOff val="-30065"/>
+            <a:alphaOff val="0"/>
+          </a:schemeClr>
+        </a:solidFill>
+        <a:ln w="25400" cap="flat" cmpd="sng" algn="ctr">
+          <a:solidFill>
+            <a:schemeClr val="lt1">
+              <a:hueOff val="0"/>
+              <a:satOff val="0"/>
+              <a:lumOff val="0"/>
+              <a:alphaOff val="0"/>
+            </a:schemeClr>
+          </a:solidFill>
+          <a:prstDash val="solid"/>
+        </a:ln>
+        <a:effectLst/>
+      </dsp:spPr>
+      <dsp:style>
+        <a:lnRef idx="2">
+          <a:scrgbClr r="0" g="0" b="0"/>
+        </a:lnRef>
+        <a:fillRef idx="1">
+          <a:scrgbClr r="0" g="0" b="0"/>
+        </a:fillRef>
+        <a:effectRef idx="0">
+          <a:scrgbClr r="0" g="0" b="0"/>
+        </a:effectRef>
+        <a:fontRef idx="minor">
+          <a:schemeClr val="lt1"/>
+        </a:fontRef>
+      </dsp:style>
+      <dsp:txBody>
+        <a:bodyPr spcFirstLastPara="0" vert="horz" wrap="square" lIns="57150" tIns="28575" rIns="57150" bIns="28575" numCol="1" spcCol="1270" anchor="ctr" anchorCtr="0">
+          <a:noAutofit/>
+        </a:bodyPr>
+        <a:lstStyle/>
+        <a:p>
+          <a:pPr lvl="0" algn="ctr" defTabSz="666750">
+            <a:lnSpc>
+              <a:spcPct val="90000"/>
+            </a:lnSpc>
+            <a:spcBef>
+              <a:spcPct val="0"/>
+            </a:spcBef>
+            <a:spcAft>
+              <a:spcPct val="35000"/>
+            </a:spcAft>
+          </a:pPr>
+          <a:r>
+            <a:rPr lang="fr-FR" sz="1500" kern="1200" dirty="0" smtClean="0"/>
+            <a:t>Test de rupture</a:t>
+          </a:r>
+          <a:endParaRPr lang="fr-FR" sz="1500" kern="1200" dirty="0"/>
+        </a:p>
+      </dsp:txBody>
+      <dsp:txXfrm>
+        <a:off x="573323" y="1843249"/>
+        <a:ext cx="1313669" cy="773300"/>
+      </dsp:txXfrm>
+    </dsp:sp>
+    <dsp:sp modelId="{ACC1F8B2-765E-4D64-BFE1-49ECB56991B9}">
+      <dsp:nvSpPr>
+        <dsp:cNvPr id="0" name=""/>
+        <dsp:cNvSpPr/>
+      </dsp:nvSpPr>
+      <dsp:spPr>
+        <a:xfrm rot="5400000">
+          <a:off x="3772988" y="942768"/>
+          <a:ext cx="685574" cy="4373896"/>
+        </a:xfrm>
+        <a:prstGeom prst="round2SameRect">
+          <a:avLst/>
+        </a:prstGeom>
+        <a:solidFill>
+          <a:schemeClr val="accent5">
+            <a:tint val="40000"/>
+            <a:alpha val="90000"/>
+            <a:hueOff val="3110668"/>
+            <a:satOff val="-26733"/>
+            <a:lumOff val="-7086"/>
+            <a:alphaOff val="0"/>
+          </a:schemeClr>
+        </a:solidFill>
+        <a:ln w="25400" cap="flat" cmpd="sng" algn="ctr">
+          <a:solidFill>
+            <a:schemeClr val="accent5">
+              <a:tint val="40000"/>
+              <a:alpha val="90000"/>
+              <a:hueOff val="3110668"/>
+              <a:satOff val="-26733"/>
+              <a:lumOff val="-7086"/>
+              <a:alphaOff val="0"/>
+            </a:schemeClr>
+          </a:solidFill>
+          <a:prstDash val="solid"/>
+        </a:ln>
+        <a:effectLst/>
+      </dsp:spPr>
+      <dsp:style>
+        <a:lnRef idx="2">
+          <a:scrgbClr r="0" g="0" b="0"/>
+        </a:lnRef>
+        <a:fillRef idx="1">
+          <a:scrgbClr r="0" g="0" b="0"/>
+        </a:fillRef>
+        <a:effectRef idx="0">
+          <a:scrgbClr r="0" g="0" b="0"/>
+        </a:effectRef>
+        <a:fontRef idx="minor"/>
+      </dsp:style>
+      <dsp:txBody>
+        <a:bodyPr spcFirstLastPara="0" vert="horz" wrap="square" lIns="38100" tIns="19050" rIns="38100" bIns="19050" numCol="1" spcCol="1270" anchor="ctr" anchorCtr="0">
+          <a:noAutofit/>
+        </a:bodyPr>
+        <a:lstStyle/>
+        <a:p>
+          <a:pPr marL="57150" lvl="1" indent="-57150" algn="l" defTabSz="444500">
+            <a:lnSpc>
+              <a:spcPct val="90000"/>
+            </a:lnSpc>
+            <a:spcBef>
+              <a:spcPct val="0"/>
+            </a:spcBef>
+            <a:spcAft>
+              <a:spcPct val="15000"/>
+            </a:spcAft>
+            <a:buChar char="••"/>
+          </a:pPr>
+          <a:r>
+            <a:rPr lang="fr-FR" sz="1000" kern="1200" smtClean="0"/>
+            <a:t>Objectif : déterminer la capacité de l’application à fonctionner sur une période étendue</a:t>
+          </a:r>
+          <a:endParaRPr lang="fr-FR" sz="1000" kern="1200" dirty="0"/>
+        </a:p>
+        <a:p>
+          <a:pPr marL="57150" lvl="1" indent="-57150" algn="l" defTabSz="444500">
+            <a:lnSpc>
+              <a:spcPct val="90000"/>
+            </a:lnSpc>
+            <a:spcBef>
+              <a:spcPct val="0"/>
+            </a:spcBef>
+            <a:spcAft>
+              <a:spcPct val="15000"/>
+            </a:spcAft>
+            <a:buChar char="••"/>
+          </a:pPr>
+          <a:r>
+            <a:rPr lang="fr-FR" sz="1000" kern="1200" smtClean="0"/>
+            <a:t>Ex : on simule l’utilisation de l’application pendant 48h, avec une charge constante et égale à la charge moyenne</a:t>
+          </a:r>
+          <a:endParaRPr lang="fr-FR" sz="1000" kern="1200" dirty="0"/>
+        </a:p>
+      </dsp:txBody>
+      <dsp:txXfrm rot="-5400000">
+        <a:off x="1928828" y="2820396"/>
+        <a:ext cx="4340429" cy="618640"/>
+      </dsp:txXfrm>
+    </dsp:sp>
+    <dsp:sp modelId="{BE1CE10A-3646-484C-A673-38EC70046C80}">
+      <dsp:nvSpPr>
+        <dsp:cNvPr id="0" name=""/>
+        <dsp:cNvSpPr/>
+      </dsp:nvSpPr>
+      <dsp:spPr>
+        <a:xfrm>
+          <a:off x="531489" y="2701232"/>
+          <a:ext cx="1397337" cy="856968"/>
+        </a:xfrm>
+        <a:prstGeom prst="roundRect">
+          <a:avLst/>
+        </a:prstGeom>
+        <a:solidFill>
+          <a:schemeClr val="accent5">
+            <a:hueOff val="2265869"/>
+            <a:satOff val="59375"/>
+            <a:lumOff val="-45098"/>
+            <a:alphaOff val="0"/>
+          </a:schemeClr>
+        </a:solidFill>
+        <a:ln w="25400" cap="flat" cmpd="sng" algn="ctr">
+          <a:solidFill>
+            <a:schemeClr val="lt1">
+              <a:hueOff val="0"/>
+              <a:satOff val="0"/>
+              <a:lumOff val="0"/>
+              <a:alphaOff val="0"/>
+            </a:schemeClr>
+          </a:solidFill>
+          <a:prstDash val="solid"/>
+        </a:ln>
+        <a:effectLst/>
+      </dsp:spPr>
+      <dsp:style>
+        <a:lnRef idx="2">
+          <a:scrgbClr r="0" g="0" b="0"/>
+        </a:lnRef>
+        <a:fillRef idx="1">
+          <a:scrgbClr r="0" g="0" b="0"/>
+        </a:fillRef>
+        <a:effectRef idx="0">
+          <a:scrgbClr r="0" g="0" b="0"/>
+        </a:effectRef>
+        <a:fontRef idx="minor">
+          <a:schemeClr val="lt1"/>
+        </a:fontRef>
+      </dsp:style>
+      <dsp:txBody>
+        <a:bodyPr spcFirstLastPara="0" vert="horz" wrap="square" lIns="57150" tIns="28575" rIns="57150" bIns="28575" numCol="1" spcCol="1270" anchor="ctr" anchorCtr="0">
+          <a:noAutofit/>
+        </a:bodyPr>
+        <a:lstStyle/>
+        <a:p>
+          <a:pPr lvl="0" algn="ctr" defTabSz="666750">
+            <a:lnSpc>
+              <a:spcPct val="90000"/>
+            </a:lnSpc>
+            <a:spcBef>
+              <a:spcPct val="0"/>
+            </a:spcBef>
+            <a:spcAft>
+              <a:spcPct val="35000"/>
+            </a:spcAft>
+          </a:pPr>
+          <a:r>
+            <a:rPr lang="fr-FR" sz="1500" kern="1200" dirty="0" smtClean="0"/>
+            <a:t>Test de vieillissement</a:t>
+          </a:r>
+          <a:endParaRPr lang="fr-FR" sz="1500" kern="1200" dirty="0"/>
+        </a:p>
+      </dsp:txBody>
+      <dsp:txXfrm>
+        <a:off x="573323" y="2743066"/>
+        <a:ext cx="1313669" cy="773300"/>
+      </dsp:txXfrm>
+    </dsp:sp>
   </dsp:spTree>
 </dsp:drawing>
 </file>
@@ -13829,7 +14540,7 @@
               <a:pPr>
                 <a:defRPr/>
               </a:pPr>
-              <a:t>10/04/2014</a:t>
+              <a:t>13/04/2014</a:t>
             </a:fld>
             <a:endParaRPr lang="fr-FR"/>
           </a:p>
@@ -14167,7 +14878,7 @@
       </p:grpSpPr>
       <p:sp>
         <p:nvSpPr>
-          <p:cNvPr id="2" name="Slide Image Placeholder 1"/>
+          <p:cNvPr id="2" name="Espace réservé de l'image des diapositives 1"/>
           <p:cNvSpPr>
             <a:spLocks noGrp="1" noRot="1" noChangeAspect="1"/>
           </p:cNvSpPr>
@@ -14179,7 +14890,7 @@
       </p:sp>
       <p:sp>
         <p:nvSpPr>
-          <p:cNvPr id="3" name="Notes Placeholder 2"/>
+          <p:cNvPr id="3" name="Espace réservé des commentaires 2"/>
           <p:cNvSpPr>
             <a:spLocks noGrp="1"/>
           </p:cNvSpPr>
@@ -14192,13 +14903,17 @@
           <a:bodyPr/>
           <a:lstStyle/>
           <a:p>
+            <a:r>
+              <a:rPr lang="fr-FR" dirty="0" smtClean="0"/>
+              <a:t>Le tout agrémenté de démo</a:t>
+            </a:r>
             <a:endParaRPr lang="fr-FR" dirty="0"/>
           </a:p>
         </p:txBody>
       </p:sp>
       <p:sp>
         <p:nvSpPr>
-          <p:cNvPr id="4" name="Slide Number Placeholder 3"/>
+          <p:cNvPr id="4" name="Espace réservé du numéro de diapositive 3"/>
           <p:cNvSpPr>
             <a:spLocks noGrp="1"/>
           </p:cNvSpPr>
@@ -14219,7 +14934,7 @@
               <a:pPr>
                 <a:defRPr/>
               </a:pPr>
-              <a:t>4</a:t>
+              <a:t>8</a:t>
             </a:fld>
             <a:endParaRPr lang="fr-FR"/>
           </a:p>
@@ -14228,7 +14943,7 @@
     </p:spTree>
     <p:extLst>
       <p:ext uri="{BB962C8B-B14F-4D97-AF65-F5344CB8AC3E}">
-        <p14:creationId xmlns:p14="http://schemas.microsoft.com/office/powerpoint/2010/main" val="1335659448"/>
+        <p14:creationId xmlns:p14="http://schemas.microsoft.com/office/powerpoint/2010/main" val="1204883654"/>
       </p:ext>
     </p:extLst>
   </p:cSld>
@@ -14279,21 +14994,421 @@
         </p:nvSpPr>
         <p:spPr/>
         <p:txBody>
-          <a:bodyPr/>
+          <a:bodyPr>
+            <a:normAutofit fontScale="70000" lnSpcReduction="20000"/>
+          </a:bodyPr>
           <a:lstStyle/>
           <a:p>
             <a:r>
               <a:rPr lang="fr-FR" dirty="0" smtClean="0"/>
-              <a:t>Une </a:t>
-            </a:r>
+              <a:t>Slide 17 : Insister, mesurer où est le problème et pas à l'instinct j'essaie d'optimiser.</a:t>
+            </a:r>
+          </a:p>
+          <a:p>
+            <a:r>
+              <a:rPr lang="fr-FR" dirty="0" smtClean="0"/>
+              <a:t>Plus les marteler.</a:t>
+            </a:r>
+          </a:p>
+          <a:p>
+            <a:endParaRPr lang="fr-FR" dirty="0" smtClean="0"/>
+          </a:p>
+          <a:p>
+            <a:r>
+              <a:rPr lang="fr-FR" dirty="0" smtClean="0"/>
+              <a:t>Mesurer les I/O : Si le CPU système est supérieur à 10% =&gt; Je fais des I/O.</a:t>
+            </a:r>
+          </a:p>
+          <a:p>
+            <a:endParaRPr lang="fr-FR" dirty="0" smtClean="0"/>
+          </a:p>
+          <a:p>
             <a:r>
               <a:rPr lang="fr-FR" dirty="0" err="1" smtClean="0"/>
-              <a:t>applicatino</a:t>
-            </a:r>
+              <a:t>Gatling</a:t>
+            </a:r>
+            <a:r>
+              <a:rPr lang="fr-FR" baseline="0" dirty="0" smtClean="0"/>
+              <a:t> : parce qu’il est open source et qu’il fait de beaux rapports</a:t>
+            </a:r>
+            <a:endParaRPr lang="fr-FR" dirty="0" smtClean="0"/>
+          </a:p>
+          <a:p>
+            <a:endParaRPr lang="fr-FR" dirty="0" smtClean="0"/>
+          </a:p>
+          <a:p>
             <a:r>
               <a:rPr lang="fr-FR" dirty="0" smtClean="0"/>
-              <a:t> à l’état de l’art mais beaucoup trop lente !</a:t>
-            </a:r>
+              <a:t>====</a:t>
+            </a:r>
+          </a:p>
+          <a:p>
+            <a:endParaRPr lang="fr-FR" dirty="0" smtClean="0"/>
+          </a:p>
+          <a:p>
+            <a:r>
+              <a:rPr lang="fr-FR" dirty="0" smtClean="0"/>
+              <a:t>Pour la génération de données</a:t>
+            </a:r>
+          </a:p>
+          <a:p>
+            <a:pPr lvl="1"/>
+            <a:r>
+              <a:rPr lang="fr-FR" dirty="0" smtClean="0"/>
+              <a:t>Anonymisation et script de migration depuis la production</a:t>
+            </a:r>
+          </a:p>
+          <a:p>
+            <a:pPr lvl="1"/>
+            <a:r>
+              <a:rPr lang="fr-FR" dirty="0" smtClean="0"/>
+              <a:t>Génération de jeux de données (</a:t>
+            </a:r>
+            <a:r>
+              <a:rPr lang="fr-FR" dirty="0" err="1" smtClean="0"/>
+              <a:t>benerator</a:t>
+            </a:r>
+            <a:r>
+              <a:rPr lang="fr-FR" dirty="0" smtClean="0"/>
+              <a:t>, </a:t>
+            </a:r>
+            <a:r>
+              <a:rPr lang="fr-FR" dirty="0" err="1" smtClean="0"/>
+              <a:t>etC.</a:t>
+            </a:r>
+            <a:r>
+              <a:rPr lang="fr-FR" dirty="0" smtClean="0"/>
+              <a:t>)</a:t>
+            </a:r>
+          </a:p>
+          <a:p>
+            <a:endParaRPr lang="fr-FR" dirty="0" smtClean="0"/>
+          </a:p>
+          <a:p>
+            <a:r>
+              <a:rPr lang="fr-FR" dirty="0" smtClean="0"/>
+              <a:t>Pour la mise en charge</a:t>
+            </a:r>
+          </a:p>
+          <a:p>
+            <a:pPr lvl="1"/>
+            <a:r>
+              <a:rPr lang="fr-FR" dirty="0" err="1" smtClean="0"/>
+              <a:t>LoadRunner</a:t>
+            </a:r>
+            <a:r>
+              <a:rPr lang="fr-FR" dirty="0" smtClean="0"/>
+              <a:t>, </a:t>
+            </a:r>
+            <a:r>
+              <a:rPr lang="fr-FR" dirty="0" err="1" smtClean="0"/>
+              <a:t>JMeter</a:t>
+            </a:r>
+            <a:r>
+              <a:rPr lang="fr-FR" dirty="0" smtClean="0"/>
+              <a:t>, </a:t>
+            </a:r>
+            <a:r>
+              <a:rPr lang="fr-FR" dirty="0" err="1" smtClean="0"/>
+              <a:t>Gatling</a:t>
+            </a:r>
+            <a:endParaRPr lang="fr-FR" dirty="0" smtClean="0"/>
+          </a:p>
+          <a:p>
+            <a:pPr lvl="1"/>
+            <a:r>
+              <a:rPr lang="fr-FR" dirty="0" smtClean="0"/>
+              <a:t>Visual Studio</a:t>
+            </a:r>
+          </a:p>
+          <a:p>
+            <a:endParaRPr lang="fr-FR" dirty="0" smtClean="0"/>
+          </a:p>
+          <a:p>
+            <a:r>
+              <a:rPr lang="fr-FR" dirty="0" smtClean="0"/>
+              <a:t>Pour la prise de mesure</a:t>
+            </a:r>
+          </a:p>
+          <a:p>
+            <a:pPr lvl="1"/>
+            <a:r>
+              <a:rPr lang="fr-FR" dirty="0" err="1" smtClean="0"/>
+              <a:t>Perfmon</a:t>
+            </a:r>
+            <a:r>
+              <a:rPr lang="fr-FR" dirty="0" smtClean="0"/>
+              <a:t> (Windows)</a:t>
+            </a:r>
+          </a:p>
+          <a:p>
+            <a:pPr lvl="1"/>
+            <a:r>
+              <a:rPr lang="fr-FR" dirty="0" err="1" smtClean="0"/>
+              <a:t>Nmon</a:t>
+            </a:r>
+            <a:r>
+              <a:rPr lang="fr-FR" dirty="0" smtClean="0"/>
+              <a:t> (Linux)</a:t>
+            </a:r>
+          </a:p>
+          <a:p>
+            <a:pPr lvl="1"/>
+            <a:endParaRPr lang="fr-FR" dirty="0" smtClean="0"/>
+          </a:p>
+          <a:p>
+            <a:pPr marL="342900" marR="0" lvl="0" indent="-342900" algn="l" defTabSz="914400" rtl="0" eaLnBrk="1" fontAlgn="base" latinLnBrk="0" hangingPunct="1">
+              <a:lnSpc>
+                <a:spcPct val="100000"/>
+              </a:lnSpc>
+              <a:spcBef>
+                <a:spcPct val="20000"/>
+              </a:spcBef>
+              <a:spcAft>
+                <a:spcPct val="0"/>
+              </a:spcAft>
+              <a:buClr>
+                <a:srgbClr val="002D60"/>
+              </a:buClr>
+              <a:buSzPct val="100000"/>
+              <a:buFontTx/>
+              <a:buBlip>
+                <a:blip r:embed="rId3"/>
+              </a:buBlip>
+              <a:tabLst/>
+              <a:defRPr/>
+            </a:pPr>
+            <a:r>
+              <a:rPr kumimoji="0" lang="fr-FR" sz="1600" b="0" i="0" u="none" strike="noStrike" kern="0" cap="none" spc="0" normalizeH="0" baseline="0" noProof="0" dirty="0" smtClean="0">
+                <a:ln>
+                  <a:noFill/>
+                </a:ln>
+                <a:solidFill>
+                  <a:srgbClr val="4C4C4C"/>
+                </a:solidFill>
+                <a:effectLst/>
+                <a:uLnTx/>
+                <a:uFillTx/>
+                <a:latin typeface="+mn-lt"/>
+                <a:ea typeface="ＭＳ Ｐゴシック" pitchFamily="-104" charset="-128"/>
+                <a:cs typeface="ＭＳ Ｐゴシック" pitchFamily="-104" charset="-128"/>
+              </a:rPr>
+              <a:t>Noter</a:t>
+            </a:r>
+            <a:r>
+              <a:rPr kumimoji="0" lang="fr-FR" sz="1600" b="0" i="0" u="none" strike="noStrike" kern="0" cap="none" spc="0" normalizeH="0" noProof="0" dirty="0" smtClean="0">
+                <a:ln>
+                  <a:noFill/>
+                </a:ln>
+                <a:solidFill>
+                  <a:srgbClr val="4C4C4C"/>
+                </a:solidFill>
+                <a:effectLst/>
+                <a:uLnTx/>
+                <a:uFillTx/>
+                <a:latin typeface="+mn-lt"/>
+                <a:ea typeface="ＭＳ Ｐゴシック" pitchFamily="-104" charset="-128"/>
+                <a:cs typeface="ＭＳ Ｐゴシック" pitchFamily="-104" charset="-128"/>
+              </a:rPr>
+              <a:t> les enjeux correspondants</a:t>
+            </a:r>
+          </a:p>
+          <a:p>
+            <a:pPr marL="342900" marR="0" lvl="0" indent="-342900" algn="l" defTabSz="914400" rtl="0" eaLnBrk="1" fontAlgn="base" latinLnBrk="0" hangingPunct="1">
+              <a:lnSpc>
+                <a:spcPct val="100000"/>
+              </a:lnSpc>
+              <a:spcBef>
+                <a:spcPct val="20000"/>
+              </a:spcBef>
+              <a:spcAft>
+                <a:spcPct val="0"/>
+              </a:spcAft>
+              <a:buClr>
+                <a:srgbClr val="002D60"/>
+              </a:buClr>
+              <a:buSzPct val="100000"/>
+              <a:buFontTx/>
+              <a:buBlip>
+                <a:blip r:embed="rId3"/>
+              </a:buBlip>
+              <a:tabLst/>
+              <a:defRPr/>
+            </a:pPr>
+            <a:endParaRPr lang="fr-FR" sz="1600" kern="0" baseline="0" dirty="0" smtClean="0">
+              <a:solidFill>
+                <a:srgbClr val="4C4C4C"/>
+              </a:solidFill>
+              <a:ea typeface="ＭＳ Ｐゴシック" pitchFamily="-104" charset="-128"/>
+            </a:endParaRPr>
+          </a:p>
+          <a:p>
+            <a:pPr marL="342900" marR="0" lvl="0" indent="-342900" algn="l" defTabSz="914400" rtl="0" eaLnBrk="1" fontAlgn="base" latinLnBrk="0" hangingPunct="1">
+              <a:lnSpc>
+                <a:spcPct val="100000"/>
+              </a:lnSpc>
+              <a:spcBef>
+                <a:spcPct val="20000"/>
+              </a:spcBef>
+              <a:spcAft>
+                <a:spcPct val="0"/>
+              </a:spcAft>
+              <a:buClr>
+                <a:srgbClr val="002D60"/>
+              </a:buClr>
+              <a:buSzPct val="100000"/>
+              <a:buFontTx/>
+              <a:buBlip>
+                <a:blip r:embed="rId3"/>
+              </a:buBlip>
+              <a:tabLst/>
+              <a:defRPr/>
+            </a:pPr>
+            <a:r>
+              <a:rPr kumimoji="0" lang="fr-FR" sz="1600" b="0" i="0" u="none" strike="noStrike" kern="0" cap="none" spc="0" normalizeH="0" noProof="0" dirty="0" smtClean="0">
+                <a:ln>
+                  <a:noFill/>
+                </a:ln>
+                <a:solidFill>
+                  <a:srgbClr val="4C4C4C"/>
+                </a:solidFill>
+                <a:effectLst/>
+                <a:uLnTx/>
+                <a:uFillTx/>
+                <a:latin typeface="+mn-lt"/>
+                <a:ea typeface="ＭＳ Ｐゴシック" pitchFamily="-104" charset="-128"/>
+              </a:rPr>
+              <a:t>Noter les problématiques liées au grand nombre de machines</a:t>
+            </a:r>
+          </a:p>
+          <a:p>
+            <a:pPr marL="800100" lvl="1" indent="-342900" fontAlgn="base">
+              <a:spcBef>
+                <a:spcPct val="20000"/>
+              </a:spcBef>
+              <a:spcAft>
+                <a:spcPct val="0"/>
+              </a:spcAft>
+              <a:buClr>
+                <a:srgbClr val="002D60"/>
+              </a:buClr>
+              <a:buSzPct val="100000"/>
+              <a:buFontTx/>
+              <a:buBlip>
+                <a:blip r:embed="rId3"/>
+              </a:buBlip>
+            </a:pPr>
+            <a:r>
+              <a:rPr lang="fr-FR" sz="1600" kern="0" dirty="0" smtClean="0">
+                <a:solidFill>
+                  <a:srgbClr val="4C4C4C"/>
+                </a:solidFill>
+                <a:ea typeface="ＭＳ Ｐゴシック" pitchFamily="-104" charset="-128"/>
+              </a:rPr>
+              <a:t>Rechercher les outils de BPA</a:t>
+            </a:r>
+          </a:p>
+          <a:p>
+            <a:pPr marL="800100" lvl="1" indent="-342900" fontAlgn="base">
+              <a:spcBef>
+                <a:spcPct val="20000"/>
+              </a:spcBef>
+              <a:spcAft>
+                <a:spcPct val="0"/>
+              </a:spcAft>
+              <a:buClr>
+                <a:srgbClr val="002D60"/>
+              </a:buClr>
+              <a:buSzPct val="100000"/>
+              <a:buFontTx/>
+              <a:buBlip>
+                <a:blip r:embed="rId3"/>
+              </a:buBlip>
+            </a:pPr>
+            <a:endParaRPr lang="fr-FR" sz="1600" kern="0" dirty="0" smtClean="0">
+              <a:solidFill>
+                <a:srgbClr val="4C4C4C"/>
+              </a:solidFill>
+              <a:ea typeface="ＭＳ Ｐゴシック" pitchFamily="-104" charset="-128"/>
+            </a:endParaRPr>
+          </a:p>
+          <a:p>
+            <a:pPr marL="342900" indent="-342900" fontAlgn="base">
+              <a:spcBef>
+                <a:spcPct val="20000"/>
+              </a:spcBef>
+              <a:spcAft>
+                <a:spcPct val="0"/>
+              </a:spcAft>
+              <a:buClr>
+                <a:srgbClr val="002D60"/>
+              </a:buClr>
+              <a:buSzPct val="100000"/>
+              <a:buFontTx/>
+              <a:buBlip>
+                <a:blip r:embed="rId3"/>
+              </a:buBlip>
+            </a:pPr>
+            <a:r>
+              <a:rPr lang="fr-FR" sz="1600" kern="0" dirty="0" smtClean="0">
+                <a:solidFill>
+                  <a:srgbClr val="4C4C4C"/>
+                </a:solidFill>
+                <a:ea typeface="ＭＳ Ｐゴシック" pitchFamily="-104" charset="-128"/>
+              </a:rPr>
+              <a:t>Idées : susciter les questions et l’envie de faire une autre </a:t>
+            </a:r>
+            <a:r>
+              <a:rPr lang="fr-FR" sz="1600" kern="0" dirty="0" err="1" smtClean="0">
+                <a:solidFill>
+                  <a:srgbClr val="4C4C4C"/>
+                </a:solidFill>
+                <a:ea typeface="ＭＳ Ｐゴシック" pitchFamily="-104" charset="-128"/>
+              </a:rPr>
+              <a:t>prez</a:t>
+            </a:r>
+            <a:endParaRPr lang="fr-FR" sz="1600" kern="0" dirty="0" smtClean="0">
+              <a:solidFill>
+                <a:srgbClr val="4C4C4C"/>
+              </a:solidFill>
+              <a:ea typeface="ＭＳ Ｐゴシック" pitchFamily="-104" charset="-128"/>
+            </a:endParaRPr>
+          </a:p>
+          <a:p>
+            <a:pPr marL="800100" lvl="1" indent="-342900" fontAlgn="base">
+              <a:spcBef>
+                <a:spcPct val="20000"/>
+              </a:spcBef>
+              <a:spcAft>
+                <a:spcPct val="0"/>
+              </a:spcAft>
+              <a:buClr>
+                <a:srgbClr val="002D60"/>
+              </a:buClr>
+              <a:buSzPct val="100000"/>
+              <a:buFontTx/>
+              <a:buBlip>
+                <a:blip r:embed="rId3"/>
+              </a:buBlip>
+            </a:pPr>
+            <a:endParaRPr kumimoji="0" lang="fr-FR" sz="1600" b="0" i="0" u="none" strike="noStrike" kern="0" cap="none" spc="0" normalizeH="0" noProof="0" dirty="0" smtClean="0">
+              <a:ln>
+                <a:noFill/>
+              </a:ln>
+              <a:solidFill>
+                <a:srgbClr val="4C4C4C"/>
+              </a:solidFill>
+              <a:effectLst/>
+              <a:uLnTx/>
+              <a:uFillTx/>
+              <a:latin typeface="+mn-lt"/>
+              <a:ea typeface="ＭＳ Ｐゴシック" pitchFamily="-104" charset="-128"/>
+            </a:endParaRPr>
+          </a:p>
+          <a:p>
+            <a:endParaRPr lang="fr-FR" dirty="0" smtClean="0"/>
+          </a:p>
+          <a:p>
             <a:endParaRPr lang="fr-FR" dirty="0"/>
           </a:p>
         </p:txBody>
@@ -14321,7 +15436,7 @@
               <a:pPr>
                 <a:defRPr/>
               </a:pPr>
-              <a:t>14</a:t>
+              <a:t>20</a:t>
             </a:fld>
             <a:endParaRPr lang="fr-FR"/>
           </a:p>
@@ -14330,7 +15445,7 @@
     </p:spTree>
     <p:extLst>
       <p:ext uri="{BB962C8B-B14F-4D97-AF65-F5344CB8AC3E}">
-        <p14:creationId xmlns:p14="http://schemas.microsoft.com/office/powerpoint/2010/main" val="481082485"/>
+        <p14:creationId xmlns:p14="http://schemas.microsoft.com/office/powerpoint/2010/main" val="915939337"/>
       </p:ext>
     </p:extLst>
   </p:cSld>
@@ -14381,18 +15496,20 @@
         </p:nvSpPr>
         <p:spPr/>
         <p:txBody>
-          <a:bodyPr>
-            <a:normAutofit/>
-          </a:bodyPr>
+          <a:bodyPr/>
           <a:lstStyle/>
           <a:p>
             <a:r>
+              <a:rPr lang="fr-FR" dirty="0" smtClean="0"/>
+              <a:t>Une </a:t>
+            </a:r>
+            <a:r>
               <a:rPr lang="fr-FR" dirty="0" err="1" smtClean="0"/>
-              <a:t>Slide</a:t>
+              <a:t>applicatino</a:t>
             </a:r>
             <a:r>
               <a:rPr lang="fr-FR" dirty="0" smtClean="0"/>
-              <a:t> 13 : Dire que c'est la nomenclature qu'OCTO utilise.</a:t>
+              <a:t> à l’état de l’art mais beaucoup trop lente !</a:t>
             </a:r>
             <a:endParaRPr lang="fr-FR" dirty="0"/>
           </a:p>
@@ -14413,10 +15530,15 @@
           <a:bodyPr/>
           <a:lstStyle/>
           <a:p>
-            <a:fld id="{BFEBECEB-CCF1-413B-AAA5-7969BDFE1205}" type="slidenum">
+            <a:pPr>
+              <a:defRPr/>
+            </a:pPr>
+            <a:fld id="{68CC13ED-B5D7-254A-B8C5-6B7F27BAA1B2}" type="slidenum">
               <a:rPr lang="fr-FR" smtClean="0"/>
-              <a:pPr/>
-              <a:t>19</a:t>
+              <a:pPr>
+                <a:defRPr/>
+              </a:pPr>
+              <a:t>21</a:t>
             </a:fld>
             <a:endParaRPr lang="fr-FR"/>
           </a:p>
@@ -14425,7 +15547,7 @@
     </p:spTree>
     <p:extLst>
       <p:ext uri="{BB962C8B-B14F-4D97-AF65-F5344CB8AC3E}">
-        <p14:creationId xmlns:p14="http://schemas.microsoft.com/office/powerpoint/2010/main" val="3670392540"/>
+        <p14:creationId xmlns:p14="http://schemas.microsoft.com/office/powerpoint/2010/main" val="481082485"/>
       </p:ext>
     </p:extLst>
   </p:cSld>
@@ -14476,16 +15598,18 @@
         </p:nvSpPr>
         <p:spPr/>
         <p:txBody>
-          <a:bodyPr/>
+          <a:bodyPr>
+            <a:normAutofit/>
+          </a:bodyPr>
           <a:lstStyle/>
           <a:p>
             <a:r>
+              <a:rPr lang="fr-FR" dirty="0" err="1" smtClean="0"/>
+              <a:t>Slide</a:t>
+            </a:r>
+            <a:r>
               <a:rPr lang="fr-FR" dirty="0" smtClean="0"/>
-              <a:t>Utiliser un client</a:t>
-            </a:r>
-            <a:r>
-              <a:rPr lang="fr-FR" baseline="0" dirty="0" smtClean="0"/>
-              <a:t> REST comme REST client</a:t>
+              <a:t> 13 : Dire que c'est la nomenclature qu'OCTO utilise.</a:t>
             </a:r>
             <a:endParaRPr lang="fr-FR" dirty="0"/>
           </a:p>
@@ -14506,15 +15630,10 @@
           <a:bodyPr/>
           <a:lstStyle/>
           <a:p>
-            <a:pPr>
-              <a:defRPr/>
-            </a:pPr>
-            <a:fld id="{68CC13ED-B5D7-254A-B8C5-6B7F27BAA1B2}" type="slidenum">
+            <a:fld id="{BFEBECEB-CCF1-413B-AAA5-7969BDFE1205}" type="slidenum">
               <a:rPr lang="fr-FR" smtClean="0"/>
-              <a:pPr>
-                <a:defRPr/>
-              </a:pPr>
-              <a:t>20</a:t>
+              <a:pPr/>
+              <a:t>26</a:t>
             </a:fld>
             <a:endParaRPr lang="fr-FR"/>
           </a:p>
@@ -14523,7 +15642,7 @@
     </p:spTree>
     <p:extLst>
       <p:ext uri="{BB962C8B-B14F-4D97-AF65-F5344CB8AC3E}">
-        <p14:creationId xmlns:p14="http://schemas.microsoft.com/office/powerpoint/2010/main" val="1204883654"/>
+        <p14:creationId xmlns:p14="http://schemas.microsoft.com/office/powerpoint/2010/main" val="3670392540"/>
       </p:ext>
     </p:extLst>
   </p:cSld>
@@ -14574,18 +15693,16 @@
         </p:nvSpPr>
         <p:spPr/>
         <p:txBody>
-          <a:bodyPr>
-            <a:normAutofit/>
-          </a:bodyPr>
+          <a:bodyPr/>
           <a:lstStyle/>
           <a:p>
             <a:r>
-              <a:rPr lang="fr-FR" dirty="0" err="1" smtClean="0"/>
-              <a:t>Slide</a:t>
-            </a:r>
-            <a:r>
               <a:rPr lang="fr-FR" dirty="0" smtClean="0"/>
-              <a:t> 13 : Dire que c'est la nomenclature qu'OCTO utilise.</a:t>
+              <a:t>Utiliser un client</a:t>
+            </a:r>
+            <a:r>
+              <a:rPr lang="fr-FR" baseline="0" dirty="0" smtClean="0"/>
+              <a:t> REST comme REST client</a:t>
             </a:r>
             <a:endParaRPr lang="fr-FR" dirty="0"/>
           </a:p>
@@ -14606,10 +15723,15 @@
           <a:bodyPr/>
           <a:lstStyle/>
           <a:p>
-            <a:fld id="{BFEBECEB-CCF1-413B-AAA5-7969BDFE1205}" type="slidenum">
+            <a:pPr>
+              <a:defRPr/>
+            </a:pPr>
+            <a:fld id="{68CC13ED-B5D7-254A-B8C5-6B7F27BAA1B2}" type="slidenum">
               <a:rPr lang="fr-FR" smtClean="0"/>
-              <a:pPr/>
-              <a:t>25</a:t>
+              <a:pPr>
+                <a:defRPr/>
+              </a:pPr>
+              <a:t>27</a:t>
             </a:fld>
             <a:endParaRPr lang="fr-FR"/>
           </a:p>
@@ -14618,7 +15740,7 @@
     </p:spTree>
     <p:extLst>
       <p:ext uri="{BB962C8B-B14F-4D97-AF65-F5344CB8AC3E}">
-        <p14:creationId xmlns:p14="http://schemas.microsoft.com/office/powerpoint/2010/main" val="3300650879"/>
+        <p14:creationId xmlns:p14="http://schemas.microsoft.com/office/powerpoint/2010/main" val="1204883654"/>
       </p:ext>
     </p:extLst>
   </p:cSld>
@@ -14669,6 +15791,101 @@
         </p:nvSpPr>
         <p:spPr/>
         <p:txBody>
+          <a:bodyPr>
+            <a:normAutofit/>
+          </a:bodyPr>
+          <a:lstStyle/>
+          <a:p>
+            <a:r>
+              <a:rPr lang="fr-FR" dirty="0" err="1" smtClean="0"/>
+              <a:t>Slide</a:t>
+            </a:r>
+            <a:r>
+              <a:rPr lang="fr-FR" dirty="0" smtClean="0"/>
+              <a:t> 13 : Dire que c'est la nomenclature qu'OCTO utilise.</a:t>
+            </a:r>
+            <a:endParaRPr lang="fr-FR" dirty="0"/>
+          </a:p>
+        </p:txBody>
+      </p:sp>
+      <p:sp>
+        <p:nvSpPr>
+          <p:cNvPr id="4" name="Espace réservé du numéro de diapositive 3"/>
+          <p:cNvSpPr>
+            <a:spLocks noGrp="1"/>
+          </p:cNvSpPr>
+          <p:nvPr>
+            <p:ph type="sldNum" sz="quarter" idx="10"/>
+          </p:nvPr>
+        </p:nvSpPr>
+        <p:spPr/>
+        <p:txBody>
+          <a:bodyPr/>
+          <a:lstStyle/>
+          <a:p>
+            <a:fld id="{BFEBECEB-CCF1-413B-AAA5-7969BDFE1205}" type="slidenum">
+              <a:rPr lang="fr-FR" smtClean="0"/>
+              <a:pPr/>
+              <a:t>32</a:t>
+            </a:fld>
+            <a:endParaRPr lang="fr-FR"/>
+          </a:p>
+        </p:txBody>
+      </p:sp>
+    </p:spTree>
+    <p:extLst>
+      <p:ext uri="{BB962C8B-B14F-4D97-AF65-F5344CB8AC3E}">
+        <p14:creationId xmlns:p14="http://schemas.microsoft.com/office/powerpoint/2010/main" val="3300650879"/>
+      </p:ext>
+    </p:extLst>
+  </p:cSld>
+  <p:clrMapOvr>
+    <a:masterClrMapping/>
+  </p:clrMapOvr>
+</p:notes>
+</file>
+
+<file path=ppt/notesSlides/notesSlide15.xml><?xml version="1.0" encoding="utf-8"?>
+<p:notes xmlns:a="http://schemas.openxmlformats.org/drawingml/2006/main" xmlns:r="http://schemas.openxmlformats.org/officeDocument/2006/relationships" xmlns:p="http://schemas.openxmlformats.org/presentationml/2006/main">
+  <p:cSld>
+    <p:spTree>
+      <p:nvGrpSpPr>
+        <p:cNvPr id="1" name=""/>
+        <p:cNvGrpSpPr/>
+        <p:nvPr/>
+      </p:nvGrpSpPr>
+      <p:grpSpPr>
+        <a:xfrm>
+          <a:off x="0" y="0"/>
+          <a:ext cx="0" cy="0"/>
+          <a:chOff x="0" y="0"/>
+          <a:chExt cx="0" cy="0"/>
+        </a:xfrm>
+      </p:grpSpPr>
+      <p:sp>
+        <p:nvSpPr>
+          <p:cNvPr id="2" name="Espace réservé de l'image des diapositives 1"/>
+          <p:cNvSpPr>
+            <a:spLocks noGrp="1" noRot="1" noChangeAspect="1"/>
+          </p:cNvSpPr>
+          <p:nvPr>
+            <p:ph type="sldImg"/>
+          </p:nvPr>
+        </p:nvSpPr>
+        <p:spPr/>
+      </p:sp>
+      <p:sp>
+        <p:nvSpPr>
+          <p:cNvPr id="3" name="Espace réservé des commentaires 2"/>
+          <p:cNvSpPr>
+            <a:spLocks noGrp="1"/>
+          </p:cNvSpPr>
+          <p:nvPr>
+            <p:ph type="body" idx="1"/>
+          </p:nvPr>
+        </p:nvSpPr>
+        <p:spPr/>
+        <p:txBody>
           <a:bodyPr/>
           <a:lstStyle/>
           <a:p>
@@ -14707,7 +15924,7 @@
               <a:pPr>
                 <a:defRPr/>
               </a:pPr>
-              <a:t>27</a:t>
+              <a:t>34</a:t>
             </a:fld>
             <a:endParaRPr lang="fr-FR"/>
           </a:p>
@@ -14726,7 +15943,7 @@
 </p:notes>
 </file>
 
-<file path=ppt/notesSlides/notesSlide15.xml><?xml version="1.0" encoding="utf-8"?>
+<file path=ppt/notesSlides/notesSlide16.xml><?xml version="1.0" encoding="utf-8"?>
 <p:notes xmlns:a="http://schemas.openxmlformats.org/drawingml/2006/main" xmlns:r="http://schemas.openxmlformats.org/officeDocument/2006/relationships" xmlns:p="http://schemas.openxmlformats.org/presentationml/2006/main">
   <p:cSld>
     <p:spTree>
@@ -14828,7 +16045,7 @@
               <a:pPr>
                 <a:defRPr/>
               </a:pPr>
-              <a:t>31</a:t>
+              <a:t>38</a:t>
             </a:fld>
             <a:endParaRPr lang="fr-FR"/>
           </a:p>
@@ -14838,126 +16055,6 @@
     <p:extLst>
       <p:ext uri="{BB962C8B-B14F-4D97-AF65-F5344CB8AC3E}">
         <p14:creationId xmlns:p14="http://schemas.microsoft.com/office/powerpoint/2010/main" val="1759517508"/>
-      </p:ext>
-    </p:extLst>
-  </p:cSld>
-  <p:clrMapOvr>
-    <a:masterClrMapping/>
-  </p:clrMapOvr>
-</p:notes>
-</file>
-
-<file path=ppt/notesSlides/notesSlide16.xml><?xml version="1.0" encoding="utf-8"?>
-<p:notes xmlns:a="http://schemas.openxmlformats.org/drawingml/2006/main" xmlns:r="http://schemas.openxmlformats.org/officeDocument/2006/relationships" xmlns:p="http://schemas.openxmlformats.org/presentationml/2006/main">
-  <p:cSld>
-    <p:spTree>
-      <p:nvGrpSpPr>
-        <p:cNvPr id="1" name=""/>
-        <p:cNvGrpSpPr/>
-        <p:nvPr/>
-      </p:nvGrpSpPr>
-      <p:grpSpPr>
-        <a:xfrm>
-          <a:off x="0" y="0"/>
-          <a:ext cx="0" cy="0"/>
-          <a:chOff x="0" y="0"/>
-          <a:chExt cx="0" cy="0"/>
-        </a:xfrm>
-      </p:grpSpPr>
-      <p:sp>
-        <p:nvSpPr>
-          <p:cNvPr id="2" name="Slide Image Placeholder 1"/>
-          <p:cNvSpPr>
-            <a:spLocks noGrp="1" noRot="1" noChangeAspect="1"/>
-          </p:cNvSpPr>
-          <p:nvPr>
-            <p:ph type="sldImg"/>
-          </p:nvPr>
-        </p:nvSpPr>
-        <p:spPr/>
-      </p:sp>
-      <p:sp>
-        <p:nvSpPr>
-          <p:cNvPr id="3" name="Notes Placeholder 2"/>
-          <p:cNvSpPr>
-            <a:spLocks noGrp="1"/>
-          </p:cNvSpPr>
-          <p:nvPr>
-            <p:ph type="body" idx="1"/>
-          </p:nvPr>
-        </p:nvSpPr>
-        <p:spPr/>
-        <p:txBody>
-          <a:bodyPr/>
-          <a:lstStyle/>
-          <a:p>
-            <a:r>
-              <a:rPr lang="fr-CA" dirty="0" smtClean="0"/>
-              <a:t>02- L’optimisation prématurée est la source du mal (tout à commencé par ça)</a:t>
-            </a:r>
-          </a:p>
-          <a:p>
-            <a:endParaRPr lang="fr-CA" baseline="0" dirty="0" smtClean="0"/>
-          </a:p>
-          <a:p>
-            <a:r>
-              <a:rPr lang="fr-CA" baseline="0" dirty="0" smtClean="0"/>
-              <a:t>Henri:</a:t>
-            </a:r>
-          </a:p>
-          <a:p>
-            <a:r>
-              <a:rPr lang="fr-CA" baseline="0" dirty="0" smtClean="0"/>
-              <a:t>C’est là où tout à commencé. On l’apprend très tôt à l’école, ne pas optimisé prématurément, ça sert à rien et souvent c’est pire.</a:t>
-            </a:r>
-          </a:p>
-          <a:p>
-            <a:endParaRPr lang="fr-CA" baseline="0" dirty="0" smtClean="0"/>
-          </a:p>
-          <a:p>
-            <a:r>
-              <a:rPr lang="fr-CA" baseline="0" dirty="0" smtClean="0"/>
-              <a:t>Les problèmes c’est qu’en disant ça, </a:t>
-            </a:r>
-            <a:r>
-              <a:rPr lang="fr-CA" baseline="0" dirty="0" err="1" smtClean="0"/>
-              <a:t>Knuth</a:t>
-            </a:r>
-            <a:r>
-              <a:rPr lang="fr-CA" baseline="0" dirty="0" smtClean="0"/>
-              <a:t> pensait à ça</a:t>
-            </a:r>
-          </a:p>
-        </p:txBody>
-      </p:sp>
-      <p:sp>
-        <p:nvSpPr>
-          <p:cNvPr id="4" name="Slide Number Placeholder 3"/>
-          <p:cNvSpPr>
-            <a:spLocks noGrp="1"/>
-          </p:cNvSpPr>
-          <p:nvPr>
-            <p:ph type="sldNum" sz="quarter" idx="10"/>
-          </p:nvPr>
-        </p:nvSpPr>
-        <p:spPr/>
-        <p:txBody>
-          <a:bodyPr/>
-          <a:lstStyle/>
-          <a:p>
-            <a:fld id="{8A496BEC-0B9D-4342-8B4A-733FD4CFA797}" type="slidenum">
-              <a:rPr lang="fr-FR" smtClean="0"/>
-              <a:pPr/>
-              <a:t>32</a:t>
-            </a:fld>
-            <a:endParaRPr lang="fr-FR"/>
-          </a:p>
-        </p:txBody>
-      </p:sp>
-    </p:spTree>
-    <p:extLst>
-      <p:ext uri="{BB962C8B-B14F-4D97-AF65-F5344CB8AC3E}">
-        <p14:creationId xmlns:p14="http://schemas.microsoft.com/office/powerpoint/2010/main" val="3720654721"/>
       </p:ext>
     </p:extLst>
   </p:cSld>
@@ -15012,16 +16109,8 @@
           <a:lstStyle/>
           <a:p>
             <a:r>
-              <a:rPr lang="fr-CA" baseline="0" dirty="0" smtClean="0"/>
-              <a:t>03- Code </a:t>
-            </a:r>
-            <a:r>
-              <a:rPr lang="fr-CA" baseline="0" dirty="0" err="1" smtClean="0"/>
-              <a:t>early</a:t>
-            </a:r>
-            <a:r>
-              <a:rPr lang="fr-CA" baseline="0" dirty="0" smtClean="0"/>
-              <a:t> optimisé pour rien (en fait c'était pour ça)</a:t>
+              <a:rPr lang="fr-CA" dirty="0" smtClean="0"/>
+              <a:t>02- L’optimisation prématurée est la source du mal (tout à commencé par ça)</a:t>
             </a:r>
           </a:p>
           <a:p>
@@ -15036,7 +16125,7 @@
           <a:p>
             <a:r>
               <a:rPr lang="fr-CA" baseline="0" dirty="0" smtClean="0"/>
-              <a:t>C’est-à-dire faire une niaiserie qui sert à rien, mélange le compilateur, complique le code et ne sert à rien du tout.</a:t>
+              <a:t>C’est là où tout à commencé. On l’apprend très tôt à l’école, ne pas optimisé prématurément, ça sert à rien et souvent c’est pire.</a:t>
             </a:r>
           </a:p>
           <a:p>
@@ -15045,7 +16134,15 @@
           <a:p>
             <a:r>
               <a:rPr lang="fr-CA" baseline="0" dirty="0" smtClean="0"/>
-              <a:t>Reprenons du début et voyons comment se déroule un projet</a:t>
+              <a:t>Les problèmes c’est qu’en disant ça, </a:t>
+            </a:r>
+            <a:r>
+              <a:rPr lang="fr-CA" baseline="0" dirty="0" err="1" smtClean="0"/>
+              <a:t>Knuth</a:t>
+            </a:r>
+            <a:r>
+              <a:rPr lang="fr-CA" baseline="0" dirty="0" smtClean="0"/>
+              <a:t> pensait à ça</a:t>
             </a:r>
           </a:p>
         </p:txBody>
@@ -15068,7 +16165,7 @@
             <a:fld id="{8A496BEC-0B9D-4342-8B4A-733FD4CFA797}" type="slidenum">
               <a:rPr lang="fr-FR" smtClean="0"/>
               <a:pPr/>
-              <a:t>33</a:t>
+              <a:t>39</a:t>
             </a:fld>
             <a:endParaRPr lang="fr-FR"/>
           </a:p>
@@ -15156,15 +16253,7 @@
           <a:p>
             <a:r>
               <a:rPr lang="fr-CA" baseline="0" dirty="0" smtClean="0"/>
-              <a:t>Là où il faut écouter </a:t>
-            </a:r>
-            <a:r>
-              <a:rPr lang="fr-CA" baseline="0" dirty="0" err="1" smtClean="0"/>
-              <a:t>Knuth</a:t>
-            </a:r>
-            <a:r>
-              <a:rPr lang="fr-CA" baseline="0" dirty="0" smtClean="0"/>
-              <a:t>, c’est qu’en pratique, on code, on mesure et on optimise là où c’est important</a:t>
+              <a:t>C’est-à-dire faire une niaiserie qui sert à rien, mélange le compilateur, complique le code et ne sert à rien du tout.</a:t>
             </a:r>
           </a:p>
           <a:p>
@@ -15173,7 +16262,7 @@
           <a:p>
             <a:r>
               <a:rPr lang="fr-CA" baseline="0" dirty="0" smtClean="0"/>
-              <a:t>Mais reprenons du début</a:t>
+              <a:t>Reprenons du début et voyons comment se déroule un projet</a:t>
             </a:r>
           </a:p>
         </p:txBody>
@@ -15196,7 +16285,7 @@
             <a:fld id="{8A496BEC-0B9D-4342-8B4A-733FD4CFA797}" type="slidenum">
               <a:rPr lang="fr-FR" smtClean="0"/>
               <a:pPr/>
-              <a:t>34</a:t>
+              <a:t>40</a:t>
             </a:fld>
             <a:endParaRPr lang="fr-FR"/>
           </a:p>
@@ -15234,7 +16323,7 @@
       </p:grpSpPr>
       <p:sp>
         <p:nvSpPr>
-          <p:cNvPr id="2" name="Espace réservé de l'image des diapositives 1"/>
+          <p:cNvPr id="2" name="Slide Image Placeholder 1"/>
           <p:cNvSpPr>
             <a:spLocks noGrp="1" noRot="1" noChangeAspect="1"/>
           </p:cNvSpPr>
@@ -15246,7 +16335,7 @@
       </p:sp>
       <p:sp>
         <p:nvSpPr>
-          <p:cNvPr id="3" name="Espace réservé des commentaires 2"/>
+          <p:cNvPr id="3" name="Notes Placeholder 2"/>
           <p:cNvSpPr>
             <a:spLocks noGrp="1"/>
           </p:cNvSpPr>
@@ -15260,73 +16349,55 @@
           <a:lstStyle/>
           <a:p>
             <a:r>
-              <a:rPr lang="fr-FR" dirty="0" smtClean="0"/>
-              <a:t>04- Archi, tunnel, tests de perf, </a:t>
-            </a:r>
-            <a:r>
-              <a:rPr lang="fr-FR" dirty="0" err="1" smtClean="0"/>
-              <a:t>prod</a:t>
-            </a:r>
-            <a:r>
-              <a:rPr lang="fr-FR" dirty="0" smtClean="0"/>
-              <a:t> (donc on a fait ça)</a:t>
+              <a:rPr lang="fr-CA" baseline="0" dirty="0" smtClean="0"/>
+              <a:t>03- Code </a:t>
+            </a:r>
+            <a:r>
+              <a:rPr lang="fr-CA" baseline="0" dirty="0" err="1" smtClean="0"/>
+              <a:t>early</a:t>
+            </a:r>
+            <a:r>
+              <a:rPr lang="fr-CA" baseline="0" dirty="0" smtClean="0"/>
+              <a:t> optimisé pour rien (en fait c'était pour ça)</a:t>
             </a:r>
           </a:p>
           <a:p>
-            <a:endParaRPr lang="fr-FR" dirty="0" smtClean="0"/>
+            <a:endParaRPr lang="fr-CA" baseline="0" dirty="0" smtClean="0"/>
           </a:p>
           <a:p>
             <a:r>
-              <a:rPr lang="fr-FR" dirty="0" smtClean="0"/>
+              <a:rPr lang="fr-CA" baseline="0" dirty="0" smtClean="0"/>
               <a:t>Henri:</a:t>
             </a:r>
           </a:p>
           <a:p>
             <a:r>
-              <a:rPr lang="fr-FR" dirty="0" smtClean="0"/>
-              <a:t>Traditionnellement</a:t>
-            </a:r>
-            <a:r>
-              <a:rPr lang="fr-FR" baseline="0" dirty="0" smtClean="0"/>
-              <a:t>, a</a:t>
-            </a:r>
-            <a:r>
-              <a:rPr lang="fr-FR" dirty="0" smtClean="0"/>
-              <a:t>u début du projet on fait une belle archi</a:t>
+              <a:rPr lang="fr-CA" baseline="0" dirty="0" smtClean="0"/>
+              <a:t>Là où il faut écouter </a:t>
+            </a:r>
+            <a:r>
+              <a:rPr lang="fr-CA" baseline="0" dirty="0" err="1" smtClean="0"/>
+              <a:t>Knuth</a:t>
+            </a:r>
+            <a:r>
+              <a:rPr lang="fr-CA" baseline="0" dirty="0" smtClean="0"/>
+              <a:t>, c’est qu’en pratique, on code, on mesure et on optimise là où c’est important</a:t>
             </a:r>
           </a:p>
           <a:p>
-            <a:endParaRPr lang="fr-FR" dirty="0" smtClean="0"/>
+            <a:endParaRPr lang="fr-CA" baseline="0" dirty="0" smtClean="0"/>
           </a:p>
           <a:p>
             <a:r>
-              <a:rPr lang="fr-FR" dirty="0" smtClean="0"/>
-              <a:t>Ensuite on se lance dans un tunnel de développement</a:t>
-            </a:r>
-          </a:p>
-          <a:p>
-            <a:endParaRPr lang="fr-FR" dirty="0" smtClean="0"/>
-          </a:p>
-          <a:p>
-            <a:r>
-              <a:rPr lang="fr-FR" dirty="0" smtClean="0"/>
-              <a:t>Quand on</a:t>
-            </a:r>
-            <a:r>
-              <a:rPr lang="fr-FR" baseline="0" dirty="0" smtClean="0"/>
-              <a:t> a fini on fait des tirs de perf et à la fin on va en </a:t>
-            </a:r>
-            <a:r>
-              <a:rPr lang="fr-FR" baseline="0" dirty="0" err="1" smtClean="0"/>
-              <a:t>prod</a:t>
-            </a:r>
-            <a:endParaRPr lang="fr-FR" baseline="0" dirty="0" smtClean="0"/>
+              <a:rPr lang="fr-CA" baseline="0" dirty="0" smtClean="0"/>
+              <a:t>Mais reprenons du début</a:t>
+            </a:r>
           </a:p>
         </p:txBody>
       </p:sp>
       <p:sp>
         <p:nvSpPr>
-          <p:cNvPr id="4" name="Espace réservé du numéro de diapositive 3"/>
+          <p:cNvPr id="4" name="Slide Number Placeholder 3"/>
           <p:cNvSpPr>
             <a:spLocks noGrp="1"/>
           </p:cNvSpPr>
@@ -15342,7 +16413,7 @@
             <a:fld id="{8A496BEC-0B9D-4342-8B4A-733FD4CFA797}" type="slidenum">
               <a:rPr lang="fr-FR" smtClean="0"/>
               <a:pPr/>
-              <a:t>35</a:t>
+              <a:t>41</a:t>
             </a:fld>
             <a:endParaRPr lang="fr-FR"/>
           </a:p>
@@ -15351,7 +16422,7 @@
     </p:spTree>
     <p:extLst>
       <p:ext uri="{BB962C8B-B14F-4D97-AF65-F5344CB8AC3E}">
-        <p14:creationId xmlns:p14="http://schemas.microsoft.com/office/powerpoint/2010/main" val="3101118754"/>
+        <p14:creationId xmlns:p14="http://schemas.microsoft.com/office/powerpoint/2010/main" val="3720654721"/>
       </p:ext>
     </p:extLst>
   </p:cSld>
@@ -15432,7 +16503,7 @@
               <a:pPr>
                 <a:defRPr/>
               </a:pPr>
-              <a:t>5</a:t>
+              <a:t>11</a:t>
             </a:fld>
             <a:endParaRPr lang="fr-FR"/>
           </a:p>
@@ -15495,26 +16566,9 @@
           <a:bodyPr/>
           <a:lstStyle/>
           <a:p>
-            <a:pPr marL="0" marR="0" indent="0" algn="l" defTabSz="914400" rtl="0" eaLnBrk="1" fontAlgn="auto" latinLnBrk="0" hangingPunct="1">
-              <a:lnSpc>
-                <a:spcPct val="100000"/>
-              </a:lnSpc>
-              <a:spcBef>
-                <a:spcPts val="0"/>
-              </a:spcBef>
-              <a:spcAft>
-                <a:spcPts val="0"/>
-              </a:spcAft>
-              <a:buClrTx/>
-              <a:buSzTx/>
-              <a:buFontTx/>
-              <a:buNone/>
-              <a:tabLst/>
-              <a:defRPr/>
-            </a:pPr>
             <a:r>
               <a:rPr lang="fr-FR" dirty="0" smtClean="0"/>
-              <a:t>05- Archi, tunnel avec un cycle agile dedans, tests de perf, </a:t>
+              <a:t>04- Archi, tunnel, tests de perf, </a:t>
             </a:r>
             <a:r>
               <a:rPr lang="fr-FR" dirty="0" err="1" smtClean="0"/>
@@ -15522,7 +16576,7 @@
             </a:r>
             <a:r>
               <a:rPr lang="fr-FR" dirty="0" smtClean="0"/>
-              <a:t> (on a raffiné comme ça mais on a oublié les tests de perf)</a:t>
+              <a:t> (donc on a fait ça)</a:t>
             </a:r>
           </a:p>
           <a:p>
@@ -15537,26 +16591,43 @@
           <a:p>
             <a:r>
               <a:rPr lang="fr-FR" dirty="0" smtClean="0"/>
-              <a:t>Ensuite,</a:t>
+              <a:t>Traditionnellement</a:t>
             </a:r>
             <a:r>
               <a:rPr lang="fr-FR" baseline="0" dirty="0" smtClean="0"/>
-              <a:t> on s’est dit que ça allait pas le tunnel. Il vaut mieux faire des itérations de développement pour avoir un feedback plus rapide</a:t>
+              <a:t>, a</a:t>
+            </a:r>
+            <a:r>
+              <a:rPr lang="fr-FR" dirty="0" smtClean="0"/>
+              <a:t>u début du projet on fait une belle archi</a:t>
             </a:r>
           </a:p>
           <a:p>
-            <a:endParaRPr lang="fr-FR" baseline="0" dirty="0" smtClean="0"/>
+            <a:endParaRPr lang="fr-FR" dirty="0" smtClean="0"/>
           </a:p>
           <a:p>
             <a:r>
+              <a:rPr lang="fr-FR" dirty="0" smtClean="0"/>
+              <a:t>Ensuite on se lance dans un tunnel de développement</a:t>
+            </a:r>
+          </a:p>
+          <a:p>
+            <a:endParaRPr lang="fr-FR" dirty="0" smtClean="0"/>
+          </a:p>
+          <a:p>
+            <a:r>
+              <a:rPr lang="fr-FR" dirty="0" smtClean="0"/>
+              <a:t>Quand on</a:t>
+            </a:r>
+            <a:r>
               <a:rPr lang="fr-FR" baseline="0" dirty="0" smtClean="0"/>
-              <a:t>Donc on fait ça… et à la fin on fait des tirs de perf et on va en </a:t>
+              <a:t> a fini on fait des tirs de perf et à la fin on va en </a:t>
             </a:r>
             <a:r>
               <a:rPr lang="fr-FR" baseline="0" dirty="0" err="1" smtClean="0"/>
               <a:t>prod</a:t>
             </a:r>
-            <a:endParaRPr lang="fr-FR" dirty="0"/>
+            <a:endParaRPr lang="fr-FR" baseline="0" dirty="0" smtClean="0"/>
           </a:p>
         </p:txBody>
       </p:sp>
@@ -15578,7 +16649,7 @@
             <a:fld id="{8A496BEC-0B9D-4342-8B4A-733FD4CFA797}" type="slidenum">
               <a:rPr lang="fr-FR" smtClean="0"/>
               <a:pPr/>
-              <a:t>36</a:t>
+              <a:t>42</a:t>
             </a:fld>
             <a:endParaRPr lang="fr-FR"/>
           </a:p>
@@ -15641,9 +16712,26 @@
           <a:bodyPr/>
           <a:lstStyle/>
           <a:p>
+            <a:pPr marL="0" marR="0" indent="0" algn="l" defTabSz="914400" rtl="0" eaLnBrk="1" fontAlgn="auto" latinLnBrk="0" hangingPunct="1">
+              <a:lnSpc>
+                <a:spcPct val="100000"/>
+              </a:lnSpc>
+              <a:spcBef>
+                <a:spcPts val="0"/>
+              </a:spcBef>
+              <a:spcAft>
+                <a:spcPts val="0"/>
+              </a:spcAft>
+              <a:buClrTx/>
+              <a:buSzTx/>
+              <a:buFontTx/>
+              <a:buNone/>
+              <a:tabLst/>
+              <a:defRPr/>
+            </a:pPr>
             <a:r>
               <a:rPr lang="fr-FR" dirty="0" smtClean="0"/>
-              <a:t>06- Archi, tunnel, avec un cycle agile dedans, tests de perf, délai de correction à l'arrache des perfs, </a:t>
+              <a:t>05- Archi, tunnel avec un cycle agile dedans, tests de perf, </a:t>
             </a:r>
             <a:r>
               <a:rPr lang="fr-FR" dirty="0" err="1" smtClean="0"/>
@@ -15651,7 +16739,7 @@
             </a:r>
             <a:r>
               <a:rPr lang="fr-FR" dirty="0" smtClean="0"/>
-              <a:t> (mais en fait c'est ça)</a:t>
+              <a:t> (on a raffiné comme ça mais on a oublié les tests de perf)</a:t>
             </a:r>
           </a:p>
           <a:p>
@@ -15666,11 +16754,11 @@
           <a:p>
             <a:r>
               <a:rPr lang="fr-FR" dirty="0" smtClean="0"/>
-              <a:t>Le problème c’est qu’en fait, ça se passe</a:t>
+              <a:t>Ensuite,</a:t>
             </a:r>
             <a:r>
               <a:rPr lang="fr-FR" baseline="0" dirty="0" smtClean="0"/>
-              <a:t> plutôt comme ça:</a:t>
+              <a:t> on s’est dit que ça allait pas le tunnel. Il vaut mieux faire des itérations de développement pour avoir un feedback plus rapide</a:t>
             </a:r>
           </a:p>
           <a:p>
@@ -15679,42 +16767,12 @@
           <a:p>
             <a:r>
               <a:rPr lang="fr-FR" baseline="0" dirty="0" smtClean="0"/>
-              <a:t>On fait les tirs de perf</a:t>
-            </a:r>
-          </a:p>
-          <a:p>
-            <a:r>
-              <a:rPr lang="fr-FR" baseline="0" dirty="0" smtClean="0"/>
-              <a:t>Ça tient juste pas la charge</a:t>
-            </a:r>
-          </a:p>
-          <a:p>
-            <a:r>
-              <a:rPr lang="fr-FR" baseline="0" dirty="0" smtClean="0"/>
-              <a:t>On retarde la mise en production</a:t>
-            </a:r>
-          </a:p>
-          <a:p>
-            <a:r>
-              <a:rPr lang="fr-FR" baseline="0" dirty="0" smtClean="0"/>
-              <a:t>On optimise au petit bonheur la chance parce que maintenant que l’appli est fini on a pas trop le choix</a:t>
-            </a:r>
-          </a:p>
-          <a:p>
-            <a:r>
-              <a:rPr lang="fr-FR" baseline="0" dirty="0" smtClean="0"/>
-              <a:t>Et on met en </a:t>
+              <a:t>Donc on fait ça… et à la fin on fait des tirs de perf et on va en </a:t>
             </a:r>
             <a:r>
               <a:rPr lang="fr-FR" baseline="0" dirty="0" err="1" smtClean="0"/>
               <a:t>prod</a:t>
             </a:r>
-            <a:r>
-              <a:rPr lang="fr-FR" baseline="0" dirty="0" smtClean="0"/>
-              <a:t> un truc plus ou moins performant</a:t>
-            </a:r>
-          </a:p>
-          <a:p>
             <a:endParaRPr lang="fr-FR" dirty="0"/>
           </a:p>
         </p:txBody>
@@ -15737,7 +16795,7 @@
             <a:fld id="{8A496BEC-0B9D-4342-8B4A-733FD4CFA797}" type="slidenum">
               <a:rPr lang="fr-FR" smtClean="0"/>
               <a:pPr/>
-              <a:t>37</a:t>
+              <a:t>43</a:t>
             </a:fld>
             <a:endParaRPr lang="fr-FR"/>
           </a:p>
@@ -15802,7 +16860,7 @@
           <a:p>
             <a:r>
               <a:rPr lang="fr-FR" dirty="0" smtClean="0"/>
-              <a:t>07- Archi, cycle avec tests de perfs en continue, </a:t>
+              <a:t>06- Archi, tunnel, avec un cycle agile dedans, tests de perf, délai de correction à l'arrache des perfs, </a:t>
             </a:r>
             <a:r>
               <a:rPr lang="fr-FR" dirty="0" err="1" smtClean="0"/>
@@ -15810,7 +16868,7 @@
             </a:r>
             <a:r>
               <a:rPr lang="fr-FR" dirty="0" smtClean="0"/>
-              <a:t>, (Mais pourquoi on fait pas ça?)</a:t>
+              <a:t> (mais en fait c'est ça)</a:t>
             </a:r>
           </a:p>
           <a:p>
@@ -15825,11 +16883,11 @@
           <a:p>
             <a:r>
               <a:rPr lang="fr-FR" dirty="0" smtClean="0"/>
-              <a:t>C’est dommage parce qu’on a eu la</a:t>
+              <a:t>Le problème c’est qu’en fait, ça se passe</a:t>
             </a:r>
             <a:r>
               <a:rPr lang="fr-FR" baseline="0" dirty="0" smtClean="0"/>
-              <a:t> bonne idée de faire des itérations mais pas d’y mettre les tests de perfs</a:t>
+              <a:t> plutôt comme ça:</a:t>
             </a:r>
           </a:p>
           <a:p>
@@ -15838,17 +16896,42 @@
           <a:p>
             <a:r>
               <a:rPr lang="fr-FR" baseline="0" dirty="0" smtClean="0"/>
-              <a:t>Et pourtant, le feedback, c’est intéressant aussi pour les perfs.</a:t>
+              <a:t>On fait les tirs de perf</a:t>
             </a:r>
           </a:p>
           <a:p>
-            <a:endParaRPr lang="fr-FR" baseline="0" dirty="0" smtClean="0"/>
+            <a:r>
+              <a:rPr lang="fr-FR" baseline="0" dirty="0" smtClean="0"/>
+              <a:t>Ça tient juste pas la charge</a:t>
+            </a:r>
           </a:p>
           <a:p>
             <a:r>
               <a:rPr lang="fr-FR" baseline="0" dirty="0" smtClean="0"/>
-              <a:t>Donc nous on vous dit qu’il faut faire ca.</a:t>
-            </a:r>
+              <a:t>On retarde la mise en production</a:t>
+            </a:r>
+          </a:p>
+          <a:p>
+            <a:r>
+              <a:rPr lang="fr-FR" baseline="0" dirty="0" smtClean="0"/>
+              <a:t>On optimise au petit bonheur la chance parce que maintenant que l’appli est fini on a pas trop le choix</a:t>
+            </a:r>
+          </a:p>
+          <a:p>
+            <a:r>
+              <a:rPr lang="fr-FR" baseline="0" dirty="0" smtClean="0"/>
+              <a:t>Et on met en </a:t>
+            </a:r>
+            <a:r>
+              <a:rPr lang="fr-FR" baseline="0" dirty="0" err="1" smtClean="0"/>
+              <a:t>prod</a:t>
+            </a:r>
+            <a:r>
+              <a:rPr lang="fr-FR" baseline="0" dirty="0" smtClean="0"/>
+              <a:t> un truc plus ou moins performant</a:t>
+            </a:r>
+          </a:p>
+          <a:p>
             <a:endParaRPr lang="fr-FR" dirty="0"/>
           </a:p>
         </p:txBody>
@@ -15871,7 +16954,7 @@
             <a:fld id="{8A496BEC-0B9D-4342-8B4A-733FD4CFA797}" type="slidenum">
               <a:rPr lang="fr-FR" smtClean="0"/>
               <a:pPr/>
-              <a:t>38</a:t>
+              <a:t>44</a:t>
             </a:fld>
             <a:endParaRPr lang="fr-FR"/>
           </a:p>
@@ -15891,6 +16974,140 @@
 </file>
 
 <file path=ppt/notesSlides/notesSlide23.xml><?xml version="1.0" encoding="utf-8"?>
+<p:notes xmlns:a="http://schemas.openxmlformats.org/drawingml/2006/main" xmlns:r="http://schemas.openxmlformats.org/officeDocument/2006/relationships" xmlns:p="http://schemas.openxmlformats.org/presentationml/2006/main">
+  <p:cSld>
+    <p:spTree>
+      <p:nvGrpSpPr>
+        <p:cNvPr id="1" name=""/>
+        <p:cNvGrpSpPr/>
+        <p:nvPr/>
+      </p:nvGrpSpPr>
+      <p:grpSpPr>
+        <a:xfrm>
+          <a:off x="0" y="0"/>
+          <a:ext cx="0" cy="0"/>
+          <a:chOff x="0" y="0"/>
+          <a:chExt cx="0" cy="0"/>
+        </a:xfrm>
+      </p:grpSpPr>
+      <p:sp>
+        <p:nvSpPr>
+          <p:cNvPr id="2" name="Espace réservé de l'image des diapositives 1"/>
+          <p:cNvSpPr>
+            <a:spLocks noGrp="1" noRot="1" noChangeAspect="1"/>
+          </p:cNvSpPr>
+          <p:nvPr>
+            <p:ph type="sldImg"/>
+          </p:nvPr>
+        </p:nvSpPr>
+        <p:spPr/>
+      </p:sp>
+      <p:sp>
+        <p:nvSpPr>
+          <p:cNvPr id="3" name="Espace réservé des commentaires 2"/>
+          <p:cNvSpPr>
+            <a:spLocks noGrp="1"/>
+          </p:cNvSpPr>
+          <p:nvPr>
+            <p:ph type="body" idx="1"/>
+          </p:nvPr>
+        </p:nvSpPr>
+        <p:spPr/>
+        <p:txBody>
+          <a:bodyPr/>
+          <a:lstStyle/>
+          <a:p>
+            <a:r>
+              <a:rPr lang="fr-FR" dirty="0" smtClean="0"/>
+              <a:t>07- Archi, cycle avec tests de perfs en continue, </a:t>
+            </a:r>
+            <a:r>
+              <a:rPr lang="fr-FR" dirty="0" err="1" smtClean="0"/>
+              <a:t>prod</a:t>
+            </a:r>
+            <a:r>
+              <a:rPr lang="fr-FR" dirty="0" smtClean="0"/>
+              <a:t>, (Mais pourquoi on fait pas ça?)</a:t>
+            </a:r>
+          </a:p>
+          <a:p>
+            <a:endParaRPr lang="fr-FR" dirty="0" smtClean="0"/>
+          </a:p>
+          <a:p>
+            <a:r>
+              <a:rPr lang="fr-FR" dirty="0" smtClean="0"/>
+              <a:t>Henri:</a:t>
+            </a:r>
+          </a:p>
+          <a:p>
+            <a:r>
+              <a:rPr lang="fr-FR" dirty="0" smtClean="0"/>
+              <a:t>C’est dommage parce qu’on a eu la</a:t>
+            </a:r>
+            <a:r>
+              <a:rPr lang="fr-FR" baseline="0" dirty="0" smtClean="0"/>
+              <a:t> bonne idée de faire des itérations mais pas d’y mettre les tests de perfs</a:t>
+            </a:r>
+          </a:p>
+          <a:p>
+            <a:endParaRPr lang="fr-FR" baseline="0" dirty="0" smtClean="0"/>
+          </a:p>
+          <a:p>
+            <a:r>
+              <a:rPr lang="fr-FR" baseline="0" dirty="0" smtClean="0"/>
+              <a:t>Et pourtant, le feedback, c’est intéressant aussi pour les perfs.</a:t>
+            </a:r>
+          </a:p>
+          <a:p>
+            <a:endParaRPr lang="fr-FR" baseline="0" dirty="0" smtClean="0"/>
+          </a:p>
+          <a:p>
+            <a:r>
+              <a:rPr lang="fr-FR" baseline="0" dirty="0" smtClean="0"/>
+              <a:t>Donc nous on vous dit qu’il faut faire ca.</a:t>
+            </a:r>
+            <a:endParaRPr lang="fr-FR" dirty="0"/>
+          </a:p>
+        </p:txBody>
+      </p:sp>
+      <p:sp>
+        <p:nvSpPr>
+          <p:cNvPr id="4" name="Espace réservé du numéro de diapositive 3"/>
+          <p:cNvSpPr>
+            <a:spLocks noGrp="1"/>
+          </p:cNvSpPr>
+          <p:nvPr>
+            <p:ph type="sldNum" sz="quarter" idx="10"/>
+          </p:nvPr>
+        </p:nvSpPr>
+        <p:spPr/>
+        <p:txBody>
+          <a:bodyPr/>
+          <a:lstStyle/>
+          <a:p>
+            <a:fld id="{8A496BEC-0B9D-4342-8B4A-733FD4CFA797}" type="slidenum">
+              <a:rPr lang="fr-FR" smtClean="0"/>
+              <a:pPr/>
+              <a:t>45</a:t>
+            </a:fld>
+            <a:endParaRPr lang="fr-FR"/>
+          </a:p>
+        </p:txBody>
+      </p:sp>
+    </p:spTree>
+    <p:extLst>
+      <p:ext uri="{BB962C8B-B14F-4D97-AF65-F5344CB8AC3E}">
+        <p14:creationId xmlns:p14="http://schemas.microsoft.com/office/powerpoint/2010/main" val="3101118754"/>
+      </p:ext>
+    </p:extLst>
+  </p:cSld>
+  <p:clrMapOvr>
+    <a:masterClrMapping/>
+  </p:clrMapOvr>
+</p:notes>
+</file>
+
+<file path=ppt/notesSlides/notesSlide24.xml><?xml version="1.0" encoding="utf-8"?>
 <p:notes xmlns:a="http://schemas.openxmlformats.org/drawingml/2006/main" xmlns:r="http://schemas.openxmlformats.org/officeDocument/2006/relationships" xmlns:p="http://schemas.openxmlformats.org/presentationml/2006/main">
   <p:cSld>
     <p:spTree>
@@ -15961,7 +17178,7 @@
               <a:pPr>
                 <a:defRPr/>
               </a:pPr>
-              <a:t>39</a:t>
+              <a:t>46</a:t>
             </a:fld>
             <a:endParaRPr lang="fr-FR"/>
           </a:p>
@@ -15980,7 +17197,7 @@
 </p:notes>
 </file>
 
-<file path=ppt/notesSlides/notesSlide24.xml><?xml version="1.0" encoding="utf-8"?>
+<file path=ppt/notesSlides/notesSlide25.xml><?xml version="1.0" encoding="utf-8"?>
 <p:notes xmlns:a="http://schemas.openxmlformats.org/drawingml/2006/main" xmlns:r="http://schemas.openxmlformats.org/officeDocument/2006/relationships" xmlns:p="http://schemas.openxmlformats.org/presentationml/2006/main">
   <p:cSld>
     <p:spTree>
@@ -16056,7 +17273,7 @@
             <a:fld id="{BFEBECEB-CCF1-413B-AAA5-7969BDFE1205}" type="slidenum">
               <a:rPr lang="fr-FR" smtClean="0"/>
               <a:pPr/>
-              <a:t>40</a:t>
+              <a:t>47</a:t>
             </a:fld>
             <a:endParaRPr lang="fr-FR"/>
           </a:p>
@@ -16066,96 +17283,6 @@
     <p:extLst>
       <p:ext uri="{BB962C8B-B14F-4D97-AF65-F5344CB8AC3E}">
         <p14:creationId xmlns:p14="http://schemas.microsoft.com/office/powerpoint/2010/main" val="1417541193"/>
-      </p:ext>
-    </p:extLst>
-  </p:cSld>
-  <p:clrMapOvr>
-    <a:masterClrMapping/>
-  </p:clrMapOvr>
-</p:notes>
-</file>
-
-<file path=ppt/notesSlides/notesSlide25.xml><?xml version="1.0" encoding="utf-8"?>
-<p:notes xmlns:a="http://schemas.openxmlformats.org/drawingml/2006/main" xmlns:r="http://schemas.openxmlformats.org/officeDocument/2006/relationships" xmlns:p="http://schemas.openxmlformats.org/presentationml/2006/main">
-  <p:cSld>
-    <p:spTree>
-      <p:nvGrpSpPr>
-        <p:cNvPr id="1" name=""/>
-        <p:cNvGrpSpPr/>
-        <p:nvPr/>
-      </p:nvGrpSpPr>
-      <p:grpSpPr>
-        <a:xfrm>
-          <a:off x="0" y="0"/>
-          <a:ext cx="0" cy="0"/>
-          <a:chOff x="0" y="0"/>
-          <a:chExt cx="0" cy="0"/>
-        </a:xfrm>
-      </p:grpSpPr>
-      <p:sp>
-        <p:nvSpPr>
-          <p:cNvPr id="2" name="Slide Image Placeholder 1"/>
-          <p:cNvSpPr>
-            <a:spLocks noGrp="1" noRot="1" noChangeAspect="1"/>
-          </p:cNvSpPr>
-          <p:nvPr>
-            <p:ph type="sldImg"/>
-          </p:nvPr>
-        </p:nvSpPr>
-        <p:spPr/>
-      </p:sp>
-      <p:sp>
-        <p:nvSpPr>
-          <p:cNvPr id="3" name="Notes Placeholder 2"/>
-          <p:cNvSpPr>
-            <a:spLocks noGrp="1"/>
-          </p:cNvSpPr>
-          <p:nvPr>
-            <p:ph type="body" idx="1"/>
-          </p:nvPr>
-        </p:nvSpPr>
-        <p:spPr/>
-        <p:txBody>
-          <a:bodyPr/>
-          <a:lstStyle/>
-          <a:p>
-            <a:endParaRPr lang="en-US" dirty="0"/>
-          </a:p>
-        </p:txBody>
-      </p:sp>
-      <p:sp>
-        <p:nvSpPr>
-          <p:cNvPr id="4" name="Slide Number Placeholder 3"/>
-          <p:cNvSpPr>
-            <a:spLocks noGrp="1"/>
-          </p:cNvSpPr>
-          <p:nvPr>
-            <p:ph type="sldNum" sz="quarter" idx="10"/>
-          </p:nvPr>
-        </p:nvSpPr>
-        <p:spPr/>
-        <p:txBody>
-          <a:bodyPr/>
-          <a:lstStyle/>
-          <a:p>
-            <a:pPr>
-              <a:defRPr/>
-            </a:pPr>
-            <a:fld id="{68CC13ED-B5D7-254A-B8C5-6B7F27BAA1B2}" type="slidenum">
-              <a:rPr lang="fr-FR" smtClean="0"/>
-              <a:pPr>
-                <a:defRPr/>
-              </a:pPr>
-              <a:t>41</a:t>
-            </a:fld>
-            <a:endParaRPr lang="fr-FR"/>
-          </a:p>
-        </p:txBody>
-      </p:sp>
-    </p:spTree>
-    <p:extLst>
-      <p:ext uri="{BB962C8B-B14F-4D97-AF65-F5344CB8AC3E}">
-        <p14:creationId xmlns:p14="http://schemas.microsoft.com/office/powerpoint/2010/main" val="1279799550"/>
       </p:ext>
     </p:extLst>
   </p:cSld>
@@ -16236,7 +17363,7 @@
               <a:pPr>
                 <a:defRPr/>
               </a:pPr>
-              <a:t>42</a:t>
+              <a:t>48</a:t>
             </a:fld>
             <a:endParaRPr lang="fr-FR"/>
           </a:p>
@@ -16256,6 +17383,96 @@
 </file>
 
 <file path=ppt/notesSlides/notesSlide27.xml><?xml version="1.0" encoding="utf-8"?>
+<p:notes xmlns:a="http://schemas.openxmlformats.org/drawingml/2006/main" xmlns:r="http://schemas.openxmlformats.org/officeDocument/2006/relationships" xmlns:p="http://schemas.openxmlformats.org/presentationml/2006/main">
+  <p:cSld>
+    <p:spTree>
+      <p:nvGrpSpPr>
+        <p:cNvPr id="1" name=""/>
+        <p:cNvGrpSpPr/>
+        <p:nvPr/>
+      </p:nvGrpSpPr>
+      <p:grpSpPr>
+        <a:xfrm>
+          <a:off x="0" y="0"/>
+          <a:ext cx="0" cy="0"/>
+          <a:chOff x="0" y="0"/>
+          <a:chExt cx="0" cy="0"/>
+        </a:xfrm>
+      </p:grpSpPr>
+      <p:sp>
+        <p:nvSpPr>
+          <p:cNvPr id="2" name="Slide Image Placeholder 1"/>
+          <p:cNvSpPr>
+            <a:spLocks noGrp="1" noRot="1" noChangeAspect="1"/>
+          </p:cNvSpPr>
+          <p:nvPr>
+            <p:ph type="sldImg"/>
+          </p:nvPr>
+        </p:nvSpPr>
+        <p:spPr/>
+      </p:sp>
+      <p:sp>
+        <p:nvSpPr>
+          <p:cNvPr id="3" name="Notes Placeholder 2"/>
+          <p:cNvSpPr>
+            <a:spLocks noGrp="1"/>
+          </p:cNvSpPr>
+          <p:nvPr>
+            <p:ph type="body" idx="1"/>
+          </p:nvPr>
+        </p:nvSpPr>
+        <p:spPr/>
+        <p:txBody>
+          <a:bodyPr/>
+          <a:lstStyle/>
+          <a:p>
+            <a:endParaRPr lang="en-US" dirty="0"/>
+          </a:p>
+        </p:txBody>
+      </p:sp>
+      <p:sp>
+        <p:nvSpPr>
+          <p:cNvPr id="4" name="Slide Number Placeholder 3"/>
+          <p:cNvSpPr>
+            <a:spLocks noGrp="1"/>
+          </p:cNvSpPr>
+          <p:nvPr>
+            <p:ph type="sldNum" sz="quarter" idx="10"/>
+          </p:nvPr>
+        </p:nvSpPr>
+        <p:spPr/>
+        <p:txBody>
+          <a:bodyPr/>
+          <a:lstStyle/>
+          <a:p>
+            <a:pPr>
+              <a:defRPr/>
+            </a:pPr>
+            <a:fld id="{68CC13ED-B5D7-254A-B8C5-6B7F27BAA1B2}" type="slidenum">
+              <a:rPr lang="fr-FR" smtClean="0"/>
+              <a:pPr>
+                <a:defRPr/>
+              </a:pPr>
+              <a:t>49</a:t>
+            </a:fld>
+            <a:endParaRPr lang="fr-FR"/>
+          </a:p>
+        </p:txBody>
+      </p:sp>
+    </p:spTree>
+    <p:extLst>
+      <p:ext uri="{BB962C8B-B14F-4D97-AF65-F5344CB8AC3E}">
+        <p14:creationId xmlns:p14="http://schemas.microsoft.com/office/powerpoint/2010/main" val="1279799550"/>
+      </p:ext>
+    </p:extLst>
+  </p:cSld>
+  <p:clrMapOvr>
+    <a:masterClrMapping/>
+  </p:clrMapOvr>
+</p:notes>
+</file>
+
+<file path=ppt/notesSlides/notesSlide28.xml><?xml version="1.0" encoding="utf-8"?>
 <p:notes xmlns:a="http://schemas.openxmlformats.org/drawingml/2006/main" xmlns:r="http://schemas.openxmlformats.org/officeDocument/2006/relationships" xmlns:p="http://schemas.openxmlformats.org/presentationml/2006/main">
   <p:cSld>
     <p:spTree>
@@ -16323,7 +17540,7 @@
             <a:fld id="{BFEBECEB-CCF1-413B-AAA5-7969BDFE1205}" type="slidenum">
               <a:rPr lang="fr-FR" smtClean="0"/>
               <a:pPr/>
-              <a:t>45</a:t>
+              <a:t>52</a:t>
             </a:fld>
             <a:endParaRPr lang="fr-FR"/>
           </a:p>
@@ -16333,183 +17550,6 @@
     <p:extLst>
       <p:ext uri="{BB962C8B-B14F-4D97-AF65-F5344CB8AC3E}">
         <p14:creationId xmlns:p14="http://schemas.microsoft.com/office/powerpoint/2010/main" val="4101384779"/>
-      </p:ext>
-    </p:extLst>
-  </p:cSld>
-  <p:clrMapOvr>
-    <a:masterClrMapping/>
-  </p:clrMapOvr>
-</p:notes>
-</file>
-
-<file path=ppt/notesSlides/notesSlide28.xml><?xml version="1.0" encoding="utf-8"?>
-<p:notes xmlns:a="http://schemas.openxmlformats.org/drawingml/2006/main" xmlns:r="http://schemas.openxmlformats.org/officeDocument/2006/relationships" xmlns:p="http://schemas.openxmlformats.org/presentationml/2006/main">
-  <p:cSld>
-    <p:spTree>
-      <p:nvGrpSpPr>
-        <p:cNvPr id="1" name=""/>
-        <p:cNvGrpSpPr/>
-        <p:nvPr/>
-      </p:nvGrpSpPr>
-      <p:grpSpPr>
-        <a:xfrm>
-          <a:off x="0" y="0"/>
-          <a:ext cx="0" cy="0"/>
-          <a:chOff x="0" y="0"/>
-          <a:chExt cx="0" cy="0"/>
-        </a:xfrm>
-      </p:grpSpPr>
-      <p:sp>
-        <p:nvSpPr>
-          <p:cNvPr id="2" name="Slide Image Placeholder 1"/>
-          <p:cNvSpPr>
-            <a:spLocks noGrp="1" noRot="1" noChangeAspect="1"/>
-          </p:cNvSpPr>
-          <p:nvPr>
-            <p:ph type="sldImg"/>
-          </p:nvPr>
-        </p:nvSpPr>
-        <p:spPr/>
-      </p:sp>
-      <p:sp>
-        <p:nvSpPr>
-          <p:cNvPr id="3" name="Notes Placeholder 2"/>
-          <p:cNvSpPr>
-            <a:spLocks noGrp="1"/>
-          </p:cNvSpPr>
-          <p:nvPr>
-            <p:ph type="body" idx="1"/>
-          </p:nvPr>
-        </p:nvSpPr>
-        <p:spPr/>
-        <p:txBody>
-          <a:bodyPr/>
-          <a:lstStyle/>
-          <a:p>
-            <a:r>
-              <a:rPr lang="fr-CA" dirty="0" smtClean="0"/>
-              <a:t>Le logo du produit en </a:t>
-            </a:r>
-            <a:r>
-              <a:rPr lang="fr-CA" dirty="0" err="1" smtClean="0"/>
-              <a:t>dénormaliser</a:t>
-            </a:r>
-            <a:r>
-              <a:rPr lang="fr-CA" dirty="0" smtClean="0"/>
-              <a:t> dans la table </a:t>
-            </a:r>
-            <a:r>
-              <a:rPr lang="fr-CA" dirty="0" err="1" smtClean="0"/>
-              <a:t>sales_operations</a:t>
-            </a:r>
-            <a:endParaRPr lang="fr-CA" dirty="0" smtClean="0"/>
-          </a:p>
-          <a:p>
-            <a:endParaRPr lang="fr-CA" dirty="0" smtClean="0"/>
-          </a:p>
-          <a:p>
-            <a:r>
-              <a:rPr lang="fr-CA" dirty="0" smtClean="0"/>
-              <a:t>Saturation disque</a:t>
-            </a:r>
-          </a:p>
-          <a:p>
-            <a:r>
-              <a:rPr lang="fr-CA" dirty="0" smtClean="0"/>
-              <a:t>Buffer TCP</a:t>
-            </a:r>
-          </a:p>
-          <a:p>
-            <a:r>
-              <a:rPr lang="fr-CA" dirty="0" err="1" smtClean="0"/>
-              <a:t>Tuning</a:t>
-            </a:r>
-            <a:r>
-              <a:rPr lang="fr-CA" dirty="0" smtClean="0"/>
-              <a:t> paramètres </a:t>
-            </a:r>
-            <a:r>
-              <a:rPr lang="fr-CA" dirty="0" err="1" smtClean="0"/>
-              <a:t>filesystem</a:t>
-            </a:r>
-            <a:endParaRPr lang="fr-CA" dirty="0" smtClean="0"/>
-          </a:p>
-          <a:p>
-            <a:endParaRPr lang="fr-CA" dirty="0" smtClean="0"/>
-          </a:p>
-          <a:p>
-            <a:r>
-              <a:rPr lang="fr-CA" dirty="0" smtClean="0"/>
-              <a:t>NIO</a:t>
-            </a:r>
-          </a:p>
-          <a:p>
-            <a:r>
-              <a:rPr lang="fr-CA" dirty="0" smtClean="0"/>
-              <a:t>Pool de connexions DB</a:t>
-            </a:r>
-          </a:p>
-          <a:p>
-            <a:r>
-              <a:rPr lang="fr-CA" dirty="0" smtClean="0"/>
-              <a:t>Gros log en </a:t>
-            </a:r>
-            <a:r>
-              <a:rPr lang="fr-CA" dirty="0" err="1" smtClean="0"/>
-              <a:t>debug</a:t>
-            </a:r>
-            <a:endParaRPr lang="fr-CA" dirty="0" smtClean="0"/>
-          </a:p>
-          <a:p>
-            <a:endParaRPr lang="fr-CA" dirty="0" smtClean="0"/>
-          </a:p>
-          <a:p>
-            <a:r>
-              <a:rPr lang="fr-CA" dirty="0" smtClean="0"/>
-              <a:t>Calcul de la vitesse disque, optimisation</a:t>
-            </a:r>
-          </a:p>
-          <a:p>
-            <a:endParaRPr lang="en-US" dirty="0" smtClean="0"/>
-          </a:p>
-          <a:p>
-            <a:endParaRPr lang="en-US" dirty="0"/>
-          </a:p>
-        </p:txBody>
-      </p:sp>
-      <p:sp>
-        <p:nvSpPr>
-          <p:cNvPr id="4" name="Slide Number Placeholder 3"/>
-          <p:cNvSpPr>
-            <a:spLocks noGrp="1"/>
-          </p:cNvSpPr>
-          <p:nvPr>
-            <p:ph type="sldNum" sz="quarter" idx="10"/>
-          </p:nvPr>
-        </p:nvSpPr>
-        <p:spPr/>
-        <p:txBody>
-          <a:bodyPr/>
-          <a:lstStyle/>
-          <a:p>
-            <a:pPr>
-              <a:defRPr/>
-            </a:pPr>
-            <a:fld id="{68CC13ED-B5D7-254A-B8C5-6B7F27BAA1B2}" type="slidenum">
-              <a:rPr lang="fr-FR" smtClean="0"/>
-              <a:pPr>
-                <a:defRPr/>
-              </a:pPr>
-              <a:t>48</a:t>
-            </a:fld>
-            <a:endParaRPr lang="fr-FR"/>
-          </a:p>
-        </p:txBody>
-      </p:sp>
-    </p:spTree>
-    <p:extLst>
-      <p:ext uri="{BB962C8B-B14F-4D97-AF65-F5344CB8AC3E}">
-        <p14:creationId xmlns:p14="http://schemas.microsoft.com/office/powerpoint/2010/main" val="3592164018"/>
       </p:ext>
     </p:extLst>
   </p:cSld>
@@ -16564,17 +17604,92 @@
           <a:lstStyle/>
           <a:p>
             <a:r>
-              <a:rPr lang="en-US" dirty="0" err="1" smtClean="0"/>
-              <a:t>Mettre</a:t>
-            </a:r>
-            <a:r>
-              <a:rPr lang="en-US" baseline="0" dirty="0" smtClean="0"/>
-              <a:t> les </a:t>
-            </a:r>
-            <a:r>
-              <a:rPr lang="en-US" baseline="0" dirty="0" err="1" smtClean="0"/>
-              <a:t>améliorations</a:t>
-            </a:r>
+              <a:rPr lang="fr-CA" dirty="0" smtClean="0"/>
+              <a:t>Le logo du produit en </a:t>
+            </a:r>
+            <a:r>
+              <a:rPr lang="fr-CA" dirty="0" err="1" smtClean="0"/>
+              <a:t>dénormaliser</a:t>
+            </a:r>
+            <a:r>
+              <a:rPr lang="fr-CA" dirty="0" smtClean="0"/>
+              <a:t> dans la table </a:t>
+            </a:r>
+            <a:r>
+              <a:rPr lang="fr-CA" dirty="0" err="1" smtClean="0"/>
+              <a:t>sales_operations</a:t>
+            </a:r>
+            <a:endParaRPr lang="fr-CA" dirty="0" smtClean="0"/>
+          </a:p>
+          <a:p>
+            <a:endParaRPr lang="fr-CA" dirty="0" smtClean="0"/>
+          </a:p>
+          <a:p>
+            <a:r>
+              <a:rPr lang="fr-CA" dirty="0" smtClean="0"/>
+              <a:t>Saturation disque</a:t>
+            </a:r>
+          </a:p>
+          <a:p>
+            <a:r>
+              <a:rPr lang="fr-CA" dirty="0" smtClean="0"/>
+              <a:t>Buffer TCP</a:t>
+            </a:r>
+          </a:p>
+          <a:p>
+            <a:r>
+              <a:rPr lang="fr-CA" dirty="0" err="1" smtClean="0"/>
+              <a:t>Tuning</a:t>
+            </a:r>
+            <a:r>
+              <a:rPr lang="fr-CA" dirty="0" smtClean="0"/>
+              <a:t> paramètres </a:t>
+            </a:r>
+            <a:r>
+              <a:rPr lang="fr-CA" dirty="0" err="1" smtClean="0"/>
+              <a:t>filesystem</a:t>
+            </a:r>
+            <a:endParaRPr lang="fr-CA" dirty="0" smtClean="0"/>
+          </a:p>
+          <a:p>
+            <a:endParaRPr lang="fr-CA" dirty="0" smtClean="0"/>
+          </a:p>
+          <a:p>
+            <a:r>
+              <a:rPr lang="fr-CA" dirty="0" smtClean="0"/>
+              <a:t>NIO</a:t>
+            </a:r>
+          </a:p>
+          <a:p>
+            <a:r>
+              <a:rPr lang="fr-CA" dirty="0" smtClean="0"/>
+              <a:t>Pool de connexions DB</a:t>
+            </a:r>
+          </a:p>
+          <a:p>
+            <a:r>
+              <a:rPr lang="fr-CA" dirty="0" smtClean="0"/>
+              <a:t>Gros log en </a:t>
+            </a:r>
+            <a:r>
+              <a:rPr lang="fr-CA" dirty="0" err="1" smtClean="0"/>
+              <a:t>debug</a:t>
+            </a:r>
+            <a:endParaRPr lang="fr-CA" dirty="0" smtClean="0"/>
+          </a:p>
+          <a:p>
+            <a:endParaRPr lang="fr-CA" dirty="0" smtClean="0"/>
+          </a:p>
+          <a:p>
+            <a:r>
+              <a:rPr lang="fr-CA" dirty="0" smtClean="0"/>
+              <a:t>Calcul de la vitesse disque, optimisation</a:t>
+            </a:r>
+          </a:p>
+          <a:p>
+            <a:endParaRPr lang="en-US" dirty="0" smtClean="0"/>
+          </a:p>
+          <a:p>
             <a:endParaRPr lang="en-US" dirty="0"/>
           </a:p>
         </p:txBody>
@@ -16602,7 +17717,7 @@
               <a:pPr>
                 <a:defRPr/>
               </a:pPr>
-              <a:t>50</a:t>
+              <a:t>55</a:t>
             </a:fld>
             <a:endParaRPr lang="fr-FR"/>
           </a:p>
@@ -16611,7 +17726,7 @@
     </p:spTree>
     <p:extLst>
       <p:ext uri="{BB962C8B-B14F-4D97-AF65-F5344CB8AC3E}">
-        <p14:creationId xmlns:p14="http://schemas.microsoft.com/office/powerpoint/2010/main" val="3675397761"/>
+        <p14:creationId xmlns:p14="http://schemas.microsoft.com/office/powerpoint/2010/main" val="3592164018"/>
       </p:ext>
     </p:extLst>
   </p:cSld>
@@ -16692,7 +17807,7 @@
               <a:pPr>
                 <a:defRPr/>
               </a:pPr>
-              <a:t>6</a:t>
+              <a:t>12</a:t>
             </a:fld>
             <a:endParaRPr lang="fr-FR"/>
           </a:p>
@@ -16756,6 +17871,108 @@
           <a:lstStyle/>
           <a:p>
             <a:r>
+              <a:rPr lang="en-US" dirty="0" err="1" smtClean="0"/>
+              <a:t>Mettre</a:t>
+            </a:r>
+            <a:r>
+              <a:rPr lang="en-US" baseline="0" dirty="0" smtClean="0"/>
+              <a:t> les </a:t>
+            </a:r>
+            <a:r>
+              <a:rPr lang="en-US" baseline="0" dirty="0" err="1" smtClean="0"/>
+              <a:t>améliorations</a:t>
+            </a:r>
+            <a:endParaRPr lang="en-US" dirty="0"/>
+          </a:p>
+        </p:txBody>
+      </p:sp>
+      <p:sp>
+        <p:nvSpPr>
+          <p:cNvPr id="4" name="Slide Number Placeholder 3"/>
+          <p:cNvSpPr>
+            <a:spLocks noGrp="1"/>
+          </p:cNvSpPr>
+          <p:nvPr>
+            <p:ph type="sldNum" sz="quarter" idx="10"/>
+          </p:nvPr>
+        </p:nvSpPr>
+        <p:spPr/>
+        <p:txBody>
+          <a:bodyPr/>
+          <a:lstStyle/>
+          <a:p>
+            <a:pPr>
+              <a:defRPr/>
+            </a:pPr>
+            <a:fld id="{68CC13ED-B5D7-254A-B8C5-6B7F27BAA1B2}" type="slidenum">
+              <a:rPr lang="fr-FR" smtClean="0"/>
+              <a:pPr>
+                <a:defRPr/>
+              </a:pPr>
+              <a:t>57</a:t>
+            </a:fld>
+            <a:endParaRPr lang="fr-FR"/>
+          </a:p>
+        </p:txBody>
+      </p:sp>
+    </p:spTree>
+    <p:extLst>
+      <p:ext uri="{BB962C8B-B14F-4D97-AF65-F5344CB8AC3E}">
+        <p14:creationId xmlns:p14="http://schemas.microsoft.com/office/powerpoint/2010/main" val="3675397761"/>
+      </p:ext>
+    </p:extLst>
+  </p:cSld>
+  <p:clrMapOvr>
+    <a:masterClrMapping/>
+  </p:clrMapOvr>
+</p:notes>
+</file>
+
+<file path=ppt/notesSlides/notesSlide31.xml><?xml version="1.0" encoding="utf-8"?>
+<p:notes xmlns:a="http://schemas.openxmlformats.org/drawingml/2006/main" xmlns:r="http://schemas.openxmlformats.org/officeDocument/2006/relationships" xmlns:p="http://schemas.openxmlformats.org/presentationml/2006/main">
+  <p:cSld>
+    <p:spTree>
+      <p:nvGrpSpPr>
+        <p:cNvPr id="1" name=""/>
+        <p:cNvGrpSpPr/>
+        <p:nvPr/>
+      </p:nvGrpSpPr>
+      <p:grpSpPr>
+        <a:xfrm>
+          <a:off x="0" y="0"/>
+          <a:ext cx="0" cy="0"/>
+          <a:chOff x="0" y="0"/>
+          <a:chExt cx="0" cy="0"/>
+        </a:xfrm>
+      </p:grpSpPr>
+      <p:sp>
+        <p:nvSpPr>
+          <p:cNvPr id="2" name="Slide Image Placeholder 1"/>
+          <p:cNvSpPr>
+            <a:spLocks noGrp="1" noRot="1" noChangeAspect="1"/>
+          </p:cNvSpPr>
+          <p:nvPr>
+            <p:ph type="sldImg"/>
+          </p:nvPr>
+        </p:nvSpPr>
+        <p:spPr/>
+      </p:sp>
+      <p:sp>
+        <p:nvSpPr>
+          <p:cNvPr id="3" name="Notes Placeholder 2"/>
+          <p:cNvSpPr>
+            <a:spLocks noGrp="1"/>
+          </p:cNvSpPr>
+          <p:nvPr>
+            <p:ph type="body" idx="1"/>
+          </p:nvPr>
+        </p:nvSpPr>
+        <p:spPr/>
+        <p:txBody>
+          <a:bodyPr/>
+          <a:lstStyle/>
+          <a:p>
+            <a:r>
               <a:rPr lang="fr-CA" dirty="0" smtClean="0"/>
               <a:t>Évidemment, on</a:t>
             </a:r>
@@ -16784,7 +18001,7 @@
             <a:fld id="{8A496BEC-0B9D-4342-8B4A-733FD4CFA797}" type="slidenum">
               <a:rPr lang="fr-FR" smtClean="0"/>
               <a:pPr/>
-              <a:t>52</a:t>
+              <a:t>59</a:t>
             </a:fld>
             <a:endParaRPr lang="fr-FR"/>
           </a:p>
@@ -16874,7 +18091,7 @@
               <a:pPr>
                 <a:defRPr/>
               </a:pPr>
-              <a:t>7</a:t>
+              <a:t>13</a:t>
             </a:fld>
             <a:endParaRPr lang="fr-FR"/>
           </a:p>
@@ -16912,7 +18129,7 @@
       </p:grpSpPr>
       <p:sp>
         <p:nvSpPr>
-          <p:cNvPr id="2" name="Espace réservé de l'image des diapositives 1"/>
+          <p:cNvPr id="2" name="Slide Image Placeholder 1"/>
           <p:cNvSpPr>
             <a:spLocks noGrp="1" noRot="1" noChangeAspect="1"/>
           </p:cNvSpPr>
@@ -16924,7 +18141,7 @@
       </p:sp>
       <p:sp>
         <p:nvSpPr>
-          <p:cNvPr id="3" name="Espace réservé des commentaires 2"/>
+          <p:cNvPr id="3" name="Notes Placeholder 2"/>
           <p:cNvSpPr>
             <a:spLocks noGrp="1"/>
           </p:cNvSpPr>
@@ -16934,74 +18151,16 @@
         </p:nvSpPr>
         <p:spPr/>
         <p:txBody>
-          <a:bodyPr>
-            <a:normAutofit/>
-          </a:bodyPr>
+          <a:bodyPr/>
           <a:lstStyle/>
           <a:p>
-            <a:pPr lvl="1"/>
-            <a:r>
-              <a:rPr lang="fr-FR" dirty="0" smtClean="0"/>
-              <a:t>Tout utilisateur de système informatique s’attend à recevoir un système</a:t>
-            </a:r>
-          </a:p>
-          <a:p>
-            <a:pPr lvl="2"/>
-            <a:r>
-              <a:rPr lang="fr-FR" dirty="0" smtClean="0"/>
-              <a:t>Qui répond de façon stable quelque soit sa charge</a:t>
-            </a:r>
-          </a:p>
-          <a:p>
-            <a:pPr lvl="2"/>
-            <a:r>
-              <a:rPr lang="fr-FR" dirty="0" smtClean="0"/>
-              <a:t>Qui répondre en un temps cohérent par rapport à l’action qu’il réalise</a:t>
-            </a:r>
-          </a:p>
-          <a:p>
-            <a:pPr lvl="1"/>
-            <a:r>
-              <a:rPr lang="fr-FR" dirty="0" smtClean="0"/>
-              <a:t>Bref un système performant</a:t>
-            </a:r>
-          </a:p>
-          <a:p>
-            <a:pPr lvl="1"/>
-            <a:endParaRPr lang="fr-FR" dirty="0" smtClean="0"/>
-          </a:p>
-          <a:p>
-            <a:pPr marL="457200" marR="0" lvl="1" indent="0" algn="l" defTabSz="914400" rtl="0" eaLnBrk="1" fontAlgn="auto" latinLnBrk="0" hangingPunct="1">
-              <a:lnSpc>
-                <a:spcPct val="100000"/>
-              </a:lnSpc>
-              <a:spcBef>
-                <a:spcPts val="0"/>
-              </a:spcBef>
-              <a:spcAft>
-                <a:spcPts val="0"/>
-              </a:spcAft>
-              <a:buClrTx/>
-              <a:buSzTx/>
-              <a:buFontTx/>
-              <a:buNone/>
-              <a:tabLst/>
-              <a:defRPr/>
-            </a:pPr>
-            <a:r>
-              <a:rPr lang="fr-FR" sz="1200" dirty="0" smtClean="0"/>
-              <a:t>Les performances d’un système sont une spécification fonctionnelle implicite du système</a:t>
-            </a:r>
-          </a:p>
-          <a:p>
-            <a:pPr lvl="1"/>
             <a:endParaRPr lang="fr-FR" dirty="0"/>
           </a:p>
         </p:txBody>
       </p:sp>
       <p:sp>
         <p:nvSpPr>
-          <p:cNvPr id="4" name="Espace réservé du numéro de diapositive 3"/>
+          <p:cNvPr id="4" name="Slide Number Placeholder 3"/>
           <p:cNvSpPr>
             <a:spLocks noGrp="1"/>
           </p:cNvSpPr>
@@ -17014,10 +18173,15 @@
           <a:bodyPr/>
           <a:lstStyle/>
           <a:p>
-            <a:fld id="{BFEBECEB-CCF1-413B-AAA5-7969BDFE1205}" type="slidenum">
+            <a:pPr>
+              <a:defRPr/>
+            </a:pPr>
+            <a:fld id="{68CC13ED-B5D7-254A-B8C5-6B7F27BAA1B2}" type="slidenum">
               <a:rPr lang="fr-FR" smtClean="0"/>
-              <a:pPr/>
-              <a:t>8</a:t>
+              <a:pPr>
+                <a:defRPr/>
+              </a:pPr>
+              <a:t>14</a:t>
             </a:fld>
             <a:endParaRPr lang="fr-FR"/>
           </a:p>
@@ -17026,7 +18190,7 @@
     </p:spTree>
     <p:extLst>
       <p:ext uri="{BB962C8B-B14F-4D97-AF65-F5344CB8AC3E}">
-        <p14:creationId xmlns:p14="http://schemas.microsoft.com/office/powerpoint/2010/main" val="2857461259"/>
+        <p14:creationId xmlns:p14="http://schemas.microsoft.com/office/powerpoint/2010/main" val="1335659448"/>
       </p:ext>
     </p:extLst>
   </p:cSld>
@@ -17085,17 +18249,59 @@
             <a:pPr lvl="1"/>
             <a:r>
               <a:rPr lang="fr-FR" dirty="0" smtClean="0"/>
-              <a:t>Tout développeur ayant mis en production sait apprécier l’effort que cela requiert</a:t>
+              <a:t>Tout utilisateur de système informatique s’attend à recevoir un système</a:t>
+            </a:r>
+          </a:p>
+          <a:p>
+            <a:pPr lvl="2"/>
+            <a:r>
+              <a:rPr lang="fr-FR" dirty="0" smtClean="0"/>
+              <a:t>Qui répond de façon stable quelque soit sa charge</a:t>
+            </a:r>
+          </a:p>
+          <a:p>
+            <a:pPr lvl="2"/>
+            <a:r>
+              <a:rPr lang="fr-FR" dirty="0" smtClean="0"/>
+              <a:t>Qui répondre en un temps cohérent par rapport à l’action qu’il réalise</a:t>
             </a:r>
           </a:p>
           <a:p>
             <a:pPr lvl="1"/>
             <a:r>
               <a:rPr lang="fr-FR" dirty="0" smtClean="0"/>
-              <a:t>Les plus expérimentés savent que le problème est rarement là où on le pensait même avec un flair aiguisé</a:t>
+              <a:t>Bref un système performant</a:t>
             </a:r>
           </a:p>
           <a:p>
+            <a:pPr lvl="1"/>
+            <a:endParaRPr lang="fr-FR" dirty="0" smtClean="0"/>
+          </a:p>
+          <a:p>
+            <a:pPr marL="457200" marR="0" lvl="1" indent="0" algn="l" defTabSz="914400" rtl="0" eaLnBrk="1" fontAlgn="auto" latinLnBrk="0" hangingPunct="1">
+              <a:lnSpc>
+                <a:spcPct val="100000"/>
+              </a:lnSpc>
+              <a:spcBef>
+                <a:spcPts val="0"/>
+              </a:spcBef>
+              <a:spcAft>
+                <a:spcPts val="0"/>
+              </a:spcAft>
+              <a:buClrTx/>
+              <a:buSzTx/>
+              <a:buFontTx/>
+              <a:buNone/>
+              <a:tabLst/>
+              <a:defRPr/>
+            </a:pPr>
+            <a:r>
+              <a:rPr lang="fr-FR" sz="1200" dirty="0" smtClean="0"/>
+              <a:t>Les performances d’un système sont une spécification fonctionnelle implicite du système</a:t>
+            </a:r>
+          </a:p>
+          <a:p>
+            <a:pPr lvl="1"/>
             <a:endParaRPr lang="fr-FR" dirty="0"/>
           </a:p>
         </p:txBody>
@@ -17118,7 +18324,7 @@
             <a:fld id="{BFEBECEB-CCF1-413B-AAA5-7969BDFE1205}" type="slidenum">
               <a:rPr lang="fr-FR" smtClean="0"/>
               <a:pPr/>
-              <a:t>9</a:t>
+              <a:t>15</a:t>
             </a:fld>
             <a:endParaRPr lang="fr-FR"/>
           </a:p>
@@ -17127,7 +18333,7 @@
     </p:spTree>
     <p:extLst>
       <p:ext uri="{BB962C8B-B14F-4D97-AF65-F5344CB8AC3E}">
-        <p14:creationId xmlns:p14="http://schemas.microsoft.com/office/powerpoint/2010/main" val="1678841666"/>
+        <p14:creationId xmlns:p14="http://schemas.microsoft.com/office/powerpoint/2010/main" val="2857461259"/>
       </p:ext>
     </p:extLst>
   </p:cSld>
@@ -17183,13 +18389,17 @@
           </a:bodyPr>
           <a:lstStyle/>
           <a:p>
-            <a:r>
-              <a:rPr lang="fr-FR" dirty="0" err="1" smtClean="0"/>
-              <a:t>Slide</a:t>
-            </a:r>
+            <a:pPr lvl="1"/>
             <a:r>
               <a:rPr lang="fr-FR" dirty="0" smtClean="0"/>
-              <a:t> 14 : C'est juste un rappel, passer assez vite</a:t>
+              <a:t>Tout développeur ayant mis en production sait apprécier l’effort que cela requiert</a:t>
+            </a:r>
+          </a:p>
+          <a:p>
+            <a:pPr lvl="1"/>
+            <a:r>
+              <a:rPr lang="fr-FR" dirty="0" smtClean="0"/>
+              <a:t>Les plus expérimentés savent que le problème est rarement là où on le pensait même avec un flair aiguisé</a:t>
             </a:r>
           </a:p>
           <a:p>
@@ -17215,7 +18425,7 @@
             <a:fld id="{BFEBECEB-CCF1-413B-AAA5-7969BDFE1205}" type="slidenum">
               <a:rPr lang="fr-FR" smtClean="0"/>
               <a:pPr/>
-              <a:t>11</a:t>
+              <a:t>16</a:t>
             </a:fld>
             <a:endParaRPr lang="fr-FR"/>
           </a:p>
@@ -17224,7 +18434,7 @@
     </p:spTree>
     <p:extLst>
       <p:ext uri="{BB962C8B-B14F-4D97-AF65-F5344CB8AC3E}">
-        <p14:creationId xmlns:p14="http://schemas.microsoft.com/office/powerpoint/2010/main" val="1405831740"/>
+        <p14:creationId xmlns:p14="http://schemas.microsoft.com/office/powerpoint/2010/main" val="1678841666"/>
       </p:ext>
     </p:extLst>
   </p:cSld>
@@ -17286,14 +18496,10 @@
             </a:r>
             <a:r>
               <a:rPr lang="fr-FR" dirty="0" smtClean="0"/>
-              <a:t> 17 : Insister, mesurer où est le problème et pas à l'instinct j'essaie d'optimiser.</a:t>
+              <a:t> 14 : C'est juste un rappel, passer assez vite</a:t>
             </a:r>
           </a:p>
           <a:p>
-            <a:r>
-              <a:rPr lang="fr-FR" dirty="0" smtClean="0"/>
-              <a:t>Plus les marteler.</a:t>
-            </a:r>
             <a:endParaRPr lang="fr-FR" dirty="0"/>
           </a:p>
         </p:txBody>
@@ -17316,7 +18522,7 @@
             <a:fld id="{BFEBECEB-CCF1-413B-AAA5-7969BDFE1205}" type="slidenum">
               <a:rPr lang="fr-FR" smtClean="0"/>
               <a:pPr/>
-              <a:t>12</a:t>
+              <a:t>18</a:t>
             </a:fld>
             <a:endParaRPr lang="fr-FR"/>
           </a:p>
@@ -17325,7 +18531,7 @@
     </p:spTree>
     <p:extLst>
       <p:ext uri="{BB962C8B-B14F-4D97-AF65-F5344CB8AC3E}">
-        <p14:creationId xmlns:p14="http://schemas.microsoft.com/office/powerpoint/2010/main" val="620633064"/>
+        <p14:creationId xmlns:p14="http://schemas.microsoft.com/office/powerpoint/2010/main" val="1405831740"/>
       </p:ext>
     </p:extLst>
   </p:cSld>
@@ -17377,13 +18583,17 @@
         <p:spPr/>
         <p:txBody>
           <a:bodyPr>
-            <a:normAutofit fontScale="70000" lnSpcReduction="20000"/>
+            <a:normAutofit/>
           </a:bodyPr>
           <a:lstStyle/>
           <a:p>
             <a:r>
+              <a:rPr lang="fr-FR" dirty="0" err="1" smtClean="0"/>
+              <a:t>Slide</a:t>
+            </a:r>
+            <a:r>
               <a:rPr lang="fr-FR" dirty="0" smtClean="0"/>
-              <a:t>Slide 17 : Insister, mesurer où est le problème et pas à l'instinct j'essaie d'optimiser.</a:t>
+              <a:t> 17 : Insister, mesurer où est le problème et pas à l'instinct j'essaie d'optimiser.</a:t>
             </a:r>
           </a:p>
           <a:p>
@@ -17391,406 +18601,6 @@
               <a:rPr lang="fr-FR" dirty="0" smtClean="0"/>
               <a:t>Plus les marteler.</a:t>
             </a:r>
-          </a:p>
-          <a:p>
-            <a:endParaRPr lang="fr-FR" dirty="0" smtClean="0"/>
-          </a:p>
-          <a:p>
-            <a:r>
-              <a:rPr lang="fr-FR" dirty="0" smtClean="0"/>
-              <a:t>Mesurer les I/O : Si le CPU système est supérieur à 10% =&gt; Je fais des I/O.</a:t>
-            </a:r>
-          </a:p>
-          <a:p>
-            <a:endParaRPr lang="fr-FR" dirty="0" smtClean="0"/>
-          </a:p>
-          <a:p>
-            <a:r>
-              <a:rPr lang="fr-FR" dirty="0" err="1" smtClean="0"/>
-              <a:t>Gatling</a:t>
-            </a:r>
-            <a:r>
-              <a:rPr lang="fr-FR" baseline="0" dirty="0" smtClean="0"/>
-              <a:t> : parce qu’il est open source et qu’il fait de beaux rapports</a:t>
-            </a:r>
-            <a:endParaRPr lang="fr-FR" dirty="0" smtClean="0"/>
-          </a:p>
-          <a:p>
-            <a:endParaRPr lang="fr-FR" dirty="0" smtClean="0"/>
-          </a:p>
-          <a:p>
-            <a:r>
-              <a:rPr lang="fr-FR" dirty="0" smtClean="0"/>
-              <a:t>====</a:t>
-            </a:r>
-          </a:p>
-          <a:p>
-            <a:endParaRPr lang="fr-FR" dirty="0" smtClean="0"/>
-          </a:p>
-          <a:p>
-            <a:r>
-              <a:rPr lang="fr-FR" dirty="0" smtClean="0"/>
-              <a:t>Pour la génération de données</a:t>
-            </a:r>
-          </a:p>
-          <a:p>
-            <a:pPr lvl="1"/>
-            <a:r>
-              <a:rPr lang="fr-FR" dirty="0" smtClean="0"/>
-              <a:t>Anonymisation et script de migration depuis la production</a:t>
-            </a:r>
-          </a:p>
-          <a:p>
-            <a:pPr lvl="1"/>
-            <a:r>
-              <a:rPr lang="fr-FR" dirty="0" smtClean="0"/>
-              <a:t>Génération de jeux de données (</a:t>
-            </a:r>
-            <a:r>
-              <a:rPr lang="fr-FR" dirty="0" err="1" smtClean="0"/>
-              <a:t>benerator</a:t>
-            </a:r>
-            <a:r>
-              <a:rPr lang="fr-FR" dirty="0" smtClean="0"/>
-              <a:t>, </a:t>
-            </a:r>
-            <a:r>
-              <a:rPr lang="fr-FR" dirty="0" err="1" smtClean="0"/>
-              <a:t>etC.</a:t>
-            </a:r>
-            <a:r>
-              <a:rPr lang="fr-FR" dirty="0" smtClean="0"/>
-              <a:t>)</a:t>
-            </a:r>
-          </a:p>
-          <a:p>
-            <a:endParaRPr lang="fr-FR" dirty="0" smtClean="0"/>
-          </a:p>
-          <a:p>
-            <a:r>
-              <a:rPr lang="fr-FR" dirty="0" smtClean="0"/>
-              <a:t>Pour la mise en charge</a:t>
-            </a:r>
-          </a:p>
-          <a:p>
-            <a:pPr lvl="1"/>
-            <a:r>
-              <a:rPr lang="fr-FR" dirty="0" err="1" smtClean="0"/>
-              <a:t>LoadRunner</a:t>
-            </a:r>
-            <a:r>
-              <a:rPr lang="fr-FR" dirty="0" smtClean="0"/>
-              <a:t>, </a:t>
-            </a:r>
-            <a:r>
-              <a:rPr lang="fr-FR" dirty="0" err="1" smtClean="0"/>
-              <a:t>JMeter</a:t>
-            </a:r>
-            <a:r>
-              <a:rPr lang="fr-FR" dirty="0" smtClean="0"/>
-              <a:t>, </a:t>
-            </a:r>
-            <a:r>
-              <a:rPr lang="fr-FR" dirty="0" err="1" smtClean="0"/>
-              <a:t>Gatling</a:t>
-            </a:r>
-            <a:endParaRPr lang="fr-FR" dirty="0" smtClean="0"/>
-          </a:p>
-          <a:p>
-            <a:pPr lvl="1"/>
-            <a:r>
-              <a:rPr lang="fr-FR" dirty="0" smtClean="0"/>
-              <a:t>Visual Studio</a:t>
-            </a:r>
-          </a:p>
-          <a:p>
-            <a:endParaRPr lang="fr-FR" dirty="0" smtClean="0"/>
-          </a:p>
-          <a:p>
-            <a:r>
-              <a:rPr lang="fr-FR" dirty="0" smtClean="0"/>
-              <a:t>Pour la prise de mesure</a:t>
-            </a:r>
-          </a:p>
-          <a:p>
-            <a:pPr lvl="1"/>
-            <a:r>
-              <a:rPr lang="fr-FR" dirty="0" err="1" smtClean="0"/>
-              <a:t>Perfmon</a:t>
-            </a:r>
-            <a:r>
-              <a:rPr lang="fr-FR" dirty="0" smtClean="0"/>
-              <a:t> (Windows)</a:t>
-            </a:r>
-          </a:p>
-          <a:p>
-            <a:pPr lvl="1"/>
-            <a:r>
-              <a:rPr lang="fr-FR" dirty="0" err="1" smtClean="0"/>
-              <a:t>Nmon</a:t>
-            </a:r>
-            <a:r>
-              <a:rPr lang="fr-FR" dirty="0" smtClean="0"/>
-              <a:t> (Linux)</a:t>
-            </a:r>
-          </a:p>
-          <a:p>
-            <a:pPr lvl="1"/>
-            <a:endParaRPr lang="fr-FR" dirty="0" smtClean="0"/>
-          </a:p>
-          <a:p>
-            <a:pPr marL="342900" marR="0" lvl="0" indent="-342900" algn="l" defTabSz="914400" rtl="0" eaLnBrk="1" fontAlgn="base" latinLnBrk="0" hangingPunct="1">
-              <a:lnSpc>
-                <a:spcPct val="100000"/>
-              </a:lnSpc>
-              <a:spcBef>
-                <a:spcPct val="20000"/>
-              </a:spcBef>
-              <a:spcAft>
-                <a:spcPct val="0"/>
-              </a:spcAft>
-              <a:buClr>
-                <a:srgbClr val="002D60"/>
-              </a:buClr>
-              <a:buSzPct val="100000"/>
-              <a:buFontTx/>
-              <a:buBlip>
-                <a:blip r:embed="rId3"/>
-              </a:buBlip>
-              <a:tabLst/>
-              <a:defRPr/>
-            </a:pPr>
-            <a:r>
-              <a:rPr kumimoji="0" lang="fr-FR" sz="1600" b="0" i="0" u="none" strike="noStrike" kern="0" cap="none" spc="0" normalizeH="0" baseline="0" noProof="0" dirty="0" smtClean="0">
-                <a:ln>
-                  <a:noFill/>
-                </a:ln>
-                <a:solidFill>
-                  <a:srgbClr val="4C4C4C"/>
-                </a:solidFill>
-                <a:effectLst/>
-                <a:uLnTx/>
-                <a:uFillTx/>
-                <a:latin typeface="+mn-lt"/>
-                <a:ea typeface="ＭＳ Ｐゴシック" pitchFamily="-104" charset="-128"/>
-                <a:cs typeface="ＭＳ Ｐゴシック" pitchFamily="-104" charset="-128"/>
-              </a:rPr>
-              <a:t>Noter</a:t>
-            </a:r>
-            <a:r>
-              <a:rPr kumimoji="0" lang="fr-FR" sz="1600" b="0" i="0" u="none" strike="noStrike" kern="0" cap="none" spc="0" normalizeH="0" noProof="0" dirty="0" smtClean="0">
-                <a:ln>
-                  <a:noFill/>
-                </a:ln>
-                <a:solidFill>
-                  <a:srgbClr val="4C4C4C"/>
-                </a:solidFill>
-                <a:effectLst/>
-                <a:uLnTx/>
-                <a:uFillTx/>
-                <a:latin typeface="+mn-lt"/>
-                <a:ea typeface="ＭＳ Ｐゴシック" pitchFamily="-104" charset="-128"/>
-                <a:cs typeface="ＭＳ Ｐゴシック" pitchFamily="-104" charset="-128"/>
-              </a:rPr>
-              <a:t> les enjeux correspondants</a:t>
-            </a:r>
-          </a:p>
-          <a:p>
-            <a:pPr marL="342900" marR="0" lvl="0" indent="-342900" algn="l" defTabSz="914400" rtl="0" eaLnBrk="1" fontAlgn="base" latinLnBrk="0" hangingPunct="1">
-              <a:lnSpc>
-                <a:spcPct val="100000"/>
-              </a:lnSpc>
-              <a:spcBef>
-                <a:spcPct val="20000"/>
-              </a:spcBef>
-              <a:spcAft>
-                <a:spcPct val="0"/>
-              </a:spcAft>
-              <a:buClr>
-                <a:srgbClr val="002D60"/>
-              </a:buClr>
-              <a:buSzPct val="100000"/>
-              <a:buFontTx/>
-              <a:buBlip>
-                <a:blip r:embed="rId3"/>
-              </a:buBlip>
-              <a:tabLst/>
-              <a:defRPr/>
-            </a:pPr>
-            <a:endParaRPr lang="fr-FR" sz="1600" kern="0" baseline="0" dirty="0" smtClean="0">
-              <a:solidFill>
-                <a:srgbClr val="4C4C4C"/>
-              </a:solidFill>
-              <a:ea typeface="ＭＳ Ｐゴシック" pitchFamily="-104" charset="-128"/>
-            </a:endParaRPr>
-          </a:p>
-          <a:p>
-            <a:pPr marL="342900" marR="0" lvl="0" indent="-342900" algn="l" defTabSz="914400" rtl="0" eaLnBrk="1" fontAlgn="base" latinLnBrk="0" hangingPunct="1">
-              <a:lnSpc>
-                <a:spcPct val="100000"/>
-              </a:lnSpc>
-              <a:spcBef>
-                <a:spcPct val="20000"/>
-              </a:spcBef>
-              <a:spcAft>
-                <a:spcPct val="0"/>
-              </a:spcAft>
-              <a:buClr>
-                <a:srgbClr val="002D60"/>
-              </a:buClr>
-              <a:buSzPct val="100000"/>
-              <a:buFontTx/>
-              <a:buBlip>
-                <a:blip r:embed="rId3"/>
-              </a:buBlip>
-              <a:tabLst/>
-              <a:defRPr/>
-            </a:pPr>
-            <a:r>
-              <a:rPr kumimoji="0" lang="fr-FR" sz="1600" b="0" i="0" u="none" strike="noStrike" kern="0" cap="none" spc="0" normalizeH="0" noProof="0" dirty="0" smtClean="0">
-                <a:ln>
-                  <a:noFill/>
-                </a:ln>
-                <a:solidFill>
-                  <a:srgbClr val="4C4C4C"/>
-                </a:solidFill>
-                <a:effectLst/>
-                <a:uLnTx/>
-                <a:uFillTx/>
-                <a:latin typeface="+mn-lt"/>
-                <a:ea typeface="ＭＳ Ｐゴシック" pitchFamily="-104" charset="-128"/>
-              </a:rPr>
-              <a:t>Noter les problématiques liées au grand nombre de machines</a:t>
-            </a:r>
-          </a:p>
-          <a:p>
-            <a:pPr marL="800100" lvl="1" indent="-342900" fontAlgn="base">
-              <a:spcBef>
-                <a:spcPct val="20000"/>
-              </a:spcBef>
-              <a:spcAft>
-                <a:spcPct val="0"/>
-              </a:spcAft>
-              <a:buClr>
-                <a:srgbClr val="002D60"/>
-              </a:buClr>
-              <a:buSzPct val="100000"/>
-              <a:buFontTx/>
-              <a:buBlip>
-                <a:blip r:embed="rId3"/>
-              </a:buBlip>
-            </a:pPr>
-            <a:r>
-              <a:rPr lang="fr-FR" sz="1600" kern="0" dirty="0" smtClean="0">
-                <a:solidFill>
-                  <a:srgbClr val="4C4C4C"/>
-                </a:solidFill>
-                <a:ea typeface="ＭＳ Ｐゴシック" pitchFamily="-104" charset="-128"/>
-              </a:rPr>
-              <a:t>Rechercher les outils de BPA</a:t>
-            </a:r>
-          </a:p>
-          <a:p>
-            <a:pPr marL="800100" lvl="1" indent="-342900" fontAlgn="base">
-              <a:spcBef>
-                <a:spcPct val="20000"/>
-              </a:spcBef>
-              <a:spcAft>
-                <a:spcPct val="0"/>
-              </a:spcAft>
-              <a:buClr>
-                <a:srgbClr val="002D60"/>
-              </a:buClr>
-              <a:buSzPct val="100000"/>
-              <a:buFontTx/>
-              <a:buBlip>
-                <a:blip r:embed="rId3"/>
-              </a:buBlip>
-            </a:pPr>
-            <a:endParaRPr lang="fr-FR" sz="1600" kern="0" dirty="0" smtClean="0">
-              <a:solidFill>
-                <a:srgbClr val="4C4C4C"/>
-              </a:solidFill>
-              <a:ea typeface="ＭＳ Ｐゴシック" pitchFamily="-104" charset="-128"/>
-            </a:endParaRPr>
-          </a:p>
-          <a:p>
-            <a:pPr marL="342900" indent="-342900" fontAlgn="base">
-              <a:spcBef>
-                <a:spcPct val="20000"/>
-              </a:spcBef>
-              <a:spcAft>
-                <a:spcPct val="0"/>
-              </a:spcAft>
-              <a:buClr>
-                <a:srgbClr val="002D60"/>
-              </a:buClr>
-              <a:buSzPct val="100000"/>
-              <a:buFontTx/>
-              <a:buBlip>
-                <a:blip r:embed="rId3"/>
-              </a:buBlip>
-            </a:pPr>
-            <a:r>
-              <a:rPr lang="fr-FR" sz="1600" kern="0" dirty="0" smtClean="0">
-                <a:solidFill>
-                  <a:srgbClr val="4C4C4C"/>
-                </a:solidFill>
-                <a:ea typeface="ＭＳ Ｐゴシック" pitchFamily="-104" charset="-128"/>
-              </a:rPr>
-              <a:t>Idées : susciter les questions et l’envie de faire une autre </a:t>
-            </a:r>
-            <a:r>
-              <a:rPr lang="fr-FR" sz="1600" kern="0" dirty="0" err="1" smtClean="0">
-                <a:solidFill>
-                  <a:srgbClr val="4C4C4C"/>
-                </a:solidFill>
-                <a:ea typeface="ＭＳ Ｐゴシック" pitchFamily="-104" charset="-128"/>
-              </a:rPr>
-              <a:t>prez</a:t>
-            </a:r>
-            <a:endParaRPr lang="fr-FR" sz="1600" kern="0" dirty="0" smtClean="0">
-              <a:solidFill>
-                <a:srgbClr val="4C4C4C"/>
-              </a:solidFill>
-              <a:ea typeface="ＭＳ Ｐゴシック" pitchFamily="-104" charset="-128"/>
-            </a:endParaRPr>
-          </a:p>
-          <a:p>
-            <a:pPr marL="800100" lvl="1" indent="-342900" fontAlgn="base">
-              <a:spcBef>
-                <a:spcPct val="20000"/>
-              </a:spcBef>
-              <a:spcAft>
-                <a:spcPct val="0"/>
-              </a:spcAft>
-              <a:buClr>
-                <a:srgbClr val="002D60"/>
-              </a:buClr>
-              <a:buSzPct val="100000"/>
-              <a:buFontTx/>
-              <a:buBlip>
-                <a:blip r:embed="rId3"/>
-              </a:buBlip>
-            </a:pPr>
-            <a:endParaRPr kumimoji="0" lang="fr-FR" sz="1600" b="0" i="0" u="none" strike="noStrike" kern="0" cap="none" spc="0" normalizeH="0" noProof="0" dirty="0" smtClean="0">
-              <a:ln>
-                <a:noFill/>
-              </a:ln>
-              <a:solidFill>
-                <a:srgbClr val="4C4C4C"/>
-              </a:solidFill>
-              <a:effectLst/>
-              <a:uLnTx/>
-              <a:uFillTx/>
-              <a:latin typeface="+mn-lt"/>
-              <a:ea typeface="ＭＳ Ｐゴシック" pitchFamily="-104" charset="-128"/>
-            </a:endParaRPr>
-          </a:p>
-          <a:p>
-            <a:endParaRPr lang="fr-FR" dirty="0" smtClean="0"/>
-          </a:p>
-          <a:p>
             <a:endParaRPr lang="fr-FR" dirty="0"/>
           </a:p>
         </p:txBody>
@@ -17810,15 +18620,10 @@
           <a:bodyPr/>
           <a:lstStyle/>
           <a:p>
-            <a:pPr>
-              <a:defRPr/>
-            </a:pPr>
-            <a:fld id="{68CC13ED-B5D7-254A-B8C5-6B7F27BAA1B2}" type="slidenum">
+            <a:fld id="{BFEBECEB-CCF1-413B-AAA5-7969BDFE1205}" type="slidenum">
               <a:rPr lang="fr-FR" smtClean="0"/>
-              <a:pPr>
-                <a:defRPr/>
-              </a:pPr>
-              <a:t>13</a:t>
+              <a:pPr/>
+              <a:t>19</a:t>
             </a:fld>
             <a:endParaRPr lang="fr-FR"/>
           </a:p>
@@ -17827,7 +18632,7 @@
     </p:spTree>
     <p:extLst>
       <p:ext uri="{BB962C8B-B14F-4D97-AF65-F5344CB8AC3E}">
-        <p14:creationId xmlns:p14="http://schemas.microsoft.com/office/powerpoint/2010/main" val="915939337"/>
+        <p14:creationId xmlns:p14="http://schemas.microsoft.com/office/powerpoint/2010/main" val="620633064"/>
       </p:ext>
     </p:extLst>
   </p:cSld>
@@ -19848,7 +20653,7 @@
               </a14:hiddenLine>
             </a:ext>
             <a:ext uri="{FAA26D3D-D897-4be2-8F04-BA451C77F1D7}">
-              <ma14:placeholderFlag xmlns:ma14="http://schemas.microsoft.com/office/mac/drawingml/2011/main" xmlns="" val="1"/>
+              <ma14:placeholderFlag xmlns="" xmlns:ma14="http://schemas.microsoft.com/office/mac/drawingml/2011/main" val="1"/>
             </a:ext>
           </a:extLst>
         </p:spPr>
@@ -19930,7 +20735,7 @@
               </a14:hiddenLine>
             </a:ext>
             <a:ext uri="{FAA26D3D-D897-4be2-8F04-BA451C77F1D7}">
-              <ma14:placeholderFlag xmlns:ma14="http://schemas.microsoft.com/office/mac/drawingml/2011/main" xmlns="" val="1"/>
+              <ma14:placeholderFlag xmlns="" xmlns:ma14="http://schemas.microsoft.com/office/mac/drawingml/2011/main" val="1"/>
             </a:ext>
           </a:extLst>
         </p:spPr>
@@ -20579,6 +21384,1460 @@
       </p:grpSpPr>
       <p:sp>
         <p:nvSpPr>
+          <p:cNvPr id="3" name="Titre 2"/>
+          <p:cNvSpPr>
+            <a:spLocks noGrp="1"/>
+          </p:cNvSpPr>
+          <p:nvPr>
+            <p:ph type="title"/>
+          </p:nvPr>
+        </p:nvSpPr>
+        <p:spPr>
+          <a:xfrm>
+            <a:off x="899592" y="2067694"/>
+            <a:ext cx="7344816" cy="400050"/>
+          </a:xfrm>
+        </p:spPr>
+        <p:txBody>
+          <a:bodyPr/>
+          <a:lstStyle/>
+          <a:p>
+            <a:pPr>
+              <a:defRPr/>
+            </a:pPr>
+            <a:r>
+              <a:rPr lang="fr-FR" sz="8000" dirty="0" smtClean="0"/>
+              <a:t>Présentation de l’équipe</a:t>
+            </a:r>
+            <a:endParaRPr lang="fr-FR" sz="8000" dirty="0"/>
+          </a:p>
+        </p:txBody>
+      </p:sp>
+    </p:spTree>
+    <p:extLst>
+      <p:ext uri="{BB962C8B-B14F-4D97-AF65-F5344CB8AC3E}">
+        <p14:creationId xmlns:p14="http://schemas.microsoft.com/office/powerpoint/2010/main" val="1615308073"/>
+      </p:ext>
+    </p:extLst>
+  </p:cSld>
+  <p:clrMapOvr>
+    <a:masterClrMapping/>
+  </p:clrMapOvr>
+  <p:timing>
+    <p:tnLst>
+      <p:par>
+        <p:cTn id="1" dur="indefinite" restart="never" nodeType="tmRoot"/>
+      </p:par>
+    </p:tnLst>
+  </p:timing>
+</p:sld>
+</file>
+
+<file path=ppt/slides/slide11.xml><?xml version="1.0" encoding="utf-8"?>
+<p:sld xmlns:a="http://schemas.openxmlformats.org/drawingml/2006/main" xmlns:r="http://schemas.openxmlformats.org/officeDocument/2006/relationships" xmlns:p="http://schemas.openxmlformats.org/presentationml/2006/main">
+  <p:cSld>
+    <p:spTree>
+      <p:nvGrpSpPr>
+        <p:cNvPr id="1" name=""/>
+        <p:cNvGrpSpPr/>
+        <p:nvPr/>
+      </p:nvGrpSpPr>
+      <p:grpSpPr>
+        <a:xfrm>
+          <a:off x="0" y="0"/>
+          <a:ext cx="0" cy="0"/>
+          <a:chOff x="0" y="0"/>
+          <a:chExt cx="0" cy="0"/>
+        </a:xfrm>
+      </p:grpSpPr>
+      <p:sp>
+        <p:nvSpPr>
+          <p:cNvPr id="2" name="Content Placeholder 1"/>
+          <p:cNvSpPr>
+            <a:spLocks noGrp="1"/>
+          </p:cNvSpPr>
+          <p:nvPr>
+            <p:ph idx="1"/>
+          </p:nvPr>
+        </p:nvSpPr>
+        <p:spPr>
+          <a:xfrm>
+            <a:off x="2843809" y="843558"/>
+            <a:ext cx="4032448" cy="3601641"/>
+          </a:xfrm>
+        </p:spPr>
+        <p:txBody>
+          <a:bodyPr/>
+          <a:lstStyle/>
+          <a:p>
+            <a:r>
+              <a:rPr lang="fr-FR" dirty="0" smtClean="0"/>
+              <a:t>Architecte Senior</a:t>
+            </a:r>
+          </a:p>
+          <a:p>
+            <a:r>
+              <a:rPr lang="fr-FR" dirty="0" smtClean="0"/>
+              <a:t>Responsable pôle performance</a:t>
+            </a:r>
+          </a:p>
+          <a:p>
+            <a:endParaRPr lang="fr-FR" dirty="0" smtClean="0"/>
+          </a:p>
+          <a:p>
+            <a:r>
+              <a:rPr lang="fr-FR" dirty="0" smtClean="0"/>
+              <a:t>Responsable R&amp;D</a:t>
+            </a:r>
+          </a:p>
+          <a:p>
+            <a:endParaRPr lang="fr-FR" dirty="0"/>
+          </a:p>
+          <a:p>
+            <a:r>
+              <a:rPr lang="fr-FR" dirty="0" smtClean="0"/>
+              <a:t>Membre fondateur du </a:t>
+            </a:r>
+            <a:r>
+              <a:rPr lang="fr-FR" dirty="0" err="1" smtClean="0"/>
+              <a:t>PerfUG</a:t>
+            </a:r>
+            <a:endParaRPr lang="fr-FR" dirty="0" smtClean="0"/>
+          </a:p>
+          <a:p>
+            <a:pPr marL="0" indent="0">
+              <a:buNone/>
+            </a:pPr>
+            <a:endParaRPr lang="fr-FR" dirty="0" smtClean="0"/>
+          </a:p>
+        </p:txBody>
+      </p:sp>
+      <p:pic>
+        <p:nvPicPr>
+          <p:cNvPr id="4" name="Picture 2" descr="C:\Users\Henri\Google Drive\TOOLBOX\Slideware tools\Pictos\Normal\Octos\OctoGraduate_Pos.png"/>
+          <p:cNvPicPr>
+            <a:picLocks noChangeAspect="1" noChangeArrowheads="1"/>
+          </p:cNvPicPr>
+          <p:nvPr/>
+        </p:nvPicPr>
+        <p:blipFill>
+          <a:blip r:embed="rId3">
+            <a:extLst>
+              <a:ext uri="{28A0092B-C50C-407E-A947-70E740481C1C}">
+                <a14:useLocalDpi xmlns:a14="http://schemas.microsoft.com/office/drawing/2010/main" val="0"/>
+              </a:ext>
+            </a:extLst>
+          </a:blip>
+          <a:srcRect/>
+          <a:stretch>
+            <a:fillRect/>
+          </a:stretch>
+        </p:blipFill>
+        <p:spPr bwMode="auto">
+          <a:xfrm>
+            <a:off x="251520" y="987574"/>
+            <a:ext cx="2520280" cy="3026647"/>
+          </a:xfrm>
+          <a:prstGeom prst="rect">
+            <a:avLst/>
+          </a:prstGeom>
+          <a:noFill/>
+          <a:extLst>
+            <a:ext uri="{909E8E84-426E-40DD-AFC4-6F175D3DCCD1}">
+              <a14:hiddenFill xmlns:a14="http://schemas.microsoft.com/office/drawing/2010/main">
+                <a:solidFill>
+                  <a:srgbClr val="FFFFFF"/>
+                </a:solidFill>
+              </a14:hiddenFill>
+            </a:ext>
+          </a:extLst>
+        </p:spPr>
+      </p:pic>
+      <p:pic>
+        <p:nvPicPr>
+          <p:cNvPr id="2054" name="Picture 6" descr="http://datajob2013.fr/assets/uploads/Logos/octo.png"/>
+          <p:cNvPicPr>
+            <a:picLocks noChangeAspect="1" noChangeArrowheads="1"/>
+          </p:cNvPicPr>
+          <p:nvPr/>
+        </p:nvPicPr>
+        <p:blipFill>
+          <a:blip r:embed="rId4">
+            <a:extLst>
+              <a:ext uri="{28A0092B-C50C-407E-A947-70E740481C1C}">
+                <a14:useLocalDpi xmlns:a14="http://schemas.microsoft.com/office/drawing/2010/main" val="0"/>
+              </a:ext>
+            </a:extLst>
+          </a:blip>
+          <a:srcRect/>
+          <a:stretch>
+            <a:fillRect/>
+          </a:stretch>
+        </p:blipFill>
+        <p:spPr bwMode="auto">
+          <a:xfrm>
+            <a:off x="6516216" y="627534"/>
+            <a:ext cx="2323753" cy="1210578"/>
+          </a:xfrm>
+          <a:prstGeom prst="rect">
+            <a:avLst/>
+          </a:prstGeom>
+          <a:noFill/>
+          <a:extLst>
+            <a:ext uri="{909E8E84-426E-40DD-AFC4-6F175D3DCCD1}">
+              <a14:hiddenFill xmlns:a14="http://schemas.microsoft.com/office/drawing/2010/main">
+                <a:solidFill>
+                  <a:srgbClr val="FFFFFF"/>
+                </a:solidFill>
+              </a14:hiddenFill>
+            </a:ext>
+          </a:extLst>
+        </p:spPr>
+      </p:pic>
+      <p:sp>
+        <p:nvSpPr>
+          <p:cNvPr id="5" name="Title 4"/>
+          <p:cNvSpPr>
+            <a:spLocks noGrp="1"/>
+          </p:cNvSpPr>
+          <p:nvPr>
+            <p:ph type="title"/>
+          </p:nvPr>
+        </p:nvSpPr>
+        <p:spPr/>
+        <p:txBody>
+          <a:bodyPr/>
+          <a:lstStyle/>
+          <a:p>
+            <a:pPr algn="l"/>
+            <a:r>
+              <a:rPr lang="fr-FR" b="1" dirty="0" smtClean="0"/>
+              <a:t>Marc </a:t>
+            </a:r>
+            <a:r>
+              <a:rPr lang="fr-FR" b="1" dirty="0" err="1" smtClean="0"/>
+              <a:t>Bojoly</a:t>
+            </a:r>
+            <a:endParaRPr lang="fr-FR" b="1" dirty="0"/>
+          </a:p>
+        </p:txBody>
+      </p:sp>
+      <p:pic>
+        <p:nvPicPr>
+          <p:cNvPr id="8" name="Picture 2" descr="http://perfug.github.io/assets/themes/perfug/skin/logo_perfug.png"/>
+          <p:cNvPicPr>
+            <a:picLocks noChangeAspect="1" noChangeArrowheads="1"/>
+          </p:cNvPicPr>
+          <p:nvPr/>
+        </p:nvPicPr>
+        <p:blipFill>
+          <a:blip r:embed="rId5">
+            <a:extLst>
+              <a:ext uri="{28A0092B-C50C-407E-A947-70E740481C1C}">
+                <a14:useLocalDpi xmlns:a14="http://schemas.microsoft.com/office/drawing/2010/main" val="0"/>
+              </a:ext>
+            </a:extLst>
+          </a:blip>
+          <a:srcRect/>
+          <a:stretch>
+            <a:fillRect/>
+          </a:stretch>
+        </p:blipFill>
+        <p:spPr bwMode="auto">
+          <a:xfrm>
+            <a:off x="6084168" y="1995686"/>
+            <a:ext cx="2601172" cy="1283433"/>
+          </a:xfrm>
+          <a:prstGeom prst="rect">
+            <a:avLst/>
+          </a:prstGeom>
+          <a:noFill/>
+          <a:extLst>
+            <a:ext uri="{909E8E84-426E-40DD-AFC4-6F175D3DCCD1}">
+              <a14:hiddenFill xmlns:a14="http://schemas.microsoft.com/office/drawing/2010/main">
+                <a:solidFill>
+                  <a:srgbClr val="FFFFFF"/>
+                </a:solidFill>
+              </a14:hiddenFill>
+            </a:ext>
+          </a:extLst>
+        </p:spPr>
+      </p:pic>
+    </p:spTree>
+    <p:extLst>
+      <p:ext uri="{BB962C8B-B14F-4D97-AF65-F5344CB8AC3E}">
+        <p14:creationId xmlns:p14="http://schemas.microsoft.com/office/powerpoint/2010/main" val="3096689219"/>
+      </p:ext>
+    </p:extLst>
+  </p:cSld>
+  <p:clrMapOvr>
+    <a:masterClrMapping/>
+  </p:clrMapOvr>
+  <p:timing>
+    <p:tnLst>
+      <p:par>
+        <p:cTn id="1" dur="indefinite" restart="never" nodeType="tmRoot"/>
+      </p:par>
+    </p:tnLst>
+  </p:timing>
+</p:sld>
+</file>
+
+<file path=ppt/slides/slide12.xml><?xml version="1.0" encoding="utf-8"?>
+<p:sld xmlns:a="http://schemas.openxmlformats.org/drawingml/2006/main" xmlns:r="http://schemas.openxmlformats.org/officeDocument/2006/relationships" xmlns:p="http://schemas.openxmlformats.org/presentationml/2006/main">
+  <p:cSld>
+    <p:spTree>
+      <p:nvGrpSpPr>
+        <p:cNvPr id="1" name=""/>
+        <p:cNvGrpSpPr/>
+        <p:nvPr/>
+      </p:nvGrpSpPr>
+      <p:grpSpPr>
+        <a:xfrm>
+          <a:off x="0" y="0"/>
+          <a:ext cx="0" cy="0"/>
+          <a:chOff x="0" y="0"/>
+          <a:chExt cx="0" cy="0"/>
+        </a:xfrm>
+      </p:grpSpPr>
+      <p:sp>
+        <p:nvSpPr>
+          <p:cNvPr id="2" name="Content Placeholder 1"/>
+          <p:cNvSpPr>
+            <a:spLocks noGrp="1"/>
+          </p:cNvSpPr>
+          <p:nvPr>
+            <p:ph idx="1"/>
+          </p:nvPr>
+        </p:nvSpPr>
+        <p:spPr>
+          <a:xfrm>
+            <a:off x="2843809" y="843558"/>
+            <a:ext cx="4032448" cy="3601641"/>
+          </a:xfrm>
+        </p:spPr>
+        <p:txBody>
+          <a:bodyPr/>
+          <a:lstStyle/>
+          <a:p>
+            <a:r>
+              <a:rPr lang="fr-FR" dirty="0" smtClean="0"/>
+              <a:t>Architecte Senior</a:t>
+            </a:r>
+          </a:p>
+          <a:p>
+            <a:r>
+              <a:rPr lang="fr-FR" dirty="0" smtClean="0"/>
+              <a:t>Référent technique pôle performance</a:t>
+            </a:r>
+          </a:p>
+          <a:p>
+            <a:endParaRPr lang="fr-FR" dirty="0" smtClean="0"/>
+          </a:p>
+          <a:p>
+            <a:r>
+              <a:rPr lang="fr-FR" dirty="0" smtClean="0"/>
+              <a:t>Responsable R&amp;D</a:t>
+            </a:r>
+          </a:p>
+          <a:p>
+            <a:pPr marL="0" indent="0">
+              <a:buNone/>
+            </a:pPr>
+            <a:endParaRPr lang="fr-FR" dirty="0" smtClean="0"/>
+          </a:p>
+          <a:p>
+            <a:r>
+              <a:rPr lang="fr-FR" dirty="0" err="1" smtClean="0"/>
+              <a:t>EasyMock</a:t>
+            </a:r>
+            <a:r>
+              <a:rPr lang="fr-FR" dirty="0" smtClean="0"/>
+              <a:t> lead </a:t>
+            </a:r>
+            <a:r>
+              <a:rPr lang="fr-FR" dirty="0" err="1" smtClean="0"/>
+              <a:t>developer</a:t>
+            </a:r>
+            <a:endParaRPr lang="fr-FR" dirty="0" smtClean="0"/>
+          </a:p>
+          <a:p>
+            <a:r>
+              <a:rPr lang="fr-FR" dirty="0" err="1" smtClean="0"/>
+              <a:t>Objenesis</a:t>
+            </a:r>
+            <a:r>
+              <a:rPr lang="fr-FR" dirty="0" smtClean="0"/>
+              <a:t> lead </a:t>
+            </a:r>
+            <a:r>
+              <a:rPr lang="fr-FR" dirty="0" err="1" smtClean="0"/>
+              <a:t>developer</a:t>
+            </a:r>
+            <a:endParaRPr lang="fr-FR" dirty="0" smtClean="0"/>
+          </a:p>
+          <a:p>
+            <a:r>
+              <a:rPr lang="fr-FR" dirty="0"/>
+              <a:t>Membre fondateur du </a:t>
+            </a:r>
+            <a:r>
+              <a:rPr lang="fr-FR" dirty="0" err="1"/>
+              <a:t>PerfUG</a:t>
+            </a:r>
+            <a:endParaRPr lang="fr-FR" dirty="0"/>
+          </a:p>
+          <a:p>
+            <a:endParaRPr lang="fr-FR" dirty="0"/>
+          </a:p>
+        </p:txBody>
+      </p:sp>
+      <p:pic>
+        <p:nvPicPr>
+          <p:cNvPr id="4" name="Picture 2" descr="C:\Users\Henri\Google Drive\TOOLBOX\Slideware tools\Pictos\Normal\Octos\OctoGraduate_Pos.png"/>
+          <p:cNvPicPr>
+            <a:picLocks noChangeAspect="1" noChangeArrowheads="1"/>
+          </p:cNvPicPr>
+          <p:nvPr/>
+        </p:nvPicPr>
+        <p:blipFill>
+          <a:blip r:embed="rId3">
+            <a:extLst>
+              <a:ext uri="{28A0092B-C50C-407E-A947-70E740481C1C}">
+                <a14:useLocalDpi xmlns:a14="http://schemas.microsoft.com/office/drawing/2010/main" val="0"/>
+              </a:ext>
+            </a:extLst>
+          </a:blip>
+          <a:srcRect/>
+          <a:stretch>
+            <a:fillRect/>
+          </a:stretch>
+        </p:blipFill>
+        <p:spPr bwMode="auto">
+          <a:xfrm>
+            <a:off x="251520" y="987574"/>
+            <a:ext cx="2520280" cy="3026647"/>
+          </a:xfrm>
+          <a:prstGeom prst="rect">
+            <a:avLst/>
+          </a:prstGeom>
+          <a:noFill/>
+          <a:extLst>
+            <a:ext uri="{909E8E84-426E-40DD-AFC4-6F175D3DCCD1}">
+              <a14:hiddenFill xmlns:a14="http://schemas.microsoft.com/office/drawing/2010/main">
+                <a:solidFill>
+                  <a:srgbClr val="FFFFFF"/>
+                </a:solidFill>
+              </a14:hiddenFill>
+            </a:ext>
+          </a:extLst>
+        </p:spPr>
+      </p:pic>
+      <p:pic>
+        <p:nvPicPr>
+          <p:cNvPr id="2050" name="Picture 2" descr="http://easymock.org/img/easymock.gif"/>
+          <p:cNvPicPr>
+            <a:picLocks noChangeAspect="1" noChangeArrowheads="1"/>
+          </p:cNvPicPr>
+          <p:nvPr/>
+        </p:nvPicPr>
+        <p:blipFill>
+          <a:blip r:embed="rId4">
+            <a:extLst>
+              <a:ext uri="{28A0092B-C50C-407E-A947-70E740481C1C}">
+                <a14:useLocalDpi xmlns:a14="http://schemas.microsoft.com/office/drawing/2010/main" val="0"/>
+              </a:ext>
+            </a:extLst>
+          </a:blip>
+          <a:srcRect/>
+          <a:stretch>
+            <a:fillRect/>
+          </a:stretch>
+        </p:blipFill>
+        <p:spPr bwMode="auto">
+          <a:xfrm>
+            <a:off x="6179656" y="2067694"/>
+            <a:ext cx="2867025" cy="542926"/>
+          </a:xfrm>
+          <a:prstGeom prst="rect">
+            <a:avLst/>
+          </a:prstGeom>
+          <a:noFill/>
+          <a:extLst>
+            <a:ext uri="{909E8E84-426E-40DD-AFC4-6F175D3DCCD1}">
+              <a14:hiddenFill xmlns:a14="http://schemas.microsoft.com/office/drawing/2010/main">
+                <a:solidFill>
+                  <a:srgbClr val="FFFFFF"/>
+                </a:solidFill>
+              </a14:hiddenFill>
+            </a:ext>
+          </a:extLst>
+        </p:spPr>
+      </p:pic>
+      <p:pic>
+        <p:nvPicPr>
+          <p:cNvPr id="2052" name="Picture 4" descr="http://objenesis.googlecode.com/svn-history/r218/docs/objenesis.png"/>
+          <p:cNvPicPr>
+            <a:picLocks noChangeAspect="1" noChangeArrowheads="1"/>
+          </p:cNvPicPr>
+          <p:nvPr/>
+        </p:nvPicPr>
+        <p:blipFill>
+          <a:blip r:embed="rId5">
+            <a:extLst>
+              <a:ext uri="{28A0092B-C50C-407E-A947-70E740481C1C}">
+                <a14:useLocalDpi xmlns:a14="http://schemas.microsoft.com/office/drawing/2010/main" val="0"/>
+              </a:ext>
+            </a:extLst>
+          </a:blip>
+          <a:srcRect/>
+          <a:stretch>
+            <a:fillRect/>
+          </a:stretch>
+        </p:blipFill>
+        <p:spPr bwMode="auto">
+          <a:xfrm>
+            <a:off x="6300192" y="2859782"/>
+            <a:ext cx="2905125" cy="762000"/>
+          </a:xfrm>
+          <a:prstGeom prst="rect">
+            <a:avLst/>
+          </a:prstGeom>
+          <a:noFill/>
+          <a:extLst>
+            <a:ext uri="{909E8E84-426E-40DD-AFC4-6F175D3DCCD1}">
+              <a14:hiddenFill xmlns:a14="http://schemas.microsoft.com/office/drawing/2010/main">
+                <a:solidFill>
+                  <a:srgbClr val="FFFFFF"/>
+                </a:solidFill>
+              </a14:hiddenFill>
+            </a:ext>
+          </a:extLst>
+        </p:spPr>
+      </p:pic>
+      <p:pic>
+        <p:nvPicPr>
+          <p:cNvPr id="2054" name="Picture 6" descr="http://datajob2013.fr/assets/uploads/Logos/octo.png"/>
+          <p:cNvPicPr>
+            <a:picLocks noChangeAspect="1" noChangeArrowheads="1"/>
+          </p:cNvPicPr>
+          <p:nvPr/>
+        </p:nvPicPr>
+        <p:blipFill>
+          <a:blip r:embed="rId6">
+            <a:extLst>
+              <a:ext uri="{28A0092B-C50C-407E-A947-70E740481C1C}">
+                <a14:useLocalDpi xmlns:a14="http://schemas.microsoft.com/office/drawing/2010/main" val="0"/>
+              </a:ext>
+            </a:extLst>
+          </a:blip>
+          <a:srcRect/>
+          <a:stretch>
+            <a:fillRect/>
+          </a:stretch>
+        </p:blipFill>
+        <p:spPr bwMode="auto">
+          <a:xfrm>
+            <a:off x="6516216" y="627534"/>
+            <a:ext cx="2323753" cy="1210578"/>
+          </a:xfrm>
+          <a:prstGeom prst="rect">
+            <a:avLst/>
+          </a:prstGeom>
+          <a:noFill/>
+          <a:extLst>
+            <a:ext uri="{909E8E84-426E-40DD-AFC4-6F175D3DCCD1}">
+              <a14:hiddenFill xmlns:a14="http://schemas.microsoft.com/office/drawing/2010/main">
+                <a:solidFill>
+                  <a:srgbClr val="FFFFFF"/>
+                </a:solidFill>
+              </a14:hiddenFill>
+            </a:ext>
+          </a:extLst>
+        </p:spPr>
+      </p:pic>
+      <p:sp>
+        <p:nvSpPr>
+          <p:cNvPr id="5" name="Title 4"/>
+          <p:cNvSpPr>
+            <a:spLocks noGrp="1"/>
+          </p:cNvSpPr>
+          <p:nvPr>
+            <p:ph type="title"/>
+          </p:nvPr>
+        </p:nvSpPr>
+        <p:spPr/>
+        <p:txBody>
+          <a:bodyPr/>
+          <a:lstStyle/>
+          <a:p>
+            <a:pPr algn="l"/>
+            <a:r>
+              <a:rPr lang="fr-FR" b="1" smtClean="0"/>
+              <a:t>Henri Tremblay</a:t>
+            </a:r>
+            <a:endParaRPr lang="fr-FR" b="1"/>
+          </a:p>
+        </p:txBody>
+      </p:sp>
+    </p:spTree>
+    <p:extLst>
+      <p:ext uri="{BB962C8B-B14F-4D97-AF65-F5344CB8AC3E}">
+        <p14:creationId xmlns:p14="http://schemas.microsoft.com/office/powerpoint/2010/main" val="2424004288"/>
+      </p:ext>
+    </p:extLst>
+  </p:cSld>
+  <p:clrMapOvr>
+    <a:masterClrMapping/>
+  </p:clrMapOvr>
+  <p:timing>
+    <p:tnLst>
+      <p:par>
+        <p:cTn id="1" dur="indefinite" restart="never" nodeType="tmRoot"/>
+      </p:par>
+    </p:tnLst>
+  </p:timing>
+</p:sld>
+</file>
+
+<file path=ppt/slides/slide13.xml><?xml version="1.0" encoding="utf-8"?>
+<p:sld xmlns:a="http://schemas.openxmlformats.org/drawingml/2006/main" xmlns:r="http://schemas.openxmlformats.org/officeDocument/2006/relationships" xmlns:p="http://schemas.openxmlformats.org/presentationml/2006/main">
+  <p:cSld>
+    <p:spTree>
+      <p:nvGrpSpPr>
+        <p:cNvPr id="1" name=""/>
+        <p:cNvGrpSpPr/>
+        <p:nvPr/>
+      </p:nvGrpSpPr>
+      <p:grpSpPr>
+        <a:xfrm>
+          <a:off x="0" y="0"/>
+          <a:ext cx="0" cy="0"/>
+          <a:chOff x="0" y="0"/>
+          <a:chExt cx="0" cy="0"/>
+        </a:xfrm>
+      </p:grpSpPr>
+      <p:sp>
+        <p:nvSpPr>
+          <p:cNvPr id="2" name="Content Placeholder 1"/>
+          <p:cNvSpPr>
+            <a:spLocks noGrp="1"/>
+          </p:cNvSpPr>
+          <p:nvPr>
+            <p:ph idx="1"/>
+          </p:nvPr>
+        </p:nvSpPr>
+        <p:spPr>
+          <a:xfrm>
+            <a:off x="2843809" y="843558"/>
+            <a:ext cx="4032448" cy="3601641"/>
+          </a:xfrm>
+        </p:spPr>
+        <p:txBody>
+          <a:bodyPr/>
+          <a:lstStyle/>
+          <a:p>
+            <a:r>
+              <a:rPr lang="fr-FR" dirty="0" smtClean="0"/>
+              <a:t>Architecte Senior</a:t>
+            </a:r>
+          </a:p>
+          <a:p>
+            <a:r>
+              <a:rPr lang="fr-FR" dirty="0" smtClean="0"/>
+              <a:t>Pôle </a:t>
+            </a:r>
+            <a:r>
+              <a:rPr lang="fr-FR" dirty="0" err="1" smtClean="0"/>
+              <a:t>Devops</a:t>
+            </a:r>
+            <a:endParaRPr lang="fr-FR" dirty="0" smtClean="0"/>
+          </a:p>
+          <a:p>
+            <a:endParaRPr lang="fr-FR" dirty="0"/>
+          </a:p>
+          <a:p>
+            <a:r>
+              <a:rPr lang="fr-FR" dirty="0" smtClean="0"/>
+              <a:t>Expert optimisation système</a:t>
+            </a:r>
+          </a:p>
+          <a:p>
+            <a:endParaRPr lang="fr-FR" dirty="0" smtClean="0"/>
+          </a:p>
+        </p:txBody>
+      </p:sp>
+      <p:pic>
+        <p:nvPicPr>
+          <p:cNvPr id="4" name="Picture 2" descr="C:\Users\Henri\Google Drive\TOOLBOX\Slideware tools\Pictos\Normal\Octos\OctoGraduate_Pos.png"/>
+          <p:cNvPicPr>
+            <a:picLocks noChangeAspect="1" noChangeArrowheads="1"/>
+          </p:cNvPicPr>
+          <p:nvPr/>
+        </p:nvPicPr>
+        <p:blipFill>
+          <a:blip r:embed="rId3">
+            <a:extLst>
+              <a:ext uri="{28A0092B-C50C-407E-A947-70E740481C1C}">
+                <a14:useLocalDpi xmlns:a14="http://schemas.microsoft.com/office/drawing/2010/main" val="0"/>
+              </a:ext>
+            </a:extLst>
+          </a:blip>
+          <a:srcRect/>
+          <a:stretch>
+            <a:fillRect/>
+          </a:stretch>
+        </p:blipFill>
+        <p:spPr bwMode="auto">
+          <a:xfrm>
+            <a:off x="251520" y="987574"/>
+            <a:ext cx="2520280" cy="3026647"/>
+          </a:xfrm>
+          <a:prstGeom prst="rect">
+            <a:avLst/>
+          </a:prstGeom>
+          <a:noFill/>
+          <a:extLst>
+            <a:ext uri="{909E8E84-426E-40DD-AFC4-6F175D3DCCD1}">
+              <a14:hiddenFill xmlns:a14="http://schemas.microsoft.com/office/drawing/2010/main">
+                <a:solidFill>
+                  <a:srgbClr val="FFFFFF"/>
+                </a:solidFill>
+              </a14:hiddenFill>
+            </a:ext>
+          </a:extLst>
+        </p:spPr>
+      </p:pic>
+      <p:pic>
+        <p:nvPicPr>
+          <p:cNvPr id="2054" name="Picture 6" descr="http://datajob2013.fr/assets/uploads/Logos/octo.png"/>
+          <p:cNvPicPr>
+            <a:picLocks noChangeAspect="1" noChangeArrowheads="1"/>
+          </p:cNvPicPr>
+          <p:nvPr/>
+        </p:nvPicPr>
+        <p:blipFill>
+          <a:blip r:embed="rId4">
+            <a:extLst>
+              <a:ext uri="{28A0092B-C50C-407E-A947-70E740481C1C}">
+                <a14:useLocalDpi xmlns:a14="http://schemas.microsoft.com/office/drawing/2010/main" val="0"/>
+              </a:ext>
+            </a:extLst>
+          </a:blip>
+          <a:srcRect/>
+          <a:stretch>
+            <a:fillRect/>
+          </a:stretch>
+        </p:blipFill>
+        <p:spPr bwMode="auto">
+          <a:xfrm>
+            <a:off x="6516216" y="627534"/>
+            <a:ext cx="2323753" cy="1210578"/>
+          </a:xfrm>
+          <a:prstGeom prst="rect">
+            <a:avLst/>
+          </a:prstGeom>
+          <a:noFill/>
+          <a:extLst>
+            <a:ext uri="{909E8E84-426E-40DD-AFC4-6F175D3DCCD1}">
+              <a14:hiddenFill xmlns:a14="http://schemas.microsoft.com/office/drawing/2010/main">
+                <a:solidFill>
+                  <a:srgbClr val="FFFFFF"/>
+                </a:solidFill>
+              </a14:hiddenFill>
+            </a:ext>
+          </a:extLst>
+        </p:spPr>
+      </p:pic>
+      <p:sp>
+        <p:nvSpPr>
+          <p:cNvPr id="5" name="Title 4"/>
+          <p:cNvSpPr>
+            <a:spLocks noGrp="1"/>
+          </p:cNvSpPr>
+          <p:nvPr>
+            <p:ph type="title"/>
+          </p:nvPr>
+        </p:nvSpPr>
+        <p:spPr/>
+        <p:txBody>
+          <a:bodyPr/>
+          <a:lstStyle/>
+          <a:p>
+            <a:pPr algn="l"/>
+            <a:r>
+              <a:rPr lang="fr-FR" b="1" dirty="0" smtClean="0"/>
+              <a:t>Ludovic Piot</a:t>
+            </a:r>
+            <a:endParaRPr lang="fr-FR" b="1" dirty="0"/>
+          </a:p>
+        </p:txBody>
+      </p:sp>
+    </p:spTree>
+    <p:extLst>
+      <p:ext uri="{BB962C8B-B14F-4D97-AF65-F5344CB8AC3E}">
+        <p14:creationId xmlns:p14="http://schemas.microsoft.com/office/powerpoint/2010/main" val="3096689219"/>
+      </p:ext>
+    </p:extLst>
+  </p:cSld>
+  <p:clrMapOvr>
+    <a:masterClrMapping/>
+  </p:clrMapOvr>
+  <p:timing>
+    <p:tnLst>
+      <p:par>
+        <p:cTn id="1" dur="indefinite" restart="never" nodeType="tmRoot"/>
+      </p:par>
+    </p:tnLst>
+  </p:timing>
+</p:sld>
+</file>
+
+<file path=ppt/slides/slide14.xml><?xml version="1.0" encoding="utf-8"?>
+<p:sld xmlns:a="http://schemas.openxmlformats.org/drawingml/2006/main" xmlns:r="http://schemas.openxmlformats.org/officeDocument/2006/relationships" xmlns:p="http://schemas.openxmlformats.org/presentationml/2006/main">
+  <p:cSld>
+    <p:spTree>
+      <p:nvGrpSpPr>
+        <p:cNvPr id="1" name=""/>
+        <p:cNvGrpSpPr/>
+        <p:nvPr/>
+      </p:nvGrpSpPr>
+      <p:grpSpPr>
+        <a:xfrm>
+          <a:off x="0" y="0"/>
+          <a:ext cx="0" cy="0"/>
+          <a:chOff x="0" y="0"/>
+          <a:chExt cx="0" cy="0"/>
+        </a:xfrm>
+      </p:grpSpPr>
+      <p:sp>
+        <p:nvSpPr>
+          <p:cNvPr id="2" name="Content Placeholder 1"/>
+          <p:cNvSpPr>
+            <a:spLocks noGrp="1"/>
+          </p:cNvSpPr>
+          <p:nvPr>
+            <p:ph idx="1"/>
+          </p:nvPr>
+        </p:nvSpPr>
+        <p:spPr>
+          <a:xfrm>
+            <a:off x="2843809" y="843558"/>
+            <a:ext cx="4032448" cy="3601641"/>
+          </a:xfrm>
+        </p:spPr>
+        <p:txBody>
+          <a:bodyPr/>
+          <a:lstStyle/>
+          <a:p>
+            <a:r>
+              <a:rPr lang="fr-FR" dirty="0" smtClean="0"/>
+              <a:t>Architecte</a:t>
+            </a:r>
+          </a:p>
+          <a:p>
+            <a:r>
+              <a:rPr lang="fr-FR" dirty="0"/>
+              <a:t>Pôle </a:t>
+            </a:r>
+            <a:r>
+              <a:rPr lang="fr-FR" dirty="0" err="1"/>
+              <a:t>Devops</a:t>
+            </a:r>
+            <a:endParaRPr lang="fr-FR" dirty="0"/>
+          </a:p>
+          <a:p>
+            <a:endParaRPr lang="fr-FR" dirty="0" smtClean="0"/>
+          </a:p>
+          <a:p>
+            <a:r>
+              <a:rPr lang="fr-FR" dirty="0" smtClean="0"/>
+              <a:t>DSI</a:t>
+            </a:r>
+          </a:p>
+          <a:p>
+            <a:endParaRPr lang="fr-FR" dirty="0"/>
+          </a:p>
+          <a:p>
+            <a:r>
+              <a:rPr lang="fr-FR" dirty="0" smtClean="0"/>
+              <a:t>Master-chef senior </a:t>
+            </a:r>
+            <a:r>
+              <a:rPr lang="fr-FR" dirty="0" err="1" smtClean="0"/>
+              <a:t>developer</a:t>
+            </a:r>
+            <a:endParaRPr lang="fr-FR" dirty="0" smtClean="0"/>
+          </a:p>
+          <a:p>
+            <a:r>
+              <a:rPr lang="fr-FR" dirty="0" smtClean="0"/>
+              <a:t>Master-cap senior </a:t>
+            </a:r>
+            <a:r>
+              <a:rPr lang="fr-FR" dirty="0" err="1" smtClean="0"/>
+              <a:t>developer</a:t>
+            </a:r>
+            <a:endParaRPr lang="fr-FR" dirty="0" smtClean="0"/>
+          </a:p>
+        </p:txBody>
+      </p:sp>
+      <p:pic>
+        <p:nvPicPr>
+          <p:cNvPr id="4" name="Picture 2" descr="C:\Users\Henri\Google Drive\TOOLBOX\Slideware tools\Pictos\Normal\Octos\OctoGraduate_Pos.png"/>
+          <p:cNvPicPr>
+            <a:picLocks noChangeAspect="1" noChangeArrowheads="1"/>
+          </p:cNvPicPr>
+          <p:nvPr/>
+        </p:nvPicPr>
+        <p:blipFill>
+          <a:blip r:embed="rId3">
+            <a:extLst>
+              <a:ext uri="{28A0092B-C50C-407E-A947-70E740481C1C}">
+                <a14:useLocalDpi xmlns:a14="http://schemas.microsoft.com/office/drawing/2010/main" val="0"/>
+              </a:ext>
+            </a:extLst>
+          </a:blip>
+          <a:srcRect/>
+          <a:stretch>
+            <a:fillRect/>
+          </a:stretch>
+        </p:blipFill>
+        <p:spPr bwMode="auto">
+          <a:xfrm>
+            <a:off x="251520" y="987574"/>
+            <a:ext cx="2520280" cy="3026647"/>
+          </a:xfrm>
+          <a:prstGeom prst="rect">
+            <a:avLst/>
+          </a:prstGeom>
+          <a:noFill/>
+          <a:extLst>
+            <a:ext uri="{909E8E84-426E-40DD-AFC4-6F175D3DCCD1}">
+              <a14:hiddenFill xmlns:a14="http://schemas.microsoft.com/office/drawing/2010/main">
+                <a:solidFill>
+                  <a:srgbClr val="FFFFFF"/>
+                </a:solidFill>
+              </a14:hiddenFill>
+            </a:ext>
+          </a:extLst>
+        </p:spPr>
+      </p:pic>
+      <p:pic>
+        <p:nvPicPr>
+          <p:cNvPr id="2054" name="Picture 6" descr="http://datajob2013.fr/assets/uploads/Logos/octo.png"/>
+          <p:cNvPicPr>
+            <a:picLocks noChangeAspect="1" noChangeArrowheads="1"/>
+          </p:cNvPicPr>
+          <p:nvPr/>
+        </p:nvPicPr>
+        <p:blipFill>
+          <a:blip r:embed="rId4">
+            <a:extLst>
+              <a:ext uri="{28A0092B-C50C-407E-A947-70E740481C1C}">
+                <a14:useLocalDpi xmlns:a14="http://schemas.microsoft.com/office/drawing/2010/main" val="0"/>
+              </a:ext>
+            </a:extLst>
+          </a:blip>
+          <a:srcRect/>
+          <a:stretch>
+            <a:fillRect/>
+          </a:stretch>
+        </p:blipFill>
+        <p:spPr bwMode="auto">
+          <a:xfrm>
+            <a:off x="6516216" y="627534"/>
+            <a:ext cx="2323753" cy="1210578"/>
+          </a:xfrm>
+          <a:prstGeom prst="rect">
+            <a:avLst/>
+          </a:prstGeom>
+          <a:noFill/>
+          <a:extLst>
+            <a:ext uri="{909E8E84-426E-40DD-AFC4-6F175D3DCCD1}">
+              <a14:hiddenFill xmlns:a14="http://schemas.microsoft.com/office/drawing/2010/main">
+                <a:solidFill>
+                  <a:srgbClr val="FFFFFF"/>
+                </a:solidFill>
+              </a14:hiddenFill>
+            </a:ext>
+          </a:extLst>
+        </p:spPr>
+      </p:pic>
+      <p:sp>
+        <p:nvSpPr>
+          <p:cNvPr id="5" name="Title 4"/>
+          <p:cNvSpPr>
+            <a:spLocks noGrp="1"/>
+          </p:cNvSpPr>
+          <p:nvPr>
+            <p:ph type="title"/>
+          </p:nvPr>
+        </p:nvSpPr>
+        <p:spPr/>
+        <p:txBody>
+          <a:bodyPr/>
+          <a:lstStyle/>
+          <a:p>
+            <a:pPr algn="l"/>
+            <a:r>
+              <a:rPr lang="fr-FR" b="1" dirty="0" smtClean="0"/>
+              <a:t>Mikaël Robert</a:t>
+            </a:r>
+            <a:endParaRPr lang="fr-FR" b="1" dirty="0"/>
+          </a:p>
+        </p:txBody>
+      </p:sp>
+      <p:pic>
+        <p:nvPicPr>
+          <p:cNvPr id="1026" name="Picture 2" descr="kitchenware"/>
+          <p:cNvPicPr>
+            <a:picLocks noChangeAspect="1" noChangeArrowheads="1"/>
+          </p:cNvPicPr>
+          <p:nvPr/>
+        </p:nvPicPr>
+        <p:blipFill>
+          <a:blip r:embed="rId5">
+            <a:extLst>
+              <a:ext uri="{28A0092B-C50C-407E-A947-70E740481C1C}">
+                <a14:useLocalDpi xmlns:a14="http://schemas.microsoft.com/office/drawing/2010/main" val="0"/>
+              </a:ext>
+            </a:extLst>
+          </a:blip>
+          <a:srcRect/>
+          <a:stretch>
+            <a:fillRect/>
+          </a:stretch>
+        </p:blipFill>
+        <p:spPr bwMode="auto">
+          <a:xfrm>
+            <a:off x="6876256" y="2355726"/>
+            <a:ext cx="1333500" cy="1333501"/>
+          </a:xfrm>
+          <a:prstGeom prst="rect">
+            <a:avLst/>
+          </a:prstGeom>
+          <a:noFill/>
+          <a:extLst>
+            <a:ext uri="{909E8E84-426E-40DD-AFC4-6F175D3DCCD1}">
+              <a14:hiddenFill xmlns:a14="http://schemas.microsoft.com/office/drawing/2010/main">
+                <a:solidFill>
+                  <a:srgbClr val="FFFFFF"/>
+                </a:solidFill>
+              </a14:hiddenFill>
+            </a:ext>
+          </a:extLst>
+        </p:spPr>
+      </p:pic>
+    </p:spTree>
+    <p:extLst>
+      <p:ext uri="{BB962C8B-B14F-4D97-AF65-F5344CB8AC3E}">
+        <p14:creationId xmlns:p14="http://schemas.microsoft.com/office/powerpoint/2010/main" val="3096689219"/>
+      </p:ext>
+    </p:extLst>
+  </p:cSld>
+  <p:clrMapOvr>
+    <a:masterClrMapping/>
+  </p:clrMapOvr>
+  <p:timing>
+    <p:tnLst>
+      <p:par>
+        <p:cTn id="1" dur="indefinite" restart="never" nodeType="tmRoot"/>
+      </p:par>
+    </p:tnLst>
+  </p:timing>
+</p:sld>
+</file>
+
+<file path=ppt/slides/slide15.xml><?xml version="1.0" encoding="utf-8"?>
+<p:sld xmlns:a="http://schemas.openxmlformats.org/drawingml/2006/main" xmlns:r="http://schemas.openxmlformats.org/officeDocument/2006/relationships" xmlns:p="http://schemas.openxmlformats.org/presentationml/2006/main">
+  <p:cSld>
+    <p:spTree>
+      <p:nvGrpSpPr>
+        <p:cNvPr id="1" name=""/>
+        <p:cNvGrpSpPr/>
+        <p:nvPr/>
+      </p:nvGrpSpPr>
+      <p:grpSpPr>
+        <a:xfrm>
+          <a:off x="0" y="0"/>
+          <a:ext cx="0" cy="0"/>
+          <a:chOff x="0" y="0"/>
+          <a:chExt cx="0" cy="0"/>
+        </a:xfrm>
+      </p:grpSpPr>
+      <p:sp>
+        <p:nvSpPr>
+          <p:cNvPr id="2" name="Espace réservé du contenu 1"/>
+          <p:cNvSpPr>
+            <a:spLocks noGrp="1"/>
+          </p:cNvSpPr>
+          <p:nvPr>
+            <p:ph idx="4294967295"/>
+          </p:nvPr>
+        </p:nvSpPr>
+        <p:spPr>
+          <a:xfrm>
+            <a:off x="467544" y="914400"/>
+            <a:ext cx="3922713" cy="2305050"/>
+          </a:xfrm>
+        </p:spPr>
+        <p:txBody>
+          <a:bodyPr/>
+          <a:lstStyle/>
+          <a:p>
+            <a:pPr marL="0" indent="0">
+              <a:buNone/>
+            </a:pPr>
+            <a:r>
+              <a:rPr lang="fr-FR" sz="2800" dirty="0" smtClean="0"/>
+              <a:t>Les </a:t>
+            </a:r>
+            <a:r>
+              <a:rPr lang="fr-FR" sz="2800" dirty="0" smtClean="0">
+                <a:solidFill>
+                  <a:schemeClr val="accent1"/>
+                </a:solidFill>
+              </a:rPr>
+              <a:t>performances</a:t>
+            </a:r>
+            <a:r>
+              <a:rPr lang="fr-FR" sz="2800" dirty="0" smtClean="0"/>
+              <a:t> d’un système sont une spécification fonctionnelle implicite du système </a:t>
+            </a:r>
+            <a:endParaRPr lang="fr-FR" sz="2800" dirty="0"/>
+          </a:p>
+        </p:txBody>
+      </p:sp>
+      <p:sp>
+        <p:nvSpPr>
+          <p:cNvPr id="3" name="Titre 2"/>
+          <p:cNvSpPr>
+            <a:spLocks noGrp="1"/>
+          </p:cNvSpPr>
+          <p:nvPr>
+            <p:ph type="title" idx="4294967295"/>
+          </p:nvPr>
+        </p:nvSpPr>
+        <p:spPr>
+          <a:xfrm>
+            <a:off x="577850" y="33338"/>
+            <a:ext cx="8566150" cy="412750"/>
+          </a:xfrm>
+        </p:spPr>
+        <p:txBody>
+          <a:bodyPr/>
+          <a:lstStyle/>
+          <a:p>
+            <a:r>
+              <a:rPr lang="fr-FR" sz="2400" dirty="0"/>
+              <a:t>Notre vision ?</a:t>
+            </a:r>
+          </a:p>
+        </p:txBody>
+      </p:sp>
+      <p:pic>
+        <p:nvPicPr>
+          <p:cNvPr id="1026" name="Picture 2" descr="http://www.arthursclipart.org/people/people/waiting.gif"/>
+          <p:cNvPicPr>
+            <a:picLocks noChangeAspect="1" noChangeArrowheads="1"/>
+          </p:cNvPicPr>
+          <p:nvPr/>
+        </p:nvPicPr>
+        <p:blipFill>
+          <a:blip r:embed="rId3" cstate="print">
+            <a:clrChange>
+              <a:clrFrom>
+                <a:srgbClr val="FFFFFF"/>
+              </a:clrFrom>
+              <a:clrTo>
+                <a:srgbClr val="FFFFFF">
+                  <a:alpha val="0"/>
+                </a:srgbClr>
+              </a:clrTo>
+            </a:clrChange>
+          </a:blip>
+          <a:srcRect/>
+          <a:stretch>
+            <a:fillRect/>
+          </a:stretch>
+        </p:blipFill>
+        <p:spPr bwMode="auto">
+          <a:xfrm>
+            <a:off x="4391472" y="843558"/>
+            <a:ext cx="4752528" cy="3330482"/>
+          </a:xfrm>
+          <a:prstGeom prst="rect">
+            <a:avLst/>
+          </a:prstGeom>
+          <a:noFill/>
+        </p:spPr>
+      </p:pic>
+      <p:sp>
+        <p:nvSpPr>
+          <p:cNvPr id="12" name="ZoneTexte 11"/>
+          <p:cNvSpPr txBox="1"/>
+          <p:nvPr/>
+        </p:nvSpPr>
+        <p:spPr>
+          <a:xfrm>
+            <a:off x="5364088" y="4146199"/>
+            <a:ext cx="2317814" cy="276999"/>
+          </a:xfrm>
+          <a:prstGeom prst="rect">
+            <a:avLst/>
+          </a:prstGeom>
+          <a:noFill/>
+        </p:spPr>
+        <p:txBody>
+          <a:bodyPr wrap="none" rtlCol="0">
+            <a:spAutoFit/>
+          </a:bodyPr>
+          <a:lstStyle/>
+          <a:p>
+            <a:r>
+              <a:rPr lang="fr-FR" sz="1200" dirty="0" smtClean="0">
+                <a:solidFill>
+                  <a:schemeClr val="tx2">
+                    <a:lumMod val="65000"/>
+                    <a:lumOff val="35000"/>
+                  </a:schemeClr>
+                </a:solidFill>
+                <a:latin typeface="Arial"/>
+              </a:rPr>
+              <a:t>Source : www.arthursclipart.org</a:t>
+            </a:r>
+          </a:p>
+        </p:txBody>
+      </p:sp>
+    </p:spTree>
+    <p:extLst>
+      <p:ext uri="{BB962C8B-B14F-4D97-AF65-F5344CB8AC3E}">
+        <p14:creationId xmlns:p14="http://schemas.microsoft.com/office/powerpoint/2010/main" val="1223445855"/>
+      </p:ext>
+    </p:extLst>
+  </p:cSld>
+  <p:clrMapOvr>
+    <a:masterClrMapping/>
+  </p:clrMapOvr>
+  <p:transition advTm="18240"/>
+  <p:timing>
+    <p:tnLst>
+      <p:par>
+        <p:cTn id="1" dur="indefinite" restart="never" nodeType="tmRoot"/>
+      </p:par>
+    </p:tnLst>
+  </p:timing>
+</p:sld>
+</file>
+
+<file path=ppt/slides/slide16.xml><?xml version="1.0" encoding="utf-8"?>
+<p:sld xmlns:a="http://schemas.openxmlformats.org/drawingml/2006/main" xmlns:r="http://schemas.openxmlformats.org/officeDocument/2006/relationships" xmlns:p="http://schemas.openxmlformats.org/presentationml/2006/main">
+  <p:cSld>
+    <p:spTree>
+      <p:nvGrpSpPr>
+        <p:cNvPr id="1" name=""/>
+        <p:cNvGrpSpPr/>
+        <p:nvPr/>
+      </p:nvGrpSpPr>
+      <p:grpSpPr>
+        <a:xfrm>
+          <a:off x="0" y="0"/>
+          <a:ext cx="0" cy="0"/>
+          <a:chOff x="0" y="0"/>
+          <a:chExt cx="0" cy="0"/>
+        </a:xfrm>
+      </p:grpSpPr>
+      <p:sp>
+        <p:nvSpPr>
+          <p:cNvPr id="2" name="Espace réservé du contenu 1"/>
+          <p:cNvSpPr>
+            <a:spLocks noGrp="1"/>
+          </p:cNvSpPr>
+          <p:nvPr>
+            <p:ph idx="4294967295"/>
+          </p:nvPr>
+        </p:nvSpPr>
+        <p:spPr>
+          <a:xfrm>
+            <a:off x="539552" y="929172"/>
+            <a:ext cx="4535488" cy="3602038"/>
+          </a:xfrm>
+        </p:spPr>
+        <p:txBody>
+          <a:bodyPr/>
+          <a:lstStyle/>
+          <a:p>
+            <a:pPr marL="0" indent="0">
+              <a:buNone/>
+            </a:pPr>
+            <a:r>
+              <a:rPr lang="fr-FR" sz="2800" dirty="0" smtClean="0"/>
+              <a:t>La </a:t>
+            </a:r>
+            <a:r>
+              <a:rPr lang="fr-FR" sz="2800" dirty="0" smtClean="0">
+                <a:solidFill>
+                  <a:schemeClr val="accent1"/>
+                </a:solidFill>
+              </a:rPr>
+              <a:t>mesure</a:t>
+            </a:r>
+            <a:r>
+              <a:rPr lang="fr-FR" sz="2800" dirty="0" smtClean="0"/>
+              <a:t> de performance doit être au cœur du processus de développement informatique</a:t>
+            </a:r>
+            <a:endParaRPr lang="fr-FR" sz="2800" dirty="0"/>
+          </a:p>
+        </p:txBody>
+      </p:sp>
+      <p:sp>
+        <p:nvSpPr>
+          <p:cNvPr id="3" name="Titre 2"/>
+          <p:cNvSpPr>
+            <a:spLocks noGrp="1"/>
+          </p:cNvSpPr>
+          <p:nvPr>
+            <p:ph type="title" idx="4294967295"/>
+          </p:nvPr>
+        </p:nvSpPr>
+        <p:spPr>
+          <a:xfrm>
+            <a:off x="577850" y="33338"/>
+            <a:ext cx="8566150" cy="412750"/>
+          </a:xfrm>
+        </p:spPr>
+        <p:txBody>
+          <a:bodyPr/>
+          <a:lstStyle/>
+          <a:p>
+            <a:r>
+              <a:rPr lang="fr-FR" sz="2400" dirty="0"/>
+              <a:t>Notre vision ?</a:t>
+            </a:r>
+          </a:p>
+        </p:txBody>
+      </p:sp>
+      <p:pic>
+        <p:nvPicPr>
+          <p:cNvPr id="51203" name="Picture 3"/>
+          <p:cNvPicPr>
+            <a:picLocks noChangeAspect="1" noChangeArrowheads="1"/>
+          </p:cNvPicPr>
+          <p:nvPr/>
+        </p:nvPicPr>
+        <p:blipFill>
+          <a:blip r:embed="rId3" cstate="print">
+            <a:clrChange>
+              <a:clrFrom>
+                <a:srgbClr val="FFFFFF"/>
+              </a:clrFrom>
+              <a:clrTo>
+                <a:srgbClr val="FFFFFF">
+                  <a:alpha val="0"/>
+                </a:srgbClr>
+              </a:clrTo>
+            </a:clrChange>
+          </a:blip>
+          <a:srcRect/>
+          <a:stretch>
+            <a:fillRect/>
+          </a:stretch>
+        </p:blipFill>
+        <p:spPr bwMode="auto">
+          <a:xfrm>
+            <a:off x="4842722" y="905839"/>
+            <a:ext cx="4301278" cy="3402378"/>
+          </a:xfrm>
+          <a:prstGeom prst="rect">
+            <a:avLst/>
+          </a:prstGeom>
+          <a:noFill/>
+          <a:ln w="9525">
+            <a:noFill/>
+            <a:miter lim="800000"/>
+            <a:headEnd/>
+            <a:tailEnd/>
+          </a:ln>
+        </p:spPr>
+      </p:pic>
+      <p:sp>
+        <p:nvSpPr>
+          <p:cNvPr id="10" name="ZoneTexte 9"/>
+          <p:cNvSpPr txBox="1"/>
+          <p:nvPr/>
+        </p:nvSpPr>
+        <p:spPr>
+          <a:xfrm>
+            <a:off x="7055769" y="4254211"/>
+            <a:ext cx="2119939" cy="276999"/>
+          </a:xfrm>
+          <a:prstGeom prst="rect">
+            <a:avLst/>
+          </a:prstGeom>
+          <a:noFill/>
+        </p:spPr>
+        <p:txBody>
+          <a:bodyPr wrap="none" rtlCol="0">
+            <a:spAutoFit/>
+          </a:bodyPr>
+          <a:lstStyle/>
+          <a:p>
+            <a:r>
+              <a:rPr lang="fr-FR" sz="1200" dirty="0" smtClean="0">
+                <a:solidFill>
+                  <a:schemeClr val="tx2">
+                    <a:lumMod val="65000"/>
+                    <a:lumOff val="35000"/>
+                  </a:schemeClr>
+                </a:solidFill>
+                <a:latin typeface="Arial"/>
+              </a:rPr>
+              <a:t>Source : Les géants du Web</a:t>
+            </a:r>
+          </a:p>
+        </p:txBody>
+      </p:sp>
+    </p:spTree>
+    <p:extLst>
+      <p:ext uri="{BB962C8B-B14F-4D97-AF65-F5344CB8AC3E}">
+        <p14:creationId xmlns:p14="http://schemas.microsoft.com/office/powerpoint/2010/main" val="1588220782"/>
+      </p:ext>
+    </p:extLst>
+  </p:cSld>
+  <p:clrMapOvr>
+    <a:masterClrMapping/>
+  </p:clrMapOvr>
+  <p:transition advTm="17790"/>
+  <p:timing>
+    <p:tnLst>
+      <p:par>
+        <p:cTn id="1" dur="indefinite" restart="never" nodeType="tmRoot"/>
+      </p:par>
+    </p:tnLst>
+  </p:timing>
+</p:sld>
+</file>
+
+<file path=ppt/slides/slide17.xml><?xml version="1.0" encoding="utf-8"?>
+<p:sld xmlns:a="http://schemas.openxmlformats.org/drawingml/2006/main" xmlns:r="http://schemas.openxmlformats.org/officeDocument/2006/relationships" xmlns:p="http://schemas.openxmlformats.org/presentationml/2006/main">
+  <p:cSld>
+    <p:spTree>
+      <p:nvGrpSpPr>
+        <p:cNvPr id="1" name=""/>
+        <p:cNvGrpSpPr/>
+        <p:nvPr/>
+      </p:nvGrpSpPr>
+      <p:grpSpPr>
+        <a:xfrm>
+          <a:off x="0" y="0"/>
+          <a:ext cx="0" cy="0"/>
+          <a:chOff x="0" y="0"/>
+          <a:chExt cx="0" cy="0"/>
+        </a:xfrm>
+      </p:grpSpPr>
+      <p:sp>
+        <p:nvSpPr>
           <p:cNvPr id="2" name="Espace réservé du contenu 1"/>
           <p:cNvSpPr>
             <a:spLocks noGrp="1"/>
@@ -20749,7 +23008,7 @@
 </p:sld>
 </file>
 
-<file path=ppt/slides/slide11.xml><?xml version="1.0" encoding="utf-8"?>
+<file path=ppt/slides/slide18.xml><?xml version="1.0" encoding="utf-8"?>
 <p:sld xmlns:a="http://schemas.openxmlformats.org/drawingml/2006/main" xmlns:r="http://schemas.openxmlformats.org/officeDocument/2006/relationships" xmlns:p="http://schemas.openxmlformats.org/presentationml/2006/main">
   <p:cSld>
     <p:spTree>
@@ -21799,7 +24058,7 @@
 </p:sld>
 </file>
 
-<file path=ppt/slides/slide12.xml><?xml version="1.0" encoding="utf-8"?>
+<file path=ppt/slides/slide19.xml><?xml version="1.0" encoding="utf-8"?>
 <p:sld xmlns:a="http://schemas.openxmlformats.org/drawingml/2006/main" xmlns:r="http://schemas.openxmlformats.org/officeDocument/2006/relationships" xmlns:p="http://schemas.openxmlformats.org/presentationml/2006/main">
   <p:cSld>
     <p:spTree>
@@ -25375,7 +27634,75 @@
 </p:sld>
 </file>
 
-<file path=ppt/slides/slide13.xml><?xml version="1.0" encoding="utf-8"?>
+<file path=ppt/slides/slide2.xml><?xml version="1.0" encoding="utf-8"?>
+<p:sld xmlns:a="http://schemas.openxmlformats.org/drawingml/2006/main" xmlns:r="http://schemas.openxmlformats.org/officeDocument/2006/relationships" xmlns:p="http://schemas.openxmlformats.org/presentationml/2006/main">
+  <p:cSld>
+    <p:spTree>
+      <p:nvGrpSpPr>
+        <p:cNvPr id="1" name=""/>
+        <p:cNvGrpSpPr/>
+        <p:nvPr/>
+      </p:nvGrpSpPr>
+      <p:grpSpPr>
+        <a:xfrm>
+          <a:off x="0" y="0"/>
+          <a:ext cx="0" cy="0"/>
+          <a:chOff x="0" y="0"/>
+          <a:chExt cx="0" cy="0"/>
+        </a:xfrm>
+      </p:grpSpPr>
+      <p:sp>
+        <p:nvSpPr>
+          <p:cNvPr id="3" name="Titre 2"/>
+          <p:cNvSpPr>
+            <a:spLocks noGrp="1"/>
+          </p:cNvSpPr>
+          <p:nvPr>
+            <p:ph type="title"/>
+          </p:nvPr>
+        </p:nvSpPr>
+        <p:spPr>
+          <a:xfrm>
+            <a:off x="899592" y="2067694"/>
+            <a:ext cx="7344816" cy="400050"/>
+          </a:xfrm>
+        </p:spPr>
+        <p:txBody>
+          <a:bodyPr/>
+          <a:lstStyle/>
+          <a:p>
+            <a:pPr>
+              <a:defRPr/>
+            </a:pPr>
+            <a:r>
+              <a:rPr lang="fr-FR" sz="8000" dirty="0" smtClean="0"/>
+              <a:t>Agenda</a:t>
+            </a:r>
+            <a:endParaRPr lang="fr-FR" sz="8000" dirty="0"/>
+          </a:p>
+        </p:txBody>
+      </p:sp>
+    </p:spTree>
+    <p:extLst>
+      <p:ext uri="{BB962C8B-B14F-4D97-AF65-F5344CB8AC3E}">
+        <p14:creationId xmlns:p14="http://schemas.microsoft.com/office/powerpoint/2010/main" val="3179572"/>
+      </p:ext>
+    </p:extLst>
+  </p:cSld>
+  <p:clrMapOvr>
+    <a:masterClrMapping/>
+  </p:clrMapOvr>
+  <p:timing>
+    <p:tnLst>
+      <p:par>
+        <p:cTn id="1" dur="indefinite" restart="never" nodeType="tmRoot"/>
+      </p:par>
+    </p:tnLst>
+  </p:timing>
+</p:sld>
+</file>
+
+<file path=ppt/slides/slide20.xml><?xml version="1.0" encoding="utf-8"?>
 <p:sld xmlns:a="http://schemas.openxmlformats.org/drawingml/2006/main" xmlns:r="http://schemas.openxmlformats.org/officeDocument/2006/relationships" xmlns:p="http://schemas.openxmlformats.org/presentationml/2006/main">
   <p:cSld>
     <p:spTree>
@@ -26703,7 +29030,7 @@
 </p:sld>
 </file>
 
-<file path=ppt/slides/slide14.xml><?xml version="1.0" encoding="utf-8"?>
+<file path=ppt/slides/slide21.xml><?xml version="1.0" encoding="utf-8"?>
 <p:sld xmlns:a="http://schemas.openxmlformats.org/drawingml/2006/main" xmlns:r="http://schemas.openxmlformats.org/officeDocument/2006/relationships" xmlns:p="http://schemas.openxmlformats.org/presentationml/2006/main">
   <p:cSld>
     <p:spTree>
@@ -27154,7 +29481,7 @@
 </p:sld>
 </file>
 
-<file path=ppt/slides/slide15.xml><?xml version="1.0" encoding="utf-8"?>
+<file path=ppt/slides/slide22.xml><?xml version="1.0" encoding="utf-8"?>
 <p:sld xmlns:a="http://schemas.openxmlformats.org/drawingml/2006/main" xmlns:r="http://schemas.openxmlformats.org/officeDocument/2006/relationships" xmlns:p="http://schemas.openxmlformats.org/presentationml/2006/main">
   <p:cSld>
     <p:spTree>
@@ -27546,7 +29873,7 @@
 </p:sld>
 </file>
 
-<file path=ppt/slides/slide16.xml><?xml version="1.0" encoding="utf-8"?>
+<file path=ppt/slides/slide23.xml><?xml version="1.0" encoding="utf-8"?>
 <p:sld xmlns:a="http://schemas.openxmlformats.org/drawingml/2006/main" xmlns:r="http://schemas.openxmlformats.org/officeDocument/2006/relationships" xmlns:p="http://schemas.openxmlformats.org/presentationml/2006/main">
   <p:cSld>
     <p:spTree>
@@ -27823,7 +30150,7 @@
 </p:sld>
 </file>
 
-<file path=ppt/slides/slide17.xml><?xml version="1.0" encoding="utf-8"?>
+<file path=ppt/slides/slide24.xml><?xml version="1.0" encoding="utf-8"?>
 <p:sld xmlns:a="http://schemas.openxmlformats.org/drawingml/2006/main" xmlns:r="http://schemas.openxmlformats.org/officeDocument/2006/relationships" xmlns:p="http://schemas.openxmlformats.org/presentationml/2006/main">
   <p:cSld>
     <p:spTree>
@@ -28207,7 +30534,7 @@
 </p:sld>
 </file>
 
-<file path=ppt/slides/slide18.xml><?xml version="1.0" encoding="utf-8"?>
+<file path=ppt/slides/slide25.xml><?xml version="1.0" encoding="utf-8"?>
 <p:sld xmlns:a="http://schemas.openxmlformats.org/drawingml/2006/main" xmlns:r="http://schemas.openxmlformats.org/officeDocument/2006/relationships" xmlns:p="http://schemas.openxmlformats.org/presentationml/2006/main">
   <p:cSld>
     <p:spTree>
@@ -28509,7 +30836,7 @@
 </p:sld>
 </file>
 
-<file path=ppt/slides/slide19.xml><?xml version="1.0" encoding="utf-8"?>
+<file path=ppt/slides/slide26.xml><?xml version="1.0" encoding="utf-8"?>
 <p:sld xmlns:a="http://schemas.openxmlformats.org/drawingml/2006/main" xmlns:r="http://schemas.openxmlformats.org/officeDocument/2006/relationships" xmlns:p="http://schemas.openxmlformats.org/presentationml/2006/main">
   <p:cSld>
     <p:spTree>
@@ -28660,86 +30987,7 @@
 </p:sld>
 </file>
 
-<file path=ppt/slides/slide2.xml><?xml version="1.0" encoding="utf-8"?>
-<p:sld xmlns:a="http://schemas.openxmlformats.org/drawingml/2006/main" xmlns:r="http://schemas.openxmlformats.org/officeDocument/2006/relationships" xmlns:p="http://schemas.openxmlformats.org/presentationml/2006/main">
-  <p:cSld>
-    <p:spTree>
-      <p:nvGrpSpPr>
-        <p:cNvPr id="1" name=""/>
-        <p:cNvGrpSpPr/>
-        <p:nvPr/>
-      </p:nvGrpSpPr>
-      <p:grpSpPr>
-        <a:xfrm>
-          <a:off x="0" y="0"/>
-          <a:ext cx="0" cy="0"/>
-          <a:chOff x="0" y="0"/>
-          <a:chExt cx="0" cy="0"/>
-        </a:xfrm>
-      </p:grpSpPr>
-      <p:sp>
-        <p:nvSpPr>
-          <p:cNvPr id="4" name="Content Placeholder 3"/>
-          <p:cNvSpPr>
-            <a:spLocks noGrp="1"/>
-          </p:cNvSpPr>
-          <p:nvPr>
-            <p:ph idx="1"/>
-          </p:nvPr>
-        </p:nvSpPr>
-        <p:spPr/>
-        <p:txBody>
-          <a:bodyPr/>
-          <a:lstStyle/>
-          <a:p>
-            <a:endParaRPr lang="en-US"/>
-          </a:p>
-        </p:txBody>
-      </p:sp>
-      <p:sp>
-        <p:nvSpPr>
-          <p:cNvPr id="3" name="Title 2"/>
-          <p:cNvSpPr>
-            <a:spLocks noGrp="1"/>
-          </p:cNvSpPr>
-          <p:nvPr>
-            <p:ph type="title"/>
-          </p:nvPr>
-        </p:nvSpPr>
-        <p:spPr/>
-        <p:txBody>
-          <a:bodyPr/>
-          <a:lstStyle/>
-          <a:p>
-            <a:r>
-              <a:rPr lang="en-US" dirty="0" smtClean="0"/>
-              <a:t>Plan de la séance</a:t>
-            </a:r>
-            <a:endParaRPr lang="en-US" dirty="0"/>
-          </a:p>
-        </p:txBody>
-      </p:sp>
-    </p:spTree>
-    <p:extLst>
-      <p:ext uri="{BB962C8B-B14F-4D97-AF65-F5344CB8AC3E}">
-        <p14:creationId xmlns:p14="http://schemas.microsoft.com/office/powerpoint/2010/main" val="3729235698"/>
-      </p:ext>
-    </p:extLst>
-  </p:cSld>
-  <p:clrMapOvr>
-    <a:masterClrMapping/>
-  </p:clrMapOvr>
-  <p:timing>
-    <p:tnLst>
-      <p:par>
-        <p:cTn id="1" dur="indefinite" restart="never" nodeType="tmRoot"/>
-      </p:par>
-    </p:tnLst>
-  </p:timing>
-</p:sld>
-</file>
-
-<file path=ppt/slides/slide20.xml><?xml version="1.0" encoding="utf-8"?>
+<file path=ppt/slides/slide27.xml><?xml version="1.0" encoding="utf-8"?>
 <p:sld xmlns:a="http://schemas.openxmlformats.org/drawingml/2006/main" xmlns:r="http://schemas.openxmlformats.org/officeDocument/2006/relationships" xmlns:p="http://schemas.openxmlformats.org/presentationml/2006/main">
   <p:cSld>
     <p:spTree>
@@ -28807,7 +31055,7 @@
 </p:sld>
 </file>
 
-<file path=ppt/slides/slide21.xml><?xml version="1.0" encoding="utf-8"?>
+<file path=ppt/slides/slide28.xml><?xml version="1.0" encoding="utf-8"?>
 <p:sld xmlns:a="http://schemas.openxmlformats.org/drawingml/2006/main" xmlns:r="http://schemas.openxmlformats.org/officeDocument/2006/relationships" xmlns:p="http://schemas.openxmlformats.org/presentationml/2006/main">
   <p:cSld>
     <p:spTree>
@@ -28867,7 +31115,7 @@
 </p:sld>
 </file>
 
-<file path=ppt/slides/slide22.xml><?xml version="1.0" encoding="utf-8"?>
+<file path=ppt/slides/slide29.xml><?xml version="1.0" encoding="utf-8"?>
 <p:sld xmlns:a="http://schemas.openxmlformats.org/drawingml/2006/main" xmlns:r="http://schemas.openxmlformats.org/officeDocument/2006/relationships" xmlns:p="http://schemas.openxmlformats.org/presentationml/2006/main">
   <p:cSld>
     <p:spTree>
@@ -28931,7 +31179,129 @@
 </p:sld>
 </file>
 
-<file path=ppt/slides/slide23.xml><?xml version="1.0" encoding="utf-8"?>
+<file path=ppt/slides/slide3.xml><?xml version="1.0" encoding="utf-8"?>
+<p:sld xmlns:a="http://schemas.openxmlformats.org/drawingml/2006/main" xmlns:r="http://schemas.openxmlformats.org/officeDocument/2006/relationships" xmlns:p="http://schemas.openxmlformats.org/presentationml/2006/main">
+  <p:cSld>
+    <p:spTree>
+      <p:nvGrpSpPr>
+        <p:cNvPr id="1" name=""/>
+        <p:cNvGrpSpPr/>
+        <p:nvPr/>
+      </p:nvGrpSpPr>
+      <p:grpSpPr>
+        <a:xfrm>
+          <a:off x="0" y="0"/>
+          <a:ext cx="0" cy="0"/>
+          <a:chOff x="0" y="0"/>
+          <a:chExt cx="0" cy="0"/>
+        </a:xfrm>
+      </p:grpSpPr>
+      <p:sp>
+        <p:nvSpPr>
+          <p:cNvPr id="4" name="Rectangle 3"/>
+          <p:cNvSpPr/>
+          <p:nvPr/>
+        </p:nvSpPr>
+        <p:spPr bwMode="auto">
+          <a:xfrm>
+            <a:off x="1797832" y="793800"/>
+            <a:ext cx="1944216" cy="864096"/>
+          </a:xfrm>
+          <a:prstGeom prst="rect">
+            <a:avLst/>
+          </a:prstGeom>
+          <a:ln>
+            <a:headEnd type="none" w="med" len="med"/>
+            <a:tailEnd type="none" w="med" len="med"/>
+          </a:ln>
+        </p:spPr>
+        <p:style>
+          <a:lnRef idx="2">
+            <a:schemeClr val="accent3">
+              <a:shade val="50000"/>
+            </a:schemeClr>
+          </a:lnRef>
+          <a:fillRef idx="1">
+            <a:schemeClr val="accent3"/>
+          </a:fillRef>
+          <a:effectRef idx="0">
+            <a:schemeClr val="accent3"/>
+          </a:effectRef>
+          <a:fontRef idx="minor">
+            <a:schemeClr val="lt1"/>
+          </a:fontRef>
+        </p:style>
+        <p:txBody>
+          <a:bodyPr vert="horz" wrap="square" lIns="91440" tIns="45720" rIns="91440" bIns="45720" numCol="1" rtlCol="0" anchor="ctr" anchorCtr="0" compatLnSpc="1">
+            <a:prstTxWarp prst="textNoShape">
+              <a:avLst/>
+            </a:prstTxWarp>
+          </a:bodyPr>
+          <a:lstStyle/>
+          <a:p>
+            <a:pPr marL="0" marR="0" indent="0" algn="ctr" defTabSz="914400" rtl="0" eaLnBrk="0" fontAlgn="base" latinLnBrk="0" hangingPunct="0">
+              <a:lnSpc>
+                <a:spcPct val="100000"/>
+              </a:lnSpc>
+              <a:spcBef>
+                <a:spcPct val="0"/>
+              </a:spcBef>
+              <a:spcAft>
+                <a:spcPct val="0"/>
+              </a:spcAft>
+              <a:buClrTx/>
+              <a:buSzTx/>
+              <a:buFontTx/>
+              <a:buNone/>
+              <a:tabLst/>
+            </a:pPr>
+            <a:r>
+              <a:rPr kumimoji="0" lang="en-US" sz="3200" b="0" i="0" u="none" strike="noStrike" cap="none" normalizeH="0" baseline="0" dirty="0" smtClean="0">
+                <a:ln>
+                  <a:noFill/>
+                </a:ln>
+                <a:solidFill>
+                  <a:schemeClr val="bg1"/>
+                </a:solidFill>
+                <a:effectLst/>
+                <a:latin typeface="+mn-lt"/>
+              </a:rPr>
+              <a:t>Tuning</a:t>
+            </a:r>
+            <a:endParaRPr kumimoji="0" lang="en-US" sz="3200" b="0" i="0" u="none" strike="noStrike" cap="none" normalizeH="0" baseline="0" dirty="0" smtClean="0">
+              <a:ln>
+                <a:noFill/>
+              </a:ln>
+              <a:solidFill>
+                <a:schemeClr val="bg1"/>
+              </a:solidFill>
+              <a:effectLst/>
+              <a:latin typeface="+mn-lt"/>
+            </a:endParaRPr>
+          </a:p>
+        </p:txBody>
+      </p:sp>
+    </p:spTree>
+    <p:extLst>
+      <p:ext uri="{BB962C8B-B14F-4D97-AF65-F5344CB8AC3E}">
+        <p14:creationId xmlns:p14="http://schemas.microsoft.com/office/powerpoint/2010/main" val="2282883082"/>
+      </p:ext>
+    </p:extLst>
+  </p:cSld>
+  <p:clrMapOvr>
+    <a:masterClrMapping/>
+  </p:clrMapOvr>
+  <p:timing>
+    <p:tnLst>
+      <p:par>
+        <p:cTn id="1" dur="indefinite" restart="never" nodeType="tmRoot"/>
+      </p:par>
+    </p:tnLst>
+  </p:timing>
+</p:sld>
+</file>
+
+<file path=ppt/slides/slide30.xml><?xml version="1.0" encoding="utf-8"?>
 <p:sld xmlns:a="http://schemas.openxmlformats.org/drawingml/2006/main" xmlns:r="http://schemas.openxmlformats.org/officeDocument/2006/relationships" xmlns:p="http://schemas.openxmlformats.org/presentationml/2006/main">
   <p:cSld>
     <p:spTree>
@@ -28995,7 +31365,7 @@
 </p:sld>
 </file>
 
-<file path=ppt/slides/slide24.xml><?xml version="1.0" encoding="utf-8"?>
+<file path=ppt/slides/slide31.xml><?xml version="1.0" encoding="utf-8"?>
 <p:sld xmlns:a="http://schemas.openxmlformats.org/drawingml/2006/main" xmlns:r="http://schemas.openxmlformats.org/officeDocument/2006/relationships" xmlns:p="http://schemas.openxmlformats.org/presentationml/2006/main">
   <p:cSld>
     <p:spTree>
@@ -29055,7 +31425,7 @@
 </p:sld>
 </file>
 
-<file path=ppt/slides/slide25.xml><?xml version="1.0" encoding="utf-8"?>
+<file path=ppt/slides/slide32.xml><?xml version="1.0" encoding="utf-8"?>
 <p:sld xmlns:a="http://schemas.openxmlformats.org/drawingml/2006/main" xmlns:r="http://schemas.openxmlformats.org/officeDocument/2006/relationships" xmlns:p="http://schemas.openxmlformats.org/presentationml/2006/main">
   <p:cSld>
     <p:spTree>
@@ -29206,7 +31576,7 @@
 </p:sld>
 </file>
 
-<file path=ppt/slides/slide26.xml><?xml version="1.0" encoding="utf-8"?>
+<file path=ppt/slides/slide33.xml><?xml version="1.0" encoding="utf-8"?>
 <p:sld xmlns:a="http://schemas.openxmlformats.org/drawingml/2006/main" xmlns:r="http://schemas.openxmlformats.org/officeDocument/2006/relationships" xmlns:p="http://schemas.openxmlformats.org/presentationml/2006/main">
   <p:cSld>
     <p:spTree>
@@ -29361,7 +31731,7 @@
 </p:sld>
 </file>
 
-<file path=ppt/slides/slide27.xml><?xml version="1.0" encoding="utf-8"?>
+<file path=ppt/slides/slide34.xml><?xml version="1.0" encoding="utf-8"?>
 <p:sld xmlns:a="http://schemas.openxmlformats.org/drawingml/2006/main" xmlns:r="http://schemas.openxmlformats.org/officeDocument/2006/relationships" xmlns:p="http://schemas.openxmlformats.org/presentationml/2006/main">
   <p:cSld>
     <p:spTree>
@@ -29429,7 +31799,7 @@
 </p:sld>
 </file>
 
-<file path=ppt/slides/slide28.xml><?xml version="1.0" encoding="utf-8"?>
+<file path=ppt/slides/slide35.xml><?xml version="1.0" encoding="utf-8"?>
 <p:sld xmlns:a="http://schemas.openxmlformats.org/drawingml/2006/main" xmlns:r="http://schemas.openxmlformats.org/officeDocument/2006/relationships" xmlns:p="http://schemas.openxmlformats.org/presentationml/2006/main">
   <p:cSld>
     <p:spTree>
@@ -29493,7 +31863,7 @@
 </p:sld>
 </file>
 
-<file path=ppt/slides/slide29.xml><?xml version="1.0" encoding="utf-8"?>
+<file path=ppt/slides/slide36.xml><?xml version="1.0" encoding="utf-8"?>
 <p:sld xmlns:a="http://schemas.openxmlformats.org/drawingml/2006/main" xmlns:r="http://schemas.openxmlformats.org/officeDocument/2006/relationships" xmlns:p="http://schemas.openxmlformats.org/presentationml/2006/main">
   <p:cSld>
     <p:spTree>
@@ -29553,75 +31923,7 @@
 </p:sld>
 </file>
 
-<file path=ppt/slides/slide3.xml><?xml version="1.0" encoding="utf-8"?>
-<p:sld xmlns:a="http://schemas.openxmlformats.org/drawingml/2006/main" xmlns:r="http://schemas.openxmlformats.org/officeDocument/2006/relationships" xmlns:p="http://schemas.openxmlformats.org/presentationml/2006/main">
-  <p:cSld>
-    <p:spTree>
-      <p:nvGrpSpPr>
-        <p:cNvPr id="1" name=""/>
-        <p:cNvGrpSpPr/>
-        <p:nvPr/>
-      </p:nvGrpSpPr>
-      <p:grpSpPr>
-        <a:xfrm>
-          <a:off x="0" y="0"/>
-          <a:ext cx="0" cy="0"/>
-          <a:chOff x="0" y="0"/>
-          <a:chExt cx="0" cy="0"/>
-        </a:xfrm>
-      </p:grpSpPr>
-      <p:sp>
-        <p:nvSpPr>
-          <p:cNvPr id="3" name="Titre 2"/>
-          <p:cNvSpPr>
-            <a:spLocks noGrp="1"/>
-          </p:cNvSpPr>
-          <p:nvPr>
-            <p:ph type="title"/>
-          </p:nvPr>
-        </p:nvSpPr>
-        <p:spPr>
-          <a:xfrm>
-            <a:off x="899592" y="2067694"/>
-            <a:ext cx="7344816" cy="400050"/>
-          </a:xfrm>
-        </p:spPr>
-        <p:txBody>
-          <a:bodyPr/>
-          <a:lstStyle/>
-          <a:p>
-            <a:pPr>
-              <a:defRPr/>
-            </a:pPr>
-            <a:r>
-              <a:rPr lang="fr-FR" sz="8000" dirty="0" smtClean="0"/>
-              <a:t>Présentation de l’équipe</a:t>
-            </a:r>
-            <a:endParaRPr lang="fr-FR" sz="8000" dirty="0"/>
-          </a:p>
-        </p:txBody>
-      </p:sp>
-    </p:spTree>
-    <p:extLst>
-      <p:ext uri="{BB962C8B-B14F-4D97-AF65-F5344CB8AC3E}">
-        <p14:creationId xmlns:p14="http://schemas.microsoft.com/office/powerpoint/2010/main" val="1615308073"/>
-      </p:ext>
-    </p:extLst>
-  </p:cSld>
-  <p:clrMapOvr>
-    <a:masterClrMapping/>
-  </p:clrMapOvr>
-  <p:timing>
-    <p:tnLst>
-      <p:par>
-        <p:cTn id="1" dur="indefinite" restart="never" nodeType="tmRoot"/>
-      </p:par>
-    </p:tnLst>
-  </p:timing>
-</p:sld>
-</file>
-
-<file path=ppt/slides/slide30.xml><?xml version="1.0" encoding="utf-8"?>
+<file path=ppt/slides/slide37.xml><?xml version="1.0" encoding="utf-8"?>
 <p:sld xmlns:a="http://schemas.openxmlformats.org/drawingml/2006/main" xmlns:r="http://schemas.openxmlformats.org/officeDocument/2006/relationships" xmlns:p="http://schemas.openxmlformats.org/presentationml/2006/main">
   <p:cSld>
     <p:spTree>
@@ -29685,7 +31987,7 @@
 </p:sld>
 </file>
 
-<file path=ppt/slides/slide31.xml><?xml version="1.0" encoding="utf-8"?>
+<file path=ppt/slides/slide38.xml><?xml version="1.0" encoding="utf-8"?>
 <p:sld xmlns:a="http://schemas.openxmlformats.org/drawingml/2006/main" xmlns:r="http://schemas.openxmlformats.org/officeDocument/2006/relationships" xmlns:p="http://schemas.openxmlformats.org/presentationml/2006/main">
   <p:cSld>
     <p:spTree>
@@ -29745,7 +32047,7 @@
 </p:sld>
 </file>
 
-<file path=ppt/slides/slide32.xml><?xml version="1.0" encoding="utf-8"?>
+<file path=ppt/slides/slide39.xml><?xml version="1.0" encoding="utf-8"?>
 <p:sld xmlns:a="http://schemas.openxmlformats.org/drawingml/2006/main" xmlns:r="http://schemas.openxmlformats.org/officeDocument/2006/relationships" xmlns:p="http://schemas.openxmlformats.org/presentationml/2006/main">
   <p:cSld>
     <p:spTree>
@@ -29840,7 +32142,246 @@
 </p:sld>
 </file>
 
-<file path=ppt/slides/slide33.xml><?xml version="1.0" encoding="utf-8"?>
+<file path=ppt/slides/slide4.xml><?xml version="1.0" encoding="utf-8"?>
+<p:sld xmlns:a="http://schemas.openxmlformats.org/drawingml/2006/main" xmlns:r="http://schemas.openxmlformats.org/officeDocument/2006/relationships" xmlns:p="http://schemas.openxmlformats.org/presentationml/2006/main">
+  <p:cSld>
+    <p:spTree>
+      <p:nvGrpSpPr>
+        <p:cNvPr id="1" name=""/>
+        <p:cNvGrpSpPr/>
+        <p:nvPr/>
+      </p:nvGrpSpPr>
+      <p:grpSpPr>
+        <a:xfrm>
+          <a:off x="0" y="0"/>
+          <a:ext cx="0" cy="0"/>
+          <a:chOff x="0" y="0"/>
+          <a:chExt cx="0" cy="0"/>
+        </a:xfrm>
+      </p:grpSpPr>
+      <p:sp>
+        <p:nvSpPr>
+          <p:cNvPr id="4" name="Rectangle 3"/>
+          <p:cNvSpPr/>
+          <p:nvPr/>
+        </p:nvSpPr>
+        <p:spPr bwMode="auto">
+          <a:xfrm>
+            <a:off x="1797832" y="793800"/>
+            <a:ext cx="1944216" cy="864096"/>
+          </a:xfrm>
+          <a:prstGeom prst="rect">
+            <a:avLst/>
+          </a:prstGeom>
+          <a:ln>
+            <a:headEnd type="none" w="med" len="med"/>
+            <a:tailEnd type="none" w="med" len="med"/>
+          </a:ln>
+        </p:spPr>
+        <p:style>
+          <a:lnRef idx="2">
+            <a:schemeClr val="accent3">
+              <a:shade val="50000"/>
+            </a:schemeClr>
+          </a:lnRef>
+          <a:fillRef idx="1">
+            <a:schemeClr val="accent3"/>
+          </a:fillRef>
+          <a:effectRef idx="0">
+            <a:schemeClr val="accent3"/>
+          </a:effectRef>
+          <a:fontRef idx="minor">
+            <a:schemeClr val="lt1"/>
+          </a:fontRef>
+        </p:style>
+        <p:txBody>
+          <a:bodyPr vert="horz" wrap="square" lIns="91440" tIns="45720" rIns="91440" bIns="45720" numCol="1" rtlCol="0" anchor="ctr" anchorCtr="0" compatLnSpc="1">
+            <a:prstTxWarp prst="textNoShape">
+              <a:avLst/>
+            </a:prstTxWarp>
+          </a:bodyPr>
+          <a:lstStyle/>
+          <a:p>
+            <a:pPr marL="0" marR="0" indent="0" algn="ctr" defTabSz="914400" rtl="0" eaLnBrk="0" fontAlgn="base" latinLnBrk="0" hangingPunct="0">
+              <a:lnSpc>
+                <a:spcPct val="100000"/>
+              </a:lnSpc>
+              <a:spcBef>
+                <a:spcPct val="0"/>
+              </a:spcBef>
+              <a:spcAft>
+                <a:spcPct val="0"/>
+              </a:spcAft>
+              <a:buClrTx/>
+              <a:buSzTx/>
+              <a:buFontTx/>
+              <a:buNone/>
+              <a:tabLst/>
+            </a:pPr>
+            <a:r>
+              <a:rPr kumimoji="0" lang="en-US" sz="3200" b="0" i="0" u="none" strike="noStrike" cap="none" normalizeH="0" baseline="0" dirty="0" smtClean="0">
+                <a:ln>
+                  <a:noFill/>
+                </a:ln>
+                <a:solidFill>
+                  <a:schemeClr val="bg1"/>
+                </a:solidFill>
+                <a:effectLst/>
+                <a:latin typeface="+mn-lt"/>
+              </a:rPr>
+              <a:t>Tuning</a:t>
+            </a:r>
+            <a:endParaRPr kumimoji="0" lang="en-US" sz="3200" b="0" i="0" u="none" strike="noStrike" cap="none" normalizeH="0" baseline="0" dirty="0" smtClean="0">
+              <a:ln>
+                <a:noFill/>
+              </a:ln>
+              <a:solidFill>
+                <a:schemeClr val="bg1"/>
+              </a:solidFill>
+              <a:effectLst/>
+              <a:latin typeface="+mn-lt"/>
+            </a:endParaRPr>
+          </a:p>
+        </p:txBody>
+      </p:sp>
+      <p:sp>
+        <p:nvSpPr>
+          <p:cNvPr id="5" name="Rectangle 4"/>
+          <p:cNvSpPr/>
+          <p:nvPr/>
+        </p:nvSpPr>
+        <p:spPr bwMode="auto">
+          <a:xfrm>
+            <a:off x="5448424" y="491902"/>
+            <a:ext cx="1944216" cy="864096"/>
+          </a:xfrm>
+          <a:prstGeom prst="rect">
+            <a:avLst/>
+          </a:prstGeom>
+          <a:ln>
+            <a:headEnd type="none" w="med" len="med"/>
+            <a:tailEnd type="none" w="med" len="med"/>
+          </a:ln>
+        </p:spPr>
+        <p:style>
+          <a:lnRef idx="2">
+            <a:schemeClr val="accent3">
+              <a:shade val="50000"/>
+            </a:schemeClr>
+          </a:lnRef>
+          <a:fillRef idx="1">
+            <a:schemeClr val="accent3"/>
+          </a:fillRef>
+          <a:effectRef idx="0">
+            <a:schemeClr val="accent3"/>
+          </a:effectRef>
+          <a:fontRef idx="minor">
+            <a:schemeClr val="lt1"/>
+          </a:fontRef>
+        </p:style>
+        <p:txBody>
+          <a:bodyPr vert="horz" wrap="square" lIns="91440" tIns="45720" rIns="91440" bIns="45720" numCol="1" rtlCol="0" anchor="ctr" anchorCtr="0" compatLnSpc="1">
+            <a:prstTxWarp prst="textNoShape">
+              <a:avLst/>
+            </a:prstTxWarp>
+          </a:bodyPr>
+          <a:lstStyle/>
+          <a:p>
+            <a:pPr marL="0" marR="0" indent="0" algn="ctr" defTabSz="914400" rtl="0" eaLnBrk="0" fontAlgn="base" latinLnBrk="0" hangingPunct="0">
+              <a:lnSpc>
+                <a:spcPct val="100000"/>
+              </a:lnSpc>
+              <a:spcBef>
+                <a:spcPct val="0"/>
+              </a:spcBef>
+              <a:spcAft>
+                <a:spcPct val="0"/>
+              </a:spcAft>
+              <a:buClrTx/>
+              <a:buSzTx/>
+              <a:buFontTx/>
+              <a:buNone/>
+              <a:tabLst/>
+            </a:pPr>
+            <a:r>
+              <a:rPr kumimoji="0" lang="en-US" sz="3200" b="0" i="0" u="none" strike="noStrike" cap="none" normalizeH="0" baseline="0" dirty="0" err="1" smtClean="0">
+                <a:ln>
+                  <a:noFill/>
+                </a:ln>
+                <a:solidFill>
+                  <a:schemeClr val="bg1"/>
+                </a:solidFill>
+                <a:effectLst/>
+                <a:latin typeface="+mn-lt"/>
+              </a:rPr>
+              <a:t>Applicatif</a:t>
+            </a:r>
+            <a:endParaRPr kumimoji="0" lang="en-US" sz="3200" b="0" i="0" u="none" strike="noStrike" cap="none" normalizeH="0" baseline="0" dirty="0" smtClean="0">
+              <a:ln>
+                <a:noFill/>
+              </a:ln>
+              <a:solidFill>
+                <a:schemeClr val="bg1"/>
+              </a:solidFill>
+              <a:effectLst/>
+              <a:latin typeface="+mn-lt"/>
+            </a:endParaRPr>
+          </a:p>
+        </p:txBody>
+      </p:sp>
+      <p:cxnSp>
+        <p:nvCxnSpPr>
+          <p:cNvPr id="9" name="Straight Arrow Connector 8"/>
+          <p:cNvCxnSpPr>
+            <a:stCxn id="4" idx="3"/>
+            <a:endCxn id="5" idx="1"/>
+          </p:cNvCxnSpPr>
+          <p:nvPr/>
+        </p:nvCxnSpPr>
+        <p:spPr bwMode="auto">
+          <a:xfrm flipV="1">
+            <a:off x="3742048" y="923950"/>
+            <a:ext cx="1706376" cy="301898"/>
+          </a:xfrm>
+          <a:prstGeom prst="straightConnector1">
+            <a:avLst/>
+          </a:prstGeom>
+          <a:solidFill>
+            <a:schemeClr val="accent1"/>
+          </a:solidFill>
+          <a:ln w="9525" cap="flat" cmpd="sng" algn="ctr">
+            <a:solidFill>
+              <a:schemeClr val="tx1"/>
+            </a:solidFill>
+            <a:prstDash val="solid"/>
+            <a:round/>
+            <a:headEnd type="none" w="med" len="med"/>
+            <a:tailEnd type="arrow"/>
+          </a:ln>
+          <a:effectLst/>
+        </p:spPr>
+      </p:cxnSp>
+    </p:spTree>
+    <p:extLst>
+      <p:ext uri="{BB962C8B-B14F-4D97-AF65-F5344CB8AC3E}">
+        <p14:creationId xmlns:p14="http://schemas.microsoft.com/office/powerpoint/2010/main" val="1475935855"/>
+      </p:ext>
+    </p:extLst>
+  </p:cSld>
+  <p:clrMapOvr>
+    <a:masterClrMapping/>
+  </p:clrMapOvr>
+  <p:timing>
+    <p:tnLst>
+      <p:par>
+        <p:cTn id="1" dur="indefinite" restart="never" nodeType="tmRoot"/>
+      </p:par>
+    </p:tnLst>
+  </p:timing>
+</p:sld>
+</file>
+
+<file path=ppt/slides/slide40.xml><?xml version="1.0" encoding="utf-8"?>
 <p:sld xmlns:a="http://schemas.openxmlformats.org/drawingml/2006/main" xmlns:r="http://schemas.openxmlformats.org/officeDocument/2006/relationships" xmlns:p="http://schemas.openxmlformats.org/presentationml/2006/main">
   <p:cSld>
     <p:spTree>
@@ -30493,7 +33034,7 @@
 </p:sld>
 </file>
 
-<file path=ppt/slides/slide34.xml><?xml version="1.0" encoding="utf-8"?>
+<file path=ppt/slides/slide41.xml><?xml version="1.0" encoding="utf-8"?>
 <p:sld xmlns:a="http://schemas.openxmlformats.org/drawingml/2006/main" xmlns:r="http://schemas.openxmlformats.org/officeDocument/2006/relationships" xmlns:p="http://schemas.openxmlformats.org/presentationml/2006/main">
   <p:cSld>
     <p:spTree>
@@ -31307,7 +33848,7 @@
 </p:sld>
 </file>
 
-<file path=ppt/slides/slide35.xml><?xml version="1.0" encoding="utf-8"?>
+<file path=ppt/slides/slide42.xml><?xml version="1.0" encoding="utf-8"?>
 <p:sld xmlns:a="http://schemas.openxmlformats.org/drawingml/2006/main" xmlns:r="http://schemas.openxmlformats.org/officeDocument/2006/relationships" xmlns:p="http://schemas.openxmlformats.org/presentationml/2006/main">
   <p:cSld>
     <p:spTree>
@@ -32645,7 +35186,7 @@
 </p:sld>
 </file>
 
-<file path=ppt/slides/slide36.xml><?xml version="1.0" encoding="utf-8"?>
+<file path=ppt/slides/slide43.xml><?xml version="1.0" encoding="utf-8"?>
 <p:sld xmlns:a="http://schemas.openxmlformats.org/drawingml/2006/main" xmlns:r="http://schemas.openxmlformats.org/officeDocument/2006/relationships" xmlns:p="http://schemas.openxmlformats.org/presentationml/2006/main">
   <p:cSld>
     <p:spTree>
@@ -34506,7 +37047,7 @@
 </p:sld>
 </file>
 
-<file path=ppt/slides/slide37.xml><?xml version="1.0" encoding="utf-8"?>
+<file path=ppt/slides/slide44.xml><?xml version="1.0" encoding="utf-8"?>
 <p:sld xmlns:a="http://schemas.openxmlformats.org/drawingml/2006/main" xmlns:r="http://schemas.openxmlformats.org/officeDocument/2006/relationships" xmlns:p="http://schemas.openxmlformats.org/presentationml/2006/main">
   <p:cSld>
     <p:spTree>
@@ -36821,7 +39362,7 @@
 </p:sld>
 </file>
 
-<file path=ppt/slides/slide38.xml><?xml version="1.0" encoding="utf-8"?>
+<file path=ppt/slides/slide45.xml><?xml version="1.0" encoding="utf-8"?>
 <p:sld xmlns:a="http://schemas.openxmlformats.org/drawingml/2006/main" xmlns:r="http://schemas.openxmlformats.org/officeDocument/2006/relationships" xmlns:p="http://schemas.openxmlformats.org/presentationml/2006/main">
   <p:cSld>
     <p:spTree>
@@ -38830,7 +41371,7 @@
 </p:sld>
 </file>
 
-<file path=ppt/slides/slide39.xml><?xml version="1.0" encoding="utf-8"?>
+<file path=ppt/slides/slide46.xml><?xml version="1.0" encoding="utf-8"?>
 <p:sld xmlns:a="http://schemas.openxmlformats.org/drawingml/2006/main" xmlns:r="http://schemas.openxmlformats.org/officeDocument/2006/relationships" xmlns:p="http://schemas.openxmlformats.org/presentationml/2006/main">
   <p:cSld>
     <p:spTree>
@@ -38894,257 +41435,7 @@
 </p:sld>
 </file>
 
-<file path=ppt/slides/slide4.xml><?xml version="1.0" encoding="utf-8"?>
-<p:sld xmlns:a="http://schemas.openxmlformats.org/drawingml/2006/main" xmlns:r="http://schemas.openxmlformats.org/officeDocument/2006/relationships" xmlns:p="http://schemas.openxmlformats.org/presentationml/2006/main">
-  <p:cSld>
-    <p:spTree>
-      <p:nvGrpSpPr>
-        <p:cNvPr id="1" name=""/>
-        <p:cNvGrpSpPr/>
-        <p:nvPr/>
-      </p:nvGrpSpPr>
-      <p:grpSpPr>
-        <a:xfrm>
-          <a:off x="0" y="0"/>
-          <a:ext cx="0" cy="0"/>
-          <a:chOff x="0" y="0"/>
-          <a:chExt cx="0" cy="0"/>
-        </a:xfrm>
-      </p:grpSpPr>
-      <p:sp>
-        <p:nvSpPr>
-          <p:cNvPr id="2" name="Content Placeholder 1"/>
-          <p:cNvSpPr>
-            <a:spLocks noGrp="1"/>
-          </p:cNvSpPr>
-          <p:nvPr>
-            <p:ph idx="1"/>
-          </p:nvPr>
-        </p:nvSpPr>
-        <p:spPr>
-          <a:xfrm>
-            <a:off x="2843809" y="843558"/>
-            <a:ext cx="4032448" cy="3601641"/>
-          </a:xfrm>
-        </p:spPr>
-        <p:txBody>
-          <a:bodyPr/>
-          <a:lstStyle/>
-          <a:p>
-            <a:r>
-              <a:rPr lang="fr-FR" dirty="0" smtClean="0"/>
-              <a:t>Architecte Senior</a:t>
-            </a:r>
-          </a:p>
-          <a:p>
-            <a:r>
-              <a:rPr lang="fr-FR" dirty="0" smtClean="0"/>
-              <a:t>Responsable pôle performance</a:t>
-            </a:r>
-          </a:p>
-          <a:p>
-            <a:endParaRPr lang="fr-FR" dirty="0" smtClean="0"/>
-          </a:p>
-          <a:p>
-            <a:r>
-              <a:rPr lang="fr-FR" dirty="0" smtClean="0"/>
-              <a:t>Responsable R&amp;D</a:t>
-            </a:r>
-          </a:p>
-          <a:p>
-            <a:endParaRPr lang="fr-FR" dirty="0"/>
-          </a:p>
-          <a:p>
-            <a:r>
-              <a:rPr lang="fr-FR" dirty="0" smtClean="0"/>
-              <a:t>Membre fondateur du </a:t>
-            </a:r>
-            <a:r>
-              <a:rPr lang="fr-FR" dirty="0" err="1" smtClean="0"/>
-              <a:t>PerfUG</a:t>
-            </a:r>
-            <a:endParaRPr lang="fr-FR" dirty="0" smtClean="0"/>
-          </a:p>
-          <a:p>
-            <a:pPr marL="0" indent="0">
-              <a:buNone/>
-            </a:pPr>
-            <a:endParaRPr lang="fr-FR" dirty="0" smtClean="0"/>
-          </a:p>
-        </p:txBody>
-      </p:sp>
-      <p:pic>
-        <p:nvPicPr>
-          <p:cNvPr id="4" name="Picture 2" descr="C:\Users\Henri\Google Drive\TOOLBOX\Slideware tools\Pictos\Normal\Octos\OctoGraduate_Pos.png"/>
-          <p:cNvPicPr>
-            <a:picLocks noChangeAspect="1" noChangeArrowheads="1"/>
-          </p:cNvPicPr>
-          <p:nvPr/>
-        </p:nvPicPr>
-        <p:blipFill>
-          <a:blip r:embed="rId3">
-            <a:extLst>
-              <a:ext uri="{28A0092B-C50C-407E-A947-70E740481C1C}">
-                <a14:useLocalDpi xmlns:a14="http://schemas.microsoft.com/office/drawing/2010/main" val="0"/>
-              </a:ext>
-            </a:extLst>
-          </a:blip>
-          <a:srcRect/>
-          <a:stretch>
-            <a:fillRect/>
-          </a:stretch>
-        </p:blipFill>
-        <p:spPr bwMode="auto">
-          <a:xfrm>
-            <a:off x="251520" y="987574"/>
-            <a:ext cx="2520280" cy="3026647"/>
-          </a:xfrm>
-          <a:prstGeom prst="rect">
-            <a:avLst/>
-          </a:prstGeom>
-          <a:noFill/>
-          <a:extLst>
-            <a:ext uri="{909E8E84-426E-40DD-AFC4-6F175D3DCCD1}">
-              <a14:hiddenFill xmlns:a14="http://schemas.microsoft.com/office/drawing/2010/main">
-                <a:solidFill>
-                  <a:srgbClr val="FFFFFF"/>
-                </a:solidFill>
-              </a14:hiddenFill>
-            </a:ext>
-          </a:extLst>
-        </p:spPr>
-      </p:pic>
-      <p:pic>
-        <p:nvPicPr>
-          <p:cNvPr id="2054" name="Picture 6" descr="http://datajob2013.fr/assets/uploads/Logos/octo.png"/>
-          <p:cNvPicPr>
-            <a:picLocks noChangeAspect="1" noChangeArrowheads="1"/>
-          </p:cNvPicPr>
-          <p:nvPr/>
-        </p:nvPicPr>
-        <p:blipFill>
-          <a:blip r:embed="rId4">
-            <a:extLst>
-              <a:ext uri="{28A0092B-C50C-407E-A947-70E740481C1C}">
-                <a14:useLocalDpi xmlns:a14="http://schemas.microsoft.com/office/drawing/2010/main" val="0"/>
-              </a:ext>
-            </a:extLst>
-          </a:blip>
-          <a:srcRect/>
-          <a:stretch>
-            <a:fillRect/>
-          </a:stretch>
-        </p:blipFill>
-        <p:spPr bwMode="auto">
-          <a:xfrm>
-            <a:off x="6516216" y="627534"/>
-            <a:ext cx="2323753" cy="1210578"/>
-          </a:xfrm>
-          <a:prstGeom prst="rect">
-            <a:avLst/>
-          </a:prstGeom>
-          <a:noFill/>
-          <a:extLst>
-            <a:ext uri="{909E8E84-426E-40DD-AFC4-6F175D3DCCD1}">
-              <a14:hiddenFill xmlns:a14="http://schemas.microsoft.com/office/drawing/2010/main">
-                <a:solidFill>
-                  <a:srgbClr val="FFFFFF"/>
-                </a:solidFill>
-              </a14:hiddenFill>
-            </a:ext>
-          </a:extLst>
-        </p:spPr>
-      </p:pic>
-      <p:sp>
-        <p:nvSpPr>
-          <p:cNvPr id="5" name="Title 4"/>
-          <p:cNvSpPr>
-            <a:spLocks noGrp="1"/>
-          </p:cNvSpPr>
-          <p:nvPr>
-            <p:ph type="title"/>
-          </p:nvPr>
-        </p:nvSpPr>
-        <p:spPr/>
-        <p:txBody>
-          <a:bodyPr/>
-          <a:lstStyle/>
-          <a:p>
-            <a:pPr algn="l"/>
-            <a:r>
-              <a:rPr lang="fr-FR" b="1" dirty="0" smtClean="0"/>
-              <a:t>Marc </a:t>
-            </a:r>
-            <a:r>
-              <a:rPr lang="fr-FR" b="1" dirty="0" err="1" smtClean="0"/>
-              <a:t>Bojoly</a:t>
-            </a:r>
-            <a:endParaRPr lang="fr-FR" b="1" dirty="0"/>
-          </a:p>
-        </p:txBody>
-      </p:sp>
-      <p:pic>
-        <p:nvPicPr>
-          <p:cNvPr id="8" name="Picture 2" descr="http://perfug.github.io/assets/themes/perfug/skin/logo_perfug.png"/>
-          <p:cNvPicPr>
-            <a:picLocks noChangeAspect="1" noChangeArrowheads="1"/>
-          </p:cNvPicPr>
-          <p:nvPr/>
-        </p:nvPicPr>
-        <p:blipFill>
-          <a:blip r:embed="rId5">
-            <a:extLst>
-              <a:ext uri="{28A0092B-C50C-407E-A947-70E740481C1C}">
-                <a14:useLocalDpi xmlns:a14="http://schemas.microsoft.com/office/drawing/2010/main" val="0"/>
-              </a:ext>
-            </a:extLst>
-          </a:blip>
-          <a:srcRect/>
-          <a:stretch>
-            <a:fillRect/>
-          </a:stretch>
-        </p:blipFill>
-        <p:spPr bwMode="auto">
-          <a:xfrm>
-            <a:off x="6084168" y="1995686"/>
-            <a:ext cx="2601172" cy="1283433"/>
-          </a:xfrm>
-          <a:prstGeom prst="rect">
-            <a:avLst/>
-          </a:prstGeom>
-          <a:noFill/>
-          <a:extLst>
-            <a:ext uri="{909E8E84-426E-40DD-AFC4-6F175D3DCCD1}">
-              <a14:hiddenFill xmlns:a14="http://schemas.microsoft.com/office/drawing/2010/main">
-                <a:solidFill>
-                  <a:srgbClr val="FFFFFF"/>
-                </a:solidFill>
-              </a14:hiddenFill>
-            </a:ext>
-          </a:extLst>
-        </p:spPr>
-      </p:pic>
-    </p:spTree>
-    <p:extLst>
-      <p:ext uri="{BB962C8B-B14F-4D97-AF65-F5344CB8AC3E}">
-        <p14:creationId xmlns:p14="http://schemas.microsoft.com/office/powerpoint/2010/main" val="3096689219"/>
-      </p:ext>
-    </p:extLst>
-  </p:cSld>
-  <p:clrMapOvr>
-    <a:masterClrMapping/>
-  </p:clrMapOvr>
-  <p:timing>
-    <p:tnLst>
-      <p:par>
-        <p:cTn id="1" dur="indefinite" restart="never" nodeType="tmRoot"/>
-      </p:par>
-    </p:tnLst>
-  </p:timing>
-</p:sld>
-</file>
-
-<file path=ppt/slides/slide40.xml><?xml version="1.0" encoding="utf-8"?>
+<file path=ppt/slides/slide47.xml><?xml version="1.0" encoding="utf-8"?>
 <p:sld xmlns:a="http://schemas.openxmlformats.org/drawingml/2006/main" xmlns:r="http://schemas.openxmlformats.org/officeDocument/2006/relationships" xmlns:p="http://schemas.openxmlformats.org/presentationml/2006/main">
   <p:cSld>
     <p:spTree>
@@ -39295,7 +41586,7 @@
 </p:sld>
 </file>
 
-<file path=ppt/slides/slide41.xml><?xml version="1.0" encoding="utf-8"?>
+<file path=ppt/slides/slide48.xml><?xml version="1.0" encoding="utf-8"?>
 <p:sld xmlns:a="http://schemas.openxmlformats.org/drawingml/2006/main" xmlns:r="http://schemas.openxmlformats.org/officeDocument/2006/relationships" xmlns:p="http://schemas.openxmlformats.org/presentationml/2006/main">
   <p:cSld>
     <p:spTree>
@@ -39355,7 +41646,7 @@
 </p:sld>
 </file>
 
-<file path=ppt/slides/slide42.xml><?xml version="1.0" encoding="utf-8"?>
+<file path=ppt/slides/slide49.xml><?xml version="1.0" encoding="utf-8"?>
 <p:sld xmlns:a="http://schemas.openxmlformats.org/drawingml/2006/main" xmlns:r="http://schemas.openxmlformats.org/officeDocument/2006/relationships" xmlns:p="http://schemas.openxmlformats.org/presentationml/2006/main">
   <p:cSld>
     <p:spTree>
@@ -39415,7 +41706,363 @@
 </p:sld>
 </file>
 
-<file path=ppt/slides/slide43.xml><?xml version="1.0" encoding="utf-8"?>
+<file path=ppt/slides/slide5.xml><?xml version="1.0" encoding="utf-8"?>
+<p:sld xmlns:a="http://schemas.openxmlformats.org/drawingml/2006/main" xmlns:r="http://schemas.openxmlformats.org/officeDocument/2006/relationships" xmlns:p="http://schemas.openxmlformats.org/presentationml/2006/main">
+  <p:cSld>
+    <p:spTree>
+      <p:nvGrpSpPr>
+        <p:cNvPr id="1" name=""/>
+        <p:cNvGrpSpPr/>
+        <p:nvPr/>
+      </p:nvGrpSpPr>
+      <p:grpSpPr>
+        <a:xfrm>
+          <a:off x="0" y="0"/>
+          <a:ext cx="0" cy="0"/>
+          <a:chOff x="0" y="0"/>
+          <a:chExt cx="0" cy="0"/>
+        </a:xfrm>
+      </p:grpSpPr>
+      <p:sp>
+        <p:nvSpPr>
+          <p:cNvPr id="4" name="Rectangle 3"/>
+          <p:cNvSpPr/>
+          <p:nvPr/>
+        </p:nvSpPr>
+        <p:spPr bwMode="auto">
+          <a:xfrm>
+            <a:off x="1797832" y="793800"/>
+            <a:ext cx="1944216" cy="864096"/>
+          </a:xfrm>
+          <a:prstGeom prst="rect">
+            <a:avLst/>
+          </a:prstGeom>
+          <a:ln>
+            <a:headEnd type="none" w="med" len="med"/>
+            <a:tailEnd type="none" w="med" len="med"/>
+          </a:ln>
+        </p:spPr>
+        <p:style>
+          <a:lnRef idx="2">
+            <a:schemeClr val="accent3">
+              <a:shade val="50000"/>
+            </a:schemeClr>
+          </a:lnRef>
+          <a:fillRef idx="1">
+            <a:schemeClr val="accent3"/>
+          </a:fillRef>
+          <a:effectRef idx="0">
+            <a:schemeClr val="accent3"/>
+          </a:effectRef>
+          <a:fontRef idx="minor">
+            <a:schemeClr val="lt1"/>
+          </a:fontRef>
+        </p:style>
+        <p:txBody>
+          <a:bodyPr vert="horz" wrap="square" lIns="91440" tIns="45720" rIns="91440" bIns="45720" numCol="1" rtlCol="0" anchor="ctr" anchorCtr="0" compatLnSpc="1">
+            <a:prstTxWarp prst="textNoShape">
+              <a:avLst/>
+            </a:prstTxWarp>
+          </a:bodyPr>
+          <a:lstStyle/>
+          <a:p>
+            <a:pPr marL="0" marR="0" indent="0" algn="ctr" defTabSz="914400" rtl="0" eaLnBrk="0" fontAlgn="base" latinLnBrk="0" hangingPunct="0">
+              <a:lnSpc>
+                <a:spcPct val="100000"/>
+              </a:lnSpc>
+              <a:spcBef>
+                <a:spcPct val="0"/>
+              </a:spcBef>
+              <a:spcAft>
+                <a:spcPct val="0"/>
+              </a:spcAft>
+              <a:buClrTx/>
+              <a:buSzTx/>
+              <a:buFontTx/>
+              <a:buNone/>
+              <a:tabLst/>
+            </a:pPr>
+            <a:r>
+              <a:rPr kumimoji="0" lang="en-US" sz="3200" b="0" i="0" u="none" strike="noStrike" cap="none" normalizeH="0" baseline="0" dirty="0" smtClean="0">
+                <a:ln>
+                  <a:noFill/>
+                </a:ln>
+                <a:solidFill>
+                  <a:schemeClr val="bg1"/>
+                </a:solidFill>
+                <a:effectLst/>
+                <a:latin typeface="+mn-lt"/>
+              </a:rPr>
+              <a:t>Tuning</a:t>
+            </a:r>
+            <a:endParaRPr kumimoji="0" lang="en-US" sz="3200" b="0" i="0" u="none" strike="noStrike" cap="none" normalizeH="0" baseline="0" dirty="0" smtClean="0">
+              <a:ln>
+                <a:noFill/>
+              </a:ln>
+              <a:solidFill>
+                <a:schemeClr val="bg1"/>
+              </a:solidFill>
+              <a:effectLst/>
+              <a:latin typeface="+mn-lt"/>
+            </a:endParaRPr>
+          </a:p>
+        </p:txBody>
+      </p:sp>
+      <p:sp>
+        <p:nvSpPr>
+          <p:cNvPr id="5" name="Rectangle 4"/>
+          <p:cNvSpPr/>
+          <p:nvPr/>
+        </p:nvSpPr>
+        <p:spPr bwMode="auto">
+          <a:xfrm>
+            <a:off x="5448424" y="491902"/>
+            <a:ext cx="1944216" cy="864096"/>
+          </a:xfrm>
+          <a:prstGeom prst="rect">
+            <a:avLst/>
+          </a:prstGeom>
+          <a:ln>
+            <a:headEnd type="none" w="med" len="med"/>
+            <a:tailEnd type="none" w="med" len="med"/>
+          </a:ln>
+        </p:spPr>
+        <p:style>
+          <a:lnRef idx="2">
+            <a:schemeClr val="accent3">
+              <a:shade val="50000"/>
+            </a:schemeClr>
+          </a:lnRef>
+          <a:fillRef idx="1">
+            <a:schemeClr val="accent3"/>
+          </a:fillRef>
+          <a:effectRef idx="0">
+            <a:schemeClr val="accent3"/>
+          </a:effectRef>
+          <a:fontRef idx="minor">
+            <a:schemeClr val="lt1"/>
+          </a:fontRef>
+        </p:style>
+        <p:txBody>
+          <a:bodyPr vert="horz" wrap="square" lIns="91440" tIns="45720" rIns="91440" bIns="45720" numCol="1" rtlCol="0" anchor="ctr" anchorCtr="0" compatLnSpc="1">
+            <a:prstTxWarp prst="textNoShape">
+              <a:avLst/>
+            </a:prstTxWarp>
+          </a:bodyPr>
+          <a:lstStyle/>
+          <a:p>
+            <a:pPr marL="0" marR="0" indent="0" algn="ctr" defTabSz="914400" rtl="0" eaLnBrk="0" fontAlgn="base" latinLnBrk="0" hangingPunct="0">
+              <a:lnSpc>
+                <a:spcPct val="100000"/>
+              </a:lnSpc>
+              <a:spcBef>
+                <a:spcPct val="0"/>
+              </a:spcBef>
+              <a:spcAft>
+                <a:spcPct val="0"/>
+              </a:spcAft>
+              <a:buClrTx/>
+              <a:buSzTx/>
+              <a:buFontTx/>
+              <a:buNone/>
+              <a:tabLst/>
+            </a:pPr>
+            <a:r>
+              <a:rPr kumimoji="0" lang="en-US" sz="3200" b="0" i="0" u="none" strike="noStrike" cap="none" normalizeH="0" baseline="0" dirty="0" err="1" smtClean="0">
+                <a:ln>
+                  <a:noFill/>
+                </a:ln>
+                <a:solidFill>
+                  <a:schemeClr val="bg1"/>
+                </a:solidFill>
+                <a:effectLst/>
+                <a:latin typeface="+mn-lt"/>
+              </a:rPr>
+              <a:t>Applicatif</a:t>
+            </a:r>
+            <a:endParaRPr kumimoji="0" lang="en-US" sz="3200" b="0" i="0" u="none" strike="noStrike" cap="none" normalizeH="0" baseline="0" dirty="0" smtClean="0">
+              <a:ln>
+                <a:noFill/>
+              </a:ln>
+              <a:solidFill>
+                <a:schemeClr val="bg1"/>
+              </a:solidFill>
+              <a:effectLst/>
+              <a:latin typeface="+mn-lt"/>
+            </a:endParaRPr>
+          </a:p>
+        </p:txBody>
+      </p:sp>
+      <p:sp>
+        <p:nvSpPr>
+          <p:cNvPr id="6" name="Rectangle 5"/>
+          <p:cNvSpPr/>
+          <p:nvPr/>
+        </p:nvSpPr>
+        <p:spPr bwMode="auto">
+          <a:xfrm>
+            <a:off x="5448424" y="1635646"/>
+            <a:ext cx="1944216" cy="864096"/>
+          </a:xfrm>
+          <a:prstGeom prst="rect">
+            <a:avLst/>
+          </a:prstGeom>
+          <a:ln>
+            <a:headEnd type="none" w="med" len="med"/>
+            <a:tailEnd type="none" w="med" len="med"/>
+          </a:ln>
+        </p:spPr>
+        <p:style>
+          <a:lnRef idx="2">
+            <a:schemeClr val="accent3">
+              <a:shade val="50000"/>
+            </a:schemeClr>
+          </a:lnRef>
+          <a:fillRef idx="1">
+            <a:schemeClr val="accent3"/>
+          </a:fillRef>
+          <a:effectRef idx="0">
+            <a:schemeClr val="accent3"/>
+          </a:effectRef>
+          <a:fontRef idx="minor">
+            <a:schemeClr val="lt1"/>
+          </a:fontRef>
+        </p:style>
+        <p:txBody>
+          <a:bodyPr vert="horz" wrap="square" lIns="91440" tIns="45720" rIns="91440" bIns="45720" numCol="1" rtlCol="0" anchor="ctr" anchorCtr="0" compatLnSpc="1">
+            <a:prstTxWarp prst="textNoShape">
+              <a:avLst/>
+            </a:prstTxWarp>
+          </a:bodyPr>
+          <a:lstStyle/>
+          <a:p>
+            <a:pPr marL="0" marR="0" indent="0" algn="ctr" defTabSz="914400" rtl="0" eaLnBrk="0" fontAlgn="base" latinLnBrk="0" hangingPunct="0">
+              <a:lnSpc>
+                <a:spcPct val="100000"/>
+              </a:lnSpc>
+              <a:spcBef>
+                <a:spcPct val="0"/>
+              </a:spcBef>
+              <a:spcAft>
+                <a:spcPct val="0"/>
+              </a:spcAft>
+              <a:buClrTx/>
+              <a:buSzTx/>
+              <a:buFontTx/>
+              <a:buNone/>
+              <a:tabLst/>
+            </a:pPr>
+            <a:r>
+              <a:rPr kumimoji="0" lang="en-US" sz="3200" b="0" i="0" u="none" strike="noStrike" cap="none" normalizeH="0" baseline="0" dirty="0" err="1" smtClean="0">
+                <a:ln>
+                  <a:noFill/>
+                </a:ln>
+                <a:solidFill>
+                  <a:schemeClr val="bg1"/>
+                </a:solidFill>
+                <a:effectLst/>
+                <a:latin typeface="+mn-lt"/>
+              </a:rPr>
+              <a:t>Système</a:t>
+            </a:r>
+            <a:endParaRPr kumimoji="0" lang="en-US" sz="3200" b="0" i="0" u="none" strike="noStrike" cap="none" normalizeH="0" baseline="0" dirty="0" smtClean="0">
+              <a:ln>
+                <a:noFill/>
+              </a:ln>
+              <a:solidFill>
+                <a:schemeClr val="bg1"/>
+              </a:solidFill>
+              <a:effectLst/>
+              <a:latin typeface="+mn-lt"/>
+            </a:endParaRPr>
+          </a:p>
+        </p:txBody>
+      </p:sp>
+      <p:cxnSp>
+        <p:nvCxnSpPr>
+          <p:cNvPr id="9" name="Straight Arrow Connector 8"/>
+          <p:cNvCxnSpPr>
+            <a:stCxn id="4" idx="3"/>
+            <a:endCxn id="5" idx="1"/>
+          </p:cNvCxnSpPr>
+          <p:nvPr/>
+        </p:nvCxnSpPr>
+        <p:spPr bwMode="auto">
+          <a:xfrm flipV="1">
+            <a:off x="3742048" y="923950"/>
+            <a:ext cx="1706376" cy="301898"/>
+          </a:xfrm>
+          <a:prstGeom prst="straightConnector1">
+            <a:avLst/>
+          </a:prstGeom>
+          <a:solidFill>
+            <a:schemeClr val="accent1"/>
+          </a:solidFill>
+          <a:ln w="9525" cap="flat" cmpd="sng" algn="ctr">
+            <a:solidFill>
+              <a:schemeClr val="tx1"/>
+            </a:solidFill>
+            <a:prstDash val="solid"/>
+            <a:round/>
+            <a:headEnd type="none" w="med" len="med"/>
+            <a:tailEnd type="arrow"/>
+          </a:ln>
+          <a:effectLst/>
+        </p:spPr>
+      </p:cxnSp>
+      <p:cxnSp>
+        <p:nvCxnSpPr>
+          <p:cNvPr id="11" name="Straight Arrow Connector 10"/>
+          <p:cNvCxnSpPr>
+            <a:stCxn id="4" idx="3"/>
+            <a:endCxn id="6" idx="1"/>
+          </p:cNvCxnSpPr>
+          <p:nvPr/>
+        </p:nvCxnSpPr>
+        <p:spPr bwMode="auto">
+          <a:xfrm>
+            <a:off x="3742048" y="1225848"/>
+            <a:ext cx="1706376" cy="841846"/>
+          </a:xfrm>
+          <a:prstGeom prst="straightConnector1">
+            <a:avLst/>
+          </a:prstGeom>
+          <a:solidFill>
+            <a:schemeClr val="accent1"/>
+          </a:solidFill>
+          <a:ln w="9525" cap="flat" cmpd="sng" algn="ctr">
+            <a:solidFill>
+              <a:schemeClr val="tx1"/>
+            </a:solidFill>
+            <a:prstDash val="solid"/>
+            <a:round/>
+            <a:headEnd type="none" w="med" len="med"/>
+            <a:tailEnd type="arrow"/>
+          </a:ln>
+          <a:effectLst/>
+        </p:spPr>
+      </p:cxnSp>
+    </p:spTree>
+    <p:extLst>
+      <p:ext uri="{BB962C8B-B14F-4D97-AF65-F5344CB8AC3E}">
+        <p14:creationId xmlns:p14="http://schemas.microsoft.com/office/powerpoint/2010/main" val="1475935855"/>
+      </p:ext>
+    </p:extLst>
+  </p:cSld>
+  <p:clrMapOvr>
+    <a:masterClrMapping/>
+  </p:clrMapOvr>
+  <p:timing>
+    <p:tnLst>
+      <p:par>
+        <p:cTn id="1" dur="indefinite" restart="never" nodeType="tmRoot"/>
+      </p:par>
+    </p:tnLst>
+  </p:timing>
+</p:sld>
+</file>
+
+<file path=ppt/slides/slide50.xml><?xml version="1.0" encoding="utf-8"?>
 <p:sld xmlns:a="http://schemas.openxmlformats.org/drawingml/2006/main" xmlns:r="http://schemas.openxmlformats.org/officeDocument/2006/relationships" xmlns:p="http://schemas.openxmlformats.org/presentationml/2006/main">
   <p:cSld>
     <p:spTree>
@@ -39475,7 +42122,7 @@
 </p:sld>
 </file>
 
-<file path=ppt/slides/slide44.xml><?xml version="1.0" encoding="utf-8"?>
+<file path=ppt/slides/slide51.xml><?xml version="1.0" encoding="utf-8"?>
 <p:sld xmlns:a="http://schemas.openxmlformats.org/drawingml/2006/main" xmlns:r="http://schemas.openxmlformats.org/officeDocument/2006/relationships" xmlns:p="http://schemas.openxmlformats.org/presentationml/2006/main">
   <p:cSld>
     <p:spTree>
@@ -39535,7 +42182,7 @@
 </p:sld>
 </file>
 
-<file path=ppt/slides/slide45.xml><?xml version="1.0" encoding="utf-8"?>
+<file path=ppt/slides/slide52.xml><?xml version="1.0" encoding="utf-8"?>
 <p:sld xmlns:a="http://schemas.openxmlformats.org/drawingml/2006/main" xmlns:r="http://schemas.openxmlformats.org/officeDocument/2006/relationships" xmlns:p="http://schemas.openxmlformats.org/presentationml/2006/main">
   <p:cSld>
     <p:spTree>
@@ -39686,7 +42333,7 @@
 </p:sld>
 </file>
 
-<file path=ppt/slides/slide46.xml><?xml version="1.0" encoding="utf-8"?>
+<file path=ppt/slides/slide53.xml><?xml version="1.0" encoding="utf-8"?>
 <p:sld xmlns:a="http://schemas.openxmlformats.org/drawingml/2006/main" xmlns:r="http://schemas.openxmlformats.org/officeDocument/2006/relationships" xmlns:p="http://schemas.openxmlformats.org/presentationml/2006/main">
   <p:cSld>
     <p:spTree>
@@ -39750,7 +42397,7 @@
 </p:sld>
 </file>
 
-<file path=ppt/slides/slide47.xml><?xml version="1.0" encoding="utf-8"?>
+<file path=ppt/slides/slide54.xml><?xml version="1.0" encoding="utf-8"?>
 <p:sld xmlns:a="http://schemas.openxmlformats.org/drawingml/2006/main" xmlns:r="http://schemas.openxmlformats.org/officeDocument/2006/relationships" xmlns:p="http://schemas.openxmlformats.org/presentationml/2006/main">
   <p:cSld>
     <p:spTree>
@@ -39814,7 +42461,7 @@
 </p:sld>
 </file>
 
-<file path=ppt/slides/slide48.xml><?xml version="1.0" encoding="utf-8"?>
+<file path=ppt/slides/slide55.xml><?xml version="1.0" encoding="utf-8"?>
 <p:sld xmlns:a="http://schemas.openxmlformats.org/drawingml/2006/main" xmlns:r="http://schemas.openxmlformats.org/officeDocument/2006/relationships" xmlns:p="http://schemas.openxmlformats.org/presentationml/2006/main">
   <p:cSld>
     <p:spTree>
@@ -39878,7 +42525,7 @@
 </p:sld>
 </file>
 
-<file path=ppt/slides/slide49.xml><?xml version="1.0" encoding="utf-8"?>
+<file path=ppt/slides/slide56.xml><?xml version="1.0" encoding="utf-8"?>
 <p:sld xmlns:a="http://schemas.openxmlformats.org/drawingml/2006/main" xmlns:r="http://schemas.openxmlformats.org/officeDocument/2006/relationships" xmlns:p="http://schemas.openxmlformats.org/presentationml/2006/main">
   <p:cSld>
     <p:spTree>
@@ -39961,324 +42608,7 @@
 </p:sld>
 </file>
 
-<file path=ppt/slides/slide5.xml><?xml version="1.0" encoding="utf-8"?>
-<p:sld xmlns:a="http://schemas.openxmlformats.org/drawingml/2006/main" xmlns:r="http://schemas.openxmlformats.org/officeDocument/2006/relationships" xmlns:p="http://schemas.openxmlformats.org/presentationml/2006/main">
-  <p:cSld>
-    <p:spTree>
-      <p:nvGrpSpPr>
-        <p:cNvPr id="1" name=""/>
-        <p:cNvGrpSpPr/>
-        <p:nvPr/>
-      </p:nvGrpSpPr>
-      <p:grpSpPr>
-        <a:xfrm>
-          <a:off x="0" y="0"/>
-          <a:ext cx="0" cy="0"/>
-          <a:chOff x="0" y="0"/>
-          <a:chExt cx="0" cy="0"/>
-        </a:xfrm>
-      </p:grpSpPr>
-      <p:sp>
-        <p:nvSpPr>
-          <p:cNvPr id="2" name="Content Placeholder 1"/>
-          <p:cNvSpPr>
-            <a:spLocks noGrp="1"/>
-          </p:cNvSpPr>
-          <p:nvPr>
-            <p:ph idx="1"/>
-          </p:nvPr>
-        </p:nvSpPr>
-        <p:spPr>
-          <a:xfrm>
-            <a:off x="2843809" y="843558"/>
-            <a:ext cx="4032448" cy="3601641"/>
-          </a:xfrm>
-        </p:spPr>
-        <p:txBody>
-          <a:bodyPr/>
-          <a:lstStyle/>
-          <a:p>
-            <a:r>
-              <a:rPr lang="fr-FR" dirty="0" smtClean="0"/>
-              <a:t>Architecte Senior</a:t>
-            </a:r>
-          </a:p>
-          <a:p>
-            <a:r>
-              <a:rPr lang="fr-FR" dirty="0" smtClean="0"/>
-              <a:t>Référent technique pôle performance</a:t>
-            </a:r>
-          </a:p>
-          <a:p>
-            <a:endParaRPr lang="fr-FR" dirty="0" smtClean="0"/>
-          </a:p>
-          <a:p>
-            <a:r>
-              <a:rPr lang="fr-FR" dirty="0" smtClean="0"/>
-              <a:t>Responsable R&amp;D</a:t>
-            </a:r>
-          </a:p>
-          <a:p>
-            <a:pPr marL="0" indent="0">
-              <a:buNone/>
-            </a:pPr>
-            <a:endParaRPr lang="fr-FR" dirty="0" smtClean="0"/>
-          </a:p>
-          <a:p>
-            <a:r>
-              <a:rPr lang="fr-FR" dirty="0" err="1" smtClean="0"/>
-              <a:t>EasyMock</a:t>
-            </a:r>
-            <a:r>
-              <a:rPr lang="fr-FR" dirty="0" smtClean="0"/>
-              <a:t> lead </a:t>
-            </a:r>
-            <a:r>
-              <a:rPr lang="fr-FR" dirty="0" err="1" smtClean="0"/>
-              <a:t>developer</a:t>
-            </a:r>
-            <a:endParaRPr lang="fr-FR" dirty="0" smtClean="0"/>
-          </a:p>
-          <a:p>
-            <a:r>
-              <a:rPr lang="fr-FR" dirty="0" err="1" smtClean="0"/>
-              <a:t>Objenesis</a:t>
-            </a:r>
-            <a:r>
-              <a:rPr lang="fr-FR" dirty="0" smtClean="0"/>
-              <a:t> lead </a:t>
-            </a:r>
-            <a:r>
-              <a:rPr lang="fr-FR" dirty="0" err="1" smtClean="0"/>
-              <a:t>developer</a:t>
-            </a:r>
-            <a:endParaRPr lang="fr-FR" dirty="0" smtClean="0"/>
-          </a:p>
-          <a:p>
-            <a:r>
-              <a:rPr lang="fr-FR" dirty="0"/>
-              <a:t>Membre fondateur du </a:t>
-            </a:r>
-            <a:r>
-              <a:rPr lang="fr-FR" dirty="0" err="1"/>
-              <a:t>PerfUG</a:t>
-            </a:r>
-            <a:endParaRPr lang="fr-FR" dirty="0"/>
-          </a:p>
-          <a:p>
-            <a:endParaRPr lang="fr-FR" dirty="0"/>
-          </a:p>
-        </p:txBody>
-      </p:sp>
-      <p:pic>
-        <p:nvPicPr>
-          <p:cNvPr id="4" name="Picture 2" descr="C:\Users\Henri\Google Drive\TOOLBOX\Slideware tools\Pictos\Normal\Octos\OctoGraduate_Pos.png"/>
-          <p:cNvPicPr>
-            <a:picLocks noChangeAspect="1" noChangeArrowheads="1"/>
-          </p:cNvPicPr>
-          <p:nvPr/>
-        </p:nvPicPr>
-        <p:blipFill>
-          <a:blip r:embed="rId3">
-            <a:extLst>
-              <a:ext uri="{28A0092B-C50C-407E-A947-70E740481C1C}">
-                <a14:useLocalDpi xmlns:a14="http://schemas.microsoft.com/office/drawing/2010/main" val="0"/>
-              </a:ext>
-            </a:extLst>
-          </a:blip>
-          <a:srcRect/>
-          <a:stretch>
-            <a:fillRect/>
-          </a:stretch>
-        </p:blipFill>
-        <p:spPr bwMode="auto">
-          <a:xfrm>
-            <a:off x="251520" y="987574"/>
-            <a:ext cx="2520280" cy="3026647"/>
-          </a:xfrm>
-          <a:prstGeom prst="rect">
-            <a:avLst/>
-          </a:prstGeom>
-          <a:noFill/>
-          <a:extLst>
-            <a:ext uri="{909E8E84-426E-40DD-AFC4-6F175D3DCCD1}">
-              <a14:hiddenFill xmlns:a14="http://schemas.microsoft.com/office/drawing/2010/main">
-                <a:solidFill>
-                  <a:srgbClr val="FFFFFF"/>
-                </a:solidFill>
-              </a14:hiddenFill>
-            </a:ext>
-          </a:extLst>
-        </p:spPr>
-      </p:pic>
-      <p:pic>
-        <p:nvPicPr>
-          <p:cNvPr id="2050" name="Picture 2" descr="http://easymock.org/img/easymock.gif"/>
-          <p:cNvPicPr>
-            <a:picLocks noChangeAspect="1" noChangeArrowheads="1"/>
-          </p:cNvPicPr>
-          <p:nvPr/>
-        </p:nvPicPr>
-        <p:blipFill>
-          <a:blip r:embed="rId4">
-            <a:extLst>
-              <a:ext uri="{28A0092B-C50C-407E-A947-70E740481C1C}">
-                <a14:useLocalDpi xmlns:a14="http://schemas.microsoft.com/office/drawing/2010/main" val="0"/>
-              </a:ext>
-            </a:extLst>
-          </a:blip>
-          <a:srcRect/>
-          <a:stretch>
-            <a:fillRect/>
-          </a:stretch>
-        </p:blipFill>
-        <p:spPr bwMode="auto">
-          <a:xfrm>
-            <a:off x="6179656" y="2067694"/>
-            <a:ext cx="2867025" cy="542926"/>
-          </a:xfrm>
-          <a:prstGeom prst="rect">
-            <a:avLst/>
-          </a:prstGeom>
-          <a:noFill/>
-          <a:extLst>
-            <a:ext uri="{909E8E84-426E-40DD-AFC4-6F175D3DCCD1}">
-              <a14:hiddenFill xmlns:a14="http://schemas.microsoft.com/office/drawing/2010/main">
-                <a:solidFill>
-                  <a:srgbClr val="FFFFFF"/>
-                </a:solidFill>
-              </a14:hiddenFill>
-            </a:ext>
-          </a:extLst>
-        </p:spPr>
-      </p:pic>
-      <p:pic>
-        <p:nvPicPr>
-          <p:cNvPr id="2052" name="Picture 4" descr="http://objenesis.googlecode.com/svn-history/r218/docs/objenesis.png"/>
-          <p:cNvPicPr>
-            <a:picLocks noChangeAspect="1" noChangeArrowheads="1"/>
-          </p:cNvPicPr>
-          <p:nvPr/>
-        </p:nvPicPr>
-        <p:blipFill>
-          <a:blip r:embed="rId5">
-            <a:extLst>
-              <a:ext uri="{28A0092B-C50C-407E-A947-70E740481C1C}">
-                <a14:useLocalDpi xmlns:a14="http://schemas.microsoft.com/office/drawing/2010/main" val="0"/>
-              </a:ext>
-            </a:extLst>
-          </a:blip>
-          <a:srcRect/>
-          <a:stretch>
-            <a:fillRect/>
-          </a:stretch>
-        </p:blipFill>
-        <p:spPr bwMode="auto">
-          <a:xfrm>
-            <a:off x="6300192" y="2859782"/>
-            <a:ext cx="2905125" cy="762000"/>
-          </a:xfrm>
-          <a:prstGeom prst="rect">
-            <a:avLst/>
-          </a:prstGeom>
-          <a:noFill/>
-          <a:extLst>
-            <a:ext uri="{909E8E84-426E-40DD-AFC4-6F175D3DCCD1}">
-              <a14:hiddenFill xmlns:a14="http://schemas.microsoft.com/office/drawing/2010/main">
-                <a:solidFill>
-                  <a:srgbClr val="FFFFFF"/>
-                </a:solidFill>
-              </a14:hiddenFill>
-            </a:ext>
-          </a:extLst>
-        </p:spPr>
-      </p:pic>
-      <p:pic>
-        <p:nvPicPr>
-          <p:cNvPr id="2054" name="Picture 6" descr="http://datajob2013.fr/assets/uploads/Logos/octo.png"/>
-          <p:cNvPicPr>
-            <a:picLocks noChangeAspect="1" noChangeArrowheads="1"/>
-          </p:cNvPicPr>
-          <p:nvPr/>
-        </p:nvPicPr>
-        <p:blipFill>
-          <a:blip r:embed="rId6">
-            <a:extLst>
-              <a:ext uri="{28A0092B-C50C-407E-A947-70E740481C1C}">
-                <a14:useLocalDpi xmlns:a14="http://schemas.microsoft.com/office/drawing/2010/main" val="0"/>
-              </a:ext>
-            </a:extLst>
-          </a:blip>
-          <a:srcRect/>
-          <a:stretch>
-            <a:fillRect/>
-          </a:stretch>
-        </p:blipFill>
-        <p:spPr bwMode="auto">
-          <a:xfrm>
-            <a:off x="6516216" y="627534"/>
-            <a:ext cx="2323753" cy="1210578"/>
-          </a:xfrm>
-          <a:prstGeom prst="rect">
-            <a:avLst/>
-          </a:prstGeom>
-          <a:noFill/>
-          <a:extLst>
-            <a:ext uri="{909E8E84-426E-40DD-AFC4-6F175D3DCCD1}">
-              <a14:hiddenFill xmlns:a14="http://schemas.microsoft.com/office/drawing/2010/main">
-                <a:solidFill>
-                  <a:srgbClr val="FFFFFF"/>
-                </a:solidFill>
-              </a14:hiddenFill>
-            </a:ext>
-          </a:extLst>
-        </p:spPr>
-      </p:pic>
-      <p:sp>
-        <p:nvSpPr>
-          <p:cNvPr id="5" name="Title 4"/>
-          <p:cNvSpPr>
-            <a:spLocks noGrp="1"/>
-          </p:cNvSpPr>
-          <p:nvPr>
-            <p:ph type="title"/>
-          </p:nvPr>
-        </p:nvSpPr>
-        <p:spPr/>
-        <p:txBody>
-          <a:bodyPr/>
-          <a:lstStyle/>
-          <a:p>
-            <a:pPr algn="l"/>
-            <a:r>
-              <a:rPr lang="fr-FR" b="1" smtClean="0"/>
-              <a:t>Henri Tremblay</a:t>
-            </a:r>
-            <a:endParaRPr lang="fr-FR" b="1"/>
-          </a:p>
-        </p:txBody>
-      </p:sp>
-    </p:spTree>
-    <p:extLst>
-      <p:ext uri="{BB962C8B-B14F-4D97-AF65-F5344CB8AC3E}">
-        <p14:creationId xmlns:p14="http://schemas.microsoft.com/office/powerpoint/2010/main" val="2424004288"/>
-      </p:ext>
-    </p:extLst>
-  </p:cSld>
-  <p:clrMapOvr>
-    <a:masterClrMapping/>
-  </p:clrMapOvr>
-  <p:timing>
-    <p:tnLst>
-      <p:par>
-        <p:cTn id="1" dur="indefinite" restart="never" nodeType="tmRoot"/>
-      </p:par>
-    </p:tnLst>
-  </p:timing>
-</p:sld>
-</file>
-
-<file path=ppt/slides/slide50.xml><?xml version="1.0" encoding="utf-8"?>
+<file path=ppt/slides/slide57.xml><?xml version="1.0" encoding="utf-8"?>
 <p:sld xmlns:a="http://schemas.openxmlformats.org/drawingml/2006/main" xmlns:r="http://schemas.openxmlformats.org/officeDocument/2006/relationships" xmlns:p="http://schemas.openxmlformats.org/presentationml/2006/main">
   <p:cSld>
     <p:spTree>
@@ -40813,7 +43143,7 @@
 </p:sld>
 </file>
 
-<file path=ppt/slides/slide51.xml><?xml version="1.0" encoding="utf-8"?>
+<file path=ppt/slides/slide58.xml><?xml version="1.0" encoding="utf-8"?>
 <p:sld xmlns:a="http://schemas.openxmlformats.org/drawingml/2006/main" xmlns:r="http://schemas.openxmlformats.org/officeDocument/2006/relationships" xmlns:p="http://schemas.openxmlformats.org/presentationml/2006/main">
   <p:cSld>
     <p:spTree>
@@ -41105,7 +43435,7 @@
 </p:sld>
 </file>
 
-<file path=ppt/slides/slide52.xml><?xml version="1.0" encoding="utf-8"?>
+<file path=ppt/slides/slide59.xml><?xml version="1.0" encoding="utf-8"?>
 <p:sld xmlns:a="http://schemas.openxmlformats.org/drawingml/2006/main" xmlns:r="http://schemas.openxmlformats.org/officeDocument/2006/relationships" xmlns:p="http://schemas.openxmlformats.org/presentationml/2006/main">
   <p:cSld>
     <p:spTree>
@@ -41272,7 +43602,461 @@
 </p:sld>
 </file>
 
-<file path=ppt/slides/slide53.xml><?xml version="1.0" encoding="utf-8"?>
+<file path=ppt/slides/slide6.xml><?xml version="1.0" encoding="utf-8"?>
+<p:sld xmlns:a="http://schemas.openxmlformats.org/drawingml/2006/main" xmlns:r="http://schemas.openxmlformats.org/officeDocument/2006/relationships" xmlns:p="http://schemas.openxmlformats.org/presentationml/2006/main">
+  <p:cSld>
+    <p:spTree>
+      <p:nvGrpSpPr>
+        <p:cNvPr id="1" name=""/>
+        <p:cNvGrpSpPr/>
+        <p:nvPr/>
+      </p:nvGrpSpPr>
+      <p:grpSpPr>
+        <a:xfrm>
+          <a:off x="0" y="0"/>
+          <a:ext cx="0" cy="0"/>
+          <a:chOff x="0" y="0"/>
+          <a:chExt cx="0" cy="0"/>
+        </a:xfrm>
+      </p:grpSpPr>
+      <p:sp>
+        <p:nvSpPr>
+          <p:cNvPr id="4" name="Rectangle 3"/>
+          <p:cNvSpPr/>
+          <p:nvPr/>
+        </p:nvSpPr>
+        <p:spPr bwMode="auto">
+          <a:xfrm>
+            <a:off x="1797832" y="793800"/>
+            <a:ext cx="1944216" cy="864096"/>
+          </a:xfrm>
+          <a:prstGeom prst="rect">
+            <a:avLst/>
+          </a:prstGeom>
+          <a:ln>
+            <a:headEnd type="none" w="med" len="med"/>
+            <a:tailEnd type="none" w="med" len="med"/>
+          </a:ln>
+        </p:spPr>
+        <p:style>
+          <a:lnRef idx="2">
+            <a:schemeClr val="accent3">
+              <a:shade val="50000"/>
+            </a:schemeClr>
+          </a:lnRef>
+          <a:fillRef idx="1">
+            <a:schemeClr val="accent3"/>
+          </a:fillRef>
+          <a:effectRef idx="0">
+            <a:schemeClr val="accent3"/>
+          </a:effectRef>
+          <a:fontRef idx="minor">
+            <a:schemeClr val="lt1"/>
+          </a:fontRef>
+        </p:style>
+        <p:txBody>
+          <a:bodyPr vert="horz" wrap="square" lIns="91440" tIns="45720" rIns="91440" bIns="45720" numCol="1" rtlCol="0" anchor="ctr" anchorCtr="0" compatLnSpc="1">
+            <a:prstTxWarp prst="textNoShape">
+              <a:avLst/>
+            </a:prstTxWarp>
+          </a:bodyPr>
+          <a:lstStyle/>
+          <a:p>
+            <a:pPr marL="0" marR="0" indent="0" algn="ctr" defTabSz="914400" rtl="0" eaLnBrk="0" fontAlgn="base" latinLnBrk="0" hangingPunct="0">
+              <a:lnSpc>
+                <a:spcPct val="100000"/>
+              </a:lnSpc>
+              <a:spcBef>
+                <a:spcPct val="0"/>
+              </a:spcBef>
+              <a:spcAft>
+                <a:spcPct val="0"/>
+              </a:spcAft>
+              <a:buClrTx/>
+              <a:buSzTx/>
+              <a:buFontTx/>
+              <a:buNone/>
+              <a:tabLst/>
+            </a:pPr>
+            <a:r>
+              <a:rPr kumimoji="0" lang="en-US" sz="3200" b="0" i="0" u="none" strike="noStrike" cap="none" normalizeH="0" baseline="0" dirty="0" smtClean="0">
+                <a:ln>
+                  <a:noFill/>
+                </a:ln>
+                <a:solidFill>
+                  <a:schemeClr val="bg1"/>
+                </a:solidFill>
+                <a:effectLst/>
+                <a:latin typeface="+mn-lt"/>
+              </a:rPr>
+              <a:t>Tuning</a:t>
+            </a:r>
+            <a:endParaRPr kumimoji="0" lang="en-US" sz="3200" b="0" i="0" u="none" strike="noStrike" cap="none" normalizeH="0" baseline="0" dirty="0" smtClean="0">
+              <a:ln>
+                <a:noFill/>
+              </a:ln>
+              <a:solidFill>
+                <a:schemeClr val="bg1"/>
+              </a:solidFill>
+              <a:effectLst/>
+              <a:latin typeface="+mn-lt"/>
+            </a:endParaRPr>
+          </a:p>
+        </p:txBody>
+      </p:sp>
+      <p:sp>
+        <p:nvSpPr>
+          <p:cNvPr id="5" name="Rectangle 4"/>
+          <p:cNvSpPr/>
+          <p:nvPr/>
+        </p:nvSpPr>
+        <p:spPr bwMode="auto">
+          <a:xfrm>
+            <a:off x="5448424" y="491902"/>
+            <a:ext cx="1944216" cy="864096"/>
+          </a:xfrm>
+          <a:prstGeom prst="rect">
+            <a:avLst/>
+          </a:prstGeom>
+          <a:ln>
+            <a:headEnd type="none" w="med" len="med"/>
+            <a:tailEnd type="none" w="med" len="med"/>
+          </a:ln>
+        </p:spPr>
+        <p:style>
+          <a:lnRef idx="2">
+            <a:schemeClr val="accent3">
+              <a:shade val="50000"/>
+            </a:schemeClr>
+          </a:lnRef>
+          <a:fillRef idx="1">
+            <a:schemeClr val="accent3"/>
+          </a:fillRef>
+          <a:effectRef idx="0">
+            <a:schemeClr val="accent3"/>
+          </a:effectRef>
+          <a:fontRef idx="minor">
+            <a:schemeClr val="lt1"/>
+          </a:fontRef>
+        </p:style>
+        <p:txBody>
+          <a:bodyPr vert="horz" wrap="square" lIns="91440" tIns="45720" rIns="91440" bIns="45720" numCol="1" rtlCol="0" anchor="ctr" anchorCtr="0" compatLnSpc="1">
+            <a:prstTxWarp prst="textNoShape">
+              <a:avLst/>
+            </a:prstTxWarp>
+          </a:bodyPr>
+          <a:lstStyle/>
+          <a:p>
+            <a:pPr marL="0" marR="0" indent="0" algn="ctr" defTabSz="914400" rtl="0" eaLnBrk="0" fontAlgn="base" latinLnBrk="0" hangingPunct="0">
+              <a:lnSpc>
+                <a:spcPct val="100000"/>
+              </a:lnSpc>
+              <a:spcBef>
+                <a:spcPct val="0"/>
+              </a:spcBef>
+              <a:spcAft>
+                <a:spcPct val="0"/>
+              </a:spcAft>
+              <a:buClrTx/>
+              <a:buSzTx/>
+              <a:buFontTx/>
+              <a:buNone/>
+              <a:tabLst/>
+            </a:pPr>
+            <a:r>
+              <a:rPr kumimoji="0" lang="en-US" sz="3200" b="0" i="0" u="none" strike="noStrike" cap="none" normalizeH="0" baseline="0" dirty="0" err="1" smtClean="0">
+                <a:ln>
+                  <a:noFill/>
+                </a:ln>
+                <a:solidFill>
+                  <a:schemeClr val="bg1"/>
+                </a:solidFill>
+                <a:effectLst/>
+                <a:latin typeface="+mn-lt"/>
+              </a:rPr>
+              <a:t>Applicatif</a:t>
+            </a:r>
+            <a:endParaRPr kumimoji="0" lang="en-US" sz="3200" b="0" i="0" u="none" strike="noStrike" cap="none" normalizeH="0" baseline="0" dirty="0" smtClean="0">
+              <a:ln>
+                <a:noFill/>
+              </a:ln>
+              <a:solidFill>
+                <a:schemeClr val="bg1"/>
+              </a:solidFill>
+              <a:effectLst/>
+              <a:latin typeface="+mn-lt"/>
+            </a:endParaRPr>
+          </a:p>
+        </p:txBody>
+      </p:sp>
+      <p:sp>
+        <p:nvSpPr>
+          <p:cNvPr id="6" name="Rectangle 5"/>
+          <p:cNvSpPr/>
+          <p:nvPr/>
+        </p:nvSpPr>
+        <p:spPr bwMode="auto">
+          <a:xfrm>
+            <a:off x="5448424" y="1635646"/>
+            <a:ext cx="1944216" cy="864096"/>
+          </a:xfrm>
+          <a:prstGeom prst="rect">
+            <a:avLst/>
+          </a:prstGeom>
+          <a:ln>
+            <a:headEnd type="none" w="med" len="med"/>
+            <a:tailEnd type="none" w="med" len="med"/>
+          </a:ln>
+        </p:spPr>
+        <p:style>
+          <a:lnRef idx="2">
+            <a:schemeClr val="accent3">
+              <a:shade val="50000"/>
+            </a:schemeClr>
+          </a:lnRef>
+          <a:fillRef idx="1">
+            <a:schemeClr val="accent3"/>
+          </a:fillRef>
+          <a:effectRef idx="0">
+            <a:schemeClr val="accent3"/>
+          </a:effectRef>
+          <a:fontRef idx="minor">
+            <a:schemeClr val="lt1"/>
+          </a:fontRef>
+        </p:style>
+        <p:txBody>
+          <a:bodyPr vert="horz" wrap="square" lIns="91440" tIns="45720" rIns="91440" bIns="45720" numCol="1" rtlCol="0" anchor="ctr" anchorCtr="0" compatLnSpc="1">
+            <a:prstTxWarp prst="textNoShape">
+              <a:avLst/>
+            </a:prstTxWarp>
+          </a:bodyPr>
+          <a:lstStyle/>
+          <a:p>
+            <a:pPr marL="0" marR="0" indent="0" algn="ctr" defTabSz="914400" rtl="0" eaLnBrk="0" fontAlgn="base" latinLnBrk="0" hangingPunct="0">
+              <a:lnSpc>
+                <a:spcPct val="100000"/>
+              </a:lnSpc>
+              <a:spcBef>
+                <a:spcPct val="0"/>
+              </a:spcBef>
+              <a:spcAft>
+                <a:spcPct val="0"/>
+              </a:spcAft>
+              <a:buClrTx/>
+              <a:buSzTx/>
+              <a:buFontTx/>
+              <a:buNone/>
+              <a:tabLst/>
+            </a:pPr>
+            <a:r>
+              <a:rPr kumimoji="0" lang="en-US" sz="3200" b="0" i="0" u="none" strike="noStrike" cap="none" normalizeH="0" baseline="0" dirty="0" err="1" smtClean="0">
+                <a:ln>
+                  <a:noFill/>
+                </a:ln>
+                <a:solidFill>
+                  <a:schemeClr val="bg1"/>
+                </a:solidFill>
+                <a:effectLst/>
+                <a:latin typeface="+mn-lt"/>
+              </a:rPr>
+              <a:t>Système</a:t>
+            </a:r>
+            <a:endParaRPr kumimoji="0" lang="en-US" sz="3200" b="0" i="0" u="none" strike="noStrike" cap="none" normalizeH="0" baseline="0" dirty="0" smtClean="0">
+              <a:ln>
+                <a:noFill/>
+              </a:ln>
+              <a:solidFill>
+                <a:schemeClr val="bg1"/>
+              </a:solidFill>
+              <a:effectLst/>
+              <a:latin typeface="+mn-lt"/>
+            </a:endParaRPr>
+          </a:p>
+        </p:txBody>
+      </p:sp>
+      <p:sp>
+        <p:nvSpPr>
+          <p:cNvPr id="7" name="Rectangle 6"/>
+          <p:cNvSpPr/>
+          <p:nvPr/>
+        </p:nvSpPr>
+        <p:spPr bwMode="auto">
+          <a:xfrm>
+            <a:off x="827584" y="3363838"/>
+            <a:ext cx="3456384" cy="1368152"/>
+          </a:xfrm>
+          <a:prstGeom prst="rect">
+            <a:avLst/>
+          </a:prstGeom>
+          <a:ln>
+            <a:headEnd type="none" w="med" len="med"/>
+            <a:tailEnd type="none" w="med" len="med"/>
+          </a:ln>
+        </p:spPr>
+        <p:style>
+          <a:lnRef idx="2">
+            <a:schemeClr val="accent2">
+              <a:shade val="50000"/>
+            </a:schemeClr>
+          </a:lnRef>
+          <a:fillRef idx="1">
+            <a:schemeClr val="accent2"/>
+          </a:fillRef>
+          <a:effectRef idx="0">
+            <a:schemeClr val="accent2"/>
+          </a:effectRef>
+          <a:fontRef idx="minor">
+            <a:schemeClr val="lt1"/>
+          </a:fontRef>
+        </p:style>
+        <p:txBody>
+          <a:bodyPr vert="horz" wrap="square" lIns="91440" tIns="45720" rIns="91440" bIns="45720" numCol="1" rtlCol="0" anchor="ctr" anchorCtr="0" compatLnSpc="1">
+            <a:prstTxWarp prst="textNoShape">
+              <a:avLst/>
+            </a:prstTxWarp>
+          </a:bodyPr>
+          <a:lstStyle/>
+          <a:p>
+            <a:pPr marL="0" marR="0" indent="0" algn="ctr" defTabSz="914400" rtl="0" eaLnBrk="0" fontAlgn="base" latinLnBrk="0" hangingPunct="0">
+              <a:lnSpc>
+                <a:spcPct val="100000"/>
+              </a:lnSpc>
+              <a:spcBef>
+                <a:spcPct val="0"/>
+              </a:spcBef>
+              <a:spcAft>
+                <a:spcPct val="0"/>
+              </a:spcAft>
+              <a:buClrTx/>
+              <a:buSzTx/>
+              <a:buFontTx/>
+              <a:buNone/>
+              <a:tabLst/>
+            </a:pPr>
+            <a:r>
+              <a:rPr kumimoji="0" lang="en-US" sz="3200" b="0" i="0" u="none" strike="noStrike" cap="none" normalizeH="0" baseline="0" dirty="0" err="1" smtClean="0">
+                <a:ln>
+                  <a:noFill/>
+                </a:ln>
+                <a:solidFill>
+                  <a:schemeClr val="bg1"/>
+                </a:solidFill>
+                <a:effectLst/>
+                <a:latin typeface="+mn-lt"/>
+              </a:rPr>
+              <a:t>Méthodologie</a:t>
+            </a:r>
+            <a:r>
+              <a:rPr kumimoji="0" lang="en-US" sz="3200" b="0" i="0" u="none" strike="noStrike" cap="none" normalizeH="0" baseline="0" dirty="0" smtClean="0">
+                <a:ln>
+                  <a:noFill/>
+                </a:ln>
+                <a:solidFill>
+                  <a:schemeClr val="bg1"/>
+                </a:solidFill>
+                <a:effectLst/>
+                <a:latin typeface="+mn-lt"/>
+              </a:rPr>
+              <a:t> de tests de charge</a:t>
+            </a:r>
+            <a:endParaRPr kumimoji="0" lang="en-US" sz="3200" b="0" i="0" u="none" strike="noStrike" cap="none" normalizeH="0" baseline="0" dirty="0" smtClean="0">
+              <a:ln>
+                <a:noFill/>
+              </a:ln>
+              <a:solidFill>
+                <a:schemeClr val="bg1"/>
+              </a:solidFill>
+              <a:effectLst/>
+              <a:latin typeface="+mn-lt"/>
+            </a:endParaRPr>
+          </a:p>
+        </p:txBody>
+      </p:sp>
+      <p:cxnSp>
+        <p:nvCxnSpPr>
+          <p:cNvPr id="9" name="Straight Arrow Connector 8"/>
+          <p:cNvCxnSpPr>
+            <a:stCxn id="4" idx="3"/>
+            <a:endCxn id="5" idx="1"/>
+          </p:cNvCxnSpPr>
+          <p:nvPr/>
+        </p:nvCxnSpPr>
+        <p:spPr bwMode="auto">
+          <a:xfrm flipV="1">
+            <a:off x="3742048" y="923950"/>
+            <a:ext cx="1706376" cy="301898"/>
+          </a:xfrm>
+          <a:prstGeom prst="straightConnector1">
+            <a:avLst/>
+          </a:prstGeom>
+          <a:solidFill>
+            <a:schemeClr val="accent1"/>
+          </a:solidFill>
+          <a:ln w="9525" cap="flat" cmpd="sng" algn="ctr">
+            <a:solidFill>
+              <a:schemeClr val="tx1"/>
+            </a:solidFill>
+            <a:prstDash val="solid"/>
+            <a:round/>
+            <a:headEnd type="none" w="med" len="med"/>
+            <a:tailEnd type="arrow"/>
+          </a:ln>
+          <a:effectLst/>
+        </p:spPr>
+      </p:cxnSp>
+      <p:cxnSp>
+        <p:nvCxnSpPr>
+          <p:cNvPr id="11" name="Straight Arrow Connector 10"/>
+          <p:cNvCxnSpPr>
+            <a:stCxn id="4" idx="3"/>
+            <a:endCxn id="6" idx="1"/>
+          </p:cNvCxnSpPr>
+          <p:nvPr/>
+        </p:nvCxnSpPr>
+        <p:spPr bwMode="auto">
+          <a:xfrm>
+            <a:off x="3742048" y="1225848"/>
+            <a:ext cx="1706376" cy="841846"/>
+          </a:xfrm>
+          <a:prstGeom prst="straightConnector1">
+            <a:avLst/>
+          </a:prstGeom>
+          <a:solidFill>
+            <a:schemeClr val="accent1"/>
+          </a:solidFill>
+          <a:ln w="9525" cap="flat" cmpd="sng" algn="ctr">
+            <a:solidFill>
+              <a:schemeClr val="tx1"/>
+            </a:solidFill>
+            <a:prstDash val="solid"/>
+            <a:round/>
+            <a:headEnd type="none" w="med" len="med"/>
+            <a:tailEnd type="arrow"/>
+          </a:ln>
+          <a:effectLst/>
+        </p:spPr>
+      </p:cxnSp>
+    </p:spTree>
+    <p:extLst>
+      <p:ext uri="{BB962C8B-B14F-4D97-AF65-F5344CB8AC3E}">
+        <p14:creationId xmlns:p14="http://schemas.microsoft.com/office/powerpoint/2010/main" val="2650603690"/>
+      </p:ext>
+    </p:extLst>
+  </p:cSld>
+  <p:clrMapOvr>
+    <a:masterClrMapping/>
+  </p:clrMapOvr>
+  <p:timing>
+    <p:tnLst>
+      <p:par>
+        <p:cTn id="1" dur="indefinite" restart="never" nodeType="tmRoot"/>
+      </p:par>
+    </p:tnLst>
+  </p:timing>
+</p:sld>
+</file>
+
+<file path=ppt/slides/slide60.xml><?xml version="1.0" encoding="utf-8"?>
 <p:sld xmlns:a="http://schemas.openxmlformats.org/drawingml/2006/main" xmlns:r="http://schemas.openxmlformats.org/officeDocument/2006/relationships" xmlns:p="http://schemas.openxmlformats.org/presentationml/2006/main">
   <p:cSld>
     <p:spTree>
@@ -41887,199 +44671,6 @@
 </p:sld>
 </file>
 
-<file path=ppt/slides/slide6.xml><?xml version="1.0" encoding="utf-8"?>
-<p:sld xmlns:a="http://schemas.openxmlformats.org/drawingml/2006/main" xmlns:r="http://schemas.openxmlformats.org/officeDocument/2006/relationships" xmlns:p="http://schemas.openxmlformats.org/presentationml/2006/main">
-  <p:cSld>
-    <p:spTree>
-      <p:nvGrpSpPr>
-        <p:cNvPr id="1" name=""/>
-        <p:cNvGrpSpPr/>
-        <p:nvPr/>
-      </p:nvGrpSpPr>
-      <p:grpSpPr>
-        <a:xfrm>
-          <a:off x="0" y="0"/>
-          <a:ext cx="0" cy="0"/>
-          <a:chOff x="0" y="0"/>
-          <a:chExt cx="0" cy="0"/>
-        </a:xfrm>
-      </p:grpSpPr>
-      <p:sp>
-        <p:nvSpPr>
-          <p:cNvPr id="2" name="Content Placeholder 1"/>
-          <p:cNvSpPr>
-            <a:spLocks noGrp="1"/>
-          </p:cNvSpPr>
-          <p:nvPr>
-            <p:ph idx="1"/>
-          </p:nvPr>
-        </p:nvSpPr>
-        <p:spPr>
-          <a:xfrm>
-            <a:off x="2843809" y="843558"/>
-            <a:ext cx="4032448" cy="3601641"/>
-          </a:xfrm>
-        </p:spPr>
-        <p:txBody>
-          <a:bodyPr/>
-          <a:lstStyle/>
-          <a:p>
-            <a:r>
-              <a:rPr lang="fr-FR" dirty="0" smtClean="0"/>
-              <a:t>Architecte Senior</a:t>
-            </a:r>
-          </a:p>
-          <a:p>
-            <a:r>
-              <a:rPr lang="fr-FR" dirty="0" smtClean="0"/>
-              <a:t>Pôle </a:t>
-            </a:r>
-            <a:r>
-              <a:rPr lang="fr-FR" dirty="0" err="1" smtClean="0"/>
-              <a:t>Devops</a:t>
-            </a:r>
-            <a:endParaRPr lang="fr-FR" dirty="0" smtClean="0"/>
-          </a:p>
-          <a:p>
-            <a:endParaRPr lang="fr-FR" dirty="0"/>
-          </a:p>
-          <a:p>
-            <a:r>
-              <a:rPr lang="fr-FR" dirty="0" smtClean="0"/>
-              <a:t>Expert optimisation système</a:t>
-            </a:r>
-          </a:p>
-          <a:p>
-            <a:endParaRPr lang="fr-FR" dirty="0" smtClean="0"/>
-          </a:p>
-        </p:txBody>
-      </p:sp>
-      <p:pic>
-        <p:nvPicPr>
-          <p:cNvPr id="4" name="Picture 2" descr="C:\Users\Henri\Google Drive\TOOLBOX\Slideware tools\Pictos\Normal\Octos\OctoGraduate_Pos.png"/>
-          <p:cNvPicPr>
-            <a:picLocks noChangeAspect="1" noChangeArrowheads="1"/>
-          </p:cNvPicPr>
-          <p:nvPr/>
-        </p:nvPicPr>
-        <p:blipFill>
-          <a:blip r:embed="rId3">
-            <a:extLst>
-              <a:ext uri="{28A0092B-C50C-407E-A947-70E740481C1C}">
-                <a14:useLocalDpi xmlns:a14="http://schemas.microsoft.com/office/drawing/2010/main" val="0"/>
-              </a:ext>
-            </a:extLst>
-          </a:blip>
-          <a:srcRect/>
-          <a:stretch>
-            <a:fillRect/>
-          </a:stretch>
-        </p:blipFill>
-        <p:spPr bwMode="auto">
-          <a:xfrm>
-            <a:off x="251520" y="987574"/>
-            <a:ext cx="2520280" cy="3026647"/>
-          </a:xfrm>
-          <a:prstGeom prst="rect">
-            <a:avLst/>
-          </a:prstGeom>
-          <a:noFill/>
-          <a:extLst>
-            <a:ext uri="{909E8E84-426E-40DD-AFC4-6F175D3DCCD1}">
-              <a14:hiddenFill xmlns:a14="http://schemas.microsoft.com/office/drawing/2010/main">
-                <a:solidFill>
-                  <a:srgbClr val="FFFFFF"/>
-                </a:solidFill>
-              </a14:hiddenFill>
-            </a:ext>
-          </a:extLst>
-        </p:spPr>
-      </p:pic>
-      <p:pic>
-        <p:nvPicPr>
-          <p:cNvPr id="2054" name="Picture 6" descr="http://datajob2013.fr/assets/uploads/Logos/octo.png"/>
-          <p:cNvPicPr>
-            <a:picLocks noChangeAspect="1" noChangeArrowheads="1"/>
-          </p:cNvPicPr>
-          <p:nvPr/>
-        </p:nvPicPr>
-        <p:blipFill>
-          <a:blip r:embed="rId4">
-            <a:extLst>
-              <a:ext uri="{28A0092B-C50C-407E-A947-70E740481C1C}">
-                <a14:useLocalDpi xmlns:a14="http://schemas.microsoft.com/office/drawing/2010/main" val="0"/>
-              </a:ext>
-            </a:extLst>
-          </a:blip>
-          <a:srcRect/>
-          <a:stretch>
-            <a:fillRect/>
-          </a:stretch>
-        </p:blipFill>
-        <p:spPr bwMode="auto">
-          <a:xfrm>
-            <a:off x="6516216" y="627534"/>
-            <a:ext cx="2323753" cy="1210578"/>
-          </a:xfrm>
-          <a:prstGeom prst="rect">
-            <a:avLst/>
-          </a:prstGeom>
-          <a:noFill/>
-          <a:extLst>
-            <a:ext uri="{909E8E84-426E-40DD-AFC4-6F175D3DCCD1}">
-              <a14:hiddenFill xmlns:a14="http://schemas.microsoft.com/office/drawing/2010/main">
-                <a:solidFill>
-                  <a:srgbClr val="FFFFFF"/>
-                </a:solidFill>
-              </a14:hiddenFill>
-            </a:ext>
-          </a:extLst>
-        </p:spPr>
-      </p:pic>
-      <p:sp>
-        <p:nvSpPr>
-          <p:cNvPr id="5" name="Title 4"/>
-          <p:cNvSpPr>
-            <a:spLocks noGrp="1"/>
-          </p:cNvSpPr>
-          <p:nvPr>
-            <p:ph type="title"/>
-          </p:nvPr>
-        </p:nvSpPr>
-        <p:spPr/>
-        <p:txBody>
-          <a:bodyPr/>
-          <a:lstStyle/>
-          <a:p>
-            <a:pPr algn="l"/>
-            <a:r>
-              <a:rPr lang="fr-FR" b="1" dirty="0" smtClean="0"/>
-              <a:t>Ludovic Piot</a:t>
-            </a:r>
-            <a:endParaRPr lang="fr-FR" b="1" dirty="0"/>
-          </a:p>
-        </p:txBody>
-      </p:sp>
-    </p:spTree>
-    <p:extLst>
-      <p:ext uri="{BB962C8B-B14F-4D97-AF65-F5344CB8AC3E}">
-        <p14:creationId xmlns:p14="http://schemas.microsoft.com/office/powerpoint/2010/main" val="3096689219"/>
-      </p:ext>
-    </p:extLst>
-  </p:cSld>
-  <p:clrMapOvr>
-    <a:masterClrMapping/>
-  </p:clrMapOvr>
-  <p:timing>
-    <p:tnLst>
-      <p:par>
-        <p:cTn id="1" dur="indefinite" restart="never" nodeType="tmRoot"/>
-      </p:par>
-    </p:tnLst>
-  </p:timing>
-</p:sld>
-</file>
-
 <file path=ppt/slides/slide7.xml><?xml version="1.0" encoding="utf-8"?>
 <p:sld xmlns:a="http://schemas.openxmlformats.org/drawingml/2006/main" xmlns:r="http://schemas.openxmlformats.org/officeDocument/2006/relationships" xmlns:p="http://schemas.openxmlformats.org/presentationml/2006/main">
   <p:cSld>
@@ -42099,227 +44690,513 @@
       </p:grpSpPr>
       <p:sp>
         <p:nvSpPr>
-          <p:cNvPr id="2" name="Content Placeholder 1"/>
-          <p:cNvSpPr>
-            <a:spLocks noGrp="1"/>
-          </p:cNvSpPr>
-          <p:nvPr>
-            <p:ph idx="1"/>
-          </p:nvPr>
+          <p:cNvPr id="4" name="Rectangle 3"/>
+          <p:cNvSpPr/>
+          <p:nvPr/>
         </p:nvSpPr>
-        <p:spPr>
-          <a:xfrm>
-            <a:off x="2843809" y="843558"/>
-            <a:ext cx="4032448" cy="3601641"/>
-          </a:xfrm>
-        </p:spPr>
-        <p:txBody>
-          <a:bodyPr/>
-          <a:lstStyle/>
-          <a:p>
-            <a:r>
-              <a:rPr lang="fr-FR" dirty="0" smtClean="0"/>
-              <a:t>Architecte</a:t>
-            </a:r>
-          </a:p>
-          <a:p>
-            <a:r>
-              <a:rPr lang="fr-FR" dirty="0"/>
-              <a:t>Pôle </a:t>
-            </a:r>
-            <a:r>
-              <a:rPr lang="fr-FR" dirty="0" err="1"/>
-              <a:t>Devops</a:t>
-            </a:r>
-            <a:endParaRPr lang="fr-FR" dirty="0"/>
-          </a:p>
-          <a:p>
-            <a:endParaRPr lang="fr-FR" dirty="0" smtClean="0"/>
-          </a:p>
-          <a:p>
-            <a:r>
-              <a:rPr lang="fr-FR" dirty="0" smtClean="0"/>
-              <a:t>DSI</a:t>
-            </a:r>
-          </a:p>
-          <a:p>
-            <a:endParaRPr lang="fr-FR" dirty="0"/>
-          </a:p>
-          <a:p>
-            <a:r>
-              <a:rPr lang="fr-FR" dirty="0" smtClean="0"/>
-              <a:t>Master-chef senior </a:t>
-            </a:r>
-            <a:r>
-              <a:rPr lang="fr-FR" dirty="0" err="1" smtClean="0"/>
-              <a:t>developer</a:t>
-            </a:r>
-            <a:endParaRPr lang="fr-FR" dirty="0" smtClean="0"/>
-          </a:p>
-          <a:p>
-            <a:r>
-              <a:rPr lang="fr-FR" dirty="0" smtClean="0"/>
-              <a:t>Master-cap senior </a:t>
-            </a:r>
-            <a:r>
-              <a:rPr lang="fr-FR" dirty="0" err="1" smtClean="0"/>
-              <a:t>developer</a:t>
-            </a:r>
-            <a:endParaRPr lang="fr-FR" dirty="0" smtClean="0"/>
-          </a:p>
-        </p:txBody>
-      </p:sp>
-      <p:pic>
-        <p:nvPicPr>
-          <p:cNvPr id="4" name="Picture 2" descr="C:\Users\Henri\Google Drive\TOOLBOX\Slideware tools\Pictos\Normal\Octos\OctoGraduate_Pos.png"/>
-          <p:cNvPicPr>
-            <a:picLocks noChangeAspect="1" noChangeArrowheads="1"/>
-          </p:cNvPicPr>
-          <p:nvPr/>
-        </p:nvPicPr>
-        <p:blipFill>
-          <a:blip r:embed="rId3">
-            <a:extLst>
-              <a:ext uri="{28A0092B-C50C-407E-A947-70E740481C1C}">
-                <a14:useLocalDpi xmlns:a14="http://schemas.microsoft.com/office/drawing/2010/main" val="0"/>
-              </a:ext>
-            </a:extLst>
-          </a:blip>
-          <a:srcRect/>
-          <a:stretch>
-            <a:fillRect/>
-          </a:stretch>
-        </p:blipFill>
         <p:spPr bwMode="auto">
           <a:xfrm>
-            <a:off x="251520" y="987574"/>
-            <a:ext cx="2520280" cy="3026647"/>
+            <a:off x="1797832" y="793800"/>
+            <a:ext cx="1944216" cy="864096"/>
           </a:xfrm>
           <a:prstGeom prst="rect">
             <a:avLst/>
           </a:prstGeom>
-          <a:noFill/>
-          <a:extLst>
-            <a:ext uri="{909E8E84-426E-40DD-AFC4-6F175D3DCCD1}">
-              <a14:hiddenFill xmlns:a14="http://schemas.microsoft.com/office/drawing/2010/main">
+          <a:ln>
+            <a:headEnd type="none" w="med" len="med"/>
+            <a:tailEnd type="none" w="med" len="med"/>
+          </a:ln>
+        </p:spPr>
+        <p:style>
+          <a:lnRef idx="2">
+            <a:schemeClr val="accent3">
+              <a:shade val="50000"/>
+            </a:schemeClr>
+          </a:lnRef>
+          <a:fillRef idx="1">
+            <a:schemeClr val="accent3"/>
+          </a:fillRef>
+          <a:effectRef idx="0">
+            <a:schemeClr val="accent3"/>
+          </a:effectRef>
+          <a:fontRef idx="minor">
+            <a:schemeClr val="lt1"/>
+          </a:fontRef>
+        </p:style>
+        <p:txBody>
+          <a:bodyPr vert="horz" wrap="square" lIns="91440" tIns="45720" rIns="91440" bIns="45720" numCol="1" rtlCol="0" anchor="ctr" anchorCtr="0" compatLnSpc="1">
+            <a:prstTxWarp prst="textNoShape">
+              <a:avLst/>
+            </a:prstTxWarp>
+          </a:bodyPr>
+          <a:lstStyle/>
+          <a:p>
+            <a:pPr marL="0" marR="0" indent="0" algn="ctr" defTabSz="914400" rtl="0" eaLnBrk="0" fontAlgn="base" latinLnBrk="0" hangingPunct="0">
+              <a:lnSpc>
+                <a:spcPct val="100000"/>
+              </a:lnSpc>
+              <a:spcBef>
+                <a:spcPct val="0"/>
+              </a:spcBef>
+              <a:spcAft>
+                <a:spcPct val="0"/>
+              </a:spcAft>
+              <a:buClrTx/>
+              <a:buSzTx/>
+              <a:buFontTx/>
+              <a:buNone/>
+              <a:tabLst/>
+            </a:pPr>
+            <a:r>
+              <a:rPr kumimoji="0" lang="en-US" sz="3200" b="0" i="0" u="none" strike="noStrike" cap="none" normalizeH="0" baseline="0" dirty="0" smtClean="0">
+                <a:ln>
+                  <a:noFill/>
+                </a:ln>
                 <a:solidFill>
-                  <a:srgbClr val="FFFFFF"/>
+                  <a:schemeClr val="bg1"/>
                 </a:solidFill>
-              </a14:hiddenFill>
-            </a:ext>
-          </a:extLst>
-        </p:spPr>
-      </p:pic>
-      <p:pic>
-        <p:nvPicPr>
-          <p:cNvPr id="2054" name="Picture 6" descr="http://datajob2013.fr/assets/uploads/Logos/octo.png"/>
-          <p:cNvPicPr>
-            <a:picLocks noChangeAspect="1" noChangeArrowheads="1"/>
-          </p:cNvPicPr>
+                <a:effectLst/>
+                <a:latin typeface="+mn-lt"/>
+              </a:rPr>
+              <a:t>Tuning</a:t>
+            </a:r>
+            <a:endParaRPr kumimoji="0" lang="en-US" sz="3200" b="0" i="0" u="none" strike="noStrike" cap="none" normalizeH="0" baseline="0" dirty="0" smtClean="0">
+              <a:ln>
+                <a:noFill/>
+              </a:ln>
+              <a:solidFill>
+                <a:schemeClr val="bg1"/>
+              </a:solidFill>
+              <a:effectLst/>
+              <a:latin typeface="+mn-lt"/>
+            </a:endParaRPr>
+          </a:p>
+        </p:txBody>
+      </p:sp>
+      <p:sp>
+        <p:nvSpPr>
+          <p:cNvPr id="5" name="Rectangle 4"/>
+          <p:cNvSpPr/>
           <p:nvPr/>
-        </p:nvPicPr>
-        <p:blipFill>
-          <a:blip r:embed="rId4">
-            <a:extLst>
-              <a:ext uri="{28A0092B-C50C-407E-A947-70E740481C1C}">
-                <a14:useLocalDpi xmlns:a14="http://schemas.microsoft.com/office/drawing/2010/main" val="0"/>
-              </a:ext>
-            </a:extLst>
-          </a:blip>
-          <a:srcRect/>
-          <a:stretch>
-            <a:fillRect/>
-          </a:stretch>
-        </p:blipFill>
+        </p:nvSpPr>
         <p:spPr bwMode="auto">
           <a:xfrm>
-            <a:off x="6516216" y="627534"/>
-            <a:ext cx="2323753" cy="1210578"/>
+            <a:off x="5448424" y="491902"/>
+            <a:ext cx="1944216" cy="864096"/>
           </a:xfrm>
           <a:prstGeom prst="rect">
             <a:avLst/>
           </a:prstGeom>
-          <a:noFill/>
-          <a:extLst>
-            <a:ext uri="{909E8E84-426E-40DD-AFC4-6F175D3DCCD1}">
-              <a14:hiddenFill xmlns:a14="http://schemas.microsoft.com/office/drawing/2010/main">
-                <a:solidFill>
-                  <a:srgbClr val="FFFFFF"/>
-                </a:solidFill>
-              </a14:hiddenFill>
-            </a:ext>
-          </a:extLst>
+          <a:ln>
+            <a:headEnd type="none" w="med" len="med"/>
+            <a:tailEnd type="none" w="med" len="med"/>
+          </a:ln>
         </p:spPr>
-      </p:pic>
-      <p:sp>
-        <p:nvSpPr>
-          <p:cNvPr id="5" name="Title 4"/>
-          <p:cNvSpPr>
-            <a:spLocks noGrp="1"/>
-          </p:cNvSpPr>
-          <p:nvPr>
-            <p:ph type="title"/>
-          </p:nvPr>
-        </p:nvSpPr>
-        <p:spPr/>
+        <p:style>
+          <a:lnRef idx="2">
+            <a:schemeClr val="accent3">
+              <a:shade val="50000"/>
+            </a:schemeClr>
+          </a:lnRef>
+          <a:fillRef idx="1">
+            <a:schemeClr val="accent3"/>
+          </a:fillRef>
+          <a:effectRef idx="0">
+            <a:schemeClr val="accent3"/>
+          </a:effectRef>
+          <a:fontRef idx="minor">
+            <a:schemeClr val="lt1"/>
+          </a:fontRef>
+        </p:style>
         <p:txBody>
-          <a:bodyPr/>
+          <a:bodyPr vert="horz" wrap="square" lIns="91440" tIns="45720" rIns="91440" bIns="45720" numCol="1" rtlCol="0" anchor="ctr" anchorCtr="0" compatLnSpc="1">
+            <a:prstTxWarp prst="textNoShape">
+              <a:avLst/>
+            </a:prstTxWarp>
+          </a:bodyPr>
           <a:lstStyle/>
           <a:p>
-            <a:pPr algn="l"/>
-            <a:r>
-              <a:rPr lang="fr-FR" b="1" dirty="0" smtClean="0"/>
-              <a:t>Mikaël Robert</a:t>
-            </a:r>
-            <a:endParaRPr lang="fr-FR" b="1" dirty="0"/>
+            <a:pPr marL="0" marR="0" indent="0" algn="ctr" defTabSz="914400" rtl="0" eaLnBrk="0" fontAlgn="base" latinLnBrk="0" hangingPunct="0">
+              <a:lnSpc>
+                <a:spcPct val="100000"/>
+              </a:lnSpc>
+              <a:spcBef>
+                <a:spcPct val="0"/>
+              </a:spcBef>
+              <a:spcAft>
+                <a:spcPct val="0"/>
+              </a:spcAft>
+              <a:buClrTx/>
+              <a:buSzTx/>
+              <a:buFontTx/>
+              <a:buNone/>
+              <a:tabLst/>
+            </a:pPr>
+            <a:r>
+              <a:rPr kumimoji="0" lang="en-US" sz="3200" b="0" i="0" u="none" strike="noStrike" cap="none" normalizeH="0" baseline="0" dirty="0" err="1" smtClean="0">
+                <a:ln>
+                  <a:noFill/>
+                </a:ln>
+                <a:solidFill>
+                  <a:schemeClr val="bg1"/>
+                </a:solidFill>
+                <a:effectLst/>
+                <a:latin typeface="+mn-lt"/>
+              </a:rPr>
+              <a:t>Applicatif</a:t>
+            </a:r>
+            <a:endParaRPr kumimoji="0" lang="en-US" sz="3200" b="0" i="0" u="none" strike="noStrike" cap="none" normalizeH="0" baseline="0" dirty="0" smtClean="0">
+              <a:ln>
+                <a:noFill/>
+              </a:ln>
+              <a:solidFill>
+                <a:schemeClr val="bg1"/>
+              </a:solidFill>
+              <a:effectLst/>
+              <a:latin typeface="+mn-lt"/>
+            </a:endParaRPr>
           </a:p>
         </p:txBody>
       </p:sp>
-      <p:pic>
-        <p:nvPicPr>
-          <p:cNvPr id="1026" name="Picture 2" descr="kitchenware"/>
-          <p:cNvPicPr>
-            <a:picLocks noChangeAspect="1" noChangeArrowheads="1"/>
-          </p:cNvPicPr>
+      <p:sp>
+        <p:nvSpPr>
+          <p:cNvPr id="6" name="Rectangle 5"/>
+          <p:cNvSpPr/>
           <p:nvPr/>
-        </p:nvPicPr>
-        <p:blipFill>
-          <a:blip r:embed="rId5">
-            <a:extLst>
-              <a:ext uri="{28A0092B-C50C-407E-A947-70E740481C1C}">
-                <a14:useLocalDpi xmlns:a14="http://schemas.microsoft.com/office/drawing/2010/main" val="0"/>
-              </a:ext>
-            </a:extLst>
-          </a:blip>
-          <a:srcRect/>
-          <a:stretch>
-            <a:fillRect/>
-          </a:stretch>
-        </p:blipFill>
+        </p:nvSpPr>
         <p:spPr bwMode="auto">
           <a:xfrm>
-            <a:off x="6876256" y="2355726"/>
-            <a:ext cx="1333500" cy="1333501"/>
+            <a:off x="5448424" y="1635646"/>
+            <a:ext cx="1944216" cy="864096"/>
           </a:xfrm>
           <a:prstGeom prst="rect">
             <a:avLst/>
           </a:prstGeom>
-          <a:noFill/>
-          <a:extLst>
-            <a:ext uri="{909E8E84-426E-40DD-AFC4-6F175D3DCCD1}">
-              <a14:hiddenFill xmlns:a14="http://schemas.microsoft.com/office/drawing/2010/main">
+          <a:ln>
+            <a:headEnd type="none" w="med" len="med"/>
+            <a:tailEnd type="none" w="med" len="med"/>
+          </a:ln>
+        </p:spPr>
+        <p:style>
+          <a:lnRef idx="2">
+            <a:schemeClr val="accent3">
+              <a:shade val="50000"/>
+            </a:schemeClr>
+          </a:lnRef>
+          <a:fillRef idx="1">
+            <a:schemeClr val="accent3"/>
+          </a:fillRef>
+          <a:effectRef idx="0">
+            <a:schemeClr val="accent3"/>
+          </a:effectRef>
+          <a:fontRef idx="minor">
+            <a:schemeClr val="lt1"/>
+          </a:fontRef>
+        </p:style>
+        <p:txBody>
+          <a:bodyPr vert="horz" wrap="square" lIns="91440" tIns="45720" rIns="91440" bIns="45720" numCol="1" rtlCol="0" anchor="ctr" anchorCtr="0" compatLnSpc="1">
+            <a:prstTxWarp prst="textNoShape">
+              <a:avLst/>
+            </a:prstTxWarp>
+          </a:bodyPr>
+          <a:lstStyle/>
+          <a:p>
+            <a:pPr marL="0" marR="0" indent="0" algn="ctr" defTabSz="914400" rtl="0" eaLnBrk="0" fontAlgn="base" latinLnBrk="0" hangingPunct="0">
+              <a:lnSpc>
+                <a:spcPct val="100000"/>
+              </a:lnSpc>
+              <a:spcBef>
+                <a:spcPct val="0"/>
+              </a:spcBef>
+              <a:spcAft>
+                <a:spcPct val="0"/>
+              </a:spcAft>
+              <a:buClrTx/>
+              <a:buSzTx/>
+              <a:buFontTx/>
+              <a:buNone/>
+              <a:tabLst/>
+            </a:pPr>
+            <a:r>
+              <a:rPr kumimoji="0" lang="en-US" sz="3200" b="0" i="0" u="none" strike="noStrike" cap="none" normalizeH="0" baseline="0" dirty="0" err="1" smtClean="0">
+                <a:ln>
+                  <a:noFill/>
+                </a:ln>
                 <a:solidFill>
-                  <a:srgbClr val="FFFFFF"/>
+                  <a:schemeClr val="bg1"/>
                 </a:solidFill>
-              </a14:hiddenFill>
-            </a:ext>
-          </a:extLst>
+                <a:effectLst/>
+                <a:latin typeface="+mn-lt"/>
+              </a:rPr>
+              <a:t>Système</a:t>
+            </a:r>
+            <a:endParaRPr kumimoji="0" lang="en-US" sz="3200" b="0" i="0" u="none" strike="noStrike" cap="none" normalizeH="0" baseline="0" dirty="0" smtClean="0">
+              <a:ln>
+                <a:noFill/>
+              </a:ln>
+              <a:solidFill>
+                <a:schemeClr val="bg1"/>
+              </a:solidFill>
+              <a:effectLst/>
+              <a:latin typeface="+mn-lt"/>
+            </a:endParaRPr>
+          </a:p>
+        </p:txBody>
+      </p:sp>
+      <p:sp>
+        <p:nvSpPr>
+          <p:cNvPr id="7" name="Rectangle 6"/>
+          <p:cNvSpPr/>
+          <p:nvPr/>
+        </p:nvSpPr>
+        <p:spPr bwMode="auto">
+          <a:xfrm>
+            <a:off x="827584" y="3363838"/>
+            <a:ext cx="3456384" cy="1368152"/>
+          </a:xfrm>
+          <a:prstGeom prst="rect">
+            <a:avLst/>
+          </a:prstGeom>
+          <a:ln>
+            <a:headEnd type="none" w="med" len="med"/>
+            <a:tailEnd type="none" w="med" len="med"/>
+          </a:ln>
         </p:spPr>
-      </p:pic>
+        <p:style>
+          <a:lnRef idx="2">
+            <a:schemeClr val="accent2">
+              <a:shade val="50000"/>
+            </a:schemeClr>
+          </a:lnRef>
+          <a:fillRef idx="1">
+            <a:schemeClr val="accent2"/>
+          </a:fillRef>
+          <a:effectRef idx="0">
+            <a:schemeClr val="accent2"/>
+          </a:effectRef>
+          <a:fontRef idx="minor">
+            <a:schemeClr val="lt1"/>
+          </a:fontRef>
+        </p:style>
+        <p:txBody>
+          <a:bodyPr vert="horz" wrap="square" lIns="91440" tIns="45720" rIns="91440" bIns="45720" numCol="1" rtlCol="0" anchor="ctr" anchorCtr="0" compatLnSpc="1">
+            <a:prstTxWarp prst="textNoShape">
+              <a:avLst/>
+            </a:prstTxWarp>
+          </a:bodyPr>
+          <a:lstStyle/>
+          <a:p>
+            <a:pPr marL="0" marR="0" indent="0" algn="ctr" defTabSz="914400" rtl="0" eaLnBrk="0" fontAlgn="base" latinLnBrk="0" hangingPunct="0">
+              <a:lnSpc>
+                <a:spcPct val="100000"/>
+              </a:lnSpc>
+              <a:spcBef>
+                <a:spcPct val="0"/>
+              </a:spcBef>
+              <a:spcAft>
+                <a:spcPct val="0"/>
+              </a:spcAft>
+              <a:buClrTx/>
+              <a:buSzTx/>
+              <a:buFontTx/>
+              <a:buNone/>
+              <a:tabLst/>
+            </a:pPr>
+            <a:r>
+              <a:rPr kumimoji="0" lang="en-US" sz="3200" b="0" i="0" u="none" strike="noStrike" cap="none" normalizeH="0" baseline="0" dirty="0" err="1" smtClean="0">
+                <a:ln>
+                  <a:noFill/>
+                </a:ln>
+                <a:solidFill>
+                  <a:schemeClr val="bg1"/>
+                </a:solidFill>
+                <a:effectLst/>
+                <a:latin typeface="+mn-lt"/>
+              </a:rPr>
+              <a:t>Méthodologie</a:t>
+            </a:r>
+            <a:r>
+              <a:rPr kumimoji="0" lang="en-US" sz="3200" b="0" i="0" u="none" strike="noStrike" cap="none" normalizeH="0" baseline="0" dirty="0" smtClean="0">
+                <a:ln>
+                  <a:noFill/>
+                </a:ln>
+                <a:solidFill>
+                  <a:schemeClr val="bg1"/>
+                </a:solidFill>
+                <a:effectLst/>
+                <a:latin typeface="+mn-lt"/>
+              </a:rPr>
+              <a:t> de tests de charge</a:t>
+            </a:r>
+            <a:endParaRPr kumimoji="0" lang="en-US" sz="3200" b="0" i="0" u="none" strike="noStrike" cap="none" normalizeH="0" baseline="0" dirty="0" smtClean="0">
+              <a:ln>
+                <a:noFill/>
+              </a:ln>
+              <a:solidFill>
+                <a:schemeClr val="bg1"/>
+              </a:solidFill>
+              <a:effectLst/>
+              <a:latin typeface="+mn-lt"/>
+            </a:endParaRPr>
+          </a:p>
+        </p:txBody>
+      </p:sp>
+      <p:cxnSp>
+        <p:nvCxnSpPr>
+          <p:cNvPr id="9" name="Straight Arrow Connector 8"/>
+          <p:cNvCxnSpPr>
+            <a:stCxn id="4" idx="3"/>
+            <a:endCxn id="5" idx="1"/>
+          </p:cNvCxnSpPr>
+          <p:nvPr/>
+        </p:nvCxnSpPr>
+        <p:spPr bwMode="auto">
+          <a:xfrm flipV="1">
+            <a:off x="3742048" y="923950"/>
+            <a:ext cx="1706376" cy="301898"/>
+          </a:xfrm>
+          <a:prstGeom prst="straightConnector1">
+            <a:avLst/>
+          </a:prstGeom>
+          <a:solidFill>
+            <a:schemeClr val="accent1"/>
+          </a:solidFill>
+          <a:ln w="9525" cap="flat" cmpd="sng" algn="ctr">
+            <a:solidFill>
+              <a:schemeClr val="tx1"/>
+            </a:solidFill>
+            <a:prstDash val="solid"/>
+            <a:round/>
+            <a:headEnd type="none" w="med" len="med"/>
+            <a:tailEnd type="arrow"/>
+          </a:ln>
+          <a:effectLst/>
+        </p:spPr>
+      </p:cxnSp>
+      <p:cxnSp>
+        <p:nvCxnSpPr>
+          <p:cNvPr id="11" name="Straight Arrow Connector 10"/>
+          <p:cNvCxnSpPr>
+            <a:stCxn id="4" idx="3"/>
+            <a:endCxn id="6" idx="1"/>
+          </p:cNvCxnSpPr>
+          <p:nvPr/>
+        </p:nvCxnSpPr>
+        <p:spPr bwMode="auto">
+          <a:xfrm>
+            <a:off x="3742048" y="1225848"/>
+            <a:ext cx="1706376" cy="841846"/>
+          </a:xfrm>
+          <a:prstGeom prst="straightConnector1">
+            <a:avLst/>
+          </a:prstGeom>
+          <a:solidFill>
+            <a:schemeClr val="accent1"/>
+          </a:solidFill>
+          <a:ln w="9525" cap="flat" cmpd="sng" algn="ctr">
+            <a:solidFill>
+              <a:schemeClr val="tx1"/>
+            </a:solidFill>
+            <a:prstDash val="solid"/>
+            <a:round/>
+            <a:headEnd type="none" w="med" len="med"/>
+            <a:tailEnd type="arrow"/>
+          </a:ln>
+          <a:effectLst/>
+        </p:spPr>
+      </p:cxnSp>
+      <p:sp>
+        <p:nvSpPr>
+          <p:cNvPr id="12" name="Rectangle 11"/>
+          <p:cNvSpPr/>
+          <p:nvPr/>
+        </p:nvSpPr>
+        <p:spPr bwMode="auto">
+          <a:xfrm>
+            <a:off x="4860032" y="3363838"/>
+            <a:ext cx="3456384" cy="1368152"/>
+          </a:xfrm>
+          <a:prstGeom prst="rect">
+            <a:avLst/>
+          </a:prstGeom>
+          <a:ln>
+            <a:headEnd type="none" w="med" len="med"/>
+            <a:tailEnd type="none" w="med" len="med"/>
+          </a:ln>
+        </p:spPr>
+        <p:style>
+          <a:lnRef idx="2">
+            <a:schemeClr val="accent6">
+              <a:shade val="50000"/>
+            </a:schemeClr>
+          </a:lnRef>
+          <a:fillRef idx="1">
+            <a:schemeClr val="accent6"/>
+          </a:fillRef>
+          <a:effectRef idx="0">
+            <a:schemeClr val="accent6"/>
+          </a:effectRef>
+          <a:fontRef idx="minor">
+            <a:schemeClr val="lt1"/>
+          </a:fontRef>
+        </p:style>
+        <p:txBody>
+          <a:bodyPr vert="horz" wrap="square" lIns="91440" tIns="45720" rIns="91440" bIns="45720" numCol="1" rtlCol="0" anchor="ctr" anchorCtr="0" compatLnSpc="1">
+            <a:prstTxWarp prst="textNoShape">
+              <a:avLst/>
+            </a:prstTxWarp>
+          </a:bodyPr>
+          <a:lstStyle/>
+          <a:p>
+            <a:pPr marL="0" marR="0" indent="0" algn="ctr" defTabSz="914400" rtl="0" eaLnBrk="0" fontAlgn="base" latinLnBrk="0" hangingPunct="0">
+              <a:lnSpc>
+                <a:spcPct val="100000"/>
+              </a:lnSpc>
+              <a:spcBef>
+                <a:spcPct val="0"/>
+              </a:spcBef>
+              <a:spcAft>
+                <a:spcPct val="0"/>
+              </a:spcAft>
+              <a:buClrTx/>
+              <a:buSzTx/>
+              <a:buFontTx/>
+              <a:buNone/>
+              <a:tabLst/>
+            </a:pPr>
+            <a:r>
+              <a:rPr lang="en-US" sz="3200" dirty="0" err="1" smtClean="0">
+                <a:solidFill>
+                  <a:schemeClr val="bg1"/>
+                </a:solidFill>
+              </a:rPr>
+              <a:t>Suivi</a:t>
+            </a:r>
+            <a:r>
+              <a:rPr lang="en-US" sz="3200" dirty="0" smtClean="0">
+                <a:solidFill>
+                  <a:schemeClr val="bg1"/>
+                </a:solidFill>
+              </a:rPr>
+              <a:t> des performances</a:t>
+            </a:r>
+            <a:endParaRPr kumimoji="0" lang="en-US" sz="3200" b="0" i="0" u="none" strike="noStrike" cap="none" normalizeH="0" baseline="0" dirty="0" smtClean="0">
+              <a:ln>
+                <a:noFill/>
+              </a:ln>
+              <a:solidFill>
+                <a:schemeClr val="bg1"/>
+              </a:solidFill>
+              <a:effectLst/>
+              <a:latin typeface="+mn-lt"/>
+            </a:endParaRPr>
+          </a:p>
+        </p:txBody>
+      </p:sp>
     </p:spTree>
     <p:extLst>
       <p:ext uri="{BB962C8B-B14F-4D97-AF65-F5344CB8AC3E}">
-        <p14:creationId xmlns:p14="http://schemas.microsoft.com/office/powerpoint/2010/main" val="3096689219"/>
+        <p14:creationId xmlns:p14="http://schemas.microsoft.com/office/powerpoint/2010/main" val="2650603690"/>
       </p:ext>
     </p:extLst>
   </p:cSld>
@@ -42355,160 +45232,33 @@
       </p:grpSpPr>
       <p:sp>
         <p:nvSpPr>
-          <p:cNvPr id="2" name="Espace réservé du contenu 1"/>
+          <p:cNvPr id="3" name="Title 2"/>
           <p:cNvSpPr>
             <a:spLocks noGrp="1"/>
           </p:cNvSpPr>
           <p:nvPr>
-            <p:ph idx="4294967295"/>
+            <p:ph type="title"/>
           </p:nvPr>
         </p:nvSpPr>
-        <p:spPr>
-          <a:xfrm>
-            <a:off x="467544" y="914400"/>
-            <a:ext cx="3922713" cy="2305050"/>
-          </a:xfrm>
-        </p:spPr>
+        <p:spPr/>
         <p:txBody>
           <a:bodyPr/>
           <a:lstStyle/>
           <a:p>
-            <a:pPr marL="0" indent="0">
-              <a:buNone/>
-            </a:pPr>
-            <a:r>
-              <a:rPr lang="fr-FR" sz="2800" dirty="0" smtClean="0"/>
-              <a:t>Les </a:t>
-            </a:r>
-            <a:r>
-              <a:rPr lang="fr-FR" sz="2800" dirty="0" smtClean="0">
-                <a:solidFill>
-                  <a:schemeClr val="accent1"/>
-                </a:solidFill>
-              </a:rPr>
-              <a:t>performances</a:t>
-            </a:r>
-            <a:r>
-              <a:rPr lang="fr-FR" sz="2800" dirty="0" smtClean="0"/>
-              <a:t> d’un système sont une spécification fonctionnelle implicite du système </a:t>
-            </a:r>
-            <a:endParaRPr lang="fr-FR" sz="2800" dirty="0"/>
-          </a:p>
-        </p:txBody>
-      </p:sp>
-      <p:sp>
-        <p:nvSpPr>
-          <p:cNvPr id="3" name="Titre 2"/>
-          <p:cNvSpPr>
-            <a:spLocks noGrp="1"/>
-          </p:cNvSpPr>
-          <p:nvPr>
-            <p:ph type="title" idx="4294967295"/>
-          </p:nvPr>
-        </p:nvSpPr>
-        <p:spPr>
-          <a:xfrm>
-            <a:off x="577850" y="33338"/>
-            <a:ext cx="8566150" cy="412750"/>
-          </a:xfrm>
-        </p:spPr>
-        <p:txBody>
-          <a:bodyPr/>
-          <a:lstStyle/>
-          <a:p>
-            <a:r>
-              <a:rPr lang="fr-FR" sz="2400" dirty="0"/>
-              <a:t>Notre vision ?</a:t>
-            </a:r>
-            <a:endParaRPr lang="fr-FR" sz="2400" dirty="0"/>
-          </a:p>
-        </p:txBody>
-      </p:sp>
-      <p:pic>
-        <p:nvPicPr>
-          <p:cNvPr id="1026" name="Picture 2" descr="http://www.arthursclipart.org/people/people/waiting.gif"/>
-          <p:cNvPicPr>
-            <a:picLocks noChangeAspect="1" noChangeArrowheads="1"/>
-          </p:cNvPicPr>
-          <p:nvPr/>
-        </p:nvPicPr>
-        <p:blipFill>
-          <a:blip r:embed="rId3" cstate="print">
-            <a:clrChange>
-              <a:clrFrom>
-                <a:srgbClr val="FFFFFF"/>
-              </a:clrFrom>
-              <a:clrTo>
-                <a:srgbClr val="FFFFFF">
-                  <a:alpha val="0"/>
-                </a:srgbClr>
-              </a:clrTo>
-            </a:clrChange>
-          </a:blip>
-          <a:srcRect/>
-          <a:stretch>
-            <a:fillRect/>
-          </a:stretch>
-        </p:blipFill>
-        <p:spPr bwMode="auto">
-          <a:xfrm>
-            <a:off x="4391472" y="843558"/>
-            <a:ext cx="4752528" cy="3330482"/>
-          </a:xfrm>
-          <a:prstGeom prst="rect">
-            <a:avLst/>
-          </a:prstGeom>
-          <a:noFill/>
-        </p:spPr>
-      </p:pic>
-      <p:sp>
-        <p:nvSpPr>
-          <p:cNvPr id="12" name="ZoneTexte 11"/>
-          <p:cNvSpPr txBox="1"/>
-          <p:nvPr/>
-        </p:nvSpPr>
-        <p:spPr>
-          <a:xfrm>
-            <a:off x="5364088" y="4146199"/>
-            <a:ext cx="2317814" cy="276999"/>
-          </a:xfrm>
-          <a:prstGeom prst="rect">
-            <a:avLst/>
-          </a:prstGeom>
-          <a:noFill/>
-        </p:spPr>
-        <p:txBody>
-          <a:bodyPr wrap="none" rtlCol="0">
-            <a:spAutoFit/>
-          </a:bodyPr>
-          <a:lstStyle/>
-          <a:p>
-            <a:r>
-              <a:rPr lang="fr-FR" sz="1200" dirty="0" smtClean="0">
-                <a:solidFill>
-                  <a:schemeClr val="tx2">
-                    <a:lumMod val="65000"/>
-                    <a:lumOff val="35000"/>
-                  </a:schemeClr>
-                </a:solidFill>
-                <a:latin typeface="Arial"/>
-              </a:rPr>
-              <a:t>Source : www.arthursclipart.org</a:t>
-            </a:r>
+            <a:endParaRPr lang="en-US" dirty="0"/>
           </a:p>
         </p:txBody>
       </p:sp>
     </p:spTree>
     <p:extLst>
       <p:ext uri="{BB962C8B-B14F-4D97-AF65-F5344CB8AC3E}">
-        <p14:creationId xmlns:p14="http://schemas.microsoft.com/office/powerpoint/2010/main" val="1223445855"/>
+        <p14:creationId xmlns:p14="http://schemas.microsoft.com/office/powerpoint/2010/main" val="2641739410"/>
       </p:ext>
     </p:extLst>
   </p:cSld>
   <p:clrMapOvr>
     <a:masterClrMapping/>
   </p:clrMapOvr>
-  <p:transition advTm="18240"/>
   <p:timing>
     <p:tnLst>
       <p:par>
@@ -42538,166 +45288,80 @@
       </p:grpSpPr>
       <p:sp>
         <p:nvSpPr>
-          <p:cNvPr id="2" name="Espace réservé du contenu 1"/>
+          <p:cNvPr id="4" name="Content Placeholder 3"/>
           <p:cNvSpPr>
             <a:spLocks noGrp="1"/>
           </p:cNvSpPr>
           <p:nvPr>
-            <p:ph idx="4294967295"/>
+            <p:ph idx="1"/>
           </p:nvPr>
         </p:nvSpPr>
-        <p:spPr>
-          <a:xfrm>
-            <a:off x="539552" y="929172"/>
-            <a:ext cx="4535488" cy="3602038"/>
-          </a:xfrm>
-        </p:spPr>
+        <p:spPr/>
         <p:txBody>
-          <a:bodyPr/>
+          <a:bodyPr anchor="ctr"/>
           <a:lstStyle/>
           <a:p>
-            <a:pPr marL="0" indent="0">
+            <a:pPr marL="0" indent="0" algn="ctr">
               <a:buNone/>
             </a:pPr>
             <a:r>
-              <a:rPr lang="fr-FR" sz="2800" dirty="0" smtClean="0"/>
-              <a:t>La </a:t>
-            </a:r>
-            <a:r>
-              <a:rPr lang="fr-FR" sz="2800" dirty="0" smtClean="0">
+              <a:rPr lang="en-US" sz="8000" b="1" dirty="0" smtClean="0">
                 <a:solidFill>
-                  <a:schemeClr val="accent1"/>
+                  <a:schemeClr val="accent6"/>
                 </a:solidFill>
               </a:rPr>
-              <a:t>mesure</a:t>
-            </a:r>
-            <a:r>
-              <a:rPr lang="fr-FR" sz="2800" dirty="0" smtClean="0"/>
-              <a:t> de performance doit être au cœur du processus de développement informatique</a:t>
-            </a:r>
-            <a:endParaRPr lang="fr-FR" sz="2800" dirty="0"/>
+              <a:t>Pause</a:t>
+            </a:r>
+          </a:p>
+          <a:p>
+            <a:pPr marL="0" indent="0" algn="ctr">
+              <a:buNone/>
+            </a:pPr>
+            <a:r>
+              <a:rPr lang="en-US" sz="8000" b="1" dirty="0" smtClean="0">
+                <a:solidFill>
+                  <a:schemeClr val="accent6"/>
+                </a:solidFill>
+              </a:rPr>
+              <a:t>2x10 minutes</a:t>
+            </a:r>
+            <a:endParaRPr lang="en-US" sz="8000" b="1" dirty="0">
+              <a:solidFill>
+                <a:schemeClr val="accent6"/>
+              </a:solidFill>
+            </a:endParaRPr>
           </a:p>
         </p:txBody>
       </p:sp>
       <p:sp>
         <p:nvSpPr>
-          <p:cNvPr id="3" name="Titre 2"/>
+          <p:cNvPr id="3" name="Title 2"/>
           <p:cNvSpPr>
             <a:spLocks noGrp="1"/>
           </p:cNvSpPr>
           <p:nvPr>
-            <p:ph type="title" idx="4294967295"/>
+            <p:ph type="title"/>
           </p:nvPr>
         </p:nvSpPr>
-        <p:spPr>
-          <a:xfrm>
-            <a:off x="577850" y="33338"/>
-            <a:ext cx="8566150" cy="412750"/>
-          </a:xfrm>
-        </p:spPr>
+        <p:spPr/>
         <p:txBody>
           <a:bodyPr/>
           <a:lstStyle/>
           <a:p>
-            <a:r>
-              <a:rPr lang="fr-FR" sz="2400" dirty="0"/>
-              <a:t>Notre vision ?</a:t>
-            </a:r>
-            <a:endParaRPr lang="fr-FR" sz="2400" dirty="0"/>
-          </a:p>
-        </p:txBody>
-      </p:sp>
-      <p:pic>
-        <p:nvPicPr>
-          <p:cNvPr id="51203" name="Picture 3"/>
-          <p:cNvPicPr>
-            <a:picLocks noChangeAspect="1" noChangeArrowheads="1"/>
-          </p:cNvPicPr>
-          <p:nvPr/>
-        </p:nvPicPr>
-        <p:blipFill>
-          <a:blip r:embed="rId3" cstate="print">
-            <a:clrChange>
-              <a:clrFrom>
-                <a:srgbClr val="FFFFFF"/>
-              </a:clrFrom>
-              <a:clrTo>
-                <a:srgbClr val="FFFFFF">
-                  <a:alpha val="0"/>
-                </a:srgbClr>
-              </a:clrTo>
-            </a:clrChange>
-          </a:blip>
-          <a:srcRect/>
-          <a:stretch>
-            <a:fillRect/>
-          </a:stretch>
-        </p:blipFill>
-        <p:spPr bwMode="auto">
-          <a:xfrm>
-            <a:off x="4842722" y="905839"/>
-            <a:ext cx="4301278" cy="3402378"/>
-          </a:xfrm>
-          <a:prstGeom prst="rect">
-            <a:avLst/>
-          </a:prstGeom>
-          <a:noFill/>
-          <a:ln w="9525">
-            <a:noFill/>
-            <a:miter lim="800000"/>
-            <a:headEnd/>
-            <a:tailEnd/>
-          </a:ln>
-        </p:spPr>
-      </p:pic>
-      <p:sp>
-        <p:nvSpPr>
-          <p:cNvPr id="10" name="ZoneTexte 9"/>
-          <p:cNvSpPr txBox="1"/>
-          <p:nvPr/>
-        </p:nvSpPr>
-        <p:spPr>
-          <a:xfrm>
-            <a:off x="7055769" y="4254211"/>
-            <a:ext cx="2119939" cy="276999"/>
-          </a:xfrm>
-          <a:prstGeom prst="rect">
-            <a:avLst/>
-          </a:prstGeom>
-          <a:noFill/>
-        </p:spPr>
-        <p:txBody>
-          <a:bodyPr wrap="none" rtlCol="0">
-            <a:spAutoFit/>
-          </a:bodyPr>
-          <a:lstStyle/>
-          <a:p>
-            <a:r>
-              <a:rPr lang="fr-FR" sz="1200" dirty="0" smtClean="0">
-                <a:solidFill>
-                  <a:schemeClr val="tx2">
-                    <a:lumMod val="65000"/>
-                    <a:lumOff val="35000"/>
-                  </a:schemeClr>
-                </a:solidFill>
-                <a:latin typeface="Arial"/>
-              </a:rPr>
-              <a:t>Source : Les géants du Web</a:t>
-            </a:r>
+            <a:endParaRPr lang="en-US"/>
           </a:p>
         </p:txBody>
       </p:sp>
     </p:spTree>
     <p:extLst>
       <p:ext uri="{BB962C8B-B14F-4D97-AF65-F5344CB8AC3E}">
-        <p14:creationId xmlns:p14="http://schemas.microsoft.com/office/powerpoint/2010/main" val="1588220782"/>
+        <p14:creationId xmlns:p14="http://schemas.microsoft.com/office/powerpoint/2010/main" val="462961201"/>
       </p:ext>
     </p:extLst>
   </p:cSld>
   <p:clrMapOvr>
     <a:masterClrMapping/>
   </p:clrMapOvr>
-  <p:transition advTm="17790"/>
   <p:timing>
     <p:tnLst>
       <p:par>

--- a/PerfUniversity.pptx
+++ b/PerfUniversity.pptx
@@ -14,10 +14,10 @@
     <p:sldId id="393" r:id="rId2"/>
     <p:sldId id="466" r:id="rId3"/>
     <p:sldId id="465" r:id="rId4"/>
-    <p:sldId id="467" r:id="rId5"/>
-    <p:sldId id="468" r:id="rId6"/>
-    <p:sldId id="469" r:id="rId7"/>
-    <p:sldId id="470" r:id="rId8"/>
+    <p:sldId id="473" r:id="rId5"/>
+    <p:sldId id="474" r:id="rId6"/>
+    <p:sldId id="475" r:id="rId7"/>
+    <p:sldId id="469" r:id="rId8"/>
     <p:sldId id="471" r:id="rId9"/>
     <p:sldId id="472" r:id="rId10"/>
     <p:sldId id="442" r:id="rId11"/>
@@ -201,7 +201,7 @@
   </p:defaultTextStyle>
   <p:extLst>
     <p:ext uri="{EFAFB233-063F-42B5-8137-9DF3F51BA10A}">
-      <p15:sldGuideLst xmlns="" xmlns:p15="http://schemas.microsoft.com/office/powerpoint/2012/main">
+      <p15:sldGuideLst xmlns:p15="http://schemas.microsoft.com/office/powerpoint/2012/main" xmlns="">
         <p15:guide id="1" orient="horz" pos="1620">
           <p15:clr>
             <a:srgbClr val="A4A3A4"/>
@@ -215,7 +215,7 @@
       </p15:sldGuideLst>
     </p:ext>
     <p:ext uri="{2D200454-40CA-4A62-9FC3-DE9A4176ACB9}">
-      <p15:notesGuideLst xmlns="" xmlns:p15="http://schemas.microsoft.com/office/powerpoint/2012/main"/>
+      <p15:notesGuideLst xmlns:p15="http://schemas.microsoft.com/office/powerpoint/2012/main" xmlns=""/>
     </p:ext>
   </p:extLst>
 </p:presentation>
@@ -5503,8 +5503,8 @@
     <dgm:cxn modelId="{B0D5CD30-57DF-4D29-9EB6-8EF9AC501875}" type="presOf" srcId="{0875FB8C-61C4-444F-B072-0E7DA3532F32}" destId="{86284C6C-DE51-4318-888A-F3ECCF2598B5}" srcOrd="0" destOrd="0" presId="urn:microsoft.com/office/officeart/2005/8/layout/vList5"/>
     <dgm:cxn modelId="{F2220FE0-8EC0-4B30-A45E-E6B10180C87E}" type="presOf" srcId="{ED138812-7DF3-422E-8427-609ABF527EF8}" destId="{6A51B969-4301-456A-A58E-1ABBAB497FD3}" srcOrd="0" destOrd="0" presId="urn:microsoft.com/office/officeart/2005/8/layout/vList5"/>
     <dgm:cxn modelId="{F2FD0A1C-42F9-45F4-8046-6C8425DB8465}" srcId="{52407230-18E2-4EA0-839B-54E531E64E5C}" destId="{0875FB8C-61C4-444F-B072-0E7DA3532F32}" srcOrd="0" destOrd="0" parTransId="{55A71AF5-6664-4819-89EE-77FD1C8EC31B}" sibTransId="{DB23D6CB-2DF6-492A-87A0-600AB224676E}"/>
+    <dgm:cxn modelId="{DD40F434-5FD7-4D89-A20B-B2294F12AAF2}" srcId="{B7E31CAB-988B-4C5D-A8EB-201DAFECFC46}" destId="{9882B530-A874-49D1-A95D-986F33EB994C}" srcOrd="0" destOrd="0" parTransId="{E102818C-128E-48AF-938D-E2D00071C15D}" sibTransId="{37115658-A23C-4DDD-AF8F-2F518C140C7E}"/>
     <dgm:cxn modelId="{C4D7B340-2F57-4099-85B0-897A8F8B8854}" type="presOf" srcId="{7BF58C16-ADE9-4CB4-B51C-18CCC3851E8F}" destId="{86284C6C-DE51-4318-888A-F3ECCF2598B5}" srcOrd="0" destOrd="1" presId="urn:microsoft.com/office/officeart/2005/8/layout/vList5"/>
-    <dgm:cxn modelId="{DD40F434-5FD7-4D89-A20B-B2294F12AAF2}" srcId="{B7E31CAB-988B-4C5D-A8EB-201DAFECFC46}" destId="{9882B530-A874-49D1-A95D-986F33EB994C}" srcOrd="0" destOrd="0" parTransId="{E102818C-128E-48AF-938D-E2D00071C15D}" sibTransId="{37115658-A23C-4DDD-AF8F-2F518C140C7E}"/>
     <dgm:cxn modelId="{4DD3E1A9-C0A9-41F4-BA12-13CD9C96EE9D}" srcId="{CA67DAD7-15D9-4899-B980-4DD9C4A46799}" destId="{9E7A8AB9-EFED-411D-9F4D-CB3023DB800D}" srcOrd="0" destOrd="0" parTransId="{F9C7FF34-E5D4-4469-8D2D-F364BCDF405E}" sibTransId="{035AB2A2-1DDE-48B0-A0F8-575247E2117D}"/>
     <dgm:cxn modelId="{4E0578E8-58DC-4BD4-8848-789500BF8710}" type="presOf" srcId="{9E7A8AB9-EFED-411D-9F4D-CB3023DB800D}" destId="{ACC1F8B2-765E-4D64-BFE1-49ECB56991B9}" srcOrd="0" destOrd="0" presId="urn:microsoft.com/office/officeart/2005/8/layout/vList5"/>
     <dgm:cxn modelId="{6F4C0F86-2943-41E3-AA97-EED6AA470EE5}" srcId="{CA67DAD7-15D9-4899-B980-4DD9C4A46799}" destId="{63507499-0A29-4EC9-8376-C1D8A354B555}" srcOrd="1" destOrd="0" parTransId="{BE8CD2CB-E3F5-4747-A679-7991AE6C85EB}" sibTransId="{107C41FC-E172-4DC3-85E3-EF7CD59F5FE4}"/>
@@ -7705,710 +7705,6 @@
       <dsp:cNvGrpSpPr/>
     </dsp:nvGrpSpPr>
     <dsp:grpSpPr/>
-    <dsp:sp modelId="{86284C6C-DE51-4318-888A-F3ECCF2598B5}">
-      <dsp:nvSpPr>
-        <dsp:cNvPr id="0" name=""/>
-        <dsp:cNvSpPr/>
-      </dsp:nvSpPr>
-      <dsp:spPr>
-        <a:xfrm rot="5400000">
-          <a:off x="3772988" y="-1756682"/>
-          <a:ext cx="685574" cy="4373896"/>
-        </a:xfrm>
-        <a:prstGeom prst="round2SameRect">
-          <a:avLst/>
-        </a:prstGeom>
-        <a:solidFill>
-          <a:schemeClr val="accent5">
-            <a:tint val="40000"/>
-            <a:alpha val="90000"/>
-            <a:hueOff val="0"/>
-            <a:satOff val="0"/>
-            <a:lumOff val="0"/>
-            <a:alphaOff val="0"/>
-          </a:schemeClr>
-        </a:solidFill>
-        <a:ln w="25400" cap="flat" cmpd="sng" algn="ctr">
-          <a:solidFill>
-            <a:schemeClr val="accent5">
-              <a:tint val="40000"/>
-              <a:alpha val="90000"/>
-              <a:hueOff val="0"/>
-              <a:satOff val="0"/>
-              <a:lumOff val="0"/>
-              <a:alphaOff val="0"/>
-            </a:schemeClr>
-          </a:solidFill>
-          <a:prstDash val="solid"/>
-        </a:ln>
-        <a:effectLst/>
-      </dsp:spPr>
-      <dsp:style>
-        <a:lnRef idx="2">
-          <a:scrgbClr r="0" g="0" b="0"/>
-        </a:lnRef>
-        <a:fillRef idx="1">
-          <a:scrgbClr r="0" g="0" b="0"/>
-        </a:fillRef>
-        <a:effectRef idx="0">
-          <a:scrgbClr r="0" g="0" b="0"/>
-        </a:effectRef>
-        <a:fontRef idx="minor"/>
-      </dsp:style>
-      <dsp:txBody>
-        <a:bodyPr spcFirstLastPara="0" vert="horz" wrap="square" lIns="38100" tIns="19050" rIns="38100" bIns="19050" numCol="1" spcCol="1270" anchor="ctr" anchorCtr="0">
-          <a:noAutofit/>
-        </a:bodyPr>
-        <a:lstStyle/>
-        <a:p>
-          <a:pPr marL="57150" lvl="1" indent="-57150" algn="l" defTabSz="444500">
-            <a:lnSpc>
-              <a:spcPct val="90000"/>
-            </a:lnSpc>
-            <a:spcBef>
-              <a:spcPct val="0"/>
-            </a:spcBef>
-            <a:spcAft>
-              <a:spcPct val="15000"/>
-            </a:spcAft>
-            <a:buChar char="••"/>
-          </a:pPr>
-          <a:r>
-            <a:rPr lang="fr-FR" sz="1000" kern="1200" smtClean="0"/>
-            <a:t>Objectif : mesurer la performance unitaire</a:t>
-          </a:r>
-          <a:endParaRPr lang="fr-FR" sz="1000" kern="1200" dirty="0"/>
-        </a:p>
-        <a:p>
-          <a:pPr marL="57150" lvl="1" indent="-57150" algn="l" defTabSz="444500">
-            <a:lnSpc>
-              <a:spcPct val="90000"/>
-            </a:lnSpc>
-            <a:spcBef>
-              <a:spcPct val="0"/>
-            </a:spcBef>
-            <a:spcAft>
-              <a:spcPct val="15000"/>
-            </a:spcAft>
-            <a:buChar char="••"/>
-          </a:pPr>
-          <a:r>
-            <a:rPr lang="fr-FR" sz="1000" kern="1200" smtClean="0"/>
-            <a:t>Ex : le use case de souscription est testé pour 1 utilisateur et, pour chaque étape du use case, on mesure le temps passé dans les différents composants de l’application</a:t>
-          </a:r>
-          <a:endParaRPr lang="fr-FR" sz="1000" kern="1200" dirty="0"/>
-        </a:p>
-      </dsp:txBody>
-      <dsp:txXfrm rot="-5400000">
-        <a:off x="1928828" y="120945"/>
-        <a:ext cx="4340429" cy="618640"/>
-      </dsp:txXfrm>
-    </dsp:sp>
-    <dsp:sp modelId="{C0BF4151-A84C-4411-826C-2F7A37D76BA7}">
-      <dsp:nvSpPr>
-        <dsp:cNvPr id="0" name=""/>
-        <dsp:cNvSpPr/>
-      </dsp:nvSpPr>
-      <dsp:spPr>
-        <a:xfrm>
-          <a:off x="531489" y="0"/>
-          <a:ext cx="1397337" cy="856968"/>
-        </a:xfrm>
-        <a:prstGeom prst="roundRect">
-          <a:avLst/>
-        </a:prstGeom>
-        <a:solidFill>
-          <a:schemeClr val="accent5">
-            <a:hueOff val="0"/>
-            <a:satOff val="0"/>
-            <a:lumOff val="0"/>
-            <a:alphaOff val="0"/>
-          </a:schemeClr>
-        </a:solidFill>
-        <a:ln w="25400" cap="flat" cmpd="sng" algn="ctr">
-          <a:solidFill>
-            <a:schemeClr val="lt1">
-              <a:hueOff val="0"/>
-              <a:satOff val="0"/>
-              <a:lumOff val="0"/>
-              <a:alphaOff val="0"/>
-            </a:schemeClr>
-          </a:solidFill>
-          <a:prstDash val="solid"/>
-        </a:ln>
-        <a:effectLst/>
-      </dsp:spPr>
-      <dsp:style>
-        <a:lnRef idx="2">
-          <a:scrgbClr r="0" g="0" b="0"/>
-        </a:lnRef>
-        <a:fillRef idx="1">
-          <a:scrgbClr r="0" g="0" b="0"/>
-        </a:fillRef>
-        <a:effectRef idx="0">
-          <a:scrgbClr r="0" g="0" b="0"/>
-        </a:effectRef>
-        <a:fontRef idx="minor">
-          <a:schemeClr val="lt1"/>
-        </a:fontRef>
-      </dsp:style>
-      <dsp:txBody>
-        <a:bodyPr spcFirstLastPara="0" vert="horz" wrap="square" lIns="57150" tIns="28575" rIns="57150" bIns="28575" numCol="1" spcCol="1270" anchor="ctr" anchorCtr="0">
-          <a:noAutofit/>
-        </a:bodyPr>
-        <a:lstStyle/>
-        <a:p>
-          <a:pPr lvl="0" algn="ctr" defTabSz="666750">
-            <a:lnSpc>
-              <a:spcPct val="90000"/>
-            </a:lnSpc>
-            <a:spcBef>
-              <a:spcPct val="0"/>
-            </a:spcBef>
-            <a:spcAft>
-              <a:spcPct val="35000"/>
-            </a:spcAft>
-          </a:pPr>
-          <a:r>
-            <a:rPr lang="fr-FR" sz="1500" kern="1200" dirty="0" smtClean="0"/>
-            <a:t>Test de performance unitaire</a:t>
-          </a:r>
-          <a:endParaRPr lang="fr-FR" sz="1500" kern="1200" dirty="0"/>
-        </a:p>
-      </dsp:txBody>
-      <dsp:txXfrm>
-        <a:off x="573323" y="41834"/>
-        <a:ext cx="1313669" cy="773300"/>
-      </dsp:txXfrm>
-    </dsp:sp>
-    <dsp:sp modelId="{1144315C-DBBF-4391-8183-7E179B83211D}">
-      <dsp:nvSpPr>
-        <dsp:cNvPr id="0" name=""/>
-        <dsp:cNvSpPr/>
-      </dsp:nvSpPr>
-      <dsp:spPr>
-        <a:xfrm rot="5400000">
-          <a:off x="3772988" y="-856865"/>
-          <a:ext cx="685574" cy="4373896"/>
-        </a:xfrm>
-        <a:prstGeom prst="round2SameRect">
-          <a:avLst/>
-        </a:prstGeom>
-        <a:solidFill>
-          <a:schemeClr val="accent5">
-            <a:tint val="40000"/>
-            <a:alpha val="90000"/>
-            <a:hueOff val="1036889"/>
-            <a:satOff val="-8911"/>
-            <a:lumOff val="-2362"/>
-            <a:alphaOff val="0"/>
-          </a:schemeClr>
-        </a:solidFill>
-        <a:ln w="25400" cap="flat" cmpd="sng" algn="ctr">
-          <a:solidFill>
-            <a:schemeClr val="accent5">
-              <a:tint val="40000"/>
-              <a:alpha val="90000"/>
-              <a:hueOff val="1036889"/>
-              <a:satOff val="-8911"/>
-              <a:lumOff val="-2362"/>
-              <a:alphaOff val="0"/>
-            </a:schemeClr>
-          </a:solidFill>
-          <a:prstDash val="solid"/>
-        </a:ln>
-        <a:effectLst/>
-      </dsp:spPr>
-      <dsp:style>
-        <a:lnRef idx="2">
-          <a:scrgbClr r="0" g="0" b="0"/>
-        </a:lnRef>
-        <a:fillRef idx="1">
-          <a:scrgbClr r="0" g="0" b="0"/>
-        </a:fillRef>
-        <a:effectRef idx="0">
-          <a:scrgbClr r="0" g="0" b="0"/>
-        </a:effectRef>
-        <a:fontRef idx="minor"/>
-      </dsp:style>
-      <dsp:txBody>
-        <a:bodyPr spcFirstLastPara="0" vert="horz" wrap="square" lIns="38100" tIns="19050" rIns="38100" bIns="19050" numCol="1" spcCol="1270" anchor="ctr" anchorCtr="0">
-          <a:noAutofit/>
-        </a:bodyPr>
-        <a:lstStyle/>
-        <a:p>
-          <a:pPr marL="57150" lvl="1" indent="-57150" algn="l" defTabSz="444500">
-            <a:lnSpc>
-              <a:spcPct val="90000"/>
-            </a:lnSpc>
-            <a:spcBef>
-              <a:spcPct val="0"/>
-            </a:spcBef>
-            <a:spcAft>
-              <a:spcPct val="15000"/>
-            </a:spcAft>
-            <a:buChar char="••"/>
-          </a:pPr>
-          <a:r>
-            <a:rPr lang="fr-FR" sz="1000" kern="1200" dirty="0" smtClean="0"/>
-            <a:t>Objectif : mesurer la tenue en charge de l’application sur la population cible</a:t>
-          </a:r>
-          <a:endParaRPr lang="fr-FR" sz="1000" kern="1200" dirty="0"/>
-        </a:p>
-        <a:p>
-          <a:pPr marL="57150" lvl="1" indent="-57150" algn="l" defTabSz="444500">
-            <a:lnSpc>
-              <a:spcPct val="90000"/>
-            </a:lnSpc>
-            <a:spcBef>
-              <a:spcPct val="0"/>
-            </a:spcBef>
-            <a:spcAft>
-              <a:spcPct val="15000"/>
-            </a:spcAft>
-            <a:buChar char="••"/>
-          </a:pPr>
-          <a:r>
-            <a:rPr lang="fr-FR" sz="1000" kern="1200" smtClean="0"/>
-            <a:t>Ex : on simule l’utilisation de l’application par 200 utilisateurs en parallèle pendant 2h</a:t>
-          </a:r>
-          <a:endParaRPr lang="fr-FR" sz="1000" kern="1200" dirty="0"/>
-        </a:p>
-      </dsp:txBody>
-      <dsp:txXfrm rot="-5400000">
-        <a:off x="1928828" y="1020762"/>
-        <a:ext cx="4340429" cy="618640"/>
-      </dsp:txXfrm>
-    </dsp:sp>
-    <dsp:sp modelId="{89103CD8-B713-4F77-AFE4-D0508B4B03CD}">
-      <dsp:nvSpPr>
-        <dsp:cNvPr id="0" name=""/>
-        <dsp:cNvSpPr/>
-      </dsp:nvSpPr>
-      <dsp:spPr>
-        <a:xfrm>
-          <a:off x="531489" y="901598"/>
-          <a:ext cx="1397337" cy="856968"/>
-        </a:xfrm>
-        <a:prstGeom prst="roundRect">
-          <a:avLst/>
-        </a:prstGeom>
-        <a:solidFill>
-          <a:schemeClr val="accent5">
-            <a:hueOff val="755290"/>
-            <a:satOff val="19792"/>
-            <a:lumOff val="-15033"/>
-            <a:alphaOff val="0"/>
-          </a:schemeClr>
-        </a:solidFill>
-        <a:ln w="25400" cap="flat" cmpd="sng" algn="ctr">
-          <a:solidFill>
-            <a:schemeClr val="lt1">
-              <a:hueOff val="0"/>
-              <a:satOff val="0"/>
-              <a:lumOff val="0"/>
-              <a:alphaOff val="0"/>
-            </a:schemeClr>
-          </a:solidFill>
-          <a:prstDash val="solid"/>
-        </a:ln>
-        <a:effectLst/>
-      </dsp:spPr>
-      <dsp:style>
-        <a:lnRef idx="2">
-          <a:scrgbClr r="0" g="0" b="0"/>
-        </a:lnRef>
-        <a:fillRef idx="1">
-          <a:scrgbClr r="0" g="0" b="0"/>
-        </a:fillRef>
-        <a:effectRef idx="0">
-          <a:scrgbClr r="0" g="0" b="0"/>
-        </a:effectRef>
-        <a:fontRef idx="minor">
-          <a:schemeClr val="lt1"/>
-        </a:fontRef>
-      </dsp:style>
-      <dsp:txBody>
-        <a:bodyPr spcFirstLastPara="0" vert="horz" wrap="square" lIns="57150" tIns="28575" rIns="57150" bIns="28575" numCol="1" spcCol="1270" anchor="ctr" anchorCtr="0">
-          <a:noAutofit/>
-        </a:bodyPr>
-        <a:lstStyle/>
-        <a:p>
-          <a:pPr lvl="0" algn="ctr" defTabSz="666750">
-            <a:lnSpc>
-              <a:spcPct val="90000"/>
-            </a:lnSpc>
-            <a:spcBef>
-              <a:spcPct val="0"/>
-            </a:spcBef>
-            <a:spcAft>
-              <a:spcPct val="35000"/>
-            </a:spcAft>
-          </a:pPr>
-          <a:r>
-            <a:rPr lang="fr-FR" sz="1500" kern="1200" dirty="0" smtClean="0"/>
-            <a:t>Test de charge</a:t>
-          </a:r>
-          <a:endParaRPr lang="fr-FR" sz="1500" kern="1200" dirty="0"/>
-        </a:p>
-      </dsp:txBody>
-      <dsp:txXfrm>
-        <a:off x="573323" y="943432"/>
-        <a:ext cx="1313669" cy="773300"/>
-      </dsp:txXfrm>
-    </dsp:sp>
-    <dsp:sp modelId="{4181433E-1E98-4F9A-AB9C-42705C14DC65}">
-      <dsp:nvSpPr>
-        <dsp:cNvPr id="0" name=""/>
-        <dsp:cNvSpPr/>
-      </dsp:nvSpPr>
-      <dsp:spPr>
-        <a:xfrm rot="5400000">
-          <a:off x="3772988" y="42951"/>
-          <a:ext cx="685574" cy="4373896"/>
-        </a:xfrm>
-        <a:prstGeom prst="round2SameRect">
-          <a:avLst/>
-        </a:prstGeom>
-        <a:solidFill>
-          <a:schemeClr val="accent5">
-            <a:tint val="40000"/>
-            <a:alpha val="90000"/>
-            <a:hueOff val="2073779"/>
-            <a:satOff val="-17822"/>
-            <a:lumOff val="-4724"/>
-            <a:alphaOff val="0"/>
-          </a:schemeClr>
-        </a:solidFill>
-        <a:ln w="25400" cap="flat" cmpd="sng" algn="ctr">
-          <a:solidFill>
-            <a:schemeClr val="accent5">
-              <a:tint val="40000"/>
-              <a:alpha val="90000"/>
-              <a:hueOff val="2073779"/>
-              <a:satOff val="-17822"/>
-              <a:lumOff val="-4724"/>
-              <a:alphaOff val="0"/>
-            </a:schemeClr>
-          </a:solidFill>
-          <a:prstDash val="solid"/>
-        </a:ln>
-        <a:effectLst/>
-      </dsp:spPr>
-      <dsp:style>
-        <a:lnRef idx="2">
-          <a:scrgbClr r="0" g="0" b="0"/>
-        </a:lnRef>
-        <a:fillRef idx="1">
-          <a:scrgbClr r="0" g="0" b="0"/>
-        </a:fillRef>
-        <a:effectRef idx="0">
-          <a:scrgbClr r="0" g="0" b="0"/>
-        </a:effectRef>
-        <a:fontRef idx="minor"/>
-      </dsp:style>
-      <dsp:txBody>
-        <a:bodyPr spcFirstLastPara="0" vert="horz" wrap="square" lIns="38100" tIns="19050" rIns="38100" bIns="19050" numCol="1" spcCol="1270" anchor="ctr" anchorCtr="0">
-          <a:noAutofit/>
-        </a:bodyPr>
-        <a:lstStyle/>
-        <a:p>
-          <a:pPr marL="57150" lvl="1" indent="-57150" algn="l" defTabSz="444500">
-            <a:lnSpc>
-              <a:spcPct val="90000"/>
-            </a:lnSpc>
-            <a:spcBef>
-              <a:spcPct val="0"/>
-            </a:spcBef>
-            <a:spcAft>
-              <a:spcPct val="15000"/>
-            </a:spcAft>
-            <a:buChar char="••"/>
-          </a:pPr>
-          <a:r>
-            <a:rPr lang="fr-FR" sz="1000" kern="1200" smtClean="0"/>
-            <a:t>Objectif : déterminer les limites de l’application</a:t>
-          </a:r>
-          <a:endParaRPr lang="fr-FR" sz="1000" kern="1200" dirty="0"/>
-        </a:p>
-        <a:p>
-          <a:pPr marL="57150" lvl="1" indent="-57150" algn="l" defTabSz="444500">
-            <a:lnSpc>
-              <a:spcPct val="90000"/>
-            </a:lnSpc>
-            <a:spcBef>
-              <a:spcPct val="0"/>
-            </a:spcBef>
-            <a:spcAft>
-              <a:spcPct val="15000"/>
-            </a:spcAft>
-            <a:buChar char="••"/>
-          </a:pPr>
-          <a:r>
-            <a:rPr lang="fr-FR" sz="1000" kern="1200" smtClean="0"/>
-            <a:t>Ex : on augmente le nombre d’utilisateurs en parallèle sur l’application jusqu’à ce que le taux d’erreurs / les temps de réponse ne soient plus acceptables</a:t>
-          </a:r>
-          <a:endParaRPr lang="fr-FR" sz="1000" kern="1200" dirty="0"/>
-        </a:p>
-      </dsp:txBody>
-      <dsp:txXfrm rot="-5400000">
-        <a:off x="1928828" y="1920579"/>
-        <a:ext cx="4340429" cy="618640"/>
-      </dsp:txXfrm>
-    </dsp:sp>
-    <dsp:sp modelId="{6A51B969-4301-456A-A58E-1ABBAB497FD3}">
-      <dsp:nvSpPr>
-        <dsp:cNvPr id="0" name=""/>
-        <dsp:cNvSpPr/>
-      </dsp:nvSpPr>
-      <dsp:spPr>
-        <a:xfrm>
-          <a:off x="531489" y="1801415"/>
-          <a:ext cx="1397337" cy="856968"/>
-        </a:xfrm>
-        <a:prstGeom prst="roundRect">
-          <a:avLst/>
-        </a:prstGeom>
-        <a:solidFill>
-          <a:schemeClr val="accent5">
-            <a:hueOff val="1510579"/>
-            <a:satOff val="39583"/>
-            <a:lumOff val="-30065"/>
-            <a:alphaOff val="0"/>
-          </a:schemeClr>
-        </a:solidFill>
-        <a:ln w="25400" cap="flat" cmpd="sng" algn="ctr">
-          <a:solidFill>
-            <a:schemeClr val="lt1">
-              <a:hueOff val="0"/>
-              <a:satOff val="0"/>
-              <a:lumOff val="0"/>
-              <a:alphaOff val="0"/>
-            </a:schemeClr>
-          </a:solidFill>
-          <a:prstDash val="solid"/>
-        </a:ln>
-        <a:effectLst/>
-      </dsp:spPr>
-      <dsp:style>
-        <a:lnRef idx="2">
-          <a:scrgbClr r="0" g="0" b="0"/>
-        </a:lnRef>
-        <a:fillRef idx="1">
-          <a:scrgbClr r="0" g="0" b="0"/>
-        </a:fillRef>
-        <a:effectRef idx="0">
-          <a:scrgbClr r="0" g="0" b="0"/>
-        </a:effectRef>
-        <a:fontRef idx="minor">
-          <a:schemeClr val="lt1"/>
-        </a:fontRef>
-      </dsp:style>
-      <dsp:txBody>
-        <a:bodyPr spcFirstLastPara="0" vert="horz" wrap="square" lIns="57150" tIns="28575" rIns="57150" bIns="28575" numCol="1" spcCol="1270" anchor="ctr" anchorCtr="0">
-          <a:noAutofit/>
-        </a:bodyPr>
-        <a:lstStyle/>
-        <a:p>
-          <a:pPr lvl="0" algn="ctr" defTabSz="666750">
-            <a:lnSpc>
-              <a:spcPct val="90000"/>
-            </a:lnSpc>
-            <a:spcBef>
-              <a:spcPct val="0"/>
-            </a:spcBef>
-            <a:spcAft>
-              <a:spcPct val="35000"/>
-            </a:spcAft>
-          </a:pPr>
-          <a:r>
-            <a:rPr lang="fr-FR" sz="1500" kern="1200" dirty="0" smtClean="0"/>
-            <a:t>Test de rupture</a:t>
-          </a:r>
-          <a:endParaRPr lang="fr-FR" sz="1500" kern="1200" dirty="0"/>
-        </a:p>
-      </dsp:txBody>
-      <dsp:txXfrm>
-        <a:off x="573323" y="1843249"/>
-        <a:ext cx="1313669" cy="773300"/>
-      </dsp:txXfrm>
-    </dsp:sp>
-    <dsp:sp modelId="{ACC1F8B2-765E-4D64-BFE1-49ECB56991B9}">
-      <dsp:nvSpPr>
-        <dsp:cNvPr id="0" name=""/>
-        <dsp:cNvSpPr/>
-      </dsp:nvSpPr>
-      <dsp:spPr>
-        <a:xfrm rot="5400000">
-          <a:off x="3772988" y="942768"/>
-          <a:ext cx="685574" cy="4373896"/>
-        </a:xfrm>
-        <a:prstGeom prst="round2SameRect">
-          <a:avLst/>
-        </a:prstGeom>
-        <a:solidFill>
-          <a:schemeClr val="accent5">
-            <a:tint val="40000"/>
-            <a:alpha val="90000"/>
-            <a:hueOff val="3110668"/>
-            <a:satOff val="-26733"/>
-            <a:lumOff val="-7086"/>
-            <a:alphaOff val="0"/>
-          </a:schemeClr>
-        </a:solidFill>
-        <a:ln w="25400" cap="flat" cmpd="sng" algn="ctr">
-          <a:solidFill>
-            <a:schemeClr val="accent5">
-              <a:tint val="40000"/>
-              <a:alpha val="90000"/>
-              <a:hueOff val="3110668"/>
-              <a:satOff val="-26733"/>
-              <a:lumOff val="-7086"/>
-              <a:alphaOff val="0"/>
-            </a:schemeClr>
-          </a:solidFill>
-          <a:prstDash val="solid"/>
-        </a:ln>
-        <a:effectLst/>
-      </dsp:spPr>
-      <dsp:style>
-        <a:lnRef idx="2">
-          <a:scrgbClr r="0" g="0" b="0"/>
-        </a:lnRef>
-        <a:fillRef idx="1">
-          <a:scrgbClr r="0" g="0" b="0"/>
-        </a:fillRef>
-        <a:effectRef idx="0">
-          <a:scrgbClr r="0" g="0" b="0"/>
-        </a:effectRef>
-        <a:fontRef idx="minor"/>
-      </dsp:style>
-      <dsp:txBody>
-        <a:bodyPr spcFirstLastPara="0" vert="horz" wrap="square" lIns="38100" tIns="19050" rIns="38100" bIns="19050" numCol="1" spcCol="1270" anchor="ctr" anchorCtr="0">
-          <a:noAutofit/>
-        </a:bodyPr>
-        <a:lstStyle/>
-        <a:p>
-          <a:pPr marL="57150" lvl="1" indent="-57150" algn="l" defTabSz="444500">
-            <a:lnSpc>
-              <a:spcPct val="90000"/>
-            </a:lnSpc>
-            <a:spcBef>
-              <a:spcPct val="0"/>
-            </a:spcBef>
-            <a:spcAft>
-              <a:spcPct val="15000"/>
-            </a:spcAft>
-            <a:buChar char="••"/>
-          </a:pPr>
-          <a:r>
-            <a:rPr lang="fr-FR" sz="1000" kern="1200" smtClean="0"/>
-            <a:t>Objectif : déterminer la capacité de l’application à fonctionner sur une période étendue</a:t>
-          </a:r>
-          <a:endParaRPr lang="fr-FR" sz="1000" kern="1200" dirty="0"/>
-        </a:p>
-        <a:p>
-          <a:pPr marL="57150" lvl="1" indent="-57150" algn="l" defTabSz="444500">
-            <a:lnSpc>
-              <a:spcPct val="90000"/>
-            </a:lnSpc>
-            <a:spcBef>
-              <a:spcPct val="0"/>
-            </a:spcBef>
-            <a:spcAft>
-              <a:spcPct val="15000"/>
-            </a:spcAft>
-            <a:buChar char="••"/>
-          </a:pPr>
-          <a:r>
-            <a:rPr lang="fr-FR" sz="1000" kern="1200" smtClean="0"/>
-            <a:t>Ex : on simule l’utilisation de l’application pendant 48h, avec une charge constante et égale à la charge moyenne</a:t>
-          </a:r>
-          <a:endParaRPr lang="fr-FR" sz="1000" kern="1200" dirty="0"/>
-        </a:p>
-      </dsp:txBody>
-      <dsp:txXfrm rot="-5400000">
-        <a:off x="1928828" y="2820396"/>
-        <a:ext cx="4340429" cy="618640"/>
-      </dsp:txXfrm>
-    </dsp:sp>
-    <dsp:sp modelId="{BE1CE10A-3646-484C-A673-38EC70046C80}">
-      <dsp:nvSpPr>
-        <dsp:cNvPr id="0" name=""/>
-        <dsp:cNvSpPr/>
-      </dsp:nvSpPr>
-      <dsp:spPr>
-        <a:xfrm>
-          <a:off x="531489" y="2701232"/>
-          <a:ext cx="1397337" cy="856968"/>
-        </a:xfrm>
-        <a:prstGeom prst="roundRect">
-          <a:avLst/>
-        </a:prstGeom>
-        <a:solidFill>
-          <a:schemeClr val="accent5">
-            <a:hueOff val="2265869"/>
-            <a:satOff val="59375"/>
-            <a:lumOff val="-45098"/>
-            <a:alphaOff val="0"/>
-          </a:schemeClr>
-        </a:solidFill>
-        <a:ln w="25400" cap="flat" cmpd="sng" algn="ctr">
-          <a:solidFill>
-            <a:schemeClr val="lt1">
-              <a:hueOff val="0"/>
-              <a:satOff val="0"/>
-              <a:lumOff val="0"/>
-              <a:alphaOff val="0"/>
-            </a:schemeClr>
-          </a:solidFill>
-          <a:prstDash val="solid"/>
-        </a:ln>
-        <a:effectLst/>
-      </dsp:spPr>
-      <dsp:style>
-        <a:lnRef idx="2">
-          <a:scrgbClr r="0" g="0" b="0"/>
-        </a:lnRef>
-        <a:fillRef idx="1">
-          <a:scrgbClr r="0" g="0" b="0"/>
-        </a:fillRef>
-        <a:effectRef idx="0">
-          <a:scrgbClr r="0" g="0" b="0"/>
-        </a:effectRef>
-        <a:fontRef idx="minor">
-          <a:schemeClr val="lt1"/>
-        </a:fontRef>
-      </dsp:style>
-      <dsp:txBody>
-        <a:bodyPr spcFirstLastPara="0" vert="horz" wrap="square" lIns="57150" tIns="28575" rIns="57150" bIns="28575" numCol="1" spcCol="1270" anchor="ctr" anchorCtr="0">
-          <a:noAutofit/>
-        </a:bodyPr>
-        <a:lstStyle/>
-        <a:p>
-          <a:pPr lvl="0" algn="ctr" defTabSz="666750">
-            <a:lnSpc>
-              <a:spcPct val="90000"/>
-            </a:lnSpc>
-            <a:spcBef>
-              <a:spcPct val="0"/>
-            </a:spcBef>
-            <a:spcAft>
-              <a:spcPct val="35000"/>
-            </a:spcAft>
-          </a:pPr>
-          <a:r>
-            <a:rPr lang="fr-FR" sz="1500" kern="1200" dirty="0" smtClean="0"/>
-            <a:t>Test de vieillissement</a:t>
-          </a:r>
-          <a:endParaRPr lang="fr-FR" sz="1500" kern="1200" dirty="0"/>
-        </a:p>
-      </dsp:txBody>
-      <dsp:txXfrm>
-        <a:off x="573323" y="2743066"/>
-        <a:ext cx="1313669" cy="773300"/>
-      </dsp:txXfrm>
-    </dsp:sp>
   </dsp:spTree>
 </dsp:drawing>
 </file>
@@ -8421,710 +7717,6 @@
       <dsp:cNvGrpSpPr/>
     </dsp:nvGrpSpPr>
     <dsp:grpSpPr/>
-    <dsp:sp modelId="{86284C6C-DE51-4318-888A-F3ECCF2598B5}">
-      <dsp:nvSpPr>
-        <dsp:cNvPr id="0" name=""/>
-        <dsp:cNvSpPr/>
-      </dsp:nvSpPr>
-      <dsp:spPr>
-        <a:xfrm rot="5400000">
-          <a:off x="3772988" y="-1756682"/>
-          <a:ext cx="685574" cy="4373896"/>
-        </a:xfrm>
-        <a:prstGeom prst="round2SameRect">
-          <a:avLst/>
-        </a:prstGeom>
-        <a:solidFill>
-          <a:schemeClr val="accent5">
-            <a:tint val="40000"/>
-            <a:alpha val="90000"/>
-            <a:hueOff val="0"/>
-            <a:satOff val="0"/>
-            <a:lumOff val="0"/>
-            <a:alphaOff val="0"/>
-          </a:schemeClr>
-        </a:solidFill>
-        <a:ln w="25400" cap="flat" cmpd="sng" algn="ctr">
-          <a:solidFill>
-            <a:schemeClr val="accent5">
-              <a:tint val="40000"/>
-              <a:alpha val="90000"/>
-              <a:hueOff val="0"/>
-              <a:satOff val="0"/>
-              <a:lumOff val="0"/>
-              <a:alphaOff val="0"/>
-            </a:schemeClr>
-          </a:solidFill>
-          <a:prstDash val="solid"/>
-        </a:ln>
-        <a:effectLst/>
-      </dsp:spPr>
-      <dsp:style>
-        <a:lnRef idx="2">
-          <a:scrgbClr r="0" g="0" b="0"/>
-        </a:lnRef>
-        <a:fillRef idx="1">
-          <a:scrgbClr r="0" g="0" b="0"/>
-        </a:fillRef>
-        <a:effectRef idx="0">
-          <a:scrgbClr r="0" g="0" b="0"/>
-        </a:effectRef>
-        <a:fontRef idx="minor"/>
-      </dsp:style>
-      <dsp:txBody>
-        <a:bodyPr spcFirstLastPara="0" vert="horz" wrap="square" lIns="38100" tIns="19050" rIns="38100" bIns="19050" numCol="1" spcCol="1270" anchor="ctr" anchorCtr="0">
-          <a:noAutofit/>
-        </a:bodyPr>
-        <a:lstStyle/>
-        <a:p>
-          <a:pPr marL="57150" lvl="1" indent="-57150" algn="l" defTabSz="444500">
-            <a:lnSpc>
-              <a:spcPct val="90000"/>
-            </a:lnSpc>
-            <a:spcBef>
-              <a:spcPct val="0"/>
-            </a:spcBef>
-            <a:spcAft>
-              <a:spcPct val="15000"/>
-            </a:spcAft>
-            <a:buChar char="••"/>
-          </a:pPr>
-          <a:r>
-            <a:rPr lang="fr-FR" sz="1000" kern="1200" smtClean="0"/>
-            <a:t>Objectif : mesurer la performance unitaire</a:t>
-          </a:r>
-          <a:endParaRPr lang="fr-FR" sz="1000" kern="1200" dirty="0"/>
-        </a:p>
-        <a:p>
-          <a:pPr marL="57150" lvl="1" indent="-57150" algn="l" defTabSz="444500">
-            <a:lnSpc>
-              <a:spcPct val="90000"/>
-            </a:lnSpc>
-            <a:spcBef>
-              <a:spcPct val="0"/>
-            </a:spcBef>
-            <a:spcAft>
-              <a:spcPct val="15000"/>
-            </a:spcAft>
-            <a:buChar char="••"/>
-          </a:pPr>
-          <a:r>
-            <a:rPr lang="fr-FR" sz="1000" kern="1200" smtClean="0"/>
-            <a:t>Ex : le use case de souscription est testé pour 1 utilisateur et, pour chaque étape du use case, on mesure le temps passé dans les différents composants de l’application</a:t>
-          </a:r>
-          <a:endParaRPr lang="fr-FR" sz="1000" kern="1200" dirty="0"/>
-        </a:p>
-      </dsp:txBody>
-      <dsp:txXfrm rot="-5400000">
-        <a:off x="1928828" y="120945"/>
-        <a:ext cx="4340429" cy="618640"/>
-      </dsp:txXfrm>
-    </dsp:sp>
-    <dsp:sp modelId="{C0BF4151-A84C-4411-826C-2F7A37D76BA7}">
-      <dsp:nvSpPr>
-        <dsp:cNvPr id="0" name=""/>
-        <dsp:cNvSpPr/>
-      </dsp:nvSpPr>
-      <dsp:spPr>
-        <a:xfrm>
-          <a:off x="531489" y="0"/>
-          <a:ext cx="1397337" cy="856968"/>
-        </a:xfrm>
-        <a:prstGeom prst="roundRect">
-          <a:avLst/>
-        </a:prstGeom>
-        <a:solidFill>
-          <a:schemeClr val="accent5">
-            <a:hueOff val="0"/>
-            <a:satOff val="0"/>
-            <a:lumOff val="0"/>
-            <a:alphaOff val="0"/>
-          </a:schemeClr>
-        </a:solidFill>
-        <a:ln w="25400" cap="flat" cmpd="sng" algn="ctr">
-          <a:solidFill>
-            <a:schemeClr val="lt1">
-              <a:hueOff val="0"/>
-              <a:satOff val="0"/>
-              <a:lumOff val="0"/>
-              <a:alphaOff val="0"/>
-            </a:schemeClr>
-          </a:solidFill>
-          <a:prstDash val="solid"/>
-        </a:ln>
-        <a:effectLst/>
-      </dsp:spPr>
-      <dsp:style>
-        <a:lnRef idx="2">
-          <a:scrgbClr r="0" g="0" b="0"/>
-        </a:lnRef>
-        <a:fillRef idx="1">
-          <a:scrgbClr r="0" g="0" b="0"/>
-        </a:fillRef>
-        <a:effectRef idx="0">
-          <a:scrgbClr r="0" g="0" b="0"/>
-        </a:effectRef>
-        <a:fontRef idx="minor">
-          <a:schemeClr val="lt1"/>
-        </a:fontRef>
-      </dsp:style>
-      <dsp:txBody>
-        <a:bodyPr spcFirstLastPara="0" vert="horz" wrap="square" lIns="57150" tIns="28575" rIns="57150" bIns="28575" numCol="1" spcCol="1270" anchor="ctr" anchorCtr="0">
-          <a:noAutofit/>
-        </a:bodyPr>
-        <a:lstStyle/>
-        <a:p>
-          <a:pPr lvl="0" algn="ctr" defTabSz="666750">
-            <a:lnSpc>
-              <a:spcPct val="90000"/>
-            </a:lnSpc>
-            <a:spcBef>
-              <a:spcPct val="0"/>
-            </a:spcBef>
-            <a:spcAft>
-              <a:spcPct val="35000"/>
-            </a:spcAft>
-          </a:pPr>
-          <a:r>
-            <a:rPr lang="fr-FR" sz="1500" kern="1200" dirty="0" smtClean="0"/>
-            <a:t>Test de performance unitaire</a:t>
-          </a:r>
-          <a:endParaRPr lang="fr-FR" sz="1500" kern="1200" dirty="0"/>
-        </a:p>
-      </dsp:txBody>
-      <dsp:txXfrm>
-        <a:off x="573323" y="41834"/>
-        <a:ext cx="1313669" cy="773300"/>
-      </dsp:txXfrm>
-    </dsp:sp>
-    <dsp:sp modelId="{1144315C-DBBF-4391-8183-7E179B83211D}">
-      <dsp:nvSpPr>
-        <dsp:cNvPr id="0" name=""/>
-        <dsp:cNvSpPr/>
-      </dsp:nvSpPr>
-      <dsp:spPr>
-        <a:xfrm rot="5400000">
-          <a:off x="3772988" y="-856865"/>
-          <a:ext cx="685574" cy="4373896"/>
-        </a:xfrm>
-        <a:prstGeom prst="round2SameRect">
-          <a:avLst/>
-        </a:prstGeom>
-        <a:solidFill>
-          <a:schemeClr val="accent5">
-            <a:tint val="40000"/>
-            <a:alpha val="90000"/>
-            <a:hueOff val="1036889"/>
-            <a:satOff val="-8911"/>
-            <a:lumOff val="-2362"/>
-            <a:alphaOff val="0"/>
-          </a:schemeClr>
-        </a:solidFill>
-        <a:ln w="25400" cap="flat" cmpd="sng" algn="ctr">
-          <a:solidFill>
-            <a:schemeClr val="accent5">
-              <a:tint val="40000"/>
-              <a:alpha val="90000"/>
-              <a:hueOff val="1036889"/>
-              <a:satOff val="-8911"/>
-              <a:lumOff val="-2362"/>
-              <a:alphaOff val="0"/>
-            </a:schemeClr>
-          </a:solidFill>
-          <a:prstDash val="solid"/>
-        </a:ln>
-        <a:effectLst/>
-      </dsp:spPr>
-      <dsp:style>
-        <a:lnRef idx="2">
-          <a:scrgbClr r="0" g="0" b="0"/>
-        </a:lnRef>
-        <a:fillRef idx="1">
-          <a:scrgbClr r="0" g="0" b="0"/>
-        </a:fillRef>
-        <a:effectRef idx="0">
-          <a:scrgbClr r="0" g="0" b="0"/>
-        </a:effectRef>
-        <a:fontRef idx="minor"/>
-      </dsp:style>
-      <dsp:txBody>
-        <a:bodyPr spcFirstLastPara="0" vert="horz" wrap="square" lIns="38100" tIns="19050" rIns="38100" bIns="19050" numCol="1" spcCol="1270" anchor="ctr" anchorCtr="0">
-          <a:noAutofit/>
-        </a:bodyPr>
-        <a:lstStyle/>
-        <a:p>
-          <a:pPr marL="57150" lvl="1" indent="-57150" algn="l" defTabSz="444500">
-            <a:lnSpc>
-              <a:spcPct val="90000"/>
-            </a:lnSpc>
-            <a:spcBef>
-              <a:spcPct val="0"/>
-            </a:spcBef>
-            <a:spcAft>
-              <a:spcPct val="15000"/>
-            </a:spcAft>
-            <a:buChar char="••"/>
-          </a:pPr>
-          <a:r>
-            <a:rPr lang="fr-FR" sz="1000" kern="1200" dirty="0" smtClean="0"/>
-            <a:t>Objectif : mesurer la tenue en charge de l’application sur la population cible</a:t>
-          </a:r>
-          <a:endParaRPr lang="fr-FR" sz="1000" kern="1200" dirty="0"/>
-        </a:p>
-        <a:p>
-          <a:pPr marL="57150" lvl="1" indent="-57150" algn="l" defTabSz="444500">
-            <a:lnSpc>
-              <a:spcPct val="90000"/>
-            </a:lnSpc>
-            <a:spcBef>
-              <a:spcPct val="0"/>
-            </a:spcBef>
-            <a:spcAft>
-              <a:spcPct val="15000"/>
-            </a:spcAft>
-            <a:buChar char="••"/>
-          </a:pPr>
-          <a:r>
-            <a:rPr lang="fr-FR" sz="1000" kern="1200" smtClean="0"/>
-            <a:t>Ex : on simule l’utilisation de l’application par 200 utilisateurs en parallèle pendant 2h</a:t>
-          </a:r>
-          <a:endParaRPr lang="fr-FR" sz="1000" kern="1200" dirty="0"/>
-        </a:p>
-      </dsp:txBody>
-      <dsp:txXfrm rot="-5400000">
-        <a:off x="1928828" y="1020762"/>
-        <a:ext cx="4340429" cy="618640"/>
-      </dsp:txXfrm>
-    </dsp:sp>
-    <dsp:sp modelId="{89103CD8-B713-4F77-AFE4-D0508B4B03CD}">
-      <dsp:nvSpPr>
-        <dsp:cNvPr id="0" name=""/>
-        <dsp:cNvSpPr/>
-      </dsp:nvSpPr>
-      <dsp:spPr>
-        <a:xfrm>
-          <a:off x="531489" y="901598"/>
-          <a:ext cx="1397337" cy="856968"/>
-        </a:xfrm>
-        <a:prstGeom prst="roundRect">
-          <a:avLst/>
-        </a:prstGeom>
-        <a:solidFill>
-          <a:schemeClr val="accent5">
-            <a:hueOff val="755290"/>
-            <a:satOff val="19792"/>
-            <a:lumOff val="-15033"/>
-            <a:alphaOff val="0"/>
-          </a:schemeClr>
-        </a:solidFill>
-        <a:ln w="25400" cap="flat" cmpd="sng" algn="ctr">
-          <a:solidFill>
-            <a:schemeClr val="lt1">
-              <a:hueOff val="0"/>
-              <a:satOff val="0"/>
-              <a:lumOff val="0"/>
-              <a:alphaOff val="0"/>
-            </a:schemeClr>
-          </a:solidFill>
-          <a:prstDash val="solid"/>
-        </a:ln>
-        <a:effectLst/>
-      </dsp:spPr>
-      <dsp:style>
-        <a:lnRef idx="2">
-          <a:scrgbClr r="0" g="0" b="0"/>
-        </a:lnRef>
-        <a:fillRef idx="1">
-          <a:scrgbClr r="0" g="0" b="0"/>
-        </a:fillRef>
-        <a:effectRef idx="0">
-          <a:scrgbClr r="0" g="0" b="0"/>
-        </a:effectRef>
-        <a:fontRef idx="minor">
-          <a:schemeClr val="lt1"/>
-        </a:fontRef>
-      </dsp:style>
-      <dsp:txBody>
-        <a:bodyPr spcFirstLastPara="0" vert="horz" wrap="square" lIns="57150" tIns="28575" rIns="57150" bIns="28575" numCol="1" spcCol="1270" anchor="ctr" anchorCtr="0">
-          <a:noAutofit/>
-        </a:bodyPr>
-        <a:lstStyle/>
-        <a:p>
-          <a:pPr lvl="0" algn="ctr" defTabSz="666750">
-            <a:lnSpc>
-              <a:spcPct val="90000"/>
-            </a:lnSpc>
-            <a:spcBef>
-              <a:spcPct val="0"/>
-            </a:spcBef>
-            <a:spcAft>
-              <a:spcPct val="35000"/>
-            </a:spcAft>
-          </a:pPr>
-          <a:r>
-            <a:rPr lang="fr-FR" sz="1500" kern="1200" dirty="0" smtClean="0"/>
-            <a:t>Test de charge</a:t>
-          </a:r>
-          <a:endParaRPr lang="fr-FR" sz="1500" kern="1200" dirty="0"/>
-        </a:p>
-      </dsp:txBody>
-      <dsp:txXfrm>
-        <a:off x="573323" y="943432"/>
-        <a:ext cx="1313669" cy="773300"/>
-      </dsp:txXfrm>
-    </dsp:sp>
-    <dsp:sp modelId="{4181433E-1E98-4F9A-AB9C-42705C14DC65}">
-      <dsp:nvSpPr>
-        <dsp:cNvPr id="0" name=""/>
-        <dsp:cNvSpPr/>
-      </dsp:nvSpPr>
-      <dsp:spPr>
-        <a:xfrm rot="5400000">
-          <a:off x="3772988" y="42951"/>
-          <a:ext cx="685574" cy="4373896"/>
-        </a:xfrm>
-        <a:prstGeom prst="round2SameRect">
-          <a:avLst/>
-        </a:prstGeom>
-        <a:solidFill>
-          <a:schemeClr val="accent5">
-            <a:tint val="40000"/>
-            <a:alpha val="90000"/>
-            <a:hueOff val="2073779"/>
-            <a:satOff val="-17822"/>
-            <a:lumOff val="-4724"/>
-            <a:alphaOff val="0"/>
-          </a:schemeClr>
-        </a:solidFill>
-        <a:ln w="25400" cap="flat" cmpd="sng" algn="ctr">
-          <a:solidFill>
-            <a:schemeClr val="accent5">
-              <a:tint val="40000"/>
-              <a:alpha val="90000"/>
-              <a:hueOff val="2073779"/>
-              <a:satOff val="-17822"/>
-              <a:lumOff val="-4724"/>
-              <a:alphaOff val="0"/>
-            </a:schemeClr>
-          </a:solidFill>
-          <a:prstDash val="solid"/>
-        </a:ln>
-        <a:effectLst/>
-      </dsp:spPr>
-      <dsp:style>
-        <a:lnRef idx="2">
-          <a:scrgbClr r="0" g="0" b="0"/>
-        </a:lnRef>
-        <a:fillRef idx="1">
-          <a:scrgbClr r="0" g="0" b="0"/>
-        </a:fillRef>
-        <a:effectRef idx="0">
-          <a:scrgbClr r="0" g="0" b="0"/>
-        </a:effectRef>
-        <a:fontRef idx="minor"/>
-      </dsp:style>
-      <dsp:txBody>
-        <a:bodyPr spcFirstLastPara="0" vert="horz" wrap="square" lIns="38100" tIns="19050" rIns="38100" bIns="19050" numCol="1" spcCol="1270" anchor="ctr" anchorCtr="0">
-          <a:noAutofit/>
-        </a:bodyPr>
-        <a:lstStyle/>
-        <a:p>
-          <a:pPr marL="57150" lvl="1" indent="-57150" algn="l" defTabSz="444500">
-            <a:lnSpc>
-              <a:spcPct val="90000"/>
-            </a:lnSpc>
-            <a:spcBef>
-              <a:spcPct val="0"/>
-            </a:spcBef>
-            <a:spcAft>
-              <a:spcPct val="15000"/>
-            </a:spcAft>
-            <a:buChar char="••"/>
-          </a:pPr>
-          <a:r>
-            <a:rPr lang="fr-FR" sz="1000" kern="1200" smtClean="0"/>
-            <a:t>Objectif : déterminer les limites de l’application</a:t>
-          </a:r>
-          <a:endParaRPr lang="fr-FR" sz="1000" kern="1200" dirty="0"/>
-        </a:p>
-        <a:p>
-          <a:pPr marL="57150" lvl="1" indent="-57150" algn="l" defTabSz="444500">
-            <a:lnSpc>
-              <a:spcPct val="90000"/>
-            </a:lnSpc>
-            <a:spcBef>
-              <a:spcPct val="0"/>
-            </a:spcBef>
-            <a:spcAft>
-              <a:spcPct val="15000"/>
-            </a:spcAft>
-            <a:buChar char="••"/>
-          </a:pPr>
-          <a:r>
-            <a:rPr lang="fr-FR" sz="1000" kern="1200" smtClean="0"/>
-            <a:t>Ex : on augmente le nombre d’utilisateurs en parallèle sur l’application jusqu’à ce que le taux d’erreurs / les temps de réponse ne soient plus acceptables</a:t>
-          </a:r>
-          <a:endParaRPr lang="fr-FR" sz="1000" kern="1200" dirty="0"/>
-        </a:p>
-      </dsp:txBody>
-      <dsp:txXfrm rot="-5400000">
-        <a:off x="1928828" y="1920579"/>
-        <a:ext cx="4340429" cy="618640"/>
-      </dsp:txXfrm>
-    </dsp:sp>
-    <dsp:sp modelId="{6A51B969-4301-456A-A58E-1ABBAB497FD3}">
-      <dsp:nvSpPr>
-        <dsp:cNvPr id="0" name=""/>
-        <dsp:cNvSpPr/>
-      </dsp:nvSpPr>
-      <dsp:spPr>
-        <a:xfrm>
-          <a:off x="531489" y="1801415"/>
-          <a:ext cx="1397337" cy="856968"/>
-        </a:xfrm>
-        <a:prstGeom prst="roundRect">
-          <a:avLst/>
-        </a:prstGeom>
-        <a:solidFill>
-          <a:schemeClr val="accent5">
-            <a:hueOff val="1510579"/>
-            <a:satOff val="39583"/>
-            <a:lumOff val="-30065"/>
-            <a:alphaOff val="0"/>
-          </a:schemeClr>
-        </a:solidFill>
-        <a:ln w="25400" cap="flat" cmpd="sng" algn="ctr">
-          <a:solidFill>
-            <a:schemeClr val="lt1">
-              <a:hueOff val="0"/>
-              <a:satOff val="0"/>
-              <a:lumOff val="0"/>
-              <a:alphaOff val="0"/>
-            </a:schemeClr>
-          </a:solidFill>
-          <a:prstDash val="solid"/>
-        </a:ln>
-        <a:effectLst/>
-      </dsp:spPr>
-      <dsp:style>
-        <a:lnRef idx="2">
-          <a:scrgbClr r="0" g="0" b="0"/>
-        </a:lnRef>
-        <a:fillRef idx="1">
-          <a:scrgbClr r="0" g="0" b="0"/>
-        </a:fillRef>
-        <a:effectRef idx="0">
-          <a:scrgbClr r="0" g="0" b="0"/>
-        </a:effectRef>
-        <a:fontRef idx="minor">
-          <a:schemeClr val="lt1"/>
-        </a:fontRef>
-      </dsp:style>
-      <dsp:txBody>
-        <a:bodyPr spcFirstLastPara="0" vert="horz" wrap="square" lIns="57150" tIns="28575" rIns="57150" bIns="28575" numCol="1" spcCol="1270" anchor="ctr" anchorCtr="0">
-          <a:noAutofit/>
-        </a:bodyPr>
-        <a:lstStyle/>
-        <a:p>
-          <a:pPr lvl="0" algn="ctr" defTabSz="666750">
-            <a:lnSpc>
-              <a:spcPct val="90000"/>
-            </a:lnSpc>
-            <a:spcBef>
-              <a:spcPct val="0"/>
-            </a:spcBef>
-            <a:spcAft>
-              <a:spcPct val="35000"/>
-            </a:spcAft>
-          </a:pPr>
-          <a:r>
-            <a:rPr lang="fr-FR" sz="1500" kern="1200" dirty="0" smtClean="0"/>
-            <a:t>Test de rupture</a:t>
-          </a:r>
-          <a:endParaRPr lang="fr-FR" sz="1500" kern="1200" dirty="0"/>
-        </a:p>
-      </dsp:txBody>
-      <dsp:txXfrm>
-        <a:off x="573323" y="1843249"/>
-        <a:ext cx="1313669" cy="773300"/>
-      </dsp:txXfrm>
-    </dsp:sp>
-    <dsp:sp modelId="{ACC1F8B2-765E-4D64-BFE1-49ECB56991B9}">
-      <dsp:nvSpPr>
-        <dsp:cNvPr id="0" name=""/>
-        <dsp:cNvSpPr/>
-      </dsp:nvSpPr>
-      <dsp:spPr>
-        <a:xfrm rot="5400000">
-          <a:off x="3772988" y="942768"/>
-          <a:ext cx="685574" cy="4373896"/>
-        </a:xfrm>
-        <a:prstGeom prst="round2SameRect">
-          <a:avLst/>
-        </a:prstGeom>
-        <a:solidFill>
-          <a:schemeClr val="accent5">
-            <a:tint val="40000"/>
-            <a:alpha val="90000"/>
-            <a:hueOff val="3110668"/>
-            <a:satOff val="-26733"/>
-            <a:lumOff val="-7086"/>
-            <a:alphaOff val="0"/>
-          </a:schemeClr>
-        </a:solidFill>
-        <a:ln w="25400" cap="flat" cmpd="sng" algn="ctr">
-          <a:solidFill>
-            <a:schemeClr val="accent5">
-              <a:tint val="40000"/>
-              <a:alpha val="90000"/>
-              <a:hueOff val="3110668"/>
-              <a:satOff val="-26733"/>
-              <a:lumOff val="-7086"/>
-              <a:alphaOff val="0"/>
-            </a:schemeClr>
-          </a:solidFill>
-          <a:prstDash val="solid"/>
-        </a:ln>
-        <a:effectLst/>
-      </dsp:spPr>
-      <dsp:style>
-        <a:lnRef idx="2">
-          <a:scrgbClr r="0" g="0" b="0"/>
-        </a:lnRef>
-        <a:fillRef idx="1">
-          <a:scrgbClr r="0" g="0" b="0"/>
-        </a:fillRef>
-        <a:effectRef idx="0">
-          <a:scrgbClr r="0" g="0" b="0"/>
-        </a:effectRef>
-        <a:fontRef idx="minor"/>
-      </dsp:style>
-      <dsp:txBody>
-        <a:bodyPr spcFirstLastPara="0" vert="horz" wrap="square" lIns="38100" tIns="19050" rIns="38100" bIns="19050" numCol="1" spcCol="1270" anchor="ctr" anchorCtr="0">
-          <a:noAutofit/>
-        </a:bodyPr>
-        <a:lstStyle/>
-        <a:p>
-          <a:pPr marL="57150" lvl="1" indent="-57150" algn="l" defTabSz="444500">
-            <a:lnSpc>
-              <a:spcPct val="90000"/>
-            </a:lnSpc>
-            <a:spcBef>
-              <a:spcPct val="0"/>
-            </a:spcBef>
-            <a:spcAft>
-              <a:spcPct val="15000"/>
-            </a:spcAft>
-            <a:buChar char="••"/>
-          </a:pPr>
-          <a:r>
-            <a:rPr lang="fr-FR" sz="1000" kern="1200" smtClean="0"/>
-            <a:t>Objectif : déterminer la capacité de l’application à fonctionner sur une période étendue</a:t>
-          </a:r>
-          <a:endParaRPr lang="fr-FR" sz="1000" kern="1200" dirty="0"/>
-        </a:p>
-        <a:p>
-          <a:pPr marL="57150" lvl="1" indent="-57150" algn="l" defTabSz="444500">
-            <a:lnSpc>
-              <a:spcPct val="90000"/>
-            </a:lnSpc>
-            <a:spcBef>
-              <a:spcPct val="0"/>
-            </a:spcBef>
-            <a:spcAft>
-              <a:spcPct val="15000"/>
-            </a:spcAft>
-            <a:buChar char="••"/>
-          </a:pPr>
-          <a:r>
-            <a:rPr lang="fr-FR" sz="1000" kern="1200" smtClean="0"/>
-            <a:t>Ex : on simule l’utilisation de l’application pendant 48h, avec une charge constante et égale à la charge moyenne</a:t>
-          </a:r>
-          <a:endParaRPr lang="fr-FR" sz="1000" kern="1200" dirty="0"/>
-        </a:p>
-      </dsp:txBody>
-      <dsp:txXfrm rot="-5400000">
-        <a:off x="1928828" y="2820396"/>
-        <a:ext cx="4340429" cy="618640"/>
-      </dsp:txXfrm>
-    </dsp:sp>
-    <dsp:sp modelId="{BE1CE10A-3646-484C-A673-38EC70046C80}">
-      <dsp:nvSpPr>
-        <dsp:cNvPr id="0" name=""/>
-        <dsp:cNvSpPr/>
-      </dsp:nvSpPr>
-      <dsp:spPr>
-        <a:xfrm>
-          <a:off x="531489" y="2701232"/>
-          <a:ext cx="1397337" cy="856968"/>
-        </a:xfrm>
-        <a:prstGeom prst="roundRect">
-          <a:avLst/>
-        </a:prstGeom>
-        <a:solidFill>
-          <a:schemeClr val="accent5">
-            <a:hueOff val="2265869"/>
-            <a:satOff val="59375"/>
-            <a:lumOff val="-45098"/>
-            <a:alphaOff val="0"/>
-          </a:schemeClr>
-        </a:solidFill>
-        <a:ln w="25400" cap="flat" cmpd="sng" algn="ctr">
-          <a:solidFill>
-            <a:schemeClr val="lt1">
-              <a:hueOff val="0"/>
-              <a:satOff val="0"/>
-              <a:lumOff val="0"/>
-              <a:alphaOff val="0"/>
-            </a:schemeClr>
-          </a:solidFill>
-          <a:prstDash val="solid"/>
-        </a:ln>
-        <a:effectLst/>
-      </dsp:spPr>
-      <dsp:style>
-        <a:lnRef idx="2">
-          <a:scrgbClr r="0" g="0" b="0"/>
-        </a:lnRef>
-        <a:fillRef idx="1">
-          <a:scrgbClr r="0" g="0" b="0"/>
-        </a:fillRef>
-        <a:effectRef idx="0">
-          <a:scrgbClr r="0" g="0" b="0"/>
-        </a:effectRef>
-        <a:fontRef idx="minor">
-          <a:schemeClr val="lt1"/>
-        </a:fontRef>
-      </dsp:style>
-      <dsp:txBody>
-        <a:bodyPr spcFirstLastPara="0" vert="horz" wrap="square" lIns="57150" tIns="28575" rIns="57150" bIns="28575" numCol="1" spcCol="1270" anchor="ctr" anchorCtr="0">
-          <a:noAutofit/>
-        </a:bodyPr>
-        <a:lstStyle/>
-        <a:p>
-          <a:pPr lvl="0" algn="ctr" defTabSz="666750">
-            <a:lnSpc>
-              <a:spcPct val="90000"/>
-            </a:lnSpc>
-            <a:spcBef>
-              <a:spcPct val="0"/>
-            </a:spcBef>
-            <a:spcAft>
-              <a:spcPct val="35000"/>
-            </a:spcAft>
-          </a:pPr>
-          <a:r>
-            <a:rPr lang="fr-FR" sz="1500" kern="1200" dirty="0" smtClean="0"/>
-            <a:t>Test de vieillissement</a:t>
-          </a:r>
-          <a:endParaRPr lang="fr-FR" sz="1500" kern="1200" dirty="0"/>
-        </a:p>
-      </dsp:txBody>
-      <dsp:txXfrm>
-        <a:off x="573323" y="2743066"/>
-        <a:ext cx="1313669" cy="773300"/>
-      </dsp:txXfrm>
-    </dsp:sp>
   </dsp:spTree>
 </dsp:drawing>
 </file>
@@ -14878,7 +13470,7 @@
       </p:grpSpPr>
       <p:sp>
         <p:nvSpPr>
-          <p:cNvPr id="2" name="Espace réservé de l'image des diapositives 1"/>
+          <p:cNvPr id="2" name="Slide Image Placeholder 1"/>
           <p:cNvSpPr>
             <a:spLocks noGrp="1" noRot="1" noChangeAspect="1"/>
           </p:cNvSpPr>
@@ -14890,7 +13482,7 @@
       </p:sp>
       <p:sp>
         <p:nvSpPr>
-          <p:cNvPr id="3" name="Espace réservé des commentaires 2"/>
+          <p:cNvPr id="3" name="Notes Placeholder 2"/>
           <p:cNvSpPr>
             <a:spLocks noGrp="1"/>
           </p:cNvSpPr>
@@ -14904,16 +13496,16 @@
           <a:lstStyle/>
           <a:p>
             <a:r>
-              <a:rPr lang="fr-FR" dirty="0" smtClean="0"/>
-              <a:t>Le tout agrémenté de démo</a:t>
-            </a:r>
-            <a:endParaRPr lang="fr-FR" dirty="0"/>
+              <a:rPr lang="en-US" dirty="0" smtClean="0"/>
+              <a:t>Tuning</a:t>
+            </a:r>
+            <a:endParaRPr lang="en-US" dirty="0"/>
           </a:p>
         </p:txBody>
       </p:sp>
       <p:sp>
         <p:nvSpPr>
-          <p:cNvPr id="4" name="Espace réservé du numéro de diapositive 3"/>
+          <p:cNvPr id="4" name="Slide Number Placeholder 3"/>
           <p:cNvSpPr>
             <a:spLocks noGrp="1"/>
           </p:cNvSpPr>
@@ -14934,7 +13526,7 @@
               <a:pPr>
                 <a:defRPr/>
               </a:pPr>
-              <a:t>8</a:t>
+              <a:t>3</a:t>
             </a:fld>
             <a:endParaRPr lang="fr-FR"/>
           </a:p>
@@ -14943,7 +13535,7 @@
     </p:spTree>
     <p:extLst>
       <p:ext uri="{BB962C8B-B14F-4D97-AF65-F5344CB8AC3E}">
-        <p14:creationId xmlns:p14="http://schemas.microsoft.com/office/powerpoint/2010/main" val="1204883654"/>
+        <p14:creationId xmlns:p14="http://schemas.microsoft.com/office/powerpoint/2010/main" val="3403900283"/>
       </p:ext>
     </p:extLst>
   </p:cSld>
@@ -14995,418 +13587,22 @@
         <p:spPr/>
         <p:txBody>
           <a:bodyPr>
-            <a:normAutofit fontScale="70000" lnSpcReduction="20000"/>
+            <a:normAutofit/>
           </a:bodyPr>
           <a:lstStyle/>
           <a:p>
+            <a:pPr lvl="1"/>
             <a:r>
               <a:rPr lang="fr-FR" dirty="0" smtClean="0"/>
-              <a:t>Slide 17 : Insister, mesurer où est le problème et pas à l'instinct j'essaie d'optimiser.</a:t>
-            </a:r>
-          </a:p>
-          <a:p>
+              <a:t>Tout développeur ayant mis en production sait apprécier l’effort que cela requiert</a:t>
+            </a:r>
+          </a:p>
+          <a:p>
+            <a:pPr lvl="1"/>
             <a:r>
               <a:rPr lang="fr-FR" dirty="0" smtClean="0"/>
-              <a:t>Plus les marteler.</a:t>
-            </a:r>
-          </a:p>
-          <a:p>
-            <a:endParaRPr lang="fr-FR" dirty="0" smtClean="0"/>
-          </a:p>
-          <a:p>
-            <a:r>
-              <a:rPr lang="fr-FR" dirty="0" smtClean="0"/>
-              <a:t>Mesurer les I/O : Si le CPU système est supérieur à 10% =&gt; Je fais des I/O.</a:t>
-            </a:r>
-          </a:p>
-          <a:p>
-            <a:endParaRPr lang="fr-FR" dirty="0" smtClean="0"/>
-          </a:p>
-          <a:p>
-            <a:r>
-              <a:rPr lang="fr-FR" dirty="0" err="1" smtClean="0"/>
-              <a:t>Gatling</a:t>
-            </a:r>
-            <a:r>
-              <a:rPr lang="fr-FR" baseline="0" dirty="0" smtClean="0"/>
-              <a:t> : parce qu’il est open source et qu’il fait de beaux rapports</a:t>
-            </a:r>
-            <a:endParaRPr lang="fr-FR" dirty="0" smtClean="0"/>
-          </a:p>
-          <a:p>
-            <a:endParaRPr lang="fr-FR" dirty="0" smtClean="0"/>
-          </a:p>
-          <a:p>
-            <a:r>
-              <a:rPr lang="fr-FR" dirty="0" smtClean="0"/>
-              <a:t>====</a:t>
-            </a:r>
-          </a:p>
-          <a:p>
-            <a:endParaRPr lang="fr-FR" dirty="0" smtClean="0"/>
-          </a:p>
-          <a:p>
-            <a:r>
-              <a:rPr lang="fr-FR" dirty="0" smtClean="0"/>
-              <a:t>Pour la génération de données</a:t>
-            </a:r>
-          </a:p>
-          <a:p>
-            <a:pPr lvl="1"/>
-            <a:r>
-              <a:rPr lang="fr-FR" dirty="0" smtClean="0"/>
-              <a:t>Anonymisation et script de migration depuis la production</a:t>
-            </a:r>
-          </a:p>
-          <a:p>
-            <a:pPr lvl="1"/>
-            <a:r>
-              <a:rPr lang="fr-FR" dirty="0" smtClean="0"/>
-              <a:t>Génération de jeux de données (</a:t>
-            </a:r>
-            <a:r>
-              <a:rPr lang="fr-FR" dirty="0" err="1" smtClean="0"/>
-              <a:t>benerator</a:t>
-            </a:r>
-            <a:r>
-              <a:rPr lang="fr-FR" dirty="0" smtClean="0"/>
-              <a:t>, </a:t>
-            </a:r>
-            <a:r>
-              <a:rPr lang="fr-FR" dirty="0" err="1" smtClean="0"/>
-              <a:t>etC.</a:t>
-            </a:r>
-            <a:r>
-              <a:rPr lang="fr-FR" dirty="0" smtClean="0"/>
-              <a:t>)</a:t>
-            </a:r>
-          </a:p>
-          <a:p>
-            <a:endParaRPr lang="fr-FR" dirty="0" smtClean="0"/>
-          </a:p>
-          <a:p>
-            <a:r>
-              <a:rPr lang="fr-FR" dirty="0" smtClean="0"/>
-              <a:t>Pour la mise en charge</a:t>
-            </a:r>
-          </a:p>
-          <a:p>
-            <a:pPr lvl="1"/>
-            <a:r>
-              <a:rPr lang="fr-FR" dirty="0" err="1" smtClean="0"/>
-              <a:t>LoadRunner</a:t>
-            </a:r>
-            <a:r>
-              <a:rPr lang="fr-FR" dirty="0" smtClean="0"/>
-              <a:t>, </a:t>
-            </a:r>
-            <a:r>
-              <a:rPr lang="fr-FR" dirty="0" err="1" smtClean="0"/>
-              <a:t>JMeter</a:t>
-            </a:r>
-            <a:r>
-              <a:rPr lang="fr-FR" dirty="0" smtClean="0"/>
-              <a:t>, </a:t>
-            </a:r>
-            <a:r>
-              <a:rPr lang="fr-FR" dirty="0" err="1" smtClean="0"/>
-              <a:t>Gatling</a:t>
-            </a:r>
-            <a:endParaRPr lang="fr-FR" dirty="0" smtClean="0"/>
-          </a:p>
-          <a:p>
-            <a:pPr lvl="1"/>
-            <a:r>
-              <a:rPr lang="fr-FR" dirty="0" smtClean="0"/>
-              <a:t>Visual Studio</a:t>
-            </a:r>
-          </a:p>
-          <a:p>
-            <a:endParaRPr lang="fr-FR" dirty="0" smtClean="0"/>
-          </a:p>
-          <a:p>
-            <a:r>
-              <a:rPr lang="fr-FR" dirty="0" smtClean="0"/>
-              <a:t>Pour la prise de mesure</a:t>
-            </a:r>
-          </a:p>
-          <a:p>
-            <a:pPr lvl="1"/>
-            <a:r>
-              <a:rPr lang="fr-FR" dirty="0" err="1" smtClean="0"/>
-              <a:t>Perfmon</a:t>
-            </a:r>
-            <a:r>
-              <a:rPr lang="fr-FR" dirty="0" smtClean="0"/>
-              <a:t> (Windows)</a:t>
-            </a:r>
-          </a:p>
-          <a:p>
-            <a:pPr lvl="1"/>
-            <a:r>
-              <a:rPr lang="fr-FR" dirty="0" err="1" smtClean="0"/>
-              <a:t>Nmon</a:t>
-            </a:r>
-            <a:r>
-              <a:rPr lang="fr-FR" dirty="0" smtClean="0"/>
-              <a:t> (Linux)</a:t>
-            </a:r>
-          </a:p>
-          <a:p>
-            <a:pPr lvl="1"/>
-            <a:endParaRPr lang="fr-FR" dirty="0" smtClean="0"/>
-          </a:p>
-          <a:p>
-            <a:pPr marL="342900" marR="0" lvl="0" indent="-342900" algn="l" defTabSz="914400" rtl="0" eaLnBrk="1" fontAlgn="base" latinLnBrk="0" hangingPunct="1">
-              <a:lnSpc>
-                <a:spcPct val="100000"/>
-              </a:lnSpc>
-              <a:spcBef>
-                <a:spcPct val="20000"/>
-              </a:spcBef>
-              <a:spcAft>
-                <a:spcPct val="0"/>
-              </a:spcAft>
-              <a:buClr>
-                <a:srgbClr val="002D60"/>
-              </a:buClr>
-              <a:buSzPct val="100000"/>
-              <a:buFontTx/>
-              <a:buBlip>
-                <a:blip r:embed="rId3"/>
-              </a:buBlip>
-              <a:tabLst/>
-              <a:defRPr/>
-            </a:pPr>
-            <a:r>
-              <a:rPr kumimoji="0" lang="fr-FR" sz="1600" b="0" i="0" u="none" strike="noStrike" kern="0" cap="none" spc="0" normalizeH="0" baseline="0" noProof="0" dirty="0" smtClean="0">
-                <a:ln>
-                  <a:noFill/>
-                </a:ln>
-                <a:solidFill>
-                  <a:srgbClr val="4C4C4C"/>
-                </a:solidFill>
-                <a:effectLst/>
-                <a:uLnTx/>
-                <a:uFillTx/>
-                <a:latin typeface="+mn-lt"/>
-                <a:ea typeface="ＭＳ Ｐゴシック" pitchFamily="-104" charset="-128"/>
-                <a:cs typeface="ＭＳ Ｐゴシック" pitchFamily="-104" charset="-128"/>
-              </a:rPr>
-              <a:t>Noter</a:t>
-            </a:r>
-            <a:r>
-              <a:rPr kumimoji="0" lang="fr-FR" sz="1600" b="0" i="0" u="none" strike="noStrike" kern="0" cap="none" spc="0" normalizeH="0" noProof="0" dirty="0" smtClean="0">
-                <a:ln>
-                  <a:noFill/>
-                </a:ln>
-                <a:solidFill>
-                  <a:srgbClr val="4C4C4C"/>
-                </a:solidFill>
-                <a:effectLst/>
-                <a:uLnTx/>
-                <a:uFillTx/>
-                <a:latin typeface="+mn-lt"/>
-                <a:ea typeface="ＭＳ Ｐゴシック" pitchFamily="-104" charset="-128"/>
-                <a:cs typeface="ＭＳ Ｐゴシック" pitchFamily="-104" charset="-128"/>
-              </a:rPr>
-              <a:t> les enjeux correspondants</a:t>
-            </a:r>
-          </a:p>
-          <a:p>
-            <a:pPr marL="342900" marR="0" lvl="0" indent="-342900" algn="l" defTabSz="914400" rtl="0" eaLnBrk="1" fontAlgn="base" latinLnBrk="0" hangingPunct="1">
-              <a:lnSpc>
-                <a:spcPct val="100000"/>
-              </a:lnSpc>
-              <a:spcBef>
-                <a:spcPct val="20000"/>
-              </a:spcBef>
-              <a:spcAft>
-                <a:spcPct val="0"/>
-              </a:spcAft>
-              <a:buClr>
-                <a:srgbClr val="002D60"/>
-              </a:buClr>
-              <a:buSzPct val="100000"/>
-              <a:buFontTx/>
-              <a:buBlip>
-                <a:blip r:embed="rId3"/>
-              </a:buBlip>
-              <a:tabLst/>
-              <a:defRPr/>
-            </a:pPr>
-            <a:endParaRPr lang="fr-FR" sz="1600" kern="0" baseline="0" dirty="0" smtClean="0">
-              <a:solidFill>
-                <a:srgbClr val="4C4C4C"/>
-              </a:solidFill>
-              <a:ea typeface="ＭＳ Ｐゴシック" pitchFamily="-104" charset="-128"/>
-            </a:endParaRPr>
-          </a:p>
-          <a:p>
-            <a:pPr marL="342900" marR="0" lvl="0" indent="-342900" algn="l" defTabSz="914400" rtl="0" eaLnBrk="1" fontAlgn="base" latinLnBrk="0" hangingPunct="1">
-              <a:lnSpc>
-                <a:spcPct val="100000"/>
-              </a:lnSpc>
-              <a:spcBef>
-                <a:spcPct val="20000"/>
-              </a:spcBef>
-              <a:spcAft>
-                <a:spcPct val="0"/>
-              </a:spcAft>
-              <a:buClr>
-                <a:srgbClr val="002D60"/>
-              </a:buClr>
-              <a:buSzPct val="100000"/>
-              <a:buFontTx/>
-              <a:buBlip>
-                <a:blip r:embed="rId3"/>
-              </a:buBlip>
-              <a:tabLst/>
-              <a:defRPr/>
-            </a:pPr>
-            <a:r>
-              <a:rPr kumimoji="0" lang="fr-FR" sz="1600" b="0" i="0" u="none" strike="noStrike" kern="0" cap="none" spc="0" normalizeH="0" noProof="0" dirty="0" smtClean="0">
-                <a:ln>
-                  <a:noFill/>
-                </a:ln>
-                <a:solidFill>
-                  <a:srgbClr val="4C4C4C"/>
-                </a:solidFill>
-                <a:effectLst/>
-                <a:uLnTx/>
-                <a:uFillTx/>
-                <a:latin typeface="+mn-lt"/>
-                <a:ea typeface="ＭＳ Ｐゴシック" pitchFamily="-104" charset="-128"/>
-              </a:rPr>
-              <a:t>Noter les problématiques liées au grand nombre de machines</a:t>
-            </a:r>
-          </a:p>
-          <a:p>
-            <a:pPr marL="800100" lvl="1" indent="-342900" fontAlgn="base">
-              <a:spcBef>
-                <a:spcPct val="20000"/>
-              </a:spcBef>
-              <a:spcAft>
-                <a:spcPct val="0"/>
-              </a:spcAft>
-              <a:buClr>
-                <a:srgbClr val="002D60"/>
-              </a:buClr>
-              <a:buSzPct val="100000"/>
-              <a:buFontTx/>
-              <a:buBlip>
-                <a:blip r:embed="rId3"/>
-              </a:buBlip>
-            </a:pPr>
-            <a:r>
-              <a:rPr lang="fr-FR" sz="1600" kern="0" dirty="0" smtClean="0">
-                <a:solidFill>
-                  <a:srgbClr val="4C4C4C"/>
-                </a:solidFill>
-                <a:ea typeface="ＭＳ Ｐゴシック" pitchFamily="-104" charset="-128"/>
-              </a:rPr>
-              <a:t>Rechercher les outils de BPA</a:t>
-            </a:r>
-          </a:p>
-          <a:p>
-            <a:pPr marL="800100" lvl="1" indent="-342900" fontAlgn="base">
-              <a:spcBef>
-                <a:spcPct val="20000"/>
-              </a:spcBef>
-              <a:spcAft>
-                <a:spcPct val="0"/>
-              </a:spcAft>
-              <a:buClr>
-                <a:srgbClr val="002D60"/>
-              </a:buClr>
-              <a:buSzPct val="100000"/>
-              <a:buFontTx/>
-              <a:buBlip>
-                <a:blip r:embed="rId3"/>
-              </a:buBlip>
-            </a:pPr>
-            <a:endParaRPr lang="fr-FR" sz="1600" kern="0" dirty="0" smtClean="0">
-              <a:solidFill>
-                <a:srgbClr val="4C4C4C"/>
-              </a:solidFill>
-              <a:ea typeface="ＭＳ Ｐゴシック" pitchFamily="-104" charset="-128"/>
-            </a:endParaRPr>
-          </a:p>
-          <a:p>
-            <a:pPr marL="342900" indent="-342900" fontAlgn="base">
-              <a:spcBef>
-                <a:spcPct val="20000"/>
-              </a:spcBef>
-              <a:spcAft>
-                <a:spcPct val="0"/>
-              </a:spcAft>
-              <a:buClr>
-                <a:srgbClr val="002D60"/>
-              </a:buClr>
-              <a:buSzPct val="100000"/>
-              <a:buFontTx/>
-              <a:buBlip>
-                <a:blip r:embed="rId3"/>
-              </a:buBlip>
-            </a:pPr>
-            <a:r>
-              <a:rPr lang="fr-FR" sz="1600" kern="0" dirty="0" smtClean="0">
-                <a:solidFill>
-                  <a:srgbClr val="4C4C4C"/>
-                </a:solidFill>
-                <a:ea typeface="ＭＳ Ｐゴシック" pitchFamily="-104" charset="-128"/>
-              </a:rPr>
-              <a:t>Idées : susciter les questions et l’envie de faire une autre </a:t>
-            </a:r>
-            <a:r>
-              <a:rPr lang="fr-FR" sz="1600" kern="0" dirty="0" err="1" smtClean="0">
-                <a:solidFill>
-                  <a:srgbClr val="4C4C4C"/>
-                </a:solidFill>
-                <a:ea typeface="ＭＳ Ｐゴシック" pitchFamily="-104" charset="-128"/>
-              </a:rPr>
-              <a:t>prez</a:t>
-            </a:r>
-            <a:endParaRPr lang="fr-FR" sz="1600" kern="0" dirty="0" smtClean="0">
-              <a:solidFill>
-                <a:srgbClr val="4C4C4C"/>
-              </a:solidFill>
-              <a:ea typeface="ＭＳ Ｐゴシック" pitchFamily="-104" charset="-128"/>
-            </a:endParaRPr>
-          </a:p>
-          <a:p>
-            <a:pPr marL="800100" lvl="1" indent="-342900" fontAlgn="base">
-              <a:spcBef>
-                <a:spcPct val="20000"/>
-              </a:spcBef>
-              <a:spcAft>
-                <a:spcPct val="0"/>
-              </a:spcAft>
-              <a:buClr>
-                <a:srgbClr val="002D60"/>
-              </a:buClr>
-              <a:buSzPct val="100000"/>
-              <a:buFontTx/>
-              <a:buBlip>
-                <a:blip r:embed="rId3"/>
-              </a:buBlip>
-            </a:pPr>
-            <a:endParaRPr kumimoji="0" lang="fr-FR" sz="1600" b="0" i="0" u="none" strike="noStrike" kern="0" cap="none" spc="0" normalizeH="0" noProof="0" dirty="0" smtClean="0">
-              <a:ln>
-                <a:noFill/>
-              </a:ln>
-              <a:solidFill>
-                <a:srgbClr val="4C4C4C"/>
-              </a:solidFill>
-              <a:effectLst/>
-              <a:uLnTx/>
-              <a:uFillTx/>
-              <a:latin typeface="+mn-lt"/>
-              <a:ea typeface="ＭＳ Ｐゴシック" pitchFamily="-104" charset="-128"/>
-            </a:endParaRPr>
-          </a:p>
-          <a:p>
-            <a:endParaRPr lang="fr-FR" dirty="0" smtClean="0"/>
+              <a:t>Les plus expérimentés savent que le problème est rarement là où on le pensait même avec un flair aiguisé</a:t>
+            </a:r>
           </a:p>
           <a:p>
             <a:endParaRPr lang="fr-FR" dirty="0"/>
@@ -15428,15 +13624,10 @@
           <a:bodyPr/>
           <a:lstStyle/>
           <a:p>
-            <a:pPr>
-              <a:defRPr/>
-            </a:pPr>
-            <a:fld id="{68CC13ED-B5D7-254A-B8C5-6B7F27BAA1B2}" type="slidenum">
+            <a:fld id="{BFEBECEB-CCF1-413B-AAA5-7969BDFE1205}" type="slidenum">
               <a:rPr lang="fr-FR" smtClean="0"/>
-              <a:pPr>
-                <a:defRPr/>
-              </a:pPr>
-              <a:t>20</a:t>
+              <a:pPr/>
+              <a:t>16</a:t>
             </a:fld>
             <a:endParaRPr lang="fr-FR"/>
           </a:p>
@@ -15445,7 +13636,7 @@
     </p:spTree>
     <p:extLst>
       <p:ext uri="{BB962C8B-B14F-4D97-AF65-F5344CB8AC3E}">
-        <p14:creationId xmlns:p14="http://schemas.microsoft.com/office/powerpoint/2010/main" val="915939337"/>
+        <p14:creationId xmlns:p14="http://schemas.microsoft.com/office/powerpoint/2010/main" val="1678841666"/>
       </p:ext>
     </p:extLst>
   </p:cSld>
@@ -15496,21 +13687,21 @@
         </p:nvSpPr>
         <p:spPr/>
         <p:txBody>
-          <a:bodyPr/>
+          <a:bodyPr>
+            <a:normAutofit/>
+          </a:bodyPr>
           <a:lstStyle/>
           <a:p>
             <a:r>
+              <a:rPr lang="fr-FR" dirty="0" err="1" smtClean="0"/>
+              <a:t>Slide</a:t>
+            </a:r>
+            <a:r>
               <a:rPr lang="fr-FR" dirty="0" smtClean="0"/>
-              <a:t>Une </a:t>
-            </a:r>
-            <a:r>
-              <a:rPr lang="fr-FR" dirty="0" err="1" smtClean="0"/>
-              <a:t>applicatino</a:t>
-            </a:r>
-            <a:r>
-              <a:rPr lang="fr-FR" dirty="0" smtClean="0"/>
-              <a:t> à l’état de l’art mais beaucoup trop lente !</a:t>
-            </a:r>
+              <a:t> 14 : C'est juste un rappel, passer assez vite</a:t>
+            </a:r>
+          </a:p>
+          <a:p>
             <a:endParaRPr lang="fr-FR" dirty="0"/>
           </a:p>
         </p:txBody>
@@ -15530,15 +13721,10 @@
           <a:bodyPr/>
           <a:lstStyle/>
           <a:p>
-            <a:pPr>
-              <a:defRPr/>
-            </a:pPr>
-            <a:fld id="{68CC13ED-B5D7-254A-B8C5-6B7F27BAA1B2}" type="slidenum">
+            <a:fld id="{BFEBECEB-CCF1-413B-AAA5-7969BDFE1205}" type="slidenum">
               <a:rPr lang="fr-FR" smtClean="0"/>
-              <a:pPr>
-                <a:defRPr/>
-              </a:pPr>
-              <a:t>21</a:t>
+              <a:pPr/>
+              <a:t>18</a:t>
             </a:fld>
             <a:endParaRPr lang="fr-FR"/>
           </a:p>
@@ -15547,7 +13733,7 @@
     </p:spTree>
     <p:extLst>
       <p:ext uri="{BB962C8B-B14F-4D97-AF65-F5344CB8AC3E}">
-        <p14:creationId xmlns:p14="http://schemas.microsoft.com/office/powerpoint/2010/main" val="481082485"/>
+        <p14:creationId xmlns:p14="http://schemas.microsoft.com/office/powerpoint/2010/main" val="1405831740"/>
       </p:ext>
     </p:extLst>
   </p:cSld>
@@ -15609,7 +13795,13 @@
             </a:r>
             <a:r>
               <a:rPr lang="fr-FR" dirty="0" smtClean="0"/>
-              <a:t> 13 : Dire que c'est la nomenclature qu'OCTO utilise.</a:t>
+              <a:t> 17 : Insister, mesurer où est le problème et pas à l'instinct j'essaie d'optimiser.</a:t>
+            </a:r>
+          </a:p>
+          <a:p>
+            <a:r>
+              <a:rPr lang="fr-FR" dirty="0" smtClean="0"/>
+              <a:t>Plus les marteler.</a:t>
             </a:r>
             <a:endParaRPr lang="fr-FR" dirty="0"/>
           </a:p>
@@ -15633,7 +13825,7 @@
             <a:fld id="{BFEBECEB-CCF1-413B-AAA5-7969BDFE1205}" type="slidenum">
               <a:rPr lang="fr-FR" smtClean="0"/>
               <a:pPr/>
-              <a:t>26</a:t>
+              <a:t>19</a:t>
             </a:fld>
             <a:endParaRPr lang="fr-FR"/>
           </a:p>
@@ -15642,7 +13834,7 @@
     </p:spTree>
     <p:extLst>
       <p:ext uri="{BB962C8B-B14F-4D97-AF65-F5344CB8AC3E}">
-        <p14:creationId xmlns:p14="http://schemas.microsoft.com/office/powerpoint/2010/main" val="3670392540"/>
+        <p14:creationId xmlns:p14="http://schemas.microsoft.com/office/powerpoint/2010/main" val="620633064"/>
       </p:ext>
     </p:extLst>
   </p:cSld>
@@ -15693,17 +13885,421 @@
         </p:nvSpPr>
         <p:spPr/>
         <p:txBody>
-          <a:bodyPr/>
+          <a:bodyPr>
+            <a:normAutofit fontScale="70000" lnSpcReduction="20000"/>
+          </a:bodyPr>
           <a:lstStyle/>
           <a:p>
             <a:r>
               <a:rPr lang="fr-FR" dirty="0" smtClean="0"/>
-              <a:t>Utiliser un client</a:t>
+              <a:t>Slide 17 : Insister, mesurer où est le problème et pas à l'instinct j'essaie d'optimiser.</a:t>
+            </a:r>
+          </a:p>
+          <a:p>
+            <a:r>
+              <a:rPr lang="fr-FR" dirty="0" smtClean="0"/>
+              <a:t>Plus les marteler.</a:t>
+            </a:r>
+          </a:p>
+          <a:p>
+            <a:endParaRPr lang="fr-FR" dirty="0" smtClean="0"/>
+          </a:p>
+          <a:p>
+            <a:r>
+              <a:rPr lang="fr-FR" dirty="0" smtClean="0"/>
+              <a:t>Mesurer les I/O : Si le CPU système est supérieur à 10% =&gt; Je fais des I/O.</a:t>
+            </a:r>
+          </a:p>
+          <a:p>
+            <a:endParaRPr lang="fr-FR" dirty="0" smtClean="0"/>
+          </a:p>
+          <a:p>
+            <a:r>
+              <a:rPr lang="fr-FR" dirty="0" err="1" smtClean="0"/>
+              <a:t>Gatling</a:t>
             </a:r>
             <a:r>
               <a:rPr lang="fr-FR" baseline="0" dirty="0" smtClean="0"/>
-              <a:t> REST comme REST client</a:t>
-            </a:r>
+              <a:t> : parce qu’il est open source et qu’il fait de beaux rapports</a:t>
+            </a:r>
+            <a:endParaRPr lang="fr-FR" dirty="0" smtClean="0"/>
+          </a:p>
+          <a:p>
+            <a:endParaRPr lang="fr-FR" dirty="0" smtClean="0"/>
+          </a:p>
+          <a:p>
+            <a:r>
+              <a:rPr lang="fr-FR" dirty="0" smtClean="0"/>
+              <a:t>====</a:t>
+            </a:r>
+          </a:p>
+          <a:p>
+            <a:endParaRPr lang="fr-FR" dirty="0" smtClean="0"/>
+          </a:p>
+          <a:p>
+            <a:r>
+              <a:rPr lang="fr-FR" dirty="0" smtClean="0"/>
+              <a:t>Pour la génération de données</a:t>
+            </a:r>
+          </a:p>
+          <a:p>
+            <a:pPr lvl="1"/>
+            <a:r>
+              <a:rPr lang="fr-FR" dirty="0" smtClean="0"/>
+              <a:t>Anonymisation et script de migration depuis la production</a:t>
+            </a:r>
+          </a:p>
+          <a:p>
+            <a:pPr lvl="1"/>
+            <a:r>
+              <a:rPr lang="fr-FR" dirty="0" smtClean="0"/>
+              <a:t>Génération de jeux de données (</a:t>
+            </a:r>
+            <a:r>
+              <a:rPr lang="fr-FR" dirty="0" err="1" smtClean="0"/>
+              <a:t>benerator</a:t>
+            </a:r>
+            <a:r>
+              <a:rPr lang="fr-FR" dirty="0" smtClean="0"/>
+              <a:t>, </a:t>
+            </a:r>
+            <a:r>
+              <a:rPr lang="fr-FR" dirty="0" err="1" smtClean="0"/>
+              <a:t>etC.</a:t>
+            </a:r>
+            <a:r>
+              <a:rPr lang="fr-FR" dirty="0" smtClean="0"/>
+              <a:t>)</a:t>
+            </a:r>
+          </a:p>
+          <a:p>
+            <a:endParaRPr lang="fr-FR" dirty="0" smtClean="0"/>
+          </a:p>
+          <a:p>
+            <a:r>
+              <a:rPr lang="fr-FR" dirty="0" smtClean="0"/>
+              <a:t>Pour la mise en charge</a:t>
+            </a:r>
+          </a:p>
+          <a:p>
+            <a:pPr lvl="1"/>
+            <a:r>
+              <a:rPr lang="fr-FR" dirty="0" err="1" smtClean="0"/>
+              <a:t>LoadRunner</a:t>
+            </a:r>
+            <a:r>
+              <a:rPr lang="fr-FR" dirty="0" smtClean="0"/>
+              <a:t>, </a:t>
+            </a:r>
+            <a:r>
+              <a:rPr lang="fr-FR" dirty="0" err="1" smtClean="0"/>
+              <a:t>JMeter</a:t>
+            </a:r>
+            <a:r>
+              <a:rPr lang="fr-FR" dirty="0" smtClean="0"/>
+              <a:t>, </a:t>
+            </a:r>
+            <a:r>
+              <a:rPr lang="fr-FR" dirty="0" err="1" smtClean="0"/>
+              <a:t>Gatling</a:t>
+            </a:r>
+            <a:endParaRPr lang="fr-FR" dirty="0" smtClean="0"/>
+          </a:p>
+          <a:p>
+            <a:pPr lvl="1"/>
+            <a:r>
+              <a:rPr lang="fr-FR" dirty="0" smtClean="0"/>
+              <a:t>Visual Studio</a:t>
+            </a:r>
+          </a:p>
+          <a:p>
+            <a:endParaRPr lang="fr-FR" dirty="0" smtClean="0"/>
+          </a:p>
+          <a:p>
+            <a:r>
+              <a:rPr lang="fr-FR" dirty="0" smtClean="0"/>
+              <a:t>Pour la prise de mesure</a:t>
+            </a:r>
+          </a:p>
+          <a:p>
+            <a:pPr lvl="1"/>
+            <a:r>
+              <a:rPr lang="fr-FR" dirty="0" err="1" smtClean="0"/>
+              <a:t>Perfmon</a:t>
+            </a:r>
+            <a:r>
+              <a:rPr lang="fr-FR" dirty="0" smtClean="0"/>
+              <a:t> (Windows)</a:t>
+            </a:r>
+          </a:p>
+          <a:p>
+            <a:pPr lvl="1"/>
+            <a:r>
+              <a:rPr lang="fr-FR" dirty="0" err="1" smtClean="0"/>
+              <a:t>Nmon</a:t>
+            </a:r>
+            <a:r>
+              <a:rPr lang="fr-FR" dirty="0" smtClean="0"/>
+              <a:t> (Linux)</a:t>
+            </a:r>
+          </a:p>
+          <a:p>
+            <a:pPr lvl="1"/>
+            <a:endParaRPr lang="fr-FR" dirty="0" smtClean="0"/>
+          </a:p>
+          <a:p>
+            <a:pPr marL="342900" marR="0" lvl="0" indent="-342900" algn="l" defTabSz="914400" rtl="0" eaLnBrk="1" fontAlgn="base" latinLnBrk="0" hangingPunct="1">
+              <a:lnSpc>
+                <a:spcPct val="100000"/>
+              </a:lnSpc>
+              <a:spcBef>
+                <a:spcPct val="20000"/>
+              </a:spcBef>
+              <a:spcAft>
+                <a:spcPct val="0"/>
+              </a:spcAft>
+              <a:buClr>
+                <a:srgbClr val="002D60"/>
+              </a:buClr>
+              <a:buSzPct val="100000"/>
+              <a:buFontTx/>
+              <a:buBlip>
+                <a:blip r:embed="rId3"/>
+              </a:buBlip>
+              <a:tabLst/>
+              <a:defRPr/>
+            </a:pPr>
+            <a:r>
+              <a:rPr kumimoji="0" lang="fr-FR" sz="1600" b="0" i="0" u="none" strike="noStrike" kern="0" cap="none" spc="0" normalizeH="0" baseline="0" noProof="0" dirty="0" smtClean="0">
+                <a:ln>
+                  <a:noFill/>
+                </a:ln>
+                <a:solidFill>
+                  <a:srgbClr val="4C4C4C"/>
+                </a:solidFill>
+                <a:effectLst/>
+                <a:uLnTx/>
+                <a:uFillTx/>
+                <a:latin typeface="+mn-lt"/>
+                <a:ea typeface="ＭＳ Ｐゴシック" pitchFamily="-104" charset="-128"/>
+                <a:cs typeface="ＭＳ Ｐゴシック" pitchFamily="-104" charset="-128"/>
+              </a:rPr>
+              <a:t>Noter</a:t>
+            </a:r>
+            <a:r>
+              <a:rPr kumimoji="0" lang="fr-FR" sz="1600" b="0" i="0" u="none" strike="noStrike" kern="0" cap="none" spc="0" normalizeH="0" noProof="0" dirty="0" smtClean="0">
+                <a:ln>
+                  <a:noFill/>
+                </a:ln>
+                <a:solidFill>
+                  <a:srgbClr val="4C4C4C"/>
+                </a:solidFill>
+                <a:effectLst/>
+                <a:uLnTx/>
+                <a:uFillTx/>
+                <a:latin typeface="+mn-lt"/>
+                <a:ea typeface="ＭＳ Ｐゴシック" pitchFamily="-104" charset="-128"/>
+                <a:cs typeface="ＭＳ Ｐゴシック" pitchFamily="-104" charset="-128"/>
+              </a:rPr>
+              <a:t> les enjeux correspondants</a:t>
+            </a:r>
+          </a:p>
+          <a:p>
+            <a:pPr marL="342900" marR="0" lvl="0" indent="-342900" algn="l" defTabSz="914400" rtl="0" eaLnBrk="1" fontAlgn="base" latinLnBrk="0" hangingPunct="1">
+              <a:lnSpc>
+                <a:spcPct val="100000"/>
+              </a:lnSpc>
+              <a:spcBef>
+                <a:spcPct val="20000"/>
+              </a:spcBef>
+              <a:spcAft>
+                <a:spcPct val="0"/>
+              </a:spcAft>
+              <a:buClr>
+                <a:srgbClr val="002D60"/>
+              </a:buClr>
+              <a:buSzPct val="100000"/>
+              <a:buFontTx/>
+              <a:buBlip>
+                <a:blip r:embed="rId3"/>
+              </a:buBlip>
+              <a:tabLst/>
+              <a:defRPr/>
+            </a:pPr>
+            <a:endParaRPr lang="fr-FR" sz="1600" kern="0" baseline="0" dirty="0" smtClean="0">
+              <a:solidFill>
+                <a:srgbClr val="4C4C4C"/>
+              </a:solidFill>
+              <a:ea typeface="ＭＳ Ｐゴシック" pitchFamily="-104" charset="-128"/>
+            </a:endParaRPr>
+          </a:p>
+          <a:p>
+            <a:pPr marL="342900" marR="0" lvl="0" indent="-342900" algn="l" defTabSz="914400" rtl="0" eaLnBrk="1" fontAlgn="base" latinLnBrk="0" hangingPunct="1">
+              <a:lnSpc>
+                <a:spcPct val="100000"/>
+              </a:lnSpc>
+              <a:spcBef>
+                <a:spcPct val="20000"/>
+              </a:spcBef>
+              <a:spcAft>
+                <a:spcPct val="0"/>
+              </a:spcAft>
+              <a:buClr>
+                <a:srgbClr val="002D60"/>
+              </a:buClr>
+              <a:buSzPct val="100000"/>
+              <a:buFontTx/>
+              <a:buBlip>
+                <a:blip r:embed="rId3"/>
+              </a:buBlip>
+              <a:tabLst/>
+              <a:defRPr/>
+            </a:pPr>
+            <a:r>
+              <a:rPr kumimoji="0" lang="fr-FR" sz="1600" b="0" i="0" u="none" strike="noStrike" kern="0" cap="none" spc="0" normalizeH="0" noProof="0" dirty="0" smtClean="0">
+                <a:ln>
+                  <a:noFill/>
+                </a:ln>
+                <a:solidFill>
+                  <a:srgbClr val="4C4C4C"/>
+                </a:solidFill>
+                <a:effectLst/>
+                <a:uLnTx/>
+                <a:uFillTx/>
+                <a:latin typeface="+mn-lt"/>
+                <a:ea typeface="ＭＳ Ｐゴシック" pitchFamily="-104" charset="-128"/>
+              </a:rPr>
+              <a:t>Noter les problématiques liées au grand nombre de machines</a:t>
+            </a:r>
+          </a:p>
+          <a:p>
+            <a:pPr marL="800100" lvl="1" indent="-342900" fontAlgn="base">
+              <a:spcBef>
+                <a:spcPct val="20000"/>
+              </a:spcBef>
+              <a:spcAft>
+                <a:spcPct val="0"/>
+              </a:spcAft>
+              <a:buClr>
+                <a:srgbClr val="002D60"/>
+              </a:buClr>
+              <a:buSzPct val="100000"/>
+              <a:buFontTx/>
+              <a:buBlip>
+                <a:blip r:embed="rId3"/>
+              </a:buBlip>
+            </a:pPr>
+            <a:r>
+              <a:rPr lang="fr-FR" sz="1600" kern="0" dirty="0" smtClean="0">
+                <a:solidFill>
+                  <a:srgbClr val="4C4C4C"/>
+                </a:solidFill>
+                <a:ea typeface="ＭＳ Ｐゴシック" pitchFamily="-104" charset="-128"/>
+              </a:rPr>
+              <a:t>Rechercher les outils de BPA</a:t>
+            </a:r>
+          </a:p>
+          <a:p>
+            <a:pPr marL="800100" lvl="1" indent="-342900" fontAlgn="base">
+              <a:spcBef>
+                <a:spcPct val="20000"/>
+              </a:spcBef>
+              <a:spcAft>
+                <a:spcPct val="0"/>
+              </a:spcAft>
+              <a:buClr>
+                <a:srgbClr val="002D60"/>
+              </a:buClr>
+              <a:buSzPct val="100000"/>
+              <a:buFontTx/>
+              <a:buBlip>
+                <a:blip r:embed="rId3"/>
+              </a:buBlip>
+            </a:pPr>
+            <a:endParaRPr lang="fr-FR" sz="1600" kern="0" dirty="0" smtClean="0">
+              <a:solidFill>
+                <a:srgbClr val="4C4C4C"/>
+              </a:solidFill>
+              <a:ea typeface="ＭＳ Ｐゴシック" pitchFamily="-104" charset="-128"/>
+            </a:endParaRPr>
+          </a:p>
+          <a:p>
+            <a:pPr marL="342900" indent="-342900" fontAlgn="base">
+              <a:spcBef>
+                <a:spcPct val="20000"/>
+              </a:spcBef>
+              <a:spcAft>
+                <a:spcPct val="0"/>
+              </a:spcAft>
+              <a:buClr>
+                <a:srgbClr val="002D60"/>
+              </a:buClr>
+              <a:buSzPct val="100000"/>
+              <a:buFontTx/>
+              <a:buBlip>
+                <a:blip r:embed="rId3"/>
+              </a:buBlip>
+            </a:pPr>
+            <a:r>
+              <a:rPr lang="fr-FR" sz="1600" kern="0" dirty="0" smtClean="0">
+                <a:solidFill>
+                  <a:srgbClr val="4C4C4C"/>
+                </a:solidFill>
+                <a:ea typeface="ＭＳ Ｐゴシック" pitchFamily="-104" charset="-128"/>
+              </a:rPr>
+              <a:t>Idées : susciter les questions et l’envie de faire une autre </a:t>
+            </a:r>
+            <a:r>
+              <a:rPr lang="fr-FR" sz="1600" kern="0" dirty="0" err="1" smtClean="0">
+                <a:solidFill>
+                  <a:srgbClr val="4C4C4C"/>
+                </a:solidFill>
+                <a:ea typeface="ＭＳ Ｐゴシック" pitchFamily="-104" charset="-128"/>
+              </a:rPr>
+              <a:t>prez</a:t>
+            </a:r>
+            <a:endParaRPr lang="fr-FR" sz="1600" kern="0" dirty="0" smtClean="0">
+              <a:solidFill>
+                <a:srgbClr val="4C4C4C"/>
+              </a:solidFill>
+              <a:ea typeface="ＭＳ Ｐゴシック" pitchFamily="-104" charset="-128"/>
+            </a:endParaRPr>
+          </a:p>
+          <a:p>
+            <a:pPr marL="800100" lvl="1" indent="-342900" fontAlgn="base">
+              <a:spcBef>
+                <a:spcPct val="20000"/>
+              </a:spcBef>
+              <a:spcAft>
+                <a:spcPct val="0"/>
+              </a:spcAft>
+              <a:buClr>
+                <a:srgbClr val="002D60"/>
+              </a:buClr>
+              <a:buSzPct val="100000"/>
+              <a:buFontTx/>
+              <a:buBlip>
+                <a:blip r:embed="rId3"/>
+              </a:buBlip>
+            </a:pPr>
+            <a:endParaRPr kumimoji="0" lang="fr-FR" sz="1600" b="0" i="0" u="none" strike="noStrike" kern="0" cap="none" spc="0" normalizeH="0" noProof="0" dirty="0" smtClean="0">
+              <a:ln>
+                <a:noFill/>
+              </a:ln>
+              <a:solidFill>
+                <a:srgbClr val="4C4C4C"/>
+              </a:solidFill>
+              <a:effectLst/>
+              <a:uLnTx/>
+              <a:uFillTx/>
+              <a:latin typeface="+mn-lt"/>
+              <a:ea typeface="ＭＳ Ｐゴシック" pitchFamily="-104" charset="-128"/>
+            </a:endParaRPr>
+          </a:p>
+          <a:p>
+            <a:endParaRPr lang="fr-FR" dirty="0" smtClean="0"/>
+          </a:p>
+          <a:p>
             <a:endParaRPr lang="fr-FR" dirty="0"/>
           </a:p>
         </p:txBody>
@@ -15731,7 +14327,7 @@
               <a:pPr>
                 <a:defRPr/>
               </a:pPr>
-              <a:t>27</a:t>
+              <a:t>20</a:t>
             </a:fld>
             <a:endParaRPr lang="fr-FR"/>
           </a:p>
@@ -15740,7 +14336,7 @@
     </p:spTree>
     <p:extLst>
       <p:ext uri="{BB962C8B-B14F-4D97-AF65-F5344CB8AC3E}">
-        <p14:creationId xmlns:p14="http://schemas.microsoft.com/office/powerpoint/2010/main" val="1204883654"/>
+        <p14:creationId xmlns:p14="http://schemas.microsoft.com/office/powerpoint/2010/main" val="915939337"/>
       </p:ext>
     </p:extLst>
   </p:cSld>
@@ -15791,18 +14387,20 @@
         </p:nvSpPr>
         <p:spPr/>
         <p:txBody>
-          <a:bodyPr>
-            <a:normAutofit/>
-          </a:bodyPr>
+          <a:bodyPr/>
           <a:lstStyle/>
           <a:p>
             <a:r>
+              <a:rPr lang="fr-FR" dirty="0" smtClean="0"/>
+              <a:t>Une </a:t>
+            </a:r>
+            <a:r>
               <a:rPr lang="fr-FR" dirty="0" err="1" smtClean="0"/>
-              <a:t>Slide</a:t>
+              <a:t>applicatino</a:t>
             </a:r>
             <a:r>
               <a:rPr lang="fr-FR" dirty="0" smtClean="0"/>
-              <a:t> 13 : Dire que c'est la nomenclature qu'OCTO utilise.</a:t>
+              <a:t> à l’état de l’art mais beaucoup trop lente !</a:t>
             </a:r>
             <a:endParaRPr lang="fr-FR" dirty="0"/>
           </a:p>
@@ -15823,10 +14421,15 @@
           <a:bodyPr/>
           <a:lstStyle/>
           <a:p>
-            <a:fld id="{BFEBECEB-CCF1-413B-AAA5-7969BDFE1205}" type="slidenum">
+            <a:pPr>
+              <a:defRPr/>
+            </a:pPr>
+            <a:fld id="{68CC13ED-B5D7-254A-B8C5-6B7F27BAA1B2}" type="slidenum">
               <a:rPr lang="fr-FR" smtClean="0"/>
-              <a:pPr/>
-              <a:t>32</a:t>
+              <a:pPr>
+                <a:defRPr/>
+              </a:pPr>
+              <a:t>21</a:t>
             </a:fld>
             <a:endParaRPr lang="fr-FR"/>
           </a:p>
@@ -15835,7 +14438,7 @@
     </p:spTree>
     <p:extLst>
       <p:ext uri="{BB962C8B-B14F-4D97-AF65-F5344CB8AC3E}">
-        <p14:creationId xmlns:p14="http://schemas.microsoft.com/office/powerpoint/2010/main" val="3300650879"/>
+        <p14:creationId xmlns:p14="http://schemas.microsoft.com/office/powerpoint/2010/main" val="481082485"/>
       </p:ext>
     </p:extLst>
   </p:cSld>
@@ -15886,16 +14489,18 @@
         </p:nvSpPr>
         <p:spPr/>
         <p:txBody>
-          <a:bodyPr/>
+          <a:bodyPr>
+            <a:normAutofit/>
+          </a:bodyPr>
           <a:lstStyle/>
           <a:p>
             <a:r>
+              <a:rPr lang="fr-FR" dirty="0" err="1" smtClean="0"/>
+              <a:t>Slide</a:t>
+            </a:r>
+            <a:r>
               <a:rPr lang="fr-FR" dirty="0" smtClean="0"/>
-              <a:t>Montrer </a:t>
-            </a:r>
-            <a:r>
-              <a:rPr lang="fr-FR" dirty="0" err="1" smtClean="0"/>
-              <a:t>Benerator</a:t>
+              <a:t> 13 : Dire que c'est la nomenclature qu'OCTO utilise.</a:t>
             </a:r>
             <a:endParaRPr lang="fr-FR" dirty="0"/>
           </a:p>
@@ -15916,15 +14521,10 @@
           <a:bodyPr/>
           <a:lstStyle/>
           <a:p>
-            <a:pPr>
-              <a:defRPr/>
-            </a:pPr>
-            <a:fld id="{68CC13ED-B5D7-254A-B8C5-6B7F27BAA1B2}" type="slidenum">
+            <a:fld id="{BFEBECEB-CCF1-413B-AAA5-7969BDFE1205}" type="slidenum">
               <a:rPr lang="fr-FR" smtClean="0"/>
-              <a:pPr>
-                <a:defRPr/>
-              </a:pPr>
-              <a:t>34</a:t>
+              <a:pPr/>
+              <a:t>26</a:t>
             </a:fld>
             <a:endParaRPr lang="fr-FR"/>
           </a:p>
@@ -15933,7 +14533,7 @@
     </p:spTree>
     <p:extLst>
       <p:ext uri="{BB962C8B-B14F-4D97-AF65-F5344CB8AC3E}">
-        <p14:creationId xmlns:p14="http://schemas.microsoft.com/office/powerpoint/2010/main" val="2634673615"/>
+        <p14:creationId xmlns:p14="http://schemas.microsoft.com/office/powerpoint/2010/main" val="3670392540"/>
       </p:ext>
     </p:extLst>
   </p:cSld>
@@ -15962,7 +14562,7 @@
       </p:grpSpPr>
       <p:sp>
         <p:nvSpPr>
-          <p:cNvPr id="2" name="Slide Image Placeholder 1"/>
+          <p:cNvPr id="2" name="Espace réservé de l'image des diapositives 1"/>
           <p:cNvSpPr>
             <a:spLocks noGrp="1" noRot="1" noChangeAspect="1"/>
           </p:cNvSpPr>
@@ -15974,7 +14574,7 @@
       </p:sp>
       <p:sp>
         <p:nvSpPr>
-          <p:cNvPr id="3" name="Notes Placeholder 2"/>
+          <p:cNvPr id="3" name="Espace réservé des commentaires 2"/>
           <p:cNvSpPr>
             <a:spLocks noGrp="1"/>
           </p:cNvSpPr>
@@ -15987,44 +14587,21 @@
           <a:bodyPr/>
           <a:lstStyle/>
           <a:p>
-            <a:pPr marL="0" marR="0" indent="0" algn="l" defTabSz="914400" rtl="0" eaLnBrk="0" fontAlgn="base" latinLnBrk="0" hangingPunct="0">
-              <a:lnSpc>
-                <a:spcPct val="100000"/>
-              </a:lnSpc>
-              <a:spcBef>
-                <a:spcPct val="30000"/>
-              </a:spcBef>
-              <a:spcAft>
-                <a:spcPct val="0"/>
-              </a:spcAft>
-              <a:buClrTx/>
-              <a:buSzTx/>
-              <a:buFontTx/>
-              <a:buNone/>
-              <a:tabLst/>
-              <a:defRPr/>
-            </a:pPr>
-            <a:r>
-              <a:rPr lang="en-US" dirty="0" smtClean="0"/>
-              <a:t>Contention </a:t>
-            </a:r>
-            <a:r>
-              <a:rPr lang="en-US" dirty="0" err="1" smtClean="0"/>
-              <a:t>sur</a:t>
-            </a:r>
-            <a:r>
-              <a:rPr lang="en-US" dirty="0" smtClean="0"/>
-              <a:t> le stat filter</a:t>
-            </a:r>
-          </a:p>
-          <a:p>
-            <a:endParaRPr lang="en-US" dirty="0"/>
+            <a:r>
+              <a:rPr lang="fr-FR" dirty="0" smtClean="0"/>
+              <a:t>Utiliser un client</a:t>
+            </a:r>
+            <a:r>
+              <a:rPr lang="fr-FR" baseline="0" dirty="0" smtClean="0"/>
+              <a:t> REST comme REST client</a:t>
+            </a:r>
+            <a:endParaRPr lang="fr-FR" dirty="0"/>
           </a:p>
         </p:txBody>
       </p:sp>
       <p:sp>
         <p:nvSpPr>
-          <p:cNvPr id="4" name="Slide Number Placeholder 3"/>
+          <p:cNvPr id="4" name="Espace réservé du numéro de diapositive 3"/>
           <p:cNvSpPr>
             <a:spLocks noGrp="1"/>
           </p:cNvSpPr>
@@ -16045,7 +14622,7 @@
               <a:pPr>
                 <a:defRPr/>
               </a:pPr>
-              <a:t>38</a:t>
+              <a:t>27</a:t>
             </a:fld>
             <a:endParaRPr lang="fr-FR"/>
           </a:p>
@@ -16054,7 +14631,7 @@
     </p:spTree>
     <p:extLst>
       <p:ext uri="{BB962C8B-B14F-4D97-AF65-F5344CB8AC3E}">
-        <p14:creationId xmlns:p14="http://schemas.microsoft.com/office/powerpoint/2010/main" val="1759517508"/>
+        <p14:creationId xmlns:p14="http://schemas.microsoft.com/office/powerpoint/2010/main" val="1204883654"/>
       </p:ext>
     </p:extLst>
   </p:cSld>
@@ -16083,7 +14660,7 @@
       </p:grpSpPr>
       <p:sp>
         <p:nvSpPr>
-          <p:cNvPr id="2" name="Slide Image Placeholder 1"/>
+          <p:cNvPr id="2" name="Espace réservé de l'image des diapositives 1"/>
           <p:cNvSpPr>
             <a:spLocks noGrp="1" noRot="1" noChangeAspect="1"/>
           </p:cNvSpPr>
@@ -16095,7 +14672,7 @@
       </p:sp>
       <p:sp>
         <p:nvSpPr>
-          <p:cNvPr id="3" name="Notes Placeholder 2"/>
+          <p:cNvPr id="3" name="Espace réservé des commentaires 2"/>
           <p:cNvSpPr>
             <a:spLocks noGrp="1"/>
           </p:cNvSpPr>
@@ -16105,51 +14682,26 @@
         </p:nvSpPr>
         <p:spPr/>
         <p:txBody>
-          <a:bodyPr/>
+          <a:bodyPr>
+            <a:normAutofit/>
+          </a:bodyPr>
           <a:lstStyle/>
           <a:p>
             <a:r>
-              <a:rPr lang="fr-CA" dirty="0" smtClean="0"/>
-              <a:t>02- L’optimisation prématurée est la source du mal (tout à commencé par ça)</a:t>
-            </a:r>
-          </a:p>
-          <a:p>
-            <a:endParaRPr lang="fr-CA" baseline="0" dirty="0" smtClean="0"/>
-          </a:p>
-          <a:p>
-            <a:r>
-              <a:rPr lang="fr-CA" baseline="0" dirty="0" smtClean="0"/>
-              <a:t>Henri:</a:t>
-            </a:r>
-          </a:p>
-          <a:p>
-            <a:r>
-              <a:rPr lang="fr-CA" baseline="0" dirty="0" smtClean="0"/>
-              <a:t>C’est là où tout à commencé. On l’apprend très tôt à l’école, ne pas optimisé prématurément, ça sert à rien et souvent c’est pire.</a:t>
-            </a:r>
-          </a:p>
-          <a:p>
-            <a:endParaRPr lang="fr-CA" baseline="0" dirty="0" smtClean="0"/>
-          </a:p>
-          <a:p>
-            <a:r>
-              <a:rPr lang="fr-CA" baseline="0" dirty="0" smtClean="0"/>
-              <a:t>Les problèmes c’est qu’en disant ça, </a:t>
-            </a:r>
-            <a:r>
-              <a:rPr lang="fr-CA" baseline="0" dirty="0" err="1" smtClean="0"/>
-              <a:t>Knuth</a:t>
-            </a:r>
-            <a:r>
-              <a:rPr lang="fr-CA" baseline="0" dirty="0" smtClean="0"/>
-              <a:t> pensait à ça</a:t>
-            </a:r>
+              <a:rPr lang="fr-FR" dirty="0" err="1" smtClean="0"/>
+              <a:t>Slide</a:t>
+            </a:r>
+            <a:r>
+              <a:rPr lang="fr-FR" dirty="0" smtClean="0"/>
+              <a:t> 13 : Dire que c'est la nomenclature qu'OCTO utilise.</a:t>
+            </a:r>
+            <a:endParaRPr lang="fr-FR" dirty="0"/>
           </a:p>
         </p:txBody>
       </p:sp>
       <p:sp>
         <p:nvSpPr>
-          <p:cNvPr id="4" name="Slide Number Placeholder 3"/>
+          <p:cNvPr id="4" name="Espace réservé du numéro de diapositive 3"/>
           <p:cNvSpPr>
             <a:spLocks noGrp="1"/>
           </p:cNvSpPr>
@@ -16162,10 +14714,10 @@
           <a:bodyPr/>
           <a:lstStyle/>
           <a:p>
-            <a:fld id="{8A496BEC-0B9D-4342-8B4A-733FD4CFA797}" type="slidenum">
+            <a:fld id="{BFEBECEB-CCF1-413B-AAA5-7969BDFE1205}" type="slidenum">
               <a:rPr lang="fr-FR" smtClean="0"/>
               <a:pPr/>
-              <a:t>39</a:t>
+              <a:t>32</a:t>
             </a:fld>
             <a:endParaRPr lang="fr-FR"/>
           </a:p>
@@ -16174,7 +14726,7 @@
     </p:spTree>
     <p:extLst>
       <p:ext uri="{BB962C8B-B14F-4D97-AF65-F5344CB8AC3E}">
-        <p14:creationId xmlns:p14="http://schemas.microsoft.com/office/powerpoint/2010/main" val="3720654721"/>
+        <p14:creationId xmlns:p14="http://schemas.microsoft.com/office/powerpoint/2010/main" val="3300650879"/>
       </p:ext>
     </p:extLst>
   </p:cSld>
@@ -16203,7 +14755,7 @@
       </p:grpSpPr>
       <p:sp>
         <p:nvSpPr>
-          <p:cNvPr id="2" name="Slide Image Placeholder 1"/>
+          <p:cNvPr id="2" name="Espace réservé de l'image des diapositives 1"/>
           <p:cNvSpPr>
             <a:spLocks noGrp="1" noRot="1" noChangeAspect="1"/>
           </p:cNvSpPr>
@@ -16215,7 +14767,7 @@
       </p:sp>
       <p:sp>
         <p:nvSpPr>
-          <p:cNvPr id="3" name="Notes Placeholder 2"/>
+          <p:cNvPr id="3" name="Espace réservé des commentaires 2"/>
           <p:cNvSpPr>
             <a:spLocks noGrp="1"/>
           </p:cNvSpPr>
@@ -16229,47 +14781,20 @@
           <a:lstStyle/>
           <a:p>
             <a:r>
-              <a:rPr lang="fr-CA" baseline="0" dirty="0" smtClean="0"/>
-              <a:t>03- Code </a:t>
-            </a:r>
-            <a:r>
-              <a:rPr lang="fr-CA" baseline="0" dirty="0" err="1" smtClean="0"/>
-              <a:t>early</a:t>
-            </a:r>
-            <a:r>
-              <a:rPr lang="fr-CA" baseline="0" dirty="0" smtClean="0"/>
-              <a:t> optimisé pour rien (en fait c'était pour ça)</a:t>
-            </a:r>
-          </a:p>
-          <a:p>
-            <a:endParaRPr lang="fr-CA" baseline="0" dirty="0" smtClean="0"/>
-          </a:p>
-          <a:p>
-            <a:r>
-              <a:rPr lang="fr-CA" baseline="0" dirty="0" smtClean="0"/>
-              <a:t>Henri:</a:t>
-            </a:r>
-          </a:p>
-          <a:p>
-            <a:r>
-              <a:rPr lang="fr-CA" baseline="0" dirty="0" smtClean="0"/>
-              <a:t>C’est-à-dire faire une niaiserie qui sert à rien, mélange le compilateur, complique le code et ne sert à rien du tout.</a:t>
-            </a:r>
-          </a:p>
-          <a:p>
-            <a:endParaRPr lang="fr-CA" baseline="0" dirty="0" smtClean="0"/>
-          </a:p>
-          <a:p>
-            <a:r>
-              <a:rPr lang="fr-CA" baseline="0" dirty="0" smtClean="0"/>
-              <a:t>Reprenons du début et voyons comment se déroule un projet</a:t>
-            </a:r>
+              <a:rPr lang="fr-FR" dirty="0" smtClean="0"/>
+              <a:t>Montrer </a:t>
+            </a:r>
+            <a:r>
+              <a:rPr lang="fr-FR" dirty="0" err="1" smtClean="0"/>
+              <a:t>Benerator</a:t>
+            </a:r>
+            <a:endParaRPr lang="fr-FR" dirty="0"/>
           </a:p>
         </p:txBody>
       </p:sp>
       <p:sp>
         <p:nvSpPr>
-          <p:cNvPr id="4" name="Slide Number Placeholder 3"/>
+          <p:cNvPr id="4" name="Espace réservé du numéro de diapositive 3"/>
           <p:cNvSpPr>
             <a:spLocks noGrp="1"/>
           </p:cNvSpPr>
@@ -16282,10 +14807,15 @@
           <a:bodyPr/>
           <a:lstStyle/>
           <a:p>
-            <a:fld id="{8A496BEC-0B9D-4342-8B4A-733FD4CFA797}" type="slidenum">
+            <a:pPr>
+              <a:defRPr/>
+            </a:pPr>
+            <a:fld id="{68CC13ED-B5D7-254A-B8C5-6B7F27BAA1B2}" type="slidenum">
               <a:rPr lang="fr-FR" smtClean="0"/>
-              <a:pPr/>
-              <a:t>40</a:t>
+              <a:pPr>
+                <a:defRPr/>
+              </a:pPr>
+              <a:t>34</a:t>
             </a:fld>
             <a:endParaRPr lang="fr-FR"/>
           </a:p>
@@ -16294,7 +14824,7 @@
     </p:spTree>
     <p:extLst>
       <p:ext uri="{BB962C8B-B14F-4D97-AF65-F5344CB8AC3E}">
-        <p14:creationId xmlns:p14="http://schemas.microsoft.com/office/powerpoint/2010/main" val="3720654721"/>
+        <p14:creationId xmlns:p14="http://schemas.microsoft.com/office/powerpoint/2010/main" val="2634673615"/>
       </p:ext>
     </p:extLst>
   </p:cSld>
@@ -16348,50 +14878,38 @@
           <a:bodyPr/>
           <a:lstStyle/>
           <a:p>
-            <a:r>
-              <a:rPr lang="fr-CA" baseline="0" dirty="0" smtClean="0"/>
-              <a:t>03- Code </a:t>
-            </a:r>
-            <a:r>
-              <a:rPr lang="fr-CA" baseline="0" dirty="0" err="1" smtClean="0"/>
-              <a:t>early</a:t>
-            </a:r>
-            <a:r>
-              <a:rPr lang="fr-CA" baseline="0" dirty="0" smtClean="0"/>
-              <a:t> optimisé pour rien (en fait c'était pour ça)</a:t>
-            </a:r>
-          </a:p>
-          <a:p>
-            <a:endParaRPr lang="fr-CA" baseline="0" dirty="0" smtClean="0"/>
-          </a:p>
-          <a:p>
-            <a:r>
-              <a:rPr lang="fr-CA" baseline="0" dirty="0" smtClean="0"/>
-              <a:t>Henri:</a:t>
-            </a:r>
-          </a:p>
-          <a:p>
-            <a:r>
-              <a:rPr lang="fr-CA" baseline="0" dirty="0" smtClean="0"/>
-              <a:t>Là où il faut écouter </a:t>
-            </a:r>
-            <a:r>
-              <a:rPr lang="fr-CA" baseline="0" dirty="0" err="1" smtClean="0"/>
-              <a:t>Knuth</a:t>
-            </a:r>
-            <a:r>
-              <a:rPr lang="fr-CA" baseline="0" dirty="0" smtClean="0"/>
-              <a:t>, c’est qu’en pratique, on code, on mesure et on optimise là où c’est important</a:t>
-            </a:r>
-          </a:p>
-          <a:p>
-            <a:endParaRPr lang="fr-CA" baseline="0" dirty="0" smtClean="0"/>
-          </a:p>
-          <a:p>
-            <a:r>
-              <a:rPr lang="fr-CA" baseline="0" dirty="0" smtClean="0"/>
-              <a:t>Mais reprenons du début</a:t>
-            </a:r>
+            <a:pPr marL="0" marR="0" indent="0" algn="l" defTabSz="914400" rtl="0" eaLnBrk="0" fontAlgn="base" latinLnBrk="0" hangingPunct="0">
+              <a:lnSpc>
+                <a:spcPct val="100000"/>
+              </a:lnSpc>
+              <a:spcBef>
+                <a:spcPct val="30000"/>
+              </a:spcBef>
+              <a:spcAft>
+                <a:spcPct val="0"/>
+              </a:spcAft>
+              <a:buClrTx/>
+              <a:buSzTx/>
+              <a:buFontTx/>
+              <a:buNone/>
+              <a:tabLst/>
+              <a:defRPr/>
+            </a:pPr>
+            <a:r>
+              <a:rPr lang="en-US" dirty="0" smtClean="0"/>
+              <a:t>Contention </a:t>
+            </a:r>
+            <a:r>
+              <a:rPr lang="en-US" dirty="0" err="1" smtClean="0"/>
+              <a:t>sur</a:t>
+            </a:r>
+            <a:r>
+              <a:rPr lang="en-US" dirty="0" smtClean="0"/>
+              <a:t> le stat filter</a:t>
+            </a:r>
+          </a:p>
+          <a:p>
+            <a:endParaRPr lang="en-US" dirty="0"/>
           </a:p>
         </p:txBody>
       </p:sp>
@@ -16410,10 +14928,15 @@
           <a:bodyPr/>
           <a:lstStyle/>
           <a:p>
-            <a:fld id="{8A496BEC-0B9D-4342-8B4A-733FD4CFA797}" type="slidenum">
+            <a:pPr>
+              <a:defRPr/>
+            </a:pPr>
+            <a:fld id="{68CC13ED-B5D7-254A-B8C5-6B7F27BAA1B2}" type="slidenum">
               <a:rPr lang="fr-FR" smtClean="0"/>
-              <a:pPr/>
-              <a:t>41</a:t>
+              <a:pPr>
+                <a:defRPr/>
+              </a:pPr>
+              <a:t>38</a:t>
             </a:fld>
             <a:endParaRPr lang="fr-FR"/>
           </a:p>
@@ -16422,7 +14945,7 @@
     </p:spTree>
     <p:extLst>
       <p:ext uri="{BB962C8B-B14F-4D97-AF65-F5344CB8AC3E}">
-        <p14:creationId xmlns:p14="http://schemas.microsoft.com/office/powerpoint/2010/main" val="3720654721"/>
+        <p14:creationId xmlns:p14="http://schemas.microsoft.com/office/powerpoint/2010/main" val="1759517508"/>
       </p:ext>
     </p:extLst>
   </p:cSld>
@@ -16476,7 +14999,19 @@
           <a:bodyPr/>
           <a:lstStyle/>
           <a:p>
-            <a:endParaRPr lang="fr-FR" dirty="0"/>
+            <a:r>
+              <a:rPr lang="en-US" dirty="0" err="1" smtClean="0"/>
+              <a:t>Suivi</a:t>
+            </a:r>
+            <a:r>
+              <a:rPr lang="en-US" dirty="0" smtClean="0"/>
+              <a:t> </a:t>
+            </a:r>
+            <a:r>
+              <a:rPr lang="en-US" smtClean="0"/>
+              <a:t>de performance</a:t>
+            </a:r>
+            <a:endParaRPr lang="en-US"/>
           </a:p>
         </p:txBody>
       </p:sp>
@@ -16503,7 +15038,7 @@
               <a:pPr>
                 <a:defRPr/>
               </a:pPr>
-              <a:t>11</a:t>
+              <a:t>5</a:t>
             </a:fld>
             <a:endParaRPr lang="fr-FR"/>
           </a:p>
@@ -16512,7 +15047,7 @@
     </p:spTree>
     <p:extLst>
       <p:ext uri="{BB962C8B-B14F-4D97-AF65-F5344CB8AC3E}">
-        <p14:creationId xmlns:p14="http://schemas.microsoft.com/office/powerpoint/2010/main" val="1335659448"/>
+        <p14:creationId xmlns:p14="http://schemas.microsoft.com/office/powerpoint/2010/main" val="3106660944"/>
       </p:ext>
     </p:extLst>
   </p:cSld>
@@ -16541,7 +15076,7 @@
       </p:grpSpPr>
       <p:sp>
         <p:nvSpPr>
-          <p:cNvPr id="2" name="Espace réservé de l'image des diapositives 1"/>
+          <p:cNvPr id="2" name="Slide Image Placeholder 1"/>
           <p:cNvSpPr>
             <a:spLocks noGrp="1" noRot="1" noChangeAspect="1"/>
           </p:cNvSpPr>
@@ -16553,7 +15088,7 @@
       </p:sp>
       <p:sp>
         <p:nvSpPr>
-          <p:cNvPr id="3" name="Espace réservé des commentaires 2"/>
+          <p:cNvPr id="3" name="Notes Placeholder 2"/>
           <p:cNvSpPr>
             <a:spLocks noGrp="1"/>
           </p:cNvSpPr>
@@ -16567,73 +15102,47 @@
           <a:lstStyle/>
           <a:p>
             <a:r>
-              <a:rPr lang="fr-FR" dirty="0" smtClean="0"/>
-              <a:t>04- Archi, tunnel, tests de perf, </a:t>
-            </a:r>
-            <a:r>
-              <a:rPr lang="fr-FR" dirty="0" err="1" smtClean="0"/>
-              <a:t>prod</a:t>
-            </a:r>
-            <a:r>
-              <a:rPr lang="fr-FR" dirty="0" smtClean="0"/>
-              <a:t> (donc on a fait ça)</a:t>
-            </a:r>
-          </a:p>
-          <a:p>
-            <a:endParaRPr lang="fr-FR" dirty="0" smtClean="0"/>
-          </a:p>
-          <a:p>
-            <a:r>
-              <a:rPr lang="fr-FR" dirty="0" smtClean="0"/>
+              <a:rPr lang="fr-CA" dirty="0" smtClean="0"/>
+              <a:t>02- L’optimisation prématurée est la source du mal (tout à commencé par ça)</a:t>
+            </a:r>
+          </a:p>
+          <a:p>
+            <a:endParaRPr lang="fr-CA" baseline="0" dirty="0" smtClean="0"/>
+          </a:p>
+          <a:p>
+            <a:r>
+              <a:rPr lang="fr-CA" baseline="0" dirty="0" smtClean="0"/>
               <a:t>Henri:</a:t>
             </a:r>
           </a:p>
           <a:p>
             <a:r>
-              <a:rPr lang="fr-FR" dirty="0" smtClean="0"/>
-              <a:t>Traditionnellement</a:t>
-            </a:r>
-            <a:r>
-              <a:rPr lang="fr-FR" baseline="0" dirty="0" smtClean="0"/>
-              <a:t>, a</a:t>
-            </a:r>
-            <a:r>
-              <a:rPr lang="fr-FR" dirty="0" smtClean="0"/>
-              <a:t>u début du projet on fait une belle archi</a:t>
-            </a:r>
-          </a:p>
-          <a:p>
-            <a:endParaRPr lang="fr-FR" dirty="0" smtClean="0"/>
-          </a:p>
-          <a:p>
-            <a:r>
-              <a:rPr lang="fr-FR" dirty="0" smtClean="0"/>
-              <a:t>Ensuite on se lance dans un tunnel de développement</a:t>
-            </a:r>
-          </a:p>
-          <a:p>
-            <a:endParaRPr lang="fr-FR" dirty="0" smtClean="0"/>
-          </a:p>
-          <a:p>
-            <a:r>
-              <a:rPr lang="fr-FR" dirty="0" smtClean="0"/>
-              <a:t>Quand on</a:t>
-            </a:r>
-            <a:r>
-              <a:rPr lang="fr-FR" baseline="0" dirty="0" smtClean="0"/>
-              <a:t> a fini on fait des tirs de perf et à la fin on va en </a:t>
-            </a:r>
-            <a:r>
-              <a:rPr lang="fr-FR" baseline="0" dirty="0" err="1" smtClean="0"/>
-              <a:t>prod</a:t>
-            </a:r>
-            <a:endParaRPr lang="fr-FR" baseline="0" dirty="0" smtClean="0"/>
+              <a:rPr lang="fr-CA" baseline="0" dirty="0" smtClean="0"/>
+              <a:t>C’est là où tout à commencé. On l’apprend très tôt à l’école, ne pas optimisé prématurément, ça sert à rien et souvent c’est pire.</a:t>
+            </a:r>
+          </a:p>
+          <a:p>
+            <a:endParaRPr lang="fr-CA" baseline="0" dirty="0" smtClean="0"/>
+          </a:p>
+          <a:p>
+            <a:r>
+              <a:rPr lang="fr-CA" baseline="0" dirty="0" smtClean="0"/>
+              <a:t>Les problèmes c’est qu’en disant ça, </a:t>
+            </a:r>
+            <a:r>
+              <a:rPr lang="fr-CA" baseline="0" dirty="0" err="1" smtClean="0"/>
+              <a:t>Knuth</a:t>
+            </a:r>
+            <a:r>
+              <a:rPr lang="fr-CA" baseline="0" dirty="0" smtClean="0"/>
+              <a:t> pensait à ça</a:t>
+            </a:r>
           </a:p>
         </p:txBody>
       </p:sp>
       <p:sp>
         <p:nvSpPr>
-          <p:cNvPr id="4" name="Espace réservé du numéro de diapositive 3"/>
+          <p:cNvPr id="4" name="Slide Number Placeholder 3"/>
           <p:cNvSpPr>
             <a:spLocks noGrp="1"/>
           </p:cNvSpPr>
@@ -16649,7 +15158,7 @@
             <a:fld id="{8A496BEC-0B9D-4342-8B4A-733FD4CFA797}" type="slidenum">
               <a:rPr lang="fr-FR" smtClean="0"/>
               <a:pPr/>
-              <a:t>42</a:t>
+              <a:t>39</a:t>
             </a:fld>
             <a:endParaRPr lang="fr-FR"/>
           </a:p>
@@ -16658,7 +15167,7 @@
     </p:spTree>
     <p:extLst>
       <p:ext uri="{BB962C8B-B14F-4D97-AF65-F5344CB8AC3E}">
-        <p14:creationId xmlns:p14="http://schemas.microsoft.com/office/powerpoint/2010/main" val="3101118754"/>
+        <p14:creationId xmlns:p14="http://schemas.microsoft.com/office/powerpoint/2010/main" val="3720654721"/>
       </p:ext>
     </p:extLst>
   </p:cSld>
@@ -16687,7 +15196,7 @@
       </p:grpSpPr>
       <p:sp>
         <p:nvSpPr>
-          <p:cNvPr id="2" name="Espace réservé de l'image des diapositives 1"/>
+          <p:cNvPr id="2" name="Slide Image Placeholder 1"/>
           <p:cNvSpPr>
             <a:spLocks noGrp="1" noRot="1" noChangeAspect="1"/>
           </p:cNvSpPr>
@@ -16699,7 +15208,7 @@
       </p:sp>
       <p:sp>
         <p:nvSpPr>
-          <p:cNvPr id="3" name="Espace réservé des commentaires 2"/>
+          <p:cNvPr id="3" name="Notes Placeholder 2"/>
           <p:cNvSpPr>
             <a:spLocks noGrp="1"/>
           </p:cNvSpPr>
@@ -16712,74 +15221,48 @@
           <a:bodyPr/>
           <a:lstStyle/>
           <a:p>
-            <a:pPr marL="0" marR="0" indent="0" algn="l" defTabSz="914400" rtl="0" eaLnBrk="1" fontAlgn="auto" latinLnBrk="0" hangingPunct="1">
-              <a:lnSpc>
-                <a:spcPct val="100000"/>
-              </a:lnSpc>
-              <a:spcBef>
-                <a:spcPts val="0"/>
-              </a:spcBef>
-              <a:spcAft>
-                <a:spcPts val="0"/>
-              </a:spcAft>
-              <a:buClrTx/>
-              <a:buSzTx/>
-              <a:buFontTx/>
-              <a:buNone/>
-              <a:tabLst/>
-              <a:defRPr/>
-            </a:pPr>
-            <a:r>
-              <a:rPr lang="fr-FR" dirty="0" smtClean="0"/>
-              <a:t>05- Archi, tunnel avec un cycle agile dedans, tests de perf, </a:t>
-            </a:r>
-            <a:r>
-              <a:rPr lang="fr-FR" dirty="0" err="1" smtClean="0"/>
-              <a:t>prod</a:t>
-            </a:r>
-            <a:r>
-              <a:rPr lang="fr-FR" dirty="0" smtClean="0"/>
-              <a:t> (on a raffiné comme ça mais on a oublié les tests de perf)</a:t>
-            </a:r>
-          </a:p>
-          <a:p>
-            <a:endParaRPr lang="fr-FR" dirty="0" smtClean="0"/>
-          </a:p>
-          <a:p>
-            <a:r>
-              <a:rPr lang="fr-FR" dirty="0" smtClean="0"/>
+            <a:r>
+              <a:rPr lang="fr-CA" baseline="0" dirty="0" smtClean="0"/>
+              <a:t>03- Code </a:t>
+            </a:r>
+            <a:r>
+              <a:rPr lang="fr-CA" baseline="0" dirty="0" err="1" smtClean="0"/>
+              <a:t>early</a:t>
+            </a:r>
+            <a:r>
+              <a:rPr lang="fr-CA" baseline="0" dirty="0" smtClean="0"/>
+              <a:t> optimisé pour rien (en fait c'était pour ça)</a:t>
+            </a:r>
+          </a:p>
+          <a:p>
+            <a:endParaRPr lang="fr-CA" baseline="0" dirty="0" smtClean="0"/>
+          </a:p>
+          <a:p>
+            <a:r>
+              <a:rPr lang="fr-CA" baseline="0" dirty="0" smtClean="0"/>
               <a:t>Henri:</a:t>
             </a:r>
           </a:p>
           <a:p>
             <a:r>
-              <a:rPr lang="fr-FR" dirty="0" smtClean="0"/>
-              <a:t>Ensuite,</a:t>
-            </a:r>
-            <a:r>
-              <a:rPr lang="fr-FR" baseline="0" dirty="0" smtClean="0"/>
-              <a:t> on s’est dit que ça allait pas le tunnel. Il vaut mieux faire des itérations de développement pour avoir un feedback plus rapide</a:t>
-            </a:r>
-          </a:p>
-          <a:p>
-            <a:endParaRPr lang="fr-FR" baseline="0" dirty="0" smtClean="0"/>
-          </a:p>
-          <a:p>
-            <a:r>
-              <a:rPr lang="fr-FR" baseline="0" dirty="0" smtClean="0"/>
-              <a:t>Donc on fait ça… et à la fin on fait des tirs de perf et on va en </a:t>
-            </a:r>
-            <a:r>
-              <a:rPr lang="fr-FR" baseline="0" dirty="0" err="1" smtClean="0"/>
-              <a:t>prod</a:t>
-            </a:r>
-            <a:endParaRPr lang="fr-FR" dirty="0"/>
+              <a:rPr lang="fr-CA" baseline="0" dirty="0" smtClean="0"/>
+              <a:t>C’est-à-dire faire une niaiserie qui sert à rien, mélange le compilateur, complique le code et ne sert à rien du tout.</a:t>
+            </a:r>
+          </a:p>
+          <a:p>
+            <a:endParaRPr lang="fr-CA" baseline="0" dirty="0" smtClean="0"/>
+          </a:p>
+          <a:p>
+            <a:r>
+              <a:rPr lang="fr-CA" baseline="0" dirty="0" smtClean="0"/>
+              <a:t>Reprenons du début et voyons comment se déroule un projet</a:t>
+            </a:r>
           </a:p>
         </p:txBody>
       </p:sp>
       <p:sp>
         <p:nvSpPr>
-          <p:cNvPr id="4" name="Espace réservé du numéro de diapositive 3"/>
+          <p:cNvPr id="4" name="Slide Number Placeholder 3"/>
           <p:cNvSpPr>
             <a:spLocks noGrp="1"/>
           </p:cNvSpPr>
@@ -16795,7 +15278,7 @@
             <a:fld id="{8A496BEC-0B9D-4342-8B4A-733FD4CFA797}" type="slidenum">
               <a:rPr lang="fr-FR" smtClean="0"/>
               <a:pPr/>
-              <a:t>43</a:t>
+              <a:t>40</a:t>
             </a:fld>
             <a:endParaRPr lang="fr-FR"/>
           </a:p>
@@ -16804,7 +15287,7 @@
     </p:spTree>
     <p:extLst>
       <p:ext uri="{BB962C8B-B14F-4D97-AF65-F5344CB8AC3E}">
-        <p14:creationId xmlns:p14="http://schemas.microsoft.com/office/powerpoint/2010/main" val="3101118754"/>
+        <p14:creationId xmlns:p14="http://schemas.microsoft.com/office/powerpoint/2010/main" val="3720654721"/>
       </p:ext>
     </p:extLst>
   </p:cSld>
@@ -16833,7 +15316,7 @@
       </p:grpSpPr>
       <p:sp>
         <p:nvSpPr>
-          <p:cNvPr id="2" name="Espace réservé de l'image des diapositives 1"/>
+          <p:cNvPr id="2" name="Slide Image Placeholder 1"/>
           <p:cNvSpPr>
             <a:spLocks noGrp="1" noRot="1" noChangeAspect="1"/>
           </p:cNvSpPr>
@@ -16845,7 +15328,7 @@
       </p:sp>
       <p:sp>
         <p:nvSpPr>
-          <p:cNvPr id="3" name="Espace réservé des commentaires 2"/>
+          <p:cNvPr id="3" name="Notes Placeholder 2"/>
           <p:cNvSpPr>
             <a:spLocks noGrp="1"/>
           </p:cNvSpPr>
@@ -16859,86 +15342,55 @@
           <a:lstStyle/>
           <a:p>
             <a:r>
-              <a:rPr lang="fr-FR" dirty="0" smtClean="0"/>
-              <a:t>06- Archi, tunnel, avec un cycle agile dedans, tests de perf, délai de correction à l'arrache des perfs, </a:t>
-            </a:r>
-            <a:r>
-              <a:rPr lang="fr-FR" dirty="0" err="1" smtClean="0"/>
-              <a:t>prod</a:t>
-            </a:r>
-            <a:r>
-              <a:rPr lang="fr-FR" dirty="0" smtClean="0"/>
-              <a:t> (mais en fait c'est ça)</a:t>
-            </a:r>
-          </a:p>
-          <a:p>
-            <a:endParaRPr lang="fr-FR" dirty="0" smtClean="0"/>
-          </a:p>
-          <a:p>
-            <a:r>
-              <a:rPr lang="fr-FR" dirty="0" smtClean="0"/>
+              <a:rPr lang="fr-CA" baseline="0" dirty="0" smtClean="0"/>
+              <a:t>03- Code </a:t>
+            </a:r>
+            <a:r>
+              <a:rPr lang="fr-CA" baseline="0" dirty="0" err="1" smtClean="0"/>
+              <a:t>early</a:t>
+            </a:r>
+            <a:r>
+              <a:rPr lang="fr-CA" baseline="0" dirty="0" smtClean="0"/>
+              <a:t> optimisé pour rien (en fait c'était pour ça)</a:t>
+            </a:r>
+          </a:p>
+          <a:p>
+            <a:endParaRPr lang="fr-CA" baseline="0" dirty="0" smtClean="0"/>
+          </a:p>
+          <a:p>
+            <a:r>
+              <a:rPr lang="fr-CA" baseline="0" dirty="0" smtClean="0"/>
               <a:t>Henri:</a:t>
             </a:r>
           </a:p>
           <a:p>
             <a:r>
-              <a:rPr lang="fr-FR" dirty="0" smtClean="0"/>
-              <a:t>Le problème c’est qu’en fait, ça se passe</a:t>
-            </a:r>
-            <a:r>
-              <a:rPr lang="fr-FR" baseline="0" dirty="0" smtClean="0"/>
-              <a:t> plutôt comme ça:</a:t>
-            </a:r>
-          </a:p>
-          <a:p>
-            <a:endParaRPr lang="fr-FR" baseline="0" dirty="0" smtClean="0"/>
-          </a:p>
-          <a:p>
-            <a:r>
-              <a:rPr lang="fr-FR" baseline="0" dirty="0" smtClean="0"/>
-              <a:t>On fait les tirs de perf</a:t>
-            </a:r>
-          </a:p>
-          <a:p>
-            <a:r>
-              <a:rPr lang="fr-FR" baseline="0" dirty="0" smtClean="0"/>
-              <a:t>Ça tient juste pas la charge</a:t>
-            </a:r>
-          </a:p>
-          <a:p>
-            <a:r>
-              <a:rPr lang="fr-FR" baseline="0" dirty="0" smtClean="0"/>
-              <a:t>On retarde la mise en production</a:t>
-            </a:r>
-          </a:p>
-          <a:p>
-            <a:r>
-              <a:rPr lang="fr-FR" baseline="0" dirty="0" smtClean="0"/>
-              <a:t>On optimise au petit bonheur la chance parce que maintenant que l’appli est fini on a pas trop le choix</a:t>
-            </a:r>
-          </a:p>
-          <a:p>
-            <a:r>
-              <a:rPr lang="fr-FR" baseline="0" dirty="0" smtClean="0"/>
-              <a:t>Et on met en </a:t>
-            </a:r>
-            <a:r>
-              <a:rPr lang="fr-FR" baseline="0" dirty="0" err="1" smtClean="0"/>
-              <a:t>prod</a:t>
-            </a:r>
-            <a:r>
-              <a:rPr lang="fr-FR" baseline="0" dirty="0" smtClean="0"/>
-              <a:t> un truc plus ou moins performant</a:t>
-            </a:r>
-          </a:p>
-          <a:p>
-            <a:endParaRPr lang="fr-FR" dirty="0"/>
+              <a:rPr lang="fr-CA" baseline="0" dirty="0" smtClean="0"/>
+              <a:t>Là où il faut écouter </a:t>
+            </a:r>
+            <a:r>
+              <a:rPr lang="fr-CA" baseline="0" dirty="0" err="1" smtClean="0"/>
+              <a:t>Knuth</a:t>
+            </a:r>
+            <a:r>
+              <a:rPr lang="fr-CA" baseline="0" dirty="0" smtClean="0"/>
+              <a:t>, c’est qu’en pratique, on code, on mesure et on optimise là où c’est important</a:t>
+            </a:r>
+          </a:p>
+          <a:p>
+            <a:endParaRPr lang="fr-CA" baseline="0" dirty="0" smtClean="0"/>
+          </a:p>
+          <a:p>
+            <a:r>
+              <a:rPr lang="fr-CA" baseline="0" dirty="0" smtClean="0"/>
+              <a:t>Mais reprenons du début</a:t>
+            </a:r>
           </a:p>
         </p:txBody>
       </p:sp>
       <p:sp>
         <p:nvSpPr>
-          <p:cNvPr id="4" name="Espace réservé du numéro de diapositive 3"/>
+          <p:cNvPr id="4" name="Slide Number Placeholder 3"/>
           <p:cNvSpPr>
             <a:spLocks noGrp="1"/>
           </p:cNvSpPr>
@@ -16954,7 +15406,7 @@
             <a:fld id="{8A496BEC-0B9D-4342-8B4A-733FD4CFA797}" type="slidenum">
               <a:rPr lang="fr-FR" smtClean="0"/>
               <a:pPr/>
-              <a:t>44</a:t>
+              <a:t>41</a:t>
             </a:fld>
             <a:endParaRPr lang="fr-FR"/>
           </a:p>
@@ -16963,7 +15415,7 @@
     </p:spTree>
     <p:extLst>
       <p:ext uri="{BB962C8B-B14F-4D97-AF65-F5344CB8AC3E}">
-        <p14:creationId xmlns:p14="http://schemas.microsoft.com/office/powerpoint/2010/main" val="3101118754"/>
+        <p14:creationId xmlns:p14="http://schemas.microsoft.com/office/powerpoint/2010/main" val="3720654721"/>
       </p:ext>
     </p:extLst>
   </p:cSld>
@@ -17019,7 +15471,7 @@
           <a:p>
             <a:r>
               <a:rPr lang="fr-FR" dirty="0" smtClean="0"/>
-              <a:t>07- Archi, cycle avec tests de perfs en continue, </a:t>
+              <a:t>04- Archi, tunnel, tests de perf, </a:t>
             </a:r>
             <a:r>
               <a:rPr lang="fr-FR" dirty="0" err="1" smtClean="0"/>
@@ -17027,7 +15479,7 @@
             </a:r>
             <a:r>
               <a:rPr lang="fr-FR" dirty="0" smtClean="0"/>
-              <a:t>, (Mais pourquoi on fait pas ça?)</a:t>
+              <a:t> (donc on a fait ça)</a:t>
             </a:r>
           </a:p>
           <a:p>
@@ -17042,31 +15494,43 @@
           <a:p>
             <a:r>
               <a:rPr lang="fr-FR" dirty="0" smtClean="0"/>
-              <a:t>C’est dommage parce qu’on a eu la</a:t>
+              <a:t>Traditionnellement</a:t>
             </a:r>
             <a:r>
               <a:rPr lang="fr-FR" baseline="0" dirty="0" smtClean="0"/>
-              <a:t> bonne idée de faire des itérations mais pas d’y mettre les tests de perfs</a:t>
-            </a:r>
-          </a:p>
-          <a:p>
+              <a:t>, a</a:t>
+            </a:r>
+            <a:r>
+              <a:rPr lang="fr-FR" dirty="0" smtClean="0"/>
+              <a:t>u début du projet on fait une belle archi</a:t>
+            </a:r>
+          </a:p>
+          <a:p>
+            <a:endParaRPr lang="fr-FR" dirty="0" smtClean="0"/>
+          </a:p>
+          <a:p>
+            <a:r>
+              <a:rPr lang="fr-FR" dirty="0" smtClean="0"/>
+              <a:t>Ensuite on se lance dans un tunnel de développement</a:t>
+            </a:r>
+          </a:p>
+          <a:p>
+            <a:endParaRPr lang="fr-FR" dirty="0" smtClean="0"/>
+          </a:p>
+          <a:p>
+            <a:r>
+              <a:rPr lang="fr-FR" dirty="0" smtClean="0"/>
+              <a:t>Quand on</a:t>
+            </a:r>
+            <a:r>
+              <a:rPr lang="fr-FR" baseline="0" dirty="0" smtClean="0"/>
+              <a:t> a fini on fait des tirs de perf et à la fin on va en </a:t>
+            </a:r>
+            <a:r>
+              <a:rPr lang="fr-FR" baseline="0" dirty="0" err="1" smtClean="0"/>
+              <a:t>prod</a:t>
+            </a:r>
             <a:endParaRPr lang="fr-FR" baseline="0" dirty="0" smtClean="0"/>
-          </a:p>
-          <a:p>
-            <a:r>
-              <a:rPr lang="fr-FR" baseline="0" dirty="0" smtClean="0"/>
-              <a:t>Et pourtant, le feedback, c’est intéressant aussi pour les perfs.</a:t>
-            </a:r>
-          </a:p>
-          <a:p>
-            <a:endParaRPr lang="fr-FR" baseline="0" dirty="0" smtClean="0"/>
-          </a:p>
-          <a:p>
-            <a:r>
-              <a:rPr lang="fr-FR" baseline="0" dirty="0" smtClean="0"/>
-              <a:t>Donc nous on vous dit qu’il faut faire ca.</a:t>
-            </a:r>
-            <a:endParaRPr lang="fr-FR" dirty="0"/>
           </a:p>
         </p:txBody>
       </p:sp>
@@ -17088,7 +15552,7 @@
             <a:fld id="{8A496BEC-0B9D-4342-8B4A-733FD4CFA797}" type="slidenum">
               <a:rPr lang="fr-FR" smtClean="0"/>
               <a:pPr/>
-              <a:t>45</a:t>
+              <a:t>42</a:t>
             </a:fld>
             <a:endParaRPr lang="fr-FR"/>
           </a:p>
@@ -17126,7 +15590,7 @@
       </p:grpSpPr>
       <p:sp>
         <p:nvSpPr>
-          <p:cNvPr id="2" name="Slide Image Placeholder 1"/>
+          <p:cNvPr id="2" name="Espace réservé de l'image des diapositives 1"/>
           <p:cNvSpPr>
             <a:spLocks noGrp="1" noRot="1" noChangeAspect="1"/>
           </p:cNvSpPr>
@@ -17138,7 +15602,7 @@
       </p:sp>
       <p:sp>
         <p:nvSpPr>
-          <p:cNvPr id="3" name="Notes Placeholder 2"/>
+          <p:cNvPr id="3" name="Espace réservé des commentaires 2"/>
           <p:cNvSpPr>
             <a:spLocks noGrp="1"/>
           </p:cNvSpPr>
@@ -17151,13 +15615,74 @@
           <a:bodyPr/>
           <a:lstStyle/>
           <a:p>
-            <a:endParaRPr lang="en-US" dirty="0"/>
+            <a:pPr marL="0" marR="0" indent="0" algn="l" defTabSz="914400" rtl="0" eaLnBrk="1" fontAlgn="auto" latinLnBrk="0" hangingPunct="1">
+              <a:lnSpc>
+                <a:spcPct val="100000"/>
+              </a:lnSpc>
+              <a:spcBef>
+                <a:spcPts val="0"/>
+              </a:spcBef>
+              <a:spcAft>
+                <a:spcPts val="0"/>
+              </a:spcAft>
+              <a:buClrTx/>
+              <a:buSzTx/>
+              <a:buFontTx/>
+              <a:buNone/>
+              <a:tabLst/>
+              <a:defRPr/>
+            </a:pPr>
+            <a:r>
+              <a:rPr lang="fr-FR" dirty="0" smtClean="0"/>
+              <a:t>05- Archi, tunnel avec un cycle agile dedans, tests de perf, </a:t>
+            </a:r>
+            <a:r>
+              <a:rPr lang="fr-FR" dirty="0" err="1" smtClean="0"/>
+              <a:t>prod</a:t>
+            </a:r>
+            <a:r>
+              <a:rPr lang="fr-FR" dirty="0" smtClean="0"/>
+              <a:t> (on a raffiné comme ça mais on a oublié les tests de perf)</a:t>
+            </a:r>
+          </a:p>
+          <a:p>
+            <a:endParaRPr lang="fr-FR" dirty="0" smtClean="0"/>
+          </a:p>
+          <a:p>
+            <a:r>
+              <a:rPr lang="fr-FR" dirty="0" smtClean="0"/>
+              <a:t>Henri:</a:t>
+            </a:r>
+          </a:p>
+          <a:p>
+            <a:r>
+              <a:rPr lang="fr-FR" dirty="0" smtClean="0"/>
+              <a:t>Ensuite,</a:t>
+            </a:r>
+            <a:r>
+              <a:rPr lang="fr-FR" baseline="0" dirty="0" smtClean="0"/>
+              <a:t> on s’est dit que ça allait pas le tunnel. Il vaut mieux faire des itérations de développement pour avoir un feedback plus rapide</a:t>
+            </a:r>
+          </a:p>
+          <a:p>
+            <a:endParaRPr lang="fr-FR" baseline="0" dirty="0" smtClean="0"/>
+          </a:p>
+          <a:p>
+            <a:r>
+              <a:rPr lang="fr-FR" baseline="0" dirty="0" smtClean="0"/>
+              <a:t>Donc on fait ça… et à la fin on fait des tirs de perf et on va en </a:t>
+            </a:r>
+            <a:r>
+              <a:rPr lang="fr-FR" baseline="0" dirty="0" err="1" smtClean="0"/>
+              <a:t>prod</a:t>
+            </a:r>
+            <a:endParaRPr lang="fr-FR" dirty="0"/>
           </a:p>
         </p:txBody>
       </p:sp>
       <p:sp>
         <p:nvSpPr>
-          <p:cNvPr id="4" name="Slide Number Placeholder 3"/>
+          <p:cNvPr id="4" name="Espace réservé du numéro de diapositive 3"/>
           <p:cNvSpPr>
             <a:spLocks noGrp="1"/>
           </p:cNvSpPr>
@@ -17170,15 +15695,10 @@
           <a:bodyPr/>
           <a:lstStyle/>
           <a:p>
-            <a:pPr>
-              <a:defRPr/>
-            </a:pPr>
-            <a:fld id="{68CC13ED-B5D7-254A-B8C5-6B7F27BAA1B2}" type="slidenum">
+            <a:fld id="{8A496BEC-0B9D-4342-8B4A-733FD4CFA797}" type="slidenum">
               <a:rPr lang="fr-FR" smtClean="0"/>
-              <a:pPr>
-                <a:defRPr/>
-              </a:pPr>
-              <a:t>46</a:t>
+              <a:pPr/>
+              <a:t>43</a:t>
             </a:fld>
             <a:endParaRPr lang="fr-FR"/>
           </a:p>
@@ -17187,7 +15707,7 @@
     </p:spTree>
     <p:extLst>
       <p:ext uri="{BB962C8B-B14F-4D97-AF65-F5344CB8AC3E}">
-        <p14:creationId xmlns:p14="http://schemas.microsoft.com/office/powerpoint/2010/main" val="1279799550"/>
+        <p14:creationId xmlns:p14="http://schemas.microsoft.com/office/powerpoint/2010/main" val="3101118754"/>
       </p:ext>
     </p:extLst>
   </p:cSld>
@@ -17238,19 +15758,83 @@
         </p:nvSpPr>
         <p:spPr/>
         <p:txBody>
-          <a:bodyPr>
-            <a:normAutofit/>
-          </a:bodyPr>
+          <a:bodyPr/>
           <a:lstStyle/>
           <a:p>
             <a:r>
+              <a:rPr lang="fr-FR" dirty="0" smtClean="0"/>
+              <a:t>06- Archi, tunnel, avec un cycle agile dedans, tests de perf, délai de correction à l'arrache des perfs, </a:t>
+            </a:r>
+            <a:r>
               <a:rPr lang="fr-FR" dirty="0" err="1" smtClean="0"/>
-              <a:t>Slide</a:t>
+              <a:t>prod</a:t>
             </a:r>
             <a:r>
               <a:rPr lang="fr-FR" dirty="0" smtClean="0"/>
-              <a:t> 13 : Dire que c'est la nomenclature qu'OCTO utilise.</a:t>
-            </a:r>
+              <a:t> (mais en fait c'est ça)</a:t>
+            </a:r>
+          </a:p>
+          <a:p>
+            <a:endParaRPr lang="fr-FR" dirty="0" smtClean="0"/>
+          </a:p>
+          <a:p>
+            <a:r>
+              <a:rPr lang="fr-FR" dirty="0" smtClean="0"/>
+              <a:t>Henri:</a:t>
+            </a:r>
+          </a:p>
+          <a:p>
+            <a:r>
+              <a:rPr lang="fr-FR" dirty="0" smtClean="0"/>
+              <a:t>Le problème c’est qu’en fait, ça se passe</a:t>
+            </a:r>
+            <a:r>
+              <a:rPr lang="fr-FR" baseline="0" dirty="0" smtClean="0"/>
+              <a:t> plutôt comme ça:</a:t>
+            </a:r>
+          </a:p>
+          <a:p>
+            <a:endParaRPr lang="fr-FR" baseline="0" dirty="0" smtClean="0"/>
+          </a:p>
+          <a:p>
+            <a:r>
+              <a:rPr lang="fr-FR" baseline="0" dirty="0" smtClean="0"/>
+              <a:t>On fait les tirs de perf</a:t>
+            </a:r>
+          </a:p>
+          <a:p>
+            <a:r>
+              <a:rPr lang="fr-FR" baseline="0" dirty="0" smtClean="0"/>
+              <a:t>Ça tient juste pas la charge</a:t>
+            </a:r>
+          </a:p>
+          <a:p>
+            <a:r>
+              <a:rPr lang="fr-FR" baseline="0" dirty="0" smtClean="0"/>
+              <a:t>On retarde la mise en production</a:t>
+            </a:r>
+          </a:p>
+          <a:p>
+            <a:r>
+              <a:rPr lang="fr-FR" baseline="0" dirty="0" smtClean="0"/>
+              <a:t>On optimise au petit bonheur la chance parce que maintenant que l’appli est fini on a pas trop le choix</a:t>
+            </a:r>
+          </a:p>
+          <a:p>
+            <a:r>
+              <a:rPr lang="fr-FR" baseline="0" dirty="0" smtClean="0"/>
+              <a:t>Et on met en </a:t>
+            </a:r>
+            <a:r>
+              <a:rPr lang="fr-FR" baseline="0" dirty="0" err="1" smtClean="0"/>
+              <a:t>prod</a:t>
+            </a:r>
+            <a:r>
+              <a:rPr lang="fr-FR" baseline="0" dirty="0" smtClean="0"/>
+              <a:t> un truc plus ou moins performant</a:t>
+            </a:r>
+          </a:p>
+          <a:p>
             <a:endParaRPr lang="fr-FR" dirty="0"/>
           </a:p>
         </p:txBody>
@@ -17270,10 +15854,10 @@
           <a:bodyPr/>
           <a:lstStyle/>
           <a:p>
-            <a:fld id="{BFEBECEB-CCF1-413B-AAA5-7969BDFE1205}" type="slidenum">
+            <a:fld id="{8A496BEC-0B9D-4342-8B4A-733FD4CFA797}" type="slidenum">
               <a:rPr lang="fr-FR" smtClean="0"/>
               <a:pPr/>
-              <a:t>47</a:t>
+              <a:t>44</a:t>
             </a:fld>
             <a:endParaRPr lang="fr-FR"/>
           </a:p>
@@ -17282,7 +15866,7 @@
     </p:spTree>
     <p:extLst>
       <p:ext uri="{BB962C8B-B14F-4D97-AF65-F5344CB8AC3E}">
-        <p14:creationId xmlns:p14="http://schemas.microsoft.com/office/powerpoint/2010/main" val="1417541193"/>
+        <p14:creationId xmlns:p14="http://schemas.microsoft.com/office/powerpoint/2010/main" val="3101118754"/>
       </p:ext>
     </p:extLst>
   </p:cSld>
@@ -17311,7 +15895,7 @@
       </p:grpSpPr>
       <p:sp>
         <p:nvSpPr>
-          <p:cNvPr id="2" name="Slide Image Placeholder 1"/>
+          <p:cNvPr id="2" name="Espace réservé de l'image des diapositives 1"/>
           <p:cNvSpPr>
             <a:spLocks noGrp="1" noRot="1" noChangeAspect="1"/>
           </p:cNvSpPr>
@@ -17323,7 +15907,7 @@
       </p:sp>
       <p:sp>
         <p:nvSpPr>
-          <p:cNvPr id="3" name="Notes Placeholder 2"/>
+          <p:cNvPr id="3" name="Espace réservé des commentaires 2"/>
           <p:cNvSpPr>
             <a:spLocks noGrp="1"/>
           </p:cNvSpPr>
@@ -17336,13 +15920,62 @@
           <a:bodyPr/>
           <a:lstStyle/>
           <a:p>
-            <a:endParaRPr lang="en-US" dirty="0"/>
+            <a:r>
+              <a:rPr lang="fr-FR" dirty="0" smtClean="0"/>
+              <a:t>07- Archi, cycle avec tests de perfs en continue, </a:t>
+            </a:r>
+            <a:r>
+              <a:rPr lang="fr-FR" dirty="0" err="1" smtClean="0"/>
+              <a:t>prod</a:t>
+            </a:r>
+            <a:r>
+              <a:rPr lang="fr-FR" dirty="0" smtClean="0"/>
+              <a:t>, (Mais pourquoi on fait pas ça?)</a:t>
+            </a:r>
+          </a:p>
+          <a:p>
+            <a:endParaRPr lang="fr-FR" dirty="0" smtClean="0"/>
+          </a:p>
+          <a:p>
+            <a:r>
+              <a:rPr lang="fr-FR" dirty="0" smtClean="0"/>
+              <a:t>Henri:</a:t>
+            </a:r>
+          </a:p>
+          <a:p>
+            <a:r>
+              <a:rPr lang="fr-FR" dirty="0" smtClean="0"/>
+              <a:t>C’est dommage parce qu’on a eu la</a:t>
+            </a:r>
+            <a:r>
+              <a:rPr lang="fr-FR" baseline="0" dirty="0" smtClean="0"/>
+              <a:t> bonne idée de faire des itérations mais pas d’y mettre les tests de perfs</a:t>
+            </a:r>
+          </a:p>
+          <a:p>
+            <a:endParaRPr lang="fr-FR" baseline="0" dirty="0" smtClean="0"/>
+          </a:p>
+          <a:p>
+            <a:r>
+              <a:rPr lang="fr-FR" baseline="0" dirty="0" smtClean="0"/>
+              <a:t>Et pourtant, le feedback, c’est intéressant aussi pour les perfs.</a:t>
+            </a:r>
+          </a:p>
+          <a:p>
+            <a:endParaRPr lang="fr-FR" baseline="0" dirty="0" smtClean="0"/>
+          </a:p>
+          <a:p>
+            <a:r>
+              <a:rPr lang="fr-FR" baseline="0" dirty="0" smtClean="0"/>
+              <a:t>Donc nous on vous dit qu’il faut faire ca.</a:t>
+            </a:r>
+            <a:endParaRPr lang="fr-FR" dirty="0"/>
           </a:p>
         </p:txBody>
       </p:sp>
       <p:sp>
         <p:nvSpPr>
-          <p:cNvPr id="4" name="Slide Number Placeholder 3"/>
+          <p:cNvPr id="4" name="Espace réservé du numéro de diapositive 3"/>
           <p:cNvSpPr>
             <a:spLocks noGrp="1"/>
           </p:cNvSpPr>
@@ -17355,15 +15988,10 @@
           <a:bodyPr/>
           <a:lstStyle/>
           <a:p>
-            <a:pPr>
-              <a:defRPr/>
-            </a:pPr>
-            <a:fld id="{68CC13ED-B5D7-254A-B8C5-6B7F27BAA1B2}" type="slidenum">
+            <a:fld id="{8A496BEC-0B9D-4342-8B4A-733FD4CFA797}" type="slidenum">
               <a:rPr lang="fr-FR" smtClean="0"/>
-              <a:pPr>
-                <a:defRPr/>
-              </a:pPr>
-              <a:t>48</a:t>
+              <a:pPr/>
+              <a:t>45</a:t>
             </a:fld>
             <a:endParaRPr lang="fr-FR"/>
           </a:p>
@@ -17372,7 +16000,7 @@
     </p:spTree>
     <p:extLst>
       <p:ext uri="{BB962C8B-B14F-4D97-AF65-F5344CB8AC3E}">
-        <p14:creationId xmlns:p14="http://schemas.microsoft.com/office/powerpoint/2010/main" val="1279799550"/>
+        <p14:creationId xmlns:p14="http://schemas.microsoft.com/office/powerpoint/2010/main" val="3101118754"/>
       </p:ext>
     </p:extLst>
   </p:cSld>
@@ -17453,7 +16081,7 @@
               <a:pPr>
                 <a:defRPr/>
               </a:pPr>
-              <a:t>49</a:t>
+              <a:t>46</a:t>
             </a:fld>
             <a:endParaRPr lang="fr-FR"/>
           </a:p>
@@ -17518,6 +16146,14 @@
           </a:bodyPr>
           <a:lstStyle/>
           <a:p>
+            <a:r>
+              <a:rPr lang="fr-FR" dirty="0" err="1" smtClean="0"/>
+              <a:t>Slide</a:t>
+            </a:r>
+            <a:r>
+              <a:rPr lang="fr-FR" dirty="0" smtClean="0"/>
+              <a:t> 13 : Dire que c'est la nomenclature qu'OCTO utilise.</a:t>
+            </a:r>
             <a:endParaRPr lang="fr-FR" dirty="0"/>
           </a:p>
         </p:txBody>
@@ -17540,7 +16176,7 @@
             <a:fld id="{BFEBECEB-CCF1-413B-AAA5-7969BDFE1205}" type="slidenum">
               <a:rPr lang="fr-FR" smtClean="0"/>
               <a:pPr/>
-              <a:t>52</a:t>
+              <a:t>47</a:t>
             </a:fld>
             <a:endParaRPr lang="fr-FR"/>
           </a:p>
@@ -17549,7 +16185,7 @@
     </p:spTree>
     <p:extLst>
       <p:ext uri="{BB962C8B-B14F-4D97-AF65-F5344CB8AC3E}">
-        <p14:creationId xmlns:p14="http://schemas.microsoft.com/office/powerpoint/2010/main" val="4101384779"/>
+        <p14:creationId xmlns:p14="http://schemas.microsoft.com/office/powerpoint/2010/main" val="1417541193"/>
       </p:ext>
     </p:extLst>
   </p:cSld>
@@ -17603,93 +16239,6 @@
           <a:bodyPr/>
           <a:lstStyle/>
           <a:p>
-            <a:r>
-              <a:rPr lang="fr-CA" dirty="0" smtClean="0"/>
-              <a:t>Le logo du produit en </a:t>
-            </a:r>
-            <a:r>
-              <a:rPr lang="fr-CA" dirty="0" err="1" smtClean="0"/>
-              <a:t>dénormaliser</a:t>
-            </a:r>
-            <a:r>
-              <a:rPr lang="fr-CA" dirty="0" smtClean="0"/>
-              <a:t> dans la table </a:t>
-            </a:r>
-            <a:r>
-              <a:rPr lang="fr-CA" dirty="0" err="1" smtClean="0"/>
-              <a:t>sales_operations</a:t>
-            </a:r>
-            <a:endParaRPr lang="fr-CA" dirty="0" smtClean="0"/>
-          </a:p>
-          <a:p>
-            <a:endParaRPr lang="fr-CA" dirty="0" smtClean="0"/>
-          </a:p>
-          <a:p>
-            <a:r>
-              <a:rPr lang="fr-CA" dirty="0" smtClean="0"/>
-              <a:t>Saturation disque</a:t>
-            </a:r>
-          </a:p>
-          <a:p>
-            <a:r>
-              <a:rPr lang="fr-CA" dirty="0" smtClean="0"/>
-              <a:t>Buffer TCP</a:t>
-            </a:r>
-          </a:p>
-          <a:p>
-            <a:r>
-              <a:rPr lang="fr-CA" dirty="0" err="1" smtClean="0"/>
-              <a:t>Tuning</a:t>
-            </a:r>
-            <a:r>
-              <a:rPr lang="fr-CA" dirty="0" smtClean="0"/>
-              <a:t> paramètres </a:t>
-            </a:r>
-            <a:r>
-              <a:rPr lang="fr-CA" dirty="0" err="1" smtClean="0"/>
-              <a:t>filesystem</a:t>
-            </a:r>
-            <a:endParaRPr lang="fr-CA" dirty="0" smtClean="0"/>
-          </a:p>
-          <a:p>
-            <a:endParaRPr lang="fr-CA" dirty="0" smtClean="0"/>
-          </a:p>
-          <a:p>
-            <a:r>
-              <a:rPr lang="fr-CA" dirty="0" smtClean="0"/>
-              <a:t>NIO</a:t>
-            </a:r>
-          </a:p>
-          <a:p>
-            <a:r>
-              <a:rPr lang="fr-CA" dirty="0" smtClean="0"/>
-              <a:t>Pool de connexions DB</a:t>
-            </a:r>
-          </a:p>
-          <a:p>
-            <a:r>
-              <a:rPr lang="fr-CA" dirty="0" smtClean="0"/>
-              <a:t>Gros log en </a:t>
-            </a:r>
-            <a:r>
-              <a:rPr lang="fr-CA" dirty="0" err="1" smtClean="0"/>
-              <a:t>debug</a:t>
-            </a:r>
-            <a:endParaRPr lang="fr-CA" dirty="0" smtClean="0"/>
-          </a:p>
-          <a:p>
-            <a:endParaRPr lang="fr-CA" dirty="0" smtClean="0"/>
-          </a:p>
-          <a:p>
-            <a:r>
-              <a:rPr lang="fr-CA" dirty="0" smtClean="0"/>
-              <a:t>Calcul de la vitesse disque, optimisation</a:t>
-            </a:r>
-          </a:p>
-          <a:p>
-            <a:endParaRPr lang="en-US" dirty="0" smtClean="0"/>
-          </a:p>
-          <a:p>
             <a:endParaRPr lang="en-US" dirty="0"/>
           </a:p>
         </p:txBody>
@@ -17717,7 +16266,7 @@
               <a:pPr>
                 <a:defRPr/>
               </a:pPr>
-              <a:t>55</a:t>
+              <a:t>48</a:t>
             </a:fld>
             <a:endParaRPr lang="fr-FR"/>
           </a:p>
@@ -17726,7 +16275,7 @@
     </p:spTree>
     <p:extLst>
       <p:ext uri="{BB962C8B-B14F-4D97-AF65-F5344CB8AC3E}">
-        <p14:creationId xmlns:p14="http://schemas.microsoft.com/office/powerpoint/2010/main" val="3592164018"/>
+        <p14:creationId xmlns:p14="http://schemas.microsoft.com/office/powerpoint/2010/main" val="1279799550"/>
       </p:ext>
     </p:extLst>
   </p:cSld>
@@ -17780,7 +16329,59 @@
           <a:bodyPr/>
           <a:lstStyle/>
           <a:p>
-            <a:endParaRPr lang="fr-FR" dirty="0"/>
+            <a:r>
+              <a:rPr lang="en-US" dirty="0" err="1" smtClean="0"/>
+              <a:t>Méthodologie</a:t>
+            </a:r>
+            <a:r>
+              <a:rPr lang="en-US" dirty="0" smtClean="0"/>
+              <a:t>… </a:t>
+            </a:r>
+            <a:r>
+              <a:rPr lang="en-US" dirty="0" err="1" smtClean="0"/>
+              <a:t>parce</a:t>
+            </a:r>
+            <a:r>
+              <a:rPr lang="en-US" dirty="0" smtClean="0"/>
+              <a:t> </a:t>
+            </a:r>
+            <a:r>
+              <a:rPr lang="en-US" dirty="0" err="1" smtClean="0"/>
+              <a:t>que</a:t>
+            </a:r>
+            <a:r>
+              <a:rPr lang="en-US" dirty="0" smtClean="0"/>
+              <a:t> </a:t>
+            </a:r>
+            <a:r>
+              <a:rPr lang="en-US" dirty="0" err="1" smtClean="0"/>
+              <a:t>il</a:t>
+            </a:r>
+            <a:r>
+              <a:rPr lang="en-US" dirty="0" smtClean="0"/>
+              <a:t> en </a:t>
+            </a:r>
+            <a:r>
+              <a:rPr lang="en-US" dirty="0" err="1" smtClean="0"/>
+              <a:t>faut</a:t>
+            </a:r>
+            <a:r>
+              <a:rPr lang="en-US" dirty="0" smtClean="0"/>
+              <a:t> </a:t>
+            </a:r>
+            <a:r>
+              <a:rPr lang="en-US" dirty="0" err="1" smtClean="0"/>
+              <a:t>toujours</a:t>
+            </a:r>
+            <a:r>
+              <a:rPr lang="en-US" dirty="0" smtClean="0"/>
+              <a:t> un petit </a:t>
+            </a:r>
+            <a:r>
+              <a:rPr lang="en-US" dirty="0" err="1" smtClean="0"/>
+              <a:t>peu</a:t>
+            </a:r>
+            <a:endParaRPr lang="en-US" dirty="0"/>
           </a:p>
         </p:txBody>
       </p:sp>
@@ -17807,7 +16408,7 @@
               <a:pPr>
                 <a:defRPr/>
               </a:pPr>
-              <a:t>12</a:t>
+              <a:t>7</a:t>
             </a:fld>
             <a:endParaRPr lang="fr-FR"/>
           </a:p>
@@ -17816,7 +16417,7 @@
     </p:spTree>
     <p:extLst>
       <p:ext uri="{BB962C8B-B14F-4D97-AF65-F5344CB8AC3E}">
-        <p14:creationId xmlns:p14="http://schemas.microsoft.com/office/powerpoint/2010/main" val="1335659448"/>
+        <p14:creationId xmlns:p14="http://schemas.microsoft.com/office/powerpoint/2010/main" val="3698732838"/>
       </p:ext>
     </p:extLst>
   </p:cSld>
@@ -17870,18 +16471,6 @@
           <a:bodyPr/>
           <a:lstStyle/>
           <a:p>
-            <a:r>
-              <a:rPr lang="en-US" dirty="0" err="1" smtClean="0"/>
-              <a:t>Mettre</a:t>
-            </a:r>
-            <a:r>
-              <a:rPr lang="en-US" baseline="0" dirty="0" smtClean="0"/>
-              <a:t> les </a:t>
-            </a:r>
-            <a:r>
-              <a:rPr lang="en-US" baseline="0" dirty="0" err="1" smtClean="0"/>
-              <a:t>améliorations</a:t>
-            </a:r>
             <a:endParaRPr lang="en-US" dirty="0"/>
           </a:p>
         </p:txBody>
@@ -17909,7 +16498,7 @@
               <a:pPr>
                 <a:defRPr/>
               </a:pPr>
-              <a:t>57</a:t>
+              <a:t>49</a:t>
             </a:fld>
             <a:endParaRPr lang="fr-FR"/>
           </a:p>
@@ -17918,7 +16507,7 @@
     </p:spTree>
     <p:extLst>
       <p:ext uri="{BB962C8B-B14F-4D97-AF65-F5344CB8AC3E}">
-        <p14:creationId xmlns:p14="http://schemas.microsoft.com/office/powerpoint/2010/main" val="3675397761"/>
+        <p14:creationId xmlns:p14="http://schemas.microsoft.com/office/powerpoint/2010/main" val="1279799550"/>
       </p:ext>
     </p:extLst>
   </p:cSld>
@@ -17929,6 +16518,93 @@
 </file>
 
 <file path=ppt/notesSlides/notesSlide31.xml><?xml version="1.0" encoding="utf-8"?>
+<p:notes xmlns:a="http://schemas.openxmlformats.org/drawingml/2006/main" xmlns:r="http://schemas.openxmlformats.org/officeDocument/2006/relationships" xmlns:p="http://schemas.openxmlformats.org/presentationml/2006/main">
+  <p:cSld>
+    <p:spTree>
+      <p:nvGrpSpPr>
+        <p:cNvPr id="1" name=""/>
+        <p:cNvGrpSpPr/>
+        <p:nvPr/>
+      </p:nvGrpSpPr>
+      <p:grpSpPr>
+        <a:xfrm>
+          <a:off x="0" y="0"/>
+          <a:ext cx="0" cy="0"/>
+          <a:chOff x="0" y="0"/>
+          <a:chExt cx="0" cy="0"/>
+        </a:xfrm>
+      </p:grpSpPr>
+      <p:sp>
+        <p:nvSpPr>
+          <p:cNvPr id="2" name="Espace réservé de l'image des diapositives 1"/>
+          <p:cNvSpPr>
+            <a:spLocks noGrp="1" noRot="1" noChangeAspect="1"/>
+          </p:cNvSpPr>
+          <p:nvPr>
+            <p:ph type="sldImg"/>
+          </p:nvPr>
+        </p:nvSpPr>
+        <p:spPr/>
+      </p:sp>
+      <p:sp>
+        <p:nvSpPr>
+          <p:cNvPr id="3" name="Espace réservé des commentaires 2"/>
+          <p:cNvSpPr>
+            <a:spLocks noGrp="1"/>
+          </p:cNvSpPr>
+          <p:nvPr>
+            <p:ph type="body" idx="1"/>
+          </p:nvPr>
+        </p:nvSpPr>
+        <p:spPr/>
+        <p:txBody>
+          <a:bodyPr>
+            <a:normAutofit/>
+          </a:bodyPr>
+          <a:lstStyle/>
+          <a:p>
+            <a:endParaRPr lang="fr-FR" dirty="0"/>
+          </a:p>
+        </p:txBody>
+      </p:sp>
+      <p:sp>
+        <p:nvSpPr>
+          <p:cNvPr id="4" name="Espace réservé du numéro de diapositive 3"/>
+          <p:cNvSpPr>
+            <a:spLocks noGrp="1"/>
+          </p:cNvSpPr>
+          <p:nvPr>
+            <p:ph type="sldNum" sz="quarter" idx="10"/>
+          </p:nvPr>
+        </p:nvSpPr>
+        <p:spPr/>
+        <p:txBody>
+          <a:bodyPr/>
+          <a:lstStyle/>
+          <a:p>
+            <a:fld id="{BFEBECEB-CCF1-413B-AAA5-7969BDFE1205}" type="slidenum">
+              <a:rPr lang="fr-FR" smtClean="0"/>
+              <a:pPr/>
+              <a:t>52</a:t>
+            </a:fld>
+            <a:endParaRPr lang="fr-FR"/>
+          </a:p>
+        </p:txBody>
+      </p:sp>
+    </p:spTree>
+    <p:extLst>
+      <p:ext uri="{BB962C8B-B14F-4D97-AF65-F5344CB8AC3E}">
+        <p14:creationId xmlns:p14="http://schemas.microsoft.com/office/powerpoint/2010/main" val="4101384779"/>
+      </p:ext>
+    </p:extLst>
+  </p:cSld>
+  <p:clrMapOvr>
+    <a:masterClrMapping/>
+  </p:clrMapOvr>
+</p:notes>
+</file>
+
+<file path=ppt/notesSlides/notesSlide32.xml><?xml version="1.0" encoding="utf-8"?>
 <p:notes xmlns:a="http://schemas.openxmlformats.org/drawingml/2006/main" xmlns:r="http://schemas.openxmlformats.org/officeDocument/2006/relationships" xmlns:p="http://schemas.openxmlformats.org/presentationml/2006/main">
   <p:cSld>
     <p:spTree>
@@ -17974,12 +16650,92 @@
           <a:p>
             <a:r>
               <a:rPr lang="fr-CA" dirty="0" smtClean="0"/>
-              <a:t>Évidemment, on</a:t>
-            </a:r>
-            <a:r>
-              <a:rPr lang="fr-CA" baseline="0" dirty="0" smtClean="0"/>
-              <a:t> a un peu simplifier pour les besoins de la présentation. Ce qu’il faut retenir c’est que c’est tout à fait possible à mettre en place. Et en cas de besoin, Mikaël et moi sommes là pour vous aider.</a:t>
-            </a:r>
+              <a:t>Le logo du produit en </a:t>
+            </a:r>
+            <a:r>
+              <a:rPr lang="fr-CA" dirty="0" err="1" smtClean="0"/>
+              <a:t>dénormaliser</a:t>
+            </a:r>
+            <a:r>
+              <a:rPr lang="fr-CA" dirty="0" smtClean="0"/>
+              <a:t> dans la table </a:t>
+            </a:r>
+            <a:r>
+              <a:rPr lang="fr-CA" dirty="0" err="1" smtClean="0"/>
+              <a:t>sales_operations</a:t>
+            </a:r>
+            <a:endParaRPr lang="fr-CA" dirty="0" smtClean="0"/>
+          </a:p>
+          <a:p>
+            <a:endParaRPr lang="fr-CA" dirty="0" smtClean="0"/>
+          </a:p>
+          <a:p>
+            <a:r>
+              <a:rPr lang="fr-CA" dirty="0" smtClean="0"/>
+              <a:t>Saturation disque</a:t>
+            </a:r>
+          </a:p>
+          <a:p>
+            <a:r>
+              <a:rPr lang="fr-CA" dirty="0" smtClean="0"/>
+              <a:t>Buffer TCP</a:t>
+            </a:r>
+          </a:p>
+          <a:p>
+            <a:r>
+              <a:rPr lang="fr-CA" dirty="0" err="1" smtClean="0"/>
+              <a:t>Tuning</a:t>
+            </a:r>
+            <a:r>
+              <a:rPr lang="fr-CA" dirty="0" smtClean="0"/>
+              <a:t> paramètres </a:t>
+            </a:r>
+            <a:r>
+              <a:rPr lang="fr-CA" dirty="0" err="1" smtClean="0"/>
+              <a:t>filesystem</a:t>
+            </a:r>
+            <a:endParaRPr lang="fr-CA" dirty="0" smtClean="0"/>
+          </a:p>
+          <a:p>
+            <a:endParaRPr lang="fr-CA" dirty="0" smtClean="0"/>
+          </a:p>
+          <a:p>
+            <a:r>
+              <a:rPr lang="fr-CA" dirty="0" smtClean="0"/>
+              <a:t>NIO</a:t>
+            </a:r>
+          </a:p>
+          <a:p>
+            <a:r>
+              <a:rPr lang="fr-CA" dirty="0" smtClean="0"/>
+              <a:t>Pool de connexions DB</a:t>
+            </a:r>
+          </a:p>
+          <a:p>
+            <a:r>
+              <a:rPr lang="fr-CA" dirty="0" smtClean="0"/>
+              <a:t>Gros log en </a:t>
+            </a:r>
+            <a:r>
+              <a:rPr lang="fr-CA" dirty="0" err="1" smtClean="0"/>
+              <a:t>debug</a:t>
+            </a:r>
+            <a:endParaRPr lang="fr-CA" dirty="0" smtClean="0"/>
+          </a:p>
+          <a:p>
+            <a:endParaRPr lang="fr-CA" dirty="0" smtClean="0"/>
+          </a:p>
+          <a:p>
+            <a:r>
+              <a:rPr lang="fr-CA" dirty="0" smtClean="0"/>
+              <a:t>Calcul de la vitesse disque, optimisation</a:t>
+            </a:r>
+          </a:p>
+          <a:p>
+            <a:endParaRPr lang="en-US" dirty="0" smtClean="0"/>
+          </a:p>
+          <a:p>
+            <a:endParaRPr lang="en-US" dirty="0"/>
           </a:p>
         </p:txBody>
       </p:sp>
@@ -17998,10 +16754,15 @@
           <a:bodyPr/>
           <a:lstStyle/>
           <a:p>
-            <a:fld id="{8A496BEC-0B9D-4342-8B4A-733FD4CFA797}" type="slidenum">
+            <a:pPr>
+              <a:defRPr/>
+            </a:pPr>
+            <a:fld id="{68CC13ED-B5D7-254A-B8C5-6B7F27BAA1B2}" type="slidenum">
               <a:rPr lang="fr-FR" smtClean="0"/>
-              <a:pPr/>
-              <a:t>59</a:t>
+              <a:pPr>
+                <a:defRPr/>
+              </a:pPr>
+              <a:t>55</a:t>
             </a:fld>
             <a:endParaRPr lang="fr-FR"/>
           </a:p>
@@ -18010,7 +16771,7 @@
     </p:spTree>
     <p:extLst>
       <p:ext uri="{BB962C8B-B14F-4D97-AF65-F5344CB8AC3E}">
-        <p14:creationId xmlns:p14="http://schemas.microsoft.com/office/powerpoint/2010/main" val="2866455231"/>
+        <p14:creationId xmlns:p14="http://schemas.microsoft.com/office/powerpoint/2010/main" val="3592164018"/>
       </p:ext>
     </p:extLst>
   </p:cSld>
@@ -18020,7 +16781,7 @@
 </p:notes>
 </file>
 
-<file path=ppt/notesSlides/notesSlide4.xml><?xml version="1.0" encoding="utf-8"?>
+<file path=ppt/notesSlides/notesSlide33.xml><?xml version="1.0" encoding="utf-8"?>
 <p:notes xmlns:a="http://schemas.openxmlformats.org/drawingml/2006/main" xmlns:r="http://schemas.openxmlformats.org/officeDocument/2006/relationships" xmlns:p="http://schemas.openxmlformats.org/presentationml/2006/main">
   <p:cSld>
     <p:spTree>
@@ -18064,7 +16825,19 @@
           <a:bodyPr/>
           <a:lstStyle/>
           <a:p>
-            <a:endParaRPr lang="fr-FR" dirty="0"/>
+            <a:r>
+              <a:rPr lang="en-US" dirty="0" err="1" smtClean="0"/>
+              <a:t>Mettre</a:t>
+            </a:r>
+            <a:r>
+              <a:rPr lang="en-US" baseline="0" dirty="0" smtClean="0"/>
+              <a:t> les </a:t>
+            </a:r>
+            <a:r>
+              <a:rPr lang="en-US" baseline="0" dirty="0" err="1" smtClean="0"/>
+              <a:t>améliorations</a:t>
+            </a:r>
+            <a:endParaRPr lang="en-US" dirty="0"/>
           </a:p>
         </p:txBody>
       </p:sp>
@@ -18091,7 +16864,7 @@
               <a:pPr>
                 <a:defRPr/>
               </a:pPr>
-              <a:t>13</a:t>
+              <a:t>57</a:t>
             </a:fld>
             <a:endParaRPr lang="fr-FR"/>
           </a:p>
@@ -18100,7 +16873,193 @@
     </p:spTree>
     <p:extLst>
       <p:ext uri="{BB962C8B-B14F-4D97-AF65-F5344CB8AC3E}">
-        <p14:creationId xmlns:p14="http://schemas.microsoft.com/office/powerpoint/2010/main" val="1335659448"/>
+        <p14:creationId xmlns:p14="http://schemas.microsoft.com/office/powerpoint/2010/main" val="3675397761"/>
+      </p:ext>
+    </p:extLst>
+  </p:cSld>
+  <p:clrMapOvr>
+    <a:masterClrMapping/>
+  </p:clrMapOvr>
+</p:notes>
+</file>
+
+<file path=ppt/notesSlides/notesSlide34.xml><?xml version="1.0" encoding="utf-8"?>
+<p:notes xmlns:a="http://schemas.openxmlformats.org/drawingml/2006/main" xmlns:r="http://schemas.openxmlformats.org/officeDocument/2006/relationships" xmlns:p="http://schemas.openxmlformats.org/presentationml/2006/main">
+  <p:cSld>
+    <p:spTree>
+      <p:nvGrpSpPr>
+        <p:cNvPr id="1" name=""/>
+        <p:cNvGrpSpPr/>
+        <p:nvPr/>
+      </p:nvGrpSpPr>
+      <p:grpSpPr>
+        <a:xfrm>
+          <a:off x="0" y="0"/>
+          <a:ext cx="0" cy="0"/>
+          <a:chOff x="0" y="0"/>
+          <a:chExt cx="0" cy="0"/>
+        </a:xfrm>
+      </p:grpSpPr>
+      <p:sp>
+        <p:nvSpPr>
+          <p:cNvPr id="2" name="Slide Image Placeholder 1"/>
+          <p:cNvSpPr>
+            <a:spLocks noGrp="1" noRot="1" noChangeAspect="1"/>
+          </p:cNvSpPr>
+          <p:nvPr>
+            <p:ph type="sldImg"/>
+          </p:nvPr>
+        </p:nvSpPr>
+        <p:spPr/>
+      </p:sp>
+      <p:sp>
+        <p:nvSpPr>
+          <p:cNvPr id="3" name="Notes Placeholder 2"/>
+          <p:cNvSpPr>
+            <a:spLocks noGrp="1"/>
+          </p:cNvSpPr>
+          <p:nvPr>
+            <p:ph type="body" idx="1"/>
+          </p:nvPr>
+        </p:nvSpPr>
+        <p:spPr/>
+        <p:txBody>
+          <a:bodyPr/>
+          <a:lstStyle/>
+          <a:p>
+            <a:r>
+              <a:rPr lang="fr-CA" dirty="0" smtClean="0"/>
+              <a:t>Évidemment, on</a:t>
+            </a:r>
+            <a:r>
+              <a:rPr lang="fr-CA" baseline="0" dirty="0" smtClean="0"/>
+              <a:t> a un peu simplifier pour les besoins de la présentation. Ce qu’il faut retenir c’est que c’est tout à fait possible à mettre en place. Et en cas de besoin, Mikaël et moi sommes là pour vous aider.</a:t>
+            </a:r>
+          </a:p>
+        </p:txBody>
+      </p:sp>
+      <p:sp>
+        <p:nvSpPr>
+          <p:cNvPr id="4" name="Slide Number Placeholder 3"/>
+          <p:cNvSpPr>
+            <a:spLocks noGrp="1"/>
+          </p:cNvSpPr>
+          <p:nvPr>
+            <p:ph type="sldNum" sz="quarter" idx="10"/>
+          </p:nvPr>
+        </p:nvSpPr>
+        <p:spPr/>
+        <p:txBody>
+          <a:bodyPr/>
+          <a:lstStyle/>
+          <a:p>
+            <a:fld id="{8A496BEC-0B9D-4342-8B4A-733FD4CFA797}" type="slidenum">
+              <a:rPr lang="fr-FR" smtClean="0"/>
+              <a:pPr/>
+              <a:t>59</a:t>
+            </a:fld>
+            <a:endParaRPr lang="fr-FR"/>
+          </a:p>
+        </p:txBody>
+      </p:sp>
+    </p:spTree>
+    <p:extLst>
+      <p:ext uri="{BB962C8B-B14F-4D97-AF65-F5344CB8AC3E}">
+        <p14:creationId xmlns:p14="http://schemas.microsoft.com/office/powerpoint/2010/main" val="2866455231"/>
+      </p:ext>
+    </p:extLst>
+  </p:cSld>
+  <p:clrMapOvr>
+    <a:masterClrMapping/>
+  </p:clrMapOvr>
+</p:notes>
+</file>
+
+<file path=ppt/notesSlides/notesSlide4.xml><?xml version="1.0" encoding="utf-8"?>
+<p:notes xmlns:a="http://schemas.openxmlformats.org/drawingml/2006/main" xmlns:r="http://schemas.openxmlformats.org/officeDocument/2006/relationships" xmlns:p="http://schemas.openxmlformats.org/presentationml/2006/main">
+  <p:cSld>
+    <p:spTree>
+      <p:nvGrpSpPr>
+        <p:cNvPr id="1" name=""/>
+        <p:cNvGrpSpPr/>
+        <p:nvPr/>
+      </p:nvGrpSpPr>
+      <p:grpSpPr>
+        <a:xfrm>
+          <a:off x="0" y="0"/>
+          <a:ext cx="0" cy="0"/>
+          <a:chOff x="0" y="0"/>
+          <a:chExt cx="0" cy="0"/>
+        </a:xfrm>
+      </p:grpSpPr>
+      <p:sp>
+        <p:nvSpPr>
+          <p:cNvPr id="2" name="Espace réservé de l'image des diapositives 1"/>
+          <p:cNvSpPr>
+            <a:spLocks noGrp="1" noRot="1" noChangeAspect="1"/>
+          </p:cNvSpPr>
+          <p:nvPr>
+            <p:ph type="sldImg"/>
+          </p:nvPr>
+        </p:nvSpPr>
+        <p:spPr/>
+      </p:sp>
+      <p:sp>
+        <p:nvSpPr>
+          <p:cNvPr id="3" name="Espace réservé des commentaires 2"/>
+          <p:cNvSpPr>
+            <a:spLocks noGrp="1"/>
+          </p:cNvSpPr>
+          <p:nvPr>
+            <p:ph type="body" idx="1"/>
+          </p:nvPr>
+        </p:nvSpPr>
+        <p:spPr/>
+        <p:txBody>
+          <a:bodyPr/>
+          <a:lstStyle/>
+          <a:p>
+            <a:r>
+              <a:rPr lang="fr-FR" dirty="0" smtClean="0"/>
+              <a:t>Le tout agrémenté de démo</a:t>
+            </a:r>
+            <a:endParaRPr lang="fr-FR" dirty="0"/>
+          </a:p>
+        </p:txBody>
+      </p:sp>
+      <p:sp>
+        <p:nvSpPr>
+          <p:cNvPr id="4" name="Espace réservé du numéro de diapositive 3"/>
+          <p:cNvSpPr>
+            <a:spLocks noGrp="1"/>
+          </p:cNvSpPr>
+          <p:nvPr>
+            <p:ph type="sldNum" sz="quarter" idx="10"/>
+          </p:nvPr>
+        </p:nvSpPr>
+        <p:spPr/>
+        <p:txBody>
+          <a:bodyPr/>
+          <a:lstStyle/>
+          <a:p>
+            <a:pPr>
+              <a:defRPr/>
+            </a:pPr>
+            <a:fld id="{68CC13ED-B5D7-254A-B8C5-6B7F27BAA1B2}" type="slidenum">
+              <a:rPr lang="fr-FR" smtClean="0"/>
+              <a:pPr>
+                <a:defRPr/>
+              </a:pPr>
+              <a:t>8</a:t>
+            </a:fld>
+            <a:endParaRPr lang="fr-FR"/>
+          </a:p>
+        </p:txBody>
+      </p:sp>
+    </p:spTree>
+    <p:extLst>
+      <p:ext uri="{BB962C8B-B14F-4D97-AF65-F5344CB8AC3E}">
+        <p14:creationId xmlns:p14="http://schemas.microsoft.com/office/powerpoint/2010/main" val="1204883654"/>
       </p:ext>
     </p:extLst>
   </p:cSld>
@@ -18181,7 +17140,7 @@
               <a:pPr>
                 <a:defRPr/>
               </a:pPr>
-              <a:t>14</a:t>
+              <a:t>11</a:t>
             </a:fld>
             <a:endParaRPr lang="fr-FR"/>
           </a:p>
@@ -18219,7 +17178,7 @@
       </p:grpSpPr>
       <p:sp>
         <p:nvSpPr>
-          <p:cNvPr id="2" name="Espace réservé de l'image des diapositives 1"/>
+          <p:cNvPr id="2" name="Slide Image Placeholder 1"/>
           <p:cNvSpPr>
             <a:spLocks noGrp="1" noRot="1" noChangeAspect="1"/>
           </p:cNvSpPr>
@@ -18231,7 +17190,7 @@
       </p:sp>
       <p:sp>
         <p:nvSpPr>
-          <p:cNvPr id="3" name="Espace réservé des commentaires 2"/>
+          <p:cNvPr id="3" name="Notes Placeholder 2"/>
           <p:cNvSpPr>
             <a:spLocks noGrp="1"/>
           </p:cNvSpPr>
@@ -18241,74 +17200,16 @@
         </p:nvSpPr>
         <p:spPr/>
         <p:txBody>
-          <a:bodyPr>
-            <a:normAutofit/>
-          </a:bodyPr>
+          <a:bodyPr/>
           <a:lstStyle/>
           <a:p>
-            <a:pPr lvl="1"/>
-            <a:r>
-              <a:rPr lang="fr-FR" dirty="0" smtClean="0"/>
-              <a:t>Tout utilisateur de système informatique s’attend à recevoir un système</a:t>
-            </a:r>
-          </a:p>
-          <a:p>
-            <a:pPr lvl="2"/>
-            <a:r>
-              <a:rPr lang="fr-FR" dirty="0" smtClean="0"/>
-              <a:t>Qui répond de façon stable quelque soit sa charge</a:t>
-            </a:r>
-          </a:p>
-          <a:p>
-            <a:pPr lvl="2"/>
-            <a:r>
-              <a:rPr lang="fr-FR" dirty="0" smtClean="0"/>
-              <a:t>Qui répondre en un temps cohérent par rapport à l’action qu’il réalise</a:t>
-            </a:r>
-          </a:p>
-          <a:p>
-            <a:pPr lvl="1"/>
-            <a:r>
-              <a:rPr lang="fr-FR" dirty="0" smtClean="0"/>
-              <a:t>Bref un système performant</a:t>
-            </a:r>
-          </a:p>
-          <a:p>
-            <a:pPr lvl="1"/>
-            <a:endParaRPr lang="fr-FR" dirty="0" smtClean="0"/>
-          </a:p>
-          <a:p>
-            <a:pPr marL="457200" marR="0" lvl="1" indent="0" algn="l" defTabSz="914400" rtl="0" eaLnBrk="1" fontAlgn="auto" latinLnBrk="0" hangingPunct="1">
-              <a:lnSpc>
-                <a:spcPct val="100000"/>
-              </a:lnSpc>
-              <a:spcBef>
-                <a:spcPts val="0"/>
-              </a:spcBef>
-              <a:spcAft>
-                <a:spcPts val="0"/>
-              </a:spcAft>
-              <a:buClrTx/>
-              <a:buSzTx/>
-              <a:buFontTx/>
-              <a:buNone/>
-              <a:tabLst/>
-              <a:defRPr/>
-            </a:pPr>
-            <a:r>
-              <a:rPr lang="fr-FR" sz="1200" dirty="0" smtClean="0"/>
-              <a:t>Les performances d’un système sont une spécification fonctionnelle implicite du système</a:t>
-            </a:r>
-          </a:p>
-          <a:p>
-            <a:pPr lvl="1"/>
             <a:endParaRPr lang="fr-FR" dirty="0"/>
           </a:p>
         </p:txBody>
       </p:sp>
       <p:sp>
         <p:nvSpPr>
-          <p:cNvPr id="4" name="Espace réservé du numéro de diapositive 3"/>
+          <p:cNvPr id="4" name="Slide Number Placeholder 3"/>
           <p:cNvSpPr>
             <a:spLocks noGrp="1"/>
           </p:cNvSpPr>
@@ -18321,10 +17222,15 @@
           <a:bodyPr/>
           <a:lstStyle/>
           <a:p>
-            <a:fld id="{BFEBECEB-CCF1-413B-AAA5-7969BDFE1205}" type="slidenum">
+            <a:pPr>
+              <a:defRPr/>
+            </a:pPr>
+            <a:fld id="{68CC13ED-B5D7-254A-B8C5-6B7F27BAA1B2}" type="slidenum">
               <a:rPr lang="fr-FR" smtClean="0"/>
-              <a:pPr/>
-              <a:t>15</a:t>
+              <a:pPr>
+                <a:defRPr/>
+              </a:pPr>
+              <a:t>12</a:t>
             </a:fld>
             <a:endParaRPr lang="fr-FR"/>
           </a:p>
@@ -18333,7 +17239,7 @@
     </p:spTree>
     <p:extLst>
       <p:ext uri="{BB962C8B-B14F-4D97-AF65-F5344CB8AC3E}">
-        <p14:creationId xmlns:p14="http://schemas.microsoft.com/office/powerpoint/2010/main" val="2857461259"/>
+        <p14:creationId xmlns:p14="http://schemas.microsoft.com/office/powerpoint/2010/main" val="1335659448"/>
       </p:ext>
     </p:extLst>
   </p:cSld>
@@ -18362,7 +17268,7 @@
       </p:grpSpPr>
       <p:sp>
         <p:nvSpPr>
-          <p:cNvPr id="2" name="Espace réservé de l'image des diapositives 1"/>
+          <p:cNvPr id="2" name="Slide Image Placeholder 1"/>
           <p:cNvSpPr>
             <a:spLocks noGrp="1" noRot="1" noChangeAspect="1"/>
           </p:cNvSpPr>
@@ -18374,7 +17280,7 @@
       </p:sp>
       <p:sp>
         <p:nvSpPr>
-          <p:cNvPr id="3" name="Espace réservé des commentaires 2"/>
+          <p:cNvPr id="3" name="Notes Placeholder 2"/>
           <p:cNvSpPr>
             <a:spLocks noGrp="1"/>
           </p:cNvSpPr>
@@ -18384,24 +17290,8 @@
         </p:nvSpPr>
         <p:spPr/>
         <p:txBody>
-          <a:bodyPr>
-            <a:normAutofit/>
-          </a:bodyPr>
+          <a:bodyPr/>
           <a:lstStyle/>
-          <a:p>
-            <a:pPr lvl="1"/>
-            <a:r>
-              <a:rPr lang="fr-FR" dirty="0" smtClean="0"/>
-              <a:t>Tout développeur ayant mis en production sait apprécier l’effort que cela requiert</a:t>
-            </a:r>
-          </a:p>
-          <a:p>
-            <a:pPr lvl="1"/>
-            <a:r>
-              <a:rPr lang="fr-FR" dirty="0" smtClean="0"/>
-              <a:t>Les plus expérimentés savent que le problème est rarement là où on le pensait même avec un flair aiguisé</a:t>
-            </a:r>
-          </a:p>
           <a:p>
             <a:endParaRPr lang="fr-FR" dirty="0"/>
           </a:p>
@@ -18409,7 +17299,7 @@
       </p:sp>
       <p:sp>
         <p:nvSpPr>
-          <p:cNvPr id="4" name="Espace réservé du numéro de diapositive 3"/>
+          <p:cNvPr id="4" name="Slide Number Placeholder 3"/>
           <p:cNvSpPr>
             <a:spLocks noGrp="1"/>
           </p:cNvSpPr>
@@ -18422,10 +17312,15 @@
           <a:bodyPr/>
           <a:lstStyle/>
           <a:p>
-            <a:fld id="{BFEBECEB-CCF1-413B-AAA5-7969BDFE1205}" type="slidenum">
+            <a:pPr>
+              <a:defRPr/>
+            </a:pPr>
+            <a:fld id="{68CC13ED-B5D7-254A-B8C5-6B7F27BAA1B2}" type="slidenum">
               <a:rPr lang="fr-FR" smtClean="0"/>
-              <a:pPr/>
-              <a:t>16</a:t>
+              <a:pPr>
+                <a:defRPr/>
+              </a:pPr>
+              <a:t>13</a:t>
             </a:fld>
             <a:endParaRPr lang="fr-FR"/>
           </a:p>
@@ -18434,7 +17329,7 @@
     </p:spTree>
     <p:extLst>
       <p:ext uri="{BB962C8B-B14F-4D97-AF65-F5344CB8AC3E}">
-        <p14:creationId xmlns:p14="http://schemas.microsoft.com/office/powerpoint/2010/main" val="1678841666"/>
+        <p14:creationId xmlns:p14="http://schemas.microsoft.com/office/powerpoint/2010/main" val="1335659448"/>
       </p:ext>
     </p:extLst>
   </p:cSld>
@@ -18463,7 +17358,7 @@
       </p:grpSpPr>
       <p:sp>
         <p:nvSpPr>
-          <p:cNvPr id="2" name="Espace réservé de l'image des diapositives 1"/>
+          <p:cNvPr id="2" name="Slide Image Placeholder 1"/>
           <p:cNvSpPr>
             <a:spLocks noGrp="1" noRot="1" noChangeAspect="1"/>
           </p:cNvSpPr>
@@ -18475,7 +17370,7 @@
       </p:sp>
       <p:sp>
         <p:nvSpPr>
-          <p:cNvPr id="3" name="Espace réservé des commentaires 2"/>
+          <p:cNvPr id="3" name="Notes Placeholder 2"/>
           <p:cNvSpPr>
             <a:spLocks noGrp="1"/>
           </p:cNvSpPr>
@@ -18485,20 +17380,8 @@
         </p:nvSpPr>
         <p:spPr/>
         <p:txBody>
-          <a:bodyPr>
-            <a:normAutofit/>
-          </a:bodyPr>
+          <a:bodyPr/>
           <a:lstStyle/>
-          <a:p>
-            <a:r>
-              <a:rPr lang="fr-FR" dirty="0" err="1" smtClean="0"/>
-              <a:t>Slide</a:t>
-            </a:r>
-            <a:r>
-              <a:rPr lang="fr-FR" dirty="0" smtClean="0"/>
-              <a:t> 14 : C'est juste un rappel, passer assez vite</a:t>
-            </a:r>
-          </a:p>
           <a:p>
             <a:endParaRPr lang="fr-FR" dirty="0"/>
           </a:p>
@@ -18506,7 +17389,7 @@
       </p:sp>
       <p:sp>
         <p:nvSpPr>
-          <p:cNvPr id="4" name="Espace réservé du numéro de diapositive 3"/>
+          <p:cNvPr id="4" name="Slide Number Placeholder 3"/>
           <p:cNvSpPr>
             <a:spLocks noGrp="1"/>
           </p:cNvSpPr>
@@ -18519,10 +17402,15 @@
           <a:bodyPr/>
           <a:lstStyle/>
           <a:p>
-            <a:fld id="{BFEBECEB-CCF1-413B-AAA5-7969BDFE1205}" type="slidenum">
+            <a:pPr>
+              <a:defRPr/>
+            </a:pPr>
+            <a:fld id="{68CC13ED-B5D7-254A-B8C5-6B7F27BAA1B2}" type="slidenum">
               <a:rPr lang="fr-FR" smtClean="0"/>
-              <a:pPr/>
-              <a:t>18</a:t>
+              <a:pPr>
+                <a:defRPr/>
+              </a:pPr>
+              <a:t>14</a:t>
             </a:fld>
             <a:endParaRPr lang="fr-FR"/>
           </a:p>
@@ -18531,7 +17419,7 @@
     </p:spTree>
     <p:extLst>
       <p:ext uri="{BB962C8B-B14F-4D97-AF65-F5344CB8AC3E}">
-        <p14:creationId xmlns:p14="http://schemas.microsoft.com/office/powerpoint/2010/main" val="1405831740"/>
+        <p14:creationId xmlns:p14="http://schemas.microsoft.com/office/powerpoint/2010/main" val="1335659448"/>
       </p:ext>
     </p:extLst>
   </p:cSld>
@@ -18587,20 +17475,62 @@
           </a:bodyPr>
           <a:lstStyle/>
           <a:p>
-            <a:r>
-              <a:rPr lang="fr-FR" dirty="0" err="1" smtClean="0"/>
-              <a:t>Slide</a:t>
-            </a:r>
+            <a:pPr lvl="1"/>
             <a:r>
               <a:rPr lang="fr-FR" dirty="0" smtClean="0"/>
-              <a:t> 17 : Insister, mesurer où est le problème et pas à l'instinct j'essaie d'optimiser.</a:t>
-            </a:r>
-          </a:p>
-          <a:p>
+              <a:t>Tout utilisateur de système informatique s’attend à recevoir un système</a:t>
+            </a:r>
+          </a:p>
+          <a:p>
+            <a:pPr lvl="2"/>
             <a:r>
               <a:rPr lang="fr-FR" dirty="0" smtClean="0"/>
-              <a:t>Plus les marteler.</a:t>
-            </a:r>
+              <a:t>Qui répond de façon stable quelque soit sa charge</a:t>
+            </a:r>
+          </a:p>
+          <a:p>
+            <a:pPr lvl="2"/>
+            <a:r>
+              <a:rPr lang="fr-FR" dirty="0" smtClean="0"/>
+              <a:t>Qui répondre en un temps cohérent par rapport à l’action qu’il réalise</a:t>
+            </a:r>
+          </a:p>
+          <a:p>
+            <a:pPr lvl="1"/>
+            <a:r>
+              <a:rPr lang="fr-FR" dirty="0" smtClean="0"/>
+              <a:t>Bref un système performant</a:t>
+            </a:r>
+          </a:p>
+          <a:p>
+            <a:pPr lvl="1"/>
+            <a:endParaRPr lang="fr-FR" dirty="0" smtClean="0"/>
+          </a:p>
+          <a:p>
+            <a:pPr marL="457200" marR="0" lvl="1" indent="0" algn="l" defTabSz="914400" rtl="0" eaLnBrk="1" fontAlgn="auto" latinLnBrk="0" hangingPunct="1">
+              <a:lnSpc>
+                <a:spcPct val="100000"/>
+              </a:lnSpc>
+              <a:spcBef>
+                <a:spcPts val="0"/>
+              </a:spcBef>
+              <a:spcAft>
+                <a:spcPts val="0"/>
+              </a:spcAft>
+              <a:buClrTx/>
+              <a:buSzTx/>
+              <a:buFontTx/>
+              <a:buNone/>
+              <a:tabLst/>
+              <a:defRPr/>
+            </a:pPr>
+            <a:r>
+              <a:rPr lang="fr-FR" sz="1200" dirty="0" smtClean="0"/>
+              <a:t>Les performances d’un système sont une spécification fonctionnelle implicite du système</a:t>
+            </a:r>
+          </a:p>
+          <a:p>
+            <a:pPr lvl="1"/>
             <a:endParaRPr lang="fr-FR" dirty="0"/>
           </a:p>
         </p:txBody>
@@ -18623,7 +17553,7 @@
             <a:fld id="{BFEBECEB-CCF1-413B-AAA5-7969BDFE1205}" type="slidenum">
               <a:rPr lang="fr-FR" smtClean="0"/>
               <a:pPr/>
-              <a:t>19</a:t>
+              <a:t>15</a:t>
             </a:fld>
             <a:endParaRPr lang="fr-FR"/>
           </a:p>
@@ -18632,7 +17562,7 @@
     </p:spTree>
     <p:extLst>
       <p:ext uri="{BB962C8B-B14F-4D97-AF65-F5344CB8AC3E}">
-        <p14:creationId xmlns:p14="http://schemas.microsoft.com/office/powerpoint/2010/main" val="620633064"/>
+        <p14:creationId xmlns:p14="http://schemas.microsoft.com/office/powerpoint/2010/main" val="2857461259"/>
       </p:ext>
     </p:extLst>
   </p:cSld>
@@ -20653,7 +19583,7 @@
               </a14:hiddenLine>
             </a:ext>
             <a:ext uri="{FAA26D3D-D897-4be2-8F04-BA451C77F1D7}">
-              <ma14:placeholderFlag xmlns="" xmlns:ma14="http://schemas.microsoft.com/office/mac/drawingml/2011/main" val="1"/>
+              <ma14:placeholderFlag xmlns:ma14="http://schemas.microsoft.com/office/mac/drawingml/2011/main" xmlns="" val="1"/>
             </a:ext>
           </a:extLst>
         </p:spPr>
@@ -20735,7 +19665,7 @@
               </a14:hiddenLine>
             </a:ext>
             <a:ext uri="{FAA26D3D-D897-4be2-8F04-BA451C77F1D7}">
-              <ma14:placeholderFlag xmlns="" xmlns:ma14="http://schemas.microsoft.com/office/mac/drawingml/2011/main" val="1"/>
+              <ma14:placeholderFlag xmlns:ma14="http://schemas.microsoft.com/office/mac/drawingml/2011/main" xmlns="" val="1"/>
             </a:ext>
           </a:extLst>
         </p:spPr>
@@ -31196,91 +30126,47 @@
           <a:chExt cx="0" cy="0"/>
         </a:xfrm>
       </p:grpSpPr>
-      <p:sp>
-        <p:nvSpPr>
-          <p:cNvPr id="4" name="Rectangle 3"/>
-          <p:cNvSpPr/>
+      <p:pic>
+        <p:nvPicPr>
+          <p:cNvPr id="1026" name="Picture 2" descr="http://img.turbo.fr/03C0021C05612674-c2-photo-oYToyOntzOjE6InciO2k6OTYwO3M6NToiY29sb3IiO3M6NToid2hpdGUiO30%3D-le-tuning-sa-signification-son-histoire.jpg"/>
+          <p:cNvPicPr>
+            <a:picLocks noChangeAspect="1" noChangeArrowheads="1"/>
+          </p:cNvPicPr>
           <p:nvPr/>
-        </p:nvSpPr>
+        </p:nvPicPr>
+        <p:blipFill>
+          <a:blip r:embed="rId3">
+            <a:extLst>
+              <a:ext uri="{28A0092B-C50C-407E-A947-70E740481C1C}">
+                <a14:useLocalDpi xmlns:a14="http://schemas.microsoft.com/office/drawing/2010/main" val="0"/>
+              </a:ext>
+            </a:extLst>
+          </a:blip>
+          <a:srcRect/>
+          <a:stretch>
+            <a:fillRect/>
+          </a:stretch>
+        </p:blipFill>
         <p:spPr bwMode="auto">
           <a:xfrm>
-            <a:off x="1797832" y="793800"/>
-            <a:ext cx="1944216" cy="864096"/>
+            <a:off x="1259632" y="62768"/>
+            <a:ext cx="6768752" cy="3807423"/>
           </a:xfrm>
           <a:prstGeom prst="rect">
             <a:avLst/>
           </a:prstGeom>
-          <a:ln>
-            <a:headEnd type="none" w="med" len="med"/>
-            <a:tailEnd type="none" w="med" len="med"/>
-          </a:ln>
+          <a:noFill/>
+          <a:extLst>
+            <a:ext uri="{909E8E84-426E-40DD-AFC4-6F175D3DCCD1}">
+              <a14:hiddenFill xmlns:a14="http://schemas.microsoft.com/office/drawing/2010/main">
+                <a:solidFill>
+                  <a:srgbClr val="FFFFFF"/>
+                </a:solidFill>
+              </a14:hiddenFill>
+            </a:ext>
+          </a:extLst>
         </p:spPr>
-        <p:style>
-          <a:lnRef idx="2">
-            <a:schemeClr val="accent3">
-              <a:shade val="50000"/>
-            </a:schemeClr>
-          </a:lnRef>
-          <a:fillRef idx="1">
-            <a:schemeClr val="accent3"/>
-          </a:fillRef>
-          <a:effectRef idx="0">
-            <a:schemeClr val="accent3"/>
-          </a:effectRef>
-          <a:fontRef idx="minor">
-            <a:schemeClr val="lt1"/>
-          </a:fontRef>
-        </p:style>
-        <p:txBody>
-          <a:bodyPr vert="horz" wrap="square" lIns="91440" tIns="45720" rIns="91440" bIns="45720" numCol="1" rtlCol="0" anchor="ctr" anchorCtr="0" compatLnSpc="1">
-            <a:prstTxWarp prst="textNoShape">
-              <a:avLst/>
-            </a:prstTxWarp>
-          </a:bodyPr>
-          <a:lstStyle/>
-          <a:p>
-            <a:pPr marL="0" marR="0" indent="0" algn="ctr" defTabSz="914400" rtl="0" eaLnBrk="0" fontAlgn="base" latinLnBrk="0" hangingPunct="0">
-              <a:lnSpc>
-                <a:spcPct val="100000"/>
-              </a:lnSpc>
-              <a:spcBef>
-                <a:spcPct val="0"/>
-              </a:spcBef>
-              <a:spcAft>
-                <a:spcPct val="0"/>
-              </a:spcAft>
-              <a:buClrTx/>
-              <a:buSzTx/>
-              <a:buFontTx/>
-              <a:buNone/>
-              <a:tabLst/>
-            </a:pPr>
-            <a:r>
-              <a:rPr kumimoji="0" lang="en-US" sz="3200" b="0" i="0" u="none" strike="noStrike" cap="none" normalizeH="0" baseline="0" dirty="0" smtClean="0">
-                <a:ln>
-                  <a:noFill/>
-                </a:ln>
-                <a:solidFill>
-                  <a:schemeClr val="bg1"/>
-                </a:solidFill>
-                <a:effectLst/>
-                <a:latin typeface="+mn-lt"/>
-              </a:rPr>
-              <a:t>Tuning</a:t>
-            </a:r>
-            <a:endParaRPr kumimoji="0" lang="en-US" sz="3200" b="0" i="0" u="none" strike="noStrike" cap="none" normalizeH="0" baseline="0" dirty="0" smtClean="0">
-              <a:ln>
-                <a:noFill/>
-              </a:ln>
-              <a:solidFill>
-                <a:schemeClr val="bg1"/>
-              </a:solidFill>
-              <a:effectLst/>
-              <a:latin typeface="+mn-lt"/>
-            </a:endParaRPr>
-          </a:p>
-        </p:txBody>
-      </p:sp>
+      </p:pic>
     </p:spTree>
     <p:extLst>
       <p:ext uri="{BB962C8B-B14F-4D97-AF65-F5344CB8AC3E}">
@@ -32159,15 +31045,56 @@
           <a:chExt cx="0" cy="0"/>
         </a:xfrm>
       </p:grpSpPr>
+      <p:pic>
+        <p:nvPicPr>
+          <p:cNvPr id="1026" name="Picture 2" descr="http://img.turbo.fr/03C0021C05612674-c2-photo-oYToyOntzOjE6InciO2k6OTYwO3M6NToiY29sb3IiO3M6NToid2hpdGUiO30%3D-le-tuning-sa-signification-son-histoire.jpg"/>
+          <p:cNvPicPr>
+            <a:picLocks noChangeAspect="1" noChangeArrowheads="1"/>
+          </p:cNvPicPr>
+          <p:nvPr/>
+        </p:nvPicPr>
+        <p:blipFill>
+          <a:blip r:embed="rId2">
+            <a:extLst>
+              <a:ext uri="{28A0092B-C50C-407E-A947-70E740481C1C}">
+                <a14:useLocalDpi xmlns:a14="http://schemas.microsoft.com/office/drawing/2010/main" val="0"/>
+              </a:ext>
+            </a:extLst>
+          </a:blip>
+          <a:srcRect/>
+          <a:stretch>
+            <a:fillRect/>
+          </a:stretch>
+        </p:blipFill>
+        <p:spPr bwMode="auto">
+          <a:xfrm>
+            <a:off x="1259632" y="62768"/>
+            <a:ext cx="6768752" cy="3807423"/>
+          </a:xfrm>
+          <a:prstGeom prst="rect">
+            <a:avLst/>
+          </a:prstGeom>
+          <a:noFill/>
+          <a:extLst>
+            <a:ext uri="{909E8E84-426E-40DD-AFC4-6F175D3DCCD1}">
+              <a14:hiddenFill xmlns:a14="http://schemas.microsoft.com/office/drawing/2010/main">
+                <a:solidFill>
+                  <a:srgbClr val="FFFFFF"/>
+                </a:solidFill>
+              </a14:hiddenFill>
+            </a:ext>
+          </a:extLst>
+        </p:spPr>
+      </p:pic>
       <p:sp>
         <p:nvSpPr>
-          <p:cNvPr id="4" name="Rectangle 3"/>
+          <p:cNvPr id="3" name="Rectangle 2"/>
           <p:cNvSpPr/>
           <p:nvPr/>
         </p:nvSpPr>
         <p:spPr bwMode="auto">
           <a:xfrm>
-            <a:off x="1797832" y="793800"/>
+            <a:off x="2123728" y="4011910"/>
             <a:ext cx="1944216" cy="864096"/>
           </a:xfrm>
           <a:prstGeom prst="rect">
@@ -32219,7 +31146,7 @@
               <a:tabLst/>
             </a:pPr>
             <a:r>
-              <a:rPr kumimoji="0" lang="en-US" sz="3200" b="0" i="0" u="none" strike="noStrike" cap="none" normalizeH="0" baseline="0" dirty="0" smtClean="0">
+              <a:rPr kumimoji="0" lang="en-US" sz="3200" b="0" i="0" u="none" strike="noStrike" cap="none" normalizeH="0" baseline="0" dirty="0" err="1" smtClean="0">
                 <a:ln>
                   <a:noFill/>
                 </a:ln>
@@ -32229,7 +31156,7 @@
                 <a:effectLst/>
                 <a:latin typeface="+mn-lt"/>
               </a:rPr>
-              <a:t>Tuning</a:t>
+              <a:t>Applicatif</a:t>
             </a:r>
             <a:endParaRPr kumimoji="0" lang="en-US" sz="3200" b="0" i="0" u="none" strike="noStrike" cap="none" normalizeH="0" baseline="0" dirty="0" smtClean="0">
               <a:ln>
@@ -32246,13 +31173,13 @@
       </p:sp>
       <p:sp>
         <p:nvSpPr>
-          <p:cNvPr id="5" name="Rectangle 4"/>
+          <p:cNvPr id="4" name="Rectangle 3"/>
           <p:cNvSpPr/>
           <p:nvPr/>
         </p:nvSpPr>
         <p:spPr bwMode="auto">
           <a:xfrm>
-            <a:off x="5448424" y="491902"/>
+            <a:off x="5292080" y="4011910"/>
             <a:ext cx="1944216" cy="864096"/>
           </a:xfrm>
           <a:prstGeom prst="rect">
@@ -32314,7 +31241,7 @@
                 <a:effectLst/>
                 <a:latin typeface="+mn-lt"/>
               </a:rPr>
-              <a:t>Applicatif</a:t>
+              <a:t>Système</a:t>
             </a:r>
             <a:endParaRPr kumimoji="0" lang="en-US" sz="3200" b="0" i="0" u="none" strike="noStrike" cap="none" normalizeH="0" baseline="0" dirty="0" smtClean="0">
               <a:ln>
@@ -32329,42 +31256,10 @@
           </a:p>
         </p:txBody>
       </p:sp>
-      <p:cxnSp>
-        <p:nvCxnSpPr>
-          <p:cNvPr id="9" name="Straight Arrow Connector 8"/>
-          <p:cNvCxnSpPr>
-            <a:stCxn id="4" idx="3"/>
-            <a:endCxn id="5" idx="1"/>
-          </p:cNvCxnSpPr>
-          <p:nvPr/>
-        </p:nvCxnSpPr>
-        <p:spPr bwMode="auto">
-          <a:xfrm flipV="1">
-            <a:off x="3742048" y="923950"/>
-            <a:ext cx="1706376" cy="301898"/>
-          </a:xfrm>
-          <a:prstGeom prst="straightConnector1">
-            <a:avLst/>
-          </a:prstGeom>
-          <a:solidFill>
-            <a:schemeClr val="accent1"/>
-          </a:solidFill>
-          <a:ln w="9525" cap="flat" cmpd="sng" algn="ctr">
-            <a:solidFill>
-              <a:schemeClr val="tx1"/>
-            </a:solidFill>
-            <a:prstDash val="solid"/>
-            <a:round/>
-            <a:headEnd type="none" w="med" len="med"/>
-            <a:tailEnd type="arrow"/>
-          </a:ln>
-          <a:effectLst/>
-        </p:spPr>
-      </p:cxnSp>
     </p:spTree>
     <p:extLst>
       <p:ext uri="{BB962C8B-B14F-4D97-AF65-F5344CB8AC3E}">
-        <p14:creationId xmlns:p14="http://schemas.microsoft.com/office/powerpoint/2010/main" val="1475935855"/>
+        <p14:creationId xmlns:p14="http://schemas.microsoft.com/office/powerpoint/2010/main" val="2274015345"/>
       </p:ext>
     </p:extLst>
   </p:cSld>
@@ -41723,329 +40618,51 @@
           <a:chExt cx="0" cy="0"/>
         </a:xfrm>
       </p:grpSpPr>
-      <p:sp>
-        <p:nvSpPr>
-          <p:cNvPr id="4" name="Rectangle 3"/>
-          <p:cNvSpPr/>
+      <p:pic>
+        <p:nvPicPr>
+          <p:cNvPr id="2050" name="Picture 2" descr="http://marketing-au-feminin.com/wp-content/uploads/2012/09/chronometre.jpg"/>
+          <p:cNvPicPr>
+            <a:picLocks noChangeAspect="1" noChangeArrowheads="1"/>
+          </p:cNvPicPr>
           <p:nvPr/>
-        </p:nvSpPr>
+        </p:nvPicPr>
+        <p:blipFill>
+          <a:blip r:embed="rId3">
+            <a:extLst>
+              <a:ext uri="{28A0092B-C50C-407E-A947-70E740481C1C}">
+                <a14:useLocalDpi xmlns:a14="http://schemas.microsoft.com/office/drawing/2010/main" val="0"/>
+              </a:ext>
+            </a:extLst>
+          </a:blip>
+          <a:srcRect/>
+          <a:stretch>
+            <a:fillRect/>
+          </a:stretch>
+        </p:blipFill>
         <p:spPr bwMode="auto">
           <a:xfrm>
-            <a:off x="1797832" y="793800"/>
-            <a:ext cx="1944216" cy="864096"/>
+            <a:off x="2667000" y="195486"/>
+            <a:ext cx="3810000" cy="3810000"/>
           </a:xfrm>
           <a:prstGeom prst="rect">
             <a:avLst/>
           </a:prstGeom>
-          <a:ln>
-            <a:headEnd type="none" w="med" len="med"/>
-            <a:tailEnd type="none" w="med" len="med"/>
-          </a:ln>
+          <a:noFill/>
+          <a:extLst>
+            <a:ext uri="{909E8E84-426E-40DD-AFC4-6F175D3DCCD1}">
+              <a14:hiddenFill xmlns:a14="http://schemas.microsoft.com/office/drawing/2010/main">
+                <a:solidFill>
+                  <a:srgbClr val="FFFFFF"/>
+                </a:solidFill>
+              </a14:hiddenFill>
+            </a:ext>
+          </a:extLst>
         </p:spPr>
-        <p:style>
-          <a:lnRef idx="2">
-            <a:schemeClr val="accent3">
-              <a:shade val="50000"/>
-            </a:schemeClr>
-          </a:lnRef>
-          <a:fillRef idx="1">
-            <a:schemeClr val="accent3"/>
-          </a:fillRef>
-          <a:effectRef idx="0">
-            <a:schemeClr val="accent3"/>
-          </a:effectRef>
-          <a:fontRef idx="minor">
-            <a:schemeClr val="lt1"/>
-          </a:fontRef>
-        </p:style>
-        <p:txBody>
-          <a:bodyPr vert="horz" wrap="square" lIns="91440" tIns="45720" rIns="91440" bIns="45720" numCol="1" rtlCol="0" anchor="ctr" anchorCtr="0" compatLnSpc="1">
-            <a:prstTxWarp prst="textNoShape">
-              <a:avLst/>
-            </a:prstTxWarp>
-          </a:bodyPr>
-          <a:lstStyle/>
-          <a:p>
-            <a:pPr marL="0" marR="0" indent="0" algn="ctr" defTabSz="914400" rtl="0" eaLnBrk="0" fontAlgn="base" latinLnBrk="0" hangingPunct="0">
-              <a:lnSpc>
-                <a:spcPct val="100000"/>
-              </a:lnSpc>
-              <a:spcBef>
-                <a:spcPct val="0"/>
-              </a:spcBef>
-              <a:spcAft>
-                <a:spcPct val="0"/>
-              </a:spcAft>
-              <a:buClrTx/>
-              <a:buSzTx/>
-              <a:buFontTx/>
-              <a:buNone/>
-              <a:tabLst/>
-            </a:pPr>
-            <a:r>
-              <a:rPr kumimoji="0" lang="en-US" sz="3200" b="0" i="0" u="none" strike="noStrike" cap="none" normalizeH="0" baseline="0" dirty="0" smtClean="0">
-                <a:ln>
-                  <a:noFill/>
-                </a:ln>
-                <a:solidFill>
-                  <a:schemeClr val="bg1"/>
-                </a:solidFill>
-                <a:effectLst/>
-                <a:latin typeface="+mn-lt"/>
-              </a:rPr>
-              <a:t>Tuning</a:t>
-            </a:r>
-            <a:endParaRPr kumimoji="0" lang="en-US" sz="3200" b="0" i="0" u="none" strike="noStrike" cap="none" normalizeH="0" baseline="0" dirty="0" smtClean="0">
-              <a:ln>
-                <a:noFill/>
-              </a:ln>
-              <a:solidFill>
-                <a:schemeClr val="bg1"/>
-              </a:solidFill>
-              <a:effectLst/>
-              <a:latin typeface="+mn-lt"/>
-            </a:endParaRPr>
-          </a:p>
-        </p:txBody>
-      </p:sp>
-      <p:sp>
-        <p:nvSpPr>
-          <p:cNvPr id="5" name="Rectangle 4"/>
-          <p:cNvSpPr/>
-          <p:nvPr/>
-        </p:nvSpPr>
-        <p:spPr bwMode="auto">
-          <a:xfrm>
-            <a:off x="5448424" y="491902"/>
-            <a:ext cx="1944216" cy="864096"/>
-          </a:xfrm>
-          <a:prstGeom prst="rect">
-            <a:avLst/>
-          </a:prstGeom>
-          <a:ln>
-            <a:headEnd type="none" w="med" len="med"/>
-            <a:tailEnd type="none" w="med" len="med"/>
-          </a:ln>
-        </p:spPr>
-        <p:style>
-          <a:lnRef idx="2">
-            <a:schemeClr val="accent3">
-              <a:shade val="50000"/>
-            </a:schemeClr>
-          </a:lnRef>
-          <a:fillRef idx="1">
-            <a:schemeClr val="accent3"/>
-          </a:fillRef>
-          <a:effectRef idx="0">
-            <a:schemeClr val="accent3"/>
-          </a:effectRef>
-          <a:fontRef idx="minor">
-            <a:schemeClr val="lt1"/>
-          </a:fontRef>
-        </p:style>
-        <p:txBody>
-          <a:bodyPr vert="horz" wrap="square" lIns="91440" tIns="45720" rIns="91440" bIns="45720" numCol="1" rtlCol="0" anchor="ctr" anchorCtr="0" compatLnSpc="1">
-            <a:prstTxWarp prst="textNoShape">
-              <a:avLst/>
-            </a:prstTxWarp>
-          </a:bodyPr>
-          <a:lstStyle/>
-          <a:p>
-            <a:pPr marL="0" marR="0" indent="0" algn="ctr" defTabSz="914400" rtl="0" eaLnBrk="0" fontAlgn="base" latinLnBrk="0" hangingPunct="0">
-              <a:lnSpc>
-                <a:spcPct val="100000"/>
-              </a:lnSpc>
-              <a:spcBef>
-                <a:spcPct val="0"/>
-              </a:spcBef>
-              <a:spcAft>
-                <a:spcPct val="0"/>
-              </a:spcAft>
-              <a:buClrTx/>
-              <a:buSzTx/>
-              <a:buFontTx/>
-              <a:buNone/>
-              <a:tabLst/>
-            </a:pPr>
-            <a:r>
-              <a:rPr kumimoji="0" lang="en-US" sz="3200" b="0" i="0" u="none" strike="noStrike" cap="none" normalizeH="0" baseline="0" dirty="0" err="1" smtClean="0">
-                <a:ln>
-                  <a:noFill/>
-                </a:ln>
-                <a:solidFill>
-                  <a:schemeClr val="bg1"/>
-                </a:solidFill>
-                <a:effectLst/>
-                <a:latin typeface="+mn-lt"/>
-              </a:rPr>
-              <a:t>Applicatif</a:t>
-            </a:r>
-            <a:endParaRPr kumimoji="0" lang="en-US" sz="3200" b="0" i="0" u="none" strike="noStrike" cap="none" normalizeH="0" baseline="0" dirty="0" smtClean="0">
-              <a:ln>
-                <a:noFill/>
-              </a:ln>
-              <a:solidFill>
-                <a:schemeClr val="bg1"/>
-              </a:solidFill>
-              <a:effectLst/>
-              <a:latin typeface="+mn-lt"/>
-            </a:endParaRPr>
-          </a:p>
-        </p:txBody>
-      </p:sp>
-      <p:sp>
-        <p:nvSpPr>
-          <p:cNvPr id="6" name="Rectangle 5"/>
-          <p:cNvSpPr/>
-          <p:nvPr/>
-        </p:nvSpPr>
-        <p:spPr bwMode="auto">
-          <a:xfrm>
-            <a:off x="5448424" y="1635646"/>
-            <a:ext cx="1944216" cy="864096"/>
-          </a:xfrm>
-          <a:prstGeom prst="rect">
-            <a:avLst/>
-          </a:prstGeom>
-          <a:ln>
-            <a:headEnd type="none" w="med" len="med"/>
-            <a:tailEnd type="none" w="med" len="med"/>
-          </a:ln>
-        </p:spPr>
-        <p:style>
-          <a:lnRef idx="2">
-            <a:schemeClr val="accent3">
-              <a:shade val="50000"/>
-            </a:schemeClr>
-          </a:lnRef>
-          <a:fillRef idx="1">
-            <a:schemeClr val="accent3"/>
-          </a:fillRef>
-          <a:effectRef idx="0">
-            <a:schemeClr val="accent3"/>
-          </a:effectRef>
-          <a:fontRef idx="minor">
-            <a:schemeClr val="lt1"/>
-          </a:fontRef>
-        </p:style>
-        <p:txBody>
-          <a:bodyPr vert="horz" wrap="square" lIns="91440" tIns="45720" rIns="91440" bIns="45720" numCol="1" rtlCol="0" anchor="ctr" anchorCtr="0" compatLnSpc="1">
-            <a:prstTxWarp prst="textNoShape">
-              <a:avLst/>
-            </a:prstTxWarp>
-          </a:bodyPr>
-          <a:lstStyle/>
-          <a:p>
-            <a:pPr marL="0" marR="0" indent="0" algn="ctr" defTabSz="914400" rtl="0" eaLnBrk="0" fontAlgn="base" latinLnBrk="0" hangingPunct="0">
-              <a:lnSpc>
-                <a:spcPct val="100000"/>
-              </a:lnSpc>
-              <a:spcBef>
-                <a:spcPct val="0"/>
-              </a:spcBef>
-              <a:spcAft>
-                <a:spcPct val="0"/>
-              </a:spcAft>
-              <a:buClrTx/>
-              <a:buSzTx/>
-              <a:buFontTx/>
-              <a:buNone/>
-              <a:tabLst/>
-            </a:pPr>
-            <a:r>
-              <a:rPr kumimoji="0" lang="en-US" sz="3200" b="0" i="0" u="none" strike="noStrike" cap="none" normalizeH="0" baseline="0" dirty="0" err="1" smtClean="0">
-                <a:ln>
-                  <a:noFill/>
-                </a:ln>
-                <a:solidFill>
-                  <a:schemeClr val="bg1"/>
-                </a:solidFill>
-                <a:effectLst/>
-                <a:latin typeface="+mn-lt"/>
-              </a:rPr>
-              <a:t>Système</a:t>
-            </a:r>
-            <a:endParaRPr kumimoji="0" lang="en-US" sz="3200" b="0" i="0" u="none" strike="noStrike" cap="none" normalizeH="0" baseline="0" dirty="0" smtClean="0">
-              <a:ln>
-                <a:noFill/>
-              </a:ln>
-              <a:solidFill>
-                <a:schemeClr val="bg1"/>
-              </a:solidFill>
-              <a:effectLst/>
-              <a:latin typeface="+mn-lt"/>
-            </a:endParaRPr>
-          </a:p>
-        </p:txBody>
-      </p:sp>
-      <p:cxnSp>
-        <p:nvCxnSpPr>
-          <p:cNvPr id="9" name="Straight Arrow Connector 8"/>
-          <p:cNvCxnSpPr>
-            <a:stCxn id="4" idx="3"/>
-            <a:endCxn id="5" idx="1"/>
-          </p:cNvCxnSpPr>
-          <p:nvPr/>
-        </p:nvCxnSpPr>
-        <p:spPr bwMode="auto">
-          <a:xfrm flipV="1">
-            <a:off x="3742048" y="923950"/>
-            <a:ext cx="1706376" cy="301898"/>
-          </a:xfrm>
-          <a:prstGeom prst="straightConnector1">
-            <a:avLst/>
-          </a:prstGeom>
-          <a:solidFill>
-            <a:schemeClr val="accent1"/>
-          </a:solidFill>
-          <a:ln w="9525" cap="flat" cmpd="sng" algn="ctr">
-            <a:solidFill>
-              <a:schemeClr val="tx1"/>
-            </a:solidFill>
-            <a:prstDash val="solid"/>
-            <a:round/>
-            <a:headEnd type="none" w="med" len="med"/>
-            <a:tailEnd type="arrow"/>
-          </a:ln>
-          <a:effectLst/>
-        </p:spPr>
-      </p:cxnSp>
-      <p:cxnSp>
-        <p:nvCxnSpPr>
-          <p:cNvPr id="11" name="Straight Arrow Connector 10"/>
-          <p:cNvCxnSpPr>
-            <a:stCxn id="4" idx="3"/>
-            <a:endCxn id="6" idx="1"/>
-          </p:cNvCxnSpPr>
-          <p:nvPr/>
-        </p:nvCxnSpPr>
-        <p:spPr bwMode="auto">
-          <a:xfrm>
-            <a:off x="3742048" y="1225848"/>
-            <a:ext cx="1706376" cy="841846"/>
-          </a:xfrm>
-          <a:prstGeom prst="straightConnector1">
-            <a:avLst/>
-          </a:prstGeom>
-          <a:solidFill>
-            <a:schemeClr val="accent1"/>
-          </a:solidFill>
-          <a:ln w="9525" cap="flat" cmpd="sng" algn="ctr">
-            <a:solidFill>
-              <a:schemeClr val="tx1"/>
-            </a:solidFill>
-            <a:prstDash val="solid"/>
-            <a:round/>
-            <a:headEnd type="none" w="med" len="med"/>
-            <a:tailEnd type="arrow"/>
-          </a:ln>
-          <a:effectLst/>
-        </p:spPr>
-      </p:cxnSp>
+      </p:pic>
     </p:spTree>
     <p:extLst>
       <p:ext uri="{BB962C8B-B14F-4D97-AF65-F5344CB8AC3E}">
-        <p14:creationId xmlns:p14="http://schemas.microsoft.com/office/powerpoint/2010/main" val="1475935855"/>
+        <p14:creationId xmlns:p14="http://schemas.microsoft.com/office/powerpoint/2010/main" val="885786487"/>
       </p:ext>
     </p:extLst>
   </p:cSld>
@@ -43619,16 +42236,57 @@
           <a:chExt cx="0" cy="0"/>
         </a:xfrm>
       </p:grpSpPr>
+      <p:pic>
+        <p:nvPicPr>
+          <p:cNvPr id="2050" name="Picture 2" descr="http://marketing-au-feminin.com/wp-content/uploads/2012/09/chronometre.jpg"/>
+          <p:cNvPicPr>
+            <a:picLocks noChangeAspect="1" noChangeArrowheads="1"/>
+          </p:cNvPicPr>
+          <p:nvPr/>
+        </p:nvPicPr>
+        <p:blipFill>
+          <a:blip r:embed="rId2">
+            <a:extLst>
+              <a:ext uri="{28A0092B-C50C-407E-A947-70E740481C1C}">
+                <a14:useLocalDpi xmlns:a14="http://schemas.microsoft.com/office/drawing/2010/main" val="0"/>
+              </a:ext>
+            </a:extLst>
+          </a:blip>
+          <a:srcRect/>
+          <a:stretch>
+            <a:fillRect/>
+          </a:stretch>
+        </p:blipFill>
+        <p:spPr bwMode="auto">
+          <a:xfrm>
+            <a:off x="2667000" y="195486"/>
+            <a:ext cx="3810000" cy="3810000"/>
+          </a:xfrm>
+          <a:prstGeom prst="rect">
+            <a:avLst/>
+          </a:prstGeom>
+          <a:noFill/>
+          <a:extLst>
+            <a:ext uri="{909E8E84-426E-40DD-AFC4-6F175D3DCCD1}">
+              <a14:hiddenFill xmlns:a14="http://schemas.microsoft.com/office/drawing/2010/main">
+                <a:solidFill>
+                  <a:srgbClr val="FFFFFF"/>
+                </a:solidFill>
+              </a14:hiddenFill>
+            </a:ext>
+          </a:extLst>
+        </p:spPr>
+      </p:pic>
       <p:sp>
         <p:nvSpPr>
-          <p:cNvPr id="4" name="Rectangle 3"/>
+          <p:cNvPr id="3" name="Rectangle 2"/>
           <p:cNvSpPr/>
           <p:nvPr/>
         </p:nvSpPr>
         <p:spPr bwMode="auto">
           <a:xfrm>
-            <a:off x="1797832" y="793800"/>
-            <a:ext cx="1944216" cy="864096"/>
+            <a:off x="539552" y="3651870"/>
+            <a:ext cx="3456384" cy="1224136"/>
           </a:xfrm>
           <a:prstGeom prst="rect">
             <a:avLst/>
@@ -43640,15 +42298,15 @@
         </p:spPr>
         <p:style>
           <a:lnRef idx="2">
-            <a:schemeClr val="accent3">
+            <a:schemeClr val="accent6">
               <a:shade val="50000"/>
             </a:schemeClr>
           </a:lnRef>
           <a:fillRef idx="1">
-            <a:schemeClr val="accent3"/>
+            <a:schemeClr val="accent6"/>
           </a:fillRef>
           <a:effectRef idx="0">
-            <a:schemeClr val="accent3"/>
+            <a:schemeClr val="accent6"/>
           </a:effectRef>
           <a:fontRef idx="minor">
             <a:schemeClr val="lt1"/>
@@ -43679,17 +42337,12 @@
               <a:tabLst/>
             </a:pPr>
             <a:r>
-              <a:rPr kumimoji="0" lang="en-US" sz="3200" b="0" i="0" u="none" strike="noStrike" cap="none" normalizeH="0" baseline="0" dirty="0" smtClean="0">
-                <a:ln>
-                  <a:noFill/>
-                </a:ln>
+              <a:rPr lang="en-US" sz="3200" dirty="0" err="1" smtClean="0">
                 <a:solidFill>
                   <a:schemeClr val="bg1"/>
                 </a:solidFill>
-                <a:effectLst/>
-                <a:latin typeface="+mn-lt"/>
               </a:rPr>
-              <a:t>Tuning</a:t>
+              <a:t>Développement</a:t>
             </a:r>
             <a:endParaRPr kumimoji="0" lang="en-US" sz="3200" b="0" i="0" u="none" strike="noStrike" cap="none" normalizeH="0" baseline="0" dirty="0" smtClean="0">
               <a:ln>
@@ -43706,14 +42359,14 @@
       </p:sp>
       <p:sp>
         <p:nvSpPr>
-          <p:cNvPr id="5" name="Rectangle 4"/>
+          <p:cNvPr id="4" name="Rectangle 3"/>
           <p:cNvSpPr/>
           <p:nvPr/>
         </p:nvSpPr>
         <p:spPr bwMode="auto">
           <a:xfrm>
-            <a:off x="5448424" y="491902"/>
-            <a:ext cx="1944216" cy="864096"/>
+            <a:off x="5292080" y="3651870"/>
+            <a:ext cx="3456384" cy="1224136"/>
           </a:xfrm>
           <a:prstGeom prst="rect">
             <a:avLst/>
@@ -43725,15 +42378,15 @@
         </p:spPr>
         <p:style>
           <a:lnRef idx="2">
-            <a:schemeClr val="accent3">
+            <a:schemeClr val="accent6">
               <a:shade val="50000"/>
             </a:schemeClr>
           </a:lnRef>
           <a:fillRef idx="1">
-            <a:schemeClr val="accent3"/>
+            <a:schemeClr val="accent6"/>
           </a:fillRef>
           <a:effectRef idx="0">
-            <a:schemeClr val="accent3"/>
+            <a:schemeClr val="accent6"/>
           </a:effectRef>
           <a:fontRef idx="minor">
             <a:schemeClr val="lt1"/>
@@ -43764,17 +42417,12 @@
               <a:tabLst/>
             </a:pPr>
             <a:r>
-              <a:rPr kumimoji="0" lang="en-US" sz="3200" b="0" i="0" u="none" strike="noStrike" cap="none" normalizeH="0" baseline="0" dirty="0" err="1" smtClean="0">
-                <a:ln>
-                  <a:noFill/>
-                </a:ln>
+              <a:rPr lang="en-US" sz="3200" dirty="0" smtClean="0">
                 <a:solidFill>
                   <a:schemeClr val="bg1"/>
                 </a:solidFill>
-                <a:effectLst/>
-                <a:latin typeface="+mn-lt"/>
               </a:rPr>
-              <a:t>Applicatif</a:t>
+              <a:t>Production</a:t>
             </a:r>
             <a:endParaRPr kumimoji="0" lang="en-US" sz="3200" b="0" i="0" u="none" strike="noStrike" cap="none" normalizeH="0" baseline="0" dirty="0" smtClean="0">
               <a:ln>
@@ -43789,257 +42437,10 @@
           </a:p>
         </p:txBody>
       </p:sp>
-      <p:sp>
-        <p:nvSpPr>
-          <p:cNvPr id="6" name="Rectangle 5"/>
-          <p:cNvSpPr/>
-          <p:nvPr/>
-        </p:nvSpPr>
-        <p:spPr bwMode="auto">
-          <a:xfrm>
-            <a:off x="5448424" y="1635646"/>
-            <a:ext cx="1944216" cy="864096"/>
-          </a:xfrm>
-          <a:prstGeom prst="rect">
-            <a:avLst/>
-          </a:prstGeom>
-          <a:ln>
-            <a:headEnd type="none" w="med" len="med"/>
-            <a:tailEnd type="none" w="med" len="med"/>
-          </a:ln>
-        </p:spPr>
-        <p:style>
-          <a:lnRef idx="2">
-            <a:schemeClr val="accent3">
-              <a:shade val="50000"/>
-            </a:schemeClr>
-          </a:lnRef>
-          <a:fillRef idx="1">
-            <a:schemeClr val="accent3"/>
-          </a:fillRef>
-          <a:effectRef idx="0">
-            <a:schemeClr val="accent3"/>
-          </a:effectRef>
-          <a:fontRef idx="minor">
-            <a:schemeClr val="lt1"/>
-          </a:fontRef>
-        </p:style>
-        <p:txBody>
-          <a:bodyPr vert="horz" wrap="square" lIns="91440" tIns="45720" rIns="91440" bIns="45720" numCol="1" rtlCol="0" anchor="ctr" anchorCtr="0" compatLnSpc="1">
-            <a:prstTxWarp prst="textNoShape">
-              <a:avLst/>
-            </a:prstTxWarp>
-          </a:bodyPr>
-          <a:lstStyle/>
-          <a:p>
-            <a:pPr marL="0" marR="0" indent="0" algn="ctr" defTabSz="914400" rtl="0" eaLnBrk="0" fontAlgn="base" latinLnBrk="0" hangingPunct="0">
-              <a:lnSpc>
-                <a:spcPct val="100000"/>
-              </a:lnSpc>
-              <a:spcBef>
-                <a:spcPct val="0"/>
-              </a:spcBef>
-              <a:spcAft>
-                <a:spcPct val="0"/>
-              </a:spcAft>
-              <a:buClrTx/>
-              <a:buSzTx/>
-              <a:buFontTx/>
-              <a:buNone/>
-              <a:tabLst/>
-            </a:pPr>
-            <a:r>
-              <a:rPr kumimoji="0" lang="en-US" sz="3200" b="0" i="0" u="none" strike="noStrike" cap="none" normalizeH="0" baseline="0" dirty="0" err="1" smtClean="0">
-                <a:ln>
-                  <a:noFill/>
-                </a:ln>
-                <a:solidFill>
-                  <a:schemeClr val="bg1"/>
-                </a:solidFill>
-                <a:effectLst/>
-                <a:latin typeface="+mn-lt"/>
-              </a:rPr>
-              <a:t>Système</a:t>
-            </a:r>
-            <a:endParaRPr kumimoji="0" lang="en-US" sz="3200" b="0" i="0" u="none" strike="noStrike" cap="none" normalizeH="0" baseline="0" dirty="0" smtClean="0">
-              <a:ln>
-                <a:noFill/>
-              </a:ln>
-              <a:solidFill>
-                <a:schemeClr val="bg1"/>
-              </a:solidFill>
-              <a:effectLst/>
-              <a:latin typeface="+mn-lt"/>
-            </a:endParaRPr>
-          </a:p>
-        </p:txBody>
-      </p:sp>
-      <p:sp>
-        <p:nvSpPr>
-          <p:cNvPr id="7" name="Rectangle 6"/>
-          <p:cNvSpPr/>
-          <p:nvPr/>
-        </p:nvSpPr>
-        <p:spPr bwMode="auto">
-          <a:xfrm>
-            <a:off x="827584" y="3363838"/>
-            <a:ext cx="3456384" cy="1368152"/>
-          </a:xfrm>
-          <a:prstGeom prst="rect">
-            <a:avLst/>
-          </a:prstGeom>
-          <a:ln>
-            <a:headEnd type="none" w="med" len="med"/>
-            <a:tailEnd type="none" w="med" len="med"/>
-          </a:ln>
-        </p:spPr>
-        <p:style>
-          <a:lnRef idx="2">
-            <a:schemeClr val="accent2">
-              <a:shade val="50000"/>
-            </a:schemeClr>
-          </a:lnRef>
-          <a:fillRef idx="1">
-            <a:schemeClr val="accent2"/>
-          </a:fillRef>
-          <a:effectRef idx="0">
-            <a:schemeClr val="accent2"/>
-          </a:effectRef>
-          <a:fontRef idx="minor">
-            <a:schemeClr val="lt1"/>
-          </a:fontRef>
-        </p:style>
-        <p:txBody>
-          <a:bodyPr vert="horz" wrap="square" lIns="91440" tIns="45720" rIns="91440" bIns="45720" numCol="1" rtlCol="0" anchor="ctr" anchorCtr="0" compatLnSpc="1">
-            <a:prstTxWarp prst="textNoShape">
-              <a:avLst/>
-            </a:prstTxWarp>
-          </a:bodyPr>
-          <a:lstStyle/>
-          <a:p>
-            <a:pPr marL="0" marR="0" indent="0" algn="ctr" defTabSz="914400" rtl="0" eaLnBrk="0" fontAlgn="base" latinLnBrk="0" hangingPunct="0">
-              <a:lnSpc>
-                <a:spcPct val="100000"/>
-              </a:lnSpc>
-              <a:spcBef>
-                <a:spcPct val="0"/>
-              </a:spcBef>
-              <a:spcAft>
-                <a:spcPct val="0"/>
-              </a:spcAft>
-              <a:buClrTx/>
-              <a:buSzTx/>
-              <a:buFontTx/>
-              <a:buNone/>
-              <a:tabLst/>
-            </a:pPr>
-            <a:r>
-              <a:rPr kumimoji="0" lang="en-US" sz="3200" b="0" i="0" u="none" strike="noStrike" cap="none" normalizeH="0" baseline="0" dirty="0" err="1" smtClean="0">
-                <a:ln>
-                  <a:noFill/>
-                </a:ln>
-                <a:solidFill>
-                  <a:schemeClr val="bg1"/>
-                </a:solidFill>
-                <a:effectLst/>
-                <a:latin typeface="+mn-lt"/>
-              </a:rPr>
-              <a:t>Méthodologie</a:t>
-            </a:r>
-            <a:r>
-              <a:rPr kumimoji="0" lang="en-US" sz="3200" b="0" i="0" u="none" strike="noStrike" cap="none" normalizeH="0" baseline="0" dirty="0" smtClean="0">
-                <a:ln>
-                  <a:noFill/>
-                </a:ln>
-                <a:solidFill>
-                  <a:schemeClr val="bg1"/>
-                </a:solidFill>
-                <a:effectLst/>
-                <a:latin typeface="+mn-lt"/>
-              </a:rPr>
-              <a:t> de tests de charge</a:t>
-            </a:r>
-            <a:endParaRPr kumimoji="0" lang="en-US" sz="3200" b="0" i="0" u="none" strike="noStrike" cap="none" normalizeH="0" baseline="0" dirty="0" smtClean="0">
-              <a:ln>
-                <a:noFill/>
-              </a:ln>
-              <a:solidFill>
-                <a:schemeClr val="bg1"/>
-              </a:solidFill>
-              <a:effectLst/>
-              <a:latin typeface="+mn-lt"/>
-            </a:endParaRPr>
-          </a:p>
-        </p:txBody>
-      </p:sp>
-      <p:cxnSp>
-        <p:nvCxnSpPr>
-          <p:cNvPr id="9" name="Straight Arrow Connector 8"/>
-          <p:cNvCxnSpPr>
-            <a:stCxn id="4" idx="3"/>
-            <a:endCxn id="5" idx="1"/>
-          </p:cNvCxnSpPr>
-          <p:nvPr/>
-        </p:nvCxnSpPr>
-        <p:spPr bwMode="auto">
-          <a:xfrm flipV="1">
-            <a:off x="3742048" y="923950"/>
-            <a:ext cx="1706376" cy="301898"/>
-          </a:xfrm>
-          <a:prstGeom prst="straightConnector1">
-            <a:avLst/>
-          </a:prstGeom>
-          <a:solidFill>
-            <a:schemeClr val="accent1"/>
-          </a:solidFill>
-          <a:ln w="9525" cap="flat" cmpd="sng" algn="ctr">
-            <a:solidFill>
-              <a:schemeClr val="tx1"/>
-            </a:solidFill>
-            <a:prstDash val="solid"/>
-            <a:round/>
-            <a:headEnd type="none" w="med" len="med"/>
-            <a:tailEnd type="arrow"/>
-          </a:ln>
-          <a:effectLst/>
-        </p:spPr>
-      </p:cxnSp>
-      <p:cxnSp>
-        <p:nvCxnSpPr>
-          <p:cNvPr id="11" name="Straight Arrow Connector 10"/>
-          <p:cNvCxnSpPr>
-            <a:stCxn id="4" idx="3"/>
-            <a:endCxn id="6" idx="1"/>
-          </p:cNvCxnSpPr>
-          <p:nvPr/>
-        </p:nvCxnSpPr>
-        <p:spPr bwMode="auto">
-          <a:xfrm>
-            <a:off x="3742048" y="1225848"/>
-            <a:ext cx="1706376" cy="841846"/>
-          </a:xfrm>
-          <a:prstGeom prst="straightConnector1">
-            <a:avLst/>
-          </a:prstGeom>
-          <a:solidFill>
-            <a:schemeClr val="accent1"/>
-          </a:solidFill>
-          <a:ln w="9525" cap="flat" cmpd="sng" algn="ctr">
-            <a:solidFill>
-              <a:schemeClr val="tx1"/>
-            </a:solidFill>
-            <a:prstDash val="solid"/>
-            <a:round/>
-            <a:headEnd type="none" w="med" len="med"/>
-            <a:tailEnd type="arrow"/>
-          </a:ln>
-          <a:effectLst/>
-        </p:spPr>
-      </p:cxnSp>
     </p:spTree>
     <p:extLst>
       <p:ext uri="{BB962C8B-B14F-4D97-AF65-F5344CB8AC3E}">
-        <p14:creationId xmlns:p14="http://schemas.microsoft.com/office/powerpoint/2010/main" val="2650603690"/>
+        <p14:creationId xmlns:p14="http://schemas.microsoft.com/office/powerpoint/2010/main" val="3121440595"/>
       </p:ext>
     </p:extLst>
   </p:cSld>
@@ -44688,511 +43089,47 @@
           <a:chExt cx="0" cy="0"/>
         </a:xfrm>
       </p:grpSpPr>
-      <p:sp>
-        <p:nvSpPr>
-          <p:cNvPr id="4" name="Rectangle 3"/>
-          <p:cNvSpPr/>
+      <p:pic>
+        <p:nvPicPr>
+          <p:cNvPr id="4098" name="Picture 2" descr="cap atouts, bilan de compétence, ressource humaine"/>
+          <p:cNvPicPr>
+            <a:picLocks noChangeAspect="1" noChangeArrowheads="1"/>
+          </p:cNvPicPr>
           <p:nvPr/>
-        </p:nvSpPr>
+        </p:nvPicPr>
+        <p:blipFill>
+          <a:blip r:embed="rId3">
+            <a:extLst>
+              <a:ext uri="{28A0092B-C50C-407E-A947-70E740481C1C}">
+                <a14:useLocalDpi xmlns:a14="http://schemas.microsoft.com/office/drawing/2010/main" val="0"/>
+              </a:ext>
+            </a:extLst>
+          </a:blip>
+          <a:srcRect/>
+          <a:stretch>
+            <a:fillRect/>
+          </a:stretch>
+        </p:blipFill>
         <p:spPr bwMode="auto">
           <a:xfrm>
-            <a:off x="1797832" y="793800"/>
-            <a:ext cx="1944216" cy="864096"/>
+            <a:off x="1979712" y="195486"/>
+            <a:ext cx="4968552" cy="4358379"/>
           </a:xfrm>
           <a:prstGeom prst="rect">
             <a:avLst/>
           </a:prstGeom>
-          <a:ln>
-            <a:headEnd type="none" w="med" len="med"/>
-            <a:tailEnd type="none" w="med" len="med"/>
-          </a:ln>
+          <a:noFill/>
+          <a:extLst>
+            <a:ext uri="{909E8E84-426E-40DD-AFC4-6F175D3DCCD1}">
+              <a14:hiddenFill xmlns:a14="http://schemas.microsoft.com/office/drawing/2010/main">
+                <a:solidFill>
+                  <a:srgbClr val="FFFFFF"/>
+                </a:solidFill>
+              </a14:hiddenFill>
+            </a:ext>
+          </a:extLst>
         </p:spPr>
-        <p:style>
-          <a:lnRef idx="2">
-            <a:schemeClr val="accent3">
-              <a:shade val="50000"/>
-            </a:schemeClr>
-          </a:lnRef>
-          <a:fillRef idx="1">
-            <a:schemeClr val="accent3"/>
-          </a:fillRef>
-          <a:effectRef idx="0">
-            <a:schemeClr val="accent3"/>
-          </a:effectRef>
-          <a:fontRef idx="minor">
-            <a:schemeClr val="lt1"/>
-          </a:fontRef>
-        </p:style>
-        <p:txBody>
-          <a:bodyPr vert="horz" wrap="square" lIns="91440" tIns="45720" rIns="91440" bIns="45720" numCol="1" rtlCol="0" anchor="ctr" anchorCtr="0" compatLnSpc="1">
-            <a:prstTxWarp prst="textNoShape">
-              <a:avLst/>
-            </a:prstTxWarp>
-          </a:bodyPr>
-          <a:lstStyle/>
-          <a:p>
-            <a:pPr marL="0" marR="0" indent="0" algn="ctr" defTabSz="914400" rtl="0" eaLnBrk="0" fontAlgn="base" latinLnBrk="0" hangingPunct="0">
-              <a:lnSpc>
-                <a:spcPct val="100000"/>
-              </a:lnSpc>
-              <a:spcBef>
-                <a:spcPct val="0"/>
-              </a:spcBef>
-              <a:spcAft>
-                <a:spcPct val="0"/>
-              </a:spcAft>
-              <a:buClrTx/>
-              <a:buSzTx/>
-              <a:buFontTx/>
-              <a:buNone/>
-              <a:tabLst/>
-            </a:pPr>
-            <a:r>
-              <a:rPr kumimoji="0" lang="en-US" sz="3200" b="0" i="0" u="none" strike="noStrike" cap="none" normalizeH="0" baseline="0" dirty="0" smtClean="0">
-                <a:ln>
-                  <a:noFill/>
-                </a:ln>
-                <a:solidFill>
-                  <a:schemeClr val="bg1"/>
-                </a:solidFill>
-                <a:effectLst/>
-                <a:latin typeface="+mn-lt"/>
-              </a:rPr>
-              <a:t>Tuning</a:t>
-            </a:r>
-            <a:endParaRPr kumimoji="0" lang="en-US" sz="3200" b="0" i="0" u="none" strike="noStrike" cap="none" normalizeH="0" baseline="0" dirty="0" smtClean="0">
-              <a:ln>
-                <a:noFill/>
-              </a:ln>
-              <a:solidFill>
-                <a:schemeClr val="bg1"/>
-              </a:solidFill>
-              <a:effectLst/>
-              <a:latin typeface="+mn-lt"/>
-            </a:endParaRPr>
-          </a:p>
-        </p:txBody>
-      </p:sp>
-      <p:sp>
-        <p:nvSpPr>
-          <p:cNvPr id="5" name="Rectangle 4"/>
-          <p:cNvSpPr/>
-          <p:nvPr/>
-        </p:nvSpPr>
-        <p:spPr bwMode="auto">
-          <a:xfrm>
-            <a:off x="5448424" y="491902"/>
-            <a:ext cx="1944216" cy="864096"/>
-          </a:xfrm>
-          <a:prstGeom prst="rect">
-            <a:avLst/>
-          </a:prstGeom>
-          <a:ln>
-            <a:headEnd type="none" w="med" len="med"/>
-            <a:tailEnd type="none" w="med" len="med"/>
-          </a:ln>
-        </p:spPr>
-        <p:style>
-          <a:lnRef idx="2">
-            <a:schemeClr val="accent3">
-              <a:shade val="50000"/>
-            </a:schemeClr>
-          </a:lnRef>
-          <a:fillRef idx="1">
-            <a:schemeClr val="accent3"/>
-          </a:fillRef>
-          <a:effectRef idx="0">
-            <a:schemeClr val="accent3"/>
-          </a:effectRef>
-          <a:fontRef idx="minor">
-            <a:schemeClr val="lt1"/>
-          </a:fontRef>
-        </p:style>
-        <p:txBody>
-          <a:bodyPr vert="horz" wrap="square" lIns="91440" tIns="45720" rIns="91440" bIns="45720" numCol="1" rtlCol="0" anchor="ctr" anchorCtr="0" compatLnSpc="1">
-            <a:prstTxWarp prst="textNoShape">
-              <a:avLst/>
-            </a:prstTxWarp>
-          </a:bodyPr>
-          <a:lstStyle/>
-          <a:p>
-            <a:pPr marL="0" marR="0" indent="0" algn="ctr" defTabSz="914400" rtl="0" eaLnBrk="0" fontAlgn="base" latinLnBrk="0" hangingPunct="0">
-              <a:lnSpc>
-                <a:spcPct val="100000"/>
-              </a:lnSpc>
-              <a:spcBef>
-                <a:spcPct val="0"/>
-              </a:spcBef>
-              <a:spcAft>
-                <a:spcPct val="0"/>
-              </a:spcAft>
-              <a:buClrTx/>
-              <a:buSzTx/>
-              <a:buFontTx/>
-              <a:buNone/>
-              <a:tabLst/>
-            </a:pPr>
-            <a:r>
-              <a:rPr kumimoji="0" lang="en-US" sz="3200" b="0" i="0" u="none" strike="noStrike" cap="none" normalizeH="0" baseline="0" dirty="0" err="1" smtClean="0">
-                <a:ln>
-                  <a:noFill/>
-                </a:ln>
-                <a:solidFill>
-                  <a:schemeClr val="bg1"/>
-                </a:solidFill>
-                <a:effectLst/>
-                <a:latin typeface="+mn-lt"/>
-              </a:rPr>
-              <a:t>Applicatif</a:t>
-            </a:r>
-            <a:endParaRPr kumimoji="0" lang="en-US" sz="3200" b="0" i="0" u="none" strike="noStrike" cap="none" normalizeH="0" baseline="0" dirty="0" smtClean="0">
-              <a:ln>
-                <a:noFill/>
-              </a:ln>
-              <a:solidFill>
-                <a:schemeClr val="bg1"/>
-              </a:solidFill>
-              <a:effectLst/>
-              <a:latin typeface="+mn-lt"/>
-            </a:endParaRPr>
-          </a:p>
-        </p:txBody>
-      </p:sp>
-      <p:sp>
-        <p:nvSpPr>
-          <p:cNvPr id="6" name="Rectangle 5"/>
-          <p:cNvSpPr/>
-          <p:nvPr/>
-        </p:nvSpPr>
-        <p:spPr bwMode="auto">
-          <a:xfrm>
-            <a:off x="5448424" y="1635646"/>
-            <a:ext cx="1944216" cy="864096"/>
-          </a:xfrm>
-          <a:prstGeom prst="rect">
-            <a:avLst/>
-          </a:prstGeom>
-          <a:ln>
-            <a:headEnd type="none" w="med" len="med"/>
-            <a:tailEnd type="none" w="med" len="med"/>
-          </a:ln>
-        </p:spPr>
-        <p:style>
-          <a:lnRef idx="2">
-            <a:schemeClr val="accent3">
-              <a:shade val="50000"/>
-            </a:schemeClr>
-          </a:lnRef>
-          <a:fillRef idx="1">
-            <a:schemeClr val="accent3"/>
-          </a:fillRef>
-          <a:effectRef idx="0">
-            <a:schemeClr val="accent3"/>
-          </a:effectRef>
-          <a:fontRef idx="minor">
-            <a:schemeClr val="lt1"/>
-          </a:fontRef>
-        </p:style>
-        <p:txBody>
-          <a:bodyPr vert="horz" wrap="square" lIns="91440" tIns="45720" rIns="91440" bIns="45720" numCol="1" rtlCol="0" anchor="ctr" anchorCtr="0" compatLnSpc="1">
-            <a:prstTxWarp prst="textNoShape">
-              <a:avLst/>
-            </a:prstTxWarp>
-          </a:bodyPr>
-          <a:lstStyle/>
-          <a:p>
-            <a:pPr marL="0" marR="0" indent="0" algn="ctr" defTabSz="914400" rtl="0" eaLnBrk="0" fontAlgn="base" latinLnBrk="0" hangingPunct="0">
-              <a:lnSpc>
-                <a:spcPct val="100000"/>
-              </a:lnSpc>
-              <a:spcBef>
-                <a:spcPct val="0"/>
-              </a:spcBef>
-              <a:spcAft>
-                <a:spcPct val="0"/>
-              </a:spcAft>
-              <a:buClrTx/>
-              <a:buSzTx/>
-              <a:buFontTx/>
-              <a:buNone/>
-              <a:tabLst/>
-            </a:pPr>
-            <a:r>
-              <a:rPr kumimoji="0" lang="en-US" sz="3200" b="0" i="0" u="none" strike="noStrike" cap="none" normalizeH="0" baseline="0" dirty="0" err="1" smtClean="0">
-                <a:ln>
-                  <a:noFill/>
-                </a:ln>
-                <a:solidFill>
-                  <a:schemeClr val="bg1"/>
-                </a:solidFill>
-                <a:effectLst/>
-                <a:latin typeface="+mn-lt"/>
-              </a:rPr>
-              <a:t>Système</a:t>
-            </a:r>
-            <a:endParaRPr kumimoji="0" lang="en-US" sz="3200" b="0" i="0" u="none" strike="noStrike" cap="none" normalizeH="0" baseline="0" dirty="0" smtClean="0">
-              <a:ln>
-                <a:noFill/>
-              </a:ln>
-              <a:solidFill>
-                <a:schemeClr val="bg1"/>
-              </a:solidFill>
-              <a:effectLst/>
-              <a:latin typeface="+mn-lt"/>
-            </a:endParaRPr>
-          </a:p>
-        </p:txBody>
-      </p:sp>
-      <p:sp>
-        <p:nvSpPr>
-          <p:cNvPr id="7" name="Rectangle 6"/>
-          <p:cNvSpPr/>
-          <p:nvPr/>
-        </p:nvSpPr>
-        <p:spPr bwMode="auto">
-          <a:xfrm>
-            <a:off x="827584" y="3363838"/>
-            <a:ext cx="3456384" cy="1368152"/>
-          </a:xfrm>
-          <a:prstGeom prst="rect">
-            <a:avLst/>
-          </a:prstGeom>
-          <a:ln>
-            <a:headEnd type="none" w="med" len="med"/>
-            <a:tailEnd type="none" w="med" len="med"/>
-          </a:ln>
-        </p:spPr>
-        <p:style>
-          <a:lnRef idx="2">
-            <a:schemeClr val="accent2">
-              <a:shade val="50000"/>
-            </a:schemeClr>
-          </a:lnRef>
-          <a:fillRef idx="1">
-            <a:schemeClr val="accent2"/>
-          </a:fillRef>
-          <a:effectRef idx="0">
-            <a:schemeClr val="accent2"/>
-          </a:effectRef>
-          <a:fontRef idx="minor">
-            <a:schemeClr val="lt1"/>
-          </a:fontRef>
-        </p:style>
-        <p:txBody>
-          <a:bodyPr vert="horz" wrap="square" lIns="91440" tIns="45720" rIns="91440" bIns="45720" numCol="1" rtlCol="0" anchor="ctr" anchorCtr="0" compatLnSpc="1">
-            <a:prstTxWarp prst="textNoShape">
-              <a:avLst/>
-            </a:prstTxWarp>
-          </a:bodyPr>
-          <a:lstStyle/>
-          <a:p>
-            <a:pPr marL="0" marR="0" indent="0" algn="ctr" defTabSz="914400" rtl="0" eaLnBrk="0" fontAlgn="base" latinLnBrk="0" hangingPunct="0">
-              <a:lnSpc>
-                <a:spcPct val="100000"/>
-              </a:lnSpc>
-              <a:spcBef>
-                <a:spcPct val="0"/>
-              </a:spcBef>
-              <a:spcAft>
-                <a:spcPct val="0"/>
-              </a:spcAft>
-              <a:buClrTx/>
-              <a:buSzTx/>
-              <a:buFontTx/>
-              <a:buNone/>
-              <a:tabLst/>
-            </a:pPr>
-            <a:r>
-              <a:rPr kumimoji="0" lang="en-US" sz="3200" b="0" i="0" u="none" strike="noStrike" cap="none" normalizeH="0" baseline="0" dirty="0" err="1" smtClean="0">
-                <a:ln>
-                  <a:noFill/>
-                </a:ln>
-                <a:solidFill>
-                  <a:schemeClr val="bg1"/>
-                </a:solidFill>
-                <a:effectLst/>
-                <a:latin typeface="+mn-lt"/>
-              </a:rPr>
-              <a:t>Méthodologie</a:t>
-            </a:r>
-            <a:r>
-              <a:rPr kumimoji="0" lang="en-US" sz="3200" b="0" i="0" u="none" strike="noStrike" cap="none" normalizeH="0" baseline="0" dirty="0" smtClean="0">
-                <a:ln>
-                  <a:noFill/>
-                </a:ln>
-                <a:solidFill>
-                  <a:schemeClr val="bg1"/>
-                </a:solidFill>
-                <a:effectLst/>
-                <a:latin typeface="+mn-lt"/>
-              </a:rPr>
-              <a:t> de tests de charge</a:t>
-            </a:r>
-            <a:endParaRPr kumimoji="0" lang="en-US" sz="3200" b="0" i="0" u="none" strike="noStrike" cap="none" normalizeH="0" baseline="0" dirty="0" smtClean="0">
-              <a:ln>
-                <a:noFill/>
-              </a:ln>
-              <a:solidFill>
-                <a:schemeClr val="bg1"/>
-              </a:solidFill>
-              <a:effectLst/>
-              <a:latin typeface="+mn-lt"/>
-            </a:endParaRPr>
-          </a:p>
-        </p:txBody>
-      </p:sp>
-      <p:cxnSp>
-        <p:nvCxnSpPr>
-          <p:cNvPr id="9" name="Straight Arrow Connector 8"/>
-          <p:cNvCxnSpPr>
-            <a:stCxn id="4" idx="3"/>
-            <a:endCxn id="5" idx="1"/>
-          </p:cNvCxnSpPr>
-          <p:nvPr/>
-        </p:nvCxnSpPr>
-        <p:spPr bwMode="auto">
-          <a:xfrm flipV="1">
-            <a:off x="3742048" y="923950"/>
-            <a:ext cx="1706376" cy="301898"/>
-          </a:xfrm>
-          <a:prstGeom prst="straightConnector1">
-            <a:avLst/>
-          </a:prstGeom>
-          <a:solidFill>
-            <a:schemeClr val="accent1"/>
-          </a:solidFill>
-          <a:ln w="9525" cap="flat" cmpd="sng" algn="ctr">
-            <a:solidFill>
-              <a:schemeClr val="tx1"/>
-            </a:solidFill>
-            <a:prstDash val="solid"/>
-            <a:round/>
-            <a:headEnd type="none" w="med" len="med"/>
-            <a:tailEnd type="arrow"/>
-          </a:ln>
-          <a:effectLst/>
-        </p:spPr>
-      </p:cxnSp>
-      <p:cxnSp>
-        <p:nvCxnSpPr>
-          <p:cNvPr id="11" name="Straight Arrow Connector 10"/>
-          <p:cNvCxnSpPr>
-            <a:stCxn id="4" idx="3"/>
-            <a:endCxn id="6" idx="1"/>
-          </p:cNvCxnSpPr>
-          <p:nvPr/>
-        </p:nvCxnSpPr>
-        <p:spPr bwMode="auto">
-          <a:xfrm>
-            <a:off x="3742048" y="1225848"/>
-            <a:ext cx="1706376" cy="841846"/>
-          </a:xfrm>
-          <a:prstGeom prst="straightConnector1">
-            <a:avLst/>
-          </a:prstGeom>
-          <a:solidFill>
-            <a:schemeClr val="accent1"/>
-          </a:solidFill>
-          <a:ln w="9525" cap="flat" cmpd="sng" algn="ctr">
-            <a:solidFill>
-              <a:schemeClr val="tx1"/>
-            </a:solidFill>
-            <a:prstDash val="solid"/>
-            <a:round/>
-            <a:headEnd type="none" w="med" len="med"/>
-            <a:tailEnd type="arrow"/>
-          </a:ln>
-          <a:effectLst/>
-        </p:spPr>
-      </p:cxnSp>
-      <p:sp>
-        <p:nvSpPr>
-          <p:cNvPr id="12" name="Rectangle 11"/>
-          <p:cNvSpPr/>
-          <p:nvPr/>
-        </p:nvSpPr>
-        <p:spPr bwMode="auto">
-          <a:xfrm>
-            <a:off x="4860032" y="3363838"/>
-            <a:ext cx="3456384" cy="1368152"/>
-          </a:xfrm>
-          <a:prstGeom prst="rect">
-            <a:avLst/>
-          </a:prstGeom>
-          <a:ln>
-            <a:headEnd type="none" w="med" len="med"/>
-            <a:tailEnd type="none" w="med" len="med"/>
-          </a:ln>
-        </p:spPr>
-        <p:style>
-          <a:lnRef idx="2">
-            <a:schemeClr val="accent6">
-              <a:shade val="50000"/>
-            </a:schemeClr>
-          </a:lnRef>
-          <a:fillRef idx="1">
-            <a:schemeClr val="accent6"/>
-          </a:fillRef>
-          <a:effectRef idx="0">
-            <a:schemeClr val="accent6"/>
-          </a:effectRef>
-          <a:fontRef idx="minor">
-            <a:schemeClr val="lt1"/>
-          </a:fontRef>
-        </p:style>
-        <p:txBody>
-          <a:bodyPr vert="horz" wrap="square" lIns="91440" tIns="45720" rIns="91440" bIns="45720" numCol="1" rtlCol="0" anchor="ctr" anchorCtr="0" compatLnSpc="1">
-            <a:prstTxWarp prst="textNoShape">
-              <a:avLst/>
-            </a:prstTxWarp>
-          </a:bodyPr>
-          <a:lstStyle/>
-          <a:p>
-            <a:pPr marL="0" marR="0" indent="0" algn="ctr" defTabSz="914400" rtl="0" eaLnBrk="0" fontAlgn="base" latinLnBrk="0" hangingPunct="0">
-              <a:lnSpc>
-                <a:spcPct val="100000"/>
-              </a:lnSpc>
-              <a:spcBef>
-                <a:spcPct val="0"/>
-              </a:spcBef>
-              <a:spcAft>
-                <a:spcPct val="0"/>
-              </a:spcAft>
-              <a:buClrTx/>
-              <a:buSzTx/>
-              <a:buFontTx/>
-              <a:buNone/>
-              <a:tabLst/>
-            </a:pPr>
-            <a:r>
-              <a:rPr lang="en-US" sz="3200" dirty="0" err="1" smtClean="0">
-                <a:solidFill>
-                  <a:schemeClr val="bg1"/>
-                </a:solidFill>
-              </a:rPr>
-              <a:t>Suivi</a:t>
-            </a:r>
-            <a:r>
-              <a:rPr lang="en-US" sz="3200" dirty="0" smtClean="0">
-                <a:solidFill>
-                  <a:schemeClr val="bg1"/>
-                </a:solidFill>
-              </a:rPr>
-              <a:t> des performances</a:t>
-            </a:r>
-            <a:endParaRPr kumimoji="0" lang="en-US" sz="3200" b="0" i="0" u="none" strike="noStrike" cap="none" normalizeH="0" baseline="0" dirty="0" smtClean="0">
-              <a:ln>
-                <a:noFill/>
-              </a:ln>
-              <a:solidFill>
-                <a:schemeClr val="bg1"/>
-              </a:solidFill>
-              <a:effectLst/>
-              <a:latin typeface="+mn-lt"/>
-            </a:endParaRPr>
-          </a:p>
-        </p:txBody>
-      </p:sp>
+      </p:pic>
     </p:spTree>
     <p:extLst>
       <p:ext uri="{BB962C8B-B14F-4D97-AF65-F5344CB8AC3E}">
